--- a/documents/钱杰_2019年度总结述职报告.pptx
+++ b/documents/钱杰_2019年度总结述职报告.pptx
@@ -5,13 +5,19 @@
     <p:sldMasterId id="2147483648" r:id="rId1"/>
   </p:sldMasterIdLst>
   <p:notesMasterIdLst>
-    <p:notesMasterId r:id="rId6"/>
+    <p:notesMasterId r:id="rId12"/>
   </p:notesMasterIdLst>
   <p:sldIdLst>
     <p:sldId id="378" r:id="rId2"/>
     <p:sldId id="275" r:id="rId3"/>
-    <p:sldId id="505" r:id="rId4"/>
-    <p:sldId id="263" r:id="rId5"/>
+    <p:sldId id="506" r:id="rId4"/>
+    <p:sldId id="505" r:id="rId5"/>
+    <p:sldId id="507" r:id="rId6"/>
+    <p:sldId id="509" r:id="rId7"/>
+    <p:sldId id="508" r:id="rId8"/>
+    <p:sldId id="511" r:id="rId9"/>
+    <p:sldId id="510" r:id="rId10"/>
+    <p:sldId id="263" r:id="rId11"/>
   </p:sldIdLst>
   <p:sldSz cx="9144000" cy="6858000" type="screen4x3"/>
   <p:notesSz cx="6858000" cy="9144000"/>
@@ -211,7 +217,7 @@
           <a:p>
             <a:fld id="{A837EAE5-3D32-CA45-8182-DFFD9EC0CCA8}" type="datetimeFigureOut">
               <a:rPr kumimoji="1" lang="zh-CN" altLang="en-US" smtClean="0"/>
-              <a:t>2019/12/22</a:t>
+              <a:t>2019/12/23</a:t>
             </a:fld>
             <a:endParaRPr kumimoji="1" lang="zh-CN" altLang="en-US"/>
           </a:p>
@@ -519,6 +525,90 @@
         </p:nvSpPr>
         <p:spPr/>
         <p:txBody>
+          <a:bodyPr/>
+          <a:lstStyle/>
+          <a:p>
+            <a:endParaRPr kumimoji="1" lang="zh-CN" altLang="en-US" dirty="0"/>
+          </a:p>
+        </p:txBody>
+      </p:sp>
+      <p:sp>
+        <p:nvSpPr>
+          <p:cNvPr id="4" name="幻灯片编号占位符 3"/>
+          <p:cNvSpPr>
+            <a:spLocks noGrp="1"/>
+          </p:cNvSpPr>
+          <p:nvPr>
+            <p:ph type="sldNum" sz="quarter" idx="10"/>
+          </p:nvPr>
+        </p:nvSpPr>
+        <p:spPr/>
+        <p:txBody>
+          <a:bodyPr/>
+          <a:lstStyle/>
+          <a:p>
+            <a:fld id="{4AD499BE-0161-E141-BAEF-86D79897B63B}" type="slidenum">
+              <a:rPr kumimoji="1" lang="zh-CN" altLang="en-US" smtClean="0"/>
+              <a:t>2</a:t>
+            </a:fld>
+            <a:endParaRPr kumimoji="1" lang="zh-CN" altLang="en-US"/>
+          </a:p>
+        </p:txBody>
+      </p:sp>
+    </p:spTree>
+    <p:extLst>
+      <p:ext uri="{BB962C8B-B14F-4D97-AF65-F5344CB8AC3E}">
+        <p14:creationId xmlns:p14="http://schemas.microsoft.com/office/powerpoint/2010/main" val="1119579421"/>
+      </p:ext>
+    </p:extLst>
+  </p:cSld>
+  <p:clrMapOvr>
+    <a:masterClrMapping/>
+  </p:clrMapOvr>
+</p:notes>
+</file>
+
+<file path=ppt/notesSlides/notesSlide2.xml><?xml version="1.0" encoding="utf-8"?>
+<p:notes xmlns:a="http://schemas.openxmlformats.org/drawingml/2006/main" xmlns:r="http://schemas.openxmlformats.org/officeDocument/2006/relationships" xmlns:p="http://schemas.openxmlformats.org/presentationml/2006/main">
+  <p:cSld>
+    <p:spTree>
+      <p:nvGrpSpPr>
+        <p:cNvPr id="1" name=""/>
+        <p:cNvGrpSpPr/>
+        <p:nvPr/>
+      </p:nvGrpSpPr>
+      <p:grpSpPr>
+        <a:xfrm>
+          <a:off x="0" y="0"/>
+          <a:ext cx="0" cy="0"/>
+          <a:chOff x="0" y="0"/>
+          <a:chExt cx="0" cy="0"/>
+        </a:xfrm>
+      </p:grpSpPr>
+      <p:sp>
+        <p:nvSpPr>
+          <p:cNvPr id="2" name="幻灯片图像占位符 1"/>
+          <p:cNvSpPr>
+            <a:spLocks noGrp="1" noRot="1" noChangeAspect="1"/>
+          </p:cNvSpPr>
+          <p:nvPr>
+            <p:ph type="sldImg"/>
+          </p:nvPr>
+        </p:nvSpPr>
+        <p:spPr/>
+      </p:sp>
+      <p:sp>
+        <p:nvSpPr>
+          <p:cNvPr id="3" name="备注占位符 2"/>
+          <p:cNvSpPr>
+            <a:spLocks noGrp="1"/>
+          </p:cNvSpPr>
+          <p:nvPr>
+            <p:ph type="body" idx="1"/>
+          </p:nvPr>
+        </p:nvSpPr>
+        <p:spPr/>
+        <p:txBody>
           <a:bodyPr>
             <a:normAutofit/>
           </a:bodyPr>
@@ -574,7 +664,7 @@
                 <a:ea typeface="宋体" charset="-122"/>
                 <a:cs typeface="+mn-cs"/>
               </a:rPr>
-              <a:t>3</a:t>
+              <a:t>4</a:t>
             </a:fld>
             <a:endParaRPr kumimoji="0" lang="zh-CN" altLang="en-US" sz="1200" b="0" i="0" u="none" strike="noStrike" kern="1200" cap="none" spc="0" normalizeH="0" baseline="0" noProof="0">
               <a:ln>
@@ -597,6 +687,972 @@
     <p:extLst>
       <p:ext uri="{BB962C8B-B14F-4D97-AF65-F5344CB8AC3E}">
         <p14:creationId xmlns:p14="http://schemas.microsoft.com/office/powerpoint/2010/main" val="3839427674"/>
+      </p:ext>
+    </p:extLst>
+  </p:cSld>
+  <p:clrMapOvr>
+    <a:masterClrMapping/>
+  </p:clrMapOvr>
+</p:notes>
+</file>
+
+<file path=ppt/notesSlides/notesSlide3.xml><?xml version="1.0" encoding="utf-8"?>
+<p:notes xmlns:a="http://schemas.openxmlformats.org/drawingml/2006/main" xmlns:r="http://schemas.openxmlformats.org/officeDocument/2006/relationships" xmlns:p="http://schemas.openxmlformats.org/presentationml/2006/main">
+  <p:cSld>
+    <p:spTree>
+      <p:nvGrpSpPr>
+        <p:cNvPr id="1" name=""/>
+        <p:cNvGrpSpPr/>
+        <p:nvPr/>
+      </p:nvGrpSpPr>
+      <p:grpSpPr>
+        <a:xfrm>
+          <a:off x="0" y="0"/>
+          <a:ext cx="0" cy="0"/>
+          <a:chOff x="0" y="0"/>
+          <a:chExt cx="0" cy="0"/>
+        </a:xfrm>
+      </p:grpSpPr>
+      <p:sp>
+        <p:nvSpPr>
+          <p:cNvPr id="2" name="幻灯片图像占位符 1"/>
+          <p:cNvSpPr>
+            <a:spLocks noGrp="1" noRot="1" noChangeAspect="1"/>
+          </p:cNvSpPr>
+          <p:nvPr>
+            <p:ph type="sldImg"/>
+          </p:nvPr>
+        </p:nvSpPr>
+        <p:spPr/>
+      </p:sp>
+      <p:sp>
+        <p:nvSpPr>
+          <p:cNvPr id="3" name="备注占位符 2"/>
+          <p:cNvSpPr>
+            <a:spLocks noGrp="1"/>
+          </p:cNvSpPr>
+          <p:nvPr>
+            <p:ph type="body" idx="1"/>
+          </p:nvPr>
+        </p:nvSpPr>
+        <p:spPr/>
+        <p:txBody>
+          <a:bodyPr>
+            <a:normAutofit/>
+          </a:bodyPr>
+          <a:lstStyle/>
+          <a:p>
+            <a:endParaRPr lang="zh-CN" altLang="en-US" dirty="0"/>
+          </a:p>
+        </p:txBody>
+      </p:sp>
+      <p:sp>
+        <p:nvSpPr>
+          <p:cNvPr id="4" name="灯片编号占位符 3"/>
+          <p:cNvSpPr>
+            <a:spLocks noGrp="1"/>
+          </p:cNvSpPr>
+          <p:nvPr>
+            <p:ph type="sldNum" sz="quarter" idx="10"/>
+          </p:nvPr>
+        </p:nvSpPr>
+        <p:spPr/>
+        <p:txBody>
+          <a:bodyPr/>
+          <a:lstStyle/>
+          <a:p>
+            <a:pPr marL="0" marR="0" lvl="0" indent="0" algn="r" defTabSz="457200" rtl="0" eaLnBrk="1" fontAlgn="auto" latinLnBrk="0" hangingPunct="1">
+              <a:lnSpc>
+                <a:spcPct val="100000"/>
+              </a:lnSpc>
+              <a:spcBef>
+                <a:spcPts val="0"/>
+              </a:spcBef>
+              <a:spcAft>
+                <a:spcPts val="0"/>
+              </a:spcAft>
+              <a:buClrTx/>
+              <a:buSzTx/>
+              <a:buFontTx/>
+              <a:buNone/>
+              <a:defRPr/>
+            </a:pPr>
+            <a:fld id="{72FBEE64-AAEC-4EB7-B0C9-7DD16C667FD9}" type="slidenum">
+              <a:rPr kumimoji="0" lang="zh-CN" altLang="en-US" sz="1200" b="0" i="0" u="none" strike="noStrike" kern="1200" cap="none" spc="0" normalizeH="0" baseline="0" noProof="0" smtClean="0">
+                <a:ln>
+                  <a:noFill/>
+                </a:ln>
+                <a:solidFill>
+                  <a:prstClr val="black"/>
+                </a:solidFill>
+                <a:effectLst/>
+                <a:uLnTx/>
+                <a:uFillTx/>
+                <a:latin typeface="Calibri"/>
+                <a:ea typeface="宋体" charset="-122"/>
+                <a:cs typeface="+mn-cs"/>
+              </a:rPr>
+              <a:t>5</a:t>
+            </a:fld>
+            <a:endParaRPr kumimoji="0" lang="zh-CN" altLang="en-US" sz="1200" b="0" i="0" u="none" strike="noStrike" kern="1200" cap="none" spc="0" normalizeH="0" baseline="0" noProof="0">
+              <a:ln>
+                <a:noFill/>
+              </a:ln>
+              <a:solidFill>
+                <a:prstClr val="black"/>
+              </a:solidFill>
+              <a:effectLst/>
+              <a:uLnTx/>
+              <a:uFillTx/>
+              <a:latin typeface="Calibri"/>
+              <a:ea typeface="宋体" charset="-122"/>
+              <a:cs typeface="+mn-cs"/>
+            </a:endParaRPr>
+          </a:p>
+        </p:txBody>
+      </p:sp>
+    </p:spTree>
+    <p:extLst>
+      <p:ext uri="{BB962C8B-B14F-4D97-AF65-F5344CB8AC3E}">
+        <p14:creationId xmlns:p14="http://schemas.microsoft.com/office/powerpoint/2010/main" val="1261714738"/>
+      </p:ext>
+    </p:extLst>
+  </p:cSld>
+  <p:clrMapOvr>
+    <a:masterClrMapping/>
+  </p:clrMapOvr>
+</p:notes>
+</file>
+
+<file path=ppt/notesSlides/notesSlide4.xml><?xml version="1.0" encoding="utf-8"?>
+<p:notes xmlns:a="http://schemas.openxmlformats.org/drawingml/2006/main" xmlns:r="http://schemas.openxmlformats.org/officeDocument/2006/relationships" xmlns:p="http://schemas.openxmlformats.org/presentationml/2006/main">
+  <p:cSld>
+    <p:spTree>
+      <p:nvGrpSpPr>
+        <p:cNvPr id="1" name=""/>
+        <p:cNvGrpSpPr/>
+        <p:nvPr/>
+      </p:nvGrpSpPr>
+      <p:grpSpPr>
+        <a:xfrm>
+          <a:off x="0" y="0"/>
+          <a:ext cx="0" cy="0"/>
+          <a:chOff x="0" y="0"/>
+          <a:chExt cx="0" cy="0"/>
+        </a:xfrm>
+      </p:grpSpPr>
+      <p:sp>
+        <p:nvSpPr>
+          <p:cNvPr id="2" name="幻灯片图像占位符 1"/>
+          <p:cNvSpPr>
+            <a:spLocks noGrp="1" noRot="1" noChangeAspect="1"/>
+          </p:cNvSpPr>
+          <p:nvPr>
+            <p:ph type="sldImg"/>
+          </p:nvPr>
+        </p:nvSpPr>
+        <p:spPr/>
+      </p:sp>
+      <p:sp>
+        <p:nvSpPr>
+          <p:cNvPr id="3" name="备注占位符 2"/>
+          <p:cNvSpPr>
+            <a:spLocks noGrp="1"/>
+          </p:cNvSpPr>
+          <p:nvPr>
+            <p:ph type="body" idx="1"/>
+          </p:nvPr>
+        </p:nvSpPr>
+        <p:spPr/>
+        <p:txBody>
+          <a:bodyPr>
+            <a:normAutofit/>
+          </a:bodyPr>
+          <a:lstStyle/>
+          <a:p>
+            <a:endParaRPr lang="zh-CN" altLang="en-US" dirty="0"/>
+          </a:p>
+        </p:txBody>
+      </p:sp>
+      <p:sp>
+        <p:nvSpPr>
+          <p:cNvPr id="4" name="灯片编号占位符 3"/>
+          <p:cNvSpPr>
+            <a:spLocks noGrp="1"/>
+          </p:cNvSpPr>
+          <p:nvPr>
+            <p:ph type="sldNum" sz="quarter" idx="10"/>
+          </p:nvPr>
+        </p:nvSpPr>
+        <p:spPr/>
+        <p:txBody>
+          <a:bodyPr/>
+          <a:lstStyle/>
+          <a:p>
+            <a:pPr marL="0" marR="0" lvl="0" indent="0" algn="r" defTabSz="457200" rtl="0" eaLnBrk="1" fontAlgn="auto" latinLnBrk="0" hangingPunct="1">
+              <a:lnSpc>
+                <a:spcPct val="100000"/>
+              </a:lnSpc>
+              <a:spcBef>
+                <a:spcPts val="0"/>
+              </a:spcBef>
+              <a:spcAft>
+                <a:spcPts val="0"/>
+              </a:spcAft>
+              <a:buClrTx/>
+              <a:buSzTx/>
+              <a:buFontTx/>
+              <a:buNone/>
+              <a:defRPr/>
+            </a:pPr>
+            <a:fld id="{72FBEE64-AAEC-4EB7-B0C9-7DD16C667FD9}" type="slidenum">
+              <a:rPr kumimoji="0" lang="zh-CN" altLang="en-US" sz="1200" b="0" i="0" u="none" strike="noStrike" kern="1200" cap="none" spc="0" normalizeH="0" baseline="0" noProof="0" smtClean="0">
+                <a:ln>
+                  <a:noFill/>
+                </a:ln>
+                <a:solidFill>
+                  <a:prstClr val="black"/>
+                </a:solidFill>
+                <a:effectLst/>
+                <a:uLnTx/>
+                <a:uFillTx/>
+                <a:latin typeface="Calibri"/>
+                <a:ea typeface="宋体" charset="-122"/>
+                <a:cs typeface="+mn-cs"/>
+              </a:rPr>
+              <a:t>6</a:t>
+            </a:fld>
+            <a:endParaRPr kumimoji="0" lang="zh-CN" altLang="en-US" sz="1200" b="0" i="0" u="none" strike="noStrike" kern="1200" cap="none" spc="0" normalizeH="0" baseline="0" noProof="0">
+              <a:ln>
+                <a:noFill/>
+              </a:ln>
+              <a:solidFill>
+                <a:prstClr val="black"/>
+              </a:solidFill>
+              <a:effectLst/>
+              <a:uLnTx/>
+              <a:uFillTx/>
+              <a:latin typeface="Calibri"/>
+              <a:ea typeface="宋体" charset="-122"/>
+              <a:cs typeface="+mn-cs"/>
+            </a:endParaRPr>
+          </a:p>
+        </p:txBody>
+      </p:sp>
+    </p:spTree>
+    <p:extLst>
+      <p:ext uri="{BB962C8B-B14F-4D97-AF65-F5344CB8AC3E}">
+        <p14:creationId xmlns:p14="http://schemas.microsoft.com/office/powerpoint/2010/main" val="132049056"/>
+      </p:ext>
+    </p:extLst>
+  </p:cSld>
+  <p:clrMapOvr>
+    <a:masterClrMapping/>
+  </p:clrMapOvr>
+</p:notes>
+</file>
+
+<file path=ppt/notesSlides/notesSlide5.xml><?xml version="1.0" encoding="utf-8"?>
+<p:notes xmlns:a="http://schemas.openxmlformats.org/drawingml/2006/main" xmlns:r="http://schemas.openxmlformats.org/officeDocument/2006/relationships" xmlns:p="http://schemas.openxmlformats.org/presentationml/2006/main">
+  <p:cSld>
+    <p:spTree>
+      <p:nvGrpSpPr>
+        <p:cNvPr id="1" name=""/>
+        <p:cNvGrpSpPr/>
+        <p:nvPr/>
+      </p:nvGrpSpPr>
+      <p:grpSpPr>
+        <a:xfrm>
+          <a:off x="0" y="0"/>
+          <a:ext cx="0" cy="0"/>
+          <a:chOff x="0" y="0"/>
+          <a:chExt cx="0" cy="0"/>
+        </a:xfrm>
+      </p:grpSpPr>
+      <p:sp>
+        <p:nvSpPr>
+          <p:cNvPr id="2" name="幻灯片图像占位符 1"/>
+          <p:cNvSpPr>
+            <a:spLocks noGrp="1" noRot="1" noChangeAspect="1"/>
+          </p:cNvSpPr>
+          <p:nvPr>
+            <p:ph type="sldImg"/>
+          </p:nvPr>
+        </p:nvSpPr>
+        <p:spPr/>
+      </p:sp>
+      <p:sp>
+        <p:nvSpPr>
+          <p:cNvPr id="3" name="备注占位符 2"/>
+          <p:cNvSpPr>
+            <a:spLocks noGrp="1"/>
+          </p:cNvSpPr>
+          <p:nvPr>
+            <p:ph type="body" idx="1"/>
+          </p:nvPr>
+        </p:nvSpPr>
+        <p:spPr/>
+        <p:txBody>
+          <a:bodyPr>
+            <a:normAutofit/>
+          </a:bodyPr>
+          <a:lstStyle/>
+          <a:p>
+            <a:r>
+              <a:rPr lang="en-US" altLang="zh-CN" sz="1400" dirty="0">
+                <a:latin typeface="PingFang SC" panose="020B0400000000000000" pitchFamily="34" charset="-122"/>
+                <a:ea typeface="PingFang SC" panose="020B0400000000000000" pitchFamily="34" charset="-122"/>
+              </a:rPr>
+              <a:t>1</a:t>
+            </a:r>
+            <a:r>
+              <a:rPr lang="zh-Hans" altLang="en-US" sz="1400" dirty="0">
+                <a:latin typeface="PingFang SC" panose="020B0400000000000000" pitchFamily="34" charset="-122"/>
+                <a:ea typeface="PingFang SC" panose="020B0400000000000000" pitchFamily="34" charset="-122"/>
+              </a:rPr>
+              <a:t>、二手房、新房、租房业务代码集中在主项目</a:t>
+            </a:r>
+            <a:endParaRPr lang="en-US" altLang="zh-Hans" sz="1400" dirty="0">
+              <a:latin typeface="PingFang SC" panose="020B0400000000000000" pitchFamily="34" charset="-122"/>
+              <a:ea typeface="PingFang SC" panose="020B0400000000000000" pitchFamily="34" charset="-122"/>
+            </a:endParaRPr>
+          </a:p>
+          <a:p>
+            <a:r>
+              <a:rPr lang="en-US" altLang="zh-Hans" sz="1400" dirty="0">
+                <a:latin typeface="PingFang SC" panose="020B0400000000000000" pitchFamily="34" charset="-122"/>
+                <a:ea typeface="PingFang SC" panose="020B0400000000000000" pitchFamily="34" charset="-122"/>
+              </a:rPr>
+              <a:t>2</a:t>
+            </a:r>
+            <a:r>
+              <a:rPr lang="zh-Hans" altLang="en-US" sz="1400" dirty="0">
+                <a:latin typeface="PingFang SC" panose="020B0400000000000000" pitchFamily="34" charset="-122"/>
+                <a:ea typeface="PingFang SC" panose="020B0400000000000000" pitchFamily="34" charset="-122"/>
+              </a:rPr>
+              <a:t>、有料是比较新的项目，开始之初为了减少耦合度，就建立了新的</a:t>
+            </a:r>
+            <a:r>
+              <a:rPr lang="en-US" altLang="zh-Hans" sz="1400" dirty="0">
+                <a:latin typeface="PingFang SC" panose="020B0400000000000000" pitchFamily="34" charset="-122"/>
+                <a:ea typeface="PingFang SC" panose="020B0400000000000000" pitchFamily="34" charset="-122"/>
+              </a:rPr>
+              <a:t>Pod</a:t>
+            </a:r>
+            <a:r>
+              <a:rPr lang="zh-Hans" altLang="en-US" sz="1400" dirty="0">
+                <a:latin typeface="PingFang SC" panose="020B0400000000000000" pitchFamily="34" charset="-122"/>
+                <a:ea typeface="PingFang SC" panose="020B0400000000000000" pitchFamily="34" charset="-122"/>
+              </a:rPr>
+              <a:t>来开发</a:t>
+            </a:r>
+            <a:endParaRPr lang="en-US" altLang="zh-Hans" sz="1400" dirty="0">
+              <a:latin typeface="PingFang SC" panose="020B0400000000000000" pitchFamily="34" charset="-122"/>
+              <a:ea typeface="PingFang SC" panose="020B0400000000000000" pitchFamily="34" charset="-122"/>
+            </a:endParaRPr>
+          </a:p>
+          <a:p>
+            <a:r>
+              <a:rPr lang="en-US" altLang="zh-Hans" sz="1400" dirty="0">
+                <a:latin typeface="PingFang SC" panose="020B0400000000000000" pitchFamily="34" charset="-122"/>
+                <a:ea typeface="PingFang SC" panose="020B0400000000000000" pitchFamily="34" charset="-122"/>
+              </a:rPr>
+              <a:t>3</a:t>
+            </a:r>
+            <a:r>
+              <a:rPr lang="zh-Hans" altLang="en-US" sz="1400" dirty="0">
+                <a:latin typeface="PingFang SC" panose="020B0400000000000000" pitchFamily="34" charset="-122"/>
+                <a:ea typeface="PingFang SC" panose="020B0400000000000000" pitchFamily="34" charset="-122"/>
+              </a:rPr>
+              <a:t>、</a:t>
+            </a:r>
+            <a:r>
+              <a:rPr lang="en-US" altLang="zh-Hans" sz="1400" dirty="0" err="1">
+                <a:latin typeface="PingFang SC" panose="020B0400000000000000" pitchFamily="34" charset="-122"/>
+                <a:ea typeface="PingFang SC" panose="020B0400000000000000" pitchFamily="34" charset="-122"/>
+              </a:rPr>
+              <a:t>AJKCommonBusiness</a:t>
+            </a:r>
+            <a:r>
+              <a:rPr lang="zh-Hans" altLang="en-US" sz="1400" dirty="0">
+                <a:latin typeface="PingFang SC" panose="020B0400000000000000" pitchFamily="34" charset="-122"/>
+                <a:ea typeface="PingFang SC" panose="020B0400000000000000" pitchFamily="34" charset="-122"/>
+              </a:rPr>
+              <a:t> 主要包含公共的</a:t>
+            </a:r>
+            <a:r>
+              <a:rPr lang="en-US" altLang="zh-Hans" sz="1400" dirty="0">
+                <a:latin typeface="PingFang SC" panose="020B0400000000000000" pitchFamily="34" charset="-122"/>
+                <a:ea typeface="PingFang SC" panose="020B0400000000000000" pitchFamily="34" charset="-122"/>
+              </a:rPr>
+              <a:t>UI</a:t>
+            </a:r>
+            <a:r>
+              <a:rPr lang="zh-Hans" altLang="en-US" sz="1400" dirty="0">
+                <a:latin typeface="PingFang SC" panose="020B0400000000000000" pitchFamily="34" charset="-122"/>
+                <a:ea typeface="PingFang SC" panose="020B0400000000000000" pitchFamily="34" charset="-122"/>
+              </a:rPr>
+              <a:t>组件、</a:t>
+            </a:r>
+            <a:r>
+              <a:rPr lang="en-US" altLang="zh-Hans" sz="1400" dirty="0">
+                <a:latin typeface="PingFang SC" panose="020B0400000000000000" pitchFamily="34" charset="-122"/>
+                <a:ea typeface="PingFang SC" panose="020B0400000000000000" pitchFamily="34" charset="-122"/>
+              </a:rPr>
+              <a:t>Model</a:t>
+            </a:r>
+            <a:r>
+              <a:rPr lang="zh-Hans" altLang="en-US" sz="1400" dirty="0">
+                <a:latin typeface="PingFang SC" panose="020B0400000000000000" pitchFamily="34" charset="-122"/>
+                <a:ea typeface="PingFang SC" panose="020B0400000000000000" pitchFamily="34" charset="-122"/>
+              </a:rPr>
+              <a:t>等</a:t>
+            </a:r>
+            <a:endParaRPr lang="en-US" altLang="zh-Hans" sz="1400" dirty="0">
+              <a:latin typeface="PingFang SC" panose="020B0400000000000000" pitchFamily="34" charset="-122"/>
+              <a:ea typeface="PingFang SC" panose="020B0400000000000000" pitchFamily="34" charset="-122"/>
+            </a:endParaRPr>
+          </a:p>
+          <a:p>
+            <a:r>
+              <a:rPr lang="en-US" altLang="zh-Hans" sz="1400" dirty="0">
+                <a:latin typeface="PingFang SC" panose="020B0400000000000000" pitchFamily="34" charset="-122"/>
+                <a:ea typeface="PingFang SC" panose="020B0400000000000000" pitchFamily="34" charset="-122"/>
+              </a:rPr>
+              <a:t>4</a:t>
+            </a:r>
+            <a:r>
+              <a:rPr lang="zh-Hans" altLang="en-US" sz="1400" dirty="0">
+                <a:latin typeface="PingFang SC" panose="020B0400000000000000" pitchFamily="34" charset="-122"/>
+                <a:ea typeface="PingFang SC" panose="020B0400000000000000" pitchFamily="34" charset="-122"/>
+              </a:rPr>
+              <a:t>、</a:t>
+            </a:r>
+            <a:r>
+              <a:rPr lang="en-US" altLang="zh-Hans" sz="1400" dirty="0">
+                <a:latin typeface="PingFang SC" panose="020B0400000000000000" pitchFamily="34" charset="-122"/>
+                <a:ea typeface="PingFang SC" panose="020B0400000000000000" pitchFamily="34" charset="-122"/>
+              </a:rPr>
+              <a:t>Service</a:t>
+            </a:r>
+            <a:r>
+              <a:rPr lang="zh-Hans" altLang="en-US" sz="1400" dirty="0">
+                <a:latin typeface="PingFang SC" panose="020B0400000000000000" pitchFamily="34" charset="-122"/>
+                <a:ea typeface="PingFang SC" panose="020B0400000000000000" pitchFamily="34" charset="-122"/>
+              </a:rPr>
+              <a:t>包含一些比较旧的底层工具，比如城市信息、地理位置信息管理等</a:t>
+            </a:r>
+            <a:endParaRPr lang="en-US" altLang="zh-Hans" sz="1400" dirty="0">
+              <a:latin typeface="PingFang SC" panose="020B0400000000000000" pitchFamily="34" charset="-122"/>
+              <a:ea typeface="PingFang SC" panose="020B0400000000000000" pitchFamily="34" charset="-122"/>
+            </a:endParaRPr>
+          </a:p>
+          <a:p>
+            <a:r>
+              <a:rPr lang="en-US" altLang="zh-Hans" sz="1400" dirty="0">
+                <a:latin typeface="PingFang SC" panose="020B0400000000000000" pitchFamily="34" charset="-122"/>
+                <a:ea typeface="PingFang SC" panose="020B0400000000000000" pitchFamily="34" charset="-122"/>
+              </a:rPr>
+              <a:t>5</a:t>
+            </a:r>
+            <a:r>
+              <a:rPr lang="zh-Hans" altLang="en-US" sz="1400" dirty="0">
+                <a:latin typeface="PingFang SC" panose="020B0400000000000000" pitchFamily="34" charset="-122"/>
+                <a:ea typeface="PingFang SC" panose="020B0400000000000000" pitchFamily="34" charset="-122"/>
+              </a:rPr>
+              <a:t>、</a:t>
+            </a:r>
+            <a:r>
+              <a:rPr lang="en-US" altLang="zh-Hans" sz="1400" dirty="0" err="1">
+                <a:latin typeface="PingFang SC" panose="020B0400000000000000" pitchFamily="34" charset="-122"/>
+                <a:ea typeface="PingFang SC" panose="020B0400000000000000" pitchFamily="34" charset="-122"/>
+              </a:rPr>
+              <a:t>AIFFrameworks</a:t>
+            </a:r>
+            <a:r>
+              <a:rPr lang="zh-Hans" altLang="en-US" sz="1400" dirty="0">
+                <a:latin typeface="PingFang SC" panose="020B0400000000000000" pitchFamily="34" charset="-122"/>
+                <a:ea typeface="PingFang SC" panose="020B0400000000000000" pitchFamily="34" charset="-122"/>
+              </a:rPr>
+              <a:t> 包含了一些通用的宏，类扩展，以及网络框架、图片、视频浏览器等</a:t>
+            </a:r>
+            <a:endParaRPr lang="zh-CN" altLang="en-US" sz="1400" dirty="0">
+              <a:latin typeface="PingFang SC" panose="020B0400000000000000" pitchFamily="34" charset="-122"/>
+              <a:ea typeface="PingFang SC" panose="020B0400000000000000" pitchFamily="34" charset="-122"/>
+            </a:endParaRPr>
+          </a:p>
+        </p:txBody>
+      </p:sp>
+      <p:sp>
+        <p:nvSpPr>
+          <p:cNvPr id="4" name="灯片编号占位符 3"/>
+          <p:cNvSpPr>
+            <a:spLocks noGrp="1"/>
+          </p:cNvSpPr>
+          <p:nvPr>
+            <p:ph type="sldNum" sz="quarter" idx="10"/>
+          </p:nvPr>
+        </p:nvSpPr>
+        <p:spPr/>
+        <p:txBody>
+          <a:bodyPr/>
+          <a:lstStyle/>
+          <a:p>
+            <a:pPr marL="0" marR="0" lvl="0" indent="0" algn="r" defTabSz="457200" rtl="0" eaLnBrk="1" fontAlgn="auto" latinLnBrk="0" hangingPunct="1">
+              <a:lnSpc>
+                <a:spcPct val="100000"/>
+              </a:lnSpc>
+              <a:spcBef>
+                <a:spcPts val="0"/>
+              </a:spcBef>
+              <a:spcAft>
+                <a:spcPts val="0"/>
+              </a:spcAft>
+              <a:buClrTx/>
+              <a:buSzTx/>
+              <a:buFontTx/>
+              <a:buNone/>
+              <a:defRPr/>
+            </a:pPr>
+            <a:fld id="{72FBEE64-AAEC-4EB7-B0C9-7DD16C667FD9}" type="slidenum">
+              <a:rPr kumimoji="0" lang="zh-CN" altLang="en-US" sz="1200" b="0" i="0" u="none" strike="noStrike" kern="1200" cap="none" spc="0" normalizeH="0" baseline="0" noProof="0" smtClean="0">
+                <a:ln>
+                  <a:noFill/>
+                </a:ln>
+                <a:solidFill>
+                  <a:prstClr val="black"/>
+                </a:solidFill>
+                <a:effectLst/>
+                <a:uLnTx/>
+                <a:uFillTx/>
+                <a:latin typeface="Calibri"/>
+                <a:ea typeface="宋体" charset="-122"/>
+                <a:cs typeface="+mn-cs"/>
+              </a:rPr>
+              <a:t>7</a:t>
+            </a:fld>
+            <a:endParaRPr kumimoji="0" lang="zh-CN" altLang="en-US" sz="1200" b="0" i="0" u="none" strike="noStrike" kern="1200" cap="none" spc="0" normalizeH="0" baseline="0" noProof="0">
+              <a:ln>
+                <a:noFill/>
+              </a:ln>
+              <a:solidFill>
+                <a:prstClr val="black"/>
+              </a:solidFill>
+              <a:effectLst/>
+              <a:uLnTx/>
+              <a:uFillTx/>
+              <a:latin typeface="Calibri"/>
+              <a:ea typeface="宋体" charset="-122"/>
+              <a:cs typeface="+mn-cs"/>
+            </a:endParaRPr>
+          </a:p>
+        </p:txBody>
+      </p:sp>
+    </p:spTree>
+    <p:extLst>
+      <p:ext uri="{BB962C8B-B14F-4D97-AF65-F5344CB8AC3E}">
+        <p14:creationId xmlns:p14="http://schemas.microsoft.com/office/powerpoint/2010/main" val="1244340159"/>
+      </p:ext>
+    </p:extLst>
+  </p:cSld>
+  <p:clrMapOvr>
+    <a:masterClrMapping/>
+  </p:clrMapOvr>
+</p:notes>
+</file>
+
+<file path=ppt/notesSlides/notesSlide6.xml><?xml version="1.0" encoding="utf-8"?>
+<p:notes xmlns:a="http://schemas.openxmlformats.org/drawingml/2006/main" xmlns:r="http://schemas.openxmlformats.org/officeDocument/2006/relationships" xmlns:p="http://schemas.openxmlformats.org/presentationml/2006/main">
+  <p:cSld>
+    <p:spTree>
+      <p:nvGrpSpPr>
+        <p:cNvPr id="1" name=""/>
+        <p:cNvGrpSpPr/>
+        <p:nvPr/>
+      </p:nvGrpSpPr>
+      <p:grpSpPr>
+        <a:xfrm>
+          <a:off x="0" y="0"/>
+          <a:ext cx="0" cy="0"/>
+          <a:chOff x="0" y="0"/>
+          <a:chExt cx="0" cy="0"/>
+        </a:xfrm>
+      </p:grpSpPr>
+      <p:sp>
+        <p:nvSpPr>
+          <p:cNvPr id="2" name="幻灯片图像占位符 1"/>
+          <p:cNvSpPr>
+            <a:spLocks noGrp="1" noRot="1" noChangeAspect="1"/>
+          </p:cNvSpPr>
+          <p:nvPr>
+            <p:ph type="sldImg"/>
+          </p:nvPr>
+        </p:nvSpPr>
+        <p:spPr/>
+      </p:sp>
+      <p:sp>
+        <p:nvSpPr>
+          <p:cNvPr id="3" name="备注占位符 2"/>
+          <p:cNvSpPr>
+            <a:spLocks noGrp="1"/>
+          </p:cNvSpPr>
+          <p:nvPr>
+            <p:ph type="body" idx="1"/>
+          </p:nvPr>
+        </p:nvSpPr>
+        <p:spPr/>
+        <p:txBody>
+          <a:bodyPr>
+            <a:normAutofit/>
+          </a:bodyPr>
+          <a:lstStyle/>
+          <a:p>
+            <a:r>
+              <a:rPr lang="en-US" altLang="zh-CN" sz="1400" dirty="0">
+                <a:latin typeface="PingFang SC" panose="020B0400000000000000" pitchFamily="34" charset="-122"/>
+                <a:ea typeface="PingFang SC" panose="020B0400000000000000" pitchFamily="34" charset="-122"/>
+              </a:rPr>
+              <a:t>1</a:t>
+            </a:r>
+            <a:r>
+              <a:rPr lang="zh-Hans" altLang="en-US" sz="1400" dirty="0">
+                <a:latin typeface="PingFang SC" panose="020B0400000000000000" pitchFamily="34" charset="-122"/>
+                <a:ea typeface="PingFang SC" panose="020B0400000000000000" pitchFamily="34" charset="-122"/>
+              </a:rPr>
+              <a:t>、</a:t>
+            </a:r>
+            <a:r>
+              <a:rPr lang="en-US" altLang="zh-Hans" sz="1400" dirty="0" err="1">
+                <a:latin typeface="PingFang SC" panose="020B0400000000000000" pitchFamily="34" charset="-122"/>
+                <a:ea typeface="PingFang SC" panose="020B0400000000000000" pitchFamily="34" charset="-122"/>
+              </a:rPr>
+              <a:t>WBAnjuke</a:t>
+            </a:r>
+            <a:r>
+              <a:rPr lang="zh-Hans" altLang="en-US" sz="1400" dirty="0">
+                <a:latin typeface="PingFang SC" panose="020B0400000000000000" pitchFamily="34" charset="-122"/>
+                <a:ea typeface="PingFang SC" panose="020B0400000000000000" pitchFamily="34" charset="-122"/>
+              </a:rPr>
+              <a:t>包含原先</a:t>
+            </a:r>
+            <a:r>
+              <a:rPr lang="en-US" altLang="zh-Hans" sz="1400" dirty="0">
+                <a:latin typeface="PingFang SC" panose="020B0400000000000000" pitchFamily="34" charset="-122"/>
+                <a:ea typeface="PingFang SC" panose="020B0400000000000000" pitchFamily="34" charset="-122"/>
+              </a:rPr>
+              <a:t>58app</a:t>
+            </a:r>
+            <a:r>
+              <a:rPr lang="zh-Hans" altLang="en-US" sz="1400" dirty="0">
+                <a:latin typeface="PingFang SC" panose="020B0400000000000000" pitchFamily="34" charset="-122"/>
+                <a:ea typeface="PingFang SC" panose="020B0400000000000000" pitchFamily="34" charset="-122"/>
+              </a:rPr>
+              <a:t>二手房业务</a:t>
+            </a:r>
+            <a:endParaRPr lang="en-US" altLang="zh-Hans" sz="1400" dirty="0">
+              <a:latin typeface="PingFang SC" panose="020B0400000000000000" pitchFamily="34" charset="-122"/>
+              <a:ea typeface="PingFang SC" panose="020B0400000000000000" pitchFamily="34" charset="-122"/>
+            </a:endParaRPr>
+          </a:p>
+          <a:p>
+            <a:r>
+              <a:rPr lang="en-US" altLang="zh-Hans" sz="1400" dirty="0">
+                <a:latin typeface="PingFang SC" panose="020B0400000000000000" pitchFamily="34" charset="-122"/>
+                <a:ea typeface="PingFang SC" panose="020B0400000000000000" pitchFamily="34" charset="-122"/>
+              </a:rPr>
+              <a:t>2</a:t>
+            </a:r>
+            <a:r>
+              <a:rPr lang="zh-Hans" altLang="en-US" sz="1400" dirty="0">
+                <a:latin typeface="PingFang SC" panose="020B0400000000000000" pitchFamily="34" charset="-122"/>
+                <a:ea typeface="PingFang SC" panose="020B0400000000000000" pitchFamily="34" charset="-122"/>
+              </a:rPr>
+              <a:t>、</a:t>
+            </a:r>
+            <a:r>
+              <a:rPr lang="en-US" altLang="zh-Hans" sz="1400" dirty="0" err="1">
+                <a:latin typeface="PingFang SC" panose="020B0400000000000000" pitchFamily="34" charset="-122"/>
+                <a:ea typeface="PingFang SC" panose="020B0400000000000000" pitchFamily="34" charset="-122"/>
+              </a:rPr>
+              <a:t>HouseCommonBusiness</a:t>
+            </a:r>
+            <a:r>
+              <a:rPr lang="zh-Hans" altLang="en-US" sz="1400" dirty="0">
+                <a:latin typeface="PingFang SC" panose="020B0400000000000000" pitchFamily="34" charset="-122"/>
+                <a:ea typeface="PingFang SC" panose="020B0400000000000000" pitchFamily="34" charset="-122"/>
+              </a:rPr>
+              <a:t> 包含二手房、租房都依赖的公共组件</a:t>
+            </a:r>
+            <a:endParaRPr lang="en-US" altLang="zh-Hans" sz="1400" dirty="0">
+              <a:latin typeface="PingFang SC" panose="020B0400000000000000" pitchFamily="34" charset="-122"/>
+              <a:ea typeface="PingFang SC" panose="020B0400000000000000" pitchFamily="34" charset="-122"/>
+            </a:endParaRPr>
+          </a:p>
+          <a:p>
+            <a:r>
+              <a:rPr lang="en-US" altLang="zh-Hans" sz="1400" dirty="0">
+                <a:latin typeface="PingFang SC" panose="020B0400000000000000" pitchFamily="34" charset="-122"/>
+                <a:ea typeface="PingFang SC" panose="020B0400000000000000" pitchFamily="34" charset="-122"/>
+              </a:rPr>
+              <a:t>3</a:t>
+            </a:r>
+            <a:r>
+              <a:rPr lang="zh-Hans" altLang="en-US" sz="1400" dirty="0">
+                <a:latin typeface="PingFang SC" panose="020B0400000000000000" pitchFamily="34" charset="-122"/>
+                <a:ea typeface="PingFang SC" panose="020B0400000000000000" pitchFamily="34" charset="-122"/>
+              </a:rPr>
+              <a:t>、</a:t>
+            </a:r>
+            <a:r>
+              <a:rPr lang="en-US" altLang="zh-Hans" sz="1400" dirty="0" err="1">
+                <a:latin typeface="PingFang SC" panose="020B0400000000000000" pitchFamily="34" charset="-122"/>
+                <a:ea typeface="PingFang SC" panose="020B0400000000000000" pitchFamily="34" charset="-122"/>
+              </a:rPr>
+              <a:t>WBFrameworks</a:t>
+            </a:r>
+            <a:r>
+              <a:rPr lang="zh-Hans" altLang="en-US" sz="1400" dirty="0">
+                <a:latin typeface="PingFang SC" panose="020B0400000000000000" pitchFamily="34" charset="-122"/>
+                <a:ea typeface="PingFang SC" panose="020B0400000000000000" pitchFamily="34" charset="-122"/>
+              </a:rPr>
+              <a:t>包含</a:t>
+            </a:r>
+            <a:r>
+              <a:rPr lang="en-US" altLang="zh-Hans" sz="1400" dirty="0">
+                <a:latin typeface="PingFang SC" panose="020B0400000000000000" pitchFamily="34" charset="-122"/>
+                <a:ea typeface="PingFang SC" panose="020B0400000000000000" pitchFamily="34" charset="-122"/>
+              </a:rPr>
+              <a:t>58</a:t>
+            </a:r>
+            <a:r>
+              <a:rPr lang="zh-Hans" altLang="en-US" sz="1400" dirty="0">
+                <a:latin typeface="PingFang SC" panose="020B0400000000000000" pitchFamily="34" charset="-122"/>
+                <a:ea typeface="PingFang SC" panose="020B0400000000000000" pitchFamily="34" charset="-122"/>
+              </a:rPr>
+              <a:t>无线提供的底层基础组件</a:t>
+            </a:r>
+            <a:endParaRPr lang="zh-CN" altLang="en-US" sz="1400" dirty="0">
+              <a:latin typeface="PingFang SC" panose="020B0400000000000000" pitchFamily="34" charset="-122"/>
+              <a:ea typeface="PingFang SC" panose="020B0400000000000000" pitchFamily="34" charset="-122"/>
+            </a:endParaRPr>
+          </a:p>
+        </p:txBody>
+      </p:sp>
+      <p:sp>
+        <p:nvSpPr>
+          <p:cNvPr id="4" name="灯片编号占位符 3"/>
+          <p:cNvSpPr>
+            <a:spLocks noGrp="1"/>
+          </p:cNvSpPr>
+          <p:nvPr>
+            <p:ph type="sldNum" sz="quarter" idx="10"/>
+          </p:nvPr>
+        </p:nvSpPr>
+        <p:spPr/>
+        <p:txBody>
+          <a:bodyPr/>
+          <a:lstStyle/>
+          <a:p>
+            <a:pPr marL="0" marR="0" lvl="0" indent="0" algn="r" defTabSz="457200" rtl="0" eaLnBrk="1" fontAlgn="auto" latinLnBrk="0" hangingPunct="1">
+              <a:lnSpc>
+                <a:spcPct val="100000"/>
+              </a:lnSpc>
+              <a:spcBef>
+                <a:spcPts val="0"/>
+              </a:spcBef>
+              <a:spcAft>
+                <a:spcPts val="0"/>
+              </a:spcAft>
+              <a:buClrTx/>
+              <a:buSzTx/>
+              <a:buFontTx/>
+              <a:buNone/>
+              <a:defRPr/>
+            </a:pPr>
+            <a:fld id="{72FBEE64-AAEC-4EB7-B0C9-7DD16C667FD9}" type="slidenum">
+              <a:rPr kumimoji="0" lang="zh-CN" altLang="en-US" sz="1200" b="0" i="0" u="none" strike="noStrike" kern="1200" cap="none" spc="0" normalizeH="0" baseline="0" noProof="0" smtClean="0">
+                <a:ln>
+                  <a:noFill/>
+                </a:ln>
+                <a:solidFill>
+                  <a:prstClr val="black"/>
+                </a:solidFill>
+                <a:effectLst/>
+                <a:uLnTx/>
+                <a:uFillTx/>
+                <a:latin typeface="Calibri"/>
+                <a:ea typeface="宋体" charset="-122"/>
+                <a:cs typeface="+mn-cs"/>
+              </a:rPr>
+              <a:t>8</a:t>
+            </a:fld>
+            <a:endParaRPr kumimoji="0" lang="zh-CN" altLang="en-US" sz="1200" b="0" i="0" u="none" strike="noStrike" kern="1200" cap="none" spc="0" normalizeH="0" baseline="0" noProof="0">
+              <a:ln>
+                <a:noFill/>
+              </a:ln>
+              <a:solidFill>
+                <a:prstClr val="black"/>
+              </a:solidFill>
+              <a:effectLst/>
+              <a:uLnTx/>
+              <a:uFillTx/>
+              <a:latin typeface="Calibri"/>
+              <a:ea typeface="宋体" charset="-122"/>
+              <a:cs typeface="+mn-cs"/>
+            </a:endParaRPr>
+          </a:p>
+        </p:txBody>
+      </p:sp>
+    </p:spTree>
+    <p:extLst>
+      <p:ext uri="{BB962C8B-B14F-4D97-AF65-F5344CB8AC3E}">
+        <p14:creationId xmlns:p14="http://schemas.microsoft.com/office/powerpoint/2010/main" val="3332463931"/>
+      </p:ext>
+    </p:extLst>
+  </p:cSld>
+  <p:clrMapOvr>
+    <a:masterClrMapping/>
+  </p:clrMapOvr>
+</p:notes>
+</file>
+
+<file path=ppt/notesSlides/notesSlide7.xml><?xml version="1.0" encoding="utf-8"?>
+<p:notes xmlns:a="http://schemas.openxmlformats.org/drawingml/2006/main" xmlns:r="http://schemas.openxmlformats.org/officeDocument/2006/relationships" xmlns:p="http://schemas.openxmlformats.org/presentationml/2006/main">
+  <p:cSld>
+    <p:spTree>
+      <p:nvGrpSpPr>
+        <p:cNvPr id="1" name=""/>
+        <p:cNvGrpSpPr/>
+        <p:nvPr/>
+      </p:nvGrpSpPr>
+      <p:grpSpPr>
+        <a:xfrm>
+          <a:off x="0" y="0"/>
+          <a:ext cx="0" cy="0"/>
+          <a:chOff x="0" y="0"/>
+          <a:chExt cx="0" cy="0"/>
+        </a:xfrm>
+      </p:grpSpPr>
+      <p:sp>
+        <p:nvSpPr>
+          <p:cNvPr id="2" name="幻灯片图像占位符 1"/>
+          <p:cNvSpPr>
+            <a:spLocks noGrp="1" noRot="1" noChangeAspect="1"/>
+          </p:cNvSpPr>
+          <p:nvPr>
+            <p:ph type="sldImg"/>
+          </p:nvPr>
+        </p:nvSpPr>
+        <p:spPr/>
+      </p:sp>
+      <p:sp>
+        <p:nvSpPr>
+          <p:cNvPr id="3" name="备注占位符 2"/>
+          <p:cNvSpPr>
+            <a:spLocks noGrp="1"/>
+          </p:cNvSpPr>
+          <p:nvPr>
+            <p:ph type="body" idx="1"/>
+          </p:nvPr>
+        </p:nvSpPr>
+        <p:spPr/>
+        <p:txBody>
+          <a:bodyPr>
+            <a:normAutofit/>
+          </a:bodyPr>
+          <a:lstStyle/>
+          <a:p>
+            <a:r>
+              <a:rPr lang="zh-Hans" altLang="en-US" dirty="0"/>
+              <a:t>小区房源模块平移</a:t>
+            </a:r>
+            <a:r>
+              <a:rPr lang="en-US" altLang="zh-Hans" dirty="0"/>
+              <a:t>58</a:t>
+            </a:r>
+            <a:r>
+              <a:rPr lang="zh-Hans" altLang="en-US" dirty="0"/>
+              <a:t>之后结构</a:t>
+            </a:r>
+            <a:endParaRPr lang="en-US" altLang="zh-Hans" dirty="0"/>
+          </a:p>
+          <a:p>
+            <a:endParaRPr lang="en-US" altLang="zh-Hans" dirty="0"/>
+          </a:p>
+          <a:p>
+            <a:endParaRPr lang="en-US" altLang="zh-Hans" dirty="0"/>
+          </a:p>
+        </p:txBody>
+      </p:sp>
+      <p:sp>
+        <p:nvSpPr>
+          <p:cNvPr id="4" name="灯片编号占位符 3"/>
+          <p:cNvSpPr>
+            <a:spLocks noGrp="1"/>
+          </p:cNvSpPr>
+          <p:nvPr>
+            <p:ph type="sldNum" sz="quarter" idx="10"/>
+          </p:nvPr>
+        </p:nvSpPr>
+        <p:spPr/>
+        <p:txBody>
+          <a:bodyPr/>
+          <a:lstStyle/>
+          <a:p>
+            <a:pPr marL="0" marR="0" lvl="0" indent="0" algn="r" defTabSz="457200" rtl="0" eaLnBrk="1" fontAlgn="auto" latinLnBrk="0" hangingPunct="1">
+              <a:lnSpc>
+                <a:spcPct val="100000"/>
+              </a:lnSpc>
+              <a:spcBef>
+                <a:spcPts val="0"/>
+              </a:spcBef>
+              <a:spcAft>
+                <a:spcPts val="0"/>
+              </a:spcAft>
+              <a:buClrTx/>
+              <a:buSzTx/>
+              <a:buFontTx/>
+              <a:buNone/>
+              <a:defRPr/>
+            </a:pPr>
+            <a:fld id="{72FBEE64-AAEC-4EB7-B0C9-7DD16C667FD9}" type="slidenum">
+              <a:rPr kumimoji="0" lang="zh-CN" altLang="en-US" sz="1200" b="0" i="0" u="none" strike="noStrike" kern="1200" cap="none" spc="0" normalizeH="0" baseline="0" noProof="0" smtClean="0">
+                <a:ln>
+                  <a:noFill/>
+                </a:ln>
+                <a:solidFill>
+                  <a:prstClr val="black"/>
+                </a:solidFill>
+                <a:effectLst/>
+                <a:uLnTx/>
+                <a:uFillTx/>
+                <a:latin typeface="Calibri"/>
+                <a:ea typeface="宋体" charset="-122"/>
+                <a:cs typeface="+mn-cs"/>
+              </a:rPr>
+              <a:t>9</a:t>
+            </a:fld>
+            <a:endParaRPr kumimoji="0" lang="zh-CN" altLang="en-US" sz="1200" b="0" i="0" u="none" strike="noStrike" kern="1200" cap="none" spc="0" normalizeH="0" baseline="0" noProof="0">
+              <a:ln>
+                <a:noFill/>
+              </a:ln>
+              <a:solidFill>
+                <a:prstClr val="black"/>
+              </a:solidFill>
+              <a:effectLst/>
+              <a:uLnTx/>
+              <a:uFillTx/>
+              <a:latin typeface="Calibri"/>
+              <a:ea typeface="宋体" charset="-122"/>
+              <a:cs typeface="+mn-cs"/>
+            </a:endParaRPr>
+          </a:p>
+        </p:txBody>
+      </p:sp>
+    </p:spTree>
+    <p:extLst>
+      <p:ext uri="{BB962C8B-B14F-4D97-AF65-F5344CB8AC3E}">
+        <p14:creationId xmlns:p14="http://schemas.microsoft.com/office/powerpoint/2010/main" val="3495472720"/>
       </p:ext>
     </p:extLst>
   </p:cSld>
@@ -785,7 +1841,7 @@
           <a:p>
             <a:fld id="{B6F75482-0B83-564D-AA70-CF8F26B6F715}" type="datetimeFigureOut">
               <a:rPr kumimoji="1" lang="zh-CN" altLang="en-US" smtClean="0"/>
-              <a:t>2019/12/22</a:t>
+              <a:t>2019/12/23</a:t>
             </a:fld>
             <a:endParaRPr kumimoji="1" lang="zh-CN" altLang="en-US"/>
           </a:p>
@@ -955,7 +2011,7 @@
           <a:p>
             <a:fld id="{B6F75482-0B83-564D-AA70-CF8F26B6F715}" type="datetimeFigureOut">
               <a:rPr kumimoji="1" lang="zh-CN" altLang="en-US" smtClean="0"/>
-              <a:t>2019/12/22</a:t>
+              <a:t>2019/12/23</a:t>
             </a:fld>
             <a:endParaRPr kumimoji="1" lang="zh-CN" altLang="en-US"/>
           </a:p>
@@ -1135,7 +2191,7 @@
           <a:p>
             <a:fld id="{B6F75482-0B83-564D-AA70-CF8F26B6F715}" type="datetimeFigureOut">
               <a:rPr kumimoji="1" lang="zh-CN" altLang="en-US" smtClean="0"/>
-              <a:t>2019/12/22</a:t>
+              <a:t>2019/12/23</a:t>
             </a:fld>
             <a:endParaRPr kumimoji="1" lang="zh-CN" altLang="en-US"/>
           </a:p>
@@ -1413,7 +2469,7 @@
           <a:p>
             <a:fld id="{B6F75482-0B83-564D-AA70-CF8F26B6F715}" type="datetimeFigureOut">
               <a:rPr kumimoji="1" lang="zh-CN" altLang="en-US" smtClean="0"/>
-              <a:t>2019/12/22</a:t>
+              <a:t>2019/12/23</a:t>
             </a:fld>
             <a:endParaRPr kumimoji="1" lang="zh-CN" altLang="en-US"/>
           </a:p>
@@ -1659,7 +2715,7 @@
           <a:p>
             <a:fld id="{B6F75482-0B83-564D-AA70-CF8F26B6F715}" type="datetimeFigureOut">
               <a:rPr kumimoji="1" lang="zh-CN" altLang="en-US" smtClean="0"/>
-              <a:t>2019/12/22</a:t>
+              <a:t>2019/12/23</a:t>
             </a:fld>
             <a:endParaRPr kumimoji="1" lang="zh-CN" altLang="en-US"/>
           </a:p>
@@ -1947,7 +3003,7 @@
           <a:p>
             <a:fld id="{B6F75482-0B83-564D-AA70-CF8F26B6F715}" type="datetimeFigureOut">
               <a:rPr kumimoji="1" lang="zh-CN" altLang="en-US" smtClean="0"/>
-              <a:t>2019/12/22</a:t>
+              <a:t>2019/12/23</a:t>
             </a:fld>
             <a:endParaRPr kumimoji="1" lang="zh-CN" altLang="en-US"/>
           </a:p>
@@ -2369,7 +3425,7 @@
           <a:p>
             <a:fld id="{B6F75482-0B83-564D-AA70-CF8F26B6F715}" type="datetimeFigureOut">
               <a:rPr kumimoji="1" lang="zh-CN" altLang="en-US" smtClean="0"/>
-              <a:t>2019/12/22</a:t>
+              <a:t>2019/12/23</a:t>
             </a:fld>
             <a:endParaRPr kumimoji="1" lang="zh-CN" altLang="en-US"/>
           </a:p>
@@ -2487,7 +3543,7 @@
           <a:p>
             <a:fld id="{B6F75482-0B83-564D-AA70-CF8F26B6F715}" type="datetimeFigureOut">
               <a:rPr kumimoji="1" lang="zh-CN" altLang="en-US" smtClean="0"/>
-              <a:t>2019/12/22</a:t>
+              <a:t>2019/12/23</a:t>
             </a:fld>
             <a:endParaRPr kumimoji="1" lang="zh-CN" altLang="en-US"/>
           </a:p>
@@ -2582,7 +3638,7 @@
           <a:p>
             <a:fld id="{B6F75482-0B83-564D-AA70-CF8F26B6F715}" type="datetimeFigureOut">
               <a:rPr kumimoji="1" lang="zh-CN" altLang="en-US" smtClean="0"/>
-              <a:t>2019/12/22</a:t>
+              <a:t>2019/12/23</a:t>
             </a:fld>
             <a:endParaRPr kumimoji="1" lang="zh-CN" altLang="en-US"/>
           </a:p>
@@ -2859,7 +3915,7 @@
           <a:p>
             <a:fld id="{B6F75482-0B83-564D-AA70-CF8F26B6F715}" type="datetimeFigureOut">
               <a:rPr kumimoji="1" lang="zh-CN" altLang="en-US" smtClean="0"/>
-              <a:t>2019/12/22</a:t>
+              <a:t>2019/12/23</a:t>
             </a:fld>
             <a:endParaRPr kumimoji="1" lang="zh-CN" altLang="en-US"/>
           </a:p>
@@ -3112,7 +4168,7 @@
           <a:p>
             <a:fld id="{B6F75482-0B83-564D-AA70-CF8F26B6F715}" type="datetimeFigureOut">
               <a:rPr kumimoji="1" lang="zh-CN" altLang="en-US" smtClean="0"/>
-              <a:t>2019/12/22</a:t>
+              <a:t>2019/12/23</a:t>
             </a:fld>
             <a:endParaRPr kumimoji="1" lang="zh-CN" altLang="en-US"/>
           </a:p>
@@ -3323,7 +4379,7 @@
           <a:p>
             <a:fld id="{B6F75482-0B83-564D-AA70-CF8F26B6F715}" type="datetimeFigureOut">
               <a:rPr kumimoji="1" lang="zh-CN" altLang="en-US" smtClean="0"/>
-              <a:t>2019/12/22</a:t>
+              <a:t>2019/12/23</a:t>
             </a:fld>
             <a:endParaRPr kumimoji="1" lang="zh-CN" altLang="en-US"/>
           </a:p>
@@ -4077,836 +5133,7 @@
 </p:sld>
 </file>
 
-<file path=ppt/slides/slide2.xml><?xml version="1.0" encoding="utf-8"?>
-<p:sld xmlns:a="http://schemas.openxmlformats.org/drawingml/2006/main" xmlns:r="http://schemas.openxmlformats.org/officeDocument/2006/relationships" xmlns:p="http://schemas.openxmlformats.org/presentationml/2006/main">
-  <p:cSld>
-    <p:spTree>
-      <p:nvGrpSpPr>
-        <p:cNvPr id="1" name=""/>
-        <p:cNvGrpSpPr/>
-        <p:nvPr/>
-      </p:nvGrpSpPr>
-      <p:grpSpPr>
-        <a:xfrm>
-          <a:off x="0" y="0"/>
-          <a:ext cx="0" cy="0"/>
-          <a:chOff x="0" y="0"/>
-          <a:chExt cx="0" cy="0"/>
-        </a:xfrm>
-      </p:grpSpPr>
-      <p:sp>
-        <p:nvSpPr>
-          <p:cNvPr id="3" name="文本框 2">
-            <a:extLst>
-              <a:ext uri="{FF2B5EF4-FFF2-40B4-BE49-F238E27FC236}">
-                <a16:creationId xmlns:a16="http://schemas.microsoft.com/office/drawing/2014/main" id="{47FBD873-BC55-E940-B8D5-0905E0D83223}"/>
-              </a:ext>
-            </a:extLst>
-          </p:cNvPr>
-          <p:cNvSpPr txBox="1"/>
-          <p:nvPr/>
-        </p:nvSpPr>
-        <p:spPr>
-          <a:xfrm>
-            <a:off x="971550" y="2921168"/>
-            <a:ext cx="1630136" cy="923330"/>
-          </a:xfrm>
-          <a:prstGeom prst="rect">
-            <a:avLst/>
-          </a:prstGeom>
-          <a:noFill/>
-        </p:spPr>
-        <p:txBody>
-          <a:bodyPr wrap="square" lIns="0" tIns="0" rIns="0" bIns="0" rtlCol="0">
-            <a:spAutoFit/>
-          </a:bodyPr>
-          <a:lstStyle/>
-          <a:p>
-            <a:r>
-              <a:rPr kumimoji="1" lang="zh-CN" altLang="en-US" sz="6000" b="1" dirty="0">
-                <a:solidFill>
-                  <a:schemeClr val="bg1"/>
-                </a:solidFill>
-                <a:latin typeface="Heiti SC Medium" pitchFamily="2" charset="-128"/>
-                <a:ea typeface="Heiti SC Medium" pitchFamily="2" charset="-128"/>
-              </a:rPr>
-              <a:t>目录</a:t>
-            </a:r>
-          </a:p>
-        </p:txBody>
-      </p:sp>
-      <p:sp>
-        <p:nvSpPr>
-          <p:cNvPr id="4" name="文本框 3">
-            <a:extLst>
-              <a:ext uri="{FF2B5EF4-FFF2-40B4-BE49-F238E27FC236}">
-                <a16:creationId xmlns:a16="http://schemas.microsoft.com/office/drawing/2014/main" id="{C604689F-24E1-1342-A79F-04A6ED55B05B}"/>
-              </a:ext>
-            </a:extLst>
-          </p:cNvPr>
-          <p:cNvSpPr txBox="1"/>
-          <p:nvPr/>
-        </p:nvSpPr>
-        <p:spPr>
-          <a:xfrm>
-            <a:off x="3178401" y="1066800"/>
-            <a:ext cx="3981859" cy="4232569"/>
-          </a:xfrm>
-          <a:prstGeom prst="rect">
-            <a:avLst/>
-          </a:prstGeom>
-          <a:noFill/>
-        </p:spPr>
-        <p:txBody>
-          <a:bodyPr wrap="none" lIns="0" tIns="0" rIns="0" bIns="0" rtlCol="0">
-            <a:spAutoFit/>
-          </a:bodyPr>
-          <a:lstStyle/>
-          <a:p>
-            <a:pPr marL="285750" indent="-285750">
-              <a:lnSpc>
-                <a:spcPct val="200000"/>
-              </a:lnSpc>
-              <a:buFont typeface="Arial" panose="020B0604020202020204" pitchFamily="34" charset="0"/>
-              <a:buChar char="•"/>
-            </a:pPr>
-            <a:r>
-              <a:rPr kumimoji="1" lang="zh-Hans" altLang="en-US" sz="3600" dirty="0">
-                <a:solidFill>
-                  <a:schemeClr val="bg1"/>
-                </a:solidFill>
-                <a:latin typeface="Heiti SC Medium" pitchFamily="2" charset="-128"/>
-                <a:ea typeface="Heiti SC Medium" pitchFamily="2" charset="-128"/>
-              </a:rPr>
-              <a:t>木星计划 </a:t>
-            </a:r>
-            <a:r>
-              <a:rPr kumimoji="1" lang="en-US" altLang="zh-Hans" sz="3600" dirty="0">
-                <a:solidFill>
-                  <a:schemeClr val="bg1"/>
-                </a:solidFill>
-                <a:latin typeface="Heiti SC Medium" pitchFamily="2" charset="-128"/>
-                <a:ea typeface="Heiti SC Medium" pitchFamily="2" charset="-128"/>
-              </a:rPr>
-              <a:t>–</a:t>
-            </a:r>
-            <a:r>
-              <a:rPr kumimoji="1" lang="zh-Hans" altLang="en-US" sz="3600" dirty="0">
-                <a:solidFill>
-                  <a:schemeClr val="bg1"/>
-                </a:solidFill>
-                <a:latin typeface="Heiti SC Medium" pitchFamily="2" charset="-128"/>
-                <a:ea typeface="Heiti SC Medium" pitchFamily="2" charset="-128"/>
-              </a:rPr>
-              <a:t> 二手房</a:t>
-            </a:r>
-            <a:endParaRPr kumimoji="1" lang="en-US" altLang="zh-CN" sz="3600" dirty="0">
-              <a:solidFill>
-                <a:schemeClr val="bg1"/>
-              </a:solidFill>
-              <a:latin typeface="Heiti SC Medium" pitchFamily="2" charset="-128"/>
-              <a:ea typeface="Heiti SC Medium" pitchFamily="2" charset="-128"/>
-            </a:endParaRPr>
-          </a:p>
-          <a:p>
-            <a:pPr marL="285750" indent="-285750">
-              <a:lnSpc>
-                <a:spcPct val="200000"/>
-              </a:lnSpc>
-              <a:buFont typeface="Arial" panose="020B0604020202020204" pitchFamily="34" charset="0"/>
-              <a:buChar char="•"/>
-            </a:pPr>
-            <a:r>
-              <a:rPr kumimoji="1" lang="zh-Hans" altLang="en-US" sz="3600" dirty="0">
-                <a:solidFill>
-                  <a:schemeClr val="bg1"/>
-                </a:solidFill>
-                <a:latin typeface="Heiti SC Medium" pitchFamily="2" charset="-128"/>
-                <a:ea typeface="Heiti SC Medium" pitchFamily="2" charset="-128"/>
-              </a:rPr>
-              <a:t>暗黑模式适配</a:t>
-            </a:r>
-            <a:endParaRPr kumimoji="1" lang="en-US" altLang="zh-CN" sz="3600" dirty="0">
-              <a:solidFill>
-                <a:schemeClr val="bg1"/>
-              </a:solidFill>
-              <a:latin typeface="Heiti SC Medium" pitchFamily="2" charset="-128"/>
-              <a:ea typeface="Heiti SC Medium" pitchFamily="2" charset="-128"/>
-            </a:endParaRPr>
-          </a:p>
-          <a:p>
-            <a:pPr marL="285750" indent="-285750">
-              <a:lnSpc>
-                <a:spcPct val="200000"/>
-              </a:lnSpc>
-              <a:buFont typeface="Arial" panose="020B0604020202020204" pitchFamily="34" charset="0"/>
-              <a:buChar char="•"/>
-            </a:pPr>
-            <a:r>
-              <a:rPr kumimoji="1" lang="zh-Hans" altLang="en-US" sz="3600" dirty="0">
-                <a:solidFill>
-                  <a:schemeClr val="bg1"/>
-                </a:solidFill>
-                <a:latin typeface="Heiti SC Medium" pitchFamily="2" charset="-128"/>
-                <a:ea typeface="Heiti SC Medium" pitchFamily="2" charset="-128"/>
-              </a:rPr>
-              <a:t>提效</a:t>
-            </a:r>
-            <a:endParaRPr kumimoji="1" lang="en-US" altLang="zh-CN" sz="3600" dirty="0">
-              <a:solidFill>
-                <a:schemeClr val="bg1"/>
-              </a:solidFill>
-              <a:latin typeface="Heiti SC Medium" pitchFamily="2" charset="-128"/>
-              <a:ea typeface="Heiti SC Medium" pitchFamily="2" charset="-128"/>
-            </a:endParaRPr>
-          </a:p>
-          <a:p>
-            <a:pPr marL="285750" indent="-285750">
-              <a:lnSpc>
-                <a:spcPct val="200000"/>
-              </a:lnSpc>
-              <a:buFont typeface="Arial" panose="020B0604020202020204" pitchFamily="34" charset="0"/>
-              <a:buChar char="•"/>
-            </a:pPr>
-            <a:r>
-              <a:rPr kumimoji="1" lang="zh-CN" altLang="en-US" sz="3600" dirty="0">
-                <a:solidFill>
-                  <a:schemeClr val="bg1"/>
-                </a:solidFill>
-                <a:latin typeface="Heiti SC Medium" pitchFamily="2" charset="-128"/>
-                <a:ea typeface="Heiti SC Medium" pitchFamily="2" charset="-128"/>
-              </a:rPr>
-              <a:t>总结</a:t>
-            </a:r>
-            <a:endParaRPr kumimoji="1" lang="en-US" altLang="zh-CN" sz="3600" dirty="0">
-              <a:solidFill>
-                <a:schemeClr val="bg1"/>
-              </a:solidFill>
-              <a:latin typeface="Heiti SC Medium" pitchFamily="2" charset="-128"/>
-              <a:ea typeface="Heiti SC Medium" pitchFamily="2" charset="-128"/>
-            </a:endParaRPr>
-          </a:p>
-        </p:txBody>
-      </p:sp>
-    </p:spTree>
-    <p:extLst>
-      <p:ext uri="{BB962C8B-B14F-4D97-AF65-F5344CB8AC3E}">
-        <p14:creationId xmlns:p14="http://schemas.microsoft.com/office/powerpoint/2010/main" val="197551775"/>
-      </p:ext>
-    </p:extLst>
-  </p:cSld>
-  <p:clrMapOvr>
-    <a:masterClrMapping/>
-  </p:clrMapOvr>
-</p:sld>
-</file>
-
-<file path=ppt/slides/slide3.xml><?xml version="1.0" encoding="utf-8"?>
-<p:sld xmlns:a="http://schemas.openxmlformats.org/drawingml/2006/main" xmlns:r="http://schemas.openxmlformats.org/officeDocument/2006/relationships" xmlns:p="http://schemas.openxmlformats.org/presentationml/2006/main">
-  <p:cSld>
-    <p:spTree>
-      <p:nvGrpSpPr>
-        <p:cNvPr id="1" name=""/>
-        <p:cNvGrpSpPr/>
-        <p:nvPr/>
-      </p:nvGrpSpPr>
-      <p:grpSpPr>
-        <a:xfrm>
-          <a:off x="0" y="0"/>
-          <a:ext cx="0" cy="0"/>
-          <a:chOff x="0" y="0"/>
-          <a:chExt cx="0" cy="0"/>
-        </a:xfrm>
-      </p:grpSpPr>
-      <p:pic>
-        <p:nvPicPr>
-          <p:cNvPr id="2" name="图片 1"/>
-          <p:cNvPicPr>
-            <a:picLocks noChangeAspect="1"/>
-          </p:cNvPicPr>
-          <p:nvPr/>
-        </p:nvPicPr>
-        <p:blipFill>
-          <a:blip r:embed="rId4" cstate="email"/>
-          <a:stretch>
-            <a:fillRect/>
-          </a:stretch>
-        </p:blipFill>
-        <p:spPr>
-          <a:xfrm>
-            <a:off x="714" y="0"/>
-            <a:ext cx="9142571" cy="6858000"/>
-          </a:xfrm>
-          <a:prstGeom prst="rect">
-            <a:avLst/>
-          </a:prstGeom>
-          <a:noFill/>
-          <a:ln>
-            <a:solidFill>
-              <a:schemeClr val="tx1"/>
-            </a:solidFill>
-          </a:ln>
-        </p:spPr>
-      </p:pic>
-      <p:sp>
-        <p:nvSpPr>
-          <p:cNvPr id="6" name="灯片编号占位符 4"/>
-          <p:cNvSpPr>
-            <a:spLocks noGrp="1"/>
-          </p:cNvSpPr>
-          <p:nvPr>
-            <p:ph type="sldNum" sz="quarter" idx="12"/>
-          </p:nvPr>
-        </p:nvSpPr>
-        <p:spPr>
-          <a:xfrm>
-            <a:off x="6120384" y="6413183"/>
-            <a:ext cx="2133600" cy="274637"/>
-          </a:xfrm>
-        </p:spPr>
-        <p:txBody>
-          <a:bodyPr/>
-          <a:lstStyle>
-            <a:lvl1pPr eaLnBrk="0" hangingPunct="0">
-              <a:defRPr>
-                <a:solidFill>
-                  <a:schemeClr val="tx1"/>
-                </a:solidFill>
-                <a:latin typeface="Arial" panose="020B0604020202090204" pitchFamily="34" charset="0"/>
-                <a:ea typeface="宋体" charset="-122"/>
-              </a:defRPr>
-            </a:lvl1pPr>
-            <a:lvl2pPr marL="742950" indent="-285750" eaLnBrk="0" hangingPunct="0">
-              <a:defRPr>
-                <a:solidFill>
-                  <a:schemeClr val="tx1"/>
-                </a:solidFill>
-                <a:latin typeface="Arial" panose="020B0604020202090204" pitchFamily="34" charset="0"/>
-                <a:ea typeface="宋体" charset="-122"/>
-              </a:defRPr>
-            </a:lvl2pPr>
-            <a:lvl3pPr marL="1143000" indent="-228600" eaLnBrk="0" hangingPunct="0">
-              <a:defRPr>
-                <a:solidFill>
-                  <a:schemeClr val="tx1"/>
-                </a:solidFill>
-                <a:latin typeface="Arial" panose="020B0604020202090204" pitchFamily="34" charset="0"/>
-                <a:ea typeface="宋体" charset="-122"/>
-              </a:defRPr>
-            </a:lvl3pPr>
-            <a:lvl4pPr marL="1600200" indent="-228600" eaLnBrk="0" hangingPunct="0">
-              <a:defRPr>
-                <a:solidFill>
-                  <a:schemeClr val="tx1"/>
-                </a:solidFill>
-                <a:latin typeface="Arial" panose="020B0604020202090204" pitchFamily="34" charset="0"/>
-                <a:ea typeface="宋体" charset="-122"/>
-              </a:defRPr>
-            </a:lvl4pPr>
-            <a:lvl5pPr marL="2057400" indent="-228600" eaLnBrk="0" hangingPunct="0">
-              <a:defRPr>
-                <a:solidFill>
-                  <a:schemeClr val="tx1"/>
-                </a:solidFill>
-                <a:latin typeface="Arial" panose="020B0604020202090204" pitchFamily="34" charset="0"/>
-                <a:ea typeface="宋体" charset="-122"/>
-              </a:defRPr>
-            </a:lvl5pPr>
-            <a:lvl6pPr marL="2514600" indent="-228600" defTabSz="457200" eaLnBrk="0" fontAlgn="base" hangingPunct="0">
-              <a:spcBef>
-                <a:spcPct val="0"/>
-              </a:spcBef>
-              <a:spcAft>
-                <a:spcPct val="0"/>
-              </a:spcAft>
-              <a:defRPr>
-                <a:solidFill>
-                  <a:schemeClr val="tx1"/>
-                </a:solidFill>
-                <a:latin typeface="Arial" panose="020B0604020202090204" pitchFamily="34" charset="0"/>
-                <a:ea typeface="宋体" charset="-122"/>
-              </a:defRPr>
-            </a:lvl6pPr>
-            <a:lvl7pPr marL="2971800" indent="-228600" defTabSz="457200" eaLnBrk="0" fontAlgn="base" hangingPunct="0">
-              <a:spcBef>
-                <a:spcPct val="0"/>
-              </a:spcBef>
-              <a:spcAft>
-                <a:spcPct val="0"/>
-              </a:spcAft>
-              <a:defRPr>
-                <a:solidFill>
-                  <a:schemeClr val="tx1"/>
-                </a:solidFill>
-                <a:latin typeface="Arial" panose="020B0604020202090204" pitchFamily="34" charset="0"/>
-                <a:ea typeface="宋体" charset="-122"/>
-              </a:defRPr>
-            </a:lvl7pPr>
-            <a:lvl8pPr marL="3429000" indent="-228600" defTabSz="457200" eaLnBrk="0" fontAlgn="base" hangingPunct="0">
-              <a:spcBef>
-                <a:spcPct val="0"/>
-              </a:spcBef>
-              <a:spcAft>
-                <a:spcPct val="0"/>
-              </a:spcAft>
-              <a:defRPr>
-                <a:solidFill>
-                  <a:schemeClr val="tx1"/>
-                </a:solidFill>
-                <a:latin typeface="Arial" panose="020B0604020202090204" pitchFamily="34" charset="0"/>
-                <a:ea typeface="宋体" charset="-122"/>
-              </a:defRPr>
-            </a:lvl8pPr>
-            <a:lvl9pPr marL="3886200" indent="-228600" defTabSz="457200" eaLnBrk="0" fontAlgn="base" hangingPunct="0">
-              <a:spcBef>
-                <a:spcPct val="0"/>
-              </a:spcBef>
-              <a:spcAft>
-                <a:spcPct val="0"/>
-              </a:spcAft>
-              <a:defRPr>
-                <a:solidFill>
-                  <a:schemeClr val="tx1"/>
-                </a:solidFill>
-                <a:latin typeface="Arial" panose="020B0604020202090204" pitchFamily="34" charset="0"/>
-                <a:ea typeface="宋体" charset="-122"/>
-              </a:defRPr>
-            </a:lvl9pPr>
-          </a:lstStyle>
-          <a:p>
-            <a:pPr marL="0" marR="0" lvl="0" indent="0" algn="r" defTabSz="457200" rtl="0" eaLnBrk="1" fontAlgn="auto" latinLnBrk="0" hangingPunct="1">
-              <a:lnSpc>
-                <a:spcPct val="100000"/>
-              </a:lnSpc>
-              <a:spcBef>
-                <a:spcPts val="0"/>
-              </a:spcBef>
-              <a:spcAft>
-                <a:spcPts val="0"/>
-              </a:spcAft>
-              <a:buClrTx/>
-              <a:buSzTx/>
-              <a:buFontTx/>
-              <a:buNone/>
-              <a:defRPr/>
-            </a:pPr>
-            <a:fld id="{3F1E42E4-90F7-C348-9C7D-352344EF35F9}" type="slidenum">
-              <a:rPr kumimoji="0" lang="zh-CN" altLang="en-US" sz="1200" b="0" i="0" u="none" strike="noStrike" kern="1200" cap="none" spc="0" normalizeH="0" baseline="0" noProof="0">
-                <a:ln>
-                  <a:noFill/>
-                </a:ln>
-                <a:solidFill>
-                  <a:srgbClr val="898989"/>
-                </a:solidFill>
-                <a:effectLst/>
-                <a:uLnTx/>
-                <a:uFillTx/>
-                <a:latin typeface="Arial" panose="020B0604020202090204" pitchFamily="34" charset="0"/>
-                <a:ea typeface="微软雅黑" charset="-122"/>
-                <a:cs typeface="+mn-cs"/>
-              </a:rPr>
-              <a:t>3</a:t>
-            </a:fld>
-            <a:endParaRPr kumimoji="0" lang="zh-CN" altLang="en-US" sz="1200" b="0" i="0" u="none" strike="noStrike" kern="1200" cap="none" spc="0" normalizeH="0" baseline="0" noProof="0" dirty="0">
-              <a:ln>
-                <a:noFill/>
-              </a:ln>
-              <a:solidFill>
-                <a:srgbClr val="898989"/>
-              </a:solidFill>
-              <a:effectLst/>
-              <a:uLnTx/>
-              <a:uFillTx/>
-              <a:latin typeface="Arial" panose="020B0604020202090204" pitchFamily="34" charset="0"/>
-              <a:ea typeface="微软雅黑" charset="-122"/>
-              <a:cs typeface="+mn-cs"/>
-            </a:endParaRPr>
-          </a:p>
-        </p:txBody>
-      </p:sp>
-      <p:sp>
-        <p:nvSpPr>
-          <p:cNvPr id="7" name="标题 1"/>
-          <p:cNvSpPr txBox="1"/>
-          <p:nvPr/>
-        </p:nvSpPr>
-        <p:spPr>
-          <a:xfrm>
-            <a:off x="250825" y="89645"/>
-            <a:ext cx="8278495" cy="782955"/>
-          </a:xfrm>
-          <a:prstGeom prst="rect">
-            <a:avLst/>
-          </a:prstGeom>
-        </p:spPr>
-        <p:txBody>
-          <a:bodyPr/>
-          <a:lstStyle>
-            <a:lvl1pPr algn="ctr" defTabSz="457200" rtl="0" eaLnBrk="1" latinLnBrk="0" hangingPunct="1">
-              <a:spcBef>
-                <a:spcPct val="0"/>
-              </a:spcBef>
-              <a:buNone/>
-              <a:defRPr sz="4400" kern="1200">
-                <a:solidFill>
-                  <a:schemeClr val="tx1"/>
-                </a:solidFill>
-                <a:latin typeface="+mj-lt"/>
-                <a:ea typeface="+mj-ea"/>
-                <a:cs typeface="+mj-cs"/>
-              </a:defRPr>
-            </a:lvl1pPr>
-          </a:lstStyle>
-          <a:p>
-            <a:pPr marL="0" marR="0" lvl="0" indent="0" algn="l" defTabSz="457200" rtl="0" eaLnBrk="1" fontAlgn="auto" latinLnBrk="0" hangingPunct="1">
-              <a:lnSpc>
-                <a:spcPct val="150000"/>
-              </a:lnSpc>
-              <a:spcBef>
-                <a:spcPts val="0"/>
-              </a:spcBef>
-              <a:spcAft>
-                <a:spcPts val="0"/>
-              </a:spcAft>
-              <a:buClrTx/>
-              <a:buSzTx/>
-              <a:buFontTx/>
-              <a:buNone/>
-              <a:defRPr/>
-            </a:pPr>
-            <a:r>
-              <a:rPr kumimoji="0" lang="zh-Hans" altLang="en-US" sz="2400" b="1" i="0" u="none" strike="noStrike" kern="1200" cap="none" spc="0" normalizeH="0" baseline="0" noProof="0" dirty="0">
-                <a:ln>
-                  <a:noFill/>
-                </a:ln>
-                <a:solidFill>
-                  <a:prstClr val="black"/>
-                </a:solidFill>
-                <a:effectLst/>
-                <a:uLnTx/>
-                <a:uFillTx/>
-                <a:latin typeface="苹方-简" panose="020B0400000000000000" charset="-122"/>
-                <a:ea typeface="苹方-简" panose="020B0400000000000000" charset="-122"/>
-              </a:rPr>
-              <a:t>木星计划</a:t>
-            </a:r>
-            <a:r>
-              <a:rPr kumimoji="0" lang="en-US" altLang="zh-Hans" sz="2400" b="1" i="0" u="none" strike="noStrike" kern="1200" cap="none" spc="0" normalizeH="0" baseline="0" noProof="0" dirty="0">
-                <a:ln>
-                  <a:noFill/>
-                </a:ln>
-                <a:solidFill>
-                  <a:prstClr val="black"/>
-                </a:solidFill>
-                <a:effectLst/>
-                <a:uLnTx/>
-                <a:uFillTx/>
-                <a:latin typeface="苹方-简" panose="020B0400000000000000" charset="-122"/>
-                <a:ea typeface="苹方-简" panose="020B0400000000000000" charset="-122"/>
-              </a:rPr>
-              <a:t>-</a:t>
-            </a:r>
-            <a:r>
-              <a:rPr kumimoji="0" lang="zh-Hans" altLang="en-US" sz="2400" b="1" i="0" u="none" strike="noStrike" kern="1200" cap="none" spc="0" normalizeH="0" baseline="0" noProof="0" dirty="0">
-                <a:ln>
-                  <a:noFill/>
-                </a:ln>
-                <a:solidFill>
-                  <a:prstClr val="black"/>
-                </a:solidFill>
-                <a:effectLst/>
-                <a:uLnTx/>
-                <a:uFillTx/>
-                <a:latin typeface="苹方-简" panose="020B0400000000000000" charset="-122"/>
-                <a:ea typeface="苹方-简" panose="020B0400000000000000" charset="-122"/>
-              </a:rPr>
-              <a:t>二手房背景</a:t>
-            </a:r>
-            <a:endParaRPr kumimoji="0" lang="en-US" altLang="zh-CN" sz="2400" b="1" i="0" u="none" strike="noStrike" kern="1200" cap="none" spc="0" normalizeH="0" baseline="0" noProof="0" dirty="0">
-              <a:ln>
-                <a:noFill/>
-              </a:ln>
-              <a:solidFill>
-                <a:prstClr val="black"/>
-              </a:solidFill>
-              <a:effectLst/>
-              <a:uLnTx/>
-              <a:uFillTx/>
-              <a:latin typeface="苹方-简" panose="020B0400000000000000" charset="-122"/>
-              <a:ea typeface="苹方-简" panose="020B0400000000000000" charset="-122"/>
-            </a:endParaRPr>
-          </a:p>
-        </p:txBody>
-      </p:sp>
-      <p:sp>
-        <p:nvSpPr>
-          <p:cNvPr id="9" name="内容占位符 2"/>
-          <p:cNvSpPr txBox="1"/>
-          <p:nvPr/>
-        </p:nvSpPr>
-        <p:spPr>
-          <a:xfrm>
-            <a:off x="24384" y="934691"/>
-            <a:ext cx="8229600" cy="669520"/>
-          </a:xfrm>
-          <a:prstGeom prst="rect">
-            <a:avLst/>
-          </a:prstGeom>
-        </p:spPr>
-        <p:txBody>
-          <a:bodyPr/>
-          <a:lstStyle>
-            <a:lvl1pPr marL="342900" indent="-342900" algn="l" defTabSz="457200" rtl="0" eaLnBrk="1" latinLnBrk="0" hangingPunct="1">
-              <a:spcBef>
-                <a:spcPct val="20000"/>
-              </a:spcBef>
-              <a:buFont typeface="Arial" panose="020B0604020202090204"/>
-              <a:buChar char="•"/>
-              <a:defRPr sz="3200" kern="1200">
-                <a:solidFill>
-                  <a:schemeClr val="tx1"/>
-                </a:solidFill>
-                <a:latin typeface="+mn-lt"/>
-                <a:ea typeface="+mn-ea"/>
-                <a:cs typeface="+mn-cs"/>
-              </a:defRPr>
-            </a:lvl1pPr>
-            <a:lvl2pPr marL="742950" indent="-285750" algn="l" defTabSz="457200" rtl="0" eaLnBrk="1" latinLnBrk="0" hangingPunct="1">
-              <a:spcBef>
-                <a:spcPct val="20000"/>
-              </a:spcBef>
-              <a:buFont typeface="Arial" panose="020B0604020202090204"/>
-              <a:buChar char="–"/>
-              <a:defRPr sz="2800" kern="1200">
-                <a:solidFill>
-                  <a:schemeClr val="tx1"/>
-                </a:solidFill>
-                <a:latin typeface="+mn-lt"/>
-                <a:ea typeface="+mn-ea"/>
-                <a:cs typeface="+mn-cs"/>
-              </a:defRPr>
-            </a:lvl2pPr>
-            <a:lvl3pPr marL="1143000" indent="-228600" algn="l" defTabSz="457200" rtl="0" eaLnBrk="1" latinLnBrk="0" hangingPunct="1">
-              <a:spcBef>
-                <a:spcPct val="20000"/>
-              </a:spcBef>
-              <a:buFont typeface="Arial" panose="020B0604020202090204"/>
-              <a:buChar char="•"/>
-              <a:defRPr sz="2400" kern="1200">
-                <a:solidFill>
-                  <a:schemeClr val="tx1"/>
-                </a:solidFill>
-                <a:latin typeface="+mn-lt"/>
-                <a:ea typeface="+mn-ea"/>
-                <a:cs typeface="+mn-cs"/>
-              </a:defRPr>
-            </a:lvl3pPr>
-            <a:lvl4pPr marL="1600200" indent="-228600" algn="l" defTabSz="457200" rtl="0" eaLnBrk="1" latinLnBrk="0" hangingPunct="1">
-              <a:spcBef>
-                <a:spcPct val="20000"/>
-              </a:spcBef>
-              <a:buFont typeface="Arial" panose="020B0604020202090204"/>
-              <a:buChar char="–"/>
-              <a:defRPr sz="2000" kern="1200">
-                <a:solidFill>
-                  <a:schemeClr val="tx1"/>
-                </a:solidFill>
-                <a:latin typeface="+mn-lt"/>
-                <a:ea typeface="+mn-ea"/>
-                <a:cs typeface="+mn-cs"/>
-              </a:defRPr>
-            </a:lvl4pPr>
-            <a:lvl5pPr marL="2057400" indent="-228600" algn="l" defTabSz="457200" rtl="0" eaLnBrk="1" latinLnBrk="0" hangingPunct="1">
-              <a:spcBef>
-                <a:spcPct val="20000"/>
-              </a:spcBef>
-              <a:buFont typeface="Arial" panose="020B0604020202090204"/>
-              <a:buChar char="»"/>
-              <a:defRPr sz="2000" kern="1200">
-                <a:solidFill>
-                  <a:schemeClr val="tx1"/>
-                </a:solidFill>
-                <a:latin typeface="+mn-lt"/>
-                <a:ea typeface="+mn-ea"/>
-                <a:cs typeface="+mn-cs"/>
-              </a:defRPr>
-            </a:lvl5pPr>
-            <a:lvl6pPr marL="2514600" indent="-228600" algn="l" defTabSz="457200" rtl="0" eaLnBrk="1" latinLnBrk="0" hangingPunct="1">
-              <a:spcBef>
-                <a:spcPct val="20000"/>
-              </a:spcBef>
-              <a:buFont typeface="Arial" panose="020B0604020202090204"/>
-              <a:buChar char="•"/>
-              <a:defRPr sz="2000" kern="1200">
-                <a:solidFill>
-                  <a:schemeClr val="tx1"/>
-                </a:solidFill>
-                <a:latin typeface="+mn-lt"/>
-                <a:ea typeface="+mn-ea"/>
-                <a:cs typeface="+mn-cs"/>
-              </a:defRPr>
-            </a:lvl6pPr>
-            <a:lvl7pPr marL="2971800" indent="-228600" algn="l" defTabSz="457200" rtl="0" eaLnBrk="1" latinLnBrk="0" hangingPunct="1">
-              <a:spcBef>
-                <a:spcPct val="20000"/>
-              </a:spcBef>
-              <a:buFont typeface="Arial" panose="020B0604020202090204"/>
-              <a:buChar char="•"/>
-              <a:defRPr sz="2000" kern="1200">
-                <a:solidFill>
-                  <a:schemeClr val="tx1"/>
-                </a:solidFill>
-                <a:latin typeface="+mn-lt"/>
-                <a:ea typeface="+mn-ea"/>
-                <a:cs typeface="+mn-cs"/>
-              </a:defRPr>
-            </a:lvl7pPr>
-            <a:lvl8pPr marL="3429000" indent="-228600" algn="l" defTabSz="457200" rtl="0" eaLnBrk="1" latinLnBrk="0" hangingPunct="1">
-              <a:spcBef>
-                <a:spcPct val="20000"/>
-              </a:spcBef>
-              <a:buFont typeface="Arial" panose="020B0604020202090204"/>
-              <a:buChar char="•"/>
-              <a:defRPr sz="2000" kern="1200">
-                <a:solidFill>
-                  <a:schemeClr val="tx1"/>
-                </a:solidFill>
-                <a:latin typeface="+mn-lt"/>
-                <a:ea typeface="+mn-ea"/>
-                <a:cs typeface="+mn-cs"/>
-              </a:defRPr>
-            </a:lvl8pPr>
-            <a:lvl9pPr marL="3886200" indent="-228600" algn="l" defTabSz="457200" rtl="0" eaLnBrk="1" latinLnBrk="0" hangingPunct="1">
-              <a:spcBef>
-                <a:spcPct val="20000"/>
-              </a:spcBef>
-              <a:buFont typeface="Arial" panose="020B0604020202090204"/>
-              <a:buChar char="•"/>
-              <a:defRPr sz="2000" kern="1200">
-                <a:solidFill>
-                  <a:schemeClr val="tx1"/>
-                </a:solidFill>
-                <a:latin typeface="+mn-lt"/>
-                <a:ea typeface="+mn-ea"/>
-                <a:cs typeface="+mn-cs"/>
-              </a:defRPr>
-            </a:lvl9pPr>
-          </a:lstStyle>
-          <a:p>
-            <a:pPr marL="342900" marR="0" lvl="0" indent="-342900" algn="l" defTabSz="457200" rtl="0" eaLnBrk="1" fontAlgn="auto" latinLnBrk="0" hangingPunct="1">
-              <a:lnSpc>
-                <a:spcPct val="130000"/>
-              </a:lnSpc>
-              <a:spcBef>
-                <a:spcPct val="20000"/>
-              </a:spcBef>
-              <a:spcAft>
-                <a:spcPts val="0"/>
-              </a:spcAft>
-              <a:buClrTx/>
-              <a:buSzTx/>
-              <a:buFont typeface="Wingdings" panose="05000000000000000000" pitchFamily="2" charset="2"/>
-              <a:buChar char="l"/>
-              <a:defRPr/>
-            </a:pPr>
-            <a:endParaRPr kumimoji="0" lang="en-US" altLang="zh-CN" sz="1800" b="0" i="0" u="none" strike="noStrike" kern="1200" cap="none" spc="0" normalizeH="0" baseline="0" noProof="0" dirty="0">
-              <a:ln>
-                <a:noFill/>
-              </a:ln>
-              <a:solidFill>
-                <a:prstClr val="black"/>
-              </a:solidFill>
-              <a:effectLst/>
-              <a:uLnTx/>
-              <a:uFillTx/>
-              <a:latin typeface="Calibri"/>
-              <a:ea typeface="微软雅黑" charset="-122"/>
-              <a:cs typeface="+mn-cs"/>
-            </a:endParaRPr>
-          </a:p>
-          <a:p>
-            <a:pPr marL="0" marR="0" lvl="0" indent="0" algn="l" defTabSz="457200" rtl="0" eaLnBrk="1" fontAlgn="auto" latinLnBrk="0" hangingPunct="1">
-              <a:lnSpc>
-                <a:spcPct val="130000"/>
-              </a:lnSpc>
-              <a:spcBef>
-                <a:spcPct val="20000"/>
-              </a:spcBef>
-              <a:spcAft>
-                <a:spcPts val="0"/>
-              </a:spcAft>
-              <a:buClrTx/>
-              <a:buSzTx/>
-              <a:buFont typeface="Arial" panose="020B0604020202090204"/>
-              <a:buNone/>
-              <a:defRPr/>
-            </a:pPr>
-            <a:endParaRPr kumimoji="0" lang="en-US" altLang="zh-CN" sz="1800" b="1" i="0" u="none" strike="noStrike" kern="1200" cap="none" spc="0" normalizeH="0" baseline="0" noProof="0" dirty="0">
-              <a:ln>
-                <a:noFill/>
-              </a:ln>
-              <a:solidFill>
-                <a:prstClr val="black"/>
-              </a:solidFill>
-              <a:effectLst/>
-              <a:uLnTx/>
-              <a:uFillTx/>
-              <a:latin typeface="Calibri"/>
-              <a:ea typeface="微软雅黑" charset="-122"/>
-              <a:cs typeface="+mn-cs"/>
-            </a:endParaRPr>
-          </a:p>
-          <a:p>
-            <a:pPr marL="0" marR="0" lvl="0" indent="0" algn="l" defTabSz="457200" rtl="0" eaLnBrk="1" fontAlgn="auto" latinLnBrk="0" hangingPunct="1">
-              <a:lnSpc>
-                <a:spcPct val="130000"/>
-              </a:lnSpc>
-              <a:spcBef>
-                <a:spcPct val="20000"/>
-              </a:spcBef>
-              <a:spcAft>
-                <a:spcPts val="0"/>
-              </a:spcAft>
-              <a:buClrTx/>
-              <a:buSzTx/>
-              <a:buFont typeface="Arial" panose="020B0604020202090204"/>
-              <a:buNone/>
-              <a:defRPr/>
-            </a:pPr>
-            <a:endParaRPr kumimoji="0" lang="en-US" altLang="zh-CN" sz="1800" b="1" i="0" u="none" strike="noStrike" kern="1200" cap="none" spc="0" normalizeH="0" baseline="0" noProof="0" dirty="0">
-              <a:ln>
-                <a:noFill/>
-              </a:ln>
-              <a:solidFill>
-                <a:prstClr val="black"/>
-              </a:solidFill>
-              <a:effectLst/>
-              <a:uLnTx/>
-              <a:uFillTx/>
-              <a:latin typeface="Calibri"/>
-              <a:ea typeface="微软雅黑" charset="-122"/>
-              <a:cs typeface="+mn-cs"/>
-            </a:endParaRPr>
-          </a:p>
-        </p:txBody>
-      </p:sp>
-    </p:spTree>
-    <p:custDataLst>
-      <p:tags r:id="rId1"/>
-    </p:custDataLst>
-    <p:extLst>
-      <p:ext uri="{BB962C8B-B14F-4D97-AF65-F5344CB8AC3E}">
-        <p14:creationId xmlns:p14="http://schemas.microsoft.com/office/powerpoint/2010/main" val="3402687752"/>
-      </p:ext>
-    </p:extLst>
-  </p:cSld>
-  <p:clrMapOvr>
-    <a:masterClrMapping/>
-  </p:clrMapOvr>
-</p:sld>
-</file>
-
-<file path=ppt/slides/slide4.xml><?xml version="1.0" encoding="utf-8"?>
+<file path=ppt/slides/slide10.xml><?xml version="1.0" encoding="utf-8"?>
 <p:sld xmlns:a="http://schemas.openxmlformats.org/drawingml/2006/main" xmlns:r="http://schemas.openxmlformats.org/officeDocument/2006/relationships" xmlns:p="http://schemas.openxmlformats.org/presentationml/2006/main">
   <p:cSld>
     <p:spTree>
@@ -4984,7 +5211,7186 @@
 </p:sld>
 </file>
 
+<file path=ppt/slides/slide2.xml><?xml version="1.0" encoding="utf-8"?>
+<p:sld xmlns:a="http://schemas.openxmlformats.org/drawingml/2006/main" xmlns:r="http://schemas.openxmlformats.org/officeDocument/2006/relationships" xmlns:p="http://schemas.openxmlformats.org/presentationml/2006/main">
+  <p:cSld>
+    <p:spTree>
+      <p:nvGrpSpPr>
+        <p:cNvPr id="1" name=""/>
+        <p:cNvGrpSpPr/>
+        <p:nvPr/>
+      </p:nvGrpSpPr>
+      <p:grpSpPr>
+        <a:xfrm>
+          <a:off x="0" y="0"/>
+          <a:ext cx="0" cy="0"/>
+          <a:chOff x="0" y="0"/>
+          <a:chExt cx="0" cy="0"/>
+        </a:xfrm>
+      </p:grpSpPr>
+      <p:sp>
+        <p:nvSpPr>
+          <p:cNvPr id="3" name="文本框 2">
+            <a:extLst>
+              <a:ext uri="{FF2B5EF4-FFF2-40B4-BE49-F238E27FC236}">
+                <a16:creationId xmlns:a16="http://schemas.microsoft.com/office/drawing/2014/main" id="{47FBD873-BC55-E940-B8D5-0905E0D83223}"/>
+              </a:ext>
+            </a:extLst>
+          </p:cNvPr>
+          <p:cNvSpPr txBox="1"/>
+          <p:nvPr/>
+        </p:nvSpPr>
+        <p:spPr>
+          <a:xfrm>
+            <a:off x="971550" y="2921168"/>
+            <a:ext cx="1630136" cy="923330"/>
+          </a:xfrm>
+          <a:prstGeom prst="rect">
+            <a:avLst/>
+          </a:prstGeom>
+          <a:noFill/>
+        </p:spPr>
+        <p:txBody>
+          <a:bodyPr wrap="square" lIns="0" tIns="0" rIns="0" bIns="0" rtlCol="0">
+            <a:spAutoFit/>
+          </a:bodyPr>
+          <a:lstStyle/>
+          <a:p>
+            <a:r>
+              <a:rPr kumimoji="1" lang="zh-CN" altLang="en-US" sz="6000" b="1" dirty="0">
+                <a:solidFill>
+                  <a:schemeClr val="bg1"/>
+                </a:solidFill>
+                <a:latin typeface="PingFang SC" panose="020B0400000000000000" pitchFamily="34" charset="-122"/>
+                <a:ea typeface="PingFang SC" panose="020B0400000000000000" pitchFamily="34" charset="-122"/>
+              </a:rPr>
+              <a:t>目录</a:t>
+            </a:r>
+          </a:p>
+        </p:txBody>
+      </p:sp>
+      <p:sp>
+        <p:nvSpPr>
+          <p:cNvPr id="4" name="文本框 3">
+            <a:extLst>
+              <a:ext uri="{FF2B5EF4-FFF2-40B4-BE49-F238E27FC236}">
+                <a16:creationId xmlns:a16="http://schemas.microsoft.com/office/drawing/2014/main" id="{C604689F-24E1-1342-A79F-04A6ED55B05B}"/>
+              </a:ext>
+            </a:extLst>
+          </p:cNvPr>
+          <p:cNvSpPr txBox="1"/>
+          <p:nvPr/>
+        </p:nvSpPr>
+        <p:spPr>
+          <a:xfrm>
+            <a:off x="3178401" y="1066800"/>
+            <a:ext cx="4207883" cy="4289508"/>
+          </a:xfrm>
+          <a:prstGeom prst="rect">
+            <a:avLst/>
+          </a:prstGeom>
+          <a:noFill/>
+        </p:spPr>
+        <p:txBody>
+          <a:bodyPr wrap="none" lIns="0" tIns="0" rIns="0" bIns="0" rtlCol="0">
+            <a:spAutoFit/>
+          </a:bodyPr>
+          <a:lstStyle/>
+          <a:p>
+            <a:pPr marL="285750" indent="-285750">
+              <a:lnSpc>
+                <a:spcPct val="200000"/>
+              </a:lnSpc>
+              <a:buFont typeface="Arial" panose="020B0604020202020204" pitchFamily="34" charset="0"/>
+              <a:buChar char="•"/>
+            </a:pPr>
+            <a:r>
+              <a:rPr kumimoji="1" lang="zh-Hans" altLang="en-US" sz="3600" dirty="0">
+                <a:solidFill>
+                  <a:schemeClr val="bg1"/>
+                </a:solidFill>
+                <a:latin typeface="PingFang SC" panose="020B0400000000000000" pitchFamily="34" charset="-122"/>
+                <a:ea typeface="PingFang SC" panose="020B0400000000000000" pitchFamily="34" charset="-122"/>
+              </a:rPr>
+              <a:t>木星计划 </a:t>
+            </a:r>
+            <a:r>
+              <a:rPr kumimoji="1" lang="en-US" altLang="zh-Hans" sz="3600" dirty="0">
+                <a:solidFill>
+                  <a:schemeClr val="bg1"/>
+                </a:solidFill>
+                <a:latin typeface="PingFang SC" panose="020B0400000000000000" pitchFamily="34" charset="-122"/>
+                <a:ea typeface="PingFang SC" panose="020B0400000000000000" pitchFamily="34" charset="-122"/>
+              </a:rPr>
+              <a:t>–</a:t>
+            </a:r>
+            <a:r>
+              <a:rPr kumimoji="1" lang="zh-Hans" altLang="en-US" sz="3600" dirty="0">
+                <a:solidFill>
+                  <a:schemeClr val="bg1"/>
+                </a:solidFill>
+                <a:latin typeface="PingFang SC" panose="020B0400000000000000" pitchFamily="34" charset="-122"/>
+                <a:ea typeface="PingFang SC" panose="020B0400000000000000" pitchFamily="34" charset="-122"/>
+              </a:rPr>
+              <a:t> 二手房</a:t>
+            </a:r>
+            <a:endParaRPr kumimoji="1" lang="en-US" altLang="zh-CN" sz="3600" dirty="0">
+              <a:solidFill>
+                <a:schemeClr val="bg1"/>
+              </a:solidFill>
+              <a:latin typeface="PingFang SC" panose="020B0400000000000000" pitchFamily="34" charset="-122"/>
+              <a:ea typeface="PingFang SC" panose="020B0400000000000000" pitchFamily="34" charset="-122"/>
+            </a:endParaRPr>
+          </a:p>
+          <a:p>
+            <a:pPr marL="285750" indent="-285750">
+              <a:lnSpc>
+                <a:spcPct val="200000"/>
+              </a:lnSpc>
+              <a:buFont typeface="Arial" panose="020B0604020202020204" pitchFamily="34" charset="0"/>
+              <a:buChar char="•"/>
+            </a:pPr>
+            <a:r>
+              <a:rPr kumimoji="1" lang="zh-Hans" altLang="en-US" sz="3600" dirty="0">
+                <a:solidFill>
+                  <a:schemeClr val="bg1"/>
+                </a:solidFill>
+                <a:latin typeface="PingFang SC" panose="020B0400000000000000" pitchFamily="34" charset="-122"/>
+                <a:ea typeface="PingFang SC" panose="020B0400000000000000" pitchFamily="34" charset="-122"/>
+              </a:rPr>
+              <a:t>暗黑模式适配</a:t>
+            </a:r>
+            <a:endParaRPr kumimoji="1" lang="en-US" altLang="zh-CN" sz="3600" dirty="0">
+              <a:solidFill>
+                <a:schemeClr val="bg1"/>
+              </a:solidFill>
+              <a:latin typeface="PingFang SC" panose="020B0400000000000000" pitchFamily="34" charset="-122"/>
+              <a:ea typeface="PingFang SC" panose="020B0400000000000000" pitchFamily="34" charset="-122"/>
+            </a:endParaRPr>
+          </a:p>
+          <a:p>
+            <a:pPr marL="285750" indent="-285750">
+              <a:lnSpc>
+                <a:spcPct val="200000"/>
+              </a:lnSpc>
+              <a:buFont typeface="Arial" panose="020B0604020202020204" pitchFamily="34" charset="0"/>
+              <a:buChar char="•"/>
+            </a:pPr>
+            <a:r>
+              <a:rPr kumimoji="1" lang="zh-Hans" altLang="en-US" sz="3600" dirty="0">
+                <a:solidFill>
+                  <a:schemeClr val="bg1"/>
+                </a:solidFill>
+                <a:latin typeface="PingFang SC" panose="020B0400000000000000" pitchFamily="34" charset="-122"/>
+                <a:ea typeface="PingFang SC" panose="020B0400000000000000" pitchFamily="34" charset="-122"/>
+              </a:rPr>
+              <a:t>提效</a:t>
+            </a:r>
+            <a:endParaRPr kumimoji="1" lang="en-US" altLang="zh-CN" sz="3600" dirty="0">
+              <a:solidFill>
+                <a:schemeClr val="bg1"/>
+              </a:solidFill>
+              <a:latin typeface="PingFang SC" panose="020B0400000000000000" pitchFamily="34" charset="-122"/>
+              <a:ea typeface="PingFang SC" panose="020B0400000000000000" pitchFamily="34" charset="-122"/>
+            </a:endParaRPr>
+          </a:p>
+          <a:p>
+            <a:pPr marL="285750" indent="-285750">
+              <a:lnSpc>
+                <a:spcPct val="200000"/>
+              </a:lnSpc>
+              <a:buFont typeface="Arial" panose="020B0604020202020204" pitchFamily="34" charset="0"/>
+              <a:buChar char="•"/>
+            </a:pPr>
+            <a:r>
+              <a:rPr kumimoji="1" lang="zh-CN" altLang="en-US" sz="3600" dirty="0">
+                <a:solidFill>
+                  <a:schemeClr val="bg1"/>
+                </a:solidFill>
+                <a:latin typeface="PingFang SC" panose="020B0400000000000000" pitchFamily="34" charset="-122"/>
+                <a:ea typeface="PingFang SC" panose="020B0400000000000000" pitchFamily="34" charset="-122"/>
+              </a:rPr>
+              <a:t>总结</a:t>
+            </a:r>
+            <a:endParaRPr kumimoji="1" lang="en-US" altLang="zh-CN" sz="3600" dirty="0">
+              <a:solidFill>
+                <a:schemeClr val="bg1"/>
+              </a:solidFill>
+              <a:latin typeface="PingFang SC" panose="020B0400000000000000" pitchFamily="34" charset="-122"/>
+              <a:ea typeface="PingFang SC" panose="020B0400000000000000" pitchFamily="34" charset="-122"/>
+            </a:endParaRPr>
+          </a:p>
+        </p:txBody>
+      </p:sp>
+    </p:spTree>
+    <p:extLst>
+      <p:ext uri="{BB962C8B-B14F-4D97-AF65-F5344CB8AC3E}">
+        <p14:creationId xmlns:p14="http://schemas.microsoft.com/office/powerpoint/2010/main" val="197551775"/>
+      </p:ext>
+    </p:extLst>
+  </p:cSld>
+  <p:clrMapOvr>
+    <a:masterClrMapping/>
+  </p:clrMapOvr>
+</p:sld>
+</file>
+
+<file path=ppt/slides/slide3.xml><?xml version="1.0" encoding="utf-8"?>
+<p:sld xmlns:a="http://schemas.openxmlformats.org/drawingml/2006/main" xmlns:r="http://schemas.openxmlformats.org/officeDocument/2006/relationships" xmlns:p="http://schemas.openxmlformats.org/presentationml/2006/main">
+  <p:cSld>
+    <p:spTree>
+      <p:nvGrpSpPr>
+        <p:cNvPr id="1" name=""/>
+        <p:cNvGrpSpPr/>
+        <p:nvPr/>
+      </p:nvGrpSpPr>
+      <p:grpSpPr>
+        <a:xfrm>
+          <a:off x="0" y="0"/>
+          <a:ext cx="0" cy="0"/>
+          <a:chOff x="0" y="0"/>
+          <a:chExt cx="0" cy="0"/>
+        </a:xfrm>
+      </p:grpSpPr>
+      <p:sp>
+        <p:nvSpPr>
+          <p:cNvPr id="4" name="文本框 3">
+            <a:extLst>
+              <a:ext uri="{FF2B5EF4-FFF2-40B4-BE49-F238E27FC236}">
+                <a16:creationId xmlns:a16="http://schemas.microsoft.com/office/drawing/2014/main" id="{35EA2C41-903F-8E48-B086-F20CEF339DEB}"/>
+              </a:ext>
+            </a:extLst>
+          </p:cNvPr>
+          <p:cNvSpPr txBox="1"/>
+          <p:nvPr/>
+        </p:nvSpPr>
+        <p:spPr>
+          <a:xfrm>
+            <a:off x="503283" y="2670442"/>
+            <a:ext cx="7208520" cy="1414547"/>
+          </a:xfrm>
+          <a:prstGeom prst="rect">
+            <a:avLst/>
+          </a:prstGeom>
+          <a:noFill/>
+          <a:ln>
+            <a:solidFill>
+              <a:schemeClr val="bg1"/>
+            </a:solidFill>
+          </a:ln>
+        </p:spPr>
+        <p:txBody>
+          <a:bodyPr wrap="square" rtlCol="0" anchor="ctr" anchorCtr="0">
+            <a:noAutofit/>
+          </a:bodyPr>
+          <a:lstStyle/>
+          <a:p>
+            <a:pPr>
+              <a:lnSpc>
+                <a:spcPct val="100000"/>
+              </a:lnSpc>
+            </a:pPr>
+            <a:r>
+              <a:rPr kumimoji="1" lang="zh-Hans" altLang="en-US" sz="4000" dirty="0">
+                <a:solidFill>
+                  <a:schemeClr val="bg1"/>
+                </a:solidFill>
+              </a:rPr>
+              <a:t> </a:t>
+            </a:r>
+            <a:r>
+              <a:rPr kumimoji="1" lang="en-US" altLang="zh-Hans" sz="4000" dirty="0">
+                <a:solidFill>
+                  <a:schemeClr val="bg1"/>
+                </a:solidFill>
+                <a:latin typeface="PingFang SC" panose="020B0400000000000000" pitchFamily="34" charset="-122"/>
+                <a:ea typeface="PingFang SC" panose="020B0400000000000000" pitchFamily="34" charset="-122"/>
+              </a:rPr>
+              <a:t>01</a:t>
+            </a:r>
+            <a:r>
+              <a:rPr kumimoji="1" lang="zh-Hans" altLang="en-US" sz="4000" dirty="0">
+                <a:solidFill>
+                  <a:schemeClr val="bg1"/>
+                </a:solidFill>
+                <a:latin typeface="PingFang SC" panose="020B0400000000000000" pitchFamily="34" charset="-122"/>
+                <a:ea typeface="PingFang SC" panose="020B0400000000000000" pitchFamily="34" charset="-122"/>
+              </a:rPr>
+              <a:t> </a:t>
+            </a:r>
+            <a:r>
+              <a:rPr kumimoji="1" lang="en-US" altLang="zh-Hans" sz="4000" dirty="0">
+                <a:solidFill>
+                  <a:schemeClr val="bg1"/>
+                </a:solidFill>
+                <a:latin typeface="PingFang SC" panose="020B0400000000000000" pitchFamily="34" charset="-122"/>
+                <a:ea typeface="PingFang SC" panose="020B0400000000000000" pitchFamily="34" charset="-122"/>
+              </a:rPr>
+              <a:t>|</a:t>
+            </a:r>
+            <a:r>
+              <a:rPr kumimoji="1" lang="zh-Hans" altLang="en-US" sz="4000" dirty="0">
+                <a:solidFill>
+                  <a:schemeClr val="bg1"/>
+                </a:solidFill>
+                <a:latin typeface="PingFang SC" panose="020B0400000000000000" pitchFamily="34" charset="-122"/>
+                <a:ea typeface="PingFang SC" panose="020B0400000000000000" pitchFamily="34" charset="-122"/>
+              </a:rPr>
+              <a:t>  木星计划 </a:t>
+            </a:r>
+            <a:r>
+              <a:rPr kumimoji="1" lang="en-US" altLang="zh-Hans" sz="4000" dirty="0">
+                <a:solidFill>
+                  <a:schemeClr val="bg1"/>
+                </a:solidFill>
+                <a:latin typeface="PingFang SC" panose="020B0400000000000000" pitchFamily="34" charset="-122"/>
+                <a:ea typeface="PingFang SC" panose="020B0400000000000000" pitchFamily="34" charset="-122"/>
+              </a:rPr>
+              <a:t>–</a:t>
+            </a:r>
+            <a:r>
+              <a:rPr kumimoji="1" lang="zh-Hans" altLang="en-US" sz="4000" dirty="0">
+                <a:solidFill>
+                  <a:schemeClr val="bg1"/>
+                </a:solidFill>
+                <a:latin typeface="PingFang SC" panose="020B0400000000000000" pitchFamily="34" charset="-122"/>
+                <a:ea typeface="PingFang SC" panose="020B0400000000000000" pitchFamily="34" charset="-122"/>
+              </a:rPr>
+              <a:t> 二手房</a:t>
+            </a:r>
+            <a:endParaRPr kumimoji="1" lang="en-US" altLang="zh-Hans" sz="4000" dirty="0">
+              <a:solidFill>
+                <a:schemeClr val="bg1"/>
+              </a:solidFill>
+              <a:latin typeface="PingFang SC" panose="020B0400000000000000" pitchFamily="34" charset="-122"/>
+              <a:ea typeface="PingFang SC" panose="020B0400000000000000" pitchFamily="34" charset="-122"/>
+            </a:endParaRPr>
+          </a:p>
+        </p:txBody>
+      </p:sp>
+    </p:spTree>
+    <p:extLst>
+      <p:ext uri="{BB962C8B-B14F-4D97-AF65-F5344CB8AC3E}">
+        <p14:creationId xmlns:p14="http://schemas.microsoft.com/office/powerpoint/2010/main" val="381668289"/>
+      </p:ext>
+    </p:extLst>
+  </p:cSld>
+  <p:clrMapOvr>
+    <a:masterClrMapping/>
+  </p:clrMapOvr>
+</p:sld>
+</file>
+
+<file path=ppt/slides/slide4.xml><?xml version="1.0" encoding="utf-8"?>
+<p:sld xmlns:a="http://schemas.openxmlformats.org/drawingml/2006/main" xmlns:r="http://schemas.openxmlformats.org/officeDocument/2006/relationships" xmlns:p="http://schemas.openxmlformats.org/presentationml/2006/main">
+  <p:cSld>
+    <p:spTree>
+      <p:nvGrpSpPr>
+        <p:cNvPr id="1" name=""/>
+        <p:cNvGrpSpPr/>
+        <p:nvPr/>
+      </p:nvGrpSpPr>
+      <p:grpSpPr>
+        <a:xfrm>
+          <a:off x="0" y="0"/>
+          <a:ext cx="0" cy="0"/>
+          <a:chOff x="0" y="0"/>
+          <a:chExt cx="0" cy="0"/>
+        </a:xfrm>
+      </p:grpSpPr>
+      <p:pic>
+        <p:nvPicPr>
+          <p:cNvPr id="2" name="图片 1"/>
+          <p:cNvPicPr>
+            <a:picLocks noChangeAspect="1"/>
+          </p:cNvPicPr>
+          <p:nvPr/>
+        </p:nvPicPr>
+        <p:blipFill>
+          <a:blip r:embed="rId4" cstate="email"/>
+          <a:stretch>
+            <a:fillRect/>
+          </a:stretch>
+        </p:blipFill>
+        <p:spPr>
+          <a:xfrm>
+            <a:off x="714" y="0"/>
+            <a:ext cx="9142571" cy="6858000"/>
+          </a:xfrm>
+          <a:prstGeom prst="rect">
+            <a:avLst/>
+          </a:prstGeom>
+          <a:noFill/>
+          <a:ln>
+            <a:solidFill>
+              <a:schemeClr val="tx1"/>
+            </a:solidFill>
+          </a:ln>
+        </p:spPr>
+      </p:pic>
+      <p:sp>
+        <p:nvSpPr>
+          <p:cNvPr id="6" name="灯片编号占位符 4"/>
+          <p:cNvSpPr>
+            <a:spLocks noGrp="1"/>
+          </p:cNvSpPr>
+          <p:nvPr>
+            <p:ph type="sldNum" sz="quarter" idx="12"/>
+          </p:nvPr>
+        </p:nvSpPr>
+        <p:spPr>
+          <a:xfrm>
+            <a:off x="6120384" y="6413183"/>
+            <a:ext cx="2133600" cy="274637"/>
+          </a:xfrm>
+        </p:spPr>
+        <p:txBody>
+          <a:bodyPr/>
+          <a:lstStyle>
+            <a:lvl1pPr eaLnBrk="0" hangingPunct="0">
+              <a:defRPr>
+                <a:solidFill>
+                  <a:schemeClr val="tx1"/>
+                </a:solidFill>
+                <a:latin typeface="Arial" panose="020B0604020202090204" pitchFamily="34" charset="0"/>
+                <a:ea typeface="宋体" charset="-122"/>
+              </a:defRPr>
+            </a:lvl1pPr>
+            <a:lvl2pPr marL="742950" indent="-285750" eaLnBrk="0" hangingPunct="0">
+              <a:defRPr>
+                <a:solidFill>
+                  <a:schemeClr val="tx1"/>
+                </a:solidFill>
+                <a:latin typeface="Arial" panose="020B0604020202090204" pitchFamily="34" charset="0"/>
+                <a:ea typeface="宋体" charset="-122"/>
+              </a:defRPr>
+            </a:lvl2pPr>
+            <a:lvl3pPr marL="1143000" indent="-228600" eaLnBrk="0" hangingPunct="0">
+              <a:defRPr>
+                <a:solidFill>
+                  <a:schemeClr val="tx1"/>
+                </a:solidFill>
+                <a:latin typeface="Arial" panose="020B0604020202090204" pitchFamily="34" charset="0"/>
+                <a:ea typeface="宋体" charset="-122"/>
+              </a:defRPr>
+            </a:lvl3pPr>
+            <a:lvl4pPr marL="1600200" indent="-228600" eaLnBrk="0" hangingPunct="0">
+              <a:defRPr>
+                <a:solidFill>
+                  <a:schemeClr val="tx1"/>
+                </a:solidFill>
+                <a:latin typeface="Arial" panose="020B0604020202090204" pitchFamily="34" charset="0"/>
+                <a:ea typeface="宋体" charset="-122"/>
+              </a:defRPr>
+            </a:lvl4pPr>
+            <a:lvl5pPr marL="2057400" indent="-228600" eaLnBrk="0" hangingPunct="0">
+              <a:defRPr>
+                <a:solidFill>
+                  <a:schemeClr val="tx1"/>
+                </a:solidFill>
+                <a:latin typeface="Arial" panose="020B0604020202090204" pitchFamily="34" charset="0"/>
+                <a:ea typeface="宋体" charset="-122"/>
+              </a:defRPr>
+            </a:lvl5pPr>
+            <a:lvl6pPr marL="2514600" indent="-228600" defTabSz="457200" eaLnBrk="0" fontAlgn="base" hangingPunct="0">
+              <a:spcBef>
+                <a:spcPct val="0"/>
+              </a:spcBef>
+              <a:spcAft>
+                <a:spcPct val="0"/>
+              </a:spcAft>
+              <a:defRPr>
+                <a:solidFill>
+                  <a:schemeClr val="tx1"/>
+                </a:solidFill>
+                <a:latin typeface="Arial" panose="020B0604020202090204" pitchFamily="34" charset="0"/>
+                <a:ea typeface="宋体" charset="-122"/>
+              </a:defRPr>
+            </a:lvl6pPr>
+            <a:lvl7pPr marL="2971800" indent="-228600" defTabSz="457200" eaLnBrk="0" fontAlgn="base" hangingPunct="0">
+              <a:spcBef>
+                <a:spcPct val="0"/>
+              </a:spcBef>
+              <a:spcAft>
+                <a:spcPct val="0"/>
+              </a:spcAft>
+              <a:defRPr>
+                <a:solidFill>
+                  <a:schemeClr val="tx1"/>
+                </a:solidFill>
+                <a:latin typeface="Arial" panose="020B0604020202090204" pitchFamily="34" charset="0"/>
+                <a:ea typeface="宋体" charset="-122"/>
+              </a:defRPr>
+            </a:lvl7pPr>
+            <a:lvl8pPr marL="3429000" indent="-228600" defTabSz="457200" eaLnBrk="0" fontAlgn="base" hangingPunct="0">
+              <a:spcBef>
+                <a:spcPct val="0"/>
+              </a:spcBef>
+              <a:spcAft>
+                <a:spcPct val="0"/>
+              </a:spcAft>
+              <a:defRPr>
+                <a:solidFill>
+                  <a:schemeClr val="tx1"/>
+                </a:solidFill>
+                <a:latin typeface="Arial" panose="020B0604020202090204" pitchFamily="34" charset="0"/>
+                <a:ea typeface="宋体" charset="-122"/>
+              </a:defRPr>
+            </a:lvl8pPr>
+            <a:lvl9pPr marL="3886200" indent="-228600" defTabSz="457200" eaLnBrk="0" fontAlgn="base" hangingPunct="0">
+              <a:spcBef>
+                <a:spcPct val="0"/>
+              </a:spcBef>
+              <a:spcAft>
+                <a:spcPct val="0"/>
+              </a:spcAft>
+              <a:defRPr>
+                <a:solidFill>
+                  <a:schemeClr val="tx1"/>
+                </a:solidFill>
+                <a:latin typeface="Arial" panose="020B0604020202090204" pitchFamily="34" charset="0"/>
+                <a:ea typeface="宋体" charset="-122"/>
+              </a:defRPr>
+            </a:lvl9pPr>
+          </a:lstStyle>
+          <a:p>
+            <a:pPr marL="0" marR="0" lvl="0" indent="0" algn="r" defTabSz="457200" rtl="0" eaLnBrk="1" fontAlgn="auto" latinLnBrk="0" hangingPunct="1">
+              <a:lnSpc>
+                <a:spcPct val="100000"/>
+              </a:lnSpc>
+              <a:spcBef>
+                <a:spcPts val="0"/>
+              </a:spcBef>
+              <a:spcAft>
+                <a:spcPts val="0"/>
+              </a:spcAft>
+              <a:buClrTx/>
+              <a:buSzTx/>
+              <a:buFontTx/>
+              <a:buNone/>
+              <a:defRPr/>
+            </a:pPr>
+            <a:fld id="{3F1E42E4-90F7-C348-9C7D-352344EF35F9}" type="slidenum">
+              <a:rPr kumimoji="0" lang="zh-CN" altLang="en-US" sz="1200" b="0" i="0" u="none" strike="noStrike" kern="1200" cap="none" spc="0" normalizeH="0" baseline="0" noProof="0">
+                <a:ln>
+                  <a:noFill/>
+                </a:ln>
+                <a:solidFill>
+                  <a:srgbClr val="898989"/>
+                </a:solidFill>
+                <a:effectLst/>
+                <a:uLnTx/>
+                <a:uFillTx/>
+                <a:latin typeface="Arial" panose="020B0604020202090204" pitchFamily="34" charset="0"/>
+                <a:ea typeface="微软雅黑" charset="-122"/>
+                <a:cs typeface="+mn-cs"/>
+              </a:rPr>
+              <a:t>4</a:t>
+            </a:fld>
+            <a:endParaRPr kumimoji="0" lang="zh-CN" altLang="en-US" sz="1200" b="0" i="0" u="none" strike="noStrike" kern="1200" cap="none" spc="0" normalizeH="0" baseline="0" noProof="0" dirty="0">
+              <a:ln>
+                <a:noFill/>
+              </a:ln>
+              <a:solidFill>
+                <a:srgbClr val="898989"/>
+              </a:solidFill>
+              <a:effectLst/>
+              <a:uLnTx/>
+              <a:uFillTx/>
+              <a:latin typeface="Arial" panose="020B0604020202090204" pitchFamily="34" charset="0"/>
+              <a:ea typeface="微软雅黑" charset="-122"/>
+              <a:cs typeface="+mn-cs"/>
+            </a:endParaRPr>
+          </a:p>
+        </p:txBody>
+      </p:sp>
+      <p:sp>
+        <p:nvSpPr>
+          <p:cNvPr id="7" name="标题 1"/>
+          <p:cNvSpPr txBox="1"/>
+          <p:nvPr/>
+        </p:nvSpPr>
+        <p:spPr>
+          <a:xfrm>
+            <a:off x="250825" y="89645"/>
+            <a:ext cx="8278495" cy="782955"/>
+          </a:xfrm>
+          <a:prstGeom prst="rect">
+            <a:avLst/>
+          </a:prstGeom>
+        </p:spPr>
+        <p:txBody>
+          <a:bodyPr/>
+          <a:lstStyle>
+            <a:lvl1pPr algn="ctr" defTabSz="457200" rtl="0" eaLnBrk="1" latinLnBrk="0" hangingPunct="1">
+              <a:spcBef>
+                <a:spcPct val="0"/>
+              </a:spcBef>
+              <a:buNone/>
+              <a:defRPr sz="4400" kern="1200">
+                <a:solidFill>
+                  <a:schemeClr val="tx1"/>
+                </a:solidFill>
+                <a:latin typeface="+mj-lt"/>
+                <a:ea typeface="+mj-ea"/>
+                <a:cs typeface="+mj-cs"/>
+              </a:defRPr>
+            </a:lvl1pPr>
+          </a:lstStyle>
+          <a:p>
+            <a:pPr marL="0" marR="0" lvl="0" indent="0" algn="l" defTabSz="457200" rtl="0" eaLnBrk="1" fontAlgn="auto" latinLnBrk="0" hangingPunct="1">
+              <a:lnSpc>
+                <a:spcPct val="150000"/>
+              </a:lnSpc>
+              <a:spcBef>
+                <a:spcPts val="0"/>
+              </a:spcBef>
+              <a:spcAft>
+                <a:spcPts val="0"/>
+              </a:spcAft>
+              <a:buClrTx/>
+              <a:buSzTx/>
+              <a:buFontTx/>
+              <a:buNone/>
+              <a:defRPr/>
+            </a:pPr>
+            <a:r>
+              <a:rPr kumimoji="0" lang="zh-Hans" altLang="en-US" sz="2400" b="1" i="0" u="none" strike="noStrike" kern="1200" cap="none" spc="0" normalizeH="0" baseline="0" noProof="0" dirty="0">
+                <a:ln>
+                  <a:noFill/>
+                </a:ln>
+                <a:solidFill>
+                  <a:prstClr val="black"/>
+                </a:solidFill>
+                <a:effectLst/>
+                <a:uLnTx/>
+                <a:uFillTx/>
+                <a:latin typeface="苹方-简" panose="020B0400000000000000" charset="-122"/>
+                <a:ea typeface="苹方-简" panose="020B0400000000000000" charset="-122"/>
+              </a:rPr>
+              <a:t>木星计划</a:t>
+            </a:r>
+            <a:r>
+              <a:rPr kumimoji="0" lang="en-US" altLang="zh-Hans" sz="2400" b="1" i="0" u="none" strike="noStrike" kern="1200" cap="none" spc="0" normalizeH="0" baseline="0" noProof="0" dirty="0">
+                <a:ln>
+                  <a:noFill/>
+                </a:ln>
+                <a:solidFill>
+                  <a:prstClr val="black"/>
+                </a:solidFill>
+                <a:effectLst/>
+                <a:uLnTx/>
+                <a:uFillTx/>
+                <a:latin typeface="苹方-简" panose="020B0400000000000000" charset="-122"/>
+                <a:ea typeface="苹方-简" panose="020B0400000000000000" charset="-122"/>
+              </a:rPr>
+              <a:t>-</a:t>
+            </a:r>
+            <a:r>
+              <a:rPr kumimoji="0" lang="zh-Hans" altLang="en-US" sz="2400" b="1" i="0" u="none" strike="noStrike" kern="1200" cap="none" spc="0" normalizeH="0" baseline="0" noProof="0" dirty="0">
+                <a:ln>
+                  <a:noFill/>
+                </a:ln>
+                <a:solidFill>
+                  <a:prstClr val="black"/>
+                </a:solidFill>
+                <a:effectLst/>
+                <a:uLnTx/>
+                <a:uFillTx/>
+                <a:latin typeface="苹方-简" panose="020B0400000000000000" charset="-122"/>
+                <a:ea typeface="苹方-简" panose="020B0400000000000000" charset="-122"/>
+              </a:rPr>
+              <a:t>二手房背景</a:t>
+            </a:r>
+            <a:endParaRPr kumimoji="0" lang="en-US" altLang="zh-CN" sz="2400" b="1" i="0" u="none" strike="noStrike" kern="1200" cap="none" spc="0" normalizeH="0" baseline="0" noProof="0" dirty="0">
+              <a:ln>
+                <a:noFill/>
+              </a:ln>
+              <a:solidFill>
+                <a:prstClr val="black"/>
+              </a:solidFill>
+              <a:effectLst/>
+              <a:uLnTx/>
+              <a:uFillTx/>
+              <a:latin typeface="苹方-简" panose="020B0400000000000000" charset="-122"/>
+              <a:ea typeface="苹方-简" panose="020B0400000000000000" charset="-122"/>
+            </a:endParaRPr>
+          </a:p>
+        </p:txBody>
+      </p:sp>
+      <p:sp>
+        <p:nvSpPr>
+          <p:cNvPr id="9" name="内容占位符 2"/>
+          <p:cNvSpPr txBox="1"/>
+          <p:nvPr/>
+        </p:nvSpPr>
+        <p:spPr>
+          <a:xfrm>
+            <a:off x="24384" y="934691"/>
+            <a:ext cx="8229600" cy="669520"/>
+          </a:xfrm>
+          <a:prstGeom prst="rect">
+            <a:avLst/>
+          </a:prstGeom>
+        </p:spPr>
+        <p:txBody>
+          <a:bodyPr/>
+          <a:lstStyle>
+            <a:lvl1pPr marL="342900" indent="-342900" algn="l" defTabSz="457200" rtl="0" eaLnBrk="1" latinLnBrk="0" hangingPunct="1">
+              <a:spcBef>
+                <a:spcPct val="20000"/>
+              </a:spcBef>
+              <a:buFont typeface="Arial" panose="020B0604020202090204"/>
+              <a:buChar char="•"/>
+              <a:defRPr sz="3200" kern="1200">
+                <a:solidFill>
+                  <a:schemeClr val="tx1"/>
+                </a:solidFill>
+                <a:latin typeface="+mn-lt"/>
+                <a:ea typeface="+mn-ea"/>
+                <a:cs typeface="+mn-cs"/>
+              </a:defRPr>
+            </a:lvl1pPr>
+            <a:lvl2pPr marL="742950" indent="-285750" algn="l" defTabSz="457200" rtl="0" eaLnBrk="1" latinLnBrk="0" hangingPunct="1">
+              <a:spcBef>
+                <a:spcPct val="20000"/>
+              </a:spcBef>
+              <a:buFont typeface="Arial" panose="020B0604020202090204"/>
+              <a:buChar char="–"/>
+              <a:defRPr sz="2800" kern="1200">
+                <a:solidFill>
+                  <a:schemeClr val="tx1"/>
+                </a:solidFill>
+                <a:latin typeface="+mn-lt"/>
+                <a:ea typeface="+mn-ea"/>
+                <a:cs typeface="+mn-cs"/>
+              </a:defRPr>
+            </a:lvl2pPr>
+            <a:lvl3pPr marL="1143000" indent="-228600" algn="l" defTabSz="457200" rtl="0" eaLnBrk="1" latinLnBrk="0" hangingPunct="1">
+              <a:spcBef>
+                <a:spcPct val="20000"/>
+              </a:spcBef>
+              <a:buFont typeface="Arial" panose="020B0604020202090204"/>
+              <a:buChar char="•"/>
+              <a:defRPr sz="2400" kern="1200">
+                <a:solidFill>
+                  <a:schemeClr val="tx1"/>
+                </a:solidFill>
+                <a:latin typeface="+mn-lt"/>
+                <a:ea typeface="+mn-ea"/>
+                <a:cs typeface="+mn-cs"/>
+              </a:defRPr>
+            </a:lvl3pPr>
+            <a:lvl4pPr marL="1600200" indent="-228600" algn="l" defTabSz="457200" rtl="0" eaLnBrk="1" latinLnBrk="0" hangingPunct="1">
+              <a:spcBef>
+                <a:spcPct val="20000"/>
+              </a:spcBef>
+              <a:buFont typeface="Arial" panose="020B0604020202090204"/>
+              <a:buChar char="–"/>
+              <a:defRPr sz="2000" kern="1200">
+                <a:solidFill>
+                  <a:schemeClr val="tx1"/>
+                </a:solidFill>
+                <a:latin typeface="+mn-lt"/>
+                <a:ea typeface="+mn-ea"/>
+                <a:cs typeface="+mn-cs"/>
+              </a:defRPr>
+            </a:lvl4pPr>
+            <a:lvl5pPr marL="2057400" indent="-228600" algn="l" defTabSz="457200" rtl="0" eaLnBrk="1" latinLnBrk="0" hangingPunct="1">
+              <a:spcBef>
+                <a:spcPct val="20000"/>
+              </a:spcBef>
+              <a:buFont typeface="Arial" panose="020B0604020202090204"/>
+              <a:buChar char="»"/>
+              <a:defRPr sz="2000" kern="1200">
+                <a:solidFill>
+                  <a:schemeClr val="tx1"/>
+                </a:solidFill>
+                <a:latin typeface="+mn-lt"/>
+                <a:ea typeface="+mn-ea"/>
+                <a:cs typeface="+mn-cs"/>
+              </a:defRPr>
+            </a:lvl5pPr>
+            <a:lvl6pPr marL="2514600" indent="-228600" algn="l" defTabSz="457200" rtl="0" eaLnBrk="1" latinLnBrk="0" hangingPunct="1">
+              <a:spcBef>
+                <a:spcPct val="20000"/>
+              </a:spcBef>
+              <a:buFont typeface="Arial" panose="020B0604020202090204"/>
+              <a:buChar char="•"/>
+              <a:defRPr sz="2000" kern="1200">
+                <a:solidFill>
+                  <a:schemeClr val="tx1"/>
+                </a:solidFill>
+                <a:latin typeface="+mn-lt"/>
+                <a:ea typeface="+mn-ea"/>
+                <a:cs typeface="+mn-cs"/>
+              </a:defRPr>
+            </a:lvl6pPr>
+            <a:lvl7pPr marL="2971800" indent="-228600" algn="l" defTabSz="457200" rtl="0" eaLnBrk="1" latinLnBrk="0" hangingPunct="1">
+              <a:spcBef>
+                <a:spcPct val="20000"/>
+              </a:spcBef>
+              <a:buFont typeface="Arial" panose="020B0604020202090204"/>
+              <a:buChar char="•"/>
+              <a:defRPr sz="2000" kern="1200">
+                <a:solidFill>
+                  <a:schemeClr val="tx1"/>
+                </a:solidFill>
+                <a:latin typeface="+mn-lt"/>
+                <a:ea typeface="+mn-ea"/>
+                <a:cs typeface="+mn-cs"/>
+              </a:defRPr>
+            </a:lvl7pPr>
+            <a:lvl8pPr marL="3429000" indent="-228600" algn="l" defTabSz="457200" rtl="0" eaLnBrk="1" latinLnBrk="0" hangingPunct="1">
+              <a:spcBef>
+                <a:spcPct val="20000"/>
+              </a:spcBef>
+              <a:buFont typeface="Arial" panose="020B0604020202090204"/>
+              <a:buChar char="•"/>
+              <a:defRPr sz="2000" kern="1200">
+                <a:solidFill>
+                  <a:schemeClr val="tx1"/>
+                </a:solidFill>
+                <a:latin typeface="+mn-lt"/>
+                <a:ea typeface="+mn-ea"/>
+                <a:cs typeface="+mn-cs"/>
+              </a:defRPr>
+            </a:lvl8pPr>
+            <a:lvl9pPr marL="3886200" indent="-228600" algn="l" defTabSz="457200" rtl="0" eaLnBrk="1" latinLnBrk="0" hangingPunct="1">
+              <a:spcBef>
+                <a:spcPct val="20000"/>
+              </a:spcBef>
+              <a:buFont typeface="Arial" panose="020B0604020202090204"/>
+              <a:buChar char="•"/>
+              <a:defRPr sz="2000" kern="1200">
+                <a:solidFill>
+                  <a:schemeClr val="tx1"/>
+                </a:solidFill>
+                <a:latin typeface="+mn-lt"/>
+                <a:ea typeface="+mn-ea"/>
+                <a:cs typeface="+mn-cs"/>
+              </a:defRPr>
+            </a:lvl9pPr>
+          </a:lstStyle>
+          <a:p>
+            <a:pPr marL="342900" marR="0" lvl="0" indent="-342900" algn="l" defTabSz="457200" rtl="0" eaLnBrk="1" fontAlgn="auto" latinLnBrk="0" hangingPunct="1">
+              <a:lnSpc>
+                <a:spcPct val="130000"/>
+              </a:lnSpc>
+              <a:spcBef>
+                <a:spcPct val="20000"/>
+              </a:spcBef>
+              <a:spcAft>
+                <a:spcPts val="0"/>
+              </a:spcAft>
+              <a:buClrTx/>
+              <a:buSzTx/>
+              <a:buFont typeface="Wingdings" panose="05000000000000000000" pitchFamily="2" charset="2"/>
+              <a:buChar char="l"/>
+              <a:defRPr/>
+            </a:pPr>
+            <a:endParaRPr kumimoji="0" lang="en-US" altLang="zh-CN" sz="1800" b="0" i="0" u="none" strike="noStrike" kern="1200" cap="none" spc="0" normalizeH="0" baseline="0" noProof="0" dirty="0">
+              <a:ln>
+                <a:noFill/>
+              </a:ln>
+              <a:solidFill>
+                <a:prstClr val="black"/>
+              </a:solidFill>
+              <a:effectLst/>
+              <a:uLnTx/>
+              <a:uFillTx/>
+              <a:latin typeface="Calibri"/>
+              <a:ea typeface="微软雅黑" charset="-122"/>
+              <a:cs typeface="+mn-cs"/>
+            </a:endParaRPr>
+          </a:p>
+          <a:p>
+            <a:pPr marL="0" marR="0" lvl="0" indent="0" algn="l" defTabSz="457200" rtl="0" eaLnBrk="1" fontAlgn="auto" latinLnBrk="0" hangingPunct="1">
+              <a:lnSpc>
+                <a:spcPct val="130000"/>
+              </a:lnSpc>
+              <a:spcBef>
+                <a:spcPct val="20000"/>
+              </a:spcBef>
+              <a:spcAft>
+                <a:spcPts val="0"/>
+              </a:spcAft>
+              <a:buClrTx/>
+              <a:buSzTx/>
+              <a:buFont typeface="Arial" panose="020B0604020202090204"/>
+              <a:buNone/>
+              <a:defRPr/>
+            </a:pPr>
+            <a:endParaRPr kumimoji="0" lang="en-US" altLang="zh-CN" sz="1800" b="1" i="0" u="none" strike="noStrike" kern="1200" cap="none" spc="0" normalizeH="0" baseline="0" noProof="0" dirty="0">
+              <a:ln>
+                <a:noFill/>
+              </a:ln>
+              <a:solidFill>
+                <a:prstClr val="black"/>
+              </a:solidFill>
+              <a:effectLst/>
+              <a:uLnTx/>
+              <a:uFillTx/>
+              <a:latin typeface="Calibri"/>
+              <a:ea typeface="微软雅黑" charset="-122"/>
+              <a:cs typeface="+mn-cs"/>
+            </a:endParaRPr>
+          </a:p>
+          <a:p>
+            <a:pPr marL="0" marR="0" lvl="0" indent="0" algn="l" defTabSz="457200" rtl="0" eaLnBrk="1" fontAlgn="auto" latinLnBrk="0" hangingPunct="1">
+              <a:lnSpc>
+                <a:spcPct val="130000"/>
+              </a:lnSpc>
+              <a:spcBef>
+                <a:spcPct val="20000"/>
+              </a:spcBef>
+              <a:spcAft>
+                <a:spcPts val="0"/>
+              </a:spcAft>
+              <a:buClrTx/>
+              <a:buSzTx/>
+              <a:buFont typeface="Arial" panose="020B0604020202090204"/>
+              <a:buNone/>
+              <a:defRPr/>
+            </a:pPr>
+            <a:endParaRPr kumimoji="0" lang="en-US" altLang="zh-CN" sz="1800" b="1" i="0" u="none" strike="noStrike" kern="1200" cap="none" spc="0" normalizeH="0" baseline="0" noProof="0" dirty="0">
+              <a:ln>
+                <a:noFill/>
+              </a:ln>
+              <a:solidFill>
+                <a:prstClr val="black"/>
+              </a:solidFill>
+              <a:effectLst/>
+              <a:uLnTx/>
+              <a:uFillTx/>
+              <a:latin typeface="Calibri"/>
+              <a:ea typeface="微软雅黑" charset="-122"/>
+              <a:cs typeface="+mn-cs"/>
+            </a:endParaRPr>
+          </a:p>
+        </p:txBody>
+      </p:sp>
+      <p:pic>
+        <p:nvPicPr>
+          <p:cNvPr id="8" name="Picture 1" descr="page16image55775392">
+            <a:extLst>
+              <a:ext uri="{FF2B5EF4-FFF2-40B4-BE49-F238E27FC236}">
+                <a16:creationId xmlns:a16="http://schemas.microsoft.com/office/drawing/2014/main" id="{A0D8EDB9-6BF4-EC46-B98C-46F0A7199176}"/>
+              </a:ext>
+            </a:extLst>
+          </p:cNvPr>
+          <p:cNvPicPr>
+            <a:picLocks noChangeAspect="1" noChangeArrowheads="1"/>
+          </p:cNvPicPr>
+          <p:nvPr/>
+        </p:nvPicPr>
+        <p:blipFill>
+          <a:blip r:embed="rId5">
+            <a:extLst>
+              <a:ext uri="{28A0092B-C50C-407E-A947-70E740481C1C}">
+                <a14:useLocalDpi xmlns:a14="http://schemas.microsoft.com/office/drawing/2010/main" val="0"/>
+              </a:ext>
+            </a:extLst>
+          </a:blip>
+          <a:srcRect/>
+          <a:stretch>
+            <a:fillRect/>
+          </a:stretch>
+        </p:blipFill>
+        <p:spPr bwMode="auto">
+          <a:xfrm>
+            <a:off x="2006793" y="1161221"/>
+            <a:ext cx="824400" cy="824400"/>
+          </a:xfrm>
+          <a:prstGeom prst="rect">
+            <a:avLst/>
+          </a:prstGeom>
+          <a:noFill/>
+          <a:extLst>
+            <a:ext uri="{909E8E84-426E-40DD-AFC4-6F175D3DCCD1}">
+              <a14:hiddenFill xmlns:a14="http://schemas.microsoft.com/office/drawing/2010/main">
+                <a:solidFill>
+                  <a:srgbClr val="FFFFFF"/>
+                </a:solidFill>
+              </a14:hiddenFill>
+            </a:ext>
+          </a:extLst>
+        </p:spPr>
+      </p:pic>
+      <p:pic>
+        <p:nvPicPr>
+          <p:cNvPr id="10" name="Picture 3" descr="page16image55775280">
+            <a:extLst>
+              <a:ext uri="{FF2B5EF4-FFF2-40B4-BE49-F238E27FC236}">
+                <a16:creationId xmlns:a16="http://schemas.microsoft.com/office/drawing/2014/main" id="{A10FC5C8-B45A-B049-877B-72EABBC07E4B}"/>
+              </a:ext>
+            </a:extLst>
+          </p:cNvPr>
+          <p:cNvPicPr>
+            <a:picLocks noChangeAspect="1" noChangeArrowheads="1"/>
+          </p:cNvPicPr>
+          <p:nvPr/>
+        </p:nvPicPr>
+        <p:blipFill>
+          <a:blip r:embed="rId6">
+            <a:extLst>
+              <a:ext uri="{28A0092B-C50C-407E-A947-70E740481C1C}">
+                <a14:useLocalDpi xmlns:a14="http://schemas.microsoft.com/office/drawing/2010/main" val="0"/>
+              </a:ext>
+            </a:extLst>
+          </a:blip>
+          <a:srcRect/>
+          <a:stretch>
+            <a:fillRect/>
+          </a:stretch>
+        </p:blipFill>
+        <p:spPr bwMode="auto">
+          <a:xfrm>
+            <a:off x="5708184" y="1161221"/>
+            <a:ext cx="824400" cy="824400"/>
+          </a:xfrm>
+          <a:prstGeom prst="rect">
+            <a:avLst/>
+          </a:prstGeom>
+          <a:noFill/>
+          <a:extLst>
+            <a:ext uri="{909E8E84-426E-40DD-AFC4-6F175D3DCCD1}">
+              <a14:hiddenFill xmlns:a14="http://schemas.microsoft.com/office/drawing/2010/main">
+                <a:solidFill>
+                  <a:srgbClr val="FFFFFF"/>
+                </a:solidFill>
+              </a14:hiddenFill>
+            </a:ext>
+          </a:extLst>
+        </p:spPr>
+      </p:pic>
+      <p:sp>
+        <p:nvSpPr>
+          <p:cNvPr id="11" name="矩形 10">
+            <a:extLst>
+              <a:ext uri="{FF2B5EF4-FFF2-40B4-BE49-F238E27FC236}">
+                <a16:creationId xmlns:a16="http://schemas.microsoft.com/office/drawing/2014/main" id="{C7ED7EB6-69A4-CC4B-B0E8-BBACA41617E3}"/>
+              </a:ext>
+            </a:extLst>
+          </p:cNvPr>
+          <p:cNvSpPr/>
+          <p:nvPr/>
+        </p:nvSpPr>
+        <p:spPr>
+          <a:xfrm>
+            <a:off x="1514668" y="2202338"/>
+            <a:ext cx="1722471" cy="520120"/>
+          </a:xfrm>
+          <a:prstGeom prst="rect">
+            <a:avLst/>
+          </a:prstGeom>
+          <a:solidFill>
+            <a:srgbClr val="92D050"/>
+          </a:solidFill>
+          <a:ln>
+            <a:noFill/>
+          </a:ln>
+        </p:spPr>
+        <p:style>
+          <a:lnRef idx="1">
+            <a:schemeClr val="accent1"/>
+          </a:lnRef>
+          <a:fillRef idx="3">
+            <a:schemeClr val="accent1"/>
+          </a:fillRef>
+          <a:effectRef idx="2">
+            <a:schemeClr val="accent1"/>
+          </a:effectRef>
+          <a:fontRef idx="minor">
+            <a:schemeClr val="lt1"/>
+          </a:fontRef>
+        </p:style>
+        <p:txBody>
+          <a:bodyPr rtlCol="0" anchor="ctr"/>
+          <a:lstStyle/>
+          <a:p>
+            <a:pPr algn="ctr"/>
+            <a:r>
+              <a:rPr kumimoji="1" lang="zh-Hans" altLang="en-US" dirty="0">
+                <a:latin typeface="PingFang SC" panose="020B0400000000000000" pitchFamily="34" charset="-122"/>
+                <a:ea typeface="PingFang SC" panose="020B0400000000000000" pitchFamily="34" charset="-122"/>
+              </a:rPr>
+              <a:t>二手房</a:t>
+            </a:r>
+            <a:endParaRPr kumimoji="1" lang="zh-CN" altLang="en-US" dirty="0">
+              <a:latin typeface="PingFang SC" panose="020B0400000000000000" pitchFamily="34" charset="-122"/>
+              <a:ea typeface="PingFang SC" panose="020B0400000000000000" pitchFamily="34" charset="-122"/>
+            </a:endParaRPr>
+          </a:p>
+        </p:txBody>
+      </p:sp>
+      <p:sp>
+        <p:nvSpPr>
+          <p:cNvPr id="12" name="矩形 11">
+            <a:extLst>
+              <a:ext uri="{FF2B5EF4-FFF2-40B4-BE49-F238E27FC236}">
+                <a16:creationId xmlns:a16="http://schemas.microsoft.com/office/drawing/2014/main" id="{8B093AEE-CD8C-7945-8F7A-263B33A73A44}"/>
+              </a:ext>
+            </a:extLst>
+          </p:cNvPr>
+          <p:cNvSpPr/>
+          <p:nvPr/>
+        </p:nvSpPr>
+        <p:spPr>
+          <a:xfrm>
+            <a:off x="1514668" y="2909821"/>
+            <a:ext cx="1722471" cy="520120"/>
+          </a:xfrm>
+          <a:prstGeom prst="rect">
+            <a:avLst/>
+          </a:prstGeom>
+          <a:solidFill>
+            <a:srgbClr val="92D050"/>
+          </a:solidFill>
+          <a:ln>
+            <a:noFill/>
+          </a:ln>
+        </p:spPr>
+        <p:style>
+          <a:lnRef idx="1">
+            <a:schemeClr val="accent1"/>
+          </a:lnRef>
+          <a:fillRef idx="3">
+            <a:schemeClr val="accent1"/>
+          </a:fillRef>
+          <a:effectRef idx="2">
+            <a:schemeClr val="accent1"/>
+          </a:effectRef>
+          <a:fontRef idx="minor">
+            <a:schemeClr val="lt1"/>
+          </a:fontRef>
+        </p:style>
+        <p:txBody>
+          <a:bodyPr rtlCol="0" anchor="ctr"/>
+          <a:lstStyle/>
+          <a:p>
+            <a:pPr algn="ctr"/>
+            <a:r>
+              <a:rPr kumimoji="1" lang="zh-Hans" altLang="en-US" dirty="0">
+                <a:latin typeface="PingFang SC" panose="020B0400000000000000" pitchFamily="34" charset="-122"/>
+                <a:ea typeface="PingFang SC" panose="020B0400000000000000" pitchFamily="34" charset="-122"/>
+              </a:rPr>
+              <a:t>新房</a:t>
+            </a:r>
+            <a:endParaRPr kumimoji="1" lang="zh-CN" altLang="en-US" dirty="0">
+              <a:latin typeface="PingFang SC" panose="020B0400000000000000" pitchFamily="34" charset="-122"/>
+              <a:ea typeface="PingFang SC" panose="020B0400000000000000" pitchFamily="34" charset="-122"/>
+            </a:endParaRPr>
+          </a:p>
+        </p:txBody>
+      </p:sp>
+      <p:sp>
+        <p:nvSpPr>
+          <p:cNvPr id="13" name="矩形 12">
+            <a:extLst>
+              <a:ext uri="{FF2B5EF4-FFF2-40B4-BE49-F238E27FC236}">
+                <a16:creationId xmlns:a16="http://schemas.microsoft.com/office/drawing/2014/main" id="{29EA123A-02C0-E44A-8EC5-7168A1E09446}"/>
+              </a:ext>
+            </a:extLst>
+          </p:cNvPr>
+          <p:cNvSpPr/>
+          <p:nvPr/>
+        </p:nvSpPr>
+        <p:spPr>
+          <a:xfrm>
+            <a:off x="1514668" y="3617304"/>
+            <a:ext cx="1722471" cy="520120"/>
+          </a:xfrm>
+          <a:prstGeom prst="rect">
+            <a:avLst/>
+          </a:prstGeom>
+          <a:solidFill>
+            <a:srgbClr val="92D050"/>
+          </a:solidFill>
+          <a:ln>
+            <a:noFill/>
+          </a:ln>
+        </p:spPr>
+        <p:style>
+          <a:lnRef idx="1">
+            <a:schemeClr val="accent1"/>
+          </a:lnRef>
+          <a:fillRef idx="3">
+            <a:schemeClr val="accent1"/>
+          </a:fillRef>
+          <a:effectRef idx="2">
+            <a:schemeClr val="accent1"/>
+          </a:effectRef>
+          <a:fontRef idx="minor">
+            <a:schemeClr val="lt1"/>
+          </a:fontRef>
+        </p:style>
+        <p:txBody>
+          <a:bodyPr rtlCol="0" anchor="ctr"/>
+          <a:lstStyle/>
+          <a:p>
+            <a:pPr algn="ctr"/>
+            <a:r>
+              <a:rPr kumimoji="1" lang="zh-Hans" altLang="en-US" dirty="0">
+                <a:latin typeface="PingFang SC" panose="020B0400000000000000" pitchFamily="34" charset="-122"/>
+                <a:ea typeface="PingFang SC" panose="020B0400000000000000" pitchFamily="34" charset="-122"/>
+              </a:rPr>
+              <a:t>租房</a:t>
+            </a:r>
+            <a:r>
+              <a:rPr kumimoji="1" lang="en-US" altLang="zh-Hans" dirty="0">
+                <a:latin typeface="PingFang SC" panose="020B0400000000000000" pitchFamily="34" charset="-122"/>
+                <a:ea typeface="PingFang SC" panose="020B0400000000000000" pitchFamily="34" charset="-122"/>
+              </a:rPr>
+              <a:t>/</a:t>
+            </a:r>
+            <a:r>
+              <a:rPr kumimoji="1" lang="zh-Hans" altLang="en-US" dirty="0">
+                <a:latin typeface="PingFang SC" panose="020B0400000000000000" pitchFamily="34" charset="-122"/>
+                <a:ea typeface="PingFang SC" panose="020B0400000000000000" pitchFamily="34" charset="-122"/>
+              </a:rPr>
+              <a:t>商业地产</a:t>
+            </a:r>
+            <a:endParaRPr kumimoji="1" lang="zh-CN" altLang="en-US" dirty="0">
+              <a:latin typeface="PingFang SC" panose="020B0400000000000000" pitchFamily="34" charset="-122"/>
+              <a:ea typeface="PingFang SC" panose="020B0400000000000000" pitchFamily="34" charset="-122"/>
+            </a:endParaRPr>
+          </a:p>
+        </p:txBody>
+      </p:sp>
+      <p:sp>
+        <p:nvSpPr>
+          <p:cNvPr id="14" name="矩形 13">
+            <a:extLst>
+              <a:ext uri="{FF2B5EF4-FFF2-40B4-BE49-F238E27FC236}">
+                <a16:creationId xmlns:a16="http://schemas.microsoft.com/office/drawing/2014/main" id="{04E3839F-7BA7-2449-8E02-A7484654DBA1}"/>
+              </a:ext>
+            </a:extLst>
+          </p:cNvPr>
+          <p:cNvSpPr/>
+          <p:nvPr/>
+        </p:nvSpPr>
+        <p:spPr>
+          <a:xfrm>
+            <a:off x="1514668" y="4324787"/>
+            <a:ext cx="1722471" cy="520120"/>
+          </a:xfrm>
+          <a:prstGeom prst="rect">
+            <a:avLst/>
+          </a:prstGeom>
+          <a:solidFill>
+            <a:srgbClr val="92D050"/>
+          </a:solidFill>
+          <a:ln>
+            <a:noFill/>
+          </a:ln>
+        </p:spPr>
+        <p:style>
+          <a:lnRef idx="1">
+            <a:schemeClr val="accent1"/>
+          </a:lnRef>
+          <a:fillRef idx="3">
+            <a:schemeClr val="accent1"/>
+          </a:fillRef>
+          <a:effectRef idx="2">
+            <a:schemeClr val="accent1"/>
+          </a:effectRef>
+          <a:fontRef idx="minor">
+            <a:schemeClr val="lt1"/>
+          </a:fontRef>
+        </p:style>
+        <p:txBody>
+          <a:bodyPr rtlCol="0" anchor="ctr"/>
+          <a:lstStyle/>
+          <a:p>
+            <a:pPr algn="ctr"/>
+            <a:r>
+              <a:rPr kumimoji="1" lang="zh-Hans" altLang="en-US" dirty="0">
+                <a:latin typeface="PingFang SC" panose="020B0400000000000000" pitchFamily="34" charset="-122"/>
+                <a:ea typeface="PingFang SC" panose="020B0400000000000000" pitchFamily="34" charset="-122"/>
+              </a:rPr>
+              <a:t>大内容</a:t>
+            </a:r>
+            <a:endParaRPr kumimoji="1" lang="zh-CN" altLang="en-US" dirty="0">
+              <a:latin typeface="PingFang SC" panose="020B0400000000000000" pitchFamily="34" charset="-122"/>
+              <a:ea typeface="PingFang SC" panose="020B0400000000000000" pitchFamily="34" charset="-122"/>
+            </a:endParaRPr>
+          </a:p>
+        </p:txBody>
+      </p:sp>
+      <p:sp>
+        <p:nvSpPr>
+          <p:cNvPr id="15" name="矩形 14">
+            <a:extLst>
+              <a:ext uri="{FF2B5EF4-FFF2-40B4-BE49-F238E27FC236}">
+                <a16:creationId xmlns:a16="http://schemas.microsoft.com/office/drawing/2014/main" id="{F45D4E26-7323-5540-B499-7BC00AA02E5C}"/>
+              </a:ext>
+            </a:extLst>
+          </p:cNvPr>
+          <p:cNvSpPr/>
+          <p:nvPr/>
+        </p:nvSpPr>
+        <p:spPr>
+          <a:xfrm>
+            <a:off x="1514668" y="5032270"/>
+            <a:ext cx="1722471" cy="520120"/>
+          </a:xfrm>
+          <a:prstGeom prst="rect">
+            <a:avLst/>
+          </a:prstGeom>
+          <a:solidFill>
+            <a:srgbClr val="92D050"/>
+          </a:solidFill>
+          <a:ln>
+            <a:noFill/>
+          </a:ln>
+        </p:spPr>
+        <p:style>
+          <a:lnRef idx="1">
+            <a:schemeClr val="accent1"/>
+          </a:lnRef>
+          <a:fillRef idx="3">
+            <a:schemeClr val="accent1"/>
+          </a:fillRef>
+          <a:effectRef idx="2">
+            <a:schemeClr val="accent1"/>
+          </a:effectRef>
+          <a:fontRef idx="minor">
+            <a:schemeClr val="lt1"/>
+          </a:fontRef>
+        </p:style>
+        <p:txBody>
+          <a:bodyPr rtlCol="0" anchor="ctr"/>
+          <a:lstStyle/>
+          <a:p>
+            <a:pPr algn="ctr"/>
+            <a:r>
+              <a:rPr kumimoji="1" lang="zh-Hans" altLang="en-US" dirty="0">
+                <a:latin typeface="PingFang SC" panose="020B0400000000000000" pitchFamily="34" charset="-122"/>
+                <a:ea typeface="PingFang SC" panose="020B0400000000000000" pitchFamily="34" charset="-122"/>
+              </a:rPr>
+              <a:t>微聊</a:t>
+            </a:r>
+            <a:endParaRPr kumimoji="1" lang="zh-CN" altLang="en-US" dirty="0">
+              <a:latin typeface="PingFang SC" panose="020B0400000000000000" pitchFamily="34" charset="-122"/>
+              <a:ea typeface="PingFang SC" panose="020B0400000000000000" pitchFamily="34" charset="-122"/>
+            </a:endParaRPr>
+          </a:p>
+        </p:txBody>
+      </p:sp>
+      <p:sp>
+        <p:nvSpPr>
+          <p:cNvPr id="16" name="矩形 15">
+            <a:extLst>
+              <a:ext uri="{FF2B5EF4-FFF2-40B4-BE49-F238E27FC236}">
+                <a16:creationId xmlns:a16="http://schemas.microsoft.com/office/drawing/2014/main" id="{129C9374-A27E-F04B-AEBD-657165180A8D}"/>
+              </a:ext>
+            </a:extLst>
+          </p:cNvPr>
+          <p:cNvSpPr/>
+          <p:nvPr/>
+        </p:nvSpPr>
+        <p:spPr>
+          <a:xfrm>
+            <a:off x="1538514" y="5739753"/>
+            <a:ext cx="1698625" cy="520120"/>
+          </a:xfrm>
+          <a:prstGeom prst="rect">
+            <a:avLst/>
+          </a:prstGeom>
+          <a:solidFill>
+            <a:srgbClr val="92D050"/>
+          </a:solidFill>
+          <a:ln>
+            <a:noFill/>
+          </a:ln>
+        </p:spPr>
+        <p:style>
+          <a:lnRef idx="1">
+            <a:schemeClr val="accent1"/>
+          </a:lnRef>
+          <a:fillRef idx="3">
+            <a:schemeClr val="accent1"/>
+          </a:fillRef>
+          <a:effectRef idx="2">
+            <a:schemeClr val="accent1"/>
+          </a:effectRef>
+          <a:fontRef idx="minor">
+            <a:schemeClr val="lt1"/>
+          </a:fontRef>
+        </p:style>
+        <p:txBody>
+          <a:bodyPr rtlCol="0" anchor="ctr"/>
+          <a:lstStyle/>
+          <a:p>
+            <a:pPr algn="ctr"/>
+            <a:r>
+              <a:rPr kumimoji="1" lang="en-US" altLang="zh-CN" dirty="0">
+                <a:latin typeface="PingFang SC" panose="020B0400000000000000" pitchFamily="34" charset="-122"/>
+                <a:ea typeface="PingFang SC" panose="020B0400000000000000" pitchFamily="34" charset="-122"/>
+              </a:rPr>
+              <a:t>…</a:t>
+            </a:r>
+            <a:endParaRPr kumimoji="1" lang="zh-CN" altLang="en-US" dirty="0">
+              <a:latin typeface="PingFang SC" panose="020B0400000000000000" pitchFamily="34" charset="-122"/>
+              <a:ea typeface="PingFang SC" panose="020B0400000000000000" pitchFamily="34" charset="-122"/>
+            </a:endParaRPr>
+          </a:p>
+        </p:txBody>
+      </p:sp>
+      <p:sp>
+        <p:nvSpPr>
+          <p:cNvPr id="17" name="矩形 16">
+            <a:extLst>
+              <a:ext uri="{FF2B5EF4-FFF2-40B4-BE49-F238E27FC236}">
+                <a16:creationId xmlns:a16="http://schemas.microsoft.com/office/drawing/2014/main" id="{9BCF7204-7C41-F245-94A8-21223DDEA91F}"/>
+              </a:ext>
+            </a:extLst>
+          </p:cNvPr>
+          <p:cNvSpPr/>
+          <p:nvPr/>
+        </p:nvSpPr>
+        <p:spPr>
+          <a:xfrm>
+            <a:off x="5237273" y="2908880"/>
+            <a:ext cx="1766219" cy="520120"/>
+          </a:xfrm>
+          <a:prstGeom prst="rect">
+            <a:avLst/>
+          </a:prstGeom>
+          <a:solidFill>
+            <a:srgbClr val="F17E2F"/>
+          </a:solidFill>
+          <a:ln>
+            <a:noFill/>
+          </a:ln>
+        </p:spPr>
+        <p:style>
+          <a:lnRef idx="1">
+            <a:schemeClr val="accent1"/>
+          </a:lnRef>
+          <a:fillRef idx="3">
+            <a:schemeClr val="accent1"/>
+          </a:fillRef>
+          <a:effectRef idx="2">
+            <a:schemeClr val="accent1"/>
+          </a:effectRef>
+          <a:fontRef idx="minor">
+            <a:schemeClr val="lt1"/>
+          </a:fontRef>
+        </p:style>
+        <p:txBody>
+          <a:bodyPr rtlCol="0" anchor="ctr"/>
+          <a:lstStyle/>
+          <a:p>
+            <a:pPr algn="ctr"/>
+            <a:r>
+              <a:rPr kumimoji="1" lang="zh-Hans" altLang="en-US" dirty="0">
+                <a:latin typeface="PingFang SC" panose="020B0400000000000000" pitchFamily="34" charset="-122"/>
+                <a:ea typeface="PingFang SC" panose="020B0400000000000000" pitchFamily="34" charset="-122"/>
+              </a:rPr>
+              <a:t>租房</a:t>
+            </a:r>
+            <a:r>
+              <a:rPr kumimoji="1" lang="en-US" altLang="zh-Hans" dirty="0">
+                <a:latin typeface="PingFang SC" panose="020B0400000000000000" pitchFamily="34" charset="-122"/>
+                <a:ea typeface="PingFang SC" panose="020B0400000000000000" pitchFamily="34" charset="-122"/>
+              </a:rPr>
+              <a:t>/</a:t>
+            </a:r>
+            <a:r>
+              <a:rPr kumimoji="1" lang="zh-Hans" altLang="en-US" dirty="0">
+                <a:latin typeface="PingFang SC" panose="020B0400000000000000" pitchFamily="34" charset="-122"/>
+                <a:ea typeface="PingFang SC" panose="020B0400000000000000" pitchFamily="34" charset="-122"/>
+              </a:rPr>
+              <a:t>商业地产</a:t>
+            </a:r>
+            <a:endParaRPr kumimoji="1" lang="zh-CN" altLang="en-US" dirty="0">
+              <a:latin typeface="PingFang SC" panose="020B0400000000000000" pitchFamily="34" charset="-122"/>
+              <a:ea typeface="PingFang SC" panose="020B0400000000000000" pitchFamily="34" charset="-122"/>
+            </a:endParaRPr>
+          </a:p>
+        </p:txBody>
+      </p:sp>
+      <p:sp>
+        <p:nvSpPr>
+          <p:cNvPr id="18" name="矩形 17">
+            <a:extLst>
+              <a:ext uri="{FF2B5EF4-FFF2-40B4-BE49-F238E27FC236}">
+                <a16:creationId xmlns:a16="http://schemas.microsoft.com/office/drawing/2014/main" id="{F6614419-4DF2-B04A-9D28-92C451DFA63E}"/>
+              </a:ext>
+            </a:extLst>
+          </p:cNvPr>
+          <p:cNvSpPr/>
+          <p:nvPr/>
+        </p:nvSpPr>
+        <p:spPr>
+          <a:xfrm>
+            <a:off x="5237274" y="2215265"/>
+            <a:ext cx="1766218" cy="499489"/>
+          </a:xfrm>
+          <a:prstGeom prst="rect">
+            <a:avLst/>
+          </a:prstGeom>
+          <a:solidFill>
+            <a:srgbClr val="F17E2F"/>
+          </a:solidFill>
+          <a:ln>
+            <a:noFill/>
+          </a:ln>
+        </p:spPr>
+        <p:style>
+          <a:lnRef idx="1">
+            <a:schemeClr val="accent1"/>
+          </a:lnRef>
+          <a:fillRef idx="3">
+            <a:schemeClr val="accent1"/>
+          </a:fillRef>
+          <a:effectRef idx="2">
+            <a:schemeClr val="accent1"/>
+          </a:effectRef>
+          <a:fontRef idx="minor">
+            <a:schemeClr val="lt1"/>
+          </a:fontRef>
+        </p:style>
+        <p:txBody>
+          <a:bodyPr rtlCol="0" anchor="ctr"/>
+          <a:lstStyle/>
+          <a:p>
+            <a:pPr algn="ctr"/>
+            <a:r>
+              <a:rPr kumimoji="1" lang="zh-Hans" altLang="en-US" dirty="0">
+                <a:latin typeface="PingFang SC" panose="020B0400000000000000" pitchFamily="34" charset="-122"/>
+                <a:ea typeface="PingFang SC" panose="020B0400000000000000" pitchFamily="34" charset="-122"/>
+              </a:rPr>
+              <a:t>二手房</a:t>
+            </a:r>
+            <a:endParaRPr kumimoji="1" lang="zh-CN" altLang="en-US" dirty="0">
+              <a:latin typeface="PingFang SC" panose="020B0400000000000000" pitchFamily="34" charset="-122"/>
+              <a:ea typeface="PingFang SC" panose="020B0400000000000000" pitchFamily="34" charset="-122"/>
+            </a:endParaRPr>
+          </a:p>
+        </p:txBody>
+      </p:sp>
+      <p:sp>
+        <p:nvSpPr>
+          <p:cNvPr id="20" name="矩形 19">
+            <a:extLst>
+              <a:ext uri="{FF2B5EF4-FFF2-40B4-BE49-F238E27FC236}">
+                <a16:creationId xmlns:a16="http://schemas.microsoft.com/office/drawing/2014/main" id="{AC56A12B-E88F-1147-9067-24F717D7F47A}"/>
+              </a:ext>
+            </a:extLst>
+          </p:cNvPr>
+          <p:cNvSpPr/>
+          <p:nvPr/>
+        </p:nvSpPr>
+        <p:spPr>
+          <a:xfrm>
+            <a:off x="5237274" y="3637935"/>
+            <a:ext cx="1766218" cy="499489"/>
+          </a:xfrm>
+          <a:prstGeom prst="rect">
+            <a:avLst/>
+          </a:prstGeom>
+          <a:solidFill>
+            <a:srgbClr val="F17E2F"/>
+          </a:solidFill>
+          <a:ln>
+            <a:noFill/>
+          </a:ln>
+        </p:spPr>
+        <p:style>
+          <a:lnRef idx="1">
+            <a:schemeClr val="accent1"/>
+          </a:lnRef>
+          <a:fillRef idx="3">
+            <a:schemeClr val="accent1"/>
+          </a:fillRef>
+          <a:effectRef idx="2">
+            <a:schemeClr val="accent1"/>
+          </a:effectRef>
+          <a:fontRef idx="minor">
+            <a:schemeClr val="lt1"/>
+          </a:fontRef>
+        </p:style>
+        <p:txBody>
+          <a:bodyPr rtlCol="0" anchor="ctr"/>
+          <a:lstStyle/>
+          <a:p>
+            <a:pPr algn="ctr"/>
+            <a:r>
+              <a:rPr kumimoji="1" lang="zh-Hans" altLang="en-US" dirty="0">
+                <a:latin typeface="PingFang SC" panose="020B0400000000000000" pitchFamily="34" charset="-122"/>
+                <a:ea typeface="PingFang SC" panose="020B0400000000000000" pitchFamily="34" charset="-122"/>
+              </a:rPr>
+              <a:t>二手车</a:t>
+            </a:r>
+            <a:endParaRPr kumimoji="1" lang="zh-CN" altLang="en-US" dirty="0">
+              <a:latin typeface="PingFang SC" panose="020B0400000000000000" pitchFamily="34" charset="-122"/>
+              <a:ea typeface="PingFang SC" panose="020B0400000000000000" pitchFamily="34" charset="-122"/>
+            </a:endParaRPr>
+          </a:p>
+        </p:txBody>
+      </p:sp>
+      <p:sp>
+        <p:nvSpPr>
+          <p:cNvPr id="21" name="矩形 20">
+            <a:extLst>
+              <a:ext uri="{FF2B5EF4-FFF2-40B4-BE49-F238E27FC236}">
+                <a16:creationId xmlns:a16="http://schemas.microsoft.com/office/drawing/2014/main" id="{444DDAA1-BEA5-2346-9154-DFE008F4DFFD}"/>
+              </a:ext>
+            </a:extLst>
+          </p:cNvPr>
+          <p:cNvSpPr/>
+          <p:nvPr/>
+        </p:nvSpPr>
+        <p:spPr>
+          <a:xfrm>
+            <a:off x="5237274" y="4345418"/>
+            <a:ext cx="1766218" cy="499489"/>
+          </a:xfrm>
+          <a:prstGeom prst="rect">
+            <a:avLst/>
+          </a:prstGeom>
+          <a:solidFill>
+            <a:srgbClr val="F17E2F"/>
+          </a:solidFill>
+          <a:ln>
+            <a:noFill/>
+          </a:ln>
+        </p:spPr>
+        <p:style>
+          <a:lnRef idx="1">
+            <a:schemeClr val="accent1"/>
+          </a:lnRef>
+          <a:fillRef idx="3">
+            <a:schemeClr val="accent1"/>
+          </a:fillRef>
+          <a:effectRef idx="2">
+            <a:schemeClr val="accent1"/>
+          </a:effectRef>
+          <a:fontRef idx="minor">
+            <a:schemeClr val="lt1"/>
+          </a:fontRef>
+        </p:style>
+        <p:txBody>
+          <a:bodyPr rtlCol="0" anchor="ctr"/>
+          <a:lstStyle/>
+          <a:p>
+            <a:pPr algn="ctr"/>
+            <a:r>
+              <a:rPr kumimoji="1" lang="zh-Hans" altLang="en-US" dirty="0">
+                <a:latin typeface="PingFang SC" panose="020B0400000000000000" pitchFamily="34" charset="-122"/>
+                <a:ea typeface="PingFang SC" panose="020B0400000000000000" pitchFamily="34" charset="-122"/>
+              </a:rPr>
+              <a:t>招聘</a:t>
+            </a:r>
+            <a:endParaRPr kumimoji="1" lang="zh-CN" altLang="en-US" dirty="0">
+              <a:latin typeface="PingFang SC" panose="020B0400000000000000" pitchFamily="34" charset="-122"/>
+              <a:ea typeface="PingFang SC" panose="020B0400000000000000" pitchFamily="34" charset="-122"/>
+            </a:endParaRPr>
+          </a:p>
+        </p:txBody>
+      </p:sp>
+      <p:sp>
+        <p:nvSpPr>
+          <p:cNvPr id="22" name="矩形 21">
+            <a:extLst>
+              <a:ext uri="{FF2B5EF4-FFF2-40B4-BE49-F238E27FC236}">
+                <a16:creationId xmlns:a16="http://schemas.microsoft.com/office/drawing/2014/main" id="{B12E8CCB-BC08-A34F-AD4F-28C8F4179C9B}"/>
+              </a:ext>
+            </a:extLst>
+          </p:cNvPr>
+          <p:cNvSpPr/>
+          <p:nvPr/>
+        </p:nvSpPr>
+        <p:spPr>
+          <a:xfrm>
+            <a:off x="5237273" y="5032270"/>
+            <a:ext cx="1766218" cy="499489"/>
+          </a:xfrm>
+          <a:prstGeom prst="rect">
+            <a:avLst/>
+          </a:prstGeom>
+          <a:solidFill>
+            <a:srgbClr val="F17E2F"/>
+          </a:solidFill>
+          <a:ln>
+            <a:noFill/>
+          </a:ln>
+        </p:spPr>
+        <p:style>
+          <a:lnRef idx="1">
+            <a:schemeClr val="accent1"/>
+          </a:lnRef>
+          <a:fillRef idx="3">
+            <a:schemeClr val="accent1"/>
+          </a:fillRef>
+          <a:effectRef idx="2">
+            <a:schemeClr val="accent1"/>
+          </a:effectRef>
+          <a:fontRef idx="minor">
+            <a:schemeClr val="lt1"/>
+          </a:fontRef>
+        </p:style>
+        <p:txBody>
+          <a:bodyPr rtlCol="0" anchor="ctr"/>
+          <a:lstStyle/>
+          <a:p>
+            <a:pPr algn="ctr"/>
+            <a:r>
+              <a:rPr kumimoji="1" lang="zh-Hans" altLang="en-US" dirty="0">
+                <a:latin typeface="PingFang SC" panose="020B0400000000000000" pitchFamily="34" charset="-122"/>
+                <a:ea typeface="PingFang SC" panose="020B0400000000000000" pitchFamily="34" charset="-122"/>
+              </a:rPr>
+              <a:t>黄页</a:t>
+            </a:r>
+            <a:endParaRPr kumimoji="1" lang="zh-CN" altLang="en-US" dirty="0">
+              <a:latin typeface="PingFang SC" panose="020B0400000000000000" pitchFamily="34" charset="-122"/>
+              <a:ea typeface="PingFang SC" panose="020B0400000000000000" pitchFamily="34" charset="-122"/>
+            </a:endParaRPr>
+          </a:p>
+        </p:txBody>
+      </p:sp>
+      <p:sp>
+        <p:nvSpPr>
+          <p:cNvPr id="23" name="矩形 22">
+            <a:extLst>
+              <a:ext uri="{FF2B5EF4-FFF2-40B4-BE49-F238E27FC236}">
+                <a16:creationId xmlns:a16="http://schemas.microsoft.com/office/drawing/2014/main" id="{9C943801-FB35-DC43-8D25-68EE36261743}"/>
+              </a:ext>
+            </a:extLst>
+          </p:cNvPr>
+          <p:cNvSpPr/>
+          <p:nvPr/>
+        </p:nvSpPr>
+        <p:spPr>
+          <a:xfrm>
+            <a:off x="5237273" y="5750068"/>
+            <a:ext cx="1766218" cy="499489"/>
+          </a:xfrm>
+          <a:prstGeom prst="rect">
+            <a:avLst/>
+          </a:prstGeom>
+          <a:solidFill>
+            <a:srgbClr val="F17E2F"/>
+          </a:solidFill>
+          <a:ln>
+            <a:noFill/>
+          </a:ln>
+        </p:spPr>
+        <p:style>
+          <a:lnRef idx="1">
+            <a:schemeClr val="accent1"/>
+          </a:lnRef>
+          <a:fillRef idx="3">
+            <a:schemeClr val="accent1"/>
+          </a:fillRef>
+          <a:effectRef idx="2">
+            <a:schemeClr val="accent1"/>
+          </a:effectRef>
+          <a:fontRef idx="minor">
+            <a:schemeClr val="lt1"/>
+          </a:fontRef>
+        </p:style>
+        <p:txBody>
+          <a:bodyPr rtlCol="0" anchor="ctr"/>
+          <a:lstStyle/>
+          <a:p>
+            <a:pPr algn="ctr"/>
+            <a:r>
+              <a:rPr kumimoji="1" lang="en-US" altLang="zh-CN" dirty="0">
+                <a:latin typeface="PingFang SC" panose="020B0400000000000000" pitchFamily="34" charset="-122"/>
+                <a:ea typeface="PingFang SC" panose="020B0400000000000000" pitchFamily="34" charset="-122"/>
+              </a:rPr>
+              <a:t>…</a:t>
+            </a:r>
+            <a:endParaRPr kumimoji="1" lang="zh-CN" altLang="en-US" dirty="0">
+              <a:latin typeface="PingFang SC" panose="020B0400000000000000" pitchFamily="34" charset="-122"/>
+              <a:ea typeface="PingFang SC" panose="020B0400000000000000" pitchFamily="34" charset="-122"/>
+            </a:endParaRPr>
+          </a:p>
+        </p:txBody>
+      </p:sp>
+    </p:spTree>
+    <p:custDataLst>
+      <p:tags r:id="rId1"/>
+    </p:custDataLst>
+    <p:extLst>
+      <p:ext uri="{BB962C8B-B14F-4D97-AF65-F5344CB8AC3E}">
+        <p14:creationId xmlns:p14="http://schemas.microsoft.com/office/powerpoint/2010/main" val="3402687752"/>
+      </p:ext>
+    </p:extLst>
+  </p:cSld>
+  <p:clrMapOvr>
+    <a:masterClrMapping/>
+  </p:clrMapOvr>
+</p:sld>
+</file>
+
+<file path=ppt/slides/slide5.xml><?xml version="1.0" encoding="utf-8"?>
+<p:sld xmlns:a="http://schemas.openxmlformats.org/drawingml/2006/main" xmlns:r="http://schemas.openxmlformats.org/officeDocument/2006/relationships" xmlns:p="http://schemas.openxmlformats.org/presentationml/2006/main">
+  <p:cSld>
+    <p:spTree>
+      <p:nvGrpSpPr>
+        <p:cNvPr id="1" name=""/>
+        <p:cNvGrpSpPr/>
+        <p:nvPr/>
+      </p:nvGrpSpPr>
+      <p:grpSpPr>
+        <a:xfrm>
+          <a:off x="0" y="0"/>
+          <a:ext cx="0" cy="0"/>
+          <a:chOff x="0" y="0"/>
+          <a:chExt cx="0" cy="0"/>
+        </a:xfrm>
+      </p:grpSpPr>
+      <p:pic>
+        <p:nvPicPr>
+          <p:cNvPr id="2" name="图片 1"/>
+          <p:cNvPicPr>
+            <a:picLocks noChangeAspect="1"/>
+          </p:cNvPicPr>
+          <p:nvPr/>
+        </p:nvPicPr>
+        <p:blipFill>
+          <a:blip r:embed="rId4" cstate="email"/>
+          <a:stretch>
+            <a:fillRect/>
+          </a:stretch>
+        </p:blipFill>
+        <p:spPr>
+          <a:xfrm>
+            <a:off x="714" y="0"/>
+            <a:ext cx="9142571" cy="6858000"/>
+          </a:xfrm>
+          <a:prstGeom prst="rect">
+            <a:avLst/>
+          </a:prstGeom>
+          <a:noFill/>
+          <a:ln>
+            <a:solidFill>
+              <a:schemeClr val="tx1"/>
+            </a:solidFill>
+          </a:ln>
+        </p:spPr>
+      </p:pic>
+      <p:sp>
+        <p:nvSpPr>
+          <p:cNvPr id="6" name="灯片编号占位符 4"/>
+          <p:cNvSpPr>
+            <a:spLocks noGrp="1"/>
+          </p:cNvSpPr>
+          <p:nvPr>
+            <p:ph type="sldNum" sz="quarter" idx="12"/>
+          </p:nvPr>
+        </p:nvSpPr>
+        <p:spPr>
+          <a:xfrm>
+            <a:off x="6120384" y="6413183"/>
+            <a:ext cx="2133600" cy="274637"/>
+          </a:xfrm>
+        </p:spPr>
+        <p:txBody>
+          <a:bodyPr/>
+          <a:lstStyle>
+            <a:lvl1pPr eaLnBrk="0" hangingPunct="0">
+              <a:defRPr>
+                <a:solidFill>
+                  <a:schemeClr val="tx1"/>
+                </a:solidFill>
+                <a:latin typeface="Arial" panose="020B0604020202090204" pitchFamily="34" charset="0"/>
+                <a:ea typeface="宋体" charset="-122"/>
+              </a:defRPr>
+            </a:lvl1pPr>
+            <a:lvl2pPr marL="742950" indent="-285750" eaLnBrk="0" hangingPunct="0">
+              <a:defRPr>
+                <a:solidFill>
+                  <a:schemeClr val="tx1"/>
+                </a:solidFill>
+                <a:latin typeface="Arial" panose="020B0604020202090204" pitchFamily="34" charset="0"/>
+                <a:ea typeface="宋体" charset="-122"/>
+              </a:defRPr>
+            </a:lvl2pPr>
+            <a:lvl3pPr marL="1143000" indent="-228600" eaLnBrk="0" hangingPunct="0">
+              <a:defRPr>
+                <a:solidFill>
+                  <a:schemeClr val="tx1"/>
+                </a:solidFill>
+                <a:latin typeface="Arial" panose="020B0604020202090204" pitchFamily="34" charset="0"/>
+                <a:ea typeface="宋体" charset="-122"/>
+              </a:defRPr>
+            </a:lvl3pPr>
+            <a:lvl4pPr marL="1600200" indent="-228600" eaLnBrk="0" hangingPunct="0">
+              <a:defRPr>
+                <a:solidFill>
+                  <a:schemeClr val="tx1"/>
+                </a:solidFill>
+                <a:latin typeface="Arial" panose="020B0604020202090204" pitchFamily="34" charset="0"/>
+                <a:ea typeface="宋体" charset="-122"/>
+              </a:defRPr>
+            </a:lvl4pPr>
+            <a:lvl5pPr marL="2057400" indent="-228600" eaLnBrk="0" hangingPunct="0">
+              <a:defRPr>
+                <a:solidFill>
+                  <a:schemeClr val="tx1"/>
+                </a:solidFill>
+                <a:latin typeface="Arial" panose="020B0604020202090204" pitchFamily="34" charset="0"/>
+                <a:ea typeface="宋体" charset="-122"/>
+              </a:defRPr>
+            </a:lvl5pPr>
+            <a:lvl6pPr marL="2514600" indent="-228600" defTabSz="457200" eaLnBrk="0" fontAlgn="base" hangingPunct="0">
+              <a:spcBef>
+                <a:spcPct val="0"/>
+              </a:spcBef>
+              <a:spcAft>
+                <a:spcPct val="0"/>
+              </a:spcAft>
+              <a:defRPr>
+                <a:solidFill>
+                  <a:schemeClr val="tx1"/>
+                </a:solidFill>
+                <a:latin typeface="Arial" panose="020B0604020202090204" pitchFamily="34" charset="0"/>
+                <a:ea typeface="宋体" charset="-122"/>
+              </a:defRPr>
+            </a:lvl6pPr>
+            <a:lvl7pPr marL="2971800" indent="-228600" defTabSz="457200" eaLnBrk="0" fontAlgn="base" hangingPunct="0">
+              <a:spcBef>
+                <a:spcPct val="0"/>
+              </a:spcBef>
+              <a:spcAft>
+                <a:spcPct val="0"/>
+              </a:spcAft>
+              <a:defRPr>
+                <a:solidFill>
+                  <a:schemeClr val="tx1"/>
+                </a:solidFill>
+                <a:latin typeface="Arial" panose="020B0604020202090204" pitchFamily="34" charset="0"/>
+                <a:ea typeface="宋体" charset="-122"/>
+              </a:defRPr>
+            </a:lvl7pPr>
+            <a:lvl8pPr marL="3429000" indent="-228600" defTabSz="457200" eaLnBrk="0" fontAlgn="base" hangingPunct="0">
+              <a:spcBef>
+                <a:spcPct val="0"/>
+              </a:spcBef>
+              <a:spcAft>
+                <a:spcPct val="0"/>
+              </a:spcAft>
+              <a:defRPr>
+                <a:solidFill>
+                  <a:schemeClr val="tx1"/>
+                </a:solidFill>
+                <a:latin typeface="Arial" panose="020B0604020202090204" pitchFamily="34" charset="0"/>
+                <a:ea typeface="宋体" charset="-122"/>
+              </a:defRPr>
+            </a:lvl8pPr>
+            <a:lvl9pPr marL="3886200" indent="-228600" defTabSz="457200" eaLnBrk="0" fontAlgn="base" hangingPunct="0">
+              <a:spcBef>
+                <a:spcPct val="0"/>
+              </a:spcBef>
+              <a:spcAft>
+                <a:spcPct val="0"/>
+              </a:spcAft>
+              <a:defRPr>
+                <a:solidFill>
+                  <a:schemeClr val="tx1"/>
+                </a:solidFill>
+                <a:latin typeface="Arial" panose="020B0604020202090204" pitchFamily="34" charset="0"/>
+                <a:ea typeface="宋体" charset="-122"/>
+              </a:defRPr>
+            </a:lvl9pPr>
+          </a:lstStyle>
+          <a:p>
+            <a:pPr marL="0" marR="0" lvl="0" indent="0" algn="r" defTabSz="457200" rtl="0" eaLnBrk="1" fontAlgn="auto" latinLnBrk="0" hangingPunct="1">
+              <a:lnSpc>
+                <a:spcPct val="100000"/>
+              </a:lnSpc>
+              <a:spcBef>
+                <a:spcPts val="0"/>
+              </a:spcBef>
+              <a:spcAft>
+                <a:spcPts val="0"/>
+              </a:spcAft>
+              <a:buClrTx/>
+              <a:buSzTx/>
+              <a:buFontTx/>
+              <a:buNone/>
+              <a:defRPr/>
+            </a:pPr>
+            <a:fld id="{3F1E42E4-90F7-C348-9C7D-352344EF35F9}" type="slidenum">
+              <a:rPr kumimoji="0" lang="zh-CN" altLang="en-US" sz="1200" b="0" i="0" u="none" strike="noStrike" kern="1200" cap="none" spc="0" normalizeH="0" baseline="0" noProof="0">
+                <a:ln>
+                  <a:noFill/>
+                </a:ln>
+                <a:solidFill>
+                  <a:srgbClr val="898989"/>
+                </a:solidFill>
+                <a:effectLst/>
+                <a:uLnTx/>
+                <a:uFillTx/>
+                <a:latin typeface="Arial" panose="020B0604020202090204" pitchFamily="34" charset="0"/>
+                <a:ea typeface="微软雅黑" charset="-122"/>
+                <a:cs typeface="+mn-cs"/>
+              </a:rPr>
+              <a:t>5</a:t>
+            </a:fld>
+            <a:endParaRPr kumimoji="0" lang="zh-CN" altLang="en-US" sz="1200" b="0" i="0" u="none" strike="noStrike" kern="1200" cap="none" spc="0" normalizeH="0" baseline="0" noProof="0" dirty="0">
+              <a:ln>
+                <a:noFill/>
+              </a:ln>
+              <a:solidFill>
+                <a:srgbClr val="898989"/>
+              </a:solidFill>
+              <a:effectLst/>
+              <a:uLnTx/>
+              <a:uFillTx/>
+              <a:latin typeface="Arial" panose="020B0604020202090204" pitchFamily="34" charset="0"/>
+              <a:ea typeface="微软雅黑" charset="-122"/>
+              <a:cs typeface="+mn-cs"/>
+            </a:endParaRPr>
+          </a:p>
+        </p:txBody>
+      </p:sp>
+      <p:sp>
+        <p:nvSpPr>
+          <p:cNvPr id="7" name="标题 1"/>
+          <p:cNvSpPr txBox="1"/>
+          <p:nvPr/>
+        </p:nvSpPr>
+        <p:spPr>
+          <a:xfrm>
+            <a:off x="250825" y="89645"/>
+            <a:ext cx="8278495" cy="782955"/>
+          </a:xfrm>
+          <a:prstGeom prst="rect">
+            <a:avLst/>
+          </a:prstGeom>
+        </p:spPr>
+        <p:txBody>
+          <a:bodyPr/>
+          <a:lstStyle>
+            <a:lvl1pPr algn="ctr" defTabSz="457200" rtl="0" eaLnBrk="1" latinLnBrk="0" hangingPunct="1">
+              <a:spcBef>
+                <a:spcPct val="0"/>
+              </a:spcBef>
+              <a:buNone/>
+              <a:defRPr sz="4400" kern="1200">
+                <a:solidFill>
+                  <a:schemeClr val="tx1"/>
+                </a:solidFill>
+                <a:latin typeface="+mj-lt"/>
+                <a:ea typeface="+mj-ea"/>
+                <a:cs typeface="+mj-cs"/>
+              </a:defRPr>
+            </a:lvl1pPr>
+          </a:lstStyle>
+          <a:p>
+            <a:pPr marL="0" marR="0" lvl="0" indent="0" algn="l" defTabSz="457200" rtl="0" eaLnBrk="1" fontAlgn="auto" latinLnBrk="0" hangingPunct="1">
+              <a:lnSpc>
+                <a:spcPct val="150000"/>
+              </a:lnSpc>
+              <a:spcBef>
+                <a:spcPts val="0"/>
+              </a:spcBef>
+              <a:spcAft>
+                <a:spcPts val="0"/>
+              </a:spcAft>
+              <a:buClrTx/>
+              <a:buSzTx/>
+              <a:buFontTx/>
+              <a:buNone/>
+              <a:defRPr/>
+            </a:pPr>
+            <a:r>
+              <a:rPr kumimoji="0" lang="zh-Hans" altLang="en-US" sz="2400" b="1" i="0" u="none" strike="noStrike" kern="1200" cap="none" spc="0" normalizeH="0" baseline="0" noProof="0" dirty="0">
+                <a:ln>
+                  <a:noFill/>
+                </a:ln>
+                <a:solidFill>
+                  <a:prstClr val="black"/>
+                </a:solidFill>
+                <a:effectLst/>
+                <a:uLnTx/>
+                <a:uFillTx/>
+                <a:latin typeface="苹方-简" panose="020B0400000000000000" charset="-122"/>
+                <a:ea typeface="苹方-简" panose="020B0400000000000000" charset="-122"/>
+              </a:rPr>
+              <a:t>木星计划</a:t>
+            </a:r>
+            <a:r>
+              <a:rPr kumimoji="0" lang="en-US" altLang="zh-Hans" sz="2400" b="1" i="0" u="none" strike="noStrike" kern="1200" cap="none" spc="0" normalizeH="0" baseline="0" noProof="0" dirty="0">
+                <a:ln>
+                  <a:noFill/>
+                </a:ln>
+                <a:solidFill>
+                  <a:prstClr val="black"/>
+                </a:solidFill>
+                <a:effectLst/>
+                <a:uLnTx/>
+                <a:uFillTx/>
+                <a:latin typeface="苹方-简" panose="020B0400000000000000" charset="-122"/>
+                <a:ea typeface="苹方-简" panose="020B0400000000000000" charset="-122"/>
+              </a:rPr>
+              <a:t>-</a:t>
+            </a:r>
+            <a:r>
+              <a:rPr kumimoji="0" lang="zh-Hans" altLang="en-US" sz="2400" b="1" i="0" u="none" strike="noStrike" kern="1200" cap="none" spc="0" normalizeH="0" baseline="0" noProof="0" dirty="0">
+                <a:ln>
+                  <a:noFill/>
+                </a:ln>
+                <a:solidFill>
+                  <a:prstClr val="black"/>
+                </a:solidFill>
+                <a:effectLst/>
+                <a:uLnTx/>
+                <a:uFillTx/>
+                <a:latin typeface="苹方-简" panose="020B0400000000000000" charset="-122"/>
+                <a:ea typeface="苹方-简" panose="020B0400000000000000" charset="-122"/>
+              </a:rPr>
+              <a:t>二手房背景</a:t>
+            </a:r>
+            <a:endParaRPr kumimoji="0" lang="en-US" altLang="zh-CN" sz="2400" b="1" i="0" u="none" strike="noStrike" kern="1200" cap="none" spc="0" normalizeH="0" baseline="0" noProof="0" dirty="0">
+              <a:ln>
+                <a:noFill/>
+              </a:ln>
+              <a:solidFill>
+                <a:prstClr val="black"/>
+              </a:solidFill>
+              <a:effectLst/>
+              <a:uLnTx/>
+              <a:uFillTx/>
+              <a:latin typeface="苹方-简" panose="020B0400000000000000" charset="-122"/>
+              <a:ea typeface="苹方-简" panose="020B0400000000000000" charset="-122"/>
+            </a:endParaRPr>
+          </a:p>
+        </p:txBody>
+      </p:sp>
+      <p:sp>
+        <p:nvSpPr>
+          <p:cNvPr id="9" name="内容占位符 2"/>
+          <p:cNvSpPr txBox="1"/>
+          <p:nvPr/>
+        </p:nvSpPr>
+        <p:spPr>
+          <a:xfrm>
+            <a:off x="24384" y="934691"/>
+            <a:ext cx="8229600" cy="669520"/>
+          </a:xfrm>
+          <a:prstGeom prst="rect">
+            <a:avLst/>
+          </a:prstGeom>
+        </p:spPr>
+        <p:txBody>
+          <a:bodyPr/>
+          <a:lstStyle>
+            <a:lvl1pPr marL="342900" indent="-342900" algn="l" defTabSz="457200" rtl="0" eaLnBrk="1" latinLnBrk="0" hangingPunct="1">
+              <a:spcBef>
+                <a:spcPct val="20000"/>
+              </a:spcBef>
+              <a:buFont typeface="Arial" panose="020B0604020202090204"/>
+              <a:buChar char="•"/>
+              <a:defRPr sz="3200" kern="1200">
+                <a:solidFill>
+                  <a:schemeClr val="tx1"/>
+                </a:solidFill>
+                <a:latin typeface="+mn-lt"/>
+                <a:ea typeface="+mn-ea"/>
+                <a:cs typeface="+mn-cs"/>
+              </a:defRPr>
+            </a:lvl1pPr>
+            <a:lvl2pPr marL="742950" indent="-285750" algn="l" defTabSz="457200" rtl="0" eaLnBrk="1" latinLnBrk="0" hangingPunct="1">
+              <a:spcBef>
+                <a:spcPct val="20000"/>
+              </a:spcBef>
+              <a:buFont typeface="Arial" panose="020B0604020202090204"/>
+              <a:buChar char="–"/>
+              <a:defRPr sz="2800" kern="1200">
+                <a:solidFill>
+                  <a:schemeClr val="tx1"/>
+                </a:solidFill>
+                <a:latin typeface="+mn-lt"/>
+                <a:ea typeface="+mn-ea"/>
+                <a:cs typeface="+mn-cs"/>
+              </a:defRPr>
+            </a:lvl2pPr>
+            <a:lvl3pPr marL="1143000" indent="-228600" algn="l" defTabSz="457200" rtl="0" eaLnBrk="1" latinLnBrk="0" hangingPunct="1">
+              <a:spcBef>
+                <a:spcPct val="20000"/>
+              </a:spcBef>
+              <a:buFont typeface="Arial" panose="020B0604020202090204"/>
+              <a:buChar char="•"/>
+              <a:defRPr sz="2400" kern="1200">
+                <a:solidFill>
+                  <a:schemeClr val="tx1"/>
+                </a:solidFill>
+                <a:latin typeface="+mn-lt"/>
+                <a:ea typeface="+mn-ea"/>
+                <a:cs typeface="+mn-cs"/>
+              </a:defRPr>
+            </a:lvl3pPr>
+            <a:lvl4pPr marL="1600200" indent="-228600" algn="l" defTabSz="457200" rtl="0" eaLnBrk="1" latinLnBrk="0" hangingPunct="1">
+              <a:spcBef>
+                <a:spcPct val="20000"/>
+              </a:spcBef>
+              <a:buFont typeface="Arial" panose="020B0604020202090204"/>
+              <a:buChar char="–"/>
+              <a:defRPr sz="2000" kern="1200">
+                <a:solidFill>
+                  <a:schemeClr val="tx1"/>
+                </a:solidFill>
+                <a:latin typeface="+mn-lt"/>
+                <a:ea typeface="+mn-ea"/>
+                <a:cs typeface="+mn-cs"/>
+              </a:defRPr>
+            </a:lvl4pPr>
+            <a:lvl5pPr marL="2057400" indent="-228600" algn="l" defTabSz="457200" rtl="0" eaLnBrk="1" latinLnBrk="0" hangingPunct="1">
+              <a:spcBef>
+                <a:spcPct val="20000"/>
+              </a:spcBef>
+              <a:buFont typeface="Arial" panose="020B0604020202090204"/>
+              <a:buChar char="»"/>
+              <a:defRPr sz="2000" kern="1200">
+                <a:solidFill>
+                  <a:schemeClr val="tx1"/>
+                </a:solidFill>
+                <a:latin typeface="+mn-lt"/>
+                <a:ea typeface="+mn-ea"/>
+                <a:cs typeface="+mn-cs"/>
+              </a:defRPr>
+            </a:lvl5pPr>
+            <a:lvl6pPr marL="2514600" indent="-228600" algn="l" defTabSz="457200" rtl="0" eaLnBrk="1" latinLnBrk="0" hangingPunct="1">
+              <a:spcBef>
+                <a:spcPct val="20000"/>
+              </a:spcBef>
+              <a:buFont typeface="Arial" panose="020B0604020202090204"/>
+              <a:buChar char="•"/>
+              <a:defRPr sz="2000" kern="1200">
+                <a:solidFill>
+                  <a:schemeClr val="tx1"/>
+                </a:solidFill>
+                <a:latin typeface="+mn-lt"/>
+                <a:ea typeface="+mn-ea"/>
+                <a:cs typeface="+mn-cs"/>
+              </a:defRPr>
+            </a:lvl6pPr>
+            <a:lvl7pPr marL="2971800" indent="-228600" algn="l" defTabSz="457200" rtl="0" eaLnBrk="1" latinLnBrk="0" hangingPunct="1">
+              <a:spcBef>
+                <a:spcPct val="20000"/>
+              </a:spcBef>
+              <a:buFont typeface="Arial" panose="020B0604020202090204"/>
+              <a:buChar char="•"/>
+              <a:defRPr sz="2000" kern="1200">
+                <a:solidFill>
+                  <a:schemeClr val="tx1"/>
+                </a:solidFill>
+                <a:latin typeface="+mn-lt"/>
+                <a:ea typeface="+mn-ea"/>
+                <a:cs typeface="+mn-cs"/>
+              </a:defRPr>
+            </a:lvl7pPr>
+            <a:lvl8pPr marL="3429000" indent="-228600" algn="l" defTabSz="457200" rtl="0" eaLnBrk="1" latinLnBrk="0" hangingPunct="1">
+              <a:spcBef>
+                <a:spcPct val="20000"/>
+              </a:spcBef>
+              <a:buFont typeface="Arial" panose="020B0604020202090204"/>
+              <a:buChar char="•"/>
+              <a:defRPr sz="2000" kern="1200">
+                <a:solidFill>
+                  <a:schemeClr val="tx1"/>
+                </a:solidFill>
+                <a:latin typeface="+mn-lt"/>
+                <a:ea typeface="+mn-ea"/>
+                <a:cs typeface="+mn-cs"/>
+              </a:defRPr>
+            </a:lvl8pPr>
+            <a:lvl9pPr marL="3886200" indent="-228600" algn="l" defTabSz="457200" rtl="0" eaLnBrk="1" latinLnBrk="0" hangingPunct="1">
+              <a:spcBef>
+                <a:spcPct val="20000"/>
+              </a:spcBef>
+              <a:buFont typeface="Arial" panose="020B0604020202090204"/>
+              <a:buChar char="•"/>
+              <a:defRPr sz="2000" kern="1200">
+                <a:solidFill>
+                  <a:schemeClr val="tx1"/>
+                </a:solidFill>
+                <a:latin typeface="+mn-lt"/>
+                <a:ea typeface="+mn-ea"/>
+                <a:cs typeface="+mn-cs"/>
+              </a:defRPr>
+            </a:lvl9pPr>
+          </a:lstStyle>
+          <a:p>
+            <a:pPr marL="342900" marR="0" lvl="0" indent="-342900" algn="l" defTabSz="457200" rtl="0" eaLnBrk="1" fontAlgn="auto" latinLnBrk="0" hangingPunct="1">
+              <a:lnSpc>
+                <a:spcPct val="130000"/>
+              </a:lnSpc>
+              <a:spcBef>
+                <a:spcPct val="20000"/>
+              </a:spcBef>
+              <a:spcAft>
+                <a:spcPts val="0"/>
+              </a:spcAft>
+              <a:buClrTx/>
+              <a:buSzTx/>
+              <a:buFont typeface="Wingdings" panose="05000000000000000000" pitchFamily="2" charset="2"/>
+              <a:buChar char="l"/>
+              <a:defRPr/>
+            </a:pPr>
+            <a:endParaRPr kumimoji="0" lang="en-US" altLang="zh-CN" sz="1800" b="0" i="0" u="none" strike="noStrike" kern="1200" cap="none" spc="0" normalizeH="0" baseline="0" noProof="0" dirty="0">
+              <a:ln>
+                <a:noFill/>
+              </a:ln>
+              <a:solidFill>
+                <a:prstClr val="black"/>
+              </a:solidFill>
+              <a:effectLst/>
+              <a:uLnTx/>
+              <a:uFillTx/>
+              <a:latin typeface="Calibri"/>
+              <a:ea typeface="微软雅黑" charset="-122"/>
+              <a:cs typeface="+mn-cs"/>
+            </a:endParaRPr>
+          </a:p>
+          <a:p>
+            <a:pPr marL="0" marR="0" lvl="0" indent="0" algn="l" defTabSz="457200" rtl="0" eaLnBrk="1" fontAlgn="auto" latinLnBrk="0" hangingPunct="1">
+              <a:lnSpc>
+                <a:spcPct val="130000"/>
+              </a:lnSpc>
+              <a:spcBef>
+                <a:spcPct val="20000"/>
+              </a:spcBef>
+              <a:spcAft>
+                <a:spcPts val="0"/>
+              </a:spcAft>
+              <a:buClrTx/>
+              <a:buSzTx/>
+              <a:buFont typeface="Arial" panose="020B0604020202090204"/>
+              <a:buNone/>
+              <a:defRPr/>
+            </a:pPr>
+            <a:endParaRPr kumimoji="0" lang="en-US" altLang="zh-CN" sz="1800" b="1" i="0" u="none" strike="noStrike" kern="1200" cap="none" spc="0" normalizeH="0" baseline="0" noProof="0" dirty="0">
+              <a:ln>
+                <a:noFill/>
+              </a:ln>
+              <a:solidFill>
+                <a:prstClr val="black"/>
+              </a:solidFill>
+              <a:effectLst/>
+              <a:uLnTx/>
+              <a:uFillTx/>
+              <a:latin typeface="Calibri"/>
+              <a:ea typeface="微软雅黑" charset="-122"/>
+              <a:cs typeface="+mn-cs"/>
+            </a:endParaRPr>
+          </a:p>
+          <a:p>
+            <a:pPr marL="0" marR="0" lvl="0" indent="0" algn="l" defTabSz="457200" rtl="0" eaLnBrk="1" fontAlgn="auto" latinLnBrk="0" hangingPunct="1">
+              <a:lnSpc>
+                <a:spcPct val="130000"/>
+              </a:lnSpc>
+              <a:spcBef>
+                <a:spcPct val="20000"/>
+              </a:spcBef>
+              <a:spcAft>
+                <a:spcPts val="0"/>
+              </a:spcAft>
+              <a:buClrTx/>
+              <a:buSzTx/>
+              <a:buFont typeface="Arial" panose="020B0604020202090204"/>
+              <a:buNone/>
+              <a:defRPr/>
+            </a:pPr>
+            <a:endParaRPr kumimoji="0" lang="en-US" altLang="zh-CN" sz="1800" b="1" i="0" u="none" strike="noStrike" kern="1200" cap="none" spc="0" normalizeH="0" baseline="0" noProof="0" dirty="0">
+              <a:ln>
+                <a:noFill/>
+              </a:ln>
+              <a:solidFill>
+                <a:prstClr val="black"/>
+              </a:solidFill>
+              <a:effectLst/>
+              <a:uLnTx/>
+              <a:uFillTx/>
+              <a:latin typeface="Calibri"/>
+              <a:ea typeface="微软雅黑" charset="-122"/>
+              <a:cs typeface="+mn-cs"/>
+            </a:endParaRPr>
+          </a:p>
+        </p:txBody>
+      </p:sp>
+      <p:pic>
+        <p:nvPicPr>
+          <p:cNvPr id="8" name="Picture 1" descr="page16image55775392">
+            <a:extLst>
+              <a:ext uri="{FF2B5EF4-FFF2-40B4-BE49-F238E27FC236}">
+                <a16:creationId xmlns:a16="http://schemas.microsoft.com/office/drawing/2014/main" id="{A0D8EDB9-6BF4-EC46-B98C-46F0A7199176}"/>
+              </a:ext>
+            </a:extLst>
+          </p:cNvPr>
+          <p:cNvPicPr>
+            <a:picLocks noChangeAspect="1" noChangeArrowheads="1"/>
+          </p:cNvPicPr>
+          <p:nvPr/>
+        </p:nvPicPr>
+        <p:blipFill>
+          <a:blip r:embed="rId5">
+            <a:extLst>
+              <a:ext uri="{28A0092B-C50C-407E-A947-70E740481C1C}">
+                <a14:useLocalDpi xmlns:a14="http://schemas.microsoft.com/office/drawing/2010/main" val="0"/>
+              </a:ext>
+            </a:extLst>
+          </a:blip>
+          <a:srcRect/>
+          <a:stretch>
+            <a:fillRect/>
+          </a:stretch>
+        </p:blipFill>
+        <p:spPr bwMode="auto">
+          <a:xfrm>
+            <a:off x="2006793" y="1161221"/>
+            <a:ext cx="824400" cy="824400"/>
+          </a:xfrm>
+          <a:prstGeom prst="rect">
+            <a:avLst/>
+          </a:prstGeom>
+          <a:noFill/>
+          <a:extLst>
+            <a:ext uri="{909E8E84-426E-40DD-AFC4-6F175D3DCCD1}">
+              <a14:hiddenFill xmlns:a14="http://schemas.microsoft.com/office/drawing/2010/main">
+                <a:solidFill>
+                  <a:srgbClr val="FFFFFF"/>
+                </a:solidFill>
+              </a14:hiddenFill>
+            </a:ext>
+          </a:extLst>
+        </p:spPr>
+      </p:pic>
+      <p:pic>
+        <p:nvPicPr>
+          <p:cNvPr id="10" name="Picture 3" descr="page16image55775280">
+            <a:extLst>
+              <a:ext uri="{FF2B5EF4-FFF2-40B4-BE49-F238E27FC236}">
+                <a16:creationId xmlns:a16="http://schemas.microsoft.com/office/drawing/2014/main" id="{A10FC5C8-B45A-B049-877B-72EABBC07E4B}"/>
+              </a:ext>
+            </a:extLst>
+          </p:cNvPr>
+          <p:cNvPicPr>
+            <a:picLocks noChangeAspect="1" noChangeArrowheads="1"/>
+          </p:cNvPicPr>
+          <p:nvPr/>
+        </p:nvPicPr>
+        <p:blipFill>
+          <a:blip r:embed="rId6">
+            <a:extLst>
+              <a:ext uri="{28A0092B-C50C-407E-A947-70E740481C1C}">
+                <a14:useLocalDpi xmlns:a14="http://schemas.microsoft.com/office/drawing/2010/main" val="0"/>
+              </a:ext>
+            </a:extLst>
+          </a:blip>
+          <a:srcRect/>
+          <a:stretch>
+            <a:fillRect/>
+          </a:stretch>
+        </p:blipFill>
+        <p:spPr bwMode="auto">
+          <a:xfrm>
+            <a:off x="5708184" y="1161221"/>
+            <a:ext cx="824400" cy="824400"/>
+          </a:xfrm>
+          <a:prstGeom prst="rect">
+            <a:avLst/>
+          </a:prstGeom>
+          <a:noFill/>
+          <a:extLst>
+            <a:ext uri="{909E8E84-426E-40DD-AFC4-6F175D3DCCD1}">
+              <a14:hiddenFill xmlns:a14="http://schemas.microsoft.com/office/drawing/2010/main">
+                <a:solidFill>
+                  <a:srgbClr val="FFFFFF"/>
+                </a:solidFill>
+              </a14:hiddenFill>
+            </a:ext>
+          </a:extLst>
+        </p:spPr>
+      </p:pic>
+      <p:sp>
+        <p:nvSpPr>
+          <p:cNvPr id="11" name="矩形 10">
+            <a:extLst>
+              <a:ext uri="{FF2B5EF4-FFF2-40B4-BE49-F238E27FC236}">
+                <a16:creationId xmlns:a16="http://schemas.microsoft.com/office/drawing/2014/main" id="{C7ED7EB6-69A4-CC4B-B0E8-BBACA41617E3}"/>
+              </a:ext>
+            </a:extLst>
+          </p:cNvPr>
+          <p:cNvSpPr/>
+          <p:nvPr/>
+        </p:nvSpPr>
+        <p:spPr>
+          <a:xfrm>
+            <a:off x="1514668" y="2202338"/>
+            <a:ext cx="1722471" cy="520120"/>
+          </a:xfrm>
+          <a:prstGeom prst="rect">
+            <a:avLst/>
+          </a:prstGeom>
+          <a:solidFill>
+            <a:srgbClr val="92D050"/>
+          </a:solidFill>
+          <a:ln>
+            <a:noFill/>
+          </a:ln>
+        </p:spPr>
+        <p:style>
+          <a:lnRef idx="1">
+            <a:schemeClr val="accent1"/>
+          </a:lnRef>
+          <a:fillRef idx="3">
+            <a:schemeClr val="accent1"/>
+          </a:fillRef>
+          <a:effectRef idx="2">
+            <a:schemeClr val="accent1"/>
+          </a:effectRef>
+          <a:fontRef idx="minor">
+            <a:schemeClr val="lt1"/>
+          </a:fontRef>
+        </p:style>
+        <p:txBody>
+          <a:bodyPr rtlCol="0" anchor="ctr"/>
+          <a:lstStyle/>
+          <a:p>
+            <a:pPr algn="ctr"/>
+            <a:r>
+              <a:rPr kumimoji="1" lang="zh-Hans" altLang="en-US" dirty="0">
+                <a:latin typeface="PingFang SC" panose="020B0400000000000000" pitchFamily="34" charset="-122"/>
+                <a:ea typeface="PingFang SC" panose="020B0400000000000000" pitchFamily="34" charset="-122"/>
+              </a:rPr>
+              <a:t>二手房</a:t>
+            </a:r>
+            <a:endParaRPr kumimoji="1" lang="zh-CN" altLang="en-US" dirty="0">
+              <a:latin typeface="PingFang SC" panose="020B0400000000000000" pitchFamily="34" charset="-122"/>
+              <a:ea typeface="PingFang SC" panose="020B0400000000000000" pitchFamily="34" charset="-122"/>
+            </a:endParaRPr>
+          </a:p>
+        </p:txBody>
+      </p:sp>
+      <p:sp>
+        <p:nvSpPr>
+          <p:cNvPr id="12" name="矩形 11">
+            <a:extLst>
+              <a:ext uri="{FF2B5EF4-FFF2-40B4-BE49-F238E27FC236}">
+                <a16:creationId xmlns:a16="http://schemas.microsoft.com/office/drawing/2014/main" id="{8B093AEE-CD8C-7945-8F7A-263B33A73A44}"/>
+              </a:ext>
+            </a:extLst>
+          </p:cNvPr>
+          <p:cNvSpPr/>
+          <p:nvPr/>
+        </p:nvSpPr>
+        <p:spPr>
+          <a:xfrm>
+            <a:off x="1514668" y="2909821"/>
+            <a:ext cx="1722471" cy="520120"/>
+          </a:xfrm>
+          <a:prstGeom prst="rect">
+            <a:avLst/>
+          </a:prstGeom>
+          <a:solidFill>
+            <a:srgbClr val="92D050"/>
+          </a:solidFill>
+          <a:ln>
+            <a:noFill/>
+          </a:ln>
+        </p:spPr>
+        <p:style>
+          <a:lnRef idx="1">
+            <a:schemeClr val="accent1"/>
+          </a:lnRef>
+          <a:fillRef idx="3">
+            <a:schemeClr val="accent1"/>
+          </a:fillRef>
+          <a:effectRef idx="2">
+            <a:schemeClr val="accent1"/>
+          </a:effectRef>
+          <a:fontRef idx="minor">
+            <a:schemeClr val="lt1"/>
+          </a:fontRef>
+        </p:style>
+        <p:txBody>
+          <a:bodyPr rtlCol="0" anchor="ctr"/>
+          <a:lstStyle/>
+          <a:p>
+            <a:pPr algn="ctr"/>
+            <a:r>
+              <a:rPr kumimoji="1" lang="zh-Hans" altLang="en-US" dirty="0">
+                <a:latin typeface="PingFang SC" panose="020B0400000000000000" pitchFamily="34" charset="-122"/>
+                <a:ea typeface="PingFang SC" panose="020B0400000000000000" pitchFamily="34" charset="-122"/>
+              </a:rPr>
+              <a:t>新房</a:t>
+            </a:r>
+            <a:endParaRPr kumimoji="1" lang="zh-CN" altLang="en-US" dirty="0">
+              <a:latin typeface="PingFang SC" panose="020B0400000000000000" pitchFamily="34" charset="-122"/>
+              <a:ea typeface="PingFang SC" panose="020B0400000000000000" pitchFamily="34" charset="-122"/>
+            </a:endParaRPr>
+          </a:p>
+        </p:txBody>
+      </p:sp>
+      <p:sp>
+        <p:nvSpPr>
+          <p:cNvPr id="14" name="矩形 13">
+            <a:extLst>
+              <a:ext uri="{FF2B5EF4-FFF2-40B4-BE49-F238E27FC236}">
+                <a16:creationId xmlns:a16="http://schemas.microsoft.com/office/drawing/2014/main" id="{04E3839F-7BA7-2449-8E02-A7484654DBA1}"/>
+              </a:ext>
+            </a:extLst>
+          </p:cNvPr>
+          <p:cNvSpPr/>
+          <p:nvPr/>
+        </p:nvSpPr>
+        <p:spPr>
+          <a:xfrm>
+            <a:off x="1514668" y="4324787"/>
+            <a:ext cx="1722471" cy="520120"/>
+          </a:xfrm>
+          <a:prstGeom prst="rect">
+            <a:avLst/>
+          </a:prstGeom>
+          <a:solidFill>
+            <a:srgbClr val="92D050"/>
+          </a:solidFill>
+          <a:ln>
+            <a:noFill/>
+          </a:ln>
+        </p:spPr>
+        <p:style>
+          <a:lnRef idx="1">
+            <a:schemeClr val="accent1"/>
+          </a:lnRef>
+          <a:fillRef idx="3">
+            <a:schemeClr val="accent1"/>
+          </a:fillRef>
+          <a:effectRef idx="2">
+            <a:schemeClr val="accent1"/>
+          </a:effectRef>
+          <a:fontRef idx="minor">
+            <a:schemeClr val="lt1"/>
+          </a:fontRef>
+        </p:style>
+        <p:txBody>
+          <a:bodyPr rtlCol="0" anchor="ctr"/>
+          <a:lstStyle/>
+          <a:p>
+            <a:pPr algn="ctr"/>
+            <a:r>
+              <a:rPr kumimoji="1" lang="zh-Hans" altLang="en-US" dirty="0">
+                <a:latin typeface="PingFang SC" panose="020B0400000000000000" pitchFamily="34" charset="-122"/>
+                <a:ea typeface="PingFang SC" panose="020B0400000000000000" pitchFamily="34" charset="-122"/>
+              </a:rPr>
+              <a:t>大内容</a:t>
+            </a:r>
+            <a:endParaRPr kumimoji="1" lang="zh-CN" altLang="en-US" dirty="0">
+              <a:latin typeface="PingFang SC" panose="020B0400000000000000" pitchFamily="34" charset="-122"/>
+              <a:ea typeface="PingFang SC" panose="020B0400000000000000" pitchFamily="34" charset="-122"/>
+            </a:endParaRPr>
+          </a:p>
+        </p:txBody>
+      </p:sp>
+      <p:sp>
+        <p:nvSpPr>
+          <p:cNvPr id="15" name="矩形 14">
+            <a:extLst>
+              <a:ext uri="{FF2B5EF4-FFF2-40B4-BE49-F238E27FC236}">
+                <a16:creationId xmlns:a16="http://schemas.microsoft.com/office/drawing/2014/main" id="{F45D4E26-7323-5540-B499-7BC00AA02E5C}"/>
+              </a:ext>
+            </a:extLst>
+          </p:cNvPr>
+          <p:cNvSpPr/>
+          <p:nvPr/>
+        </p:nvSpPr>
+        <p:spPr>
+          <a:xfrm>
+            <a:off x="1514668" y="5032270"/>
+            <a:ext cx="1722471" cy="520120"/>
+          </a:xfrm>
+          <a:prstGeom prst="rect">
+            <a:avLst/>
+          </a:prstGeom>
+          <a:solidFill>
+            <a:srgbClr val="92D050"/>
+          </a:solidFill>
+          <a:ln>
+            <a:noFill/>
+          </a:ln>
+        </p:spPr>
+        <p:style>
+          <a:lnRef idx="1">
+            <a:schemeClr val="accent1"/>
+          </a:lnRef>
+          <a:fillRef idx="3">
+            <a:schemeClr val="accent1"/>
+          </a:fillRef>
+          <a:effectRef idx="2">
+            <a:schemeClr val="accent1"/>
+          </a:effectRef>
+          <a:fontRef idx="minor">
+            <a:schemeClr val="lt1"/>
+          </a:fontRef>
+        </p:style>
+        <p:txBody>
+          <a:bodyPr rtlCol="0" anchor="ctr"/>
+          <a:lstStyle/>
+          <a:p>
+            <a:pPr algn="ctr"/>
+            <a:r>
+              <a:rPr kumimoji="1" lang="zh-Hans" altLang="en-US" dirty="0">
+                <a:latin typeface="PingFang SC" panose="020B0400000000000000" pitchFamily="34" charset="-122"/>
+                <a:ea typeface="PingFang SC" panose="020B0400000000000000" pitchFamily="34" charset="-122"/>
+              </a:rPr>
+              <a:t>微聊</a:t>
+            </a:r>
+            <a:endParaRPr kumimoji="1" lang="zh-CN" altLang="en-US" dirty="0">
+              <a:latin typeface="PingFang SC" panose="020B0400000000000000" pitchFamily="34" charset="-122"/>
+              <a:ea typeface="PingFang SC" panose="020B0400000000000000" pitchFamily="34" charset="-122"/>
+            </a:endParaRPr>
+          </a:p>
+        </p:txBody>
+      </p:sp>
+      <p:sp>
+        <p:nvSpPr>
+          <p:cNvPr id="16" name="矩形 15">
+            <a:extLst>
+              <a:ext uri="{FF2B5EF4-FFF2-40B4-BE49-F238E27FC236}">
+                <a16:creationId xmlns:a16="http://schemas.microsoft.com/office/drawing/2014/main" id="{129C9374-A27E-F04B-AEBD-657165180A8D}"/>
+              </a:ext>
+            </a:extLst>
+          </p:cNvPr>
+          <p:cNvSpPr/>
+          <p:nvPr/>
+        </p:nvSpPr>
+        <p:spPr>
+          <a:xfrm>
+            <a:off x="1538514" y="5739753"/>
+            <a:ext cx="1698625" cy="520120"/>
+          </a:xfrm>
+          <a:prstGeom prst="rect">
+            <a:avLst/>
+          </a:prstGeom>
+          <a:solidFill>
+            <a:srgbClr val="92D050"/>
+          </a:solidFill>
+          <a:ln>
+            <a:noFill/>
+          </a:ln>
+        </p:spPr>
+        <p:style>
+          <a:lnRef idx="1">
+            <a:schemeClr val="accent1"/>
+          </a:lnRef>
+          <a:fillRef idx="3">
+            <a:schemeClr val="accent1"/>
+          </a:fillRef>
+          <a:effectRef idx="2">
+            <a:schemeClr val="accent1"/>
+          </a:effectRef>
+          <a:fontRef idx="minor">
+            <a:schemeClr val="lt1"/>
+          </a:fontRef>
+        </p:style>
+        <p:txBody>
+          <a:bodyPr rtlCol="0" anchor="ctr"/>
+          <a:lstStyle/>
+          <a:p>
+            <a:pPr algn="ctr"/>
+            <a:r>
+              <a:rPr kumimoji="1" lang="en-US" altLang="zh-CN" dirty="0">
+                <a:latin typeface="PingFang SC" panose="020B0400000000000000" pitchFamily="34" charset="-122"/>
+                <a:ea typeface="PingFang SC" panose="020B0400000000000000" pitchFamily="34" charset="-122"/>
+              </a:rPr>
+              <a:t>…</a:t>
+            </a:r>
+            <a:endParaRPr kumimoji="1" lang="zh-CN" altLang="en-US" dirty="0">
+              <a:latin typeface="PingFang SC" panose="020B0400000000000000" pitchFamily="34" charset="-122"/>
+              <a:ea typeface="PingFang SC" panose="020B0400000000000000" pitchFamily="34" charset="-122"/>
+            </a:endParaRPr>
+          </a:p>
+        </p:txBody>
+      </p:sp>
+      <p:sp>
+        <p:nvSpPr>
+          <p:cNvPr id="17" name="矩形 16">
+            <a:extLst>
+              <a:ext uri="{FF2B5EF4-FFF2-40B4-BE49-F238E27FC236}">
+                <a16:creationId xmlns:a16="http://schemas.microsoft.com/office/drawing/2014/main" id="{9BCF7204-7C41-F245-94A8-21223DDEA91F}"/>
+              </a:ext>
+            </a:extLst>
+          </p:cNvPr>
+          <p:cNvSpPr/>
+          <p:nvPr/>
+        </p:nvSpPr>
+        <p:spPr>
+          <a:xfrm>
+            <a:off x="5237273" y="2908880"/>
+            <a:ext cx="1766219" cy="520120"/>
+          </a:xfrm>
+          <a:prstGeom prst="rect">
+            <a:avLst/>
+          </a:prstGeom>
+          <a:solidFill>
+            <a:srgbClr val="F17E2F"/>
+          </a:solidFill>
+          <a:ln>
+            <a:noFill/>
+          </a:ln>
+        </p:spPr>
+        <p:style>
+          <a:lnRef idx="1">
+            <a:schemeClr val="accent1"/>
+          </a:lnRef>
+          <a:fillRef idx="3">
+            <a:schemeClr val="accent1"/>
+          </a:fillRef>
+          <a:effectRef idx="2">
+            <a:schemeClr val="accent1"/>
+          </a:effectRef>
+          <a:fontRef idx="minor">
+            <a:schemeClr val="lt1"/>
+          </a:fontRef>
+        </p:style>
+        <p:txBody>
+          <a:bodyPr rtlCol="0" anchor="ctr"/>
+          <a:lstStyle/>
+          <a:p>
+            <a:pPr algn="ctr"/>
+            <a:r>
+              <a:rPr kumimoji="1" lang="zh-Hans" altLang="en-US" dirty="0">
+                <a:latin typeface="PingFang SC" panose="020B0400000000000000" pitchFamily="34" charset="-122"/>
+                <a:ea typeface="PingFang SC" panose="020B0400000000000000" pitchFamily="34" charset="-122"/>
+              </a:rPr>
+              <a:t>租房</a:t>
+            </a:r>
+            <a:r>
+              <a:rPr kumimoji="1" lang="en-US" altLang="zh-Hans" dirty="0">
+                <a:latin typeface="PingFang SC" panose="020B0400000000000000" pitchFamily="34" charset="-122"/>
+                <a:ea typeface="PingFang SC" panose="020B0400000000000000" pitchFamily="34" charset="-122"/>
+              </a:rPr>
+              <a:t>/</a:t>
+            </a:r>
+            <a:r>
+              <a:rPr kumimoji="1" lang="zh-Hans" altLang="en-US" dirty="0">
+                <a:latin typeface="PingFang SC" panose="020B0400000000000000" pitchFamily="34" charset="-122"/>
+                <a:ea typeface="PingFang SC" panose="020B0400000000000000" pitchFamily="34" charset="-122"/>
+              </a:rPr>
+              <a:t>商业地产</a:t>
+            </a:r>
+            <a:endParaRPr kumimoji="1" lang="zh-CN" altLang="en-US" dirty="0">
+              <a:latin typeface="PingFang SC" panose="020B0400000000000000" pitchFamily="34" charset="-122"/>
+              <a:ea typeface="PingFang SC" panose="020B0400000000000000" pitchFamily="34" charset="-122"/>
+            </a:endParaRPr>
+          </a:p>
+        </p:txBody>
+      </p:sp>
+      <p:sp>
+        <p:nvSpPr>
+          <p:cNvPr id="20" name="矩形 19">
+            <a:extLst>
+              <a:ext uri="{FF2B5EF4-FFF2-40B4-BE49-F238E27FC236}">
+                <a16:creationId xmlns:a16="http://schemas.microsoft.com/office/drawing/2014/main" id="{AC56A12B-E88F-1147-9067-24F717D7F47A}"/>
+              </a:ext>
+            </a:extLst>
+          </p:cNvPr>
+          <p:cNvSpPr/>
+          <p:nvPr/>
+        </p:nvSpPr>
+        <p:spPr>
+          <a:xfrm>
+            <a:off x="5237274" y="3637935"/>
+            <a:ext cx="1766218" cy="499489"/>
+          </a:xfrm>
+          <a:prstGeom prst="rect">
+            <a:avLst/>
+          </a:prstGeom>
+          <a:solidFill>
+            <a:srgbClr val="F17E2F"/>
+          </a:solidFill>
+          <a:ln>
+            <a:noFill/>
+          </a:ln>
+        </p:spPr>
+        <p:style>
+          <a:lnRef idx="1">
+            <a:schemeClr val="accent1"/>
+          </a:lnRef>
+          <a:fillRef idx="3">
+            <a:schemeClr val="accent1"/>
+          </a:fillRef>
+          <a:effectRef idx="2">
+            <a:schemeClr val="accent1"/>
+          </a:effectRef>
+          <a:fontRef idx="minor">
+            <a:schemeClr val="lt1"/>
+          </a:fontRef>
+        </p:style>
+        <p:txBody>
+          <a:bodyPr rtlCol="0" anchor="ctr"/>
+          <a:lstStyle/>
+          <a:p>
+            <a:pPr algn="ctr"/>
+            <a:r>
+              <a:rPr kumimoji="1" lang="zh-Hans" altLang="en-US" dirty="0">
+                <a:latin typeface="PingFang SC" panose="020B0400000000000000" pitchFamily="34" charset="-122"/>
+                <a:ea typeface="PingFang SC" panose="020B0400000000000000" pitchFamily="34" charset="-122"/>
+              </a:rPr>
+              <a:t>二手车</a:t>
+            </a:r>
+            <a:endParaRPr kumimoji="1" lang="zh-CN" altLang="en-US" dirty="0">
+              <a:latin typeface="PingFang SC" panose="020B0400000000000000" pitchFamily="34" charset="-122"/>
+              <a:ea typeface="PingFang SC" panose="020B0400000000000000" pitchFamily="34" charset="-122"/>
+            </a:endParaRPr>
+          </a:p>
+        </p:txBody>
+      </p:sp>
+      <p:sp>
+        <p:nvSpPr>
+          <p:cNvPr id="21" name="矩形 20">
+            <a:extLst>
+              <a:ext uri="{FF2B5EF4-FFF2-40B4-BE49-F238E27FC236}">
+                <a16:creationId xmlns:a16="http://schemas.microsoft.com/office/drawing/2014/main" id="{444DDAA1-BEA5-2346-9154-DFE008F4DFFD}"/>
+              </a:ext>
+            </a:extLst>
+          </p:cNvPr>
+          <p:cNvSpPr/>
+          <p:nvPr/>
+        </p:nvSpPr>
+        <p:spPr>
+          <a:xfrm>
+            <a:off x="5237274" y="4345418"/>
+            <a:ext cx="1766218" cy="499489"/>
+          </a:xfrm>
+          <a:prstGeom prst="rect">
+            <a:avLst/>
+          </a:prstGeom>
+          <a:solidFill>
+            <a:srgbClr val="F17E2F"/>
+          </a:solidFill>
+          <a:ln>
+            <a:noFill/>
+          </a:ln>
+        </p:spPr>
+        <p:style>
+          <a:lnRef idx="1">
+            <a:schemeClr val="accent1"/>
+          </a:lnRef>
+          <a:fillRef idx="3">
+            <a:schemeClr val="accent1"/>
+          </a:fillRef>
+          <a:effectRef idx="2">
+            <a:schemeClr val="accent1"/>
+          </a:effectRef>
+          <a:fontRef idx="minor">
+            <a:schemeClr val="lt1"/>
+          </a:fontRef>
+        </p:style>
+        <p:txBody>
+          <a:bodyPr rtlCol="0" anchor="ctr"/>
+          <a:lstStyle/>
+          <a:p>
+            <a:pPr algn="ctr"/>
+            <a:r>
+              <a:rPr kumimoji="1" lang="zh-Hans" altLang="en-US" dirty="0">
+                <a:latin typeface="PingFang SC" panose="020B0400000000000000" pitchFamily="34" charset="-122"/>
+                <a:ea typeface="PingFang SC" panose="020B0400000000000000" pitchFamily="34" charset="-122"/>
+              </a:rPr>
+              <a:t>招聘</a:t>
+            </a:r>
+            <a:endParaRPr kumimoji="1" lang="zh-CN" altLang="en-US" dirty="0">
+              <a:latin typeface="PingFang SC" panose="020B0400000000000000" pitchFamily="34" charset="-122"/>
+              <a:ea typeface="PingFang SC" panose="020B0400000000000000" pitchFamily="34" charset="-122"/>
+            </a:endParaRPr>
+          </a:p>
+        </p:txBody>
+      </p:sp>
+      <p:sp>
+        <p:nvSpPr>
+          <p:cNvPr id="22" name="矩形 21">
+            <a:extLst>
+              <a:ext uri="{FF2B5EF4-FFF2-40B4-BE49-F238E27FC236}">
+                <a16:creationId xmlns:a16="http://schemas.microsoft.com/office/drawing/2014/main" id="{B12E8CCB-BC08-A34F-AD4F-28C8F4179C9B}"/>
+              </a:ext>
+            </a:extLst>
+          </p:cNvPr>
+          <p:cNvSpPr/>
+          <p:nvPr/>
+        </p:nvSpPr>
+        <p:spPr>
+          <a:xfrm>
+            <a:off x="5237273" y="5032270"/>
+            <a:ext cx="1766218" cy="499489"/>
+          </a:xfrm>
+          <a:prstGeom prst="rect">
+            <a:avLst/>
+          </a:prstGeom>
+          <a:solidFill>
+            <a:srgbClr val="F17E2F"/>
+          </a:solidFill>
+          <a:ln>
+            <a:noFill/>
+          </a:ln>
+        </p:spPr>
+        <p:style>
+          <a:lnRef idx="1">
+            <a:schemeClr val="accent1"/>
+          </a:lnRef>
+          <a:fillRef idx="3">
+            <a:schemeClr val="accent1"/>
+          </a:fillRef>
+          <a:effectRef idx="2">
+            <a:schemeClr val="accent1"/>
+          </a:effectRef>
+          <a:fontRef idx="minor">
+            <a:schemeClr val="lt1"/>
+          </a:fontRef>
+        </p:style>
+        <p:txBody>
+          <a:bodyPr rtlCol="0" anchor="ctr"/>
+          <a:lstStyle/>
+          <a:p>
+            <a:pPr algn="ctr"/>
+            <a:r>
+              <a:rPr kumimoji="1" lang="zh-Hans" altLang="en-US" dirty="0">
+                <a:latin typeface="PingFang SC" panose="020B0400000000000000" pitchFamily="34" charset="-122"/>
+                <a:ea typeface="PingFang SC" panose="020B0400000000000000" pitchFamily="34" charset="-122"/>
+              </a:rPr>
+              <a:t>黄页</a:t>
+            </a:r>
+            <a:endParaRPr kumimoji="1" lang="zh-CN" altLang="en-US" dirty="0">
+              <a:latin typeface="PingFang SC" panose="020B0400000000000000" pitchFamily="34" charset="-122"/>
+              <a:ea typeface="PingFang SC" panose="020B0400000000000000" pitchFamily="34" charset="-122"/>
+            </a:endParaRPr>
+          </a:p>
+        </p:txBody>
+      </p:sp>
+      <p:sp>
+        <p:nvSpPr>
+          <p:cNvPr id="23" name="矩形 22">
+            <a:extLst>
+              <a:ext uri="{FF2B5EF4-FFF2-40B4-BE49-F238E27FC236}">
+                <a16:creationId xmlns:a16="http://schemas.microsoft.com/office/drawing/2014/main" id="{9C943801-FB35-DC43-8D25-68EE36261743}"/>
+              </a:ext>
+            </a:extLst>
+          </p:cNvPr>
+          <p:cNvSpPr/>
+          <p:nvPr/>
+        </p:nvSpPr>
+        <p:spPr>
+          <a:xfrm>
+            <a:off x="5237273" y="5750068"/>
+            <a:ext cx="1766218" cy="499489"/>
+          </a:xfrm>
+          <a:prstGeom prst="rect">
+            <a:avLst/>
+          </a:prstGeom>
+          <a:solidFill>
+            <a:srgbClr val="F17E2F"/>
+          </a:solidFill>
+          <a:ln>
+            <a:noFill/>
+          </a:ln>
+        </p:spPr>
+        <p:style>
+          <a:lnRef idx="1">
+            <a:schemeClr val="accent1"/>
+          </a:lnRef>
+          <a:fillRef idx="3">
+            <a:schemeClr val="accent1"/>
+          </a:fillRef>
+          <a:effectRef idx="2">
+            <a:schemeClr val="accent1"/>
+          </a:effectRef>
+          <a:fontRef idx="minor">
+            <a:schemeClr val="lt1"/>
+          </a:fontRef>
+        </p:style>
+        <p:txBody>
+          <a:bodyPr rtlCol="0" anchor="ctr"/>
+          <a:lstStyle/>
+          <a:p>
+            <a:pPr algn="ctr"/>
+            <a:r>
+              <a:rPr kumimoji="1" lang="en-US" altLang="zh-CN" dirty="0">
+                <a:latin typeface="PingFang SC" panose="020B0400000000000000" pitchFamily="34" charset="-122"/>
+                <a:ea typeface="PingFang SC" panose="020B0400000000000000" pitchFamily="34" charset="-122"/>
+              </a:rPr>
+              <a:t>…</a:t>
+            </a:r>
+            <a:endParaRPr kumimoji="1" lang="zh-CN" altLang="en-US" dirty="0">
+              <a:latin typeface="PingFang SC" panose="020B0400000000000000" pitchFamily="34" charset="-122"/>
+              <a:ea typeface="PingFang SC" panose="020B0400000000000000" pitchFamily="34" charset="-122"/>
+            </a:endParaRPr>
+          </a:p>
+        </p:txBody>
+      </p:sp>
+      <p:sp>
+        <p:nvSpPr>
+          <p:cNvPr id="24" name="矩形 23">
+            <a:extLst>
+              <a:ext uri="{FF2B5EF4-FFF2-40B4-BE49-F238E27FC236}">
+                <a16:creationId xmlns:a16="http://schemas.microsoft.com/office/drawing/2014/main" id="{EFE95793-1934-EC45-BC8A-EEFF00FBE723}"/>
+              </a:ext>
+            </a:extLst>
+          </p:cNvPr>
+          <p:cNvSpPr/>
+          <p:nvPr/>
+        </p:nvSpPr>
+        <p:spPr>
+          <a:xfrm>
+            <a:off x="5237273" y="2170451"/>
+            <a:ext cx="1722471" cy="520120"/>
+          </a:xfrm>
+          <a:prstGeom prst="rect">
+            <a:avLst/>
+          </a:prstGeom>
+          <a:solidFill>
+            <a:srgbClr val="92D050"/>
+          </a:solidFill>
+          <a:ln>
+            <a:noFill/>
+          </a:ln>
+        </p:spPr>
+        <p:style>
+          <a:lnRef idx="1">
+            <a:schemeClr val="accent1"/>
+          </a:lnRef>
+          <a:fillRef idx="3">
+            <a:schemeClr val="accent1"/>
+          </a:fillRef>
+          <a:effectRef idx="2">
+            <a:schemeClr val="accent1"/>
+          </a:effectRef>
+          <a:fontRef idx="minor">
+            <a:schemeClr val="lt1"/>
+          </a:fontRef>
+        </p:style>
+        <p:txBody>
+          <a:bodyPr rtlCol="0" anchor="ctr"/>
+          <a:lstStyle/>
+          <a:p>
+            <a:pPr algn="ctr"/>
+            <a:r>
+              <a:rPr kumimoji="1" lang="zh-Hans" altLang="en-US" dirty="0">
+                <a:latin typeface="PingFang SC" panose="020B0400000000000000" pitchFamily="34" charset="-122"/>
+                <a:ea typeface="PingFang SC" panose="020B0400000000000000" pitchFamily="34" charset="-122"/>
+              </a:rPr>
+              <a:t>二手房</a:t>
+            </a:r>
+            <a:endParaRPr kumimoji="1" lang="zh-CN" altLang="en-US" dirty="0">
+              <a:latin typeface="PingFang SC" panose="020B0400000000000000" pitchFamily="34" charset="-122"/>
+              <a:ea typeface="PingFang SC" panose="020B0400000000000000" pitchFamily="34" charset="-122"/>
+            </a:endParaRPr>
+          </a:p>
+        </p:txBody>
+      </p:sp>
+      <p:sp>
+        <p:nvSpPr>
+          <p:cNvPr id="25" name="矩形 24">
+            <a:extLst>
+              <a:ext uri="{FF2B5EF4-FFF2-40B4-BE49-F238E27FC236}">
+                <a16:creationId xmlns:a16="http://schemas.microsoft.com/office/drawing/2014/main" id="{624342B4-6758-F741-8D08-9A23070A4C8B}"/>
+              </a:ext>
+            </a:extLst>
+          </p:cNvPr>
+          <p:cNvSpPr/>
+          <p:nvPr/>
+        </p:nvSpPr>
+        <p:spPr>
+          <a:xfrm>
+            <a:off x="1514668" y="3637935"/>
+            <a:ext cx="1722471" cy="520120"/>
+          </a:xfrm>
+          <a:prstGeom prst="rect">
+            <a:avLst/>
+          </a:prstGeom>
+          <a:solidFill>
+            <a:srgbClr val="F17E2F"/>
+          </a:solidFill>
+          <a:ln>
+            <a:noFill/>
+          </a:ln>
+        </p:spPr>
+        <p:style>
+          <a:lnRef idx="1">
+            <a:schemeClr val="accent1"/>
+          </a:lnRef>
+          <a:fillRef idx="3">
+            <a:schemeClr val="accent1"/>
+          </a:fillRef>
+          <a:effectRef idx="2">
+            <a:schemeClr val="accent1"/>
+          </a:effectRef>
+          <a:fontRef idx="minor">
+            <a:schemeClr val="lt1"/>
+          </a:fontRef>
+        </p:style>
+        <p:txBody>
+          <a:bodyPr rtlCol="0" anchor="ctr"/>
+          <a:lstStyle/>
+          <a:p>
+            <a:pPr algn="ctr"/>
+            <a:r>
+              <a:rPr kumimoji="1" lang="zh-Hans" altLang="en-US" dirty="0">
+                <a:latin typeface="PingFang SC" panose="020B0400000000000000" pitchFamily="34" charset="-122"/>
+                <a:ea typeface="PingFang SC" panose="020B0400000000000000" pitchFamily="34" charset="-122"/>
+              </a:rPr>
+              <a:t>租房</a:t>
+            </a:r>
+            <a:r>
+              <a:rPr kumimoji="1" lang="en-US" altLang="zh-Hans" dirty="0">
+                <a:latin typeface="PingFang SC" panose="020B0400000000000000" pitchFamily="34" charset="-122"/>
+                <a:ea typeface="PingFang SC" panose="020B0400000000000000" pitchFamily="34" charset="-122"/>
+              </a:rPr>
+              <a:t>/</a:t>
+            </a:r>
+            <a:r>
+              <a:rPr kumimoji="1" lang="zh-Hans" altLang="en-US" dirty="0">
+                <a:latin typeface="PingFang SC" panose="020B0400000000000000" pitchFamily="34" charset="-122"/>
+                <a:ea typeface="PingFang SC" panose="020B0400000000000000" pitchFamily="34" charset="-122"/>
+              </a:rPr>
+              <a:t>商业地产</a:t>
+            </a:r>
+            <a:endParaRPr kumimoji="1" lang="zh-CN" altLang="en-US" dirty="0">
+              <a:latin typeface="PingFang SC" panose="020B0400000000000000" pitchFamily="34" charset="-122"/>
+              <a:ea typeface="PingFang SC" panose="020B0400000000000000" pitchFamily="34" charset="-122"/>
+            </a:endParaRPr>
+          </a:p>
+        </p:txBody>
+      </p:sp>
+    </p:spTree>
+    <p:custDataLst>
+      <p:tags r:id="rId1"/>
+    </p:custDataLst>
+    <p:extLst>
+      <p:ext uri="{BB962C8B-B14F-4D97-AF65-F5344CB8AC3E}">
+        <p14:creationId xmlns:p14="http://schemas.microsoft.com/office/powerpoint/2010/main" val="3093181918"/>
+      </p:ext>
+    </p:extLst>
+  </p:cSld>
+  <p:clrMapOvr>
+    <a:masterClrMapping/>
+  </p:clrMapOvr>
+</p:sld>
+</file>
+
+<file path=ppt/slides/slide6.xml><?xml version="1.0" encoding="utf-8"?>
+<p:sld xmlns:a="http://schemas.openxmlformats.org/drawingml/2006/main" xmlns:r="http://schemas.openxmlformats.org/officeDocument/2006/relationships" xmlns:p="http://schemas.openxmlformats.org/presentationml/2006/main">
+  <p:cSld>
+    <p:spTree>
+      <p:nvGrpSpPr>
+        <p:cNvPr id="1" name=""/>
+        <p:cNvGrpSpPr/>
+        <p:nvPr/>
+      </p:nvGrpSpPr>
+      <p:grpSpPr>
+        <a:xfrm>
+          <a:off x="0" y="0"/>
+          <a:ext cx="0" cy="0"/>
+          <a:chOff x="0" y="0"/>
+          <a:chExt cx="0" cy="0"/>
+        </a:xfrm>
+      </p:grpSpPr>
+      <p:pic>
+        <p:nvPicPr>
+          <p:cNvPr id="2" name="图片 1"/>
+          <p:cNvPicPr>
+            <a:picLocks noChangeAspect="1"/>
+          </p:cNvPicPr>
+          <p:nvPr/>
+        </p:nvPicPr>
+        <p:blipFill>
+          <a:blip r:embed="rId4" cstate="email"/>
+          <a:stretch>
+            <a:fillRect/>
+          </a:stretch>
+        </p:blipFill>
+        <p:spPr>
+          <a:xfrm>
+            <a:off x="714" y="0"/>
+            <a:ext cx="9142571" cy="6858000"/>
+          </a:xfrm>
+          <a:prstGeom prst="rect">
+            <a:avLst/>
+          </a:prstGeom>
+          <a:noFill/>
+          <a:ln>
+            <a:solidFill>
+              <a:schemeClr val="tx1"/>
+            </a:solidFill>
+          </a:ln>
+        </p:spPr>
+      </p:pic>
+      <p:sp>
+        <p:nvSpPr>
+          <p:cNvPr id="6" name="灯片编号占位符 4"/>
+          <p:cNvSpPr>
+            <a:spLocks noGrp="1"/>
+          </p:cNvSpPr>
+          <p:nvPr>
+            <p:ph type="sldNum" sz="quarter" idx="12"/>
+          </p:nvPr>
+        </p:nvSpPr>
+        <p:spPr>
+          <a:xfrm>
+            <a:off x="6120384" y="6413183"/>
+            <a:ext cx="2133600" cy="274637"/>
+          </a:xfrm>
+        </p:spPr>
+        <p:txBody>
+          <a:bodyPr/>
+          <a:lstStyle>
+            <a:lvl1pPr eaLnBrk="0" hangingPunct="0">
+              <a:defRPr>
+                <a:solidFill>
+                  <a:schemeClr val="tx1"/>
+                </a:solidFill>
+                <a:latin typeface="Arial" panose="020B0604020202090204" pitchFamily="34" charset="0"/>
+                <a:ea typeface="宋体" charset="-122"/>
+              </a:defRPr>
+            </a:lvl1pPr>
+            <a:lvl2pPr marL="742950" indent="-285750" eaLnBrk="0" hangingPunct="0">
+              <a:defRPr>
+                <a:solidFill>
+                  <a:schemeClr val="tx1"/>
+                </a:solidFill>
+                <a:latin typeface="Arial" panose="020B0604020202090204" pitchFamily="34" charset="0"/>
+                <a:ea typeface="宋体" charset="-122"/>
+              </a:defRPr>
+            </a:lvl2pPr>
+            <a:lvl3pPr marL="1143000" indent="-228600" eaLnBrk="0" hangingPunct="0">
+              <a:defRPr>
+                <a:solidFill>
+                  <a:schemeClr val="tx1"/>
+                </a:solidFill>
+                <a:latin typeface="Arial" panose="020B0604020202090204" pitchFamily="34" charset="0"/>
+                <a:ea typeface="宋体" charset="-122"/>
+              </a:defRPr>
+            </a:lvl3pPr>
+            <a:lvl4pPr marL="1600200" indent="-228600" eaLnBrk="0" hangingPunct="0">
+              <a:defRPr>
+                <a:solidFill>
+                  <a:schemeClr val="tx1"/>
+                </a:solidFill>
+                <a:latin typeface="Arial" panose="020B0604020202090204" pitchFamily="34" charset="0"/>
+                <a:ea typeface="宋体" charset="-122"/>
+              </a:defRPr>
+            </a:lvl4pPr>
+            <a:lvl5pPr marL="2057400" indent="-228600" eaLnBrk="0" hangingPunct="0">
+              <a:defRPr>
+                <a:solidFill>
+                  <a:schemeClr val="tx1"/>
+                </a:solidFill>
+                <a:latin typeface="Arial" panose="020B0604020202090204" pitchFamily="34" charset="0"/>
+                <a:ea typeface="宋体" charset="-122"/>
+              </a:defRPr>
+            </a:lvl5pPr>
+            <a:lvl6pPr marL="2514600" indent="-228600" defTabSz="457200" eaLnBrk="0" fontAlgn="base" hangingPunct="0">
+              <a:spcBef>
+                <a:spcPct val="0"/>
+              </a:spcBef>
+              <a:spcAft>
+                <a:spcPct val="0"/>
+              </a:spcAft>
+              <a:defRPr>
+                <a:solidFill>
+                  <a:schemeClr val="tx1"/>
+                </a:solidFill>
+                <a:latin typeface="Arial" panose="020B0604020202090204" pitchFamily="34" charset="0"/>
+                <a:ea typeface="宋体" charset="-122"/>
+              </a:defRPr>
+            </a:lvl6pPr>
+            <a:lvl7pPr marL="2971800" indent="-228600" defTabSz="457200" eaLnBrk="0" fontAlgn="base" hangingPunct="0">
+              <a:spcBef>
+                <a:spcPct val="0"/>
+              </a:spcBef>
+              <a:spcAft>
+                <a:spcPct val="0"/>
+              </a:spcAft>
+              <a:defRPr>
+                <a:solidFill>
+                  <a:schemeClr val="tx1"/>
+                </a:solidFill>
+                <a:latin typeface="Arial" panose="020B0604020202090204" pitchFamily="34" charset="0"/>
+                <a:ea typeface="宋体" charset="-122"/>
+              </a:defRPr>
+            </a:lvl7pPr>
+            <a:lvl8pPr marL="3429000" indent="-228600" defTabSz="457200" eaLnBrk="0" fontAlgn="base" hangingPunct="0">
+              <a:spcBef>
+                <a:spcPct val="0"/>
+              </a:spcBef>
+              <a:spcAft>
+                <a:spcPct val="0"/>
+              </a:spcAft>
+              <a:defRPr>
+                <a:solidFill>
+                  <a:schemeClr val="tx1"/>
+                </a:solidFill>
+                <a:latin typeface="Arial" panose="020B0604020202090204" pitchFamily="34" charset="0"/>
+                <a:ea typeface="宋体" charset="-122"/>
+              </a:defRPr>
+            </a:lvl8pPr>
+            <a:lvl9pPr marL="3886200" indent="-228600" defTabSz="457200" eaLnBrk="0" fontAlgn="base" hangingPunct="0">
+              <a:spcBef>
+                <a:spcPct val="0"/>
+              </a:spcBef>
+              <a:spcAft>
+                <a:spcPct val="0"/>
+              </a:spcAft>
+              <a:defRPr>
+                <a:solidFill>
+                  <a:schemeClr val="tx1"/>
+                </a:solidFill>
+                <a:latin typeface="Arial" panose="020B0604020202090204" pitchFamily="34" charset="0"/>
+                <a:ea typeface="宋体" charset="-122"/>
+              </a:defRPr>
+            </a:lvl9pPr>
+          </a:lstStyle>
+          <a:p>
+            <a:pPr marL="0" marR="0" lvl="0" indent="0" algn="r" defTabSz="457200" rtl="0" eaLnBrk="1" fontAlgn="auto" latinLnBrk="0" hangingPunct="1">
+              <a:lnSpc>
+                <a:spcPct val="100000"/>
+              </a:lnSpc>
+              <a:spcBef>
+                <a:spcPts val="0"/>
+              </a:spcBef>
+              <a:spcAft>
+                <a:spcPts val="0"/>
+              </a:spcAft>
+              <a:buClrTx/>
+              <a:buSzTx/>
+              <a:buFontTx/>
+              <a:buNone/>
+              <a:defRPr/>
+            </a:pPr>
+            <a:fld id="{3F1E42E4-90F7-C348-9C7D-352344EF35F9}" type="slidenum">
+              <a:rPr kumimoji="0" lang="zh-CN" altLang="en-US" sz="1200" b="0" i="0" u="none" strike="noStrike" kern="1200" cap="none" spc="0" normalizeH="0" baseline="0" noProof="0">
+                <a:ln>
+                  <a:noFill/>
+                </a:ln>
+                <a:solidFill>
+                  <a:srgbClr val="898989"/>
+                </a:solidFill>
+                <a:effectLst/>
+                <a:uLnTx/>
+                <a:uFillTx/>
+                <a:latin typeface="Arial" panose="020B0604020202090204" pitchFamily="34" charset="0"/>
+                <a:ea typeface="微软雅黑" charset="-122"/>
+                <a:cs typeface="+mn-cs"/>
+              </a:rPr>
+              <a:t>6</a:t>
+            </a:fld>
+            <a:endParaRPr kumimoji="0" lang="zh-CN" altLang="en-US" sz="1200" b="0" i="0" u="none" strike="noStrike" kern="1200" cap="none" spc="0" normalizeH="0" baseline="0" noProof="0" dirty="0">
+              <a:ln>
+                <a:noFill/>
+              </a:ln>
+              <a:solidFill>
+                <a:srgbClr val="898989"/>
+              </a:solidFill>
+              <a:effectLst/>
+              <a:uLnTx/>
+              <a:uFillTx/>
+              <a:latin typeface="Arial" panose="020B0604020202090204" pitchFamily="34" charset="0"/>
+              <a:ea typeface="微软雅黑" charset="-122"/>
+              <a:cs typeface="+mn-cs"/>
+            </a:endParaRPr>
+          </a:p>
+        </p:txBody>
+      </p:sp>
+      <p:sp>
+        <p:nvSpPr>
+          <p:cNvPr id="7" name="标题 1"/>
+          <p:cNvSpPr txBox="1"/>
+          <p:nvPr/>
+        </p:nvSpPr>
+        <p:spPr>
+          <a:xfrm>
+            <a:off x="250825" y="89645"/>
+            <a:ext cx="8278495" cy="782955"/>
+          </a:xfrm>
+          <a:prstGeom prst="rect">
+            <a:avLst/>
+          </a:prstGeom>
+        </p:spPr>
+        <p:txBody>
+          <a:bodyPr/>
+          <a:lstStyle>
+            <a:lvl1pPr algn="ctr" defTabSz="457200" rtl="0" eaLnBrk="1" latinLnBrk="0" hangingPunct="1">
+              <a:spcBef>
+                <a:spcPct val="0"/>
+              </a:spcBef>
+              <a:buNone/>
+              <a:defRPr sz="4400" kern="1200">
+                <a:solidFill>
+                  <a:schemeClr val="tx1"/>
+                </a:solidFill>
+                <a:latin typeface="+mj-lt"/>
+                <a:ea typeface="+mj-ea"/>
+                <a:cs typeface="+mj-cs"/>
+              </a:defRPr>
+            </a:lvl1pPr>
+          </a:lstStyle>
+          <a:p>
+            <a:pPr marL="0" marR="0" lvl="0" indent="0" algn="l" defTabSz="457200" rtl="0" eaLnBrk="1" fontAlgn="auto" latinLnBrk="0" hangingPunct="1">
+              <a:lnSpc>
+                <a:spcPct val="150000"/>
+              </a:lnSpc>
+              <a:spcBef>
+                <a:spcPts val="0"/>
+              </a:spcBef>
+              <a:spcAft>
+                <a:spcPts val="0"/>
+              </a:spcAft>
+              <a:buClrTx/>
+              <a:buSzTx/>
+              <a:buFontTx/>
+              <a:buNone/>
+              <a:defRPr/>
+            </a:pPr>
+            <a:r>
+              <a:rPr kumimoji="0" lang="zh-Hans" altLang="en-US" sz="2400" b="1" i="0" u="none" strike="noStrike" kern="1200" cap="none" spc="0" normalizeH="0" baseline="0" noProof="0" dirty="0">
+                <a:ln>
+                  <a:noFill/>
+                </a:ln>
+                <a:solidFill>
+                  <a:prstClr val="black"/>
+                </a:solidFill>
+                <a:effectLst/>
+                <a:uLnTx/>
+                <a:uFillTx/>
+                <a:latin typeface="苹方-简" panose="020B0400000000000000" charset="-122"/>
+                <a:ea typeface="苹方-简" panose="020B0400000000000000" charset="-122"/>
+              </a:rPr>
+              <a:t>木星计划</a:t>
+            </a:r>
+            <a:r>
+              <a:rPr kumimoji="0" lang="en-US" altLang="zh-Hans" sz="2400" b="1" i="0" u="none" strike="noStrike" kern="1200" cap="none" spc="0" normalizeH="0" baseline="0" noProof="0" dirty="0">
+                <a:ln>
+                  <a:noFill/>
+                </a:ln>
+                <a:solidFill>
+                  <a:prstClr val="black"/>
+                </a:solidFill>
+                <a:effectLst/>
+                <a:uLnTx/>
+                <a:uFillTx/>
+                <a:latin typeface="苹方-简" panose="020B0400000000000000" charset="-122"/>
+                <a:ea typeface="苹方-简" panose="020B0400000000000000" charset="-122"/>
+              </a:rPr>
+              <a:t>-</a:t>
+            </a:r>
+            <a:r>
+              <a:rPr kumimoji="0" lang="zh-Hans" altLang="en-US" sz="2400" b="1" i="0" u="none" strike="noStrike" kern="1200" cap="none" spc="0" normalizeH="0" baseline="0" noProof="0" dirty="0">
+                <a:ln>
+                  <a:noFill/>
+                </a:ln>
+                <a:solidFill>
+                  <a:prstClr val="black"/>
+                </a:solidFill>
+                <a:effectLst/>
+                <a:uLnTx/>
+                <a:uFillTx/>
+                <a:latin typeface="苹方-简" panose="020B0400000000000000" charset="-122"/>
+                <a:ea typeface="苹方-简" panose="020B0400000000000000" charset="-122"/>
+              </a:rPr>
+              <a:t>第一阶段</a:t>
+            </a:r>
+            <a:endParaRPr kumimoji="0" lang="en-US" altLang="zh-CN" sz="2400" b="1" i="0" u="none" strike="noStrike" kern="1200" cap="none" spc="0" normalizeH="0" baseline="0" noProof="0" dirty="0">
+              <a:ln>
+                <a:noFill/>
+              </a:ln>
+              <a:solidFill>
+                <a:prstClr val="black"/>
+              </a:solidFill>
+              <a:effectLst/>
+              <a:uLnTx/>
+              <a:uFillTx/>
+              <a:latin typeface="苹方-简" panose="020B0400000000000000" charset="-122"/>
+              <a:ea typeface="苹方-简" panose="020B0400000000000000" charset="-122"/>
+            </a:endParaRPr>
+          </a:p>
+        </p:txBody>
+      </p:sp>
+      <p:sp>
+        <p:nvSpPr>
+          <p:cNvPr id="9" name="内容占位符 2"/>
+          <p:cNvSpPr txBox="1"/>
+          <p:nvPr/>
+        </p:nvSpPr>
+        <p:spPr>
+          <a:xfrm>
+            <a:off x="24384" y="934691"/>
+            <a:ext cx="8229600" cy="669520"/>
+          </a:xfrm>
+          <a:prstGeom prst="rect">
+            <a:avLst/>
+          </a:prstGeom>
+        </p:spPr>
+        <p:txBody>
+          <a:bodyPr/>
+          <a:lstStyle>
+            <a:lvl1pPr marL="342900" indent="-342900" algn="l" defTabSz="457200" rtl="0" eaLnBrk="1" latinLnBrk="0" hangingPunct="1">
+              <a:spcBef>
+                <a:spcPct val="20000"/>
+              </a:spcBef>
+              <a:buFont typeface="Arial" panose="020B0604020202090204"/>
+              <a:buChar char="•"/>
+              <a:defRPr sz="3200" kern="1200">
+                <a:solidFill>
+                  <a:schemeClr val="tx1"/>
+                </a:solidFill>
+                <a:latin typeface="+mn-lt"/>
+                <a:ea typeface="+mn-ea"/>
+                <a:cs typeface="+mn-cs"/>
+              </a:defRPr>
+            </a:lvl1pPr>
+            <a:lvl2pPr marL="742950" indent="-285750" algn="l" defTabSz="457200" rtl="0" eaLnBrk="1" latinLnBrk="0" hangingPunct="1">
+              <a:spcBef>
+                <a:spcPct val="20000"/>
+              </a:spcBef>
+              <a:buFont typeface="Arial" panose="020B0604020202090204"/>
+              <a:buChar char="–"/>
+              <a:defRPr sz="2800" kern="1200">
+                <a:solidFill>
+                  <a:schemeClr val="tx1"/>
+                </a:solidFill>
+                <a:latin typeface="+mn-lt"/>
+                <a:ea typeface="+mn-ea"/>
+                <a:cs typeface="+mn-cs"/>
+              </a:defRPr>
+            </a:lvl2pPr>
+            <a:lvl3pPr marL="1143000" indent="-228600" algn="l" defTabSz="457200" rtl="0" eaLnBrk="1" latinLnBrk="0" hangingPunct="1">
+              <a:spcBef>
+                <a:spcPct val="20000"/>
+              </a:spcBef>
+              <a:buFont typeface="Arial" panose="020B0604020202090204"/>
+              <a:buChar char="•"/>
+              <a:defRPr sz="2400" kern="1200">
+                <a:solidFill>
+                  <a:schemeClr val="tx1"/>
+                </a:solidFill>
+                <a:latin typeface="+mn-lt"/>
+                <a:ea typeface="+mn-ea"/>
+                <a:cs typeface="+mn-cs"/>
+              </a:defRPr>
+            </a:lvl3pPr>
+            <a:lvl4pPr marL="1600200" indent="-228600" algn="l" defTabSz="457200" rtl="0" eaLnBrk="1" latinLnBrk="0" hangingPunct="1">
+              <a:spcBef>
+                <a:spcPct val="20000"/>
+              </a:spcBef>
+              <a:buFont typeface="Arial" panose="020B0604020202090204"/>
+              <a:buChar char="–"/>
+              <a:defRPr sz="2000" kern="1200">
+                <a:solidFill>
+                  <a:schemeClr val="tx1"/>
+                </a:solidFill>
+                <a:latin typeface="+mn-lt"/>
+                <a:ea typeface="+mn-ea"/>
+                <a:cs typeface="+mn-cs"/>
+              </a:defRPr>
+            </a:lvl4pPr>
+            <a:lvl5pPr marL="2057400" indent="-228600" algn="l" defTabSz="457200" rtl="0" eaLnBrk="1" latinLnBrk="0" hangingPunct="1">
+              <a:spcBef>
+                <a:spcPct val="20000"/>
+              </a:spcBef>
+              <a:buFont typeface="Arial" panose="020B0604020202090204"/>
+              <a:buChar char="»"/>
+              <a:defRPr sz="2000" kern="1200">
+                <a:solidFill>
+                  <a:schemeClr val="tx1"/>
+                </a:solidFill>
+                <a:latin typeface="+mn-lt"/>
+                <a:ea typeface="+mn-ea"/>
+                <a:cs typeface="+mn-cs"/>
+              </a:defRPr>
+            </a:lvl5pPr>
+            <a:lvl6pPr marL="2514600" indent="-228600" algn="l" defTabSz="457200" rtl="0" eaLnBrk="1" latinLnBrk="0" hangingPunct="1">
+              <a:spcBef>
+                <a:spcPct val="20000"/>
+              </a:spcBef>
+              <a:buFont typeface="Arial" panose="020B0604020202090204"/>
+              <a:buChar char="•"/>
+              <a:defRPr sz="2000" kern="1200">
+                <a:solidFill>
+                  <a:schemeClr val="tx1"/>
+                </a:solidFill>
+                <a:latin typeface="+mn-lt"/>
+                <a:ea typeface="+mn-ea"/>
+                <a:cs typeface="+mn-cs"/>
+              </a:defRPr>
+            </a:lvl6pPr>
+            <a:lvl7pPr marL="2971800" indent="-228600" algn="l" defTabSz="457200" rtl="0" eaLnBrk="1" latinLnBrk="0" hangingPunct="1">
+              <a:spcBef>
+                <a:spcPct val="20000"/>
+              </a:spcBef>
+              <a:buFont typeface="Arial" panose="020B0604020202090204"/>
+              <a:buChar char="•"/>
+              <a:defRPr sz="2000" kern="1200">
+                <a:solidFill>
+                  <a:schemeClr val="tx1"/>
+                </a:solidFill>
+                <a:latin typeface="+mn-lt"/>
+                <a:ea typeface="+mn-ea"/>
+                <a:cs typeface="+mn-cs"/>
+              </a:defRPr>
+            </a:lvl7pPr>
+            <a:lvl8pPr marL="3429000" indent="-228600" algn="l" defTabSz="457200" rtl="0" eaLnBrk="1" latinLnBrk="0" hangingPunct="1">
+              <a:spcBef>
+                <a:spcPct val="20000"/>
+              </a:spcBef>
+              <a:buFont typeface="Arial" panose="020B0604020202090204"/>
+              <a:buChar char="•"/>
+              <a:defRPr sz="2000" kern="1200">
+                <a:solidFill>
+                  <a:schemeClr val="tx1"/>
+                </a:solidFill>
+                <a:latin typeface="+mn-lt"/>
+                <a:ea typeface="+mn-ea"/>
+                <a:cs typeface="+mn-cs"/>
+              </a:defRPr>
+            </a:lvl8pPr>
+            <a:lvl9pPr marL="3886200" indent="-228600" algn="l" defTabSz="457200" rtl="0" eaLnBrk="1" latinLnBrk="0" hangingPunct="1">
+              <a:spcBef>
+                <a:spcPct val="20000"/>
+              </a:spcBef>
+              <a:buFont typeface="Arial" panose="020B0604020202090204"/>
+              <a:buChar char="•"/>
+              <a:defRPr sz="2000" kern="1200">
+                <a:solidFill>
+                  <a:schemeClr val="tx1"/>
+                </a:solidFill>
+                <a:latin typeface="+mn-lt"/>
+                <a:ea typeface="+mn-ea"/>
+                <a:cs typeface="+mn-cs"/>
+              </a:defRPr>
+            </a:lvl9pPr>
+          </a:lstStyle>
+          <a:p>
+            <a:pPr marL="342900" marR="0" lvl="0" indent="-342900" algn="l" defTabSz="457200" rtl="0" eaLnBrk="1" fontAlgn="auto" latinLnBrk="0" hangingPunct="1">
+              <a:lnSpc>
+                <a:spcPct val="130000"/>
+              </a:lnSpc>
+              <a:spcBef>
+                <a:spcPct val="20000"/>
+              </a:spcBef>
+              <a:spcAft>
+                <a:spcPts val="0"/>
+              </a:spcAft>
+              <a:buClrTx/>
+              <a:buSzTx/>
+              <a:buFont typeface="Wingdings" panose="05000000000000000000" pitchFamily="2" charset="2"/>
+              <a:buChar char="l"/>
+              <a:defRPr/>
+            </a:pPr>
+            <a:endParaRPr kumimoji="0" lang="en-US" altLang="zh-CN" sz="1800" b="0" i="0" u="none" strike="noStrike" kern="1200" cap="none" spc="0" normalizeH="0" baseline="0" noProof="0" dirty="0">
+              <a:ln>
+                <a:noFill/>
+              </a:ln>
+              <a:solidFill>
+                <a:prstClr val="black"/>
+              </a:solidFill>
+              <a:effectLst/>
+              <a:uLnTx/>
+              <a:uFillTx/>
+              <a:latin typeface="Calibri"/>
+              <a:ea typeface="微软雅黑" charset="-122"/>
+              <a:cs typeface="+mn-cs"/>
+            </a:endParaRPr>
+          </a:p>
+          <a:p>
+            <a:pPr marL="0" marR="0" lvl="0" indent="0" algn="l" defTabSz="457200" rtl="0" eaLnBrk="1" fontAlgn="auto" latinLnBrk="0" hangingPunct="1">
+              <a:lnSpc>
+                <a:spcPct val="130000"/>
+              </a:lnSpc>
+              <a:spcBef>
+                <a:spcPct val="20000"/>
+              </a:spcBef>
+              <a:spcAft>
+                <a:spcPts val="0"/>
+              </a:spcAft>
+              <a:buClrTx/>
+              <a:buSzTx/>
+              <a:buFont typeface="Arial" panose="020B0604020202090204"/>
+              <a:buNone/>
+              <a:defRPr/>
+            </a:pPr>
+            <a:endParaRPr kumimoji="0" lang="en-US" altLang="zh-CN" sz="1800" b="1" i="0" u="none" strike="noStrike" kern="1200" cap="none" spc="0" normalizeH="0" baseline="0" noProof="0" dirty="0">
+              <a:ln>
+                <a:noFill/>
+              </a:ln>
+              <a:solidFill>
+                <a:prstClr val="black"/>
+              </a:solidFill>
+              <a:effectLst/>
+              <a:uLnTx/>
+              <a:uFillTx/>
+              <a:latin typeface="Calibri"/>
+              <a:ea typeface="微软雅黑" charset="-122"/>
+              <a:cs typeface="+mn-cs"/>
+            </a:endParaRPr>
+          </a:p>
+          <a:p>
+            <a:pPr marL="0" marR="0" lvl="0" indent="0" algn="l" defTabSz="457200" rtl="0" eaLnBrk="1" fontAlgn="auto" latinLnBrk="0" hangingPunct="1">
+              <a:lnSpc>
+                <a:spcPct val="130000"/>
+              </a:lnSpc>
+              <a:spcBef>
+                <a:spcPct val="20000"/>
+              </a:spcBef>
+              <a:spcAft>
+                <a:spcPts val="0"/>
+              </a:spcAft>
+              <a:buClrTx/>
+              <a:buSzTx/>
+              <a:buFont typeface="Arial" panose="020B0604020202090204"/>
+              <a:buNone/>
+              <a:defRPr/>
+            </a:pPr>
+            <a:endParaRPr kumimoji="0" lang="en-US" altLang="zh-CN" sz="1800" b="1" i="0" u="none" strike="noStrike" kern="1200" cap="none" spc="0" normalizeH="0" baseline="0" noProof="0" dirty="0">
+              <a:ln>
+                <a:noFill/>
+              </a:ln>
+              <a:solidFill>
+                <a:prstClr val="black"/>
+              </a:solidFill>
+              <a:effectLst/>
+              <a:uLnTx/>
+              <a:uFillTx/>
+              <a:latin typeface="Calibri"/>
+              <a:ea typeface="微软雅黑" charset="-122"/>
+              <a:cs typeface="+mn-cs"/>
+            </a:endParaRPr>
+          </a:p>
+        </p:txBody>
+      </p:sp>
+      <p:pic>
+        <p:nvPicPr>
+          <p:cNvPr id="8" name="Picture 1" descr="page16image55775392">
+            <a:extLst>
+              <a:ext uri="{FF2B5EF4-FFF2-40B4-BE49-F238E27FC236}">
+                <a16:creationId xmlns:a16="http://schemas.microsoft.com/office/drawing/2014/main" id="{A0D8EDB9-6BF4-EC46-B98C-46F0A7199176}"/>
+              </a:ext>
+            </a:extLst>
+          </p:cNvPr>
+          <p:cNvPicPr>
+            <a:picLocks noChangeAspect="1" noChangeArrowheads="1"/>
+          </p:cNvPicPr>
+          <p:nvPr/>
+        </p:nvPicPr>
+        <p:blipFill>
+          <a:blip r:embed="rId5">
+            <a:extLst>
+              <a:ext uri="{28A0092B-C50C-407E-A947-70E740481C1C}">
+                <a14:useLocalDpi xmlns:a14="http://schemas.microsoft.com/office/drawing/2010/main" val="0"/>
+              </a:ext>
+            </a:extLst>
+          </a:blip>
+          <a:srcRect/>
+          <a:stretch>
+            <a:fillRect/>
+          </a:stretch>
+        </p:blipFill>
+        <p:spPr bwMode="auto">
+          <a:xfrm>
+            <a:off x="2306963" y="3053889"/>
+            <a:ext cx="824400" cy="824400"/>
+          </a:xfrm>
+          <a:prstGeom prst="rect">
+            <a:avLst/>
+          </a:prstGeom>
+          <a:noFill/>
+          <a:extLst>
+            <a:ext uri="{909E8E84-426E-40DD-AFC4-6F175D3DCCD1}">
+              <a14:hiddenFill xmlns:a14="http://schemas.microsoft.com/office/drawing/2010/main">
+                <a:solidFill>
+                  <a:srgbClr val="FFFFFF"/>
+                </a:solidFill>
+              </a14:hiddenFill>
+            </a:ext>
+          </a:extLst>
+        </p:spPr>
+      </p:pic>
+      <p:pic>
+        <p:nvPicPr>
+          <p:cNvPr id="10" name="Picture 3" descr="page16image55775280">
+            <a:extLst>
+              <a:ext uri="{FF2B5EF4-FFF2-40B4-BE49-F238E27FC236}">
+                <a16:creationId xmlns:a16="http://schemas.microsoft.com/office/drawing/2014/main" id="{A10FC5C8-B45A-B049-877B-72EABBC07E4B}"/>
+              </a:ext>
+            </a:extLst>
+          </p:cNvPr>
+          <p:cNvPicPr>
+            <a:picLocks noChangeAspect="1" noChangeArrowheads="1"/>
+          </p:cNvPicPr>
+          <p:nvPr/>
+        </p:nvPicPr>
+        <p:blipFill>
+          <a:blip r:embed="rId6">
+            <a:extLst>
+              <a:ext uri="{28A0092B-C50C-407E-A947-70E740481C1C}">
+                <a14:useLocalDpi xmlns:a14="http://schemas.microsoft.com/office/drawing/2010/main" val="0"/>
+              </a:ext>
+            </a:extLst>
+          </a:blip>
+          <a:srcRect/>
+          <a:stretch>
+            <a:fillRect/>
+          </a:stretch>
+        </p:blipFill>
+        <p:spPr bwMode="auto">
+          <a:xfrm>
+            <a:off x="5574278" y="2967673"/>
+            <a:ext cx="824400" cy="824400"/>
+          </a:xfrm>
+          <a:prstGeom prst="rect">
+            <a:avLst/>
+          </a:prstGeom>
+          <a:noFill/>
+          <a:extLst>
+            <a:ext uri="{909E8E84-426E-40DD-AFC4-6F175D3DCCD1}">
+              <a14:hiddenFill xmlns:a14="http://schemas.microsoft.com/office/drawing/2010/main">
+                <a:solidFill>
+                  <a:srgbClr val="FFFFFF"/>
+                </a:solidFill>
+              </a14:hiddenFill>
+            </a:ext>
+          </a:extLst>
+        </p:spPr>
+      </p:pic>
+      <p:sp>
+        <p:nvSpPr>
+          <p:cNvPr id="11" name="矩形 10">
+            <a:extLst>
+              <a:ext uri="{FF2B5EF4-FFF2-40B4-BE49-F238E27FC236}">
+                <a16:creationId xmlns:a16="http://schemas.microsoft.com/office/drawing/2014/main" id="{C7ED7EB6-69A4-CC4B-B0E8-BBACA41617E3}"/>
+              </a:ext>
+            </a:extLst>
+          </p:cNvPr>
+          <p:cNvSpPr/>
+          <p:nvPr/>
+        </p:nvSpPr>
+        <p:spPr>
+          <a:xfrm>
+            <a:off x="1857927" y="4120227"/>
+            <a:ext cx="1722471" cy="520120"/>
+          </a:xfrm>
+          <a:prstGeom prst="rect">
+            <a:avLst/>
+          </a:prstGeom>
+          <a:solidFill>
+            <a:srgbClr val="92D050"/>
+          </a:solidFill>
+          <a:ln>
+            <a:noFill/>
+          </a:ln>
+        </p:spPr>
+        <p:style>
+          <a:lnRef idx="1">
+            <a:schemeClr val="accent1"/>
+          </a:lnRef>
+          <a:fillRef idx="3">
+            <a:schemeClr val="accent1"/>
+          </a:fillRef>
+          <a:effectRef idx="2">
+            <a:schemeClr val="accent1"/>
+          </a:effectRef>
+          <a:fontRef idx="minor">
+            <a:schemeClr val="lt1"/>
+          </a:fontRef>
+        </p:style>
+        <p:txBody>
+          <a:bodyPr rtlCol="0" anchor="ctr"/>
+          <a:lstStyle/>
+          <a:p>
+            <a:pPr algn="ctr"/>
+            <a:r>
+              <a:rPr kumimoji="1" lang="zh-Hans" altLang="en-US" dirty="0">
+                <a:latin typeface="PingFang SC" panose="020B0400000000000000" pitchFamily="34" charset="-122"/>
+                <a:ea typeface="PingFang SC" panose="020B0400000000000000" pitchFamily="34" charset="-122"/>
+              </a:rPr>
+              <a:t>小区</a:t>
+            </a:r>
+            <a:r>
+              <a:rPr kumimoji="1" lang="en-US" altLang="zh-Hans" dirty="0">
+                <a:latin typeface="PingFang SC" panose="020B0400000000000000" pitchFamily="34" charset="-122"/>
+                <a:ea typeface="PingFang SC" panose="020B0400000000000000" pitchFamily="34" charset="-122"/>
+              </a:rPr>
+              <a:t>/</a:t>
+            </a:r>
+            <a:r>
+              <a:rPr kumimoji="1" lang="zh-Hans" altLang="en-US" dirty="0">
+                <a:latin typeface="PingFang SC" panose="020B0400000000000000" pitchFamily="34" charset="-122"/>
+                <a:ea typeface="PingFang SC" panose="020B0400000000000000" pitchFamily="34" charset="-122"/>
+              </a:rPr>
+              <a:t>房源模块</a:t>
+            </a:r>
+            <a:endParaRPr kumimoji="1" lang="zh-CN" altLang="en-US" dirty="0">
+              <a:latin typeface="PingFang SC" panose="020B0400000000000000" pitchFamily="34" charset="-122"/>
+              <a:ea typeface="PingFang SC" panose="020B0400000000000000" pitchFamily="34" charset="-122"/>
+            </a:endParaRPr>
+          </a:p>
+        </p:txBody>
+      </p:sp>
+      <p:sp>
+        <p:nvSpPr>
+          <p:cNvPr id="3" name="文本框 2">
+            <a:extLst>
+              <a:ext uri="{FF2B5EF4-FFF2-40B4-BE49-F238E27FC236}">
+                <a16:creationId xmlns:a16="http://schemas.microsoft.com/office/drawing/2014/main" id="{1A6313C2-BD62-CC40-BCA0-4BBBA2887FA5}"/>
+              </a:ext>
+            </a:extLst>
+          </p:cNvPr>
+          <p:cNvSpPr txBox="1"/>
+          <p:nvPr/>
+        </p:nvSpPr>
+        <p:spPr>
+          <a:xfrm>
+            <a:off x="2140253" y="1913825"/>
+            <a:ext cx="4554452" cy="461665"/>
+          </a:xfrm>
+          <a:prstGeom prst="rect">
+            <a:avLst/>
+          </a:prstGeom>
+          <a:noFill/>
+        </p:spPr>
+        <p:txBody>
+          <a:bodyPr wrap="none" rtlCol="0">
+            <a:spAutoFit/>
+          </a:bodyPr>
+          <a:lstStyle/>
+          <a:p>
+            <a:r>
+              <a:rPr kumimoji="1" lang="zh-Hans" altLang="en-US" sz="2400" dirty="0">
+                <a:latin typeface="PingFang SC" panose="020B0400000000000000" pitchFamily="34" charset="-122"/>
+                <a:ea typeface="PingFang SC" panose="020B0400000000000000" pitchFamily="34" charset="-122"/>
+              </a:rPr>
+              <a:t>二手房小区、房源模块平移到</a:t>
+            </a:r>
+            <a:r>
+              <a:rPr kumimoji="1" lang="en-US" altLang="zh-Hans" sz="2400" dirty="0">
+                <a:latin typeface="PingFang SC" panose="020B0400000000000000" pitchFamily="34" charset="-122"/>
+                <a:ea typeface="PingFang SC" panose="020B0400000000000000" pitchFamily="34" charset="-122"/>
+              </a:rPr>
+              <a:t>58</a:t>
+            </a:r>
+            <a:endParaRPr kumimoji="1" lang="zh-CN" altLang="en-US" sz="2400" dirty="0">
+              <a:latin typeface="PingFang SC" panose="020B0400000000000000" pitchFamily="34" charset="-122"/>
+              <a:ea typeface="PingFang SC" panose="020B0400000000000000" pitchFamily="34" charset="-122"/>
+            </a:endParaRPr>
+          </a:p>
+        </p:txBody>
+      </p:sp>
+      <p:sp>
+        <p:nvSpPr>
+          <p:cNvPr id="26" name="矩形 25">
+            <a:extLst>
+              <a:ext uri="{FF2B5EF4-FFF2-40B4-BE49-F238E27FC236}">
+                <a16:creationId xmlns:a16="http://schemas.microsoft.com/office/drawing/2014/main" id="{0FD745AA-E1BE-4A40-A99E-7A0F4DD0F891}"/>
+              </a:ext>
+            </a:extLst>
+          </p:cNvPr>
+          <p:cNvSpPr/>
+          <p:nvPr/>
+        </p:nvSpPr>
+        <p:spPr>
+          <a:xfrm>
+            <a:off x="5125242" y="4120227"/>
+            <a:ext cx="1722471" cy="520120"/>
+          </a:xfrm>
+          <a:prstGeom prst="rect">
+            <a:avLst/>
+          </a:prstGeom>
+          <a:solidFill>
+            <a:srgbClr val="FB6912"/>
+          </a:solidFill>
+          <a:ln>
+            <a:noFill/>
+          </a:ln>
+        </p:spPr>
+        <p:style>
+          <a:lnRef idx="1">
+            <a:schemeClr val="accent1"/>
+          </a:lnRef>
+          <a:fillRef idx="3">
+            <a:schemeClr val="accent1"/>
+          </a:fillRef>
+          <a:effectRef idx="2">
+            <a:schemeClr val="accent1"/>
+          </a:effectRef>
+          <a:fontRef idx="minor">
+            <a:schemeClr val="lt1"/>
+          </a:fontRef>
+        </p:style>
+        <p:txBody>
+          <a:bodyPr rtlCol="0" anchor="ctr"/>
+          <a:lstStyle/>
+          <a:p>
+            <a:pPr algn="ctr"/>
+            <a:r>
+              <a:rPr kumimoji="1" lang="zh-Hans" altLang="en-US" dirty="0">
+                <a:latin typeface="PingFang SC" panose="020B0400000000000000" pitchFamily="34" charset="-122"/>
+                <a:ea typeface="PingFang SC" panose="020B0400000000000000" pitchFamily="34" charset="-122"/>
+              </a:rPr>
+              <a:t>小区</a:t>
+            </a:r>
+            <a:r>
+              <a:rPr kumimoji="1" lang="en-US" altLang="zh-Hans" dirty="0">
+                <a:latin typeface="PingFang SC" panose="020B0400000000000000" pitchFamily="34" charset="-122"/>
+                <a:ea typeface="PingFang SC" panose="020B0400000000000000" pitchFamily="34" charset="-122"/>
+              </a:rPr>
+              <a:t>/</a:t>
+            </a:r>
+            <a:r>
+              <a:rPr kumimoji="1" lang="zh-Hans" altLang="en-US" dirty="0">
+                <a:latin typeface="PingFang SC" panose="020B0400000000000000" pitchFamily="34" charset="-122"/>
+                <a:ea typeface="PingFang SC" panose="020B0400000000000000" pitchFamily="34" charset="-122"/>
+              </a:rPr>
+              <a:t>房源模块</a:t>
+            </a:r>
+            <a:endParaRPr kumimoji="1" lang="zh-CN" altLang="en-US" dirty="0">
+              <a:latin typeface="PingFang SC" panose="020B0400000000000000" pitchFamily="34" charset="-122"/>
+              <a:ea typeface="PingFang SC" panose="020B0400000000000000" pitchFamily="34" charset="-122"/>
+            </a:endParaRPr>
+          </a:p>
+        </p:txBody>
+      </p:sp>
+      <p:sp>
+        <p:nvSpPr>
+          <p:cNvPr id="4" name="右箭头 3">
+            <a:extLst>
+              <a:ext uri="{FF2B5EF4-FFF2-40B4-BE49-F238E27FC236}">
+                <a16:creationId xmlns:a16="http://schemas.microsoft.com/office/drawing/2014/main" id="{D259066A-B51C-A244-8158-EB56F4853088}"/>
+              </a:ext>
+            </a:extLst>
+          </p:cNvPr>
+          <p:cNvSpPr/>
+          <p:nvPr/>
+        </p:nvSpPr>
+        <p:spPr>
+          <a:xfrm>
+            <a:off x="3900868" y="3603150"/>
+            <a:ext cx="978408" cy="484632"/>
+          </a:xfrm>
+          <a:prstGeom prst="rightArrow">
+            <a:avLst/>
+          </a:prstGeom>
+          <a:gradFill flip="none" rotWithShape="1">
+            <a:gsLst>
+              <a:gs pos="0">
+                <a:schemeClr val="accent6">
+                  <a:lumMod val="67000"/>
+                </a:schemeClr>
+              </a:gs>
+              <a:gs pos="48000">
+                <a:schemeClr val="accent6">
+                  <a:lumMod val="97000"/>
+                  <a:lumOff val="3000"/>
+                </a:schemeClr>
+              </a:gs>
+              <a:gs pos="100000">
+                <a:schemeClr val="accent6">
+                  <a:lumMod val="60000"/>
+                  <a:lumOff val="40000"/>
+                </a:schemeClr>
+              </a:gs>
+            </a:gsLst>
+            <a:lin ang="16200000" scaled="1"/>
+            <a:tileRect/>
+          </a:gradFill>
+          <a:ln>
+            <a:noFill/>
+          </a:ln>
+        </p:spPr>
+        <p:style>
+          <a:lnRef idx="1">
+            <a:schemeClr val="accent1"/>
+          </a:lnRef>
+          <a:fillRef idx="3">
+            <a:schemeClr val="accent1"/>
+          </a:fillRef>
+          <a:effectRef idx="2">
+            <a:schemeClr val="accent1"/>
+          </a:effectRef>
+          <a:fontRef idx="minor">
+            <a:schemeClr val="lt1"/>
+          </a:fontRef>
+        </p:style>
+        <p:txBody>
+          <a:bodyPr rtlCol="0" anchor="ctr"/>
+          <a:lstStyle/>
+          <a:p>
+            <a:pPr algn="ctr"/>
+            <a:endParaRPr kumimoji="1" lang="zh-CN" altLang="en-US"/>
+          </a:p>
+        </p:txBody>
+      </p:sp>
+    </p:spTree>
+    <p:custDataLst>
+      <p:tags r:id="rId1"/>
+    </p:custDataLst>
+    <p:extLst>
+      <p:ext uri="{BB962C8B-B14F-4D97-AF65-F5344CB8AC3E}">
+        <p14:creationId xmlns:p14="http://schemas.microsoft.com/office/powerpoint/2010/main" val="3606179396"/>
+      </p:ext>
+    </p:extLst>
+  </p:cSld>
+  <p:clrMapOvr>
+    <a:masterClrMapping/>
+  </p:clrMapOvr>
+</p:sld>
+</file>
+
+<file path=ppt/slides/slide7.xml><?xml version="1.0" encoding="utf-8"?>
+<p:sld xmlns:a="http://schemas.openxmlformats.org/drawingml/2006/main" xmlns:r="http://schemas.openxmlformats.org/officeDocument/2006/relationships" xmlns:p="http://schemas.openxmlformats.org/presentationml/2006/main">
+  <p:cSld>
+    <p:spTree>
+      <p:nvGrpSpPr>
+        <p:cNvPr id="1" name=""/>
+        <p:cNvGrpSpPr/>
+        <p:nvPr/>
+      </p:nvGrpSpPr>
+      <p:grpSpPr>
+        <a:xfrm>
+          <a:off x="0" y="0"/>
+          <a:ext cx="0" cy="0"/>
+          <a:chOff x="0" y="0"/>
+          <a:chExt cx="0" cy="0"/>
+        </a:xfrm>
+      </p:grpSpPr>
+      <p:pic>
+        <p:nvPicPr>
+          <p:cNvPr id="2" name="图片 1"/>
+          <p:cNvPicPr>
+            <a:picLocks noChangeAspect="1"/>
+          </p:cNvPicPr>
+          <p:nvPr/>
+        </p:nvPicPr>
+        <p:blipFill>
+          <a:blip r:embed="rId4" cstate="email"/>
+          <a:stretch>
+            <a:fillRect/>
+          </a:stretch>
+        </p:blipFill>
+        <p:spPr>
+          <a:xfrm>
+            <a:off x="0" y="0"/>
+            <a:ext cx="9142571" cy="6858000"/>
+          </a:xfrm>
+          <a:prstGeom prst="rect">
+            <a:avLst/>
+          </a:prstGeom>
+          <a:noFill/>
+          <a:ln>
+            <a:solidFill>
+              <a:schemeClr val="tx1"/>
+            </a:solidFill>
+          </a:ln>
+        </p:spPr>
+      </p:pic>
+      <p:sp>
+        <p:nvSpPr>
+          <p:cNvPr id="6" name="灯片编号占位符 4"/>
+          <p:cNvSpPr>
+            <a:spLocks noGrp="1"/>
+          </p:cNvSpPr>
+          <p:nvPr>
+            <p:ph type="sldNum" sz="quarter" idx="12"/>
+          </p:nvPr>
+        </p:nvSpPr>
+        <p:spPr>
+          <a:xfrm>
+            <a:off x="6120384" y="6413183"/>
+            <a:ext cx="2133600" cy="274637"/>
+          </a:xfrm>
+        </p:spPr>
+        <p:txBody>
+          <a:bodyPr/>
+          <a:lstStyle>
+            <a:lvl1pPr eaLnBrk="0" hangingPunct="0">
+              <a:defRPr>
+                <a:solidFill>
+                  <a:schemeClr val="tx1"/>
+                </a:solidFill>
+                <a:latin typeface="Arial" panose="020B0604020202090204" pitchFamily="34" charset="0"/>
+                <a:ea typeface="宋体" charset="-122"/>
+              </a:defRPr>
+            </a:lvl1pPr>
+            <a:lvl2pPr marL="742950" indent="-285750" eaLnBrk="0" hangingPunct="0">
+              <a:defRPr>
+                <a:solidFill>
+                  <a:schemeClr val="tx1"/>
+                </a:solidFill>
+                <a:latin typeface="Arial" panose="020B0604020202090204" pitchFamily="34" charset="0"/>
+                <a:ea typeface="宋体" charset="-122"/>
+              </a:defRPr>
+            </a:lvl2pPr>
+            <a:lvl3pPr marL="1143000" indent="-228600" eaLnBrk="0" hangingPunct="0">
+              <a:defRPr>
+                <a:solidFill>
+                  <a:schemeClr val="tx1"/>
+                </a:solidFill>
+                <a:latin typeface="Arial" panose="020B0604020202090204" pitchFamily="34" charset="0"/>
+                <a:ea typeface="宋体" charset="-122"/>
+              </a:defRPr>
+            </a:lvl3pPr>
+            <a:lvl4pPr marL="1600200" indent="-228600" eaLnBrk="0" hangingPunct="0">
+              <a:defRPr>
+                <a:solidFill>
+                  <a:schemeClr val="tx1"/>
+                </a:solidFill>
+                <a:latin typeface="Arial" panose="020B0604020202090204" pitchFamily="34" charset="0"/>
+                <a:ea typeface="宋体" charset="-122"/>
+              </a:defRPr>
+            </a:lvl4pPr>
+            <a:lvl5pPr marL="2057400" indent="-228600" eaLnBrk="0" hangingPunct="0">
+              <a:defRPr>
+                <a:solidFill>
+                  <a:schemeClr val="tx1"/>
+                </a:solidFill>
+                <a:latin typeface="Arial" panose="020B0604020202090204" pitchFamily="34" charset="0"/>
+                <a:ea typeface="宋体" charset="-122"/>
+              </a:defRPr>
+            </a:lvl5pPr>
+            <a:lvl6pPr marL="2514600" indent="-228600" defTabSz="457200" eaLnBrk="0" fontAlgn="base" hangingPunct="0">
+              <a:spcBef>
+                <a:spcPct val="0"/>
+              </a:spcBef>
+              <a:spcAft>
+                <a:spcPct val="0"/>
+              </a:spcAft>
+              <a:defRPr>
+                <a:solidFill>
+                  <a:schemeClr val="tx1"/>
+                </a:solidFill>
+                <a:latin typeface="Arial" panose="020B0604020202090204" pitchFamily="34" charset="0"/>
+                <a:ea typeface="宋体" charset="-122"/>
+              </a:defRPr>
+            </a:lvl6pPr>
+            <a:lvl7pPr marL="2971800" indent="-228600" defTabSz="457200" eaLnBrk="0" fontAlgn="base" hangingPunct="0">
+              <a:spcBef>
+                <a:spcPct val="0"/>
+              </a:spcBef>
+              <a:spcAft>
+                <a:spcPct val="0"/>
+              </a:spcAft>
+              <a:defRPr>
+                <a:solidFill>
+                  <a:schemeClr val="tx1"/>
+                </a:solidFill>
+                <a:latin typeface="Arial" panose="020B0604020202090204" pitchFamily="34" charset="0"/>
+                <a:ea typeface="宋体" charset="-122"/>
+              </a:defRPr>
+            </a:lvl7pPr>
+            <a:lvl8pPr marL="3429000" indent="-228600" defTabSz="457200" eaLnBrk="0" fontAlgn="base" hangingPunct="0">
+              <a:spcBef>
+                <a:spcPct val="0"/>
+              </a:spcBef>
+              <a:spcAft>
+                <a:spcPct val="0"/>
+              </a:spcAft>
+              <a:defRPr>
+                <a:solidFill>
+                  <a:schemeClr val="tx1"/>
+                </a:solidFill>
+                <a:latin typeface="Arial" panose="020B0604020202090204" pitchFamily="34" charset="0"/>
+                <a:ea typeface="宋体" charset="-122"/>
+              </a:defRPr>
+            </a:lvl8pPr>
+            <a:lvl9pPr marL="3886200" indent="-228600" defTabSz="457200" eaLnBrk="0" fontAlgn="base" hangingPunct="0">
+              <a:spcBef>
+                <a:spcPct val="0"/>
+              </a:spcBef>
+              <a:spcAft>
+                <a:spcPct val="0"/>
+              </a:spcAft>
+              <a:defRPr>
+                <a:solidFill>
+                  <a:schemeClr val="tx1"/>
+                </a:solidFill>
+                <a:latin typeface="Arial" panose="020B0604020202090204" pitchFamily="34" charset="0"/>
+                <a:ea typeface="宋体" charset="-122"/>
+              </a:defRPr>
+            </a:lvl9pPr>
+          </a:lstStyle>
+          <a:p>
+            <a:pPr marL="0" marR="0" lvl="0" indent="0" algn="r" defTabSz="457200" rtl="0" eaLnBrk="1" fontAlgn="auto" latinLnBrk="0" hangingPunct="1">
+              <a:lnSpc>
+                <a:spcPct val="100000"/>
+              </a:lnSpc>
+              <a:spcBef>
+                <a:spcPts val="0"/>
+              </a:spcBef>
+              <a:spcAft>
+                <a:spcPts val="0"/>
+              </a:spcAft>
+              <a:buClrTx/>
+              <a:buSzTx/>
+              <a:buFontTx/>
+              <a:buNone/>
+              <a:defRPr/>
+            </a:pPr>
+            <a:fld id="{3F1E42E4-90F7-C348-9C7D-352344EF35F9}" type="slidenum">
+              <a:rPr kumimoji="0" lang="zh-CN" altLang="en-US" sz="1200" b="0" i="0" u="none" strike="noStrike" kern="1200" cap="none" spc="0" normalizeH="0" baseline="0" noProof="0">
+                <a:ln>
+                  <a:noFill/>
+                </a:ln>
+                <a:solidFill>
+                  <a:srgbClr val="898989"/>
+                </a:solidFill>
+                <a:effectLst/>
+                <a:uLnTx/>
+                <a:uFillTx/>
+                <a:latin typeface="Arial" panose="020B0604020202090204" pitchFamily="34" charset="0"/>
+                <a:ea typeface="微软雅黑" charset="-122"/>
+                <a:cs typeface="+mn-cs"/>
+              </a:rPr>
+              <a:t>7</a:t>
+            </a:fld>
+            <a:endParaRPr kumimoji="0" lang="zh-CN" altLang="en-US" sz="1200" b="0" i="0" u="none" strike="noStrike" kern="1200" cap="none" spc="0" normalizeH="0" baseline="0" noProof="0" dirty="0">
+              <a:ln>
+                <a:noFill/>
+              </a:ln>
+              <a:solidFill>
+                <a:srgbClr val="898989"/>
+              </a:solidFill>
+              <a:effectLst/>
+              <a:uLnTx/>
+              <a:uFillTx/>
+              <a:latin typeface="Arial" panose="020B0604020202090204" pitchFamily="34" charset="0"/>
+              <a:ea typeface="微软雅黑" charset="-122"/>
+              <a:cs typeface="+mn-cs"/>
+            </a:endParaRPr>
+          </a:p>
+        </p:txBody>
+      </p:sp>
+      <p:sp>
+        <p:nvSpPr>
+          <p:cNvPr id="7" name="标题 1"/>
+          <p:cNvSpPr txBox="1"/>
+          <p:nvPr/>
+        </p:nvSpPr>
+        <p:spPr>
+          <a:xfrm>
+            <a:off x="250825" y="89645"/>
+            <a:ext cx="8278495" cy="782955"/>
+          </a:xfrm>
+          <a:prstGeom prst="rect">
+            <a:avLst/>
+          </a:prstGeom>
+        </p:spPr>
+        <p:txBody>
+          <a:bodyPr/>
+          <a:lstStyle>
+            <a:lvl1pPr algn="ctr" defTabSz="457200" rtl="0" eaLnBrk="1" latinLnBrk="0" hangingPunct="1">
+              <a:spcBef>
+                <a:spcPct val="0"/>
+              </a:spcBef>
+              <a:buNone/>
+              <a:defRPr sz="4400" kern="1200">
+                <a:solidFill>
+                  <a:schemeClr val="tx1"/>
+                </a:solidFill>
+                <a:latin typeface="+mj-lt"/>
+                <a:ea typeface="+mj-ea"/>
+                <a:cs typeface="+mj-cs"/>
+              </a:defRPr>
+            </a:lvl1pPr>
+          </a:lstStyle>
+          <a:p>
+            <a:pPr marL="0" marR="0" lvl="0" indent="0" algn="l" defTabSz="457200" rtl="0" eaLnBrk="1" fontAlgn="auto" latinLnBrk="0" hangingPunct="1">
+              <a:lnSpc>
+                <a:spcPct val="150000"/>
+              </a:lnSpc>
+              <a:spcBef>
+                <a:spcPts val="0"/>
+              </a:spcBef>
+              <a:spcAft>
+                <a:spcPts val="0"/>
+              </a:spcAft>
+              <a:buClrTx/>
+              <a:buSzTx/>
+              <a:buFontTx/>
+              <a:buNone/>
+              <a:defRPr/>
+            </a:pPr>
+            <a:r>
+              <a:rPr kumimoji="0" lang="zh-Hans" altLang="en-US" sz="2400" b="1" i="0" u="none" strike="noStrike" kern="1200" cap="none" spc="0" normalizeH="0" baseline="0" noProof="0" dirty="0">
+                <a:ln>
+                  <a:noFill/>
+                </a:ln>
+                <a:solidFill>
+                  <a:prstClr val="black"/>
+                </a:solidFill>
+                <a:effectLst/>
+                <a:uLnTx/>
+                <a:uFillTx/>
+                <a:latin typeface="苹方-简" panose="020B0400000000000000" charset="-122"/>
+                <a:ea typeface="苹方-简" panose="020B0400000000000000" charset="-122"/>
+              </a:rPr>
+              <a:t>木星计划</a:t>
+            </a:r>
+            <a:r>
+              <a:rPr kumimoji="0" lang="en-US" altLang="zh-Hans" sz="2400" b="1" i="0" u="none" strike="noStrike" kern="1200" cap="none" spc="0" normalizeH="0" baseline="0" noProof="0" dirty="0">
+                <a:ln>
+                  <a:noFill/>
+                </a:ln>
+                <a:solidFill>
+                  <a:prstClr val="black"/>
+                </a:solidFill>
+                <a:effectLst/>
+                <a:uLnTx/>
+                <a:uFillTx/>
+                <a:latin typeface="苹方-简" panose="020B0400000000000000" charset="-122"/>
+                <a:ea typeface="苹方-简" panose="020B0400000000000000" charset="-122"/>
+              </a:rPr>
+              <a:t>-</a:t>
+            </a:r>
+            <a:r>
+              <a:rPr lang="zh-Hans" altLang="en-US" sz="2400" b="1" dirty="0">
+                <a:solidFill>
+                  <a:prstClr val="black"/>
+                </a:solidFill>
+                <a:latin typeface="苹方-简" panose="020B0400000000000000" charset="-122"/>
+                <a:ea typeface="苹方-简" panose="020B0400000000000000" charset="-122"/>
+              </a:rPr>
+              <a:t>第一阶段 </a:t>
+            </a:r>
+            <a:r>
+              <a:rPr lang="en-US" altLang="zh-Hans" sz="2400" b="1" dirty="0">
+                <a:solidFill>
+                  <a:prstClr val="black"/>
+                </a:solidFill>
+                <a:latin typeface="苹方-简" panose="020B0400000000000000" charset="-122"/>
+                <a:ea typeface="苹方-简" panose="020B0400000000000000" charset="-122"/>
+              </a:rPr>
+              <a:t>(</a:t>
+            </a:r>
+            <a:r>
+              <a:rPr lang="zh-Hans" altLang="en-US" sz="2400" b="1" dirty="0">
+                <a:solidFill>
+                  <a:prstClr val="black"/>
+                </a:solidFill>
+                <a:latin typeface="苹方-简" panose="020B0400000000000000" charset="-122"/>
+                <a:ea typeface="苹方-简" panose="020B0400000000000000" charset="-122"/>
+              </a:rPr>
+              <a:t>安居客平移前</a:t>
+            </a:r>
+            <a:r>
+              <a:rPr lang="en-US" altLang="zh-Hans" sz="2400" b="1" dirty="0">
+                <a:solidFill>
+                  <a:prstClr val="black"/>
+                </a:solidFill>
+                <a:latin typeface="苹方-简" panose="020B0400000000000000" charset="-122"/>
+                <a:ea typeface="苹方-简" panose="020B0400000000000000" charset="-122"/>
+              </a:rPr>
+              <a:t>)</a:t>
+            </a:r>
+            <a:endParaRPr kumimoji="0" lang="en-US" altLang="zh-CN" sz="2400" b="1" i="0" u="none" strike="noStrike" kern="1200" cap="none" spc="0" normalizeH="0" baseline="0" noProof="0" dirty="0">
+              <a:ln>
+                <a:noFill/>
+              </a:ln>
+              <a:solidFill>
+                <a:prstClr val="black"/>
+              </a:solidFill>
+              <a:effectLst/>
+              <a:uLnTx/>
+              <a:uFillTx/>
+              <a:latin typeface="苹方-简" panose="020B0400000000000000" charset="-122"/>
+              <a:ea typeface="苹方-简" panose="020B0400000000000000" charset="-122"/>
+            </a:endParaRPr>
+          </a:p>
+        </p:txBody>
+      </p:sp>
+      <p:sp>
+        <p:nvSpPr>
+          <p:cNvPr id="9" name="内容占位符 2"/>
+          <p:cNvSpPr txBox="1"/>
+          <p:nvPr/>
+        </p:nvSpPr>
+        <p:spPr>
+          <a:xfrm>
+            <a:off x="24384" y="934691"/>
+            <a:ext cx="8229600" cy="669520"/>
+          </a:xfrm>
+          <a:prstGeom prst="rect">
+            <a:avLst/>
+          </a:prstGeom>
+        </p:spPr>
+        <p:txBody>
+          <a:bodyPr/>
+          <a:lstStyle>
+            <a:lvl1pPr marL="342900" indent="-342900" algn="l" defTabSz="457200" rtl="0" eaLnBrk="1" latinLnBrk="0" hangingPunct="1">
+              <a:spcBef>
+                <a:spcPct val="20000"/>
+              </a:spcBef>
+              <a:buFont typeface="Arial" panose="020B0604020202090204"/>
+              <a:buChar char="•"/>
+              <a:defRPr sz="3200" kern="1200">
+                <a:solidFill>
+                  <a:schemeClr val="tx1"/>
+                </a:solidFill>
+                <a:latin typeface="+mn-lt"/>
+                <a:ea typeface="+mn-ea"/>
+                <a:cs typeface="+mn-cs"/>
+              </a:defRPr>
+            </a:lvl1pPr>
+            <a:lvl2pPr marL="742950" indent="-285750" algn="l" defTabSz="457200" rtl="0" eaLnBrk="1" latinLnBrk="0" hangingPunct="1">
+              <a:spcBef>
+                <a:spcPct val="20000"/>
+              </a:spcBef>
+              <a:buFont typeface="Arial" panose="020B0604020202090204"/>
+              <a:buChar char="–"/>
+              <a:defRPr sz="2800" kern="1200">
+                <a:solidFill>
+                  <a:schemeClr val="tx1"/>
+                </a:solidFill>
+                <a:latin typeface="+mn-lt"/>
+                <a:ea typeface="+mn-ea"/>
+                <a:cs typeface="+mn-cs"/>
+              </a:defRPr>
+            </a:lvl2pPr>
+            <a:lvl3pPr marL="1143000" indent="-228600" algn="l" defTabSz="457200" rtl="0" eaLnBrk="1" latinLnBrk="0" hangingPunct="1">
+              <a:spcBef>
+                <a:spcPct val="20000"/>
+              </a:spcBef>
+              <a:buFont typeface="Arial" panose="020B0604020202090204"/>
+              <a:buChar char="•"/>
+              <a:defRPr sz="2400" kern="1200">
+                <a:solidFill>
+                  <a:schemeClr val="tx1"/>
+                </a:solidFill>
+                <a:latin typeface="+mn-lt"/>
+                <a:ea typeface="+mn-ea"/>
+                <a:cs typeface="+mn-cs"/>
+              </a:defRPr>
+            </a:lvl3pPr>
+            <a:lvl4pPr marL="1600200" indent="-228600" algn="l" defTabSz="457200" rtl="0" eaLnBrk="1" latinLnBrk="0" hangingPunct="1">
+              <a:spcBef>
+                <a:spcPct val="20000"/>
+              </a:spcBef>
+              <a:buFont typeface="Arial" panose="020B0604020202090204"/>
+              <a:buChar char="–"/>
+              <a:defRPr sz="2000" kern="1200">
+                <a:solidFill>
+                  <a:schemeClr val="tx1"/>
+                </a:solidFill>
+                <a:latin typeface="+mn-lt"/>
+                <a:ea typeface="+mn-ea"/>
+                <a:cs typeface="+mn-cs"/>
+              </a:defRPr>
+            </a:lvl4pPr>
+            <a:lvl5pPr marL="2057400" indent="-228600" algn="l" defTabSz="457200" rtl="0" eaLnBrk="1" latinLnBrk="0" hangingPunct="1">
+              <a:spcBef>
+                <a:spcPct val="20000"/>
+              </a:spcBef>
+              <a:buFont typeface="Arial" panose="020B0604020202090204"/>
+              <a:buChar char="»"/>
+              <a:defRPr sz="2000" kern="1200">
+                <a:solidFill>
+                  <a:schemeClr val="tx1"/>
+                </a:solidFill>
+                <a:latin typeface="+mn-lt"/>
+                <a:ea typeface="+mn-ea"/>
+                <a:cs typeface="+mn-cs"/>
+              </a:defRPr>
+            </a:lvl5pPr>
+            <a:lvl6pPr marL="2514600" indent="-228600" algn="l" defTabSz="457200" rtl="0" eaLnBrk="1" latinLnBrk="0" hangingPunct="1">
+              <a:spcBef>
+                <a:spcPct val="20000"/>
+              </a:spcBef>
+              <a:buFont typeface="Arial" panose="020B0604020202090204"/>
+              <a:buChar char="•"/>
+              <a:defRPr sz="2000" kern="1200">
+                <a:solidFill>
+                  <a:schemeClr val="tx1"/>
+                </a:solidFill>
+                <a:latin typeface="+mn-lt"/>
+                <a:ea typeface="+mn-ea"/>
+                <a:cs typeface="+mn-cs"/>
+              </a:defRPr>
+            </a:lvl6pPr>
+            <a:lvl7pPr marL="2971800" indent="-228600" algn="l" defTabSz="457200" rtl="0" eaLnBrk="1" latinLnBrk="0" hangingPunct="1">
+              <a:spcBef>
+                <a:spcPct val="20000"/>
+              </a:spcBef>
+              <a:buFont typeface="Arial" panose="020B0604020202090204"/>
+              <a:buChar char="•"/>
+              <a:defRPr sz="2000" kern="1200">
+                <a:solidFill>
+                  <a:schemeClr val="tx1"/>
+                </a:solidFill>
+                <a:latin typeface="+mn-lt"/>
+                <a:ea typeface="+mn-ea"/>
+                <a:cs typeface="+mn-cs"/>
+              </a:defRPr>
+            </a:lvl7pPr>
+            <a:lvl8pPr marL="3429000" indent="-228600" algn="l" defTabSz="457200" rtl="0" eaLnBrk="1" latinLnBrk="0" hangingPunct="1">
+              <a:spcBef>
+                <a:spcPct val="20000"/>
+              </a:spcBef>
+              <a:buFont typeface="Arial" panose="020B0604020202090204"/>
+              <a:buChar char="•"/>
+              <a:defRPr sz="2000" kern="1200">
+                <a:solidFill>
+                  <a:schemeClr val="tx1"/>
+                </a:solidFill>
+                <a:latin typeface="+mn-lt"/>
+                <a:ea typeface="+mn-ea"/>
+                <a:cs typeface="+mn-cs"/>
+              </a:defRPr>
+            </a:lvl8pPr>
+            <a:lvl9pPr marL="3886200" indent="-228600" algn="l" defTabSz="457200" rtl="0" eaLnBrk="1" latinLnBrk="0" hangingPunct="1">
+              <a:spcBef>
+                <a:spcPct val="20000"/>
+              </a:spcBef>
+              <a:buFont typeface="Arial" panose="020B0604020202090204"/>
+              <a:buChar char="•"/>
+              <a:defRPr sz="2000" kern="1200">
+                <a:solidFill>
+                  <a:schemeClr val="tx1"/>
+                </a:solidFill>
+                <a:latin typeface="+mn-lt"/>
+                <a:ea typeface="+mn-ea"/>
+                <a:cs typeface="+mn-cs"/>
+              </a:defRPr>
+            </a:lvl9pPr>
+          </a:lstStyle>
+          <a:p>
+            <a:pPr marL="342900" marR="0" lvl="0" indent="-342900" algn="l" defTabSz="457200" rtl="0" eaLnBrk="1" fontAlgn="auto" latinLnBrk="0" hangingPunct="1">
+              <a:lnSpc>
+                <a:spcPct val="130000"/>
+              </a:lnSpc>
+              <a:spcBef>
+                <a:spcPct val="20000"/>
+              </a:spcBef>
+              <a:spcAft>
+                <a:spcPts val="0"/>
+              </a:spcAft>
+              <a:buClrTx/>
+              <a:buSzTx/>
+              <a:buFont typeface="Wingdings" panose="05000000000000000000" pitchFamily="2" charset="2"/>
+              <a:buChar char="l"/>
+              <a:defRPr/>
+            </a:pPr>
+            <a:endParaRPr kumimoji="0" lang="en-US" altLang="zh-CN" sz="1800" b="0" i="0" u="none" strike="noStrike" kern="1200" cap="none" spc="0" normalizeH="0" baseline="0" noProof="0" dirty="0">
+              <a:ln>
+                <a:noFill/>
+              </a:ln>
+              <a:solidFill>
+                <a:prstClr val="black"/>
+              </a:solidFill>
+              <a:effectLst/>
+              <a:uLnTx/>
+              <a:uFillTx/>
+              <a:latin typeface="Calibri"/>
+              <a:ea typeface="微软雅黑" charset="-122"/>
+              <a:cs typeface="+mn-cs"/>
+            </a:endParaRPr>
+          </a:p>
+          <a:p>
+            <a:pPr marL="0" marR="0" lvl="0" indent="0" algn="l" defTabSz="457200" rtl="0" eaLnBrk="1" fontAlgn="auto" latinLnBrk="0" hangingPunct="1">
+              <a:lnSpc>
+                <a:spcPct val="130000"/>
+              </a:lnSpc>
+              <a:spcBef>
+                <a:spcPct val="20000"/>
+              </a:spcBef>
+              <a:spcAft>
+                <a:spcPts val="0"/>
+              </a:spcAft>
+              <a:buClrTx/>
+              <a:buSzTx/>
+              <a:buFont typeface="Arial" panose="020B0604020202090204"/>
+              <a:buNone/>
+              <a:defRPr/>
+            </a:pPr>
+            <a:endParaRPr kumimoji="0" lang="en-US" altLang="zh-CN" sz="1800" b="1" i="0" u="none" strike="noStrike" kern="1200" cap="none" spc="0" normalizeH="0" baseline="0" noProof="0" dirty="0">
+              <a:ln>
+                <a:noFill/>
+              </a:ln>
+              <a:solidFill>
+                <a:prstClr val="black"/>
+              </a:solidFill>
+              <a:effectLst/>
+              <a:uLnTx/>
+              <a:uFillTx/>
+              <a:latin typeface="Calibri"/>
+              <a:ea typeface="微软雅黑" charset="-122"/>
+              <a:cs typeface="+mn-cs"/>
+            </a:endParaRPr>
+          </a:p>
+          <a:p>
+            <a:pPr marL="0" marR="0" lvl="0" indent="0" algn="l" defTabSz="457200" rtl="0" eaLnBrk="1" fontAlgn="auto" latinLnBrk="0" hangingPunct="1">
+              <a:lnSpc>
+                <a:spcPct val="130000"/>
+              </a:lnSpc>
+              <a:spcBef>
+                <a:spcPct val="20000"/>
+              </a:spcBef>
+              <a:spcAft>
+                <a:spcPts val="0"/>
+              </a:spcAft>
+              <a:buClrTx/>
+              <a:buSzTx/>
+              <a:buFont typeface="Arial" panose="020B0604020202090204"/>
+              <a:buNone/>
+              <a:defRPr/>
+            </a:pPr>
+            <a:endParaRPr kumimoji="0" lang="en-US" altLang="zh-CN" sz="1800" b="1" i="0" u="none" strike="noStrike" kern="1200" cap="none" spc="0" normalizeH="0" baseline="0" noProof="0" dirty="0">
+              <a:ln>
+                <a:noFill/>
+              </a:ln>
+              <a:solidFill>
+                <a:prstClr val="black"/>
+              </a:solidFill>
+              <a:effectLst/>
+              <a:uLnTx/>
+              <a:uFillTx/>
+              <a:latin typeface="Calibri"/>
+              <a:ea typeface="微软雅黑" charset="-122"/>
+              <a:cs typeface="+mn-cs"/>
+            </a:endParaRPr>
+          </a:p>
+        </p:txBody>
+      </p:sp>
+      <p:pic>
+        <p:nvPicPr>
+          <p:cNvPr id="8" name="Picture 1" descr="page16image55775392">
+            <a:extLst>
+              <a:ext uri="{FF2B5EF4-FFF2-40B4-BE49-F238E27FC236}">
+                <a16:creationId xmlns:a16="http://schemas.microsoft.com/office/drawing/2014/main" id="{A0D8EDB9-6BF4-EC46-B98C-46F0A7199176}"/>
+              </a:ext>
+            </a:extLst>
+          </p:cNvPr>
+          <p:cNvPicPr>
+            <a:picLocks noChangeAspect="1" noChangeArrowheads="1"/>
+          </p:cNvPicPr>
+          <p:nvPr/>
+        </p:nvPicPr>
+        <p:blipFill>
+          <a:blip r:embed="rId5">
+            <a:extLst>
+              <a:ext uri="{28A0092B-C50C-407E-A947-70E740481C1C}">
+                <a14:useLocalDpi xmlns:a14="http://schemas.microsoft.com/office/drawing/2010/main" val="0"/>
+              </a:ext>
+            </a:extLst>
+          </a:blip>
+          <a:srcRect/>
+          <a:stretch>
+            <a:fillRect/>
+          </a:stretch>
+        </p:blipFill>
+        <p:spPr bwMode="auto">
+          <a:xfrm>
+            <a:off x="4293430" y="1563247"/>
+            <a:ext cx="824400" cy="824400"/>
+          </a:xfrm>
+          <a:prstGeom prst="rect">
+            <a:avLst/>
+          </a:prstGeom>
+          <a:noFill/>
+          <a:extLst>
+            <a:ext uri="{909E8E84-426E-40DD-AFC4-6F175D3DCCD1}">
+              <a14:hiddenFill xmlns:a14="http://schemas.microsoft.com/office/drawing/2010/main">
+                <a:solidFill>
+                  <a:srgbClr val="FFFFFF"/>
+                </a:solidFill>
+              </a14:hiddenFill>
+            </a:ext>
+          </a:extLst>
+        </p:spPr>
+      </p:pic>
+      <p:sp>
+        <p:nvSpPr>
+          <p:cNvPr id="11" name="矩形 10">
+            <a:extLst>
+              <a:ext uri="{FF2B5EF4-FFF2-40B4-BE49-F238E27FC236}">
+                <a16:creationId xmlns:a16="http://schemas.microsoft.com/office/drawing/2014/main" id="{C7ED7EB6-69A4-CC4B-B0E8-BBACA41617E3}"/>
+              </a:ext>
+            </a:extLst>
+          </p:cNvPr>
+          <p:cNvSpPr/>
+          <p:nvPr/>
+        </p:nvSpPr>
+        <p:spPr>
+          <a:xfrm>
+            <a:off x="2340763" y="2616890"/>
+            <a:ext cx="4701010" cy="520120"/>
+          </a:xfrm>
+          <a:prstGeom prst="rect">
+            <a:avLst/>
+          </a:prstGeom>
+          <a:solidFill>
+            <a:srgbClr val="92D050"/>
+          </a:solidFill>
+          <a:ln>
+            <a:noFill/>
+          </a:ln>
+        </p:spPr>
+        <p:style>
+          <a:lnRef idx="1">
+            <a:schemeClr val="accent1"/>
+          </a:lnRef>
+          <a:fillRef idx="3">
+            <a:schemeClr val="accent1"/>
+          </a:fillRef>
+          <a:effectRef idx="2">
+            <a:schemeClr val="accent1"/>
+          </a:effectRef>
+          <a:fontRef idx="minor">
+            <a:schemeClr val="lt1"/>
+          </a:fontRef>
+        </p:style>
+        <p:txBody>
+          <a:bodyPr rtlCol="0" anchor="ctr"/>
+          <a:lstStyle/>
+          <a:p>
+            <a:pPr algn="ctr"/>
+            <a:r>
+              <a:rPr kumimoji="1" lang="zh-Hans" altLang="en-US" dirty="0">
+                <a:latin typeface="PingFang SC" panose="020B0400000000000000" pitchFamily="34" charset="-122"/>
+                <a:ea typeface="PingFang SC" panose="020B0400000000000000" pitchFamily="34" charset="-122"/>
+              </a:rPr>
+              <a:t>二手房  新房  租房  </a:t>
+            </a:r>
+            <a:endParaRPr kumimoji="1" lang="zh-CN" altLang="en-US" dirty="0">
+              <a:latin typeface="PingFang SC" panose="020B0400000000000000" pitchFamily="34" charset="-122"/>
+              <a:ea typeface="PingFang SC" panose="020B0400000000000000" pitchFamily="34" charset="-122"/>
+            </a:endParaRPr>
+          </a:p>
+        </p:txBody>
+      </p:sp>
+      <p:sp>
+        <p:nvSpPr>
+          <p:cNvPr id="12" name="矩形 11">
+            <a:extLst>
+              <a:ext uri="{FF2B5EF4-FFF2-40B4-BE49-F238E27FC236}">
+                <a16:creationId xmlns:a16="http://schemas.microsoft.com/office/drawing/2014/main" id="{8B093AEE-CD8C-7945-8F7A-263B33A73A44}"/>
+              </a:ext>
+            </a:extLst>
+          </p:cNvPr>
+          <p:cNvSpPr/>
+          <p:nvPr/>
+        </p:nvSpPr>
+        <p:spPr>
+          <a:xfrm>
+            <a:off x="2340763" y="3342123"/>
+            <a:ext cx="2032818" cy="520120"/>
+          </a:xfrm>
+          <a:prstGeom prst="rect">
+            <a:avLst/>
+          </a:prstGeom>
+          <a:solidFill>
+            <a:srgbClr val="0070C0"/>
+          </a:solidFill>
+          <a:ln>
+            <a:noFill/>
+          </a:ln>
+        </p:spPr>
+        <p:style>
+          <a:lnRef idx="1">
+            <a:schemeClr val="accent1"/>
+          </a:lnRef>
+          <a:fillRef idx="3">
+            <a:schemeClr val="accent1"/>
+          </a:fillRef>
+          <a:effectRef idx="2">
+            <a:schemeClr val="accent1"/>
+          </a:effectRef>
+          <a:fontRef idx="minor">
+            <a:schemeClr val="lt1"/>
+          </a:fontRef>
+        </p:style>
+        <p:txBody>
+          <a:bodyPr rtlCol="0" anchor="ctr"/>
+          <a:lstStyle/>
+          <a:p>
+            <a:pPr algn="ctr"/>
+            <a:r>
+              <a:rPr kumimoji="1" lang="zh-Hans" altLang="en-US" dirty="0">
+                <a:latin typeface="PingFang SC" panose="020B0400000000000000" pitchFamily="34" charset="-122"/>
+                <a:ea typeface="PingFang SC" panose="020B0400000000000000" pitchFamily="34" charset="-122"/>
+              </a:rPr>
+              <a:t>有料</a:t>
+            </a:r>
+            <a:endParaRPr kumimoji="1" lang="zh-CN" altLang="en-US" dirty="0">
+              <a:latin typeface="PingFang SC" panose="020B0400000000000000" pitchFamily="34" charset="-122"/>
+              <a:ea typeface="PingFang SC" panose="020B0400000000000000" pitchFamily="34" charset="-122"/>
+            </a:endParaRPr>
+          </a:p>
+        </p:txBody>
+      </p:sp>
+      <p:sp>
+        <p:nvSpPr>
+          <p:cNvPr id="26" name="矩形 25">
+            <a:extLst>
+              <a:ext uri="{FF2B5EF4-FFF2-40B4-BE49-F238E27FC236}">
+                <a16:creationId xmlns:a16="http://schemas.microsoft.com/office/drawing/2014/main" id="{553D086D-12FA-2D48-BF7D-8DC0AB06D6C8}"/>
+              </a:ext>
+            </a:extLst>
+          </p:cNvPr>
+          <p:cNvSpPr/>
+          <p:nvPr/>
+        </p:nvSpPr>
+        <p:spPr>
+          <a:xfrm>
+            <a:off x="2369487" y="4036083"/>
+            <a:ext cx="2878738" cy="520120"/>
+          </a:xfrm>
+          <a:prstGeom prst="rect">
+            <a:avLst/>
+          </a:prstGeom>
+          <a:solidFill>
+            <a:srgbClr val="FF0000"/>
+          </a:solidFill>
+          <a:ln>
+            <a:noFill/>
+          </a:ln>
+        </p:spPr>
+        <p:style>
+          <a:lnRef idx="1">
+            <a:schemeClr val="accent1"/>
+          </a:lnRef>
+          <a:fillRef idx="3">
+            <a:schemeClr val="accent1"/>
+          </a:fillRef>
+          <a:effectRef idx="2">
+            <a:schemeClr val="accent1"/>
+          </a:effectRef>
+          <a:fontRef idx="minor">
+            <a:schemeClr val="lt1"/>
+          </a:fontRef>
+        </p:style>
+        <p:txBody>
+          <a:bodyPr rtlCol="0" anchor="ctr"/>
+          <a:lstStyle/>
+          <a:p>
+            <a:pPr algn="ctr"/>
+            <a:r>
+              <a:rPr kumimoji="1" lang="en-US" altLang="zh-Hans" dirty="0" err="1">
+                <a:latin typeface="PingFang SC" panose="020B0400000000000000" pitchFamily="34" charset="-122"/>
+                <a:ea typeface="PingFang SC" panose="020B0400000000000000" pitchFamily="34" charset="-122"/>
+              </a:rPr>
+              <a:t>AJKCommonBusiness</a:t>
+            </a:r>
+            <a:endParaRPr kumimoji="1" lang="zh-CN" altLang="en-US" dirty="0">
+              <a:latin typeface="PingFang SC" panose="020B0400000000000000" pitchFamily="34" charset="-122"/>
+              <a:ea typeface="PingFang SC" panose="020B0400000000000000" pitchFamily="34" charset="-122"/>
+            </a:endParaRPr>
+          </a:p>
+        </p:txBody>
+      </p:sp>
+      <p:sp>
+        <p:nvSpPr>
+          <p:cNvPr id="29" name="矩形 28">
+            <a:extLst>
+              <a:ext uri="{FF2B5EF4-FFF2-40B4-BE49-F238E27FC236}">
+                <a16:creationId xmlns:a16="http://schemas.microsoft.com/office/drawing/2014/main" id="{91CBB9E9-633C-8645-8936-FA0FDFD21394}"/>
+              </a:ext>
+            </a:extLst>
+          </p:cNvPr>
+          <p:cNvSpPr/>
+          <p:nvPr/>
+        </p:nvSpPr>
+        <p:spPr>
+          <a:xfrm>
+            <a:off x="5501504" y="4036083"/>
+            <a:ext cx="1540269" cy="520120"/>
+          </a:xfrm>
+          <a:prstGeom prst="rect">
+            <a:avLst/>
+          </a:prstGeom>
+          <a:solidFill>
+            <a:schemeClr val="bg1">
+              <a:lumMod val="75000"/>
+            </a:schemeClr>
+          </a:solidFill>
+          <a:ln>
+            <a:noFill/>
+          </a:ln>
+        </p:spPr>
+        <p:style>
+          <a:lnRef idx="1">
+            <a:schemeClr val="accent1"/>
+          </a:lnRef>
+          <a:fillRef idx="3">
+            <a:schemeClr val="accent1"/>
+          </a:fillRef>
+          <a:effectRef idx="2">
+            <a:schemeClr val="accent1"/>
+          </a:effectRef>
+          <a:fontRef idx="minor">
+            <a:schemeClr val="lt1"/>
+          </a:fontRef>
+        </p:style>
+        <p:txBody>
+          <a:bodyPr rtlCol="0" anchor="ctr"/>
+          <a:lstStyle/>
+          <a:p>
+            <a:pPr algn="ctr"/>
+            <a:r>
+              <a:rPr kumimoji="1" lang="en-US" altLang="zh-CN" dirty="0">
+                <a:latin typeface="PingFang SC" panose="020B0400000000000000" pitchFamily="34" charset="-122"/>
+                <a:ea typeface="PingFang SC" panose="020B0400000000000000" pitchFamily="34" charset="-122"/>
+              </a:rPr>
+              <a:t>S</a:t>
+            </a:r>
+            <a:r>
+              <a:rPr kumimoji="1" lang="en-US" altLang="zh-Hans" dirty="0">
+                <a:latin typeface="PingFang SC" panose="020B0400000000000000" pitchFamily="34" charset="-122"/>
+                <a:ea typeface="PingFang SC" panose="020B0400000000000000" pitchFamily="34" charset="-122"/>
+              </a:rPr>
+              <a:t>ervice</a:t>
+            </a:r>
+            <a:endParaRPr kumimoji="1" lang="zh-CN" altLang="en-US" dirty="0">
+              <a:latin typeface="PingFang SC" panose="020B0400000000000000" pitchFamily="34" charset="-122"/>
+              <a:ea typeface="PingFang SC" panose="020B0400000000000000" pitchFamily="34" charset="-122"/>
+            </a:endParaRPr>
+          </a:p>
+        </p:txBody>
+      </p:sp>
+      <p:sp>
+        <p:nvSpPr>
+          <p:cNvPr id="30" name="矩形 29">
+            <a:extLst>
+              <a:ext uri="{FF2B5EF4-FFF2-40B4-BE49-F238E27FC236}">
+                <a16:creationId xmlns:a16="http://schemas.microsoft.com/office/drawing/2014/main" id="{E2B45959-4C12-E244-996E-DA827F2C3274}"/>
+              </a:ext>
+            </a:extLst>
+          </p:cNvPr>
+          <p:cNvSpPr/>
+          <p:nvPr/>
+        </p:nvSpPr>
+        <p:spPr>
+          <a:xfrm>
+            <a:off x="2369487" y="4730043"/>
+            <a:ext cx="4672286" cy="520120"/>
+          </a:xfrm>
+          <a:prstGeom prst="rect">
+            <a:avLst/>
+          </a:prstGeom>
+          <a:solidFill>
+            <a:srgbClr val="F17E2F"/>
+          </a:solidFill>
+          <a:ln>
+            <a:noFill/>
+          </a:ln>
+        </p:spPr>
+        <p:style>
+          <a:lnRef idx="1">
+            <a:schemeClr val="accent1"/>
+          </a:lnRef>
+          <a:fillRef idx="3">
+            <a:schemeClr val="accent1"/>
+          </a:fillRef>
+          <a:effectRef idx="2">
+            <a:schemeClr val="accent1"/>
+          </a:effectRef>
+          <a:fontRef idx="minor">
+            <a:schemeClr val="lt1"/>
+          </a:fontRef>
+        </p:style>
+        <p:txBody>
+          <a:bodyPr rtlCol="0" anchor="ctr"/>
+          <a:lstStyle/>
+          <a:p>
+            <a:pPr algn="ctr"/>
+            <a:r>
+              <a:rPr kumimoji="1" lang="en-US" altLang="zh-CN" dirty="0" err="1">
+                <a:latin typeface="PingFang SC" panose="020B0400000000000000" pitchFamily="34" charset="-122"/>
+                <a:ea typeface="PingFang SC" panose="020B0400000000000000" pitchFamily="34" charset="-122"/>
+              </a:rPr>
+              <a:t>A</a:t>
+            </a:r>
+            <a:r>
+              <a:rPr kumimoji="1" lang="en-US" altLang="zh-Hans" dirty="0" err="1">
+                <a:latin typeface="PingFang SC" panose="020B0400000000000000" pitchFamily="34" charset="-122"/>
+                <a:ea typeface="PingFang SC" panose="020B0400000000000000" pitchFamily="34" charset="-122"/>
+              </a:rPr>
+              <a:t>IFFrameworks</a:t>
+            </a:r>
+            <a:endParaRPr kumimoji="1" lang="zh-CN" altLang="en-US" dirty="0">
+              <a:latin typeface="PingFang SC" panose="020B0400000000000000" pitchFamily="34" charset="-122"/>
+              <a:ea typeface="PingFang SC" panose="020B0400000000000000" pitchFamily="34" charset="-122"/>
+            </a:endParaRPr>
+          </a:p>
+        </p:txBody>
+      </p:sp>
+    </p:spTree>
+    <p:custDataLst>
+      <p:tags r:id="rId1"/>
+    </p:custDataLst>
+    <p:extLst>
+      <p:ext uri="{BB962C8B-B14F-4D97-AF65-F5344CB8AC3E}">
+        <p14:creationId xmlns:p14="http://schemas.microsoft.com/office/powerpoint/2010/main" val="3121119235"/>
+      </p:ext>
+    </p:extLst>
+  </p:cSld>
+  <p:clrMapOvr>
+    <a:masterClrMapping/>
+  </p:clrMapOvr>
+</p:sld>
+</file>
+
+<file path=ppt/slides/slide8.xml><?xml version="1.0" encoding="utf-8"?>
+<p:sld xmlns:a="http://schemas.openxmlformats.org/drawingml/2006/main" xmlns:r="http://schemas.openxmlformats.org/officeDocument/2006/relationships" xmlns:p="http://schemas.openxmlformats.org/presentationml/2006/main">
+  <p:cSld>
+    <p:spTree>
+      <p:nvGrpSpPr>
+        <p:cNvPr id="1" name=""/>
+        <p:cNvGrpSpPr/>
+        <p:nvPr/>
+      </p:nvGrpSpPr>
+      <p:grpSpPr>
+        <a:xfrm>
+          <a:off x="0" y="0"/>
+          <a:ext cx="0" cy="0"/>
+          <a:chOff x="0" y="0"/>
+          <a:chExt cx="0" cy="0"/>
+        </a:xfrm>
+      </p:grpSpPr>
+      <p:pic>
+        <p:nvPicPr>
+          <p:cNvPr id="2" name="图片 1"/>
+          <p:cNvPicPr>
+            <a:picLocks noChangeAspect="1"/>
+          </p:cNvPicPr>
+          <p:nvPr/>
+        </p:nvPicPr>
+        <p:blipFill>
+          <a:blip r:embed="rId4" cstate="email"/>
+          <a:stretch>
+            <a:fillRect/>
+          </a:stretch>
+        </p:blipFill>
+        <p:spPr>
+          <a:xfrm>
+            <a:off x="0" y="0"/>
+            <a:ext cx="9142571" cy="6858000"/>
+          </a:xfrm>
+          <a:prstGeom prst="rect">
+            <a:avLst/>
+          </a:prstGeom>
+          <a:noFill/>
+          <a:ln>
+            <a:solidFill>
+              <a:schemeClr val="tx1"/>
+            </a:solidFill>
+          </a:ln>
+        </p:spPr>
+      </p:pic>
+      <p:sp>
+        <p:nvSpPr>
+          <p:cNvPr id="6" name="灯片编号占位符 4"/>
+          <p:cNvSpPr>
+            <a:spLocks noGrp="1"/>
+          </p:cNvSpPr>
+          <p:nvPr>
+            <p:ph type="sldNum" sz="quarter" idx="12"/>
+          </p:nvPr>
+        </p:nvSpPr>
+        <p:spPr>
+          <a:xfrm>
+            <a:off x="6120384" y="6413183"/>
+            <a:ext cx="2133600" cy="274637"/>
+          </a:xfrm>
+        </p:spPr>
+        <p:txBody>
+          <a:bodyPr/>
+          <a:lstStyle>
+            <a:lvl1pPr eaLnBrk="0" hangingPunct="0">
+              <a:defRPr>
+                <a:solidFill>
+                  <a:schemeClr val="tx1"/>
+                </a:solidFill>
+                <a:latin typeface="Arial" panose="020B0604020202090204" pitchFamily="34" charset="0"/>
+                <a:ea typeface="宋体" charset="-122"/>
+              </a:defRPr>
+            </a:lvl1pPr>
+            <a:lvl2pPr marL="742950" indent="-285750" eaLnBrk="0" hangingPunct="0">
+              <a:defRPr>
+                <a:solidFill>
+                  <a:schemeClr val="tx1"/>
+                </a:solidFill>
+                <a:latin typeface="Arial" panose="020B0604020202090204" pitchFamily="34" charset="0"/>
+                <a:ea typeface="宋体" charset="-122"/>
+              </a:defRPr>
+            </a:lvl2pPr>
+            <a:lvl3pPr marL="1143000" indent="-228600" eaLnBrk="0" hangingPunct="0">
+              <a:defRPr>
+                <a:solidFill>
+                  <a:schemeClr val="tx1"/>
+                </a:solidFill>
+                <a:latin typeface="Arial" panose="020B0604020202090204" pitchFamily="34" charset="0"/>
+                <a:ea typeface="宋体" charset="-122"/>
+              </a:defRPr>
+            </a:lvl3pPr>
+            <a:lvl4pPr marL="1600200" indent="-228600" eaLnBrk="0" hangingPunct="0">
+              <a:defRPr>
+                <a:solidFill>
+                  <a:schemeClr val="tx1"/>
+                </a:solidFill>
+                <a:latin typeface="Arial" panose="020B0604020202090204" pitchFamily="34" charset="0"/>
+                <a:ea typeface="宋体" charset="-122"/>
+              </a:defRPr>
+            </a:lvl4pPr>
+            <a:lvl5pPr marL="2057400" indent="-228600" eaLnBrk="0" hangingPunct="0">
+              <a:defRPr>
+                <a:solidFill>
+                  <a:schemeClr val="tx1"/>
+                </a:solidFill>
+                <a:latin typeface="Arial" panose="020B0604020202090204" pitchFamily="34" charset="0"/>
+                <a:ea typeface="宋体" charset="-122"/>
+              </a:defRPr>
+            </a:lvl5pPr>
+            <a:lvl6pPr marL="2514600" indent="-228600" defTabSz="457200" eaLnBrk="0" fontAlgn="base" hangingPunct="0">
+              <a:spcBef>
+                <a:spcPct val="0"/>
+              </a:spcBef>
+              <a:spcAft>
+                <a:spcPct val="0"/>
+              </a:spcAft>
+              <a:defRPr>
+                <a:solidFill>
+                  <a:schemeClr val="tx1"/>
+                </a:solidFill>
+                <a:latin typeface="Arial" panose="020B0604020202090204" pitchFamily="34" charset="0"/>
+                <a:ea typeface="宋体" charset="-122"/>
+              </a:defRPr>
+            </a:lvl6pPr>
+            <a:lvl7pPr marL="2971800" indent="-228600" defTabSz="457200" eaLnBrk="0" fontAlgn="base" hangingPunct="0">
+              <a:spcBef>
+                <a:spcPct val="0"/>
+              </a:spcBef>
+              <a:spcAft>
+                <a:spcPct val="0"/>
+              </a:spcAft>
+              <a:defRPr>
+                <a:solidFill>
+                  <a:schemeClr val="tx1"/>
+                </a:solidFill>
+                <a:latin typeface="Arial" panose="020B0604020202090204" pitchFamily="34" charset="0"/>
+                <a:ea typeface="宋体" charset="-122"/>
+              </a:defRPr>
+            </a:lvl7pPr>
+            <a:lvl8pPr marL="3429000" indent="-228600" defTabSz="457200" eaLnBrk="0" fontAlgn="base" hangingPunct="0">
+              <a:spcBef>
+                <a:spcPct val="0"/>
+              </a:spcBef>
+              <a:spcAft>
+                <a:spcPct val="0"/>
+              </a:spcAft>
+              <a:defRPr>
+                <a:solidFill>
+                  <a:schemeClr val="tx1"/>
+                </a:solidFill>
+                <a:latin typeface="Arial" panose="020B0604020202090204" pitchFamily="34" charset="0"/>
+                <a:ea typeface="宋体" charset="-122"/>
+              </a:defRPr>
+            </a:lvl8pPr>
+            <a:lvl9pPr marL="3886200" indent="-228600" defTabSz="457200" eaLnBrk="0" fontAlgn="base" hangingPunct="0">
+              <a:spcBef>
+                <a:spcPct val="0"/>
+              </a:spcBef>
+              <a:spcAft>
+                <a:spcPct val="0"/>
+              </a:spcAft>
+              <a:defRPr>
+                <a:solidFill>
+                  <a:schemeClr val="tx1"/>
+                </a:solidFill>
+                <a:latin typeface="Arial" panose="020B0604020202090204" pitchFamily="34" charset="0"/>
+                <a:ea typeface="宋体" charset="-122"/>
+              </a:defRPr>
+            </a:lvl9pPr>
+          </a:lstStyle>
+          <a:p>
+            <a:pPr marL="0" marR="0" lvl="0" indent="0" algn="r" defTabSz="457200" rtl="0" eaLnBrk="1" fontAlgn="auto" latinLnBrk="0" hangingPunct="1">
+              <a:lnSpc>
+                <a:spcPct val="100000"/>
+              </a:lnSpc>
+              <a:spcBef>
+                <a:spcPts val="0"/>
+              </a:spcBef>
+              <a:spcAft>
+                <a:spcPts val="0"/>
+              </a:spcAft>
+              <a:buClrTx/>
+              <a:buSzTx/>
+              <a:buFontTx/>
+              <a:buNone/>
+              <a:defRPr/>
+            </a:pPr>
+            <a:fld id="{3F1E42E4-90F7-C348-9C7D-352344EF35F9}" type="slidenum">
+              <a:rPr kumimoji="0" lang="zh-CN" altLang="en-US" sz="1200" b="0" i="0" u="none" strike="noStrike" kern="1200" cap="none" spc="0" normalizeH="0" baseline="0" noProof="0">
+                <a:ln>
+                  <a:noFill/>
+                </a:ln>
+                <a:solidFill>
+                  <a:srgbClr val="898989"/>
+                </a:solidFill>
+                <a:effectLst/>
+                <a:uLnTx/>
+                <a:uFillTx/>
+                <a:latin typeface="Arial" panose="020B0604020202090204" pitchFamily="34" charset="0"/>
+                <a:ea typeface="微软雅黑" charset="-122"/>
+                <a:cs typeface="+mn-cs"/>
+              </a:rPr>
+              <a:t>8</a:t>
+            </a:fld>
+            <a:endParaRPr kumimoji="0" lang="zh-CN" altLang="en-US" sz="1200" b="0" i="0" u="none" strike="noStrike" kern="1200" cap="none" spc="0" normalizeH="0" baseline="0" noProof="0" dirty="0">
+              <a:ln>
+                <a:noFill/>
+              </a:ln>
+              <a:solidFill>
+                <a:srgbClr val="898989"/>
+              </a:solidFill>
+              <a:effectLst/>
+              <a:uLnTx/>
+              <a:uFillTx/>
+              <a:latin typeface="Arial" panose="020B0604020202090204" pitchFamily="34" charset="0"/>
+              <a:ea typeface="微软雅黑" charset="-122"/>
+              <a:cs typeface="+mn-cs"/>
+            </a:endParaRPr>
+          </a:p>
+        </p:txBody>
+      </p:sp>
+      <p:sp>
+        <p:nvSpPr>
+          <p:cNvPr id="7" name="标题 1"/>
+          <p:cNvSpPr txBox="1"/>
+          <p:nvPr/>
+        </p:nvSpPr>
+        <p:spPr>
+          <a:xfrm>
+            <a:off x="250825" y="89645"/>
+            <a:ext cx="8278495" cy="782955"/>
+          </a:xfrm>
+          <a:prstGeom prst="rect">
+            <a:avLst/>
+          </a:prstGeom>
+        </p:spPr>
+        <p:txBody>
+          <a:bodyPr/>
+          <a:lstStyle>
+            <a:lvl1pPr algn="ctr" defTabSz="457200" rtl="0" eaLnBrk="1" latinLnBrk="0" hangingPunct="1">
+              <a:spcBef>
+                <a:spcPct val="0"/>
+              </a:spcBef>
+              <a:buNone/>
+              <a:defRPr sz="4400" kern="1200">
+                <a:solidFill>
+                  <a:schemeClr val="tx1"/>
+                </a:solidFill>
+                <a:latin typeface="+mj-lt"/>
+                <a:ea typeface="+mj-ea"/>
+                <a:cs typeface="+mj-cs"/>
+              </a:defRPr>
+            </a:lvl1pPr>
+          </a:lstStyle>
+          <a:p>
+            <a:pPr marL="0" marR="0" lvl="0" indent="0" algn="l" defTabSz="457200" rtl="0" eaLnBrk="1" fontAlgn="auto" latinLnBrk="0" hangingPunct="1">
+              <a:lnSpc>
+                <a:spcPct val="150000"/>
+              </a:lnSpc>
+              <a:spcBef>
+                <a:spcPts val="0"/>
+              </a:spcBef>
+              <a:spcAft>
+                <a:spcPts val="0"/>
+              </a:spcAft>
+              <a:buClrTx/>
+              <a:buSzTx/>
+              <a:buFontTx/>
+              <a:buNone/>
+              <a:defRPr/>
+            </a:pPr>
+            <a:r>
+              <a:rPr kumimoji="0" lang="zh-Hans" altLang="en-US" sz="2400" b="1" i="0" u="none" strike="noStrike" kern="1200" cap="none" spc="0" normalizeH="0" baseline="0" noProof="0" dirty="0">
+                <a:ln>
+                  <a:noFill/>
+                </a:ln>
+                <a:solidFill>
+                  <a:prstClr val="black"/>
+                </a:solidFill>
+                <a:effectLst/>
+                <a:uLnTx/>
+                <a:uFillTx/>
+                <a:latin typeface="苹方-简" panose="020B0400000000000000" charset="-122"/>
+                <a:ea typeface="苹方-简" panose="020B0400000000000000" charset="-122"/>
+              </a:rPr>
+              <a:t>木星计划</a:t>
+            </a:r>
+            <a:r>
+              <a:rPr kumimoji="0" lang="en-US" altLang="zh-Hans" sz="2400" b="1" i="0" u="none" strike="noStrike" kern="1200" cap="none" spc="0" normalizeH="0" baseline="0" noProof="0" dirty="0">
+                <a:ln>
+                  <a:noFill/>
+                </a:ln>
+                <a:solidFill>
+                  <a:prstClr val="black"/>
+                </a:solidFill>
+                <a:effectLst/>
+                <a:uLnTx/>
+                <a:uFillTx/>
+                <a:latin typeface="苹方-简" panose="020B0400000000000000" charset="-122"/>
+                <a:ea typeface="苹方-简" panose="020B0400000000000000" charset="-122"/>
+              </a:rPr>
+              <a:t>-</a:t>
+            </a:r>
+            <a:r>
+              <a:rPr lang="zh-Hans" altLang="en-US" sz="2400" b="1" dirty="0">
+                <a:solidFill>
+                  <a:prstClr val="black"/>
+                </a:solidFill>
+                <a:latin typeface="苹方-简" panose="020B0400000000000000" charset="-122"/>
+                <a:ea typeface="苹方-简" panose="020B0400000000000000" charset="-122"/>
+              </a:rPr>
+              <a:t>第一阶段 </a:t>
+            </a:r>
+            <a:r>
+              <a:rPr lang="en-US" altLang="zh-Hans" sz="2400" b="1" dirty="0">
+                <a:solidFill>
+                  <a:prstClr val="black"/>
+                </a:solidFill>
+                <a:latin typeface="苹方-简" panose="020B0400000000000000" charset="-122"/>
+                <a:ea typeface="苹方-简" panose="020B0400000000000000" charset="-122"/>
+              </a:rPr>
+              <a:t>(58</a:t>
+            </a:r>
+            <a:r>
+              <a:rPr lang="zh-Hans" altLang="en-US" sz="2400" b="1" dirty="0">
+                <a:solidFill>
+                  <a:prstClr val="black"/>
+                </a:solidFill>
+                <a:latin typeface="苹方-简" panose="020B0400000000000000" charset="-122"/>
+                <a:ea typeface="苹方-简" panose="020B0400000000000000" charset="-122"/>
+              </a:rPr>
+              <a:t>平移前</a:t>
+            </a:r>
+            <a:r>
+              <a:rPr lang="en-US" altLang="zh-Hans" sz="2400" b="1" dirty="0">
+                <a:solidFill>
+                  <a:prstClr val="black"/>
+                </a:solidFill>
+                <a:latin typeface="苹方-简" panose="020B0400000000000000" charset="-122"/>
+                <a:ea typeface="苹方-简" panose="020B0400000000000000" charset="-122"/>
+              </a:rPr>
+              <a:t>)</a:t>
+            </a:r>
+            <a:endParaRPr kumimoji="0" lang="en-US" altLang="zh-CN" sz="2400" b="1" i="0" u="none" strike="noStrike" kern="1200" cap="none" spc="0" normalizeH="0" baseline="0" noProof="0" dirty="0">
+              <a:ln>
+                <a:noFill/>
+              </a:ln>
+              <a:solidFill>
+                <a:prstClr val="black"/>
+              </a:solidFill>
+              <a:effectLst/>
+              <a:uLnTx/>
+              <a:uFillTx/>
+              <a:latin typeface="苹方-简" panose="020B0400000000000000" charset="-122"/>
+              <a:ea typeface="苹方-简" panose="020B0400000000000000" charset="-122"/>
+            </a:endParaRPr>
+          </a:p>
+        </p:txBody>
+      </p:sp>
+      <p:sp>
+        <p:nvSpPr>
+          <p:cNvPr id="9" name="内容占位符 2"/>
+          <p:cNvSpPr txBox="1"/>
+          <p:nvPr/>
+        </p:nvSpPr>
+        <p:spPr>
+          <a:xfrm>
+            <a:off x="24384" y="934691"/>
+            <a:ext cx="8229600" cy="669520"/>
+          </a:xfrm>
+          <a:prstGeom prst="rect">
+            <a:avLst/>
+          </a:prstGeom>
+        </p:spPr>
+        <p:txBody>
+          <a:bodyPr/>
+          <a:lstStyle>
+            <a:lvl1pPr marL="342900" indent="-342900" algn="l" defTabSz="457200" rtl="0" eaLnBrk="1" latinLnBrk="0" hangingPunct="1">
+              <a:spcBef>
+                <a:spcPct val="20000"/>
+              </a:spcBef>
+              <a:buFont typeface="Arial" panose="020B0604020202090204"/>
+              <a:buChar char="•"/>
+              <a:defRPr sz="3200" kern="1200">
+                <a:solidFill>
+                  <a:schemeClr val="tx1"/>
+                </a:solidFill>
+                <a:latin typeface="+mn-lt"/>
+                <a:ea typeface="+mn-ea"/>
+                <a:cs typeface="+mn-cs"/>
+              </a:defRPr>
+            </a:lvl1pPr>
+            <a:lvl2pPr marL="742950" indent="-285750" algn="l" defTabSz="457200" rtl="0" eaLnBrk="1" latinLnBrk="0" hangingPunct="1">
+              <a:spcBef>
+                <a:spcPct val="20000"/>
+              </a:spcBef>
+              <a:buFont typeface="Arial" panose="020B0604020202090204"/>
+              <a:buChar char="–"/>
+              <a:defRPr sz="2800" kern="1200">
+                <a:solidFill>
+                  <a:schemeClr val="tx1"/>
+                </a:solidFill>
+                <a:latin typeface="+mn-lt"/>
+                <a:ea typeface="+mn-ea"/>
+                <a:cs typeface="+mn-cs"/>
+              </a:defRPr>
+            </a:lvl2pPr>
+            <a:lvl3pPr marL="1143000" indent="-228600" algn="l" defTabSz="457200" rtl="0" eaLnBrk="1" latinLnBrk="0" hangingPunct="1">
+              <a:spcBef>
+                <a:spcPct val="20000"/>
+              </a:spcBef>
+              <a:buFont typeface="Arial" panose="020B0604020202090204"/>
+              <a:buChar char="•"/>
+              <a:defRPr sz="2400" kern="1200">
+                <a:solidFill>
+                  <a:schemeClr val="tx1"/>
+                </a:solidFill>
+                <a:latin typeface="+mn-lt"/>
+                <a:ea typeface="+mn-ea"/>
+                <a:cs typeface="+mn-cs"/>
+              </a:defRPr>
+            </a:lvl3pPr>
+            <a:lvl4pPr marL="1600200" indent="-228600" algn="l" defTabSz="457200" rtl="0" eaLnBrk="1" latinLnBrk="0" hangingPunct="1">
+              <a:spcBef>
+                <a:spcPct val="20000"/>
+              </a:spcBef>
+              <a:buFont typeface="Arial" panose="020B0604020202090204"/>
+              <a:buChar char="–"/>
+              <a:defRPr sz="2000" kern="1200">
+                <a:solidFill>
+                  <a:schemeClr val="tx1"/>
+                </a:solidFill>
+                <a:latin typeface="+mn-lt"/>
+                <a:ea typeface="+mn-ea"/>
+                <a:cs typeface="+mn-cs"/>
+              </a:defRPr>
+            </a:lvl4pPr>
+            <a:lvl5pPr marL="2057400" indent="-228600" algn="l" defTabSz="457200" rtl="0" eaLnBrk="1" latinLnBrk="0" hangingPunct="1">
+              <a:spcBef>
+                <a:spcPct val="20000"/>
+              </a:spcBef>
+              <a:buFont typeface="Arial" panose="020B0604020202090204"/>
+              <a:buChar char="»"/>
+              <a:defRPr sz="2000" kern="1200">
+                <a:solidFill>
+                  <a:schemeClr val="tx1"/>
+                </a:solidFill>
+                <a:latin typeface="+mn-lt"/>
+                <a:ea typeface="+mn-ea"/>
+                <a:cs typeface="+mn-cs"/>
+              </a:defRPr>
+            </a:lvl5pPr>
+            <a:lvl6pPr marL="2514600" indent="-228600" algn="l" defTabSz="457200" rtl="0" eaLnBrk="1" latinLnBrk="0" hangingPunct="1">
+              <a:spcBef>
+                <a:spcPct val="20000"/>
+              </a:spcBef>
+              <a:buFont typeface="Arial" panose="020B0604020202090204"/>
+              <a:buChar char="•"/>
+              <a:defRPr sz="2000" kern="1200">
+                <a:solidFill>
+                  <a:schemeClr val="tx1"/>
+                </a:solidFill>
+                <a:latin typeface="+mn-lt"/>
+                <a:ea typeface="+mn-ea"/>
+                <a:cs typeface="+mn-cs"/>
+              </a:defRPr>
+            </a:lvl6pPr>
+            <a:lvl7pPr marL="2971800" indent="-228600" algn="l" defTabSz="457200" rtl="0" eaLnBrk="1" latinLnBrk="0" hangingPunct="1">
+              <a:spcBef>
+                <a:spcPct val="20000"/>
+              </a:spcBef>
+              <a:buFont typeface="Arial" panose="020B0604020202090204"/>
+              <a:buChar char="•"/>
+              <a:defRPr sz="2000" kern="1200">
+                <a:solidFill>
+                  <a:schemeClr val="tx1"/>
+                </a:solidFill>
+                <a:latin typeface="+mn-lt"/>
+                <a:ea typeface="+mn-ea"/>
+                <a:cs typeface="+mn-cs"/>
+              </a:defRPr>
+            </a:lvl7pPr>
+            <a:lvl8pPr marL="3429000" indent="-228600" algn="l" defTabSz="457200" rtl="0" eaLnBrk="1" latinLnBrk="0" hangingPunct="1">
+              <a:spcBef>
+                <a:spcPct val="20000"/>
+              </a:spcBef>
+              <a:buFont typeface="Arial" panose="020B0604020202090204"/>
+              <a:buChar char="•"/>
+              <a:defRPr sz="2000" kern="1200">
+                <a:solidFill>
+                  <a:schemeClr val="tx1"/>
+                </a:solidFill>
+                <a:latin typeface="+mn-lt"/>
+                <a:ea typeface="+mn-ea"/>
+                <a:cs typeface="+mn-cs"/>
+              </a:defRPr>
+            </a:lvl8pPr>
+            <a:lvl9pPr marL="3886200" indent="-228600" algn="l" defTabSz="457200" rtl="0" eaLnBrk="1" latinLnBrk="0" hangingPunct="1">
+              <a:spcBef>
+                <a:spcPct val="20000"/>
+              </a:spcBef>
+              <a:buFont typeface="Arial" panose="020B0604020202090204"/>
+              <a:buChar char="•"/>
+              <a:defRPr sz="2000" kern="1200">
+                <a:solidFill>
+                  <a:schemeClr val="tx1"/>
+                </a:solidFill>
+                <a:latin typeface="+mn-lt"/>
+                <a:ea typeface="+mn-ea"/>
+                <a:cs typeface="+mn-cs"/>
+              </a:defRPr>
+            </a:lvl9pPr>
+          </a:lstStyle>
+          <a:p>
+            <a:pPr marL="342900" marR="0" lvl="0" indent="-342900" algn="l" defTabSz="457200" rtl="0" eaLnBrk="1" fontAlgn="auto" latinLnBrk="0" hangingPunct="1">
+              <a:lnSpc>
+                <a:spcPct val="130000"/>
+              </a:lnSpc>
+              <a:spcBef>
+                <a:spcPct val="20000"/>
+              </a:spcBef>
+              <a:spcAft>
+                <a:spcPts val="0"/>
+              </a:spcAft>
+              <a:buClrTx/>
+              <a:buSzTx/>
+              <a:buFont typeface="Wingdings" panose="05000000000000000000" pitchFamily="2" charset="2"/>
+              <a:buChar char="l"/>
+              <a:defRPr/>
+            </a:pPr>
+            <a:endParaRPr kumimoji="0" lang="en-US" altLang="zh-CN" sz="1800" b="0" i="0" u="none" strike="noStrike" kern="1200" cap="none" spc="0" normalizeH="0" baseline="0" noProof="0" dirty="0">
+              <a:ln>
+                <a:noFill/>
+              </a:ln>
+              <a:solidFill>
+                <a:prstClr val="black"/>
+              </a:solidFill>
+              <a:effectLst/>
+              <a:uLnTx/>
+              <a:uFillTx/>
+              <a:latin typeface="Calibri"/>
+              <a:ea typeface="微软雅黑" charset="-122"/>
+              <a:cs typeface="+mn-cs"/>
+            </a:endParaRPr>
+          </a:p>
+          <a:p>
+            <a:pPr marL="0" marR="0" lvl="0" indent="0" algn="l" defTabSz="457200" rtl="0" eaLnBrk="1" fontAlgn="auto" latinLnBrk="0" hangingPunct="1">
+              <a:lnSpc>
+                <a:spcPct val="130000"/>
+              </a:lnSpc>
+              <a:spcBef>
+                <a:spcPct val="20000"/>
+              </a:spcBef>
+              <a:spcAft>
+                <a:spcPts val="0"/>
+              </a:spcAft>
+              <a:buClrTx/>
+              <a:buSzTx/>
+              <a:buFont typeface="Arial" panose="020B0604020202090204"/>
+              <a:buNone/>
+              <a:defRPr/>
+            </a:pPr>
+            <a:endParaRPr kumimoji="0" lang="en-US" altLang="zh-CN" sz="1800" b="1" i="0" u="none" strike="noStrike" kern="1200" cap="none" spc="0" normalizeH="0" baseline="0" noProof="0" dirty="0">
+              <a:ln>
+                <a:noFill/>
+              </a:ln>
+              <a:solidFill>
+                <a:prstClr val="black"/>
+              </a:solidFill>
+              <a:effectLst/>
+              <a:uLnTx/>
+              <a:uFillTx/>
+              <a:latin typeface="Calibri"/>
+              <a:ea typeface="微软雅黑" charset="-122"/>
+              <a:cs typeface="+mn-cs"/>
+            </a:endParaRPr>
+          </a:p>
+          <a:p>
+            <a:pPr marL="0" marR="0" lvl="0" indent="0" algn="l" defTabSz="457200" rtl="0" eaLnBrk="1" fontAlgn="auto" latinLnBrk="0" hangingPunct="1">
+              <a:lnSpc>
+                <a:spcPct val="130000"/>
+              </a:lnSpc>
+              <a:spcBef>
+                <a:spcPct val="20000"/>
+              </a:spcBef>
+              <a:spcAft>
+                <a:spcPts val="0"/>
+              </a:spcAft>
+              <a:buClrTx/>
+              <a:buSzTx/>
+              <a:buFont typeface="Arial" panose="020B0604020202090204"/>
+              <a:buNone/>
+              <a:defRPr/>
+            </a:pPr>
+            <a:endParaRPr kumimoji="0" lang="en-US" altLang="zh-CN" sz="1800" b="1" i="0" u="none" strike="noStrike" kern="1200" cap="none" spc="0" normalizeH="0" baseline="0" noProof="0" dirty="0">
+              <a:ln>
+                <a:noFill/>
+              </a:ln>
+              <a:solidFill>
+                <a:prstClr val="black"/>
+              </a:solidFill>
+              <a:effectLst/>
+              <a:uLnTx/>
+              <a:uFillTx/>
+              <a:latin typeface="Calibri"/>
+              <a:ea typeface="微软雅黑" charset="-122"/>
+              <a:cs typeface="+mn-cs"/>
+            </a:endParaRPr>
+          </a:p>
+        </p:txBody>
+      </p:sp>
+      <p:pic>
+        <p:nvPicPr>
+          <p:cNvPr id="13" name="Picture 3" descr="page16image55775280">
+            <a:extLst>
+              <a:ext uri="{FF2B5EF4-FFF2-40B4-BE49-F238E27FC236}">
+                <a16:creationId xmlns:a16="http://schemas.microsoft.com/office/drawing/2014/main" id="{F20C3074-D222-0F46-A202-015C5858B630}"/>
+              </a:ext>
+            </a:extLst>
+          </p:cNvPr>
+          <p:cNvPicPr>
+            <a:picLocks noChangeAspect="1" noChangeArrowheads="1"/>
+          </p:cNvPicPr>
+          <p:nvPr/>
+        </p:nvPicPr>
+        <p:blipFill>
+          <a:blip r:embed="rId5">
+            <a:extLst>
+              <a:ext uri="{28A0092B-C50C-407E-A947-70E740481C1C}">
+                <a14:useLocalDpi xmlns:a14="http://schemas.microsoft.com/office/drawing/2010/main" val="0"/>
+              </a:ext>
+            </a:extLst>
+          </a:blip>
+          <a:srcRect/>
+          <a:stretch>
+            <a:fillRect/>
+          </a:stretch>
+        </p:blipFill>
+        <p:spPr bwMode="auto">
+          <a:xfrm>
+            <a:off x="4066320" y="1946870"/>
+            <a:ext cx="824400" cy="824400"/>
+          </a:xfrm>
+          <a:prstGeom prst="rect">
+            <a:avLst/>
+          </a:prstGeom>
+          <a:noFill/>
+          <a:extLst>
+            <a:ext uri="{909E8E84-426E-40DD-AFC4-6F175D3DCCD1}">
+              <a14:hiddenFill xmlns:a14="http://schemas.microsoft.com/office/drawing/2010/main">
+                <a:solidFill>
+                  <a:srgbClr val="FFFFFF"/>
+                </a:solidFill>
+              </a14:hiddenFill>
+            </a:ext>
+          </a:extLst>
+        </p:spPr>
+      </p:pic>
+      <p:sp>
+        <p:nvSpPr>
+          <p:cNvPr id="14" name="矩形 13">
+            <a:extLst>
+              <a:ext uri="{FF2B5EF4-FFF2-40B4-BE49-F238E27FC236}">
+                <a16:creationId xmlns:a16="http://schemas.microsoft.com/office/drawing/2014/main" id="{EB571F48-AA5C-8C47-9110-A5A349626856}"/>
+              </a:ext>
+            </a:extLst>
+          </p:cNvPr>
+          <p:cNvSpPr/>
+          <p:nvPr/>
+        </p:nvSpPr>
+        <p:spPr>
+          <a:xfrm>
+            <a:off x="1983587" y="4531998"/>
+            <a:ext cx="5087116" cy="520120"/>
+          </a:xfrm>
+          <a:prstGeom prst="rect">
+            <a:avLst/>
+          </a:prstGeom>
+          <a:solidFill>
+            <a:srgbClr val="0D6CBB"/>
+          </a:solidFill>
+          <a:ln>
+            <a:noFill/>
+          </a:ln>
+        </p:spPr>
+        <p:style>
+          <a:lnRef idx="1">
+            <a:schemeClr val="accent1"/>
+          </a:lnRef>
+          <a:fillRef idx="3">
+            <a:schemeClr val="accent1"/>
+          </a:fillRef>
+          <a:effectRef idx="2">
+            <a:schemeClr val="accent1"/>
+          </a:effectRef>
+          <a:fontRef idx="minor">
+            <a:schemeClr val="lt1"/>
+          </a:fontRef>
+        </p:style>
+        <p:txBody>
+          <a:bodyPr rtlCol="0" anchor="ctr"/>
+          <a:lstStyle/>
+          <a:p>
+            <a:pPr algn="ctr"/>
+            <a:r>
+              <a:rPr kumimoji="1" lang="en-US" altLang="zh-Hans" dirty="0" err="1">
+                <a:latin typeface="PingFang SC" panose="020B0400000000000000" pitchFamily="34" charset="-122"/>
+                <a:ea typeface="PingFang SC" panose="020B0400000000000000" pitchFamily="34" charset="-122"/>
+              </a:rPr>
+              <a:t>WBFrameworks</a:t>
+            </a:r>
+            <a:endParaRPr kumimoji="1" lang="zh-CN" altLang="en-US" dirty="0">
+              <a:latin typeface="PingFang SC" panose="020B0400000000000000" pitchFamily="34" charset="-122"/>
+              <a:ea typeface="PingFang SC" panose="020B0400000000000000" pitchFamily="34" charset="-122"/>
+            </a:endParaRPr>
+          </a:p>
+        </p:txBody>
+      </p:sp>
+      <p:sp>
+        <p:nvSpPr>
+          <p:cNvPr id="15" name="矩形 14">
+            <a:extLst>
+              <a:ext uri="{FF2B5EF4-FFF2-40B4-BE49-F238E27FC236}">
+                <a16:creationId xmlns:a16="http://schemas.microsoft.com/office/drawing/2014/main" id="{EDAA6B26-F8F3-2048-B3B7-513198F3F7F5}"/>
+              </a:ext>
+            </a:extLst>
+          </p:cNvPr>
+          <p:cNvSpPr/>
+          <p:nvPr/>
+        </p:nvSpPr>
+        <p:spPr>
+          <a:xfrm>
+            <a:off x="1985438" y="3742332"/>
+            <a:ext cx="5085265" cy="520120"/>
+          </a:xfrm>
+          <a:prstGeom prst="rect">
+            <a:avLst/>
+          </a:prstGeom>
+          <a:solidFill>
+            <a:srgbClr val="FFC000"/>
+          </a:solidFill>
+          <a:ln>
+            <a:noFill/>
+          </a:ln>
+        </p:spPr>
+        <p:style>
+          <a:lnRef idx="1">
+            <a:schemeClr val="accent1"/>
+          </a:lnRef>
+          <a:fillRef idx="3">
+            <a:schemeClr val="accent1"/>
+          </a:fillRef>
+          <a:effectRef idx="2">
+            <a:schemeClr val="accent1"/>
+          </a:effectRef>
+          <a:fontRef idx="minor">
+            <a:schemeClr val="lt1"/>
+          </a:fontRef>
+        </p:style>
+        <p:txBody>
+          <a:bodyPr rtlCol="0" anchor="ctr"/>
+          <a:lstStyle/>
+          <a:p>
+            <a:pPr algn="ctr"/>
+            <a:r>
+              <a:rPr kumimoji="1" lang="en-US" altLang="zh-Hans" dirty="0" err="1">
+                <a:latin typeface="PingFang SC" panose="020B0400000000000000" pitchFamily="34" charset="-122"/>
+                <a:ea typeface="PingFang SC" panose="020B0400000000000000" pitchFamily="34" charset="-122"/>
+              </a:rPr>
+              <a:t>HouseCommonBusiness</a:t>
+            </a:r>
+            <a:endParaRPr kumimoji="1" lang="zh-CN" altLang="en-US" dirty="0">
+              <a:latin typeface="PingFang SC" panose="020B0400000000000000" pitchFamily="34" charset="-122"/>
+              <a:ea typeface="PingFang SC" panose="020B0400000000000000" pitchFamily="34" charset="-122"/>
+            </a:endParaRPr>
+          </a:p>
+        </p:txBody>
+      </p:sp>
+      <p:sp>
+        <p:nvSpPr>
+          <p:cNvPr id="16" name="矩形 15">
+            <a:extLst>
+              <a:ext uri="{FF2B5EF4-FFF2-40B4-BE49-F238E27FC236}">
+                <a16:creationId xmlns:a16="http://schemas.microsoft.com/office/drawing/2014/main" id="{A2335FDC-B44A-3C42-BC5F-E94AA6D28F84}"/>
+              </a:ext>
+            </a:extLst>
+          </p:cNvPr>
+          <p:cNvSpPr/>
+          <p:nvPr/>
+        </p:nvSpPr>
+        <p:spPr>
+          <a:xfrm>
+            <a:off x="1983587" y="3024263"/>
+            <a:ext cx="5087115" cy="520120"/>
+          </a:xfrm>
+          <a:prstGeom prst="rect">
+            <a:avLst/>
+          </a:prstGeom>
+          <a:solidFill>
+            <a:srgbClr val="FB6912"/>
+          </a:solidFill>
+          <a:ln>
+            <a:noFill/>
+          </a:ln>
+        </p:spPr>
+        <p:style>
+          <a:lnRef idx="1">
+            <a:schemeClr val="accent1"/>
+          </a:lnRef>
+          <a:fillRef idx="3">
+            <a:schemeClr val="accent1"/>
+          </a:fillRef>
+          <a:effectRef idx="2">
+            <a:schemeClr val="accent1"/>
+          </a:effectRef>
+          <a:fontRef idx="minor">
+            <a:schemeClr val="lt1"/>
+          </a:fontRef>
+        </p:style>
+        <p:txBody>
+          <a:bodyPr rtlCol="0" anchor="ctr"/>
+          <a:lstStyle/>
+          <a:p>
+            <a:pPr algn="ctr"/>
+            <a:r>
+              <a:rPr kumimoji="1" lang="en-US" altLang="zh-Hans" dirty="0" err="1">
+                <a:latin typeface="PingFang SC" panose="020B0400000000000000" pitchFamily="34" charset="-122"/>
+                <a:ea typeface="PingFang SC" panose="020B0400000000000000" pitchFamily="34" charset="-122"/>
+              </a:rPr>
+              <a:t>WBAnjuke</a:t>
+            </a:r>
+            <a:endParaRPr kumimoji="1" lang="zh-CN" altLang="en-US" dirty="0">
+              <a:latin typeface="PingFang SC" panose="020B0400000000000000" pitchFamily="34" charset="-122"/>
+              <a:ea typeface="PingFang SC" panose="020B0400000000000000" pitchFamily="34" charset="-122"/>
+            </a:endParaRPr>
+          </a:p>
+        </p:txBody>
+      </p:sp>
+    </p:spTree>
+    <p:custDataLst>
+      <p:tags r:id="rId1"/>
+    </p:custDataLst>
+    <p:extLst>
+      <p:ext uri="{BB962C8B-B14F-4D97-AF65-F5344CB8AC3E}">
+        <p14:creationId xmlns:p14="http://schemas.microsoft.com/office/powerpoint/2010/main" val="3883837954"/>
+      </p:ext>
+    </p:extLst>
+  </p:cSld>
+  <p:clrMapOvr>
+    <a:masterClrMapping/>
+  </p:clrMapOvr>
+</p:sld>
+</file>
+
+<file path=ppt/slides/slide9.xml><?xml version="1.0" encoding="utf-8"?>
+<p:sld xmlns:a="http://schemas.openxmlformats.org/drawingml/2006/main" xmlns:r="http://schemas.openxmlformats.org/officeDocument/2006/relationships" xmlns:p="http://schemas.openxmlformats.org/presentationml/2006/main">
+  <p:cSld>
+    <p:spTree>
+      <p:nvGrpSpPr>
+        <p:cNvPr id="1" name=""/>
+        <p:cNvGrpSpPr/>
+        <p:nvPr/>
+      </p:nvGrpSpPr>
+      <p:grpSpPr>
+        <a:xfrm>
+          <a:off x="0" y="0"/>
+          <a:ext cx="0" cy="0"/>
+          <a:chOff x="0" y="0"/>
+          <a:chExt cx="0" cy="0"/>
+        </a:xfrm>
+      </p:grpSpPr>
+      <p:pic>
+        <p:nvPicPr>
+          <p:cNvPr id="2" name="图片 1"/>
+          <p:cNvPicPr>
+            <a:picLocks noChangeAspect="1"/>
+          </p:cNvPicPr>
+          <p:nvPr/>
+        </p:nvPicPr>
+        <p:blipFill>
+          <a:blip r:embed="rId4" cstate="email"/>
+          <a:stretch>
+            <a:fillRect/>
+          </a:stretch>
+        </p:blipFill>
+        <p:spPr>
+          <a:xfrm>
+            <a:off x="714" y="0"/>
+            <a:ext cx="9142571" cy="6858000"/>
+          </a:xfrm>
+          <a:prstGeom prst="rect">
+            <a:avLst/>
+          </a:prstGeom>
+          <a:noFill/>
+          <a:ln>
+            <a:solidFill>
+              <a:schemeClr val="tx1"/>
+            </a:solidFill>
+          </a:ln>
+        </p:spPr>
+      </p:pic>
+      <p:sp>
+        <p:nvSpPr>
+          <p:cNvPr id="6" name="灯片编号占位符 4"/>
+          <p:cNvSpPr>
+            <a:spLocks noGrp="1"/>
+          </p:cNvSpPr>
+          <p:nvPr>
+            <p:ph type="sldNum" sz="quarter" idx="12"/>
+          </p:nvPr>
+        </p:nvSpPr>
+        <p:spPr>
+          <a:xfrm>
+            <a:off x="6120384" y="6413183"/>
+            <a:ext cx="2133600" cy="274637"/>
+          </a:xfrm>
+        </p:spPr>
+        <p:txBody>
+          <a:bodyPr/>
+          <a:lstStyle>
+            <a:lvl1pPr eaLnBrk="0" hangingPunct="0">
+              <a:defRPr>
+                <a:solidFill>
+                  <a:schemeClr val="tx1"/>
+                </a:solidFill>
+                <a:latin typeface="Arial" panose="020B0604020202090204" pitchFamily="34" charset="0"/>
+                <a:ea typeface="宋体" charset="-122"/>
+              </a:defRPr>
+            </a:lvl1pPr>
+            <a:lvl2pPr marL="742950" indent="-285750" eaLnBrk="0" hangingPunct="0">
+              <a:defRPr>
+                <a:solidFill>
+                  <a:schemeClr val="tx1"/>
+                </a:solidFill>
+                <a:latin typeface="Arial" panose="020B0604020202090204" pitchFamily="34" charset="0"/>
+                <a:ea typeface="宋体" charset="-122"/>
+              </a:defRPr>
+            </a:lvl2pPr>
+            <a:lvl3pPr marL="1143000" indent="-228600" eaLnBrk="0" hangingPunct="0">
+              <a:defRPr>
+                <a:solidFill>
+                  <a:schemeClr val="tx1"/>
+                </a:solidFill>
+                <a:latin typeface="Arial" panose="020B0604020202090204" pitchFamily="34" charset="0"/>
+                <a:ea typeface="宋体" charset="-122"/>
+              </a:defRPr>
+            </a:lvl3pPr>
+            <a:lvl4pPr marL="1600200" indent="-228600" eaLnBrk="0" hangingPunct="0">
+              <a:defRPr>
+                <a:solidFill>
+                  <a:schemeClr val="tx1"/>
+                </a:solidFill>
+                <a:latin typeface="Arial" panose="020B0604020202090204" pitchFamily="34" charset="0"/>
+                <a:ea typeface="宋体" charset="-122"/>
+              </a:defRPr>
+            </a:lvl4pPr>
+            <a:lvl5pPr marL="2057400" indent="-228600" eaLnBrk="0" hangingPunct="0">
+              <a:defRPr>
+                <a:solidFill>
+                  <a:schemeClr val="tx1"/>
+                </a:solidFill>
+                <a:latin typeface="Arial" panose="020B0604020202090204" pitchFamily="34" charset="0"/>
+                <a:ea typeface="宋体" charset="-122"/>
+              </a:defRPr>
+            </a:lvl5pPr>
+            <a:lvl6pPr marL="2514600" indent="-228600" defTabSz="457200" eaLnBrk="0" fontAlgn="base" hangingPunct="0">
+              <a:spcBef>
+                <a:spcPct val="0"/>
+              </a:spcBef>
+              <a:spcAft>
+                <a:spcPct val="0"/>
+              </a:spcAft>
+              <a:defRPr>
+                <a:solidFill>
+                  <a:schemeClr val="tx1"/>
+                </a:solidFill>
+                <a:latin typeface="Arial" panose="020B0604020202090204" pitchFamily="34" charset="0"/>
+                <a:ea typeface="宋体" charset="-122"/>
+              </a:defRPr>
+            </a:lvl6pPr>
+            <a:lvl7pPr marL="2971800" indent="-228600" defTabSz="457200" eaLnBrk="0" fontAlgn="base" hangingPunct="0">
+              <a:spcBef>
+                <a:spcPct val="0"/>
+              </a:spcBef>
+              <a:spcAft>
+                <a:spcPct val="0"/>
+              </a:spcAft>
+              <a:defRPr>
+                <a:solidFill>
+                  <a:schemeClr val="tx1"/>
+                </a:solidFill>
+                <a:latin typeface="Arial" panose="020B0604020202090204" pitchFamily="34" charset="0"/>
+                <a:ea typeface="宋体" charset="-122"/>
+              </a:defRPr>
+            </a:lvl7pPr>
+            <a:lvl8pPr marL="3429000" indent="-228600" defTabSz="457200" eaLnBrk="0" fontAlgn="base" hangingPunct="0">
+              <a:spcBef>
+                <a:spcPct val="0"/>
+              </a:spcBef>
+              <a:spcAft>
+                <a:spcPct val="0"/>
+              </a:spcAft>
+              <a:defRPr>
+                <a:solidFill>
+                  <a:schemeClr val="tx1"/>
+                </a:solidFill>
+                <a:latin typeface="Arial" panose="020B0604020202090204" pitchFamily="34" charset="0"/>
+                <a:ea typeface="宋体" charset="-122"/>
+              </a:defRPr>
+            </a:lvl8pPr>
+            <a:lvl9pPr marL="3886200" indent="-228600" defTabSz="457200" eaLnBrk="0" fontAlgn="base" hangingPunct="0">
+              <a:spcBef>
+                <a:spcPct val="0"/>
+              </a:spcBef>
+              <a:spcAft>
+                <a:spcPct val="0"/>
+              </a:spcAft>
+              <a:defRPr>
+                <a:solidFill>
+                  <a:schemeClr val="tx1"/>
+                </a:solidFill>
+                <a:latin typeface="Arial" panose="020B0604020202090204" pitchFamily="34" charset="0"/>
+                <a:ea typeface="宋体" charset="-122"/>
+              </a:defRPr>
+            </a:lvl9pPr>
+          </a:lstStyle>
+          <a:p>
+            <a:pPr marL="0" marR="0" lvl="0" indent="0" algn="r" defTabSz="457200" rtl="0" eaLnBrk="1" fontAlgn="auto" latinLnBrk="0" hangingPunct="1">
+              <a:lnSpc>
+                <a:spcPct val="100000"/>
+              </a:lnSpc>
+              <a:spcBef>
+                <a:spcPts val="0"/>
+              </a:spcBef>
+              <a:spcAft>
+                <a:spcPts val="0"/>
+              </a:spcAft>
+              <a:buClrTx/>
+              <a:buSzTx/>
+              <a:buFontTx/>
+              <a:buNone/>
+              <a:defRPr/>
+            </a:pPr>
+            <a:fld id="{3F1E42E4-90F7-C348-9C7D-352344EF35F9}" type="slidenum">
+              <a:rPr kumimoji="0" lang="zh-CN" altLang="en-US" sz="1200" b="0" i="0" u="none" strike="noStrike" kern="1200" cap="none" spc="0" normalizeH="0" baseline="0" noProof="0">
+                <a:ln>
+                  <a:noFill/>
+                </a:ln>
+                <a:solidFill>
+                  <a:srgbClr val="898989"/>
+                </a:solidFill>
+                <a:effectLst/>
+                <a:uLnTx/>
+                <a:uFillTx/>
+                <a:latin typeface="Arial" panose="020B0604020202090204" pitchFamily="34" charset="0"/>
+                <a:ea typeface="微软雅黑" charset="-122"/>
+                <a:cs typeface="+mn-cs"/>
+              </a:rPr>
+              <a:t>9</a:t>
+            </a:fld>
+            <a:endParaRPr kumimoji="0" lang="zh-CN" altLang="en-US" sz="1200" b="0" i="0" u="none" strike="noStrike" kern="1200" cap="none" spc="0" normalizeH="0" baseline="0" noProof="0" dirty="0">
+              <a:ln>
+                <a:noFill/>
+              </a:ln>
+              <a:solidFill>
+                <a:srgbClr val="898989"/>
+              </a:solidFill>
+              <a:effectLst/>
+              <a:uLnTx/>
+              <a:uFillTx/>
+              <a:latin typeface="Arial" panose="020B0604020202090204" pitchFamily="34" charset="0"/>
+              <a:ea typeface="微软雅黑" charset="-122"/>
+              <a:cs typeface="+mn-cs"/>
+            </a:endParaRPr>
+          </a:p>
+        </p:txBody>
+      </p:sp>
+      <p:sp>
+        <p:nvSpPr>
+          <p:cNvPr id="7" name="标题 1"/>
+          <p:cNvSpPr txBox="1"/>
+          <p:nvPr/>
+        </p:nvSpPr>
+        <p:spPr>
+          <a:xfrm>
+            <a:off x="250825" y="89645"/>
+            <a:ext cx="8278495" cy="782955"/>
+          </a:xfrm>
+          <a:prstGeom prst="rect">
+            <a:avLst/>
+          </a:prstGeom>
+        </p:spPr>
+        <p:txBody>
+          <a:bodyPr/>
+          <a:lstStyle>
+            <a:lvl1pPr algn="ctr" defTabSz="457200" rtl="0" eaLnBrk="1" latinLnBrk="0" hangingPunct="1">
+              <a:spcBef>
+                <a:spcPct val="0"/>
+              </a:spcBef>
+              <a:buNone/>
+              <a:defRPr sz="4400" kern="1200">
+                <a:solidFill>
+                  <a:schemeClr val="tx1"/>
+                </a:solidFill>
+                <a:latin typeface="+mj-lt"/>
+                <a:ea typeface="+mj-ea"/>
+                <a:cs typeface="+mj-cs"/>
+              </a:defRPr>
+            </a:lvl1pPr>
+          </a:lstStyle>
+          <a:p>
+            <a:pPr marL="0" marR="0" lvl="0" indent="0" algn="l" defTabSz="457200" rtl="0" eaLnBrk="1" fontAlgn="auto" latinLnBrk="0" hangingPunct="1">
+              <a:lnSpc>
+                <a:spcPct val="150000"/>
+              </a:lnSpc>
+              <a:spcBef>
+                <a:spcPts val="0"/>
+              </a:spcBef>
+              <a:spcAft>
+                <a:spcPts val="0"/>
+              </a:spcAft>
+              <a:buClrTx/>
+              <a:buSzTx/>
+              <a:buFontTx/>
+              <a:buNone/>
+              <a:defRPr/>
+            </a:pPr>
+            <a:r>
+              <a:rPr kumimoji="0" lang="zh-Hans" altLang="en-US" sz="2400" b="1" i="0" u="none" strike="noStrike" kern="1200" cap="none" spc="0" normalizeH="0" baseline="0" noProof="0" dirty="0">
+                <a:ln>
+                  <a:noFill/>
+                </a:ln>
+                <a:solidFill>
+                  <a:prstClr val="black"/>
+                </a:solidFill>
+                <a:effectLst/>
+                <a:uLnTx/>
+                <a:uFillTx/>
+                <a:latin typeface="苹方-简" panose="020B0400000000000000" charset="-122"/>
+                <a:ea typeface="苹方-简" panose="020B0400000000000000" charset="-122"/>
+              </a:rPr>
+              <a:t>木星计划</a:t>
+            </a:r>
+            <a:r>
+              <a:rPr kumimoji="0" lang="en-US" altLang="zh-Hans" sz="2400" b="1" i="0" u="none" strike="noStrike" kern="1200" cap="none" spc="0" normalizeH="0" baseline="0" noProof="0" dirty="0">
+                <a:ln>
+                  <a:noFill/>
+                </a:ln>
+                <a:solidFill>
+                  <a:prstClr val="black"/>
+                </a:solidFill>
+                <a:effectLst/>
+                <a:uLnTx/>
+                <a:uFillTx/>
+                <a:latin typeface="苹方-简" panose="020B0400000000000000" charset="-122"/>
+                <a:ea typeface="苹方-简" panose="020B0400000000000000" charset="-122"/>
+              </a:rPr>
+              <a:t>-</a:t>
+            </a:r>
+            <a:r>
+              <a:rPr lang="zh-Hans" altLang="en-US" sz="2400" b="1" dirty="0">
+                <a:solidFill>
+                  <a:prstClr val="black"/>
+                </a:solidFill>
+                <a:latin typeface="苹方-简" panose="020B0400000000000000" charset="-122"/>
+                <a:ea typeface="苹方-简" panose="020B0400000000000000" charset="-122"/>
+              </a:rPr>
+              <a:t>第一阶段</a:t>
+            </a:r>
+            <a:r>
+              <a:rPr kumimoji="0" lang="zh-Hans" altLang="en-US" sz="2400" b="1" i="0" u="none" strike="noStrike" kern="1200" cap="none" spc="0" normalizeH="0" baseline="0" noProof="0" dirty="0">
+                <a:ln>
+                  <a:noFill/>
+                </a:ln>
+                <a:solidFill>
+                  <a:prstClr val="black"/>
+                </a:solidFill>
+                <a:effectLst/>
+                <a:uLnTx/>
+                <a:uFillTx/>
+                <a:latin typeface="苹方-简" panose="020B0400000000000000" charset="-122"/>
+                <a:ea typeface="苹方-简" panose="020B0400000000000000" charset="-122"/>
+              </a:rPr>
+              <a:t>（平移后）</a:t>
+            </a:r>
+            <a:endParaRPr kumimoji="0" lang="en-US" altLang="zh-CN" sz="2400" b="1" i="0" u="none" strike="noStrike" kern="1200" cap="none" spc="0" normalizeH="0" baseline="0" noProof="0" dirty="0">
+              <a:ln>
+                <a:noFill/>
+              </a:ln>
+              <a:solidFill>
+                <a:prstClr val="black"/>
+              </a:solidFill>
+              <a:effectLst/>
+              <a:uLnTx/>
+              <a:uFillTx/>
+              <a:latin typeface="苹方-简" panose="020B0400000000000000" charset="-122"/>
+              <a:ea typeface="苹方-简" panose="020B0400000000000000" charset="-122"/>
+            </a:endParaRPr>
+          </a:p>
+        </p:txBody>
+      </p:sp>
+      <p:sp>
+        <p:nvSpPr>
+          <p:cNvPr id="9" name="内容占位符 2"/>
+          <p:cNvSpPr txBox="1"/>
+          <p:nvPr/>
+        </p:nvSpPr>
+        <p:spPr>
+          <a:xfrm>
+            <a:off x="24384" y="934691"/>
+            <a:ext cx="8229600" cy="669520"/>
+          </a:xfrm>
+          <a:prstGeom prst="rect">
+            <a:avLst/>
+          </a:prstGeom>
+        </p:spPr>
+        <p:txBody>
+          <a:bodyPr/>
+          <a:lstStyle>
+            <a:lvl1pPr marL="342900" indent="-342900" algn="l" defTabSz="457200" rtl="0" eaLnBrk="1" latinLnBrk="0" hangingPunct="1">
+              <a:spcBef>
+                <a:spcPct val="20000"/>
+              </a:spcBef>
+              <a:buFont typeface="Arial" panose="020B0604020202090204"/>
+              <a:buChar char="•"/>
+              <a:defRPr sz="3200" kern="1200">
+                <a:solidFill>
+                  <a:schemeClr val="tx1"/>
+                </a:solidFill>
+                <a:latin typeface="+mn-lt"/>
+                <a:ea typeface="+mn-ea"/>
+                <a:cs typeface="+mn-cs"/>
+              </a:defRPr>
+            </a:lvl1pPr>
+            <a:lvl2pPr marL="742950" indent="-285750" algn="l" defTabSz="457200" rtl="0" eaLnBrk="1" latinLnBrk="0" hangingPunct="1">
+              <a:spcBef>
+                <a:spcPct val="20000"/>
+              </a:spcBef>
+              <a:buFont typeface="Arial" panose="020B0604020202090204"/>
+              <a:buChar char="–"/>
+              <a:defRPr sz="2800" kern="1200">
+                <a:solidFill>
+                  <a:schemeClr val="tx1"/>
+                </a:solidFill>
+                <a:latin typeface="+mn-lt"/>
+                <a:ea typeface="+mn-ea"/>
+                <a:cs typeface="+mn-cs"/>
+              </a:defRPr>
+            </a:lvl2pPr>
+            <a:lvl3pPr marL="1143000" indent="-228600" algn="l" defTabSz="457200" rtl="0" eaLnBrk="1" latinLnBrk="0" hangingPunct="1">
+              <a:spcBef>
+                <a:spcPct val="20000"/>
+              </a:spcBef>
+              <a:buFont typeface="Arial" panose="020B0604020202090204"/>
+              <a:buChar char="•"/>
+              <a:defRPr sz="2400" kern="1200">
+                <a:solidFill>
+                  <a:schemeClr val="tx1"/>
+                </a:solidFill>
+                <a:latin typeface="+mn-lt"/>
+                <a:ea typeface="+mn-ea"/>
+                <a:cs typeface="+mn-cs"/>
+              </a:defRPr>
+            </a:lvl3pPr>
+            <a:lvl4pPr marL="1600200" indent="-228600" algn="l" defTabSz="457200" rtl="0" eaLnBrk="1" latinLnBrk="0" hangingPunct="1">
+              <a:spcBef>
+                <a:spcPct val="20000"/>
+              </a:spcBef>
+              <a:buFont typeface="Arial" panose="020B0604020202090204"/>
+              <a:buChar char="–"/>
+              <a:defRPr sz="2000" kern="1200">
+                <a:solidFill>
+                  <a:schemeClr val="tx1"/>
+                </a:solidFill>
+                <a:latin typeface="+mn-lt"/>
+                <a:ea typeface="+mn-ea"/>
+                <a:cs typeface="+mn-cs"/>
+              </a:defRPr>
+            </a:lvl4pPr>
+            <a:lvl5pPr marL="2057400" indent="-228600" algn="l" defTabSz="457200" rtl="0" eaLnBrk="1" latinLnBrk="0" hangingPunct="1">
+              <a:spcBef>
+                <a:spcPct val="20000"/>
+              </a:spcBef>
+              <a:buFont typeface="Arial" panose="020B0604020202090204"/>
+              <a:buChar char="»"/>
+              <a:defRPr sz="2000" kern="1200">
+                <a:solidFill>
+                  <a:schemeClr val="tx1"/>
+                </a:solidFill>
+                <a:latin typeface="+mn-lt"/>
+                <a:ea typeface="+mn-ea"/>
+                <a:cs typeface="+mn-cs"/>
+              </a:defRPr>
+            </a:lvl5pPr>
+            <a:lvl6pPr marL="2514600" indent="-228600" algn="l" defTabSz="457200" rtl="0" eaLnBrk="1" latinLnBrk="0" hangingPunct="1">
+              <a:spcBef>
+                <a:spcPct val="20000"/>
+              </a:spcBef>
+              <a:buFont typeface="Arial" panose="020B0604020202090204"/>
+              <a:buChar char="•"/>
+              <a:defRPr sz="2000" kern="1200">
+                <a:solidFill>
+                  <a:schemeClr val="tx1"/>
+                </a:solidFill>
+                <a:latin typeface="+mn-lt"/>
+                <a:ea typeface="+mn-ea"/>
+                <a:cs typeface="+mn-cs"/>
+              </a:defRPr>
+            </a:lvl6pPr>
+            <a:lvl7pPr marL="2971800" indent="-228600" algn="l" defTabSz="457200" rtl="0" eaLnBrk="1" latinLnBrk="0" hangingPunct="1">
+              <a:spcBef>
+                <a:spcPct val="20000"/>
+              </a:spcBef>
+              <a:buFont typeface="Arial" panose="020B0604020202090204"/>
+              <a:buChar char="•"/>
+              <a:defRPr sz="2000" kern="1200">
+                <a:solidFill>
+                  <a:schemeClr val="tx1"/>
+                </a:solidFill>
+                <a:latin typeface="+mn-lt"/>
+                <a:ea typeface="+mn-ea"/>
+                <a:cs typeface="+mn-cs"/>
+              </a:defRPr>
+            </a:lvl7pPr>
+            <a:lvl8pPr marL="3429000" indent="-228600" algn="l" defTabSz="457200" rtl="0" eaLnBrk="1" latinLnBrk="0" hangingPunct="1">
+              <a:spcBef>
+                <a:spcPct val="20000"/>
+              </a:spcBef>
+              <a:buFont typeface="Arial" panose="020B0604020202090204"/>
+              <a:buChar char="•"/>
+              <a:defRPr sz="2000" kern="1200">
+                <a:solidFill>
+                  <a:schemeClr val="tx1"/>
+                </a:solidFill>
+                <a:latin typeface="+mn-lt"/>
+                <a:ea typeface="+mn-ea"/>
+                <a:cs typeface="+mn-cs"/>
+              </a:defRPr>
+            </a:lvl8pPr>
+            <a:lvl9pPr marL="3886200" indent="-228600" algn="l" defTabSz="457200" rtl="0" eaLnBrk="1" latinLnBrk="0" hangingPunct="1">
+              <a:spcBef>
+                <a:spcPct val="20000"/>
+              </a:spcBef>
+              <a:buFont typeface="Arial" panose="020B0604020202090204"/>
+              <a:buChar char="•"/>
+              <a:defRPr sz="2000" kern="1200">
+                <a:solidFill>
+                  <a:schemeClr val="tx1"/>
+                </a:solidFill>
+                <a:latin typeface="+mn-lt"/>
+                <a:ea typeface="+mn-ea"/>
+                <a:cs typeface="+mn-cs"/>
+              </a:defRPr>
+            </a:lvl9pPr>
+          </a:lstStyle>
+          <a:p>
+            <a:pPr marL="342900" marR="0" lvl="0" indent="-342900" algn="l" defTabSz="457200" rtl="0" eaLnBrk="1" fontAlgn="auto" latinLnBrk="0" hangingPunct="1">
+              <a:lnSpc>
+                <a:spcPct val="130000"/>
+              </a:lnSpc>
+              <a:spcBef>
+                <a:spcPct val="20000"/>
+              </a:spcBef>
+              <a:spcAft>
+                <a:spcPts val="0"/>
+              </a:spcAft>
+              <a:buClrTx/>
+              <a:buSzTx/>
+              <a:buFont typeface="Wingdings" panose="05000000000000000000" pitchFamily="2" charset="2"/>
+              <a:buChar char="l"/>
+              <a:defRPr/>
+            </a:pPr>
+            <a:endParaRPr kumimoji="0" lang="en-US" altLang="zh-CN" sz="1800" b="0" i="0" u="none" strike="noStrike" kern="1200" cap="none" spc="0" normalizeH="0" baseline="0" noProof="0" dirty="0">
+              <a:ln>
+                <a:noFill/>
+              </a:ln>
+              <a:solidFill>
+                <a:prstClr val="black"/>
+              </a:solidFill>
+              <a:effectLst/>
+              <a:uLnTx/>
+              <a:uFillTx/>
+              <a:latin typeface="Calibri"/>
+              <a:ea typeface="微软雅黑" charset="-122"/>
+              <a:cs typeface="+mn-cs"/>
+            </a:endParaRPr>
+          </a:p>
+          <a:p>
+            <a:pPr marL="0" marR="0" lvl="0" indent="0" algn="l" defTabSz="457200" rtl="0" eaLnBrk="1" fontAlgn="auto" latinLnBrk="0" hangingPunct="1">
+              <a:lnSpc>
+                <a:spcPct val="130000"/>
+              </a:lnSpc>
+              <a:spcBef>
+                <a:spcPct val="20000"/>
+              </a:spcBef>
+              <a:spcAft>
+                <a:spcPts val="0"/>
+              </a:spcAft>
+              <a:buClrTx/>
+              <a:buSzTx/>
+              <a:buFont typeface="Arial" panose="020B0604020202090204"/>
+              <a:buNone/>
+              <a:defRPr/>
+            </a:pPr>
+            <a:endParaRPr kumimoji="0" lang="en-US" altLang="zh-CN" sz="1800" b="1" i="0" u="none" strike="noStrike" kern="1200" cap="none" spc="0" normalizeH="0" baseline="0" noProof="0" dirty="0">
+              <a:ln>
+                <a:noFill/>
+              </a:ln>
+              <a:solidFill>
+                <a:prstClr val="black"/>
+              </a:solidFill>
+              <a:effectLst/>
+              <a:uLnTx/>
+              <a:uFillTx/>
+              <a:latin typeface="Calibri"/>
+              <a:ea typeface="微软雅黑" charset="-122"/>
+              <a:cs typeface="+mn-cs"/>
+            </a:endParaRPr>
+          </a:p>
+          <a:p>
+            <a:pPr marL="0" marR="0" lvl="0" indent="0" algn="l" defTabSz="457200" rtl="0" eaLnBrk="1" fontAlgn="auto" latinLnBrk="0" hangingPunct="1">
+              <a:lnSpc>
+                <a:spcPct val="130000"/>
+              </a:lnSpc>
+              <a:spcBef>
+                <a:spcPct val="20000"/>
+              </a:spcBef>
+              <a:spcAft>
+                <a:spcPts val="0"/>
+              </a:spcAft>
+              <a:buClrTx/>
+              <a:buSzTx/>
+              <a:buFont typeface="Arial" panose="020B0604020202090204"/>
+              <a:buNone/>
+              <a:defRPr/>
+            </a:pPr>
+            <a:endParaRPr kumimoji="0" lang="en-US" altLang="zh-CN" sz="1800" b="1" i="0" u="none" strike="noStrike" kern="1200" cap="none" spc="0" normalizeH="0" baseline="0" noProof="0" dirty="0">
+              <a:ln>
+                <a:noFill/>
+              </a:ln>
+              <a:solidFill>
+                <a:prstClr val="black"/>
+              </a:solidFill>
+              <a:effectLst/>
+              <a:uLnTx/>
+              <a:uFillTx/>
+              <a:latin typeface="Calibri"/>
+              <a:ea typeface="微软雅黑" charset="-122"/>
+              <a:cs typeface="+mn-cs"/>
+            </a:endParaRPr>
+          </a:p>
+        </p:txBody>
+      </p:sp>
+      <p:pic>
+        <p:nvPicPr>
+          <p:cNvPr id="13" name="Picture 3" descr="page16image55775280">
+            <a:extLst>
+              <a:ext uri="{FF2B5EF4-FFF2-40B4-BE49-F238E27FC236}">
+                <a16:creationId xmlns:a16="http://schemas.microsoft.com/office/drawing/2014/main" id="{7007ECCC-0214-4141-88B4-CAD976E45012}"/>
+              </a:ext>
+            </a:extLst>
+          </p:cNvPr>
+          <p:cNvPicPr>
+            <a:picLocks noChangeAspect="1" noChangeArrowheads="1"/>
+          </p:cNvPicPr>
+          <p:nvPr/>
+        </p:nvPicPr>
+        <p:blipFill>
+          <a:blip r:embed="rId5">
+            <a:extLst>
+              <a:ext uri="{28A0092B-C50C-407E-A947-70E740481C1C}">
+                <a14:useLocalDpi xmlns:a14="http://schemas.microsoft.com/office/drawing/2010/main" val="0"/>
+              </a:ext>
+            </a:extLst>
+          </a:blip>
+          <a:srcRect/>
+          <a:stretch>
+            <a:fillRect/>
+          </a:stretch>
+        </p:blipFill>
+        <p:spPr bwMode="auto">
+          <a:xfrm>
+            <a:off x="4216576" y="1604211"/>
+            <a:ext cx="824400" cy="824400"/>
+          </a:xfrm>
+          <a:prstGeom prst="rect">
+            <a:avLst/>
+          </a:prstGeom>
+          <a:noFill/>
+          <a:extLst>
+            <a:ext uri="{909E8E84-426E-40DD-AFC4-6F175D3DCCD1}">
+              <a14:hiddenFill xmlns:a14="http://schemas.microsoft.com/office/drawing/2010/main">
+                <a:solidFill>
+                  <a:srgbClr val="FFFFFF"/>
+                </a:solidFill>
+              </a14:hiddenFill>
+            </a:ext>
+          </a:extLst>
+        </p:spPr>
+      </p:pic>
+      <p:sp>
+        <p:nvSpPr>
+          <p:cNvPr id="14" name="矩形 13">
+            <a:extLst>
+              <a:ext uri="{FF2B5EF4-FFF2-40B4-BE49-F238E27FC236}">
+                <a16:creationId xmlns:a16="http://schemas.microsoft.com/office/drawing/2014/main" id="{87D37418-062C-6640-A9D3-2E04638E1F61}"/>
+              </a:ext>
+            </a:extLst>
+          </p:cNvPr>
+          <p:cNvSpPr/>
+          <p:nvPr/>
+        </p:nvSpPr>
+        <p:spPr>
+          <a:xfrm>
+            <a:off x="1523999" y="2852718"/>
+            <a:ext cx="3104777" cy="520120"/>
+          </a:xfrm>
+          <a:prstGeom prst="rect">
+            <a:avLst/>
+          </a:prstGeom>
+          <a:solidFill>
+            <a:srgbClr val="92D050"/>
+          </a:solidFill>
+          <a:ln>
+            <a:noFill/>
+          </a:ln>
+        </p:spPr>
+        <p:style>
+          <a:lnRef idx="1">
+            <a:schemeClr val="accent1"/>
+          </a:lnRef>
+          <a:fillRef idx="3">
+            <a:schemeClr val="accent1"/>
+          </a:fillRef>
+          <a:effectRef idx="2">
+            <a:schemeClr val="accent1"/>
+          </a:effectRef>
+          <a:fontRef idx="minor">
+            <a:schemeClr val="lt1"/>
+          </a:fontRef>
+        </p:style>
+        <p:txBody>
+          <a:bodyPr rtlCol="0" anchor="ctr"/>
+          <a:lstStyle/>
+          <a:p>
+            <a:pPr algn="ctr"/>
+            <a:r>
+              <a:rPr kumimoji="1" lang="zh-Hans" altLang="en-US" dirty="0">
+                <a:latin typeface="PingFang SC" panose="020B0400000000000000" pitchFamily="34" charset="-122"/>
+                <a:ea typeface="PingFang SC" panose="020B0400000000000000" pitchFamily="34" charset="-122"/>
+              </a:rPr>
+              <a:t>小区</a:t>
+            </a:r>
+            <a:r>
+              <a:rPr kumimoji="1" lang="en-US" altLang="zh-Hans" dirty="0">
+                <a:latin typeface="PingFang SC" panose="020B0400000000000000" pitchFamily="34" charset="-122"/>
+                <a:ea typeface="PingFang SC" panose="020B0400000000000000" pitchFamily="34" charset="-122"/>
+              </a:rPr>
+              <a:t>/</a:t>
+            </a:r>
+            <a:r>
+              <a:rPr kumimoji="1" lang="zh-Hans" altLang="en-US" dirty="0">
+                <a:latin typeface="PingFang SC" panose="020B0400000000000000" pitchFamily="34" charset="-122"/>
+                <a:ea typeface="PingFang SC" panose="020B0400000000000000" pitchFamily="34" charset="-122"/>
+              </a:rPr>
+              <a:t>房源模块</a:t>
+            </a:r>
+            <a:endParaRPr kumimoji="1" lang="zh-CN" altLang="en-US" dirty="0">
+              <a:latin typeface="PingFang SC" panose="020B0400000000000000" pitchFamily="34" charset="-122"/>
+              <a:ea typeface="PingFang SC" panose="020B0400000000000000" pitchFamily="34" charset="-122"/>
+            </a:endParaRPr>
+          </a:p>
+        </p:txBody>
+      </p:sp>
+      <p:sp>
+        <p:nvSpPr>
+          <p:cNvPr id="15" name="矩形 14">
+            <a:extLst>
+              <a:ext uri="{FF2B5EF4-FFF2-40B4-BE49-F238E27FC236}">
+                <a16:creationId xmlns:a16="http://schemas.microsoft.com/office/drawing/2014/main" id="{268CA666-C4DD-474C-9B16-062EAF2F99A6}"/>
+              </a:ext>
+            </a:extLst>
+          </p:cNvPr>
+          <p:cNvSpPr/>
+          <p:nvPr/>
+        </p:nvSpPr>
+        <p:spPr>
+          <a:xfrm>
+            <a:off x="1524000" y="3618414"/>
+            <a:ext cx="3104776" cy="520120"/>
+          </a:xfrm>
+          <a:prstGeom prst="rect">
+            <a:avLst/>
+          </a:prstGeom>
+          <a:solidFill>
+            <a:srgbClr val="FF0000"/>
+          </a:solidFill>
+          <a:ln>
+            <a:noFill/>
+          </a:ln>
+        </p:spPr>
+        <p:style>
+          <a:lnRef idx="1">
+            <a:schemeClr val="accent1"/>
+          </a:lnRef>
+          <a:fillRef idx="3">
+            <a:schemeClr val="accent1"/>
+          </a:fillRef>
+          <a:effectRef idx="2">
+            <a:schemeClr val="accent1"/>
+          </a:effectRef>
+          <a:fontRef idx="minor">
+            <a:schemeClr val="lt1"/>
+          </a:fontRef>
+        </p:style>
+        <p:txBody>
+          <a:bodyPr rtlCol="0" anchor="ctr"/>
+          <a:lstStyle/>
+          <a:p>
+            <a:pPr algn="ctr"/>
+            <a:r>
+              <a:rPr kumimoji="1" lang="en-US" altLang="zh-Hans" dirty="0" err="1">
+                <a:latin typeface="PingFang SC" panose="020B0400000000000000" pitchFamily="34" charset="-122"/>
+                <a:ea typeface="PingFang SC" panose="020B0400000000000000" pitchFamily="34" charset="-122"/>
+              </a:rPr>
+              <a:t>AJKCommonBusiness</a:t>
+            </a:r>
+            <a:r>
+              <a:rPr kumimoji="1" lang="zh-Hans" altLang="en-US" dirty="0">
+                <a:latin typeface="PingFang SC" panose="020B0400000000000000" pitchFamily="34" charset="-122"/>
+                <a:ea typeface="PingFang SC" panose="020B0400000000000000" pitchFamily="34" charset="-122"/>
+              </a:rPr>
+              <a:t> </a:t>
+            </a:r>
+            <a:r>
+              <a:rPr kumimoji="1" lang="en-US" altLang="zh-Hans" dirty="0">
+                <a:latin typeface="PingFang SC" panose="020B0400000000000000" pitchFamily="34" charset="-122"/>
+                <a:ea typeface="PingFang SC" panose="020B0400000000000000" pitchFamily="34" charset="-122"/>
+              </a:rPr>
+              <a:t>Slim</a:t>
+            </a:r>
+            <a:endParaRPr kumimoji="1" lang="zh-CN" altLang="en-US" dirty="0">
+              <a:latin typeface="PingFang SC" panose="020B0400000000000000" pitchFamily="34" charset="-122"/>
+              <a:ea typeface="PingFang SC" panose="020B0400000000000000" pitchFamily="34" charset="-122"/>
+            </a:endParaRPr>
+          </a:p>
+        </p:txBody>
+      </p:sp>
+      <p:sp>
+        <p:nvSpPr>
+          <p:cNvPr id="16" name="矩形 15">
+            <a:extLst>
+              <a:ext uri="{FF2B5EF4-FFF2-40B4-BE49-F238E27FC236}">
+                <a16:creationId xmlns:a16="http://schemas.microsoft.com/office/drawing/2014/main" id="{B044CD6C-0C88-7D44-A4B0-A305CDB9D96B}"/>
+              </a:ext>
+            </a:extLst>
+          </p:cNvPr>
+          <p:cNvSpPr/>
+          <p:nvPr/>
+        </p:nvSpPr>
+        <p:spPr>
+          <a:xfrm>
+            <a:off x="1524000" y="4425157"/>
+            <a:ext cx="3104776" cy="520120"/>
+          </a:xfrm>
+          <a:prstGeom prst="rect">
+            <a:avLst/>
+          </a:prstGeom>
+          <a:solidFill>
+            <a:srgbClr val="F17E2F"/>
+          </a:solidFill>
+          <a:ln>
+            <a:noFill/>
+          </a:ln>
+        </p:spPr>
+        <p:style>
+          <a:lnRef idx="1">
+            <a:schemeClr val="accent1"/>
+          </a:lnRef>
+          <a:fillRef idx="3">
+            <a:schemeClr val="accent1"/>
+          </a:fillRef>
+          <a:effectRef idx="2">
+            <a:schemeClr val="accent1"/>
+          </a:effectRef>
+          <a:fontRef idx="minor">
+            <a:schemeClr val="lt1"/>
+          </a:fontRef>
+        </p:style>
+        <p:txBody>
+          <a:bodyPr rtlCol="0" anchor="ctr"/>
+          <a:lstStyle/>
+          <a:p>
+            <a:pPr algn="ctr"/>
+            <a:r>
+              <a:rPr kumimoji="1" lang="en-US" altLang="zh-CN" dirty="0" err="1">
+                <a:latin typeface="PingFang SC" panose="020B0400000000000000" pitchFamily="34" charset="-122"/>
+                <a:ea typeface="PingFang SC" panose="020B0400000000000000" pitchFamily="34" charset="-122"/>
+              </a:rPr>
+              <a:t>A</a:t>
+            </a:r>
+            <a:r>
+              <a:rPr kumimoji="1" lang="en-US" altLang="zh-Hans" dirty="0" err="1">
+                <a:latin typeface="PingFang SC" panose="020B0400000000000000" pitchFamily="34" charset="-122"/>
+                <a:ea typeface="PingFang SC" panose="020B0400000000000000" pitchFamily="34" charset="-122"/>
+              </a:rPr>
+              <a:t>IFFrameworks</a:t>
+            </a:r>
+            <a:r>
+              <a:rPr kumimoji="1" lang="zh-Hans" altLang="en-US" dirty="0">
+                <a:latin typeface="PingFang SC" panose="020B0400000000000000" pitchFamily="34" charset="-122"/>
+                <a:ea typeface="PingFang SC" panose="020B0400000000000000" pitchFamily="34" charset="-122"/>
+              </a:rPr>
+              <a:t> </a:t>
+            </a:r>
+            <a:r>
+              <a:rPr kumimoji="1" lang="en-US" altLang="zh-Hans" dirty="0">
+                <a:latin typeface="PingFang SC" panose="020B0400000000000000" pitchFamily="34" charset="-122"/>
+                <a:ea typeface="PingFang SC" panose="020B0400000000000000" pitchFamily="34" charset="-122"/>
+              </a:rPr>
+              <a:t>Slim</a:t>
+            </a:r>
+            <a:endParaRPr kumimoji="1" lang="zh-CN" altLang="en-US" dirty="0">
+              <a:latin typeface="PingFang SC" panose="020B0400000000000000" pitchFamily="34" charset="-122"/>
+              <a:ea typeface="PingFang SC" panose="020B0400000000000000" pitchFamily="34" charset="-122"/>
+            </a:endParaRPr>
+          </a:p>
+        </p:txBody>
+      </p:sp>
+      <p:sp>
+        <p:nvSpPr>
+          <p:cNvPr id="17" name="矩形 16">
+            <a:extLst>
+              <a:ext uri="{FF2B5EF4-FFF2-40B4-BE49-F238E27FC236}">
+                <a16:creationId xmlns:a16="http://schemas.microsoft.com/office/drawing/2014/main" id="{36F8D197-9D0F-E545-BBF2-97AEA12A1BB5}"/>
+              </a:ext>
+            </a:extLst>
+          </p:cNvPr>
+          <p:cNvSpPr/>
+          <p:nvPr/>
+        </p:nvSpPr>
+        <p:spPr>
+          <a:xfrm>
+            <a:off x="4742158" y="4425157"/>
+            <a:ext cx="2904345" cy="520120"/>
+          </a:xfrm>
+          <a:prstGeom prst="rect">
+            <a:avLst/>
+          </a:prstGeom>
+          <a:solidFill>
+            <a:srgbClr val="0D6CBB"/>
+          </a:solidFill>
+          <a:ln>
+            <a:noFill/>
+          </a:ln>
+        </p:spPr>
+        <p:style>
+          <a:lnRef idx="1">
+            <a:schemeClr val="accent1"/>
+          </a:lnRef>
+          <a:fillRef idx="3">
+            <a:schemeClr val="accent1"/>
+          </a:fillRef>
+          <a:effectRef idx="2">
+            <a:schemeClr val="accent1"/>
+          </a:effectRef>
+          <a:fontRef idx="minor">
+            <a:schemeClr val="lt1"/>
+          </a:fontRef>
+        </p:style>
+        <p:txBody>
+          <a:bodyPr rtlCol="0" anchor="ctr"/>
+          <a:lstStyle/>
+          <a:p>
+            <a:pPr algn="ctr"/>
+            <a:r>
+              <a:rPr kumimoji="1" lang="en-US" altLang="zh-Hans" dirty="0" err="1">
+                <a:latin typeface="PingFang SC" panose="020B0400000000000000" pitchFamily="34" charset="-122"/>
+                <a:ea typeface="PingFang SC" panose="020B0400000000000000" pitchFamily="34" charset="-122"/>
+              </a:rPr>
+              <a:t>WBFrameworks</a:t>
+            </a:r>
+            <a:endParaRPr kumimoji="1" lang="zh-CN" altLang="en-US" dirty="0">
+              <a:latin typeface="PingFang SC" panose="020B0400000000000000" pitchFamily="34" charset="-122"/>
+              <a:ea typeface="PingFang SC" panose="020B0400000000000000" pitchFamily="34" charset="-122"/>
+            </a:endParaRPr>
+          </a:p>
+        </p:txBody>
+      </p:sp>
+      <p:sp>
+        <p:nvSpPr>
+          <p:cNvPr id="18" name="矩形 17">
+            <a:extLst>
+              <a:ext uri="{FF2B5EF4-FFF2-40B4-BE49-F238E27FC236}">
+                <a16:creationId xmlns:a16="http://schemas.microsoft.com/office/drawing/2014/main" id="{0FAC4491-9C5F-444C-AA09-5D0F6B5C9523}"/>
+              </a:ext>
+            </a:extLst>
+          </p:cNvPr>
+          <p:cNvSpPr/>
+          <p:nvPr/>
+        </p:nvSpPr>
+        <p:spPr>
+          <a:xfrm>
+            <a:off x="4742158" y="3618414"/>
+            <a:ext cx="2904347" cy="520120"/>
+          </a:xfrm>
+          <a:prstGeom prst="rect">
+            <a:avLst/>
+          </a:prstGeom>
+          <a:solidFill>
+            <a:srgbClr val="FFC000"/>
+          </a:solidFill>
+          <a:ln>
+            <a:noFill/>
+          </a:ln>
+        </p:spPr>
+        <p:style>
+          <a:lnRef idx="1">
+            <a:schemeClr val="accent1"/>
+          </a:lnRef>
+          <a:fillRef idx="3">
+            <a:schemeClr val="accent1"/>
+          </a:fillRef>
+          <a:effectRef idx="2">
+            <a:schemeClr val="accent1"/>
+          </a:effectRef>
+          <a:fontRef idx="minor">
+            <a:schemeClr val="lt1"/>
+          </a:fontRef>
+        </p:style>
+        <p:txBody>
+          <a:bodyPr rtlCol="0" anchor="ctr"/>
+          <a:lstStyle/>
+          <a:p>
+            <a:pPr algn="ctr"/>
+            <a:r>
+              <a:rPr kumimoji="1" lang="en-US" altLang="zh-Hans" dirty="0" err="1">
+                <a:latin typeface="PingFang SC" panose="020B0400000000000000" pitchFamily="34" charset="-122"/>
+                <a:ea typeface="PingFang SC" panose="020B0400000000000000" pitchFamily="34" charset="-122"/>
+              </a:rPr>
+              <a:t>HouseCommonBusiness</a:t>
+            </a:r>
+            <a:endParaRPr kumimoji="1" lang="zh-CN" altLang="en-US" dirty="0">
+              <a:latin typeface="PingFang SC" panose="020B0400000000000000" pitchFamily="34" charset="-122"/>
+              <a:ea typeface="PingFang SC" panose="020B0400000000000000" pitchFamily="34" charset="-122"/>
+            </a:endParaRPr>
+          </a:p>
+        </p:txBody>
+      </p:sp>
+      <p:sp>
+        <p:nvSpPr>
+          <p:cNvPr id="19" name="矩形 18">
+            <a:extLst>
+              <a:ext uri="{FF2B5EF4-FFF2-40B4-BE49-F238E27FC236}">
+                <a16:creationId xmlns:a16="http://schemas.microsoft.com/office/drawing/2014/main" id="{DDA16DEF-99AE-4B4E-93C4-4EEBE2904489}"/>
+              </a:ext>
+            </a:extLst>
+          </p:cNvPr>
+          <p:cNvSpPr/>
+          <p:nvPr/>
+        </p:nvSpPr>
+        <p:spPr>
+          <a:xfrm>
+            <a:off x="4742158" y="2852718"/>
+            <a:ext cx="2904345" cy="520120"/>
+          </a:xfrm>
+          <a:prstGeom prst="rect">
+            <a:avLst/>
+          </a:prstGeom>
+          <a:solidFill>
+            <a:srgbClr val="FB6912"/>
+          </a:solidFill>
+          <a:ln>
+            <a:noFill/>
+          </a:ln>
+        </p:spPr>
+        <p:style>
+          <a:lnRef idx="1">
+            <a:schemeClr val="accent1"/>
+          </a:lnRef>
+          <a:fillRef idx="3">
+            <a:schemeClr val="accent1"/>
+          </a:fillRef>
+          <a:effectRef idx="2">
+            <a:schemeClr val="accent1"/>
+          </a:effectRef>
+          <a:fontRef idx="minor">
+            <a:schemeClr val="lt1"/>
+          </a:fontRef>
+        </p:style>
+        <p:txBody>
+          <a:bodyPr rtlCol="0" anchor="ctr"/>
+          <a:lstStyle/>
+          <a:p>
+            <a:pPr algn="ctr"/>
+            <a:r>
+              <a:rPr kumimoji="1" lang="en-US" altLang="zh-Hans" dirty="0" err="1">
+                <a:latin typeface="PingFang SC" panose="020B0400000000000000" pitchFamily="34" charset="-122"/>
+                <a:ea typeface="PingFang SC" panose="020B0400000000000000" pitchFamily="34" charset="-122"/>
+              </a:rPr>
+              <a:t>WBAnjuke</a:t>
+            </a:r>
+            <a:endParaRPr kumimoji="1" lang="zh-CN" altLang="en-US" dirty="0">
+              <a:latin typeface="PingFang SC" panose="020B0400000000000000" pitchFamily="34" charset="-122"/>
+              <a:ea typeface="PingFang SC" panose="020B0400000000000000" pitchFamily="34" charset="-122"/>
+            </a:endParaRPr>
+          </a:p>
+        </p:txBody>
+      </p:sp>
+    </p:spTree>
+    <p:custDataLst>
+      <p:tags r:id="rId1"/>
+    </p:custDataLst>
+    <p:extLst>
+      <p:ext uri="{BB962C8B-B14F-4D97-AF65-F5344CB8AC3E}">
+        <p14:creationId xmlns:p14="http://schemas.microsoft.com/office/powerpoint/2010/main" val="3730107096"/>
+      </p:ext>
+    </p:extLst>
+  </p:cSld>
+  <p:clrMapOvr>
+    <a:masterClrMapping/>
+  </p:clrMapOvr>
+</p:sld>
+</file>
+
 <file path=ppt/tags/tag1.xml><?xml version="1.0" encoding="utf-8"?>
+<p:tagLst xmlns:a="http://schemas.openxmlformats.org/drawingml/2006/main" xmlns:r="http://schemas.openxmlformats.org/officeDocument/2006/relationships" xmlns:p="http://schemas.openxmlformats.org/presentationml/2006/main">
+  <p:tag name="TIMING" val="|3.1|1"/>
+</p:tagLst>
+</file>
+
+<file path=ppt/tags/tag2.xml><?xml version="1.0" encoding="utf-8"?>
+<p:tagLst xmlns:a="http://schemas.openxmlformats.org/drawingml/2006/main" xmlns:r="http://schemas.openxmlformats.org/officeDocument/2006/relationships" xmlns:p="http://schemas.openxmlformats.org/presentationml/2006/main">
+  <p:tag name="TIMING" val="|3.1|1"/>
+</p:tagLst>
+</file>
+
+<file path=ppt/tags/tag3.xml><?xml version="1.0" encoding="utf-8"?>
+<p:tagLst xmlns:a="http://schemas.openxmlformats.org/drawingml/2006/main" xmlns:r="http://schemas.openxmlformats.org/officeDocument/2006/relationships" xmlns:p="http://schemas.openxmlformats.org/presentationml/2006/main">
+  <p:tag name="TIMING" val="|3.1|1"/>
+</p:tagLst>
+</file>
+
+<file path=ppt/tags/tag4.xml><?xml version="1.0" encoding="utf-8"?>
+<p:tagLst xmlns:a="http://schemas.openxmlformats.org/drawingml/2006/main" xmlns:r="http://schemas.openxmlformats.org/officeDocument/2006/relationships" xmlns:p="http://schemas.openxmlformats.org/presentationml/2006/main">
+  <p:tag name="TIMING" val="|3.1|1"/>
+</p:tagLst>
+</file>
+
+<file path=ppt/tags/tag5.xml><?xml version="1.0" encoding="utf-8"?>
+<p:tagLst xmlns:a="http://schemas.openxmlformats.org/drawingml/2006/main" xmlns:r="http://schemas.openxmlformats.org/officeDocument/2006/relationships" xmlns:p="http://schemas.openxmlformats.org/presentationml/2006/main">
+  <p:tag name="TIMING" val="|3.1|1"/>
+</p:tagLst>
+</file>
+
+<file path=ppt/tags/tag6.xml><?xml version="1.0" encoding="utf-8"?>
 <p:tagLst xmlns:a="http://schemas.openxmlformats.org/drawingml/2006/main" xmlns:r="http://schemas.openxmlformats.org/officeDocument/2006/relationships" xmlns:p="http://schemas.openxmlformats.org/presentationml/2006/main">
   <p:tag name="TIMING" val="|3.1|1"/>
 </p:tagLst>

--- a/documents/钱杰_2019年度总结述职报告.pptx
+++ b/documents/钱杰_2019年度总结述职报告.pptx
@@ -5,7 +5,7 @@
     <p:sldMasterId id="2147483648" r:id="rId1"/>
   </p:sldMasterIdLst>
   <p:notesMasterIdLst>
-    <p:notesMasterId r:id="rId20"/>
+    <p:notesMasterId r:id="rId24"/>
   </p:notesMasterIdLst>
   <p:sldIdLst>
     <p:sldId id="378" r:id="rId2"/>
@@ -25,7 +25,11 @@
     <p:sldId id="518" r:id="rId16"/>
     <p:sldId id="519" r:id="rId17"/>
     <p:sldId id="520" r:id="rId18"/>
-    <p:sldId id="263" r:id="rId19"/>
+    <p:sldId id="521" r:id="rId19"/>
+    <p:sldId id="522" r:id="rId20"/>
+    <p:sldId id="523" r:id="rId21"/>
+    <p:sldId id="524" r:id="rId22"/>
+    <p:sldId id="263" r:id="rId23"/>
   </p:sldIdLst>
   <p:sldSz cx="9144000" cy="6858000" type="screen4x3"/>
   <p:notesSz cx="6858000" cy="9144000"/>
@@ -672,6 +676,16 @@
           <a:p>
             <a:endParaRPr lang="en-US" altLang="zh-Hans" dirty="0"/>
           </a:p>
+          <a:p>
+            <a:r>
+              <a:rPr lang="zh-Hans" altLang="en-US" dirty="0"/>
+              <a:t>差异的点主要包括：分享、本地数据存储、通话记录、登录</a:t>
+            </a:r>
+            <a:endParaRPr lang="en-US" altLang="zh-Hans" dirty="0"/>
+          </a:p>
+          <a:p>
+            <a:endParaRPr lang="en-US" altLang="zh-Hans" dirty="0"/>
+          </a:p>
         </p:txBody>
       </p:sp>
       <p:sp>
@@ -1469,47 +1483,38 @@
                 <a:latin typeface="PingFang SC" panose="020B0400000000000000" pitchFamily="34" charset="-122"/>
                 <a:ea typeface="PingFang SC" panose="020B0400000000000000" pitchFamily="34" charset="-122"/>
               </a:rPr>
-              <a:t>各业务路由化，拆分后，结构如图</a:t>
-            </a:r>
+              <a:t>平移</a:t>
+            </a:r>
+            <a:r>
+              <a:rPr lang="en-US" altLang="zh-Hans" sz="1400" dirty="0">
+                <a:latin typeface="PingFang SC" panose="020B0400000000000000" pitchFamily="34" charset="-122"/>
+                <a:ea typeface="PingFang SC" panose="020B0400000000000000" pitchFamily="34" charset="-122"/>
+              </a:rPr>
+              <a:t>58</a:t>
+            </a:r>
+          </a:p>
+          <a:p>
             <a:endParaRPr lang="en-US" altLang="zh-Hans" sz="1400" dirty="0">
               <a:latin typeface="PingFang SC" panose="020B0400000000000000" pitchFamily="34" charset="-122"/>
               <a:ea typeface="PingFang SC" panose="020B0400000000000000" pitchFamily="34" charset="-122"/>
             </a:endParaRPr>
           </a:p>
           <a:p>
-            <a:endParaRPr lang="en-US" altLang="zh-Hans" sz="1400" dirty="0">
-              <a:latin typeface="PingFang SC" panose="020B0400000000000000" pitchFamily="34" charset="-122"/>
-              <a:ea typeface="PingFang SC" panose="020B0400000000000000" pitchFamily="34" charset="-122"/>
-            </a:endParaRPr>
-          </a:p>
-          <a:p>
+            <a:r>
+              <a:rPr lang="en-US" altLang="zh-Hans" sz="1400" dirty="0">
+                <a:latin typeface="PingFang SC" panose="020B0400000000000000" pitchFamily="34" charset="-122"/>
+                <a:ea typeface="PingFang SC" panose="020B0400000000000000" pitchFamily="34" charset="-122"/>
+              </a:rPr>
+              <a:t>58</a:t>
+            </a:r>
             <a:r>
               <a:rPr lang="zh-Hans" altLang="en-US" sz="1400" dirty="0">
                 <a:latin typeface="PingFang SC" panose="020B0400000000000000" pitchFamily="34" charset="-122"/>
                 <a:ea typeface="PingFang SC" panose="020B0400000000000000" pitchFamily="34" charset="-122"/>
               </a:rPr>
-              <a:t>各业务下沉，与有料形成业务层</a:t>
+              <a:t>平台有自己的中间件实现</a:t>
             </a:r>
             <a:endParaRPr lang="en-US" altLang="zh-Hans" sz="1400" dirty="0">
-              <a:latin typeface="PingFang SC" panose="020B0400000000000000" pitchFamily="34" charset="-122"/>
-              <a:ea typeface="PingFang SC" panose="020B0400000000000000" pitchFamily="34" charset="-122"/>
-            </a:endParaRPr>
-          </a:p>
-          <a:p>
-            <a:r>
-              <a:rPr lang="zh-Hans" altLang="en-US" sz="1400" dirty="0">
-                <a:latin typeface="PingFang SC" panose="020B0400000000000000" pitchFamily="34" charset="-122"/>
-                <a:ea typeface="PingFang SC" panose="020B0400000000000000" pitchFamily="34" charset="-122"/>
-              </a:rPr>
-              <a:t>各业务拥有独立的代码仓库，业务之间基本解耦</a:t>
-            </a:r>
-            <a:endParaRPr lang="en-US" altLang="zh-Hans" sz="1400" dirty="0">
-              <a:latin typeface="PingFang SC" panose="020B0400000000000000" pitchFamily="34" charset="-122"/>
-              <a:ea typeface="PingFang SC" panose="020B0400000000000000" pitchFamily="34" charset="-122"/>
-            </a:endParaRPr>
-          </a:p>
-          <a:p>
-            <a:endParaRPr lang="en-US" altLang="zh-CN" sz="1400" dirty="0">
               <a:latin typeface="PingFang SC" panose="020B0400000000000000" pitchFamily="34" charset="-122"/>
               <a:ea typeface="PingFang SC" panose="020B0400000000000000" pitchFamily="34" charset="-122"/>
             </a:endParaRPr>
@@ -1585,6 +1590,653 @@
     <p:extLst>
       <p:ext uri="{BB962C8B-B14F-4D97-AF65-F5344CB8AC3E}">
         <p14:creationId xmlns:p14="http://schemas.microsoft.com/office/powerpoint/2010/main" val="1632862684"/>
+      </p:ext>
+    </p:extLst>
+  </p:cSld>
+  <p:clrMapOvr>
+    <a:masterClrMapping/>
+  </p:clrMapOvr>
+</p:notes>
+</file>
+
+<file path=ppt/notesSlides/notesSlide16.xml><?xml version="1.0" encoding="utf-8"?>
+<p:notes xmlns:a="http://schemas.openxmlformats.org/drawingml/2006/main" xmlns:r="http://schemas.openxmlformats.org/officeDocument/2006/relationships" xmlns:p="http://schemas.openxmlformats.org/presentationml/2006/main">
+  <p:cSld>
+    <p:spTree>
+      <p:nvGrpSpPr>
+        <p:cNvPr id="1" name=""/>
+        <p:cNvGrpSpPr/>
+        <p:nvPr/>
+      </p:nvGrpSpPr>
+      <p:grpSpPr>
+        <a:xfrm>
+          <a:off x="0" y="0"/>
+          <a:ext cx="0" cy="0"/>
+          <a:chOff x="0" y="0"/>
+          <a:chExt cx="0" cy="0"/>
+        </a:xfrm>
+      </p:grpSpPr>
+      <p:sp>
+        <p:nvSpPr>
+          <p:cNvPr id="2" name="幻灯片图像占位符 1"/>
+          <p:cNvSpPr>
+            <a:spLocks noGrp="1" noRot="1" noChangeAspect="1"/>
+          </p:cNvSpPr>
+          <p:nvPr>
+            <p:ph type="sldImg"/>
+          </p:nvPr>
+        </p:nvSpPr>
+        <p:spPr/>
+      </p:sp>
+      <p:sp>
+        <p:nvSpPr>
+          <p:cNvPr id="3" name="备注占位符 2"/>
+          <p:cNvSpPr>
+            <a:spLocks noGrp="1"/>
+          </p:cNvSpPr>
+          <p:nvPr>
+            <p:ph type="body" idx="1"/>
+          </p:nvPr>
+        </p:nvSpPr>
+        <p:spPr/>
+        <p:txBody>
+          <a:bodyPr>
+            <a:normAutofit/>
+          </a:bodyPr>
+          <a:lstStyle/>
+          <a:p>
+            <a:r>
+              <a:rPr lang="zh-Hans" altLang="en-US" dirty="0"/>
+              <a:t>小区、二手房模块顺利移植到</a:t>
+            </a:r>
+            <a:r>
+              <a:rPr lang="en-US" altLang="zh-Hans" dirty="0"/>
+              <a:t>58</a:t>
+            </a:r>
+            <a:r>
+              <a:rPr lang="zh-Hans" altLang="en-US" dirty="0"/>
+              <a:t>平台后</a:t>
+            </a:r>
+            <a:endParaRPr lang="en-US" altLang="zh-Hans" dirty="0"/>
+          </a:p>
+          <a:p>
+            <a:r>
+              <a:rPr lang="zh-Hans" altLang="en-US" dirty="0"/>
+              <a:t>客户端需要维护两套小区、房源模块的业务代码</a:t>
+            </a:r>
+            <a:endParaRPr lang="en-US" altLang="zh-Hans" dirty="0"/>
+          </a:p>
+          <a:p>
+            <a:r>
+              <a:rPr lang="zh-Hans" altLang="en-US" dirty="0"/>
+              <a:t>两套通用、基础组件库</a:t>
+            </a:r>
+            <a:endParaRPr lang="en-US" altLang="zh-Hans" dirty="0"/>
+          </a:p>
+          <a:p>
+            <a:r>
+              <a:rPr lang="zh-Hans" altLang="en-US" dirty="0"/>
+              <a:t>需要适应两种不同的开发模式</a:t>
+            </a:r>
+            <a:endParaRPr lang="en-US" altLang="zh-Hans" dirty="0"/>
+          </a:p>
+          <a:p>
+            <a:endParaRPr lang="en-US" altLang="zh-Hans" dirty="0"/>
+          </a:p>
+          <a:p>
+            <a:r>
+              <a:rPr lang="zh-Hans" altLang="en-US" dirty="0"/>
+              <a:t>与此同时，服务端需要维护两套不同的接口，需要适应在</a:t>
+            </a:r>
+            <a:r>
+              <a:rPr lang="en-US" altLang="zh-Hans" dirty="0"/>
+              <a:t>58</a:t>
+            </a:r>
+            <a:r>
+              <a:rPr lang="zh-Hans" altLang="en-US" dirty="0"/>
+              <a:t>平台的路由化模式</a:t>
+            </a:r>
+            <a:endParaRPr lang="en-US" altLang="zh-Hans" dirty="0"/>
+          </a:p>
+          <a:p>
+            <a:endParaRPr lang="en-US" altLang="zh-Hans" dirty="0"/>
+          </a:p>
+          <a:p>
+            <a:r>
+              <a:rPr lang="zh-Hans" altLang="en-US" dirty="0"/>
+              <a:t>导致的结果是</a:t>
+            </a:r>
+            <a:endParaRPr lang="en-US" altLang="zh-Hans" dirty="0"/>
+          </a:p>
+        </p:txBody>
+      </p:sp>
+      <p:sp>
+        <p:nvSpPr>
+          <p:cNvPr id="4" name="灯片编号占位符 3"/>
+          <p:cNvSpPr>
+            <a:spLocks noGrp="1"/>
+          </p:cNvSpPr>
+          <p:nvPr>
+            <p:ph type="sldNum" sz="quarter" idx="10"/>
+          </p:nvPr>
+        </p:nvSpPr>
+        <p:spPr/>
+        <p:txBody>
+          <a:bodyPr/>
+          <a:lstStyle/>
+          <a:p>
+            <a:pPr marL="0" marR="0" lvl="0" indent="0" algn="r" defTabSz="457200" rtl="0" eaLnBrk="1" fontAlgn="auto" latinLnBrk="0" hangingPunct="1">
+              <a:lnSpc>
+                <a:spcPct val="100000"/>
+              </a:lnSpc>
+              <a:spcBef>
+                <a:spcPts val="0"/>
+              </a:spcBef>
+              <a:spcAft>
+                <a:spcPts val="0"/>
+              </a:spcAft>
+              <a:buClrTx/>
+              <a:buSzTx/>
+              <a:buFontTx/>
+              <a:buNone/>
+              <a:defRPr/>
+            </a:pPr>
+            <a:fld id="{72FBEE64-AAEC-4EB7-B0C9-7DD16C667FD9}" type="slidenum">
+              <a:rPr kumimoji="0" lang="zh-CN" altLang="en-US" sz="1200" b="0" i="0" u="none" strike="noStrike" kern="1200" cap="none" spc="0" normalizeH="0" baseline="0" noProof="0" smtClean="0">
+                <a:ln>
+                  <a:noFill/>
+                </a:ln>
+                <a:solidFill>
+                  <a:prstClr val="black"/>
+                </a:solidFill>
+                <a:effectLst/>
+                <a:uLnTx/>
+                <a:uFillTx/>
+                <a:latin typeface="Calibri"/>
+                <a:ea typeface="宋体" charset="-122"/>
+                <a:cs typeface="+mn-cs"/>
+              </a:rPr>
+              <a:t>18</a:t>
+            </a:fld>
+            <a:endParaRPr kumimoji="0" lang="zh-CN" altLang="en-US" sz="1200" b="0" i="0" u="none" strike="noStrike" kern="1200" cap="none" spc="0" normalizeH="0" baseline="0" noProof="0">
+              <a:ln>
+                <a:noFill/>
+              </a:ln>
+              <a:solidFill>
+                <a:prstClr val="black"/>
+              </a:solidFill>
+              <a:effectLst/>
+              <a:uLnTx/>
+              <a:uFillTx/>
+              <a:latin typeface="Calibri"/>
+              <a:ea typeface="宋体" charset="-122"/>
+              <a:cs typeface="+mn-cs"/>
+            </a:endParaRPr>
+          </a:p>
+        </p:txBody>
+      </p:sp>
+    </p:spTree>
+    <p:extLst>
+      <p:ext uri="{BB962C8B-B14F-4D97-AF65-F5344CB8AC3E}">
+        <p14:creationId xmlns:p14="http://schemas.microsoft.com/office/powerpoint/2010/main" val="932539510"/>
+      </p:ext>
+    </p:extLst>
+  </p:cSld>
+  <p:clrMapOvr>
+    <a:masterClrMapping/>
+  </p:clrMapOvr>
+</p:notes>
+</file>
+
+<file path=ppt/notesSlides/notesSlide17.xml><?xml version="1.0" encoding="utf-8"?>
+<p:notes xmlns:a="http://schemas.openxmlformats.org/drawingml/2006/main" xmlns:r="http://schemas.openxmlformats.org/officeDocument/2006/relationships" xmlns:p="http://schemas.openxmlformats.org/presentationml/2006/main">
+  <p:cSld>
+    <p:spTree>
+      <p:nvGrpSpPr>
+        <p:cNvPr id="1" name=""/>
+        <p:cNvGrpSpPr/>
+        <p:nvPr/>
+      </p:nvGrpSpPr>
+      <p:grpSpPr>
+        <a:xfrm>
+          <a:off x="0" y="0"/>
+          <a:ext cx="0" cy="0"/>
+          <a:chOff x="0" y="0"/>
+          <a:chExt cx="0" cy="0"/>
+        </a:xfrm>
+      </p:grpSpPr>
+      <p:sp>
+        <p:nvSpPr>
+          <p:cNvPr id="2" name="幻灯片图像占位符 1"/>
+          <p:cNvSpPr>
+            <a:spLocks noGrp="1" noRot="1" noChangeAspect="1"/>
+          </p:cNvSpPr>
+          <p:nvPr>
+            <p:ph type="sldImg"/>
+          </p:nvPr>
+        </p:nvSpPr>
+        <p:spPr/>
+      </p:sp>
+      <p:sp>
+        <p:nvSpPr>
+          <p:cNvPr id="3" name="备注占位符 2"/>
+          <p:cNvSpPr>
+            <a:spLocks noGrp="1"/>
+          </p:cNvSpPr>
+          <p:nvPr>
+            <p:ph type="body" idx="1"/>
+          </p:nvPr>
+        </p:nvSpPr>
+        <p:spPr/>
+        <p:txBody>
+          <a:bodyPr>
+            <a:normAutofit/>
+          </a:bodyPr>
+          <a:lstStyle/>
+          <a:p>
+            <a:endParaRPr lang="en-US" altLang="zh-Hans" dirty="0"/>
+          </a:p>
+        </p:txBody>
+      </p:sp>
+      <p:sp>
+        <p:nvSpPr>
+          <p:cNvPr id="4" name="灯片编号占位符 3"/>
+          <p:cNvSpPr>
+            <a:spLocks noGrp="1"/>
+          </p:cNvSpPr>
+          <p:nvPr>
+            <p:ph type="sldNum" sz="quarter" idx="10"/>
+          </p:nvPr>
+        </p:nvSpPr>
+        <p:spPr/>
+        <p:txBody>
+          <a:bodyPr/>
+          <a:lstStyle/>
+          <a:p>
+            <a:pPr marL="0" marR="0" lvl="0" indent="0" algn="r" defTabSz="457200" rtl="0" eaLnBrk="1" fontAlgn="auto" latinLnBrk="0" hangingPunct="1">
+              <a:lnSpc>
+                <a:spcPct val="100000"/>
+              </a:lnSpc>
+              <a:spcBef>
+                <a:spcPts val="0"/>
+              </a:spcBef>
+              <a:spcAft>
+                <a:spcPts val="0"/>
+              </a:spcAft>
+              <a:buClrTx/>
+              <a:buSzTx/>
+              <a:buFontTx/>
+              <a:buNone/>
+              <a:defRPr/>
+            </a:pPr>
+            <a:fld id="{72FBEE64-AAEC-4EB7-B0C9-7DD16C667FD9}" type="slidenum">
+              <a:rPr kumimoji="0" lang="zh-CN" altLang="en-US" sz="1200" b="0" i="0" u="none" strike="noStrike" kern="1200" cap="none" spc="0" normalizeH="0" baseline="0" noProof="0" smtClean="0">
+                <a:ln>
+                  <a:noFill/>
+                </a:ln>
+                <a:solidFill>
+                  <a:prstClr val="black"/>
+                </a:solidFill>
+                <a:effectLst/>
+                <a:uLnTx/>
+                <a:uFillTx/>
+                <a:latin typeface="Calibri"/>
+                <a:ea typeface="宋体" charset="-122"/>
+                <a:cs typeface="+mn-cs"/>
+              </a:rPr>
+              <a:t>19</a:t>
+            </a:fld>
+            <a:endParaRPr kumimoji="0" lang="zh-CN" altLang="en-US" sz="1200" b="0" i="0" u="none" strike="noStrike" kern="1200" cap="none" spc="0" normalizeH="0" baseline="0" noProof="0">
+              <a:ln>
+                <a:noFill/>
+              </a:ln>
+              <a:solidFill>
+                <a:prstClr val="black"/>
+              </a:solidFill>
+              <a:effectLst/>
+              <a:uLnTx/>
+              <a:uFillTx/>
+              <a:latin typeface="Calibri"/>
+              <a:ea typeface="宋体" charset="-122"/>
+              <a:cs typeface="+mn-cs"/>
+            </a:endParaRPr>
+          </a:p>
+        </p:txBody>
+      </p:sp>
+    </p:spTree>
+    <p:extLst>
+      <p:ext uri="{BB962C8B-B14F-4D97-AF65-F5344CB8AC3E}">
+        <p14:creationId xmlns:p14="http://schemas.microsoft.com/office/powerpoint/2010/main" val="3429512296"/>
+      </p:ext>
+    </p:extLst>
+  </p:cSld>
+  <p:clrMapOvr>
+    <a:masterClrMapping/>
+  </p:clrMapOvr>
+</p:notes>
+</file>
+
+<file path=ppt/notesSlides/notesSlide18.xml><?xml version="1.0" encoding="utf-8"?>
+<p:notes xmlns:a="http://schemas.openxmlformats.org/drawingml/2006/main" xmlns:r="http://schemas.openxmlformats.org/officeDocument/2006/relationships" xmlns:p="http://schemas.openxmlformats.org/presentationml/2006/main">
+  <p:cSld>
+    <p:spTree>
+      <p:nvGrpSpPr>
+        <p:cNvPr id="1" name=""/>
+        <p:cNvGrpSpPr/>
+        <p:nvPr/>
+      </p:nvGrpSpPr>
+      <p:grpSpPr>
+        <a:xfrm>
+          <a:off x="0" y="0"/>
+          <a:ext cx="0" cy="0"/>
+          <a:chOff x="0" y="0"/>
+          <a:chExt cx="0" cy="0"/>
+        </a:xfrm>
+      </p:grpSpPr>
+      <p:sp>
+        <p:nvSpPr>
+          <p:cNvPr id="2" name="幻灯片图像占位符 1"/>
+          <p:cNvSpPr>
+            <a:spLocks noGrp="1" noRot="1" noChangeAspect="1"/>
+          </p:cNvSpPr>
+          <p:nvPr>
+            <p:ph type="sldImg"/>
+          </p:nvPr>
+        </p:nvSpPr>
+        <p:spPr/>
+      </p:sp>
+      <p:sp>
+        <p:nvSpPr>
+          <p:cNvPr id="3" name="备注占位符 2"/>
+          <p:cNvSpPr>
+            <a:spLocks noGrp="1"/>
+          </p:cNvSpPr>
+          <p:nvPr>
+            <p:ph type="body" idx="1"/>
+          </p:nvPr>
+        </p:nvSpPr>
+        <p:spPr/>
+        <p:txBody>
+          <a:bodyPr>
+            <a:normAutofit/>
+          </a:bodyPr>
+          <a:lstStyle/>
+          <a:p>
+            <a:endParaRPr lang="en-US" altLang="zh-Hans" dirty="0"/>
+          </a:p>
+        </p:txBody>
+      </p:sp>
+      <p:sp>
+        <p:nvSpPr>
+          <p:cNvPr id="4" name="灯片编号占位符 3"/>
+          <p:cNvSpPr>
+            <a:spLocks noGrp="1"/>
+          </p:cNvSpPr>
+          <p:nvPr>
+            <p:ph type="sldNum" sz="quarter" idx="10"/>
+          </p:nvPr>
+        </p:nvSpPr>
+        <p:spPr/>
+        <p:txBody>
+          <a:bodyPr/>
+          <a:lstStyle/>
+          <a:p>
+            <a:pPr marL="0" marR="0" lvl="0" indent="0" algn="r" defTabSz="457200" rtl="0" eaLnBrk="1" fontAlgn="auto" latinLnBrk="0" hangingPunct="1">
+              <a:lnSpc>
+                <a:spcPct val="100000"/>
+              </a:lnSpc>
+              <a:spcBef>
+                <a:spcPts val="0"/>
+              </a:spcBef>
+              <a:spcAft>
+                <a:spcPts val="0"/>
+              </a:spcAft>
+              <a:buClrTx/>
+              <a:buSzTx/>
+              <a:buFontTx/>
+              <a:buNone/>
+              <a:defRPr/>
+            </a:pPr>
+            <a:fld id="{72FBEE64-AAEC-4EB7-B0C9-7DD16C667FD9}" type="slidenum">
+              <a:rPr kumimoji="0" lang="zh-CN" altLang="en-US" sz="1200" b="0" i="0" u="none" strike="noStrike" kern="1200" cap="none" spc="0" normalizeH="0" baseline="0" noProof="0" smtClean="0">
+                <a:ln>
+                  <a:noFill/>
+                </a:ln>
+                <a:solidFill>
+                  <a:prstClr val="black"/>
+                </a:solidFill>
+                <a:effectLst/>
+                <a:uLnTx/>
+                <a:uFillTx/>
+                <a:latin typeface="Calibri"/>
+                <a:ea typeface="宋体" charset="-122"/>
+                <a:cs typeface="+mn-cs"/>
+              </a:rPr>
+              <a:t>20</a:t>
+            </a:fld>
+            <a:endParaRPr kumimoji="0" lang="zh-CN" altLang="en-US" sz="1200" b="0" i="0" u="none" strike="noStrike" kern="1200" cap="none" spc="0" normalizeH="0" baseline="0" noProof="0">
+              <a:ln>
+                <a:noFill/>
+              </a:ln>
+              <a:solidFill>
+                <a:prstClr val="black"/>
+              </a:solidFill>
+              <a:effectLst/>
+              <a:uLnTx/>
+              <a:uFillTx/>
+              <a:latin typeface="Calibri"/>
+              <a:ea typeface="宋体" charset="-122"/>
+              <a:cs typeface="+mn-cs"/>
+            </a:endParaRPr>
+          </a:p>
+        </p:txBody>
+      </p:sp>
+    </p:spTree>
+    <p:extLst>
+      <p:ext uri="{BB962C8B-B14F-4D97-AF65-F5344CB8AC3E}">
+        <p14:creationId xmlns:p14="http://schemas.microsoft.com/office/powerpoint/2010/main" val="293386975"/>
+      </p:ext>
+    </p:extLst>
+  </p:cSld>
+  <p:clrMapOvr>
+    <a:masterClrMapping/>
+  </p:clrMapOvr>
+</p:notes>
+</file>
+
+<file path=ppt/notesSlides/notesSlide19.xml><?xml version="1.0" encoding="utf-8"?>
+<p:notes xmlns:a="http://schemas.openxmlformats.org/drawingml/2006/main" xmlns:r="http://schemas.openxmlformats.org/officeDocument/2006/relationships" xmlns:p="http://schemas.openxmlformats.org/presentationml/2006/main">
+  <p:cSld>
+    <p:spTree>
+      <p:nvGrpSpPr>
+        <p:cNvPr id="1" name=""/>
+        <p:cNvGrpSpPr/>
+        <p:nvPr/>
+      </p:nvGrpSpPr>
+      <p:grpSpPr>
+        <a:xfrm>
+          <a:off x="0" y="0"/>
+          <a:ext cx="0" cy="0"/>
+          <a:chOff x="0" y="0"/>
+          <a:chExt cx="0" cy="0"/>
+        </a:xfrm>
+      </p:grpSpPr>
+      <p:sp>
+        <p:nvSpPr>
+          <p:cNvPr id="2" name="幻灯片图像占位符 1"/>
+          <p:cNvSpPr>
+            <a:spLocks noGrp="1" noRot="1" noChangeAspect="1"/>
+          </p:cNvSpPr>
+          <p:nvPr>
+            <p:ph type="sldImg"/>
+          </p:nvPr>
+        </p:nvSpPr>
+        <p:spPr/>
+      </p:sp>
+      <p:sp>
+        <p:nvSpPr>
+          <p:cNvPr id="3" name="备注占位符 2"/>
+          <p:cNvSpPr>
+            <a:spLocks noGrp="1"/>
+          </p:cNvSpPr>
+          <p:nvPr>
+            <p:ph type="body" idx="1"/>
+          </p:nvPr>
+        </p:nvSpPr>
+        <p:spPr/>
+        <p:txBody>
+          <a:bodyPr>
+            <a:normAutofit/>
+          </a:bodyPr>
+          <a:lstStyle/>
+          <a:p>
+            <a:r>
+              <a:rPr lang="zh-Hans" altLang="en-US" dirty="0"/>
+              <a:t>通过埋点的方式，统计老页面的</a:t>
+            </a:r>
+            <a:r>
+              <a:rPr lang="en-US" altLang="zh-Hans" dirty="0"/>
+              <a:t>UD</a:t>
+            </a:r>
+            <a:r>
+              <a:rPr lang="zh-Hans" altLang="en-US" dirty="0"/>
+              <a:t>， 根据</a:t>
+            </a:r>
+            <a:r>
+              <a:rPr lang="en-US" altLang="zh-Hans" dirty="0"/>
+              <a:t>UD</a:t>
+            </a:r>
+            <a:r>
+              <a:rPr lang="zh-Hans" altLang="en-US" dirty="0"/>
+              <a:t>数据，逐步下线老的页面，删除相关的图片资源</a:t>
+            </a:r>
+            <a:endParaRPr lang="en-US" altLang="zh-Hans" dirty="0"/>
+          </a:p>
+          <a:p>
+            <a:endParaRPr lang="en-US" altLang="zh-Hans" dirty="0"/>
+          </a:p>
+          <a:p>
+            <a:r>
+              <a:rPr lang="zh-Hans" altLang="en-US" dirty="0"/>
+              <a:t>地图</a:t>
+            </a:r>
+            <a:r>
+              <a:rPr lang="en-US" altLang="zh-Hans" dirty="0"/>
+              <a:t>SDK</a:t>
+            </a:r>
+            <a:r>
+              <a:rPr lang="zh-Hans" altLang="en-US" dirty="0"/>
+              <a:t>从高德地图迁移到百度地图</a:t>
+            </a:r>
+            <a:endParaRPr lang="en-US" altLang="zh-Hans" dirty="0"/>
+          </a:p>
+          <a:p>
+            <a:endParaRPr lang="en-US" altLang="zh-Hans" dirty="0"/>
+          </a:p>
+          <a:p>
+            <a:r>
+              <a:rPr lang="zh-Hans" altLang="en-US" dirty="0"/>
+              <a:t>瘦包，删除无用的代码</a:t>
+            </a:r>
+            <a:endParaRPr lang="en-US" altLang="zh-Hans" dirty="0"/>
+          </a:p>
+          <a:p>
+            <a:endParaRPr lang="en-US" altLang="zh-Hans" dirty="0"/>
+          </a:p>
+          <a:p>
+            <a:r>
+              <a:rPr lang="zh-Hans" altLang="en-US" dirty="0"/>
+              <a:t>根据 </a:t>
+            </a:r>
+            <a:r>
+              <a:rPr lang="en-US" altLang="zh-Hans" dirty="0"/>
+              <a:t>AB</a:t>
+            </a:r>
+            <a:r>
+              <a:rPr lang="zh-Hans" altLang="en-US" dirty="0"/>
+              <a:t> </a:t>
+            </a:r>
+            <a:r>
+              <a:rPr lang="en-US" altLang="zh-Hans" dirty="0"/>
+              <a:t>Test</a:t>
+            </a:r>
+            <a:r>
+              <a:rPr lang="zh-Hans" altLang="en-US" dirty="0"/>
+              <a:t> 的结果，保留好的方案，删除差的方案 </a:t>
+            </a:r>
+            <a:endParaRPr lang="en-US" altLang="zh-Hans" dirty="0"/>
+          </a:p>
+        </p:txBody>
+      </p:sp>
+      <p:sp>
+        <p:nvSpPr>
+          <p:cNvPr id="4" name="灯片编号占位符 3"/>
+          <p:cNvSpPr>
+            <a:spLocks noGrp="1"/>
+          </p:cNvSpPr>
+          <p:nvPr>
+            <p:ph type="sldNum" sz="quarter" idx="10"/>
+          </p:nvPr>
+        </p:nvSpPr>
+        <p:spPr/>
+        <p:txBody>
+          <a:bodyPr/>
+          <a:lstStyle/>
+          <a:p>
+            <a:pPr marL="0" marR="0" lvl="0" indent="0" algn="r" defTabSz="457200" rtl="0" eaLnBrk="1" fontAlgn="auto" latinLnBrk="0" hangingPunct="1">
+              <a:lnSpc>
+                <a:spcPct val="100000"/>
+              </a:lnSpc>
+              <a:spcBef>
+                <a:spcPts val="0"/>
+              </a:spcBef>
+              <a:spcAft>
+                <a:spcPts val="0"/>
+              </a:spcAft>
+              <a:buClrTx/>
+              <a:buSzTx/>
+              <a:buFontTx/>
+              <a:buNone/>
+              <a:defRPr/>
+            </a:pPr>
+            <a:fld id="{72FBEE64-AAEC-4EB7-B0C9-7DD16C667FD9}" type="slidenum">
+              <a:rPr kumimoji="0" lang="zh-CN" altLang="en-US" sz="1200" b="0" i="0" u="none" strike="noStrike" kern="1200" cap="none" spc="0" normalizeH="0" baseline="0" noProof="0" smtClean="0">
+                <a:ln>
+                  <a:noFill/>
+                </a:ln>
+                <a:solidFill>
+                  <a:prstClr val="black"/>
+                </a:solidFill>
+                <a:effectLst/>
+                <a:uLnTx/>
+                <a:uFillTx/>
+                <a:latin typeface="Calibri"/>
+                <a:ea typeface="宋体" charset="-122"/>
+                <a:cs typeface="+mn-cs"/>
+              </a:rPr>
+              <a:t>21</a:t>
+            </a:fld>
+            <a:endParaRPr kumimoji="0" lang="zh-CN" altLang="en-US" sz="1200" b="0" i="0" u="none" strike="noStrike" kern="1200" cap="none" spc="0" normalizeH="0" baseline="0" noProof="0">
+              <a:ln>
+                <a:noFill/>
+              </a:ln>
+              <a:solidFill>
+                <a:prstClr val="black"/>
+              </a:solidFill>
+              <a:effectLst/>
+              <a:uLnTx/>
+              <a:uFillTx/>
+              <a:latin typeface="Calibri"/>
+              <a:ea typeface="宋体" charset="-122"/>
+              <a:cs typeface="+mn-cs"/>
+            </a:endParaRPr>
+          </a:p>
+        </p:txBody>
+      </p:sp>
+    </p:spTree>
+    <p:extLst>
+      <p:ext uri="{BB962C8B-B14F-4D97-AF65-F5344CB8AC3E}">
+        <p14:creationId xmlns:p14="http://schemas.microsoft.com/office/powerpoint/2010/main" val="2795044523"/>
       </p:ext>
     </p:extLst>
   </p:cSld>
@@ -2872,6 +3524,16 @@
             <a:r>
               <a:rPr lang="zh-Hans" altLang="en-US" dirty="0"/>
               <a:t>开发效率低</a:t>
+            </a:r>
+            <a:endParaRPr lang="en-US" altLang="zh-Hans" dirty="0"/>
+          </a:p>
+          <a:p>
+            <a:endParaRPr lang="en-US" altLang="zh-Hans" dirty="0"/>
+          </a:p>
+          <a:p>
+            <a:r>
+              <a:rPr lang="zh-Hans" altLang="en-US" dirty="0"/>
+              <a:t>新需求无法两端同步</a:t>
             </a:r>
             <a:endParaRPr lang="en-US" altLang="zh-Hans" dirty="0"/>
           </a:p>
@@ -8213,8 +8875,8 @@
         </p:nvSpPr>
         <p:spPr>
           <a:xfrm>
-            <a:off x="5423263" y="2894710"/>
-            <a:ext cx="3106057" cy="975011"/>
+            <a:off x="5423263" y="2742669"/>
+            <a:ext cx="3106057" cy="1436675"/>
           </a:xfrm>
           <a:prstGeom prst="rect">
             <a:avLst/>
@@ -8268,9 +8930,35 @@
                 <a:latin typeface="PingFang SC" panose="020B0400000000000000" pitchFamily="34" charset="-122"/>
                 <a:ea typeface="PingFang SC" panose="020B0400000000000000" pitchFamily="34" charset="-122"/>
               </a:rPr>
+              <a:t>新需求无法两端同步</a:t>
+            </a:r>
+            <a:endParaRPr kumimoji="1" lang="en-US" altLang="zh-Hans" sz="2000" dirty="0">
+              <a:solidFill>
+                <a:srgbClr val="FF0000"/>
+              </a:solidFill>
+              <a:latin typeface="PingFang SC" panose="020B0400000000000000" pitchFamily="34" charset="-122"/>
+              <a:ea typeface="PingFang SC" panose="020B0400000000000000" pitchFamily="34" charset="-122"/>
+            </a:endParaRPr>
+          </a:p>
+          <a:p>
+            <a:pPr marL="285750" indent="-285750">
+              <a:lnSpc>
+                <a:spcPct val="150000"/>
+              </a:lnSpc>
+              <a:buFont typeface="Arial" panose="020B0604020202020204" pitchFamily="34" charset="0"/>
+              <a:buChar char="•"/>
+            </a:pPr>
+            <a:r>
+              <a:rPr kumimoji="1" lang="zh-Hans" altLang="en-US" sz="2000" dirty="0">
+                <a:solidFill>
+                  <a:srgbClr val="FF0000"/>
+                </a:solidFill>
+                <a:latin typeface="PingFang SC" panose="020B0400000000000000" pitchFamily="34" charset="-122"/>
+                <a:ea typeface="PingFang SC" panose="020B0400000000000000" pitchFamily="34" charset="-122"/>
+              </a:rPr>
               <a:t>版本的周期无法把控</a:t>
             </a:r>
-            <a:endParaRPr kumimoji="1" lang="zh-CN" altLang="en-US" sz="2000" dirty="0">
+            <a:endParaRPr kumimoji="1" lang="en-US" altLang="zh-Hans" sz="2000" dirty="0">
               <a:solidFill>
                 <a:srgbClr val="FF0000"/>
               </a:solidFill>
@@ -9019,12 +9707,29 @@
                 <a:latin typeface="PingFang SC" panose="020B0400000000000000" pitchFamily="34" charset="-122"/>
                 <a:ea typeface="PingFang SC" panose="020B0400000000000000" pitchFamily="34" charset="-122"/>
               </a:rPr>
-              <a:t>业务层路由化改造</a:t>
-            </a:r>
-            <a:endParaRPr kumimoji="1" lang="en-US" altLang="zh-Hans" sz="2000" dirty="0">
-              <a:latin typeface="PingFang SC" panose="020B0400000000000000" pitchFamily="34" charset="-122"/>
-              <a:ea typeface="PingFang SC" panose="020B0400000000000000" pitchFamily="34" charset="-122"/>
-            </a:endParaRPr>
+              <a:t>业务层路由化改造 </a:t>
+            </a:r>
+            <a:r>
+              <a:rPr kumimoji="1" lang="en-US" altLang="zh-Hans" sz="2000" dirty="0">
+                <a:latin typeface="PingFang SC" panose="020B0400000000000000" pitchFamily="34" charset="-122"/>
+                <a:ea typeface="PingFang SC" panose="020B0400000000000000" pitchFamily="34" charset="-122"/>
+              </a:rPr>
+              <a:t>(</a:t>
+            </a:r>
+            <a:r>
+              <a:rPr kumimoji="1" lang="zh-Hans" altLang="en-US" sz="2000" dirty="0">
+                <a:latin typeface="PingFang SC" panose="020B0400000000000000" pitchFamily="34" charset="-122"/>
+                <a:ea typeface="PingFang SC" panose="020B0400000000000000" pitchFamily="34" charset="-122"/>
+              </a:rPr>
+              <a:t>开发模式统一</a:t>
+            </a:r>
+            <a:r>
+              <a:rPr kumimoji="1" lang="en-US" altLang="zh-Hans" sz="2000" dirty="0">
+                <a:latin typeface="PingFang SC" panose="020B0400000000000000" pitchFamily="34" charset="-122"/>
+                <a:ea typeface="PingFang SC" panose="020B0400000000000000" pitchFamily="34" charset="-122"/>
+              </a:rPr>
+              <a:t>)</a:t>
+            </a:r>
           </a:p>
           <a:p>
             <a:pPr marL="342900" indent="-342900">
@@ -12010,7 +12715,7 @@
         </p:blipFill>
         <p:spPr bwMode="auto">
           <a:xfrm>
-            <a:off x="3567327" y="1374281"/>
+            <a:off x="4118870" y="1374281"/>
             <a:ext cx="824400" cy="824400"/>
           </a:xfrm>
           <a:prstGeom prst="rect">
@@ -12042,7 +12747,7 @@
         </p:nvSpPr>
         <p:spPr>
           <a:xfrm>
-            <a:off x="769257" y="3180425"/>
+            <a:off x="1320800" y="3180425"/>
             <a:ext cx="1059541" cy="520120"/>
           </a:xfrm>
           <a:prstGeom prst="rect">
@@ -12102,7 +12807,7 @@
         </p:nvSpPr>
         <p:spPr>
           <a:xfrm>
-            <a:off x="769256" y="3917308"/>
+            <a:off x="1320799" y="3917308"/>
             <a:ext cx="3622471" cy="520120"/>
           </a:xfrm>
           <a:prstGeom prst="rect">
@@ -12162,7 +12867,7 @@
         </p:nvSpPr>
         <p:spPr>
           <a:xfrm>
-            <a:off x="769255" y="4659771"/>
+            <a:off x="1320798" y="4659771"/>
             <a:ext cx="6691089" cy="520120"/>
           </a:xfrm>
           <a:prstGeom prst="rect">
@@ -12229,7 +12934,7 @@
         </p:nvSpPr>
         <p:spPr>
           <a:xfrm>
-            <a:off x="2046514" y="3180425"/>
+            <a:off x="2598057" y="3180425"/>
             <a:ext cx="972456" cy="520120"/>
           </a:xfrm>
           <a:prstGeom prst="rect">
@@ -12289,7 +12994,7 @@
         </p:nvSpPr>
         <p:spPr>
           <a:xfrm>
-            <a:off x="769256" y="2421024"/>
+            <a:off x="1320799" y="2421024"/>
             <a:ext cx="6691087" cy="520120"/>
           </a:xfrm>
           <a:prstGeom prst="rect">
@@ -12351,7 +13056,7 @@
         </p:nvSpPr>
         <p:spPr>
           <a:xfrm>
-            <a:off x="4558352" y="3900370"/>
+            <a:off x="5109895" y="3900370"/>
             <a:ext cx="2901992" cy="520120"/>
           </a:xfrm>
           <a:prstGeom prst="rect">
@@ -12413,7 +13118,7 @@
         </p:nvSpPr>
         <p:spPr>
           <a:xfrm>
-            <a:off x="3236686" y="3185971"/>
+            <a:off x="3788229" y="3185971"/>
             <a:ext cx="1155041" cy="520120"/>
           </a:xfrm>
           <a:prstGeom prst="rect">
@@ -14945,6 +15650,3683 @@
 </file>
 
 <file path=ppt/slides/slide18.xml><?xml version="1.0" encoding="utf-8"?>
+<p:sld xmlns:a="http://schemas.openxmlformats.org/drawingml/2006/main" xmlns:r="http://schemas.openxmlformats.org/officeDocument/2006/relationships" xmlns:p="http://schemas.openxmlformats.org/presentationml/2006/main">
+  <p:cSld>
+    <p:spTree>
+      <p:nvGrpSpPr>
+        <p:cNvPr id="1" name=""/>
+        <p:cNvGrpSpPr/>
+        <p:nvPr/>
+      </p:nvGrpSpPr>
+      <p:grpSpPr>
+        <a:xfrm>
+          <a:off x="0" y="0"/>
+          <a:ext cx="0" cy="0"/>
+          <a:chOff x="0" y="0"/>
+          <a:chExt cx="0" cy="0"/>
+        </a:xfrm>
+      </p:grpSpPr>
+      <p:pic>
+        <p:nvPicPr>
+          <p:cNvPr id="2" name="图片 1"/>
+          <p:cNvPicPr>
+            <a:picLocks noChangeAspect="1"/>
+          </p:cNvPicPr>
+          <p:nvPr/>
+        </p:nvPicPr>
+        <p:blipFill>
+          <a:blip r:embed="rId4" cstate="email"/>
+          <a:stretch>
+            <a:fillRect/>
+          </a:stretch>
+        </p:blipFill>
+        <p:spPr>
+          <a:xfrm>
+            <a:off x="0" y="8844"/>
+            <a:ext cx="9142571" cy="6858000"/>
+          </a:xfrm>
+          <a:prstGeom prst="rect">
+            <a:avLst/>
+          </a:prstGeom>
+          <a:noFill/>
+          <a:ln>
+            <a:solidFill>
+              <a:schemeClr val="tx1"/>
+            </a:solidFill>
+          </a:ln>
+        </p:spPr>
+      </p:pic>
+      <p:sp>
+        <p:nvSpPr>
+          <p:cNvPr id="6" name="灯片编号占位符 4"/>
+          <p:cNvSpPr>
+            <a:spLocks noGrp="1"/>
+          </p:cNvSpPr>
+          <p:nvPr>
+            <p:ph type="sldNum" sz="quarter" idx="12"/>
+          </p:nvPr>
+        </p:nvSpPr>
+        <p:spPr>
+          <a:xfrm>
+            <a:off x="6120384" y="6413183"/>
+            <a:ext cx="2133600" cy="274637"/>
+          </a:xfrm>
+        </p:spPr>
+        <p:txBody>
+          <a:bodyPr/>
+          <a:lstStyle>
+            <a:lvl1pPr eaLnBrk="0" hangingPunct="0">
+              <a:defRPr>
+                <a:solidFill>
+                  <a:schemeClr val="tx1"/>
+                </a:solidFill>
+                <a:latin typeface="Arial" panose="020B0604020202090204" pitchFamily="34" charset="0"/>
+                <a:ea typeface="宋体" charset="-122"/>
+              </a:defRPr>
+            </a:lvl1pPr>
+            <a:lvl2pPr marL="742950" indent="-285750" eaLnBrk="0" hangingPunct="0">
+              <a:defRPr>
+                <a:solidFill>
+                  <a:schemeClr val="tx1"/>
+                </a:solidFill>
+                <a:latin typeface="Arial" panose="020B0604020202090204" pitchFamily="34" charset="0"/>
+                <a:ea typeface="宋体" charset="-122"/>
+              </a:defRPr>
+            </a:lvl2pPr>
+            <a:lvl3pPr marL="1143000" indent="-228600" eaLnBrk="0" hangingPunct="0">
+              <a:defRPr>
+                <a:solidFill>
+                  <a:schemeClr val="tx1"/>
+                </a:solidFill>
+                <a:latin typeface="Arial" panose="020B0604020202090204" pitchFamily="34" charset="0"/>
+                <a:ea typeface="宋体" charset="-122"/>
+              </a:defRPr>
+            </a:lvl3pPr>
+            <a:lvl4pPr marL="1600200" indent="-228600" eaLnBrk="0" hangingPunct="0">
+              <a:defRPr>
+                <a:solidFill>
+                  <a:schemeClr val="tx1"/>
+                </a:solidFill>
+                <a:latin typeface="Arial" panose="020B0604020202090204" pitchFamily="34" charset="0"/>
+                <a:ea typeface="宋体" charset="-122"/>
+              </a:defRPr>
+            </a:lvl4pPr>
+            <a:lvl5pPr marL="2057400" indent="-228600" eaLnBrk="0" hangingPunct="0">
+              <a:defRPr>
+                <a:solidFill>
+                  <a:schemeClr val="tx1"/>
+                </a:solidFill>
+                <a:latin typeface="Arial" panose="020B0604020202090204" pitchFamily="34" charset="0"/>
+                <a:ea typeface="宋体" charset="-122"/>
+              </a:defRPr>
+            </a:lvl5pPr>
+            <a:lvl6pPr marL="2514600" indent="-228600" defTabSz="457200" eaLnBrk="0" fontAlgn="base" hangingPunct="0">
+              <a:spcBef>
+                <a:spcPct val="0"/>
+              </a:spcBef>
+              <a:spcAft>
+                <a:spcPct val="0"/>
+              </a:spcAft>
+              <a:defRPr>
+                <a:solidFill>
+                  <a:schemeClr val="tx1"/>
+                </a:solidFill>
+                <a:latin typeface="Arial" panose="020B0604020202090204" pitchFamily="34" charset="0"/>
+                <a:ea typeface="宋体" charset="-122"/>
+              </a:defRPr>
+            </a:lvl6pPr>
+            <a:lvl7pPr marL="2971800" indent="-228600" defTabSz="457200" eaLnBrk="0" fontAlgn="base" hangingPunct="0">
+              <a:spcBef>
+                <a:spcPct val="0"/>
+              </a:spcBef>
+              <a:spcAft>
+                <a:spcPct val="0"/>
+              </a:spcAft>
+              <a:defRPr>
+                <a:solidFill>
+                  <a:schemeClr val="tx1"/>
+                </a:solidFill>
+                <a:latin typeface="Arial" panose="020B0604020202090204" pitchFamily="34" charset="0"/>
+                <a:ea typeface="宋体" charset="-122"/>
+              </a:defRPr>
+            </a:lvl7pPr>
+            <a:lvl8pPr marL="3429000" indent="-228600" defTabSz="457200" eaLnBrk="0" fontAlgn="base" hangingPunct="0">
+              <a:spcBef>
+                <a:spcPct val="0"/>
+              </a:spcBef>
+              <a:spcAft>
+                <a:spcPct val="0"/>
+              </a:spcAft>
+              <a:defRPr>
+                <a:solidFill>
+                  <a:schemeClr val="tx1"/>
+                </a:solidFill>
+                <a:latin typeface="Arial" panose="020B0604020202090204" pitchFamily="34" charset="0"/>
+                <a:ea typeface="宋体" charset="-122"/>
+              </a:defRPr>
+            </a:lvl8pPr>
+            <a:lvl9pPr marL="3886200" indent="-228600" defTabSz="457200" eaLnBrk="0" fontAlgn="base" hangingPunct="0">
+              <a:spcBef>
+                <a:spcPct val="0"/>
+              </a:spcBef>
+              <a:spcAft>
+                <a:spcPct val="0"/>
+              </a:spcAft>
+              <a:defRPr>
+                <a:solidFill>
+                  <a:schemeClr val="tx1"/>
+                </a:solidFill>
+                <a:latin typeface="Arial" panose="020B0604020202090204" pitchFamily="34" charset="0"/>
+                <a:ea typeface="宋体" charset="-122"/>
+              </a:defRPr>
+            </a:lvl9pPr>
+          </a:lstStyle>
+          <a:p>
+            <a:pPr marL="0" marR="0" lvl="0" indent="0" algn="r" defTabSz="457200" rtl="0" eaLnBrk="1" fontAlgn="auto" latinLnBrk="0" hangingPunct="1">
+              <a:lnSpc>
+                <a:spcPct val="100000"/>
+              </a:lnSpc>
+              <a:spcBef>
+                <a:spcPts val="0"/>
+              </a:spcBef>
+              <a:spcAft>
+                <a:spcPts val="0"/>
+              </a:spcAft>
+              <a:buClrTx/>
+              <a:buSzTx/>
+              <a:buFontTx/>
+              <a:buNone/>
+              <a:defRPr/>
+            </a:pPr>
+            <a:fld id="{3F1E42E4-90F7-C348-9C7D-352344EF35F9}" type="slidenum">
+              <a:rPr kumimoji="0" lang="zh-CN" altLang="en-US" sz="1200" b="0" i="0" u="none" strike="noStrike" kern="1200" cap="none" spc="0" normalizeH="0" baseline="0" noProof="0">
+                <a:ln>
+                  <a:noFill/>
+                </a:ln>
+                <a:solidFill>
+                  <a:srgbClr val="898989"/>
+                </a:solidFill>
+                <a:effectLst/>
+                <a:uLnTx/>
+                <a:uFillTx/>
+                <a:latin typeface="Arial" panose="020B0604020202090204" pitchFamily="34" charset="0"/>
+                <a:ea typeface="微软雅黑" charset="-122"/>
+                <a:cs typeface="+mn-cs"/>
+              </a:rPr>
+              <a:t>18</a:t>
+            </a:fld>
+            <a:endParaRPr kumimoji="0" lang="zh-CN" altLang="en-US" sz="1200" b="0" i="0" u="none" strike="noStrike" kern="1200" cap="none" spc="0" normalizeH="0" baseline="0" noProof="0" dirty="0">
+              <a:ln>
+                <a:noFill/>
+              </a:ln>
+              <a:solidFill>
+                <a:srgbClr val="898989"/>
+              </a:solidFill>
+              <a:effectLst/>
+              <a:uLnTx/>
+              <a:uFillTx/>
+              <a:latin typeface="Arial" panose="020B0604020202090204" pitchFamily="34" charset="0"/>
+              <a:ea typeface="微软雅黑" charset="-122"/>
+              <a:cs typeface="+mn-cs"/>
+            </a:endParaRPr>
+          </a:p>
+        </p:txBody>
+      </p:sp>
+      <p:sp>
+        <p:nvSpPr>
+          <p:cNvPr id="7" name="标题 1"/>
+          <p:cNvSpPr txBox="1"/>
+          <p:nvPr/>
+        </p:nvSpPr>
+        <p:spPr>
+          <a:xfrm>
+            <a:off x="250825" y="89645"/>
+            <a:ext cx="8278495" cy="782955"/>
+          </a:xfrm>
+          <a:prstGeom prst="rect">
+            <a:avLst/>
+          </a:prstGeom>
+        </p:spPr>
+        <p:txBody>
+          <a:bodyPr/>
+          <a:lstStyle>
+            <a:lvl1pPr algn="ctr" defTabSz="457200" rtl="0" eaLnBrk="1" latinLnBrk="0" hangingPunct="1">
+              <a:spcBef>
+                <a:spcPct val="0"/>
+              </a:spcBef>
+              <a:buNone/>
+              <a:defRPr sz="4400" kern="1200">
+                <a:solidFill>
+                  <a:schemeClr val="tx1"/>
+                </a:solidFill>
+                <a:latin typeface="+mj-lt"/>
+                <a:ea typeface="+mj-ea"/>
+                <a:cs typeface="+mj-cs"/>
+              </a:defRPr>
+            </a:lvl1pPr>
+          </a:lstStyle>
+          <a:p>
+            <a:pPr marL="0" marR="0" lvl="0" indent="0" algn="l" defTabSz="457200" rtl="0" eaLnBrk="1" fontAlgn="auto" latinLnBrk="0" hangingPunct="1">
+              <a:lnSpc>
+                <a:spcPct val="150000"/>
+              </a:lnSpc>
+              <a:spcBef>
+                <a:spcPts val="0"/>
+              </a:spcBef>
+              <a:spcAft>
+                <a:spcPts val="0"/>
+              </a:spcAft>
+              <a:buClrTx/>
+              <a:buSzTx/>
+              <a:buFontTx/>
+              <a:buNone/>
+              <a:defRPr/>
+            </a:pPr>
+            <a:r>
+              <a:rPr kumimoji="0" lang="zh-Hans" altLang="en-US" sz="2400" b="1" i="0" u="none" strike="noStrike" kern="1200" cap="none" spc="0" normalizeH="0" baseline="0" noProof="0" dirty="0">
+                <a:ln>
+                  <a:noFill/>
+                </a:ln>
+                <a:solidFill>
+                  <a:prstClr val="black"/>
+                </a:solidFill>
+                <a:effectLst/>
+                <a:uLnTx/>
+                <a:uFillTx/>
+                <a:latin typeface="苹方-简" panose="020B0400000000000000" charset="-122"/>
+                <a:ea typeface="苹方-简" panose="020B0400000000000000" charset="-122"/>
+              </a:rPr>
+              <a:t>木星计划</a:t>
+            </a:r>
+            <a:r>
+              <a:rPr kumimoji="0" lang="en-US" altLang="zh-Hans" sz="2400" b="1" i="0" u="none" strike="noStrike" kern="1200" cap="none" spc="0" normalizeH="0" baseline="0" noProof="0" dirty="0">
+                <a:ln>
+                  <a:noFill/>
+                </a:ln>
+                <a:solidFill>
+                  <a:prstClr val="black"/>
+                </a:solidFill>
+                <a:effectLst/>
+                <a:uLnTx/>
+                <a:uFillTx/>
+                <a:latin typeface="苹方-简" panose="020B0400000000000000" charset="-122"/>
+                <a:ea typeface="苹方-简" panose="020B0400000000000000" charset="-122"/>
+              </a:rPr>
+              <a:t>-</a:t>
+            </a:r>
+            <a:r>
+              <a:rPr lang="zh-Hans" altLang="en-US" sz="2400" b="1" dirty="0">
+                <a:solidFill>
+                  <a:prstClr val="black"/>
+                </a:solidFill>
+                <a:latin typeface="苹方-简" panose="020B0400000000000000" charset="-122"/>
+                <a:ea typeface="苹方-简" panose="020B0400000000000000" charset="-122"/>
+              </a:rPr>
+              <a:t>第二阶段</a:t>
+            </a:r>
+            <a:r>
+              <a:rPr kumimoji="0" lang="zh-Hans" altLang="en-US" sz="2400" b="1" i="0" u="none" strike="noStrike" kern="1200" cap="none" spc="0" normalizeH="0" baseline="0" noProof="0" dirty="0">
+                <a:ln>
+                  <a:noFill/>
+                </a:ln>
+                <a:solidFill>
+                  <a:prstClr val="black"/>
+                </a:solidFill>
+                <a:effectLst/>
+                <a:uLnTx/>
+                <a:uFillTx/>
+                <a:latin typeface="苹方-简" panose="020B0400000000000000" charset="-122"/>
+                <a:ea typeface="苹方-简" panose="020B0400000000000000" charset="-122"/>
+              </a:rPr>
+              <a:t>（</a:t>
+            </a:r>
+            <a:r>
+              <a:rPr kumimoji="0" lang="en-US" altLang="zh-Hans" sz="2400" b="1" i="0" u="none" strike="noStrike" kern="1200" cap="none" spc="0" normalizeH="0" baseline="0" noProof="0" dirty="0">
+                <a:ln>
+                  <a:noFill/>
+                </a:ln>
+                <a:solidFill>
+                  <a:prstClr val="black"/>
+                </a:solidFill>
+                <a:effectLst/>
+                <a:uLnTx/>
+                <a:uFillTx/>
+                <a:latin typeface="苹方-简" panose="020B0400000000000000" charset="-122"/>
+                <a:ea typeface="苹方-简" panose="020B0400000000000000" charset="-122"/>
+              </a:rPr>
+              <a:t>Review</a:t>
+            </a:r>
+            <a:r>
+              <a:rPr kumimoji="0" lang="zh-Hans" altLang="en-US" sz="2400" b="1" i="0" u="none" strike="noStrike" kern="1200" cap="none" spc="0" normalizeH="0" baseline="0" noProof="0" dirty="0">
+                <a:ln>
+                  <a:noFill/>
+                </a:ln>
+                <a:solidFill>
+                  <a:prstClr val="black"/>
+                </a:solidFill>
+                <a:effectLst/>
+                <a:uLnTx/>
+                <a:uFillTx/>
+                <a:latin typeface="苹方-简" panose="020B0400000000000000" charset="-122"/>
+                <a:ea typeface="苹方-简" panose="020B0400000000000000" charset="-122"/>
+              </a:rPr>
+              <a:t>）</a:t>
+            </a:r>
+            <a:endParaRPr kumimoji="0" lang="en-US" altLang="zh-CN" sz="2400" b="1" i="0" u="none" strike="noStrike" kern="1200" cap="none" spc="0" normalizeH="0" baseline="0" noProof="0" dirty="0">
+              <a:ln>
+                <a:noFill/>
+              </a:ln>
+              <a:solidFill>
+                <a:prstClr val="black"/>
+              </a:solidFill>
+              <a:effectLst/>
+              <a:uLnTx/>
+              <a:uFillTx/>
+              <a:latin typeface="苹方-简" panose="020B0400000000000000" charset="-122"/>
+              <a:ea typeface="苹方-简" panose="020B0400000000000000" charset="-122"/>
+            </a:endParaRPr>
+          </a:p>
+        </p:txBody>
+      </p:sp>
+      <p:sp>
+        <p:nvSpPr>
+          <p:cNvPr id="9" name="内容占位符 2"/>
+          <p:cNvSpPr txBox="1"/>
+          <p:nvPr/>
+        </p:nvSpPr>
+        <p:spPr>
+          <a:xfrm>
+            <a:off x="24384" y="934691"/>
+            <a:ext cx="8229600" cy="669520"/>
+          </a:xfrm>
+          <a:prstGeom prst="rect">
+            <a:avLst/>
+          </a:prstGeom>
+        </p:spPr>
+        <p:txBody>
+          <a:bodyPr/>
+          <a:lstStyle>
+            <a:lvl1pPr marL="342900" indent="-342900" algn="l" defTabSz="457200" rtl="0" eaLnBrk="1" latinLnBrk="0" hangingPunct="1">
+              <a:spcBef>
+                <a:spcPct val="20000"/>
+              </a:spcBef>
+              <a:buFont typeface="Arial" panose="020B0604020202090204"/>
+              <a:buChar char="•"/>
+              <a:defRPr sz="3200" kern="1200">
+                <a:solidFill>
+                  <a:schemeClr val="tx1"/>
+                </a:solidFill>
+                <a:latin typeface="+mn-lt"/>
+                <a:ea typeface="+mn-ea"/>
+                <a:cs typeface="+mn-cs"/>
+              </a:defRPr>
+            </a:lvl1pPr>
+            <a:lvl2pPr marL="742950" indent="-285750" algn="l" defTabSz="457200" rtl="0" eaLnBrk="1" latinLnBrk="0" hangingPunct="1">
+              <a:spcBef>
+                <a:spcPct val="20000"/>
+              </a:spcBef>
+              <a:buFont typeface="Arial" panose="020B0604020202090204"/>
+              <a:buChar char="–"/>
+              <a:defRPr sz="2800" kern="1200">
+                <a:solidFill>
+                  <a:schemeClr val="tx1"/>
+                </a:solidFill>
+                <a:latin typeface="+mn-lt"/>
+                <a:ea typeface="+mn-ea"/>
+                <a:cs typeface="+mn-cs"/>
+              </a:defRPr>
+            </a:lvl2pPr>
+            <a:lvl3pPr marL="1143000" indent="-228600" algn="l" defTabSz="457200" rtl="0" eaLnBrk="1" latinLnBrk="0" hangingPunct="1">
+              <a:spcBef>
+                <a:spcPct val="20000"/>
+              </a:spcBef>
+              <a:buFont typeface="Arial" panose="020B0604020202090204"/>
+              <a:buChar char="•"/>
+              <a:defRPr sz="2400" kern="1200">
+                <a:solidFill>
+                  <a:schemeClr val="tx1"/>
+                </a:solidFill>
+                <a:latin typeface="+mn-lt"/>
+                <a:ea typeface="+mn-ea"/>
+                <a:cs typeface="+mn-cs"/>
+              </a:defRPr>
+            </a:lvl3pPr>
+            <a:lvl4pPr marL="1600200" indent="-228600" algn="l" defTabSz="457200" rtl="0" eaLnBrk="1" latinLnBrk="0" hangingPunct="1">
+              <a:spcBef>
+                <a:spcPct val="20000"/>
+              </a:spcBef>
+              <a:buFont typeface="Arial" panose="020B0604020202090204"/>
+              <a:buChar char="–"/>
+              <a:defRPr sz="2000" kern="1200">
+                <a:solidFill>
+                  <a:schemeClr val="tx1"/>
+                </a:solidFill>
+                <a:latin typeface="+mn-lt"/>
+                <a:ea typeface="+mn-ea"/>
+                <a:cs typeface="+mn-cs"/>
+              </a:defRPr>
+            </a:lvl4pPr>
+            <a:lvl5pPr marL="2057400" indent="-228600" algn="l" defTabSz="457200" rtl="0" eaLnBrk="1" latinLnBrk="0" hangingPunct="1">
+              <a:spcBef>
+                <a:spcPct val="20000"/>
+              </a:spcBef>
+              <a:buFont typeface="Arial" panose="020B0604020202090204"/>
+              <a:buChar char="»"/>
+              <a:defRPr sz="2000" kern="1200">
+                <a:solidFill>
+                  <a:schemeClr val="tx1"/>
+                </a:solidFill>
+                <a:latin typeface="+mn-lt"/>
+                <a:ea typeface="+mn-ea"/>
+                <a:cs typeface="+mn-cs"/>
+              </a:defRPr>
+            </a:lvl5pPr>
+            <a:lvl6pPr marL="2514600" indent="-228600" algn="l" defTabSz="457200" rtl="0" eaLnBrk="1" latinLnBrk="0" hangingPunct="1">
+              <a:spcBef>
+                <a:spcPct val="20000"/>
+              </a:spcBef>
+              <a:buFont typeface="Arial" panose="020B0604020202090204"/>
+              <a:buChar char="•"/>
+              <a:defRPr sz="2000" kern="1200">
+                <a:solidFill>
+                  <a:schemeClr val="tx1"/>
+                </a:solidFill>
+                <a:latin typeface="+mn-lt"/>
+                <a:ea typeface="+mn-ea"/>
+                <a:cs typeface="+mn-cs"/>
+              </a:defRPr>
+            </a:lvl6pPr>
+            <a:lvl7pPr marL="2971800" indent="-228600" algn="l" defTabSz="457200" rtl="0" eaLnBrk="1" latinLnBrk="0" hangingPunct="1">
+              <a:spcBef>
+                <a:spcPct val="20000"/>
+              </a:spcBef>
+              <a:buFont typeface="Arial" panose="020B0604020202090204"/>
+              <a:buChar char="•"/>
+              <a:defRPr sz="2000" kern="1200">
+                <a:solidFill>
+                  <a:schemeClr val="tx1"/>
+                </a:solidFill>
+                <a:latin typeface="+mn-lt"/>
+                <a:ea typeface="+mn-ea"/>
+                <a:cs typeface="+mn-cs"/>
+              </a:defRPr>
+            </a:lvl7pPr>
+            <a:lvl8pPr marL="3429000" indent="-228600" algn="l" defTabSz="457200" rtl="0" eaLnBrk="1" latinLnBrk="0" hangingPunct="1">
+              <a:spcBef>
+                <a:spcPct val="20000"/>
+              </a:spcBef>
+              <a:buFont typeface="Arial" panose="020B0604020202090204"/>
+              <a:buChar char="•"/>
+              <a:defRPr sz="2000" kern="1200">
+                <a:solidFill>
+                  <a:schemeClr val="tx1"/>
+                </a:solidFill>
+                <a:latin typeface="+mn-lt"/>
+                <a:ea typeface="+mn-ea"/>
+                <a:cs typeface="+mn-cs"/>
+              </a:defRPr>
+            </a:lvl8pPr>
+            <a:lvl9pPr marL="3886200" indent="-228600" algn="l" defTabSz="457200" rtl="0" eaLnBrk="1" latinLnBrk="0" hangingPunct="1">
+              <a:spcBef>
+                <a:spcPct val="20000"/>
+              </a:spcBef>
+              <a:buFont typeface="Arial" panose="020B0604020202090204"/>
+              <a:buChar char="•"/>
+              <a:defRPr sz="2000" kern="1200">
+                <a:solidFill>
+                  <a:schemeClr val="tx1"/>
+                </a:solidFill>
+                <a:latin typeface="+mn-lt"/>
+                <a:ea typeface="+mn-ea"/>
+                <a:cs typeface="+mn-cs"/>
+              </a:defRPr>
+            </a:lvl9pPr>
+          </a:lstStyle>
+          <a:p>
+            <a:pPr marL="342900" marR="0" lvl="0" indent="-342900" algn="l" defTabSz="457200" rtl="0" eaLnBrk="1" fontAlgn="auto" latinLnBrk="0" hangingPunct="1">
+              <a:lnSpc>
+                <a:spcPct val="130000"/>
+              </a:lnSpc>
+              <a:spcBef>
+                <a:spcPct val="20000"/>
+              </a:spcBef>
+              <a:spcAft>
+                <a:spcPts val="0"/>
+              </a:spcAft>
+              <a:buClrTx/>
+              <a:buSzTx/>
+              <a:buFont typeface="Wingdings" panose="05000000000000000000" pitchFamily="2" charset="2"/>
+              <a:buChar char="l"/>
+              <a:defRPr/>
+            </a:pPr>
+            <a:endParaRPr kumimoji="0" lang="en-US" altLang="zh-CN" sz="1800" b="0" i="0" u="none" strike="noStrike" kern="1200" cap="none" spc="0" normalizeH="0" baseline="0" noProof="0" dirty="0">
+              <a:ln>
+                <a:noFill/>
+              </a:ln>
+              <a:solidFill>
+                <a:prstClr val="black"/>
+              </a:solidFill>
+              <a:effectLst/>
+              <a:uLnTx/>
+              <a:uFillTx/>
+              <a:latin typeface="Calibri"/>
+              <a:ea typeface="微软雅黑" charset="-122"/>
+              <a:cs typeface="+mn-cs"/>
+            </a:endParaRPr>
+          </a:p>
+          <a:p>
+            <a:pPr marL="0" marR="0" lvl="0" indent="0" algn="l" defTabSz="457200" rtl="0" eaLnBrk="1" fontAlgn="auto" latinLnBrk="0" hangingPunct="1">
+              <a:lnSpc>
+                <a:spcPct val="130000"/>
+              </a:lnSpc>
+              <a:spcBef>
+                <a:spcPct val="20000"/>
+              </a:spcBef>
+              <a:spcAft>
+                <a:spcPts val="0"/>
+              </a:spcAft>
+              <a:buClrTx/>
+              <a:buSzTx/>
+              <a:buFont typeface="Arial" panose="020B0604020202090204"/>
+              <a:buNone/>
+              <a:defRPr/>
+            </a:pPr>
+            <a:endParaRPr kumimoji="0" lang="en-US" altLang="zh-CN" sz="1800" b="1" i="0" u="none" strike="noStrike" kern="1200" cap="none" spc="0" normalizeH="0" baseline="0" noProof="0" dirty="0">
+              <a:ln>
+                <a:noFill/>
+              </a:ln>
+              <a:solidFill>
+                <a:prstClr val="black"/>
+              </a:solidFill>
+              <a:effectLst/>
+              <a:uLnTx/>
+              <a:uFillTx/>
+              <a:latin typeface="Calibri"/>
+              <a:ea typeface="微软雅黑" charset="-122"/>
+              <a:cs typeface="+mn-cs"/>
+            </a:endParaRPr>
+          </a:p>
+          <a:p>
+            <a:pPr marL="0" marR="0" lvl="0" indent="0" algn="l" defTabSz="457200" rtl="0" eaLnBrk="1" fontAlgn="auto" latinLnBrk="0" hangingPunct="1">
+              <a:lnSpc>
+                <a:spcPct val="130000"/>
+              </a:lnSpc>
+              <a:spcBef>
+                <a:spcPct val="20000"/>
+              </a:spcBef>
+              <a:spcAft>
+                <a:spcPts val="0"/>
+              </a:spcAft>
+              <a:buClrTx/>
+              <a:buSzTx/>
+              <a:buFont typeface="Arial" panose="020B0604020202090204"/>
+              <a:buNone/>
+              <a:defRPr/>
+            </a:pPr>
+            <a:endParaRPr kumimoji="0" lang="en-US" altLang="zh-CN" sz="1800" b="1" i="0" u="none" strike="noStrike" kern="1200" cap="none" spc="0" normalizeH="0" baseline="0" noProof="0" dirty="0">
+              <a:ln>
+                <a:noFill/>
+              </a:ln>
+              <a:solidFill>
+                <a:prstClr val="black"/>
+              </a:solidFill>
+              <a:effectLst/>
+              <a:uLnTx/>
+              <a:uFillTx/>
+              <a:latin typeface="Calibri"/>
+              <a:ea typeface="微软雅黑" charset="-122"/>
+              <a:cs typeface="+mn-cs"/>
+            </a:endParaRPr>
+          </a:p>
+        </p:txBody>
+      </p:sp>
+      <p:sp>
+        <p:nvSpPr>
+          <p:cNvPr id="8" name="文本框 7">
+            <a:extLst>
+              <a:ext uri="{FF2B5EF4-FFF2-40B4-BE49-F238E27FC236}">
+                <a16:creationId xmlns:a16="http://schemas.microsoft.com/office/drawing/2014/main" id="{96F6CF16-84D7-C54F-844E-69DEB4DC399D}"/>
+              </a:ext>
+            </a:extLst>
+          </p:cNvPr>
+          <p:cNvSpPr txBox="1"/>
+          <p:nvPr/>
+        </p:nvSpPr>
+        <p:spPr>
+          <a:xfrm>
+            <a:off x="1081295" y="1679620"/>
+            <a:ext cx="3038011" cy="1436675"/>
+          </a:xfrm>
+          <a:prstGeom prst="rect">
+            <a:avLst/>
+          </a:prstGeom>
+          <a:noFill/>
+        </p:spPr>
+        <p:txBody>
+          <a:bodyPr wrap="none" rtlCol="0">
+            <a:spAutoFit/>
+          </a:bodyPr>
+          <a:lstStyle/>
+          <a:p>
+            <a:pPr marL="285750" indent="-285750">
+              <a:lnSpc>
+                <a:spcPct val="150000"/>
+              </a:lnSpc>
+              <a:buFont typeface="Arial" panose="020B0604020202020204" pitchFamily="34" charset="0"/>
+              <a:buChar char="•"/>
+            </a:pPr>
+            <a:r>
+              <a:rPr kumimoji="1" lang="zh-Hans" altLang="en-US" sz="2000" dirty="0">
+                <a:latin typeface="PingFang SC" panose="020B0400000000000000" pitchFamily="34" charset="-122"/>
+                <a:ea typeface="PingFang SC" panose="020B0400000000000000" pitchFamily="34" charset="-122"/>
+              </a:rPr>
+              <a:t>一套业务代码</a:t>
+            </a:r>
+            <a:endParaRPr kumimoji="1" lang="en-US" altLang="zh-Hans" sz="2000" dirty="0">
+              <a:latin typeface="PingFang SC" panose="020B0400000000000000" pitchFamily="34" charset="-122"/>
+              <a:ea typeface="PingFang SC" panose="020B0400000000000000" pitchFamily="34" charset="-122"/>
+            </a:endParaRPr>
+          </a:p>
+          <a:p>
+            <a:pPr marL="285750" indent="-285750">
+              <a:lnSpc>
+                <a:spcPct val="150000"/>
+              </a:lnSpc>
+              <a:buFont typeface="Arial" panose="020B0604020202020204" pitchFamily="34" charset="0"/>
+              <a:buChar char="•"/>
+            </a:pPr>
+            <a:r>
+              <a:rPr kumimoji="1" lang="zh-Hans" altLang="en-US" sz="2000" dirty="0">
+                <a:latin typeface="PingFang SC" panose="020B0400000000000000" pitchFamily="34" charset="-122"/>
+                <a:ea typeface="PingFang SC" panose="020B0400000000000000" pitchFamily="34" charset="-122"/>
+              </a:rPr>
+              <a:t>一套通用、基础组件库</a:t>
+            </a:r>
+            <a:endParaRPr kumimoji="1" lang="en-US" altLang="zh-Hans" sz="2000" dirty="0">
+              <a:latin typeface="PingFang SC" panose="020B0400000000000000" pitchFamily="34" charset="-122"/>
+              <a:ea typeface="PingFang SC" panose="020B0400000000000000" pitchFamily="34" charset="-122"/>
+            </a:endParaRPr>
+          </a:p>
+          <a:p>
+            <a:pPr marL="285750" indent="-285750">
+              <a:lnSpc>
+                <a:spcPct val="150000"/>
+              </a:lnSpc>
+              <a:buFont typeface="Arial" panose="020B0604020202020204" pitchFamily="34" charset="0"/>
+              <a:buChar char="•"/>
+            </a:pPr>
+            <a:r>
+              <a:rPr kumimoji="1" lang="zh-Hans" altLang="en-US" sz="2000" dirty="0">
+                <a:latin typeface="PingFang SC" panose="020B0400000000000000" pitchFamily="34" charset="-122"/>
+                <a:ea typeface="PingFang SC" panose="020B0400000000000000" pitchFamily="34" charset="-122"/>
+              </a:rPr>
+              <a:t>相同的开发模式</a:t>
+            </a:r>
+            <a:endParaRPr kumimoji="1" lang="en-US" altLang="zh-Hans" sz="2000" dirty="0">
+              <a:latin typeface="PingFang SC" panose="020B0400000000000000" pitchFamily="34" charset="-122"/>
+              <a:ea typeface="PingFang SC" panose="020B0400000000000000" pitchFamily="34" charset="-122"/>
+            </a:endParaRPr>
+          </a:p>
+        </p:txBody>
+      </p:sp>
+      <p:sp>
+        <p:nvSpPr>
+          <p:cNvPr id="11" name="文本框 10">
+            <a:extLst>
+              <a:ext uri="{FF2B5EF4-FFF2-40B4-BE49-F238E27FC236}">
+                <a16:creationId xmlns:a16="http://schemas.microsoft.com/office/drawing/2014/main" id="{C008EA92-72A2-6F4C-B7AC-D0488CA9F609}"/>
+              </a:ext>
+            </a:extLst>
+          </p:cNvPr>
+          <p:cNvSpPr txBox="1"/>
+          <p:nvPr/>
+        </p:nvSpPr>
+        <p:spPr>
+          <a:xfrm>
+            <a:off x="1291771" y="1291771"/>
+            <a:ext cx="2322286" cy="461665"/>
+          </a:xfrm>
+          <a:prstGeom prst="rect">
+            <a:avLst/>
+          </a:prstGeom>
+          <a:noFill/>
+        </p:spPr>
+        <p:txBody>
+          <a:bodyPr wrap="square" rtlCol="0">
+            <a:spAutoFit/>
+          </a:bodyPr>
+          <a:lstStyle/>
+          <a:p>
+            <a:r>
+              <a:rPr kumimoji="1" lang="zh-Hans" altLang="en-US" sz="2400" b="1" dirty="0">
+                <a:latin typeface="PingFang SC" panose="020B0400000000000000" pitchFamily="34" charset="-122"/>
+                <a:ea typeface="PingFang SC" panose="020B0400000000000000" pitchFamily="34" charset="-122"/>
+              </a:rPr>
+              <a:t>客户端</a:t>
+            </a:r>
+            <a:endParaRPr kumimoji="1" lang="zh-CN" altLang="en-US" sz="2400" b="1" dirty="0"/>
+          </a:p>
+        </p:txBody>
+      </p:sp>
+      <p:sp>
+        <p:nvSpPr>
+          <p:cNvPr id="20" name="文本框 19">
+            <a:extLst>
+              <a:ext uri="{FF2B5EF4-FFF2-40B4-BE49-F238E27FC236}">
+                <a16:creationId xmlns:a16="http://schemas.microsoft.com/office/drawing/2014/main" id="{FFDC1C26-C5D4-C24C-A79B-D1E85CC53D29}"/>
+              </a:ext>
+            </a:extLst>
+          </p:cNvPr>
+          <p:cNvSpPr txBox="1"/>
+          <p:nvPr/>
+        </p:nvSpPr>
+        <p:spPr>
+          <a:xfrm>
+            <a:off x="1291771" y="3638889"/>
+            <a:ext cx="2322286" cy="461665"/>
+          </a:xfrm>
+          <a:prstGeom prst="rect">
+            <a:avLst/>
+          </a:prstGeom>
+          <a:noFill/>
+        </p:spPr>
+        <p:txBody>
+          <a:bodyPr wrap="square" rtlCol="0">
+            <a:spAutoFit/>
+          </a:bodyPr>
+          <a:lstStyle/>
+          <a:p>
+            <a:r>
+              <a:rPr kumimoji="1" lang="zh-Hans" altLang="en-US" sz="2400" b="1" dirty="0">
+                <a:latin typeface="PingFang SC" panose="020B0400000000000000" pitchFamily="34" charset="-122"/>
+                <a:ea typeface="PingFang SC" panose="020B0400000000000000" pitchFamily="34" charset="-122"/>
+              </a:rPr>
+              <a:t>服务端</a:t>
+            </a:r>
+            <a:endParaRPr kumimoji="1" lang="zh-CN" altLang="en-US" sz="2400" b="1" dirty="0"/>
+          </a:p>
+        </p:txBody>
+      </p:sp>
+      <p:sp>
+        <p:nvSpPr>
+          <p:cNvPr id="21" name="文本框 20">
+            <a:extLst>
+              <a:ext uri="{FF2B5EF4-FFF2-40B4-BE49-F238E27FC236}">
+                <a16:creationId xmlns:a16="http://schemas.microsoft.com/office/drawing/2014/main" id="{39CA9C7D-E8D7-5641-BD9E-3F461C8ECA62}"/>
+              </a:ext>
+            </a:extLst>
+          </p:cNvPr>
+          <p:cNvSpPr txBox="1"/>
+          <p:nvPr/>
+        </p:nvSpPr>
+        <p:spPr>
+          <a:xfrm>
+            <a:off x="1110323" y="4116906"/>
+            <a:ext cx="2268570" cy="975011"/>
+          </a:xfrm>
+          <a:prstGeom prst="rect">
+            <a:avLst/>
+          </a:prstGeom>
+          <a:noFill/>
+        </p:spPr>
+        <p:txBody>
+          <a:bodyPr wrap="none" rtlCol="0">
+            <a:spAutoFit/>
+          </a:bodyPr>
+          <a:lstStyle/>
+          <a:p>
+            <a:pPr marL="285750" indent="-285750">
+              <a:lnSpc>
+                <a:spcPct val="150000"/>
+              </a:lnSpc>
+              <a:buFont typeface="Arial" panose="020B0604020202020204" pitchFamily="34" charset="0"/>
+              <a:buChar char="•"/>
+            </a:pPr>
+            <a:r>
+              <a:rPr kumimoji="1" lang="zh-Hans" altLang="en-US" sz="2000" dirty="0">
+                <a:latin typeface="PingFang SC" panose="020B0400000000000000" pitchFamily="34" charset="-122"/>
+                <a:ea typeface="PingFang SC" panose="020B0400000000000000" pitchFamily="34" charset="-122"/>
+              </a:rPr>
+              <a:t>一套接口</a:t>
+            </a:r>
+            <a:endParaRPr kumimoji="1" lang="en-US" altLang="zh-Hans" sz="2000" dirty="0">
+              <a:latin typeface="PingFang SC" panose="020B0400000000000000" pitchFamily="34" charset="-122"/>
+              <a:ea typeface="PingFang SC" panose="020B0400000000000000" pitchFamily="34" charset="-122"/>
+            </a:endParaRPr>
+          </a:p>
+          <a:p>
+            <a:pPr marL="285750" indent="-285750">
+              <a:lnSpc>
+                <a:spcPct val="150000"/>
+              </a:lnSpc>
+              <a:buFont typeface="Arial" panose="020B0604020202020204" pitchFamily="34" charset="0"/>
+              <a:buChar char="•"/>
+            </a:pPr>
+            <a:r>
+              <a:rPr kumimoji="1" lang="zh-Hans" altLang="en-US" sz="2000" dirty="0">
+                <a:latin typeface="PingFang SC" panose="020B0400000000000000" pitchFamily="34" charset="-122"/>
+                <a:ea typeface="PingFang SC" panose="020B0400000000000000" pitchFamily="34" charset="-122"/>
+              </a:rPr>
+              <a:t>相同的开发模式</a:t>
+            </a:r>
+            <a:endParaRPr kumimoji="1" lang="en-US" altLang="zh-Hans" sz="2000" dirty="0">
+              <a:latin typeface="PingFang SC" panose="020B0400000000000000" pitchFamily="34" charset="-122"/>
+              <a:ea typeface="PingFang SC" panose="020B0400000000000000" pitchFamily="34" charset="-122"/>
+            </a:endParaRPr>
+          </a:p>
+        </p:txBody>
+      </p:sp>
+    </p:spTree>
+    <p:custDataLst>
+      <p:tags r:id="rId1"/>
+    </p:custDataLst>
+    <p:extLst>
+      <p:ext uri="{BB962C8B-B14F-4D97-AF65-F5344CB8AC3E}">
+        <p14:creationId xmlns:p14="http://schemas.microsoft.com/office/powerpoint/2010/main" val="2121154613"/>
+      </p:ext>
+    </p:extLst>
+  </p:cSld>
+  <p:clrMapOvr>
+    <a:masterClrMapping/>
+  </p:clrMapOvr>
+</p:sld>
+</file>
+
+<file path=ppt/slides/slide19.xml><?xml version="1.0" encoding="utf-8"?>
+<p:sld xmlns:a="http://schemas.openxmlformats.org/drawingml/2006/main" xmlns:r="http://schemas.openxmlformats.org/officeDocument/2006/relationships" xmlns:p="http://schemas.openxmlformats.org/presentationml/2006/main">
+  <p:cSld>
+    <p:spTree>
+      <p:nvGrpSpPr>
+        <p:cNvPr id="1" name=""/>
+        <p:cNvGrpSpPr/>
+        <p:nvPr/>
+      </p:nvGrpSpPr>
+      <p:grpSpPr>
+        <a:xfrm>
+          <a:off x="0" y="0"/>
+          <a:ext cx="0" cy="0"/>
+          <a:chOff x="0" y="0"/>
+          <a:chExt cx="0" cy="0"/>
+        </a:xfrm>
+      </p:grpSpPr>
+      <p:pic>
+        <p:nvPicPr>
+          <p:cNvPr id="2" name="图片 1"/>
+          <p:cNvPicPr>
+            <a:picLocks noChangeAspect="1"/>
+          </p:cNvPicPr>
+          <p:nvPr/>
+        </p:nvPicPr>
+        <p:blipFill>
+          <a:blip r:embed="rId4" cstate="email"/>
+          <a:stretch>
+            <a:fillRect/>
+          </a:stretch>
+        </p:blipFill>
+        <p:spPr>
+          <a:xfrm>
+            <a:off x="0" y="10130"/>
+            <a:ext cx="9142571" cy="6858000"/>
+          </a:xfrm>
+          <a:prstGeom prst="rect">
+            <a:avLst/>
+          </a:prstGeom>
+          <a:noFill/>
+          <a:ln>
+            <a:solidFill>
+              <a:schemeClr val="tx1"/>
+            </a:solidFill>
+          </a:ln>
+        </p:spPr>
+      </p:pic>
+      <p:sp>
+        <p:nvSpPr>
+          <p:cNvPr id="6" name="灯片编号占位符 4"/>
+          <p:cNvSpPr>
+            <a:spLocks noGrp="1"/>
+          </p:cNvSpPr>
+          <p:nvPr>
+            <p:ph type="sldNum" sz="quarter" idx="12"/>
+          </p:nvPr>
+        </p:nvSpPr>
+        <p:spPr>
+          <a:xfrm>
+            <a:off x="6120384" y="6413183"/>
+            <a:ext cx="2133600" cy="274637"/>
+          </a:xfrm>
+        </p:spPr>
+        <p:txBody>
+          <a:bodyPr/>
+          <a:lstStyle>
+            <a:lvl1pPr eaLnBrk="0" hangingPunct="0">
+              <a:defRPr>
+                <a:solidFill>
+                  <a:schemeClr val="tx1"/>
+                </a:solidFill>
+                <a:latin typeface="Arial" panose="020B0604020202090204" pitchFamily="34" charset="0"/>
+                <a:ea typeface="宋体" charset="-122"/>
+              </a:defRPr>
+            </a:lvl1pPr>
+            <a:lvl2pPr marL="742950" indent="-285750" eaLnBrk="0" hangingPunct="0">
+              <a:defRPr>
+                <a:solidFill>
+                  <a:schemeClr val="tx1"/>
+                </a:solidFill>
+                <a:latin typeface="Arial" panose="020B0604020202090204" pitchFamily="34" charset="0"/>
+                <a:ea typeface="宋体" charset="-122"/>
+              </a:defRPr>
+            </a:lvl2pPr>
+            <a:lvl3pPr marL="1143000" indent="-228600" eaLnBrk="0" hangingPunct="0">
+              <a:defRPr>
+                <a:solidFill>
+                  <a:schemeClr val="tx1"/>
+                </a:solidFill>
+                <a:latin typeface="Arial" panose="020B0604020202090204" pitchFamily="34" charset="0"/>
+                <a:ea typeface="宋体" charset="-122"/>
+              </a:defRPr>
+            </a:lvl3pPr>
+            <a:lvl4pPr marL="1600200" indent="-228600" eaLnBrk="0" hangingPunct="0">
+              <a:defRPr>
+                <a:solidFill>
+                  <a:schemeClr val="tx1"/>
+                </a:solidFill>
+                <a:latin typeface="Arial" panose="020B0604020202090204" pitchFamily="34" charset="0"/>
+                <a:ea typeface="宋体" charset="-122"/>
+              </a:defRPr>
+            </a:lvl4pPr>
+            <a:lvl5pPr marL="2057400" indent="-228600" eaLnBrk="0" hangingPunct="0">
+              <a:defRPr>
+                <a:solidFill>
+                  <a:schemeClr val="tx1"/>
+                </a:solidFill>
+                <a:latin typeface="Arial" panose="020B0604020202090204" pitchFamily="34" charset="0"/>
+                <a:ea typeface="宋体" charset="-122"/>
+              </a:defRPr>
+            </a:lvl5pPr>
+            <a:lvl6pPr marL="2514600" indent="-228600" defTabSz="457200" eaLnBrk="0" fontAlgn="base" hangingPunct="0">
+              <a:spcBef>
+                <a:spcPct val="0"/>
+              </a:spcBef>
+              <a:spcAft>
+                <a:spcPct val="0"/>
+              </a:spcAft>
+              <a:defRPr>
+                <a:solidFill>
+                  <a:schemeClr val="tx1"/>
+                </a:solidFill>
+                <a:latin typeface="Arial" panose="020B0604020202090204" pitchFamily="34" charset="0"/>
+                <a:ea typeface="宋体" charset="-122"/>
+              </a:defRPr>
+            </a:lvl6pPr>
+            <a:lvl7pPr marL="2971800" indent="-228600" defTabSz="457200" eaLnBrk="0" fontAlgn="base" hangingPunct="0">
+              <a:spcBef>
+                <a:spcPct val="0"/>
+              </a:spcBef>
+              <a:spcAft>
+                <a:spcPct val="0"/>
+              </a:spcAft>
+              <a:defRPr>
+                <a:solidFill>
+                  <a:schemeClr val="tx1"/>
+                </a:solidFill>
+                <a:latin typeface="Arial" panose="020B0604020202090204" pitchFamily="34" charset="0"/>
+                <a:ea typeface="宋体" charset="-122"/>
+              </a:defRPr>
+            </a:lvl7pPr>
+            <a:lvl8pPr marL="3429000" indent="-228600" defTabSz="457200" eaLnBrk="0" fontAlgn="base" hangingPunct="0">
+              <a:spcBef>
+                <a:spcPct val="0"/>
+              </a:spcBef>
+              <a:spcAft>
+                <a:spcPct val="0"/>
+              </a:spcAft>
+              <a:defRPr>
+                <a:solidFill>
+                  <a:schemeClr val="tx1"/>
+                </a:solidFill>
+                <a:latin typeface="Arial" panose="020B0604020202090204" pitchFamily="34" charset="0"/>
+                <a:ea typeface="宋体" charset="-122"/>
+              </a:defRPr>
+            </a:lvl8pPr>
+            <a:lvl9pPr marL="3886200" indent="-228600" defTabSz="457200" eaLnBrk="0" fontAlgn="base" hangingPunct="0">
+              <a:spcBef>
+                <a:spcPct val="0"/>
+              </a:spcBef>
+              <a:spcAft>
+                <a:spcPct val="0"/>
+              </a:spcAft>
+              <a:defRPr>
+                <a:solidFill>
+                  <a:schemeClr val="tx1"/>
+                </a:solidFill>
+                <a:latin typeface="Arial" panose="020B0604020202090204" pitchFamily="34" charset="0"/>
+                <a:ea typeface="宋体" charset="-122"/>
+              </a:defRPr>
+            </a:lvl9pPr>
+          </a:lstStyle>
+          <a:p>
+            <a:pPr marL="0" marR="0" lvl="0" indent="0" algn="r" defTabSz="457200" rtl="0" eaLnBrk="1" fontAlgn="auto" latinLnBrk="0" hangingPunct="1">
+              <a:lnSpc>
+                <a:spcPct val="100000"/>
+              </a:lnSpc>
+              <a:spcBef>
+                <a:spcPts val="0"/>
+              </a:spcBef>
+              <a:spcAft>
+                <a:spcPts val="0"/>
+              </a:spcAft>
+              <a:buClrTx/>
+              <a:buSzTx/>
+              <a:buFontTx/>
+              <a:buNone/>
+              <a:defRPr/>
+            </a:pPr>
+            <a:fld id="{3F1E42E4-90F7-C348-9C7D-352344EF35F9}" type="slidenum">
+              <a:rPr kumimoji="0" lang="zh-CN" altLang="en-US" sz="1200" b="0" i="0" u="none" strike="noStrike" kern="1200" cap="none" spc="0" normalizeH="0" baseline="0" noProof="0">
+                <a:ln>
+                  <a:noFill/>
+                </a:ln>
+                <a:solidFill>
+                  <a:srgbClr val="898989"/>
+                </a:solidFill>
+                <a:effectLst/>
+                <a:uLnTx/>
+                <a:uFillTx/>
+                <a:latin typeface="Arial" panose="020B0604020202090204" pitchFamily="34" charset="0"/>
+                <a:ea typeface="微软雅黑" charset="-122"/>
+                <a:cs typeface="+mn-cs"/>
+              </a:rPr>
+              <a:t>19</a:t>
+            </a:fld>
+            <a:endParaRPr kumimoji="0" lang="zh-CN" altLang="en-US" sz="1200" b="0" i="0" u="none" strike="noStrike" kern="1200" cap="none" spc="0" normalizeH="0" baseline="0" noProof="0" dirty="0">
+              <a:ln>
+                <a:noFill/>
+              </a:ln>
+              <a:solidFill>
+                <a:srgbClr val="898989"/>
+              </a:solidFill>
+              <a:effectLst/>
+              <a:uLnTx/>
+              <a:uFillTx/>
+              <a:latin typeface="Arial" panose="020B0604020202090204" pitchFamily="34" charset="0"/>
+              <a:ea typeface="微软雅黑" charset="-122"/>
+              <a:cs typeface="+mn-cs"/>
+            </a:endParaRPr>
+          </a:p>
+        </p:txBody>
+      </p:sp>
+      <p:sp>
+        <p:nvSpPr>
+          <p:cNvPr id="7" name="标题 1"/>
+          <p:cNvSpPr txBox="1"/>
+          <p:nvPr/>
+        </p:nvSpPr>
+        <p:spPr>
+          <a:xfrm>
+            <a:off x="250825" y="89645"/>
+            <a:ext cx="8278495" cy="782955"/>
+          </a:xfrm>
+          <a:prstGeom prst="rect">
+            <a:avLst/>
+          </a:prstGeom>
+        </p:spPr>
+        <p:txBody>
+          <a:bodyPr/>
+          <a:lstStyle>
+            <a:lvl1pPr algn="ctr" defTabSz="457200" rtl="0" eaLnBrk="1" latinLnBrk="0" hangingPunct="1">
+              <a:spcBef>
+                <a:spcPct val="0"/>
+              </a:spcBef>
+              <a:buNone/>
+              <a:defRPr sz="4400" kern="1200">
+                <a:solidFill>
+                  <a:schemeClr val="tx1"/>
+                </a:solidFill>
+                <a:latin typeface="+mj-lt"/>
+                <a:ea typeface="+mj-ea"/>
+                <a:cs typeface="+mj-cs"/>
+              </a:defRPr>
+            </a:lvl1pPr>
+          </a:lstStyle>
+          <a:p>
+            <a:pPr marL="0" marR="0" lvl="0" indent="0" algn="l" defTabSz="457200" rtl="0" eaLnBrk="1" fontAlgn="auto" latinLnBrk="0" hangingPunct="1">
+              <a:lnSpc>
+                <a:spcPct val="150000"/>
+              </a:lnSpc>
+              <a:spcBef>
+                <a:spcPts val="0"/>
+              </a:spcBef>
+              <a:spcAft>
+                <a:spcPts val="0"/>
+              </a:spcAft>
+              <a:buClrTx/>
+              <a:buSzTx/>
+              <a:buFontTx/>
+              <a:buNone/>
+              <a:defRPr/>
+            </a:pPr>
+            <a:r>
+              <a:rPr kumimoji="0" lang="zh-Hans" altLang="en-US" sz="2400" b="1" i="0" u="none" strike="noStrike" kern="1200" cap="none" spc="0" normalizeH="0" baseline="0" noProof="0" dirty="0">
+                <a:ln>
+                  <a:noFill/>
+                </a:ln>
+                <a:solidFill>
+                  <a:prstClr val="black"/>
+                </a:solidFill>
+                <a:effectLst/>
+                <a:uLnTx/>
+                <a:uFillTx/>
+                <a:latin typeface="苹方-简" panose="020B0400000000000000" charset="-122"/>
+                <a:ea typeface="苹方-简" panose="020B0400000000000000" charset="-122"/>
+              </a:rPr>
+              <a:t>木星计划</a:t>
+            </a:r>
+            <a:r>
+              <a:rPr kumimoji="0" lang="en-US" altLang="zh-Hans" sz="2400" b="1" i="0" u="none" strike="noStrike" kern="1200" cap="none" spc="0" normalizeH="0" baseline="0" noProof="0" dirty="0">
+                <a:ln>
+                  <a:noFill/>
+                </a:ln>
+                <a:solidFill>
+                  <a:prstClr val="black"/>
+                </a:solidFill>
+                <a:effectLst/>
+                <a:uLnTx/>
+                <a:uFillTx/>
+                <a:latin typeface="苹方-简" panose="020B0400000000000000" charset="-122"/>
+                <a:ea typeface="苹方-简" panose="020B0400000000000000" charset="-122"/>
+              </a:rPr>
+              <a:t>-</a:t>
+            </a:r>
+            <a:r>
+              <a:rPr lang="zh-Hans" altLang="en-US" sz="2400" b="1" dirty="0">
+                <a:solidFill>
+                  <a:prstClr val="black"/>
+                </a:solidFill>
+                <a:latin typeface="苹方-简" panose="020B0400000000000000" charset="-122"/>
+                <a:ea typeface="苹方-简" panose="020B0400000000000000" charset="-122"/>
+              </a:rPr>
+              <a:t>第二阶段</a:t>
+            </a:r>
+            <a:r>
+              <a:rPr kumimoji="0" lang="zh-Hans" altLang="en-US" sz="2400" b="1" i="0" u="none" strike="noStrike" kern="1200" cap="none" spc="0" normalizeH="0" baseline="0" noProof="0" dirty="0">
+                <a:ln>
+                  <a:noFill/>
+                </a:ln>
+                <a:solidFill>
+                  <a:prstClr val="black"/>
+                </a:solidFill>
+                <a:effectLst/>
+                <a:uLnTx/>
+                <a:uFillTx/>
+                <a:latin typeface="苹方-简" panose="020B0400000000000000" charset="-122"/>
+                <a:ea typeface="苹方-简" panose="020B0400000000000000" charset="-122"/>
+              </a:rPr>
+              <a:t>（</a:t>
+            </a:r>
+            <a:r>
+              <a:rPr kumimoji="0" lang="en-US" altLang="zh-Hans" sz="2400" b="1" i="0" u="none" strike="noStrike" kern="1200" cap="none" spc="0" normalizeH="0" baseline="0" noProof="0" dirty="0">
+                <a:ln>
+                  <a:noFill/>
+                </a:ln>
+                <a:solidFill>
+                  <a:prstClr val="black"/>
+                </a:solidFill>
+                <a:effectLst/>
+                <a:uLnTx/>
+                <a:uFillTx/>
+                <a:latin typeface="苹方-简" panose="020B0400000000000000" charset="-122"/>
+                <a:ea typeface="苹方-简" panose="020B0400000000000000" charset="-122"/>
+              </a:rPr>
+              <a:t>Review</a:t>
+            </a:r>
+            <a:r>
+              <a:rPr kumimoji="0" lang="zh-Hans" altLang="en-US" sz="2400" b="1" i="0" u="none" strike="noStrike" kern="1200" cap="none" spc="0" normalizeH="0" baseline="0" noProof="0" dirty="0">
+                <a:ln>
+                  <a:noFill/>
+                </a:ln>
+                <a:solidFill>
+                  <a:prstClr val="black"/>
+                </a:solidFill>
+                <a:effectLst/>
+                <a:uLnTx/>
+                <a:uFillTx/>
+                <a:latin typeface="苹方-简" panose="020B0400000000000000" charset="-122"/>
+                <a:ea typeface="苹方-简" panose="020B0400000000000000" charset="-122"/>
+              </a:rPr>
+              <a:t>）</a:t>
+            </a:r>
+            <a:endParaRPr kumimoji="0" lang="en-US" altLang="zh-CN" sz="2400" b="1" i="0" u="none" strike="noStrike" kern="1200" cap="none" spc="0" normalizeH="0" baseline="0" noProof="0" dirty="0">
+              <a:ln>
+                <a:noFill/>
+              </a:ln>
+              <a:solidFill>
+                <a:prstClr val="black"/>
+              </a:solidFill>
+              <a:effectLst/>
+              <a:uLnTx/>
+              <a:uFillTx/>
+              <a:latin typeface="苹方-简" panose="020B0400000000000000" charset="-122"/>
+              <a:ea typeface="苹方-简" panose="020B0400000000000000" charset="-122"/>
+            </a:endParaRPr>
+          </a:p>
+        </p:txBody>
+      </p:sp>
+      <p:sp>
+        <p:nvSpPr>
+          <p:cNvPr id="9" name="内容占位符 2"/>
+          <p:cNvSpPr txBox="1"/>
+          <p:nvPr/>
+        </p:nvSpPr>
+        <p:spPr>
+          <a:xfrm>
+            <a:off x="24384" y="934691"/>
+            <a:ext cx="8229600" cy="669520"/>
+          </a:xfrm>
+          <a:prstGeom prst="rect">
+            <a:avLst/>
+          </a:prstGeom>
+        </p:spPr>
+        <p:txBody>
+          <a:bodyPr/>
+          <a:lstStyle>
+            <a:lvl1pPr marL="342900" indent="-342900" algn="l" defTabSz="457200" rtl="0" eaLnBrk="1" latinLnBrk="0" hangingPunct="1">
+              <a:spcBef>
+                <a:spcPct val="20000"/>
+              </a:spcBef>
+              <a:buFont typeface="Arial" panose="020B0604020202090204"/>
+              <a:buChar char="•"/>
+              <a:defRPr sz="3200" kern="1200">
+                <a:solidFill>
+                  <a:schemeClr val="tx1"/>
+                </a:solidFill>
+                <a:latin typeface="+mn-lt"/>
+                <a:ea typeface="+mn-ea"/>
+                <a:cs typeface="+mn-cs"/>
+              </a:defRPr>
+            </a:lvl1pPr>
+            <a:lvl2pPr marL="742950" indent="-285750" algn="l" defTabSz="457200" rtl="0" eaLnBrk="1" latinLnBrk="0" hangingPunct="1">
+              <a:spcBef>
+                <a:spcPct val="20000"/>
+              </a:spcBef>
+              <a:buFont typeface="Arial" panose="020B0604020202090204"/>
+              <a:buChar char="–"/>
+              <a:defRPr sz="2800" kern="1200">
+                <a:solidFill>
+                  <a:schemeClr val="tx1"/>
+                </a:solidFill>
+                <a:latin typeface="+mn-lt"/>
+                <a:ea typeface="+mn-ea"/>
+                <a:cs typeface="+mn-cs"/>
+              </a:defRPr>
+            </a:lvl2pPr>
+            <a:lvl3pPr marL="1143000" indent="-228600" algn="l" defTabSz="457200" rtl="0" eaLnBrk="1" latinLnBrk="0" hangingPunct="1">
+              <a:spcBef>
+                <a:spcPct val="20000"/>
+              </a:spcBef>
+              <a:buFont typeface="Arial" panose="020B0604020202090204"/>
+              <a:buChar char="•"/>
+              <a:defRPr sz="2400" kern="1200">
+                <a:solidFill>
+                  <a:schemeClr val="tx1"/>
+                </a:solidFill>
+                <a:latin typeface="+mn-lt"/>
+                <a:ea typeface="+mn-ea"/>
+                <a:cs typeface="+mn-cs"/>
+              </a:defRPr>
+            </a:lvl3pPr>
+            <a:lvl4pPr marL="1600200" indent="-228600" algn="l" defTabSz="457200" rtl="0" eaLnBrk="1" latinLnBrk="0" hangingPunct="1">
+              <a:spcBef>
+                <a:spcPct val="20000"/>
+              </a:spcBef>
+              <a:buFont typeface="Arial" panose="020B0604020202090204"/>
+              <a:buChar char="–"/>
+              <a:defRPr sz="2000" kern="1200">
+                <a:solidFill>
+                  <a:schemeClr val="tx1"/>
+                </a:solidFill>
+                <a:latin typeface="+mn-lt"/>
+                <a:ea typeface="+mn-ea"/>
+                <a:cs typeface="+mn-cs"/>
+              </a:defRPr>
+            </a:lvl4pPr>
+            <a:lvl5pPr marL="2057400" indent="-228600" algn="l" defTabSz="457200" rtl="0" eaLnBrk="1" latinLnBrk="0" hangingPunct="1">
+              <a:spcBef>
+                <a:spcPct val="20000"/>
+              </a:spcBef>
+              <a:buFont typeface="Arial" panose="020B0604020202090204"/>
+              <a:buChar char="»"/>
+              <a:defRPr sz="2000" kern="1200">
+                <a:solidFill>
+                  <a:schemeClr val="tx1"/>
+                </a:solidFill>
+                <a:latin typeface="+mn-lt"/>
+                <a:ea typeface="+mn-ea"/>
+                <a:cs typeface="+mn-cs"/>
+              </a:defRPr>
+            </a:lvl5pPr>
+            <a:lvl6pPr marL="2514600" indent="-228600" algn="l" defTabSz="457200" rtl="0" eaLnBrk="1" latinLnBrk="0" hangingPunct="1">
+              <a:spcBef>
+                <a:spcPct val="20000"/>
+              </a:spcBef>
+              <a:buFont typeface="Arial" panose="020B0604020202090204"/>
+              <a:buChar char="•"/>
+              <a:defRPr sz="2000" kern="1200">
+                <a:solidFill>
+                  <a:schemeClr val="tx1"/>
+                </a:solidFill>
+                <a:latin typeface="+mn-lt"/>
+                <a:ea typeface="+mn-ea"/>
+                <a:cs typeface="+mn-cs"/>
+              </a:defRPr>
+            </a:lvl6pPr>
+            <a:lvl7pPr marL="2971800" indent="-228600" algn="l" defTabSz="457200" rtl="0" eaLnBrk="1" latinLnBrk="0" hangingPunct="1">
+              <a:spcBef>
+                <a:spcPct val="20000"/>
+              </a:spcBef>
+              <a:buFont typeface="Arial" panose="020B0604020202090204"/>
+              <a:buChar char="•"/>
+              <a:defRPr sz="2000" kern="1200">
+                <a:solidFill>
+                  <a:schemeClr val="tx1"/>
+                </a:solidFill>
+                <a:latin typeface="+mn-lt"/>
+                <a:ea typeface="+mn-ea"/>
+                <a:cs typeface="+mn-cs"/>
+              </a:defRPr>
+            </a:lvl7pPr>
+            <a:lvl8pPr marL="3429000" indent="-228600" algn="l" defTabSz="457200" rtl="0" eaLnBrk="1" latinLnBrk="0" hangingPunct="1">
+              <a:spcBef>
+                <a:spcPct val="20000"/>
+              </a:spcBef>
+              <a:buFont typeface="Arial" panose="020B0604020202090204"/>
+              <a:buChar char="•"/>
+              <a:defRPr sz="2000" kern="1200">
+                <a:solidFill>
+                  <a:schemeClr val="tx1"/>
+                </a:solidFill>
+                <a:latin typeface="+mn-lt"/>
+                <a:ea typeface="+mn-ea"/>
+                <a:cs typeface="+mn-cs"/>
+              </a:defRPr>
+            </a:lvl8pPr>
+            <a:lvl9pPr marL="3886200" indent="-228600" algn="l" defTabSz="457200" rtl="0" eaLnBrk="1" latinLnBrk="0" hangingPunct="1">
+              <a:spcBef>
+                <a:spcPct val="20000"/>
+              </a:spcBef>
+              <a:buFont typeface="Arial" panose="020B0604020202090204"/>
+              <a:buChar char="•"/>
+              <a:defRPr sz="2000" kern="1200">
+                <a:solidFill>
+                  <a:schemeClr val="tx1"/>
+                </a:solidFill>
+                <a:latin typeface="+mn-lt"/>
+                <a:ea typeface="+mn-ea"/>
+                <a:cs typeface="+mn-cs"/>
+              </a:defRPr>
+            </a:lvl9pPr>
+          </a:lstStyle>
+          <a:p>
+            <a:pPr marL="342900" marR="0" lvl="0" indent="-342900" algn="l" defTabSz="457200" rtl="0" eaLnBrk="1" fontAlgn="auto" latinLnBrk="0" hangingPunct="1">
+              <a:lnSpc>
+                <a:spcPct val="130000"/>
+              </a:lnSpc>
+              <a:spcBef>
+                <a:spcPct val="20000"/>
+              </a:spcBef>
+              <a:spcAft>
+                <a:spcPts val="0"/>
+              </a:spcAft>
+              <a:buClrTx/>
+              <a:buSzTx/>
+              <a:buFont typeface="Wingdings" panose="05000000000000000000" pitchFamily="2" charset="2"/>
+              <a:buChar char="l"/>
+              <a:defRPr/>
+            </a:pPr>
+            <a:endParaRPr kumimoji="0" lang="en-US" altLang="zh-CN" sz="1800" b="0" i="0" u="none" strike="noStrike" kern="1200" cap="none" spc="0" normalizeH="0" baseline="0" noProof="0" dirty="0">
+              <a:ln>
+                <a:noFill/>
+              </a:ln>
+              <a:solidFill>
+                <a:prstClr val="black"/>
+              </a:solidFill>
+              <a:effectLst/>
+              <a:uLnTx/>
+              <a:uFillTx/>
+              <a:latin typeface="Calibri"/>
+              <a:ea typeface="微软雅黑" charset="-122"/>
+              <a:cs typeface="+mn-cs"/>
+            </a:endParaRPr>
+          </a:p>
+          <a:p>
+            <a:pPr marL="0" marR="0" lvl="0" indent="0" algn="l" defTabSz="457200" rtl="0" eaLnBrk="1" fontAlgn="auto" latinLnBrk="0" hangingPunct="1">
+              <a:lnSpc>
+                <a:spcPct val="130000"/>
+              </a:lnSpc>
+              <a:spcBef>
+                <a:spcPct val="20000"/>
+              </a:spcBef>
+              <a:spcAft>
+                <a:spcPts val="0"/>
+              </a:spcAft>
+              <a:buClrTx/>
+              <a:buSzTx/>
+              <a:buFont typeface="Arial" panose="020B0604020202090204"/>
+              <a:buNone/>
+              <a:defRPr/>
+            </a:pPr>
+            <a:endParaRPr kumimoji="0" lang="en-US" altLang="zh-CN" sz="1800" b="1" i="0" u="none" strike="noStrike" kern="1200" cap="none" spc="0" normalizeH="0" baseline="0" noProof="0" dirty="0">
+              <a:ln>
+                <a:noFill/>
+              </a:ln>
+              <a:solidFill>
+                <a:prstClr val="black"/>
+              </a:solidFill>
+              <a:effectLst/>
+              <a:uLnTx/>
+              <a:uFillTx/>
+              <a:latin typeface="Calibri"/>
+              <a:ea typeface="微软雅黑" charset="-122"/>
+              <a:cs typeface="+mn-cs"/>
+            </a:endParaRPr>
+          </a:p>
+          <a:p>
+            <a:pPr marL="0" marR="0" lvl="0" indent="0" algn="l" defTabSz="457200" rtl="0" eaLnBrk="1" fontAlgn="auto" latinLnBrk="0" hangingPunct="1">
+              <a:lnSpc>
+                <a:spcPct val="130000"/>
+              </a:lnSpc>
+              <a:spcBef>
+                <a:spcPct val="20000"/>
+              </a:spcBef>
+              <a:spcAft>
+                <a:spcPts val="0"/>
+              </a:spcAft>
+              <a:buClrTx/>
+              <a:buSzTx/>
+              <a:buFont typeface="Arial" panose="020B0604020202090204"/>
+              <a:buNone/>
+              <a:defRPr/>
+            </a:pPr>
+            <a:endParaRPr kumimoji="0" lang="en-US" altLang="zh-CN" sz="1800" b="1" i="0" u="none" strike="noStrike" kern="1200" cap="none" spc="0" normalizeH="0" baseline="0" noProof="0" dirty="0">
+              <a:ln>
+                <a:noFill/>
+              </a:ln>
+              <a:solidFill>
+                <a:prstClr val="black"/>
+              </a:solidFill>
+              <a:effectLst/>
+              <a:uLnTx/>
+              <a:uFillTx/>
+              <a:latin typeface="Calibri"/>
+              <a:ea typeface="微软雅黑" charset="-122"/>
+              <a:cs typeface="+mn-cs"/>
+            </a:endParaRPr>
+          </a:p>
+        </p:txBody>
+      </p:sp>
+      <p:sp>
+        <p:nvSpPr>
+          <p:cNvPr id="8" name="文本框 7">
+            <a:extLst>
+              <a:ext uri="{FF2B5EF4-FFF2-40B4-BE49-F238E27FC236}">
+                <a16:creationId xmlns:a16="http://schemas.microsoft.com/office/drawing/2014/main" id="{96F6CF16-84D7-C54F-844E-69DEB4DC399D}"/>
+              </a:ext>
+            </a:extLst>
+          </p:cNvPr>
+          <p:cNvSpPr txBox="1"/>
+          <p:nvPr/>
+        </p:nvSpPr>
+        <p:spPr>
+          <a:xfrm>
+            <a:off x="1081295" y="1679620"/>
+            <a:ext cx="3038011" cy="1436675"/>
+          </a:xfrm>
+          <a:prstGeom prst="rect">
+            <a:avLst/>
+          </a:prstGeom>
+          <a:noFill/>
+        </p:spPr>
+        <p:txBody>
+          <a:bodyPr wrap="none" rtlCol="0">
+            <a:spAutoFit/>
+          </a:bodyPr>
+          <a:lstStyle/>
+          <a:p>
+            <a:pPr marL="285750" indent="-285750">
+              <a:lnSpc>
+                <a:spcPct val="150000"/>
+              </a:lnSpc>
+              <a:buFont typeface="Arial" panose="020B0604020202020204" pitchFamily="34" charset="0"/>
+              <a:buChar char="•"/>
+            </a:pPr>
+            <a:r>
+              <a:rPr kumimoji="1" lang="zh-Hans" altLang="en-US" sz="2000" dirty="0">
+                <a:latin typeface="PingFang SC" panose="020B0400000000000000" pitchFamily="34" charset="-122"/>
+                <a:ea typeface="PingFang SC" panose="020B0400000000000000" pitchFamily="34" charset="-122"/>
+              </a:rPr>
+              <a:t>一套业务代码</a:t>
+            </a:r>
+            <a:endParaRPr kumimoji="1" lang="en-US" altLang="zh-Hans" sz="2000" dirty="0">
+              <a:latin typeface="PingFang SC" panose="020B0400000000000000" pitchFamily="34" charset="-122"/>
+              <a:ea typeface="PingFang SC" panose="020B0400000000000000" pitchFamily="34" charset="-122"/>
+            </a:endParaRPr>
+          </a:p>
+          <a:p>
+            <a:pPr marL="285750" indent="-285750">
+              <a:lnSpc>
+                <a:spcPct val="150000"/>
+              </a:lnSpc>
+              <a:buFont typeface="Arial" panose="020B0604020202020204" pitchFamily="34" charset="0"/>
+              <a:buChar char="•"/>
+            </a:pPr>
+            <a:r>
+              <a:rPr kumimoji="1" lang="zh-Hans" altLang="en-US" sz="2000" dirty="0">
+                <a:latin typeface="PingFang SC" panose="020B0400000000000000" pitchFamily="34" charset="-122"/>
+                <a:ea typeface="PingFang SC" panose="020B0400000000000000" pitchFamily="34" charset="-122"/>
+              </a:rPr>
+              <a:t>一套通用、基础组件库</a:t>
+            </a:r>
+            <a:endParaRPr kumimoji="1" lang="en-US" altLang="zh-Hans" sz="2000" dirty="0">
+              <a:latin typeface="PingFang SC" panose="020B0400000000000000" pitchFamily="34" charset="-122"/>
+              <a:ea typeface="PingFang SC" panose="020B0400000000000000" pitchFamily="34" charset="-122"/>
+            </a:endParaRPr>
+          </a:p>
+          <a:p>
+            <a:pPr marL="285750" indent="-285750">
+              <a:lnSpc>
+                <a:spcPct val="150000"/>
+              </a:lnSpc>
+              <a:buFont typeface="Arial" panose="020B0604020202020204" pitchFamily="34" charset="0"/>
+              <a:buChar char="•"/>
+            </a:pPr>
+            <a:r>
+              <a:rPr kumimoji="1" lang="zh-Hans" altLang="en-US" sz="2000" dirty="0">
+                <a:latin typeface="PingFang SC" panose="020B0400000000000000" pitchFamily="34" charset="-122"/>
+                <a:ea typeface="PingFang SC" panose="020B0400000000000000" pitchFamily="34" charset="-122"/>
+              </a:rPr>
+              <a:t>相同的开发模式</a:t>
+            </a:r>
+            <a:endParaRPr kumimoji="1" lang="en-US" altLang="zh-Hans" sz="2000" dirty="0">
+              <a:latin typeface="PingFang SC" panose="020B0400000000000000" pitchFamily="34" charset="-122"/>
+              <a:ea typeface="PingFang SC" panose="020B0400000000000000" pitchFamily="34" charset="-122"/>
+            </a:endParaRPr>
+          </a:p>
+        </p:txBody>
+      </p:sp>
+      <p:sp>
+        <p:nvSpPr>
+          <p:cNvPr id="11" name="文本框 10">
+            <a:extLst>
+              <a:ext uri="{FF2B5EF4-FFF2-40B4-BE49-F238E27FC236}">
+                <a16:creationId xmlns:a16="http://schemas.microsoft.com/office/drawing/2014/main" id="{C008EA92-72A2-6F4C-B7AC-D0488CA9F609}"/>
+              </a:ext>
+            </a:extLst>
+          </p:cNvPr>
+          <p:cNvSpPr txBox="1"/>
+          <p:nvPr/>
+        </p:nvSpPr>
+        <p:spPr>
+          <a:xfrm>
+            <a:off x="1291771" y="1291771"/>
+            <a:ext cx="2322286" cy="461665"/>
+          </a:xfrm>
+          <a:prstGeom prst="rect">
+            <a:avLst/>
+          </a:prstGeom>
+          <a:noFill/>
+        </p:spPr>
+        <p:txBody>
+          <a:bodyPr wrap="square" rtlCol="0">
+            <a:spAutoFit/>
+          </a:bodyPr>
+          <a:lstStyle/>
+          <a:p>
+            <a:r>
+              <a:rPr kumimoji="1" lang="zh-Hans" altLang="en-US" sz="2400" b="1" dirty="0">
+                <a:latin typeface="PingFang SC" panose="020B0400000000000000" pitchFamily="34" charset="-122"/>
+                <a:ea typeface="PingFang SC" panose="020B0400000000000000" pitchFamily="34" charset="-122"/>
+              </a:rPr>
+              <a:t>客户端</a:t>
+            </a:r>
+            <a:endParaRPr kumimoji="1" lang="zh-CN" altLang="en-US" sz="2400" b="1" dirty="0"/>
+          </a:p>
+        </p:txBody>
+      </p:sp>
+      <p:sp>
+        <p:nvSpPr>
+          <p:cNvPr id="20" name="文本框 19">
+            <a:extLst>
+              <a:ext uri="{FF2B5EF4-FFF2-40B4-BE49-F238E27FC236}">
+                <a16:creationId xmlns:a16="http://schemas.microsoft.com/office/drawing/2014/main" id="{FFDC1C26-C5D4-C24C-A79B-D1E85CC53D29}"/>
+              </a:ext>
+            </a:extLst>
+          </p:cNvPr>
+          <p:cNvSpPr txBox="1"/>
+          <p:nvPr/>
+        </p:nvSpPr>
+        <p:spPr>
+          <a:xfrm>
+            <a:off x="1291771" y="3638889"/>
+            <a:ext cx="2322286" cy="461665"/>
+          </a:xfrm>
+          <a:prstGeom prst="rect">
+            <a:avLst/>
+          </a:prstGeom>
+          <a:noFill/>
+        </p:spPr>
+        <p:txBody>
+          <a:bodyPr wrap="square" rtlCol="0">
+            <a:spAutoFit/>
+          </a:bodyPr>
+          <a:lstStyle/>
+          <a:p>
+            <a:r>
+              <a:rPr kumimoji="1" lang="zh-Hans" altLang="en-US" sz="2400" b="1" dirty="0">
+                <a:latin typeface="PingFang SC" panose="020B0400000000000000" pitchFamily="34" charset="-122"/>
+                <a:ea typeface="PingFang SC" panose="020B0400000000000000" pitchFamily="34" charset="-122"/>
+              </a:rPr>
+              <a:t>服务端</a:t>
+            </a:r>
+            <a:endParaRPr kumimoji="1" lang="zh-CN" altLang="en-US" sz="2400" b="1" dirty="0"/>
+          </a:p>
+        </p:txBody>
+      </p:sp>
+      <p:sp>
+        <p:nvSpPr>
+          <p:cNvPr id="21" name="文本框 20">
+            <a:extLst>
+              <a:ext uri="{FF2B5EF4-FFF2-40B4-BE49-F238E27FC236}">
+                <a16:creationId xmlns:a16="http://schemas.microsoft.com/office/drawing/2014/main" id="{39CA9C7D-E8D7-5641-BD9E-3F461C8ECA62}"/>
+              </a:ext>
+            </a:extLst>
+          </p:cNvPr>
+          <p:cNvSpPr txBox="1"/>
+          <p:nvPr/>
+        </p:nvSpPr>
+        <p:spPr>
+          <a:xfrm>
+            <a:off x="1110323" y="4116906"/>
+            <a:ext cx="2268570" cy="975011"/>
+          </a:xfrm>
+          <a:prstGeom prst="rect">
+            <a:avLst/>
+          </a:prstGeom>
+          <a:noFill/>
+        </p:spPr>
+        <p:txBody>
+          <a:bodyPr wrap="none" rtlCol="0">
+            <a:spAutoFit/>
+          </a:bodyPr>
+          <a:lstStyle/>
+          <a:p>
+            <a:pPr marL="285750" indent="-285750">
+              <a:lnSpc>
+                <a:spcPct val="150000"/>
+              </a:lnSpc>
+              <a:buFont typeface="Arial" panose="020B0604020202020204" pitchFamily="34" charset="0"/>
+              <a:buChar char="•"/>
+            </a:pPr>
+            <a:r>
+              <a:rPr kumimoji="1" lang="zh-Hans" altLang="en-US" sz="2000" dirty="0">
+                <a:latin typeface="PingFang SC" panose="020B0400000000000000" pitchFamily="34" charset="-122"/>
+                <a:ea typeface="PingFang SC" panose="020B0400000000000000" pitchFamily="34" charset="-122"/>
+              </a:rPr>
+              <a:t>一套接口</a:t>
+            </a:r>
+            <a:endParaRPr kumimoji="1" lang="en-US" altLang="zh-Hans" sz="2000" dirty="0">
+              <a:latin typeface="PingFang SC" panose="020B0400000000000000" pitchFamily="34" charset="-122"/>
+              <a:ea typeface="PingFang SC" panose="020B0400000000000000" pitchFamily="34" charset="-122"/>
+            </a:endParaRPr>
+          </a:p>
+          <a:p>
+            <a:pPr marL="285750" indent="-285750">
+              <a:lnSpc>
+                <a:spcPct val="150000"/>
+              </a:lnSpc>
+              <a:buFont typeface="Arial" panose="020B0604020202020204" pitchFamily="34" charset="0"/>
+              <a:buChar char="•"/>
+            </a:pPr>
+            <a:r>
+              <a:rPr kumimoji="1" lang="zh-Hans" altLang="en-US" sz="2000" dirty="0">
+                <a:latin typeface="PingFang SC" panose="020B0400000000000000" pitchFamily="34" charset="-122"/>
+                <a:ea typeface="PingFang SC" panose="020B0400000000000000" pitchFamily="34" charset="-122"/>
+              </a:rPr>
+              <a:t>相同的开发模式</a:t>
+            </a:r>
+            <a:endParaRPr kumimoji="1" lang="en-US" altLang="zh-Hans" sz="2000" dirty="0">
+              <a:latin typeface="PingFang SC" panose="020B0400000000000000" pitchFamily="34" charset="-122"/>
+              <a:ea typeface="PingFang SC" panose="020B0400000000000000" pitchFamily="34" charset="-122"/>
+            </a:endParaRPr>
+          </a:p>
+        </p:txBody>
+      </p:sp>
+      <p:sp>
+        <p:nvSpPr>
+          <p:cNvPr id="3" name="右箭头 2">
+            <a:extLst>
+              <a:ext uri="{FF2B5EF4-FFF2-40B4-BE49-F238E27FC236}">
+                <a16:creationId xmlns:a16="http://schemas.microsoft.com/office/drawing/2014/main" id="{A2211E2A-2348-0F48-987B-9DB1F07667A3}"/>
+              </a:ext>
+            </a:extLst>
+          </p:cNvPr>
+          <p:cNvSpPr/>
+          <p:nvPr/>
+        </p:nvSpPr>
+        <p:spPr>
+          <a:xfrm>
+            <a:off x="3649980" y="3191704"/>
+            <a:ext cx="978408" cy="484632"/>
+          </a:xfrm>
+          <a:prstGeom prst="rightArrow">
+            <a:avLst/>
+          </a:prstGeom>
+        </p:spPr>
+        <p:style>
+          <a:lnRef idx="1">
+            <a:schemeClr val="accent1"/>
+          </a:lnRef>
+          <a:fillRef idx="3">
+            <a:schemeClr val="accent1"/>
+          </a:fillRef>
+          <a:effectRef idx="2">
+            <a:schemeClr val="accent1"/>
+          </a:effectRef>
+          <a:fontRef idx="minor">
+            <a:schemeClr val="lt1"/>
+          </a:fontRef>
+        </p:style>
+        <p:txBody>
+          <a:bodyPr rtlCol="0" anchor="ctr"/>
+          <a:lstStyle/>
+          <a:p>
+            <a:pPr algn="ctr"/>
+            <a:endParaRPr kumimoji="1" lang="zh-CN" altLang="en-US"/>
+          </a:p>
+        </p:txBody>
+      </p:sp>
+      <p:sp>
+        <p:nvSpPr>
+          <p:cNvPr id="4" name="文本框 3">
+            <a:extLst>
+              <a:ext uri="{FF2B5EF4-FFF2-40B4-BE49-F238E27FC236}">
+                <a16:creationId xmlns:a16="http://schemas.microsoft.com/office/drawing/2014/main" id="{0A2C4466-EF2E-974E-9B95-3416637FD211}"/>
+              </a:ext>
+            </a:extLst>
+          </p:cNvPr>
+          <p:cNvSpPr txBox="1"/>
+          <p:nvPr/>
+        </p:nvSpPr>
+        <p:spPr>
+          <a:xfrm>
+            <a:off x="5411077" y="2715682"/>
+            <a:ext cx="2268570" cy="1436675"/>
+          </a:xfrm>
+          <a:prstGeom prst="rect">
+            <a:avLst/>
+          </a:prstGeom>
+          <a:noFill/>
+        </p:spPr>
+        <p:txBody>
+          <a:bodyPr wrap="none" rtlCol="0">
+            <a:spAutoFit/>
+          </a:bodyPr>
+          <a:lstStyle/>
+          <a:p>
+            <a:pPr marL="285750" indent="-285750">
+              <a:lnSpc>
+                <a:spcPct val="150000"/>
+              </a:lnSpc>
+              <a:buFont typeface="Arial" panose="020B0604020202020204" pitchFamily="34" charset="0"/>
+              <a:buChar char="•"/>
+            </a:pPr>
+            <a:r>
+              <a:rPr kumimoji="1" lang="zh-Hans" altLang="en-US" sz="2000" dirty="0">
+                <a:solidFill>
+                  <a:srgbClr val="FF0000"/>
+                </a:solidFill>
+                <a:latin typeface="PingFang SC" panose="020B0400000000000000" pitchFamily="34" charset="-122"/>
+                <a:ea typeface="PingFang SC" panose="020B0400000000000000" pitchFamily="34" charset="-122"/>
+              </a:rPr>
+              <a:t>开发效率高</a:t>
+            </a:r>
+            <a:endParaRPr kumimoji="1" lang="en-US" altLang="zh-Hans" sz="2000" dirty="0">
+              <a:solidFill>
+                <a:srgbClr val="FF0000"/>
+              </a:solidFill>
+              <a:latin typeface="PingFang SC" panose="020B0400000000000000" pitchFamily="34" charset="-122"/>
+              <a:ea typeface="PingFang SC" panose="020B0400000000000000" pitchFamily="34" charset="-122"/>
+            </a:endParaRPr>
+          </a:p>
+          <a:p>
+            <a:pPr marL="285750" indent="-285750">
+              <a:lnSpc>
+                <a:spcPct val="150000"/>
+              </a:lnSpc>
+              <a:buFont typeface="Arial" panose="020B0604020202020204" pitchFamily="34" charset="0"/>
+              <a:buChar char="•"/>
+            </a:pPr>
+            <a:r>
+              <a:rPr kumimoji="1" lang="zh-Hans" altLang="en-US" sz="2000" dirty="0">
+                <a:solidFill>
+                  <a:srgbClr val="FF0000"/>
+                </a:solidFill>
+                <a:latin typeface="PingFang SC" panose="020B0400000000000000" pitchFamily="34" charset="-122"/>
+                <a:ea typeface="PingFang SC" panose="020B0400000000000000" pitchFamily="34" charset="-122"/>
+              </a:rPr>
+              <a:t>新需求同步两端</a:t>
+            </a:r>
+            <a:endParaRPr kumimoji="1" lang="en-US" altLang="zh-Hans" sz="2000" dirty="0">
+              <a:solidFill>
+                <a:srgbClr val="FF0000"/>
+              </a:solidFill>
+              <a:latin typeface="PingFang SC" panose="020B0400000000000000" pitchFamily="34" charset="-122"/>
+              <a:ea typeface="PingFang SC" panose="020B0400000000000000" pitchFamily="34" charset="-122"/>
+            </a:endParaRPr>
+          </a:p>
+          <a:p>
+            <a:pPr marL="285750" indent="-285750">
+              <a:lnSpc>
+                <a:spcPct val="150000"/>
+              </a:lnSpc>
+              <a:buFont typeface="Arial" panose="020B0604020202020204" pitchFamily="34" charset="0"/>
+              <a:buChar char="•"/>
+            </a:pPr>
+            <a:r>
+              <a:rPr kumimoji="1" lang="zh-Hans" altLang="en-US" sz="2000" dirty="0">
+                <a:solidFill>
+                  <a:srgbClr val="FF0000"/>
+                </a:solidFill>
+                <a:latin typeface="PingFang SC" panose="020B0400000000000000" pitchFamily="34" charset="-122"/>
+                <a:ea typeface="PingFang SC" panose="020B0400000000000000" pitchFamily="34" charset="-122"/>
+              </a:rPr>
+              <a:t>版本周期可控</a:t>
+            </a:r>
+            <a:endParaRPr kumimoji="1" lang="zh-CN" altLang="en-US" sz="2000" dirty="0">
+              <a:solidFill>
+                <a:srgbClr val="FF0000"/>
+              </a:solidFill>
+              <a:latin typeface="PingFang SC" panose="020B0400000000000000" pitchFamily="34" charset="-122"/>
+              <a:ea typeface="PingFang SC" panose="020B0400000000000000" pitchFamily="34" charset="-122"/>
+            </a:endParaRPr>
+          </a:p>
+        </p:txBody>
+      </p:sp>
+    </p:spTree>
+    <p:custDataLst>
+      <p:tags r:id="rId1"/>
+    </p:custDataLst>
+    <p:extLst>
+      <p:ext uri="{BB962C8B-B14F-4D97-AF65-F5344CB8AC3E}">
+        <p14:creationId xmlns:p14="http://schemas.microsoft.com/office/powerpoint/2010/main" val="2661621487"/>
+      </p:ext>
+    </p:extLst>
+  </p:cSld>
+  <p:clrMapOvr>
+    <a:masterClrMapping/>
+  </p:clrMapOvr>
+</p:sld>
+</file>
+
+<file path=ppt/slides/slide2.xml><?xml version="1.0" encoding="utf-8"?>
+<p:sld xmlns:a="http://schemas.openxmlformats.org/drawingml/2006/main" xmlns:r="http://schemas.openxmlformats.org/officeDocument/2006/relationships" xmlns:p="http://schemas.openxmlformats.org/presentationml/2006/main">
+  <p:cSld>
+    <p:spTree>
+      <p:nvGrpSpPr>
+        <p:cNvPr id="1" name=""/>
+        <p:cNvGrpSpPr/>
+        <p:nvPr/>
+      </p:nvGrpSpPr>
+      <p:grpSpPr>
+        <a:xfrm>
+          <a:off x="0" y="0"/>
+          <a:ext cx="0" cy="0"/>
+          <a:chOff x="0" y="0"/>
+          <a:chExt cx="0" cy="0"/>
+        </a:xfrm>
+      </p:grpSpPr>
+      <p:sp>
+        <p:nvSpPr>
+          <p:cNvPr id="3" name="文本框 2">
+            <a:extLst>
+              <a:ext uri="{FF2B5EF4-FFF2-40B4-BE49-F238E27FC236}">
+                <a16:creationId xmlns:a16="http://schemas.microsoft.com/office/drawing/2014/main" id="{47FBD873-BC55-E940-B8D5-0905E0D83223}"/>
+              </a:ext>
+            </a:extLst>
+          </p:cNvPr>
+          <p:cNvSpPr txBox="1"/>
+          <p:nvPr/>
+        </p:nvSpPr>
+        <p:spPr>
+          <a:xfrm>
+            <a:off x="971550" y="2921168"/>
+            <a:ext cx="1630136" cy="923330"/>
+          </a:xfrm>
+          <a:prstGeom prst="rect">
+            <a:avLst/>
+          </a:prstGeom>
+          <a:noFill/>
+        </p:spPr>
+        <p:txBody>
+          <a:bodyPr wrap="square" lIns="0" tIns="0" rIns="0" bIns="0" rtlCol="0">
+            <a:spAutoFit/>
+          </a:bodyPr>
+          <a:lstStyle/>
+          <a:p>
+            <a:r>
+              <a:rPr kumimoji="1" lang="zh-CN" altLang="en-US" sz="6000" b="1" dirty="0">
+                <a:solidFill>
+                  <a:schemeClr val="bg1"/>
+                </a:solidFill>
+                <a:latin typeface="PingFang SC" panose="020B0400000000000000" pitchFamily="34" charset="-122"/>
+                <a:ea typeface="PingFang SC" panose="020B0400000000000000" pitchFamily="34" charset="-122"/>
+              </a:rPr>
+              <a:t>目录</a:t>
+            </a:r>
+          </a:p>
+        </p:txBody>
+      </p:sp>
+      <p:sp>
+        <p:nvSpPr>
+          <p:cNvPr id="4" name="文本框 3">
+            <a:extLst>
+              <a:ext uri="{FF2B5EF4-FFF2-40B4-BE49-F238E27FC236}">
+                <a16:creationId xmlns:a16="http://schemas.microsoft.com/office/drawing/2014/main" id="{C604689F-24E1-1342-A79F-04A6ED55B05B}"/>
+              </a:ext>
+            </a:extLst>
+          </p:cNvPr>
+          <p:cNvSpPr txBox="1"/>
+          <p:nvPr/>
+        </p:nvSpPr>
+        <p:spPr>
+          <a:xfrm>
+            <a:off x="3178401" y="1066800"/>
+            <a:ext cx="4207883" cy="4289508"/>
+          </a:xfrm>
+          <a:prstGeom prst="rect">
+            <a:avLst/>
+          </a:prstGeom>
+          <a:noFill/>
+        </p:spPr>
+        <p:txBody>
+          <a:bodyPr wrap="none" lIns="0" tIns="0" rIns="0" bIns="0" rtlCol="0">
+            <a:spAutoFit/>
+          </a:bodyPr>
+          <a:lstStyle/>
+          <a:p>
+            <a:pPr marL="285750" indent="-285750">
+              <a:lnSpc>
+                <a:spcPct val="200000"/>
+              </a:lnSpc>
+              <a:buFont typeface="Arial" panose="020B0604020202020204" pitchFamily="34" charset="0"/>
+              <a:buChar char="•"/>
+            </a:pPr>
+            <a:r>
+              <a:rPr kumimoji="1" lang="zh-Hans" altLang="en-US" sz="3600" dirty="0">
+                <a:solidFill>
+                  <a:schemeClr val="bg1"/>
+                </a:solidFill>
+                <a:latin typeface="PingFang SC" panose="020B0400000000000000" pitchFamily="34" charset="-122"/>
+                <a:ea typeface="PingFang SC" panose="020B0400000000000000" pitchFamily="34" charset="-122"/>
+              </a:rPr>
+              <a:t>木星计划 </a:t>
+            </a:r>
+            <a:r>
+              <a:rPr kumimoji="1" lang="en-US" altLang="zh-Hans" sz="3600" dirty="0">
+                <a:solidFill>
+                  <a:schemeClr val="bg1"/>
+                </a:solidFill>
+                <a:latin typeface="PingFang SC" panose="020B0400000000000000" pitchFamily="34" charset="-122"/>
+                <a:ea typeface="PingFang SC" panose="020B0400000000000000" pitchFamily="34" charset="-122"/>
+              </a:rPr>
+              <a:t>–</a:t>
+            </a:r>
+            <a:r>
+              <a:rPr kumimoji="1" lang="zh-Hans" altLang="en-US" sz="3600" dirty="0">
+                <a:solidFill>
+                  <a:schemeClr val="bg1"/>
+                </a:solidFill>
+                <a:latin typeface="PingFang SC" panose="020B0400000000000000" pitchFamily="34" charset="-122"/>
+                <a:ea typeface="PingFang SC" panose="020B0400000000000000" pitchFamily="34" charset="-122"/>
+              </a:rPr>
+              <a:t> 二手房</a:t>
+            </a:r>
+            <a:endParaRPr kumimoji="1" lang="en-US" altLang="zh-CN" sz="3600" dirty="0">
+              <a:solidFill>
+                <a:schemeClr val="bg1"/>
+              </a:solidFill>
+              <a:latin typeface="PingFang SC" panose="020B0400000000000000" pitchFamily="34" charset="-122"/>
+              <a:ea typeface="PingFang SC" panose="020B0400000000000000" pitchFamily="34" charset="-122"/>
+            </a:endParaRPr>
+          </a:p>
+          <a:p>
+            <a:pPr marL="285750" indent="-285750">
+              <a:lnSpc>
+                <a:spcPct val="200000"/>
+              </a:lnSpc>
+              <a:buFont typeface="Arial" panose="020B0604020202020204" pitchFamily="34" charset="0"/>
+              <a:buChar char="•"/>
+            </a:pPr>
+            <a:r>
+              <a:rPr kumimoji="1" lang="zh-Hans" altLang="en-US" sz="3600" dirty="0">
+                <a:solidFill>
+                  <a:schemeClr val="bg1"/>
+                </a:solidFill>
+                <a:latin typeface="PingFang SC" panose="020B0400000000000000" pitchFamily="34" charset="-122"/>
+                <a:ea typeface="PingFang SC" panose="020B0400000000000000" pitchFamily="34" charset="-122"/>
+              </a:rPr>
+              <a:t>暗黑模式适配</a:t>
+            </a:r>
+            <a:endParaRPr kumimoji="1" lang="en-US" altLang="zh-CN" sz="3600" dirty="0">
+              <a:solidFill>
+                <a:schemeClr val="bg1"/>
+              </a:solidFill>
+              <a:latin typeface="PingFang SC" panose="020B0400000000000000" pitchFamily="34" charset="-122"/>
+              <a:ea typeface="PingFang SC" panose="020B0400000000000000" pitchFamily="34" charset="-122"/>
+            </a:endParaRPr>
+          </a:p>
+          <a:p>
+            <a:pPr marL="285750" indent="-285750">
+              <a:lnSpc>
+                <a:spcPct val="200000"/>
+              </a:lnSpc>
+              <a:buFont typeface="Arial" panose="020B0604020202020204" pitchFamily="34" charset="0"/>
+              <a:buChar char="•"/>
+            </a:pPr>
+            <a:r>
+              <a:rPr kumimoji="1" lang="zh-Hans" altLang="en-US" sz="3600" dirty="0">
+                <a:solidFill>
+                  <a:schemeClr val="bg1"/>
+                </a:solidFill>
+                <a:latin typeface="PingFang SC" panose="020B0400000000000000" pitchFamily="34" charset="-122"/>
+                <a:ea typeface="PingFang SC" panose="020B0400000000000000" pitchFamily="34" charset="-122"/>
+              </a:rPr>
+              <a:t>提效</a:t>
+            </a:r>
+            <a:endParaRPr kumimoji="1" lang="en-US" altLang="zh-CN" sz="3600" dirty="0">
+              <a:solidFill>
+                <a:schemeClr val="bg1"/>
+              </a:solidFill>
+              <a:latin typeface="PingFang SC" panose="020B0400000000000000" pitchFamily="34" charset="-122"/>
+              <a:ea typeface="PingFang SC" panose="020B0400000000000000" pitchFamily="34" charset="-122"/>
+            </a:endParaRPr>
+          </a:p>
+          <a:p>
+            <a:pPr marL="285750" indent="-285750">
+              <a:lnSpc>
+                <a:spcPct val="200000"/>
+              </a:lnSpc>
+              <a:buFont typeface="Arial" panose="020B0604020202020204" pitchFamily="34" charset="0"/>
+              <a:buChar char="•"/>
+            </a:pPr>
+            <a:r>
+              <a:rPr kumimoji="1" lang="zh-CN" altLang="en-US" sz="3600" dirty="0">
+                <a:solidFill>
+                  <a:schemeClr val="bg1"/>
+                </a:solidFill>
+                <a:latin typeface="PingFang SC" panose="020B0400000000000000" pitchFamily="34" charset="-122"/>
+                <a:ea typeface="PingFang SC" panose="020B0400000000000000" pitchFamily="34" charset="-122"/>
+              </a:rPr>
+              <a:t>总结</a:t>
+            </a:r>
+            <a:endParaRPr kumimoji="1" lang="en-US" altLang="zh-CN" sz="3600" dirty="0">
+              <a:solidFill>
+                <a:schemeClr val="bg1"/>
+              </a:solidFill>
+              <a:latin typeface="PingFang SC" panose="020B0400000000000000" pitchFamily="34" charset="-122"/>
+              <a:ea typeface="PingFang SC" panose="020B0400000000000000" pitchFamily="34" charset="-122"/>
+            </a:endParaRPr>
+          </a:p>
+        </p:txBody>
+      </p:sp>
+    </p:spTree>
+    <p:extLst>
+      <p:ext uri="{BB962C8B-B14F-4D97-AF65-F5344CB8AC3E}">
+        <p14:creationId xmlns:p14="http://schemas.microsoft.com/office/powerpoint/2010/main" val="197551775"/>
+      </p:ext>
+    </p:extLst>
+  </p:cSld>
+  <p:clrMapOvr>
+    <a:masterClrMapping/>
+  </p:clrMapOvr>
+</p:sld>
+</file>
+
+<file path=ppt/slides/slide20.xml><?xml version="1.0" encoding="utf-8"?>
+<p:sld xmlns:a="http://schemas.openxmlformats.org/drawingml/2006/main" xmlns:r="http://schemas.openxmlformats.org/officeDocument/2006/relationships" xmlns:p="http://schemas.openxmlformats.org/presentationml/2006/main">
+  <p:cSld>
+    <p:spTree>
+      <p:nvGrpSpPr>
+        <p:cNvPr id="1" name=""/>
+        <p:cNvGrpSpPr/>
+        <p:nvPr/>
+      </p:nvGrpSpPr>
+      <p:grpSpPr>
+        <a:xfrm>
+          <a:off x="0" y="0"/>
+          <a:ext cx="0" cy="0"/>
+          <a:chOff x="0" y="0"/>
+          <a:chExt cx="0" cy="0"/>
+        </a:xfrm>
+      </p:grpSpPr>
+      <p:pic>
+        <p:nvPicPr>
+          <p:cNvPr id="2" name="图片 1"/>
+          <p:cNvPicPr>
+            <a:picLocks noChangeAspect="1"/>
+          </p:cNvPicPr>
+          <p:nvPr/>
+        </p:nvPicPr>
+        <p:blipFill>
+          <a:blip r:embed="rId4" cstate="email"/>
+          <a:stretch>
+            <a:fillRect/>
+          </a:stretch>
+        </p:blipFill>
+        <p:spPr>
+          <a:xfrm>
+            <a:off x="0" y="0"/>
+            <a:ext cx="9142571" cy="6858000"/>
+          </a:xfrm>
+          <a:prstGeom prst="rect">
+            <a:avLst/>
+          </a:prstGeom>
+          <a:noFill/>
+          <a:ln>
+            <a:solidFill>
+              <a:schemeClr val="tx1"/>
+            </a:solidFill>
+          </a:ln>
+        </p:spPr>
+      </p:pic>
+      <p:sp>
+        <p:nvSpPr>
+          <p:cNvPr id="6" name="灯片编号占位符 4"/>
+          <p:cNvSpPr>
+            <a:spLocks noGrp="1"/>
+          </p:cNvSpPr>
+          <p:nvPr>
+            <p:ph type="sldNum" sz="quarter" idx="12"/>
+          </p:nvPr>
+        </p:nvSpPr>
+        <p:spPr>
+          <a:xfrm>
+            <a:off x="6120384" y="6413183"/>
+            <a:ext cx="2133600" cy="274637"/>
+          </a:xfrm>
+        </p:spPr>
+        <p:txBody>
+          <a:bodyPr/>
+          <a:lstStyle>
+            <a:lvl1pPr eaLnBrk="0" hangingPunct="0">
+              <a:defRPr>
+                <a:solidFill>
+                  <a:schemeClr val="tx1"/>
+                </a:solidFill>
+                <a:latin typeface="Arial" panose="020B0604020202090204" pitchFamily="34" charset="0"/>
+                <a:ea typeface="宋体" charset="-122"/>
+              </a:defRPr>
+            </a:lvl1pPr>
+            <a:lvl2pPr marL="742950" indent="-285750" eaLnBrk="0" hangingPunct="0">
+              <a:defRPr>
+                <a:solidFill>
+                  <a:schemeClr val="tx1"/>
+                </a:solidFill>
+                <a:latin typeface="Arial" panose="020B0604020202090204" pitchFamily="34" charset="0"/>
+                <a:ea typeface="宋体" charset="-122"/>
+              </a:defRPr>
+            </a:lvl2pPr>
+            <a:lvl3pPr marL="1143000" indent="-228600" eaLnBrk="0" hangingPunct="0">
+              <a:defRPr>
+                <a:solidFill>
+                  <a:schemeClr val="tx1"/>
+                </a:solidFill>
+                <a:latin typeface="Arial" panose="020B0604020202090204" pitchFamily="34" charset="0"/>
+                <a:ea typeface="宋体" charset="-122"/>
+              </a:defRPr>
+            </a:lvl3pPr>
+            <a:lvl4pPr marL="1600200" indent="-228600" eaLnBrk="0" hangingPunct="0">
+              <a:defRPr>
+                <a:solidFill>
+                  <a:schemeClr val="tx1"/>
+                </a:solidFill>
+                <a:latin typeface="Arial" panose="020B0604020202090204" pitchFamily="34" charset="0"/>
+                <a:ea typeface="宋体" charset="-122"/>
+              </a:defRPr>
+            </a:lvl4pPr>
+            <a:lvl5pPr marL="2057400" indent="-228600" eaLnBrk="0" hangingPunct="0">
+              <a:defRPr>
+                <a:solidFill>
+                  <a:schemeClr val="tx1"/>
+                </a:solidFill>
+                <a:latin typeface="Arial" panose="020B0604020202090204" pitchFamily="34" charset="0"/>
+                <a:ea typeface="宋体" charset="-122"/>
+              </a:defRPr>
+            </a:lvl5pPr>
+            <a:lvl6pPr marL="2514600" indent="-228600" defTabSz="457200" eaLnBrk="0" fontAlgn="base" hangingPunct="0">
+              <a:spcBef>
+                <a:spcPct val="0"/>
+              </a:spcBef>
+              <a:spcAft>
+                <a:spcPct val="0"/>
+              </a:spcAft>
+              <a:defRPr>
+                <a:solidFill>
+                  <a:schemeClr val="tx1"/>
+                </a:solidFill>
+                <a:latin typeface="Arial" panose="020B0604020202090204" pitchFamily="34" charset="0"/>
+                <a:ea typeface="宋体" charset="-122"/>
+              </a:defRPr>
+            </a:lvl6pPr>
+            <a:lvl7pPr marL="2971800" indent="-228600" defTabSz="457200" eaLnBrk="0" fontAlgn="base" hangingPunct="0">
+              <a:spcBef>
+                <a:spcPct val="0"/>
+              </a:spcBef>
+              <a:spcAft>
+                <a:spcPct val="0"/>
+              </a:spcAft>
+              <a:defRPr>
+                <a:solidFill>
+                  <a:schemeClr val="tx1"/>
+                </a:solidFill>
+                <a:latin typeface="Arial" panose="020B0604020202090204" pitchFamily="34" charset="0"/>
+                <a:ea typeface="宋体" charset="-122"/>
+              </a:defRPr>
+            </a:lvl7pPr>
+            <a:lvl8pPr marL="3429000" indent="-228600" defTabSz="457200" eaLnBrk="0" fontAlgn="base" hangingPunct="0">
+              <a:spcBef>
+                <a:spcPct val="0"/>
+              </a:spcBef>
+              <a:spcAft>
+                <a:spcPct val="0"/>
+              </a:spcAft>
+              <a:defRPr>
+                <a:solidFill>
+                  <a:schemeClr val="tx1"/>
+                </a:solidFill>
+                <a:latin typeface="Arial" panose="020B0604020202090204" pitchFamily="34" charset="0"/>
+                <a:ea typeface="宋体" charset="-122"/>
+              </a:defRPr>
+            </a:lvl8pPr>
+            <a:lvl9pPr marL="3886200" indent="-228600" defTabSz="457200" eaLnBrk="0" fontAlgn="base" hangingPunct="0">
+              <a:spcBef>
+                <a:spcPct val="0"/>
+              </a:spcBef>
+              <a:spcAft>
+                <a:spcPct val="0"/>
+              </a:spcAft>
+              <a:defRPr>
+                <a:solidFill>
+                  <a:schemeClr val="tx1"/>
+                </a:solidFill>
+                <a:latin typeface="Arial" panose="020B0604020202090204" pitchFamily="34" charset="0"/>
+                <a:ea typeface="宋体" charset="-122"/>
+              </a:defRPr>
+            </a:lvl9pPr>
+          </a:lstStyle>
+          <a:p>
+            <a:pPr marL="0" marR="0" lvl="0" indent="0" algn="r" defTabSz="457200" rtl="0" eaLnBrk="1" fontAlgn="auto" latinLnBrk="0" hangingPunct="1">
+              <a:lnSpc>
+                <a:spcPct val="100000"/>
+              </a:lnSpc>
+              <a:spcBef>
+                <a:spcPts val="0"/>
+              </a:spcBef>
+              <a:spcAft>
+                <a:spcPts val="0"/>
+              </a:spcAft>
+              <a:buClrTx/>
+              <a:buSzTx/>
+              <a:buFontTx/>
+              <a:buNone/>
+              <a:defRPr/>
+            </a:pPr>
+            <a:fld id="{3F1E42E4-90F7-C348-9C7D-352344EF35F9}" type="slidenum">
+              <a:rPr kumimoji="0" lang="zh-CN" altLang="en-US" sz="1200" b="0" i="0" u="none" strike="noStrike" kern="1200" cap="none" spc="0" normalizeH="0" baseline="0" noProof="0">
+                <a:ln>
+                  <a:noFill/>
+                </a:ln>
+                <a:solidFill>
+                  <a:srgbClr val="898989"/>
+                </a:solidFill>
+                <a:effectLst/>
+                <a:uLnTx/>
+                <a:uFillTx/>
+                <a:latin typeface="Arial" panose="020B0604020202090204" pitchFamily="34" charset="0"/>
+                <a:ea typeface="微软雅黑" charset="-122"/>
+                <a:cs typeface="+mn-cs"/>
+              </a:rPr>
+              <a:t>20</a:t>
+            </a:fld>
+            <a:endParaRPr kumimoji="0" lang="zh-CN" altLang="en-US" sz="1200" b="0" i="0" u="none" strike="noStrike" kern="1200" cap="none" spc="0" normalizeH="0" baseline="0" noProof="0" dirty="0">
+              <a:ln>
+                <a:noFill/>
+              </a:ln>
+              <a:solidFill>
+                <a:srgbClr val="898989"/>
+              </a:solidFill>
+              <a:effectLst/>
+              <a:uLnTx/>
+              <a:uFillTx/>
+              <a:latin typeface="Arial" panose="020B0604020202090204" pitchFamily="34" charset="0"/>
+              <a:ea typeface="微软雅黑" charset="-122"/>
+              <a:cs typeface="+mn-cs"/>
+            </a:endParaRPr>
+          </a:p>
+        </p:txBody>
+      </p:sp>
+      <p:sp>
+        <p:nvSpPr>
+          <p:cNvPr id="7" name="标题 1"/>
+          <p:cNvSpPr txBox="1"/>
+          <p:nvPr/>
+        </p:nvSpPr>
+        <p:spPr>
+          <a:xfrm>
+            <a:off x="250825" y="89645"/>
+            <a:ext cx="8278495" cy="782955"/>
+          </a:xfrm>
+          <a:prstGeom prst="rect">
+            <a:avLst/>
+          </a:prstGeom>
+        </p:spPr>
+        <p:txBody>
+          <a:bodyPr/>
+          <a:lstStyle>
+            <a:lvl1pPr algn="ctr" defTabSz="457200" rtl="0" eaLnBrk="1" latinLnBrk="0" hangingPunct="1">
+              <a:spcBef>
+                <a:spcPct val="0"/>
+              </a:spcBef>
+              <a:buNone/>
+              <a:defRPr sz="4400" kern="1200">
+                <a:solidFill>
+                  <a:schemeClr val="tx1"/>
+                </a:solidFill>
+                <a:latin typeface="+mj-lt"/>
+                <a:ea typeface="+mj-ea"/>
+                <a:cs typeface="+mj-cs"/>
+              </a:defRPr>
+            </a:lvl1pPr>
+          </a:lstStyle>
+          <a:p>
+            <a:pPr marL="0" marR="0" lvl="0" indent="0" algn="l" defTabSz="457200" rtl="0" eaLnBrk="1" fontAlgn="auto" latinLnBrk="0" hangingPunct="1">
+              <a:lnSpc>
+                <a:spcPct val="150000"/>
+              </a:lnSpc>
+              <a:spcBef>
+                <a:spcPts val="0"/>
+              </a:spcBef>
+              <a:spcAft>
+                <a:spcPts val="0"/>
+              </a:spcAft>
+              <a:buClrTx/>
+              <a:buSzTx/>
+              <a:buFontTx/>
+              <a:buNone/>
+              <a:defRPr/>
+            </a:pPr>
+            <a:r>
+              <a:rPr kumimoji="0" lang="zh-Hans" altLang="en-US" sz="2400" b="1" i="0" u="none" strike="noStrike" kern="1200" cap="none" spc="0" normalizeH="0" baseline="0" noProof="0" dirty="0">
+                <a:ln>
+                  <a:noFill/>
+                </a:ln>
+                <a:solidFill>
+                  <a:prstClr val="black"/>
+                </a:solidFill>
+                <a:effectLst/>
+                <a:uLnTx/>
+                <a:uFillTx/>
+                <a:latin typeface="苹方-简" panose="020B0400000000000000" charset="-122"/>
+                <a:ea typeface="苹方-简" panose="020B0400000000000000" charset="-122"/>
+              </a:rPr>
+              <a:t>木星计划</a:t>
+            </a:r>
+            <a:r>
+              <a:rPr kumimoji="0" lang="en-US" altLang="zh-Hans" sz="2400" b="1" i="0" u="none" strike="noStrike" kern="1200" cap="none" spc="0" normalizeH="0" baseline="0" noProof="0" dirty="0">
+                <a:ln>
+                  <a:noFill/>
+                </a:ln>
+                <a:solidFill>
+                  <a:prstClr val="black"/>
+                </a:solidFill>
+                <a:effectLst/>
+                <a:uLnTx/>
+                <a:uFillTx/>
+                <a:latin typeface="苹方-简" panose="020B0400000000000000" charset="-122"/>
+                <a:ea typeface="苹方-简" panose="020B0400000000000000" charset="-122"/>
+              </a:rPr>
+              <a:t>-</a:t>
+            </a:r>
+            <a:r>
+              <a:rPr kumimoji="0" lang="zh-Hans" altLang="en-US" sz="2400" b="1" i="0" u="none" strike="noStrike" kern="1200" cap="none" spc="0" normalizeH="0" baseline="0" noProof="0" dirty="0">
+                <a:ln>
+                  <a:noFill/>
+                </a:ln>
+                <a:solidFill>
+                  <a:prstClr val="black"/>
+                </a:solidFill>
+                <a:effectLst/>
+                <a:uLnTx/>
+                <a:uFillTx/>
+                <a:latin typeface="苹方-简" panose="020B0400000000000000" charset="-122"/>
+                <a:ea typeface="苹方-简" panose="020B0400000000000000" charset="-122"/>
+              </a:rPr>
+              <a:t>遗留问题</a:t>
+            </a:r>
+            <a:endParaRPr kumimoji="0" lang="en-US" altLang="zh-CN" sz="2400" b="1" i="0" u="none" strike="noStrike" kern="1200" cap="none" spc="0" normalizeH="0" baseline="0" noProof="0" dirty="0">
+              <a:ln>
+                <a:noFill/>
+              </a:ln>
+              <a:solidFill>
+                <a:prstClr val="black"/>
+              </a:solidFill>
+              <a:effectLst/>
+              <a:uLnTx/>
+              <a:uFillTx/>
+              <a:latin typeface="苹方-简" panose="020B0400000000000000" charset="-122"/>
+              <a:ea typeface="苹方-简" panose="020B0400000000000000" charset="-122"/>
+            </a:endParaRPr>
+          </a:p>
+        </p:txBody>
+      </p:sp>
+      <p:sp>
+        <p:nvSpPr>
+          <p:cNvPr id="9" name="内容占位符 2"/>
+          <p:cNvSpPr txBox="1"/>
+          <p:nvPr/>
+        </p:nvSpPr>
+        <p:spPr>
+          <a:xfrm>
+            <a:off x="24384" y="934691"/>
+            <a:ext cx="8229600" cy="669520"/>
+          </a:xfrm>
+          <a:prstGeom prst="rect">
+            <a:avLst/>
+          </a:prstGeom>
+        </p:spPr>
+        <p:txBody>
+          <a:bodyPr/>
+          <a:lstStyle>
+            <a:lvl1pPr marL="342900" indent="-342900" algn="l" defTabSz="457200" rtl="0" eaLnBrk="1" latinLnBrk="0" hangingPunct="1">
+              <a:spcBef>
+                <a:spcPct val="20000"/>
+              </a:spcBef>
+              <a:buFont typeface="Arial" panose="020B0604020202090204"/>
+              <a:buChar char="•"/>
+              <a:defRPr sz="3200" kern="1200">
+                <a:solidFill>
+                  <a:schemeClr val="tx1"/>
+                </a:solidFill>
+                <a:latin typeface="+mn-lt"/>
+                <a:ea typeface="+mn-ea"/>
+                <a:cs typeface="+mn-cs"/>
+              </a:defRPr>
+            </a:lvl1pPr>
+            <a:lvl2pPr marL="742950" indent="-285750" algn="l" defTabSz="457200" rtl="0" eaLnBrk="1" latinLnBrk="0" hangingPunct="1">
+              <a:spcBef>
+                <a:spcPct val="20000"/>
+              </a:spcBef>
+              <a:buFont typeface="Arial" panose="020B0604020202090204"/>
+              <a:buChar char="–"/>
+              <a:defRPr sz="2800" kern="1200">
+                <a:solidFill>
+                  <a:schemeClr val="tx1"/>
+                </a:solidFill>
+                <a:latin typeface="+mn-lt"/>
+                <a:ea typeface="+mn-ea"/>
+                <a:cs typeface="+mn-cs"/>
+              </a:defRPr>
+            </a:lvl2pPr>
+            <a:lvl3pPr marL="1143000" indent="-228600" algn="l" defTabSz="457200" rtl="0" eaLnBrk="1" latinLnBrk="0" hangingPunct="1">
+              <a:spcBef>
+                <a:spcPct val="20000"/>
+              </a:spcBef>
+              <a:buFont typeface="Arial" panose="020B0604020202090204"/>
+              <a:buChar char="•"/>
+              <a:defRPr sz="2400" kern="1200">
+                <a:solidFill>
+                  <a:schemeClr val="tx1"/>
+                </a:solidFill>
+                <a:latin typeface="+mn-lt"/>
+                <a:ea typeface="+mn-ea"/>
+                <a:cs typeface="+mn-cs"/>
+              </a:defRPr>
+            </a:lvl3pPr>
+            <a:lvl4pPr marL="1600200" indent="-228600" algn="l" defTabSz="457200" rtl="0" eaLnBrk="1" latinLnBrk="0" hangingPunct="1">
+              <a:spcBef>
+                <a:spcPct val="20000"/>
+              </a:spcBef>
+              <a:buFont typeface="Arial" panose="020B0604020202090204"/>
+              <a:buChar char="–"/>
+              <a:defRPr sz="2000" kern="1200">
+                <a:solidFill>
+                  <a:schemeClr val="tx1"/>
+                </a:solidFill>
+                <a:latin typeface="+mn-lt"/>
+                <a:ea typeface="+mn-ea"/>
+                <a:cs typeface="+mn-cs"/>
+              </a:defRPr>
+            </a:lvl4pPr>
+            <a:lvl5pPr marL="2057400" indent="-228600" algn="l" defTabSz="457200" rtl="0" eaLnBrk="1" latinLnBrk="0" hangingPunct="1">
+              <a:spcBef>
+                <a:spcPct val="20000"/>
+              </a:spcBef>
+              <a:buFont typeface="Arial" panose="020B0604020202090204"/>
+              <a:buChar char="»"/>
+              <a:defRPr sz="2000" kern="1200">
+                <a:solidFill>
+                  <a:schemeClr val="tx1"/>
+                </a:solidFill>
+                <a:latin typeface="+mn-lt"/>
+                <a:ea typeface="+mn-ea"/>
+                <a:cs typeface="+mn-cs"/>
+              </a:defRPr>
+            </a:lvl5pPr>
+            <a:lvl6pPr marL="2514600" indent="-228600" algn="l" defTabSz="457200" rtl="0" eaLnBrk="1" latinLnBrk="0" hangingPunct="1">
+              <a:spcBef>
+                <a:spcPct val="20000"/>
+              </a:spcBef>
+              <a:buFont typeface="Arial" panose="020B0604020202090204"/>
+              <a:buChar char="•"/>
+              <a:defRPr sz="2000" kern="1200">
+                <a:solidFill>
+                  <a:schemeClr val="tx1"/>
+                </a:solidFill>
+                <a:latin typeface="+mn-lt"/>
+                <a:ea typeface="+mn-ea"/>
+                <a:cs typeface="+mn-cs"/>
+              </a:defRPr>
+            </a:lvl6pPr>
+            <a:lvl7pPr marL="2971800" indent="-228600" algn="l" defTabSz="457200" rtl="0" eaLnBrk="1" latinLnBrk="0" hangingPunct="1">
+              <a:spcBef>
+                <a:spcPct val="20000"/>
+              </a:spcBef>
+              <a:buFont typeface="Arial" panose="020B0604020202090204"/>
+              <a:buChar char="•"/>
+              <a:defRPr sz="2000" kern="1200">
+                <a:solidFill>
+                  <a:schemeClr val="tx1"/>
+                </a:solidFill>
+                <a:latin typeface="+mn-lt"/>
+                <a:ea typeface="+mn-ea"/>
+                <a:cs typeface="+mn-cs"/>
+              </a:defRPr>
+            </a:lvl7pPr>
+            <a:lvl8pPr marL="3429000" indent="-228600" algn="l" defTabSz="457200" rtl="0" eaLnBrk="1" latinLnBrk="0" hangingPunct="1">
+              <a:spcBef>
+                <a:spcPct val="20000"/>
+              </a:spcBef>
+              <a:buFont typeface="Arial" panose="020B0604020202090204"/>
+              <a:buChar char="•"/>
+              <a:defRPr sz="2000" kern="1200">
+                <a:solidFill>
+                  <a:schemeClr val="tx1"/>
+                </a:solidFill>
+                <a:latin typeface="+mn-lt"/>
+                <a:ea typeface="+mn-ea"/>
+                <a:cs typeface="+mn-cs"/>
+              </a:defRPr>
+            </a:lvl8pPr>
+            <a:lvl9pPr marL="3886200" indent="-228600" algn="l" defTabSz="457200" rtl="0" eaLnBrk="1" latinLnBrk="0" hangingPunct="1">
+              <a:spcBef>
+                <a:spcPct val="20000"/>
+              </a:spcBef>
+              <a:buFont typeface="Arial" panose="020B0604020202090204"/>
+              <a:buChar char="•"/>
+              <a:defRPr sz="2000" kern="1200">
+                <a:solidFill>
+                  <a:schemeClr val="tx1"/>
+                </a:solidFill>
+                <a:latin typeface="+mn-lt"/>
+                <a:ea typeface="+mn-ea"/>
+                <a:cs typeface="+mn-cs"/>
+              </a:defRPr>
+            </a:lvl9pPr>
+          </a:lstStyle>
+          <a:p>
+            <a:pPr marL="342900" marR="0" lvl="0" indent="-342900" algn="l" defTabSz="457200" rtl="0" eaLnBrk="1" fontAlgn="auto" latinLnBrk="0" hangingPunct="1">
+              <a:lnSpc>
+                <a:spcPct val="130000"/>
+              </a:lnSpc>
+              <a:spcBef>
+                <a:spcPct val="20000"/>
+              </a:spcBef>
+              <a:spcAft>
+                <a:spcPts val="0"/>
+              </a:spcAft>
+              <a:buClrTx/>
+              <a:buSzTx/>
+              <a:buFont typeface="Wingdings" panose="05000000000000000000" pitchFamily="2" charset="2"/>
+              <a:buChar char="l"/>
+              <a:defRPr/>
+            </a:pPr>
+            <a:endParaRPr kumimoji="0" lang="en-US" altLang="zh-CN" sz="1800" b="0" i="0" u="none" strike="noStrike" kern="1200" cap="none" spc="0" normalizeH="0" baseline="0" noProof="0" dirty="0">
+              <a:ln>
+                <a:noFill/>
+              </a:ln>
+              <a:solidFill>
+                <a:prstClr val="black"/>
+              </a:solidFill>
+              <a:effectLst/>
+              <a:uLnTx/>
+              <a:uFillTx/>
+              <a:latin typeface="Calibri"/>
+              <a:ea typeface="微软雅黑" charset="-122"/>
+              <a:cs typeface="+mn-cs"/>
+            </a:endParaRPr>
+          </a:p>
+          <a:p>
+            <a:pPr marL="0" marR="0" lvl="0" indent="0" algn="l" defTabSz="457200" rtl="0" eaLnBrk="1" fontAlgn="auto" latinLnBrk="0" hangingPunct="1">
+              <a:lnSpc>
+                <a:spcPct val="130000"/>
+              </a:lnSpc>
+              <a:spcBef>
+                <a:spcPct val="20000"/>
+              </a:spcBef>
+              <a:spcAft>
+                <a:spcPts val="0"/>
+              </a:spcAft>
+              <a:buClrTx/>
+              <a:buSzTx/>
+              <a:buFont typeface="Arial" panose="020B0604020202090204"/>
+              <a:buNone/>
+              <a:defRPr/>
+            </a:pPr>
+            <a:endParaRPr kumimoji="0" lang="en-US" altLang="zh-CN" sz="1800" b="1" i="0" u="none" strike="noStrike" kern="1200" cap="none" spc="0" normalizeH="0" baseline="0" noProof="0" dirty="0">
+              <a:ln>
+                <a:noFill/>
+              </a:ln>
+              <a:solidFill>
+                <a:prstClr val="black"/>
+              </a:solidFill>
+              <a:effectLst/>
+              <a:uLnTx/>
+              <a:uFillTx/>
+              <a:latin typeface="Calibri"/>
+              <a:ea typeface="微软雅黑" charset="-122"/>
+              <a:cs typeface="+mn-cs"/>
+            </a:endParaRPr>
+          </a:p>
+          <a:p>
+            <a:pPr marL="0" marR="0" lvl="0" indent="0" algn="l" defTabSz="457200" rtl="0" eaLnBrk="1" fontAlgn="auto" latinLnBrk="0" hangingPunct="1">
+              <a:lnSpc>
+                <a:spcPct val="130000"/>
+              </a:lnSpc>
+              <a:spcBef>
+                <a:spcPct val="20000"/>
+              </a:spcBef>
+              <a:spcAft>
+                <a:spcPts val="0"/>
+              </a:spcAft>
+              <a:buClrTx/>
+              <a:buSzTx/>
+              <a:buFont typeface="Arial" panose="020B0604020202090204"/>
+              <a:buNone/>
+              <a:defRPr/>
+            </a:pPr>
+            <a:endParaRPr kumimoji="0" lang="en-US" altLang="zh-CN" sz="1800" b="1" i="0" u="none" strike="noStrike" kern="1200" cap="none" spc="0" normalizeH="0" baseline="0" noProof="0" dirty="0">
+              <a:ln>
+                <a:noFill/>
+              </a:ln>
+              <a:solidFill>
+                <a:prstClr val="black"/>
+              </a:solidFill>
+              <a:effectLst/>
+              <a:uLnTx/>
+              <a:uFillTx/>
+              <a:latin typeface="Calibri"/>
+              <a:ea typeface="微软雅黑" charset="-122"/>
+              <a:cs typeface="+mn-cs"/>
+            </a:endParaRPr>
+          </a:p>
+        </p:txBody>
+      </p:sp>
+      <p:sp>
+        <p:nvSpPr>
+          <p:cNvPr id="8" name="文本框 7">
+            <a:extLst>
+              <a:ext uri="{FF2B5EF4-FFF2-40B4-BE49-F238E27FC236}">
+                <a16:creationId xmlns:a16="http://schemas.microsoft.com/office/drawing/2014/main" id="{96F6CF16-84D7-C54F-844E-69DEB4DC399D}"/>
+              </a:ext>
+            </a:extLst>
+          </p:cNvPr>
+          <p:cNvSpPr txBox="1"/>
+          <p:nvPr/>
+        </p:nvSpPr>
+        <p:spPr>
+          <a:xfrm>
+            <a:off x="1614134" y="2538902"/>
+            <a:ext cx="2525050" cy="1436675"/>
+          </a:xfrm>
+          <a:prstGeom prst="rect">
+            <a:avLst/>
+          </a:prstGeom>
+          <a:noFill/>
+        </p:spPr>
+        <p:txBody>
+          <a:bodyPr wrap="none" rtlCol="0">
+            <a:spAutoFit/>
+          </a:bodyPr>
+          <a:lstStyle/>
+          <a:p>
+            <a:pPr marL="285750" indent="-285750">
+              <a:lnSpc>
+                <a:spcPct val="150000"/>
+              </a:lnSpc>
+              <a:buFont typeface="Arial" panose="020B0604020202020204" pitchFamily="34" charset="0"/>
+              <a:buChar char="•"/>
+            </a:pPr>
+            <a:r>
+              <a:rPr kumimoji="1" lang="zh-Hans" altLang="en-US" sz="2000" dirty="0">
+                <a:latin typeface="PingFang SC" panose="020B0400000000000000" pitchFamily="34" charset="-122"/>
+                <a:ea typeface="PingFang SC" panose="020B0400000000000000" pitchFamily="34" charset="-122"/>
+              </a:rPr>
+              <a:t>老的页面还需维护</a:t>
+            </a:r>
+            <a:endParaRPr kumimoji="1" lang="en-US" altLang="zh-Hans" sz="2000" dirty="0">
+              <a:latin typeface="PingFang SC" panose="020B0400000000000000" pitchFamily="34" charset="-122"/>
+              <a:ea typeface="PingFang SC" panose="020B0400000000000000" pitchFamily="34" charset="-122"/>
+            </a:endParaRPr>
+          </a:p>
+          <a:p>
+            <a:pPr marL="285750" indent="-285750">
+              <a:lnSpc>
+                <a:spcPct val="150000"/>
+              </a:lnSpc>
+              <a:buFont typeface="Arial" panose="020B0604020202020204" pitchFamily="34" charset="0"/>
+              <a:buChar char="•"/>
+            </a:pPr>
+            <a:r>
+              <a:rPr kumimoji="1" lang="zh-Hans" altLang="en-US" sz="2000" dirty="0">
+                <a:latin typeface="PingFang SC" panose="020B0400000000000000" pitchFamily="34" charset="-122"/>
+                <a:ea typeface="PingFang SC" panose="020B0400000000000000" pitchFamily="34" charset="-122"/>
+              </a:rPr>
+              <a:t>地图业务没有木星</a:t>
+            </a:r>
+            <a:endParaRPr kumimoji="1" lang="en-US" altLang="zh-Hans" sz="2000" dirty="0">
+              <a:latin typeface="PingFang SC" panose="020B0400000000000000" pitchFamily="34" charset="-122"/>
+              <a:ea typeface="PingFang SC" panose="020B0400000000000000" pitchFamily="34" charset="-122"/>
+            </a:endParaRPr>
+          </a:p>
+          <a:p>
+            <a:pPr marL="285750" indent="-285750">
+              <a:lnSpc>
+                <a:spcPct val="150000"/>
+              </a:lnSpc>
+              <a:buFont typeface="Arial" panose="020B0604020202020204" pitchFamily="34" charset="0"/>
+              <a:buChar char="•"/>
+            </a:pPr>
+            <a:r>
+              <a:rPr kumimoji="1" lang="zh-Hans" altLang="en-US" sz="2000" dirty="0">
+                <a:latin typeface="PingFang SC" panose="020B0400000000000000" pitchFamily="34" charset="-122"/>
+                <a:ea typeface="PingFang SC" panose="020B0400000000000000" pitchFamily="34" charset="-122"/>
+              </a:rPr>
+              <a:t>包大小增加</a:t>
+            </a:r>
+            <a:endParaRPr kumimoji="1" lang="en-US" altLang="zh-Hans" sz="2000" dirty="0">
+              <a:latin typeface="PingFang SC" panose="020B0400000000000000" pitchFamily="34" charset="-122"/>
+              <a:ea typeface="PingFang SC" panose="020B0400000000000000" pitchFamily="34" charset="-122"/>
+            </a:endParaRPr>
+          </a:p>
+        </p:txBody>
+      </p:sp>
+    </p:spTree>
+    <p:custDataLst>
+      <p:tags r:id="rId1"/>
+    </p:custDataLst>
+    <p:extLst>
+      <p:ext uri="{BB962C8B-B14F-4D97-AF65-F5344CB8AC3E}">
+        <p14:creationId xmlns:p14="http://schemas.microsoft.com/office/powerpoint/2010/main" val="2310570588"/>
+      </p:ext>
+    </p:extLst>
+  </p:cSld>
+  <p:clrMapOvr>
+    <a:masterClrMapping/>
+  </p:clrMapOvr>
+</p:sld>
+</file>
+
+<file path=ppt/slides/slide21.xml><?xml version="1.0" encoding="utf-8"?>
+<p:sld xmlns:a="http://schemas.openxmlformats.org/drawingml/2006/main" xmlns:r="http://schemas.openxmlformats.org/officeDocument/2006/relationships" xmlns:p="http://schemas.openxmlformats.org/presentationml/2006/main">
+  <p:cSld>
+    <p:spTree>
+      <p:nvGrpSpPr>
+        <p:cNvPr id="1" name=""/>
+        <p:cNvGrpSpPr/>
+        <p:nvPr/>
+      </p:nvGrpSpPr>
+      <p:grpSpPr>
+        <a:xfrm>
+          <a:off x="0" y="0"/>
+          <a:ext cx="0" cy="0"/>
+          <a:chOff x="0" y="0"/>
+          <a:chExt cx="0" cy="0"/>
+        </a:xfrm>
+      </p:grpSpPr>
+      <p:pic>
+        <p:nvPicPr>
+          <p:cNvPr id="2" name="图片 1"/>
+          <p:cNvPicPr>
+            <a:picLocks noChangeAspect="1"/>
+          </p:cNvPicPr>
+          <p:nvPr/>
+        </p:nvPicPr>
+        <p:blipFill>
+          <a:blip r:embed="rId4" cstate="email"/>
+          <a:stretch>
+            <a:fillRect/>
+          </a:stretch>
+        </p:blipFill>
+        <p:spPr>
+          <a:xfrm>
+            <a:off x="0" y="0"/>
+            <a:ext cx="9142571" cy="6858000"/>
+          </a:xfrm>
+          <a:prstGeom prst="rect">
+            <a:avLst/>
+          </a:prstGeom>
+          <a:noFill/>
+          <a:ln>
+            <a:solidFill>
+              <a:schemeClr val="tx1"/>
+            </a:solidFill>
+          </a:ln>
+        </p:spPr>
+      </p:pic>
+      <p:sp>
+        <p:nvSpPr>
+          <p:cNvPr id="6" name="灯片编号占位符 4"/>
+          <p:cNvSpPr>
+            <a:spLocks noGrp="1"/>
+          </p:cNvSpPr>
+          <p:nvPr>
+            <p:ph type="sldNum" sz="quarter" idx="12"/>
+          </p:nvPr>
+        </p:nvSpPr>
+        <p:spPr>
+          <a:xfrm>
+            <a:off x="6120384" y="6413183"/>
+            <a:ext cx="2133600" cy="274637"/>
+          </a:xfrm>
+        </p:spPr>
+        <p:txBody>
+          <a:bodyPr/>
+          <a:lstStyle>
+            <a:lvl1pPr eaLnBrk="0" hangingPunct="0">
+              <a:defRPr>
+                <a:solidFill>
+                  <a:schemeClr val="tx1"/>
+                </a:solidFill>
+                <a:latin typeface="Arial" panose="020B0604020202090204" pitchFamily="34" charset="0"/>
+                <a:ea typeface="宋体" charset="-122"/>
+              </a:defRPr>
+            </a:lvl1pPr>
+            <a:lvl2pPr marL="742950" indent="-285750" eaLnBrk="0" hangingPunct="0">
+              <a:defRPr>
+                <a:solidFill>
+                  <a:schemeClr val="tx1"/>
+                </a:solidFill>
+                <a:latin typeface="Arial" panose="020B0604020202090204" pitchFamily="34" charset="0"/>
+                <a:ea typeface="宋体" charset="-122"/>
+              </a:defRPr>
+            </a:lvl2pPr>
+            <a:lvl3pPr marL="1143000" indent="-228600" eaLnBrk="0" hangingPunct="0">
+              <a:defRPr>
+                <a:solidFill>
+                  <a:schemeClr val="tx1"/>
+                </a:solidFill>
+                <a:latin typeface="Arial" panose="020B0604020202090204" pitchFamily="34" charset="0"/>
+                <a:ea typeface="宋体" charset="-122"/>
+              </a:defRPr>
+            </a:lvl3pPr>
+            <a:lvl4pPr marL="1600200" indent="-228600" eaLnBrk="0" hangingPunct="0">
+              <a:defRPr>
+                <a:solidFill>
+                  <a:schemeClr val="tx1"/>
+                </a:solidFill>
+                <a:latin typeface="Arial" panose="020B0604020202090204" pitchFamily="34" charset="0"/>
+                <a:ea typeface="宋体" charset="-122"/>
+              </a:defRPr>
+            </a:lvl4pPr>
+            <a:lvl5pPr marL="2057400" indent="-228600" eaLnBrk="0" hangingPunct="0">
+              <a:defRPr>
+                <a:solidFill>
+                  <a:schemeClr val="tx1"/>
+                </a:solidFill>
+                <a:latin typeface="Arial" panose="020B0604020202090204" pitchFamily="34" charset="0"/>
+                <a:ea typeface="宋体" charset="-122"/>
+              </a:defRPr>
+            </a:lvl5pPr>
+            <a:lvl6pPr marL="2514600" indent="-228600" defTabSz="457200" eaLnBrk="0" fontAlgn="base" hangingPunct="0">
+              <a:spcBef>
+                <a:spcPct val="0"/>
+              </a:spcBef>
+              <a:spcAft>
+                <a:spcPct val="0"/>
+              </a:spcAft>
+              <a:defRPr>
+                <a:solidFill>
+                  <a:schemeClr val="tx1"/>
+                </a:solidFill>
+                <a:latin typeface="Arial" panose="020B0604020202090204" pitchFamily="34" charset="0"/>
+                <a:ea typeface="宋体" charset="-122"/>
+              </a:defRPr>
+            </a:lvl6pPr>
+            <a:lvl7pPr marL="2971800" indent="-228600" defTabSz="457200" eaLnBrk="0" fontAlgn="base" hangingPunct="0">
+              <a:spcBef>
+                <a:spcPct val="0"/>
+              </a:spcBef>
+              <a:spcAft>
+                <a:spcPct val="0"/>
+              </a:spcAft>
+              <a:defRPr>
+                <a:solidFill>
+                  <a:schemeClr val="tx1"/>
+                </a:solidFill>
+                <a:latin typeface="Arial" panose="020B0604020202090204" pitchFamily="34" charset="0"/>
+                <a:ea typeface="宋体" charset="-122"/>
+              </a:defRPr>
+            </a:lvl7pPr>
+            <a:lvl8pPr marL="3429000" indent="-228600" defTabSz="457200" eaLnBrk="0" fontAlgn="base" hangingPunct="0">
+              <a:spcBef>
+                <a:spcPct val="0"/>
+              </a:spcBef>
+              <a:spcAft>
+                <a:spcPct val="0"/>
+              </a:spcAft>
+              <a:defRPr>
+                <a:solidFill>
+                  <a:schemeClr val="tx1"/>
+                </a:solidFill>
+                <a:latin typeface="Arial" panose="020B0604020202090204" pitchFamily="34" charset="0"/>
+                <a:ea typeface="宋体" charset="-122"/>
+              </a:defRPr>
+            </a:lvl8pPr>
+            <a:lvl9pPr marL="3886200" indent="-228600" defTabSz="457200" eaLnBrk="0" fontAlgn="base" hangingPunct="0">
+              <a:spcBef>
+                <a:spcPct val="0"/>
+              </a:spcBef>
+              <a:spcAft>
+                <a:spcPct val="0"/>
+              </a:spcAft>
+              <a:defRPr>
+                <a:solidFill>
+                  <a:schemeClr val="tx1"/>
+                </a:solidFill>
+                <a:latin typeface="Arial" panose="020B0604020202090204" pitchFamily="34" charset="0"/>
+                <a:ea typeface="宋体" charset="-122"/>
+              </a:defRPr>
+            </a:lvl9pPr>
+          </a:lstStyle>
+          <a:p>
+            <a:pPr marL="0" marR="0" lvl="0" indent="0" algn="r" defTabSz="457200" rtl="0" eaLnBrk="1" fontAlgn="auto" latinLnBrk="0" hangingPunct="1">
+              <a:lnSpc>
+                <a:spcPct val="100000"/>
+              </a:lnSpc>
+              <a:spcBef>
+                <a:spcPts val="0"/>
+              </a:spcBef>
+              <a:spcAft>
+                <a:spcPts val="0"/>
+              </a:spcAft>
+              <a:buClrTx/>
+              <a:buSzTx/>
+              <a:buFontTx/>
+              <a:buNone/>
+              <a:defRPr/>
+            </a:pPr>
+            <a:fld id="{3F1E42E4-90F7-C348-9C7D-352344EF35F9}" type="slidenum">
+              <a:rPr kumimoji="0" lang="zh-CN" altLang="en-US" sz="1200" b="0" i="0" u="none" strike="noStrike" kern="1200" cap="none" spc="0" normalizeH="0" baseline="0" noProof="0">
+                <a:ln>
+                  <a:noFill/>
+                </a:ln>
+                <a:solidFill>
+                  <a:srgbClr val="898989"/>
+                </a:solidFill>
+                <a:effectLst/>
+                <a:uLnTx/>
+                <a:uFillTx/>
+                <a:latin typeface="Arial" panose="020B0604020202090204" pitchFamily="34" charset="0"/>
+                <a:ea typeface="微软雅黑" charset="-122"/>
+                <a:cs typeface="+mn-cs"/>
+              </a:rPr>
+              <a:t>21</a:t>
+            </a:fld>
+            <a:endParaRPr kumimoji="0" lang="zh-CN" altLang="en-US" sz="1200" b="0" i="0" u="none" strike="noStrike" kern="1200" cap="none" spc="0" normalizeH="0" baseline="0" noProof="0" dirty="0">
+              <a:ln>
+                <a:noFill/>
+              </a:ln>
+              <a:solidFill>
+                <a:srgbClr val="898989"/>
+              </a:solidFill>
+              <a:effectLst/>
+              <a:uLnTx/>
+              <a:uFillTx/>
+              <a:latin typeface="Arial" panose="020B0604020202090204" pitchFamily="34" charset="0"/>
+              <a:ea typeface="微软雅黑" charset="-122"/>
+              <a:cs typeface="+mn-cs"/>
+            </a:endParaRPr>
+          </a:p>
+        </p:txBody>
+      </p:sp>
+      <p:sp>
+        <p:nvSpPr>
+          <p:cNvPr id="7" name="标题 1"/>
+          <p:cNvSpPr txBox="1"/>
+          <p:nvPr/>
+        </p:nvSpPr>
+        <p:spPr>
+          <a:xfrm>
+            <a:off x="250825" y="89645"/>
+            <a:ext cx="8278495" cy="782955"/>
+          </a:xfrm>
+          <a:prstGeom prst="rect">
+            <a:avLst/>
+          </a:prstGeom>
+        </p:spPr>
+        <p:txBody>
+          <a:bodyPr/>
+          <a:lstStyle>
+            <a:lvl1pPr algn="ctr" defTabSz="457200" rtl="0" eaLnBrk="1" latinLnBrk="0" hangingPunct="1">
+              <a:spcBef>
+                <a:spcPct val="0"/>
+              </a:spcBef>
+              <a:buNone/>
+              <a:defRPr sz="4400" kern="1200">
+                <a:solidFill>
+                  <a:schemeClr val="tx1"/>
+                </a:solidFill>
+                <a:latin typeface="+mj-lt"/>
+                <a:ea typeface="+mj-ea"/>
+                <a:cs typeface="+mj-cs"/>
+              </a:defRPr>
+            </a:lvl1pPr>
+          </a:lstStyle>
+          <a:p>
+            <a:pPr marL="0" marR="0" lvl="0" indent="0" algn="l" defTabSz="457200" rtl="0" eaLnBrk="1" fontAlgn="auto" latinLnBrk="0" hangingPunct="1">
+              <a:lnSpc>
+                <a:spcPct val="150000"/>
+              </a:lnSpc>
+              <a:spcBef>
+                <a:spcPts val="0"/>
+              </a:spcBef>
+              <a:spcAft>
+                <a:spcPts val="0"/>
+              </a:spcAft>
+              <a:buClrTx/>
+              <a:buSzTx/>
+              <a:buFontTx/>
+              <a:buNone/>
+              <a:defRPr/>
+            </a:pPr>
+            <a:r>
+              <a:rPr kumimoji="0" lang="zh-Hans" altLang="en-US" sz="2400" b="1" i="0" u="none" strike="noStrike" kern="1200" cap="none" spc="0" normalizeH="0" baseline="0" noProof="0" dirty="0">
+                <a:ln>
+                  <a:noFill/>
+                </a:ln>
+                <a:solidFill>
+                  <a:prstClr val="black"/>
+                </a:solidFill>
+                <a:effectLst/>
+                <a:uLnTx/>
+                <a:uFillTx/>
+                <a:latin typeface="苹方-简" panose="020B0400000000000000" charset="-122"/>
+                <a:ea typeface="苹方-简" panose="020B0400000000000000" charset="-122"/>
+              </a:rPr>
+              <a:t>木星计划</a:t>
+            </a:r>
+            <a:r>
+              <a:rPr kumimoji="0" lang="en-US" altLang="zh-Hans" sz="2400" b="1" i="0" u="none" strike="noStrike" kern="1200" cap="none" spc="0" normalizeH="0" baseline="0" noProof="0" dirty="0">
+                <a:ln>
+                  <a:noFill/>
+                </a:ln>
+                <a:solidFill>
+                  <a:prstClr val="black"/>
+                </a:solidFill>
+                <a:effectLst/>
+                <a:uLnTx/>
+                <a:uFillTx/>
+                <a:latin typeface="苹方-简" panose="020B0400000000000000" charset="-122"/>
+                <a:ea typeface="苹方-简" panose="020B0400000000000000" charset="-122"/>
+              </a:rPr>
+              <a:t>-</a:t>
+            </a:r>
+            <a:r>
+              <a:rPr lang="zh-Hans" altLang="en-US" sz="2400" b="1" dirty="0">
+                <a:solidFill>
+                  <a:prstClr val="black"/>
+                </a:solidFill>
+                <a:latin typeface="苹方-简" panose="020B0400000000000000" charset="-122"/>
+                <a:ea typeface="苹方-简" panose="020B0400000000000000" charset="-122"/>
+              </a:rPr>
+              <a:t>下一阶段</a:t>
+            </a:r>
+            <a:endParaRPr kumimoji="0" lang="en-US" altLang="zh-CN" sz="2400" b="1" i="0" u="none" strike="noStrike" kern="1200" cap="none" spc="0" normalizeH="0" baseline="0" noProof="0" dirty="0">
+              <a:ln>
+                <a:noFill/>
+              </a:ln>
+              <a:solidFill>
+                <a:prstClr val="black"/>
+              </a:solidFill>
+              <a:effectLst/>
+              <a:uLnTx/>
+              <a:uFillTx/>
+              <a:latin typeface="苹方-简" panose="020B0400000000000000" charset="-122"/>
+              <a:ea typeface="苹方-简" panose="020B0400000000000000" charset="-122"/>
+            </a:endParaRPr>
+          </a:p>
+        </p:txBody>
+      </p:sp>
+      <p:sp>
+        <p:nvSpPr>
+          <p:cNvPr id="9" name="内容占位符 2"/>
+          <p:cNvSpPr txBox="1"/>
+          <p:nvPr/>
+        </p:nvSpPr>
+        <p:spPr>
+          <a:xfrm>
+            <a:off x="24384" y="934691"/>
+            <a:ext cx="8229600" cy="669520"/>
+          </a:xfrm>
+          <a:prstGeom prst="rect">
+            <a:avLst/>
+          </a:prstGeom>
+        </p:spPr>
+        <p:txBody>
+          <a:bodyPr/>
+          <a:lstStyle>
+            <a:lvl1pPr marL="342900" indent="-342900" algn="l" defTabSz="457200" rtl="0" eaLnBrk="1" latinLnBrk="0" hangingPunct="1">
+              <a:spcBef>
+                <a:spcPct val="20000"/>
+              </a:spcBef>
+              <a:buFont typeface="Arial" panose="020B0604020202090204"/>
+              <a:buChar char="•"/>
+              <a:defRPr sz="3200" kern="1200">
+                <a:solidFill>
+                  <a:schemeClr val="tx1"/>
+                </a:solidFill>
+                <a:latin typeface="+mn-lt"/>
+                <a:ea typeface="+mn-ea"/>
+                <a:cs typeface="+mn-cs"/>
+              </a:defRPr>
+            </a:lvl1pPr>
+            <a:lvl2pPr marL="742950" indent="-285750" algn="l" defTabSz="457200" rtl="0" eaLnBrk="1" latinLnBrk="0" hangingPunct="1">
+              <a:spcBef>
+                <a:spcPct val="20000"/>
+              </a:spcBef>
+              <a:buFont typeface="Arial" panose="020B0604020202090204"/>
+              <a:buChar char="–"/>
+              <a:defRPr sz="2800" kern="1200">
+                <a:solidFill>
+                  <a:schemeClr val="tx1"/>
+                </a:solidFill>
+                <a:latin typeface="+mn-lt"/>
+                <a:ea typeface="+mn-ea"/>
+                <a:cs typeface="+mn-cs"/>
+              </a:defRPr>
+            </a:lvl2pPr>
+            <a:lvl3pPr marL="1143000" indent="-228600" algn="l" defTabSz="457200" rtl="0" eaLnBrk="1" latinLnBrk="0" hangingPunct="1">
+              <a:spcBef>
+                <a:spcPct val="20000"/>
+              </a:spcBef>
+              <a:buFont typeface="Arial" panose="020B0604020202090204"/>
+              <a:buChar char="•"/>
+              <a:defRPr sz="2400" kern="1200">
+                <a:solidFill>
+                  <a:schemeClr val="tx1"/>
+                </a:solidFill>
+                <a:latin typeface="+mn-lt"/>
+                <a:ea typeface="+mn-ea"/>
+                <a:cs typeface="+mn-cs"/>
+              </a:defRPr>
+            </a:lvl3pPr>
+            <a:lvl4pPr marL="1600200" indent="-228600" algn="l" defTabSz="457200" rtl="0" eaLnBrk="1" latinLnBrk="0" hangingPunct="1">
+              <a:spcBef>
+                <a:spcPct val="20000"/>
+              </a:spcBef>
+              <a:buFont typeface="Arial" panose="020B0604020202090204"/>
+              <a:buChar char="–"/>
+              <a:defRPr sz="2000" kern="1200">
+                <a:solidFill>
+                  <a:schemeClr val="tx1"/>
+                </a:solidFill>
+                <a:latin typeface="+mn-lt"/>
+                <a:ea typeface="+mn-ea"/>
+                <a:cs typeface="+mn-cs"/>
+              </a:defRPr>
+            </a:lvl4pPr>
+            <a:lvl5pPr marL="2057400" indent="-228600" algn="l" defTabSz="457200" rtl="0" eaLnBrk="1" latinLnBrk="0" hangingPunct="1">
+              <a:spcBef>
+                <a:spcPct val="20000"/>
+              </a:spcBef>
+              <a:buFont typeface="Arial" panose="020B0604020202090204"/>
+              <a:buChar char="»"/>
+              <a:defRPr sz="2000" kern="1200">
+                <a:solidFill>
+                  <a:schemeClr val="tx1"/>
+                </a:solidFill>
+                <a:latin typeface="+mn-lt"/>
+                <a:ea typeface="+mn-ea"/>
+                <a:cs typeface="+mn-cs"/>
+              </a:defRPr>
+            </a:lvl5pPr>
+            <a:lvl6pPr marL="2514600" indent="-228600" algn="l" defTabSz="457200" rtl="0" eaLnBrk="1" latinLnBrk="0" hangingPunct="1">
+              <a:spcBef>
+                <a:spcPct val="20000"/>
+              </a:spcBef>
+              <a:buFont typeface="Arial" panose="020B0604020202090204"/>
+              <a:buChar char="•"/>
+              <a:defRPr sz="2000" kern="1200">
+                <a:solidFill>
+                  <a:schemeClr val="tx1"/>
+                </a:solidFill>
+                <a:latin typeface="+mn-lt"/>
+                <a:ea typeface="+mn-ea"/>
+                <a:cs typeface="+mn-cs"/>
+              </a:defRPr>
+            </a:lvl6pPr>
+            <a:lvl7pPr marL="2971800" indent="-228600" algn="l" defTabSz="457200" rtl="0" eaLnBrk="1" latinLnBrk="0" hangingPunct="1">
+              <a:spcBef>
+                <a:spcPct val="20000"/>
+              </a:spcBef>
+              <a:buFont typeface="Arial" panose="020B0604020202090204"/>
+              <a:buChar char="•"/>
+              <a:defRPr sz="2000" kern="1200">
+                <a:solidFill>
+                  <a:schemeClr val="tx1"/>
+                </a:solidFill>
+                <a:latin typeface="+mn-lt"/>
+                <a:ea typeface="+mn-ea"/>
+                <a:cs typeface="+mn-cs"/>
+              </a:defRPr>
+            </a:lvl7pPr>
+            <a:lvl8pPr marL="3429000" indent="-228600" algn="l" defTabSz="457200" rtl="0" eaLnBrk="1" latinLnBrk="0" hangingPunct="1">
+              <a:spcBef>
+                <a:spcPct val="20000"/>
+              </a:spcBef>
+              <a:buFont typeface="Arial" panose="020B0604020202090204"/>
+              <a:buChar char="•"/>
+              <a:defRPr sz="2000" kern="1200">
+                <a:solidFill>
+                  <a:schemeClr val="tx1"/>
+                </a:solidFill>
+                <a:latin typeface="+mn-lt"/>
+                <a:ea typeface="+mn-ea"/>
+                <a:cs typeface="+mn-cs"/>
+              </a:defRPr>
+            </a:lvl8pPr>
+            <a:lvl9pPr marL="3886200" indent="-228600" algn="l" defTabSz="457200" rtl="0" eaLnBrk="1" latinLnBrk="0" hangingPunct="1">
+              <a:spcBef>
+                <a:spcPct val="20000"/>
+              </a:spcBef>
+              <a:buFont typeface="Arial" panose="020B0604020202090204"/>
+              <a:buChar char="•"/>
+              <a:defRPr sz="2000" kern="1200">
+                <a:solidFill>
+                  <a:schemeClr val="tx1"/>
+                </a:solidFill>
+                <a:latin typeface="+mn-lt"/>
+                <a:ea typeface="+mn-ea"/>
+                <a:cs typeface="+mn-cs"/>
+              </a:defRPr>
+            </a:lvl9pPr>
+          </a:lstStyle>
+          <a:p>
+            <a:pPr marL="342900" marR="0" lvl="0" indent="-342900" algn="l" defTabSz="457200" rtl="0" eaLnBrk="1" fontAlgn="auto" latinLnBrk="0" hangingPunct="1">
+              <a:lnSpc>
+                <a:spcPct val="130000"/>
+              </a:lnSpc>
+              <a:spcBef>
+                <a:spcPct val="20000"/>
+              </a:spcBef>
+              <a:spcAft>
+                <a:spcPts val="0"/>
+              </a:spcAft>
+              <a:buClrTx/>
+              <a:buSzTx/>
+              <a:buFont typeface="Wingdings" panose="05000000000000000000" pitchFamily="2" charset="2"/>
+              <a:buChar char="l"/>
+              <a:defRPr/>
+            </a:pPr>
+            <a:endParaRPr kumimoji="0" lang="en-US" altLang="zh-CN" sz="1800" b="0" i="0" u="none" strike="noStrike" kern="1200" cap="none" spc="0" normalizeH="0" baseline="0" noProof="0" dirty="0">
+              <a:ln>
+                <a:noFill/>
+              </a:ln>
+              <a:solidFill>
+                <a:prstClr val="black"/>
+              </a:solidFill>
+              <a:effectLst/>
+              <a:uLnTx/>
+              <a:uFillTx/>
+              <a:latin typeface="Calibri"/>
+              <a:ea typeface="微软雅黑" charset="-122"/>
+              <a:cs typeface="+mn-cs"/>
+            </a:endParaRPr>
+          </a:p>
+          <a:p>
+            <a:pPr marL="0" marR="0" lvl="0" indent="0" algn="l" defTabSz="457200" rtl="0" eaLnBrk="1" fontAlgn="auto" latinLnBrk="0" hangingPunct="1">
+              <a:lnSpc>
+                <a:spcPct val="130000"/>
+              </a:lnSpc>
+              <a:spcBef>
+                <a:spcPct val="20000"/>
+              </a:spcBef>
+              <a:spcAft>
+                <a:spcPts val="0"/>
+              </a:spcAft>
+              <a:buClrTx/>
+              <a:buSzTx/>
+              <a:buFont typeface="Arial" panose="020B0604020202090204"/>
+              <a:buNone/>
+              <a:defRPr/>
+            </a:pPr>
+            <a:endParaRPr kumimoji="0" lang="en-US" altLang="zh-CN" sz="1800" b="1" i="0" u="none" strike="noStrike" kern="1200" cap="none" spc="0" normalizeH="0" baseline="0" noProof="0" dirty="0">
+              <a:ln>
+                <a:noFill/>
+              </a:ln>
+              <a:solidFill>
+                <a:prstClr val="black"/>
+              </a:solidFill>
+              <a:effectLst/>
+              <a:uLnTx/>
+              <a:uFillTx/>
+              <a:latin typeface="Calibri"/>
+              <a:ea typeface="微软雅黑" charset="-122"/>
+              <a:cs typeface="+mn-cs"/>
+            </a:endParaRPr>
+          </a:p>
+          <a:p>
+            <a:pPr marL="0" marR="0" lvl="0" indent="0" algn="l" defTabSz="457200" rtl="0" eaLnBrk="1" fontAlgn="auto" latinLnBrk="0" hangingPunct="1">
+              <a:lnSpc>
+                <a:spcPct val="130000"/>
+              </a:lnSpc>
+              <a:spcBef>
+                <a:spcPct val="20000"/>
+              </a:spcBef>
+              <a:spcAft>
+                <a:spcPts val="0"/>
+              </a:spcAft>
+              <a:buClrTx/>
+              <a:buSzTx/>
+              <a:buFont typeface="Arial" panose="020B0604020202090204"/>
+              <a:buNone/>
+              <a:defRPr/>
+            </a:pPr>
+            <a:endParaRPr kumimoji="0" lang="en-US" altLang="zh-CN" sz="1800" b="1" i="0" u="none" strike="noStrike" kern="1200" cap="none" spc="0" normalizeH="0" baseline="0" noProof="0" dirty="0">
+              <a:ln>
+                <a:noFill/>
+              </a:ln>
+              <a:solidFill>
+                <a:prstClr val="black"/>
+              </a:solidFill>
+              <a:effectLst/>
+              <a:uLnTx/>
+              <a:uFillTx/>
+              <a:latin typeface="Calibri"/>
+              <a:ea typeface="微软雅黑" charset="-122"/>
+              <a:cs typeface="+mn-cs"/>
+            </a:endParaRPr>
+          </a:p>
+        </p:txBody>
+      </p:sp>
+      <p:sp>
+        <p:nvSpPr>
+          <p:cNvPr id="8" name="文本框 7">
+            <a:extLst>
+              <a:ext uri="{FF2B5EF4-FFF2-40B4-BE49-F238E27FC236}">
+                <a16:creationId xmlns:a16="http://schemas.microsoft.com/office/drawing/2014/main" id="{96F6CF16-84D7-C54F-844E-69DEB4DC399D}"/>
+              </a:ext>
+            </a:extLst>
+          </p:cNvPr>
+          <p:cNvSpPr txBox="1"/>
+          <p:nvPr/>
+        </p:nvSpPr>
+        <p:spPr>
+          <a:xfrm>
+            <a:off x="917448" y="2710662"/>
+            <a:ext cx="2525050" cy="1436675"/>
+          </a:xfrm>
+          <a:prstGeom prst="rect">
+            <a:avLst/>
+          </a:prstGeom>
+          <a:noFill/>
+        </p:spPr>
+        <p:txBody>
+          <a:bodyPr wrap="none" rtlCol="0">
+            <a:spAutoFit/>
+          </a:bodyPr>
+          <a:lstStyle/>
+          <a:p>
+            <a:pPr marL="285750" indent="-285750">
+              <a:lnSpc>
+                <a:spcPct val="150000"/>
+              </a:lnSpc>
+              <a:buFont typeface="Arial" panose="020B0604020202020204" pitchFamily="34" charset="0"/>
+              <a:buChar char="•"/>
+            </a:pPr>
+            <a:r>
+              <a:rPr kumimoji="1" lang="zh-Hans" altLang="en-US" sz="2000" dirty="0">
+                <a:latin typeface="PingFang SC" panose="020B0400000000000000" pitchFamily="34" charset="-122"/>
+                <a:ea typeface="PingFang SC" panose="020B0400000000000000" pitchFamily="34" charset="-122"/>
+              </a:rPr>
+              <a:t>老的页面还需维护</a:t>
+            </a:r>
+            <a:endParaRPr kumimoji="1" lang="en-US" altLang="zh-Hans" sz="2000" dirty="0">
+              <a:latin typeface="PingFang SC" panose="020B0400000000000000" pitchFamily="34" charset="-122"/>
+              <a:ea typeface="PingFang SC" panose="020B0400000000000000" pitchFamily="34" charset="-122"/>
+            </a:endParaRPr>
+          </a:p>
+          <a:p>
+            <a:pPr marL="285750" indent="-285750">
+              <a:lnSpc>
+                <a:spcPct val="150000"/>
+              </a:lnSpc>
+              <a:buFont typeface="Arial" panose="020B0604020202020204" pitchFamily="34" charset="0"/>
+              <a:buChar char="•"/>
+            </a:pPr>
+            <a:r>
+              <a:rPr kumimoji="1" lang="zh-Hans" altLang="en-US" sz="2000" dirty="0">
+                <a:latin typeface="PingFang SC" panose="020B0400000000000000" pitchFamily="34" charset="-122"/>
+                <a:ea typeface="PingFang SC" panose="020B0400000000000000" pitchFamily="34" charset="-122"/>
+              </a:rPr>
+              <a:t>地图业务没有木星</a:t>
+            </a:r>
+            <a:endParaRPr kumimoji="1" lang="en-US" altLang="zh-Hans" sz="2000" dirty="0">
+              <a:latin typeface="PingFang SC" panose="020B0400000000000000" pitchFamily="34" charset="-122"/>
+              <a:ea typeface="PingFang SC" panose="020B0400000000000000" pitchFamily="34" charset="-122"/>
+            </a:endParaRPr>
+          </a:p>
+          <a:p>
+            <a:pPr marL="285750" indent="-285750">
+              <a:lnSpc>
+                <a:spcPct val="150000"/>
+              </a:lnSpc>
+              <a:buFont typeface="Arial" panose="020B0604020202020204" pitchFamily="34" charset="0"/>
+              <a:buChar char="•"/>
+            </a:pPr>
+            <a:r>
+              <a:rPr kumimoji="1" lang="zh-Hans" altLang="en-US" sz="2000" dirty="0">
+                <a:latin typeface="PingFang SC" panose="020B0400000000000000" pitchFamily="34" charset="-122"/>
+                <a:ea typeface="PingFang SC" panose="020B0400000000000000" pitchFamily="34" charset="-122"/>
+              </a:rPr>
+              <a:t>包大小增加</a:t>
+            </a:r>
+            <a:endParaRPr kumimoji="1" lang="en-US" altLang="zh-Hans" sz="2000" dirty="0">
+              <a:latin typeface="PingFang SC" panose="020B0400000000000000" pitchFamily="34" charset="-122"/>
+              <a:ea typeface="PingFang SC" panose="020B0400000000000000" pitchFamily="34" charset="-122"/>
+            </a:endParaRPr>
+          </a:p>
+        </p:txBody>
+      </p:sp>
+      <p:sp>
+        <p:nvSpPr>
+          <p:cNvPr id="3" name="右箭头 2">
+            <a:extLst>
+              <a:ext uri="{FF2B5EF4-FFF2-40B4-BE49-F238E27FC236}">
+                <a16:creationId xmlns:a16="http://schemas.microsoft.com/office/drawing/2014/main" id="{D592667E-450A-0740-B017-DF0B4D865E50}"/>
+              </a:ext>
+            </a:extLst>
+          </p:cNvPr>
+          <p:cNvSpPr/>
+          <p:nvPr/>
+        </p:nvSpPr>
+        <p:spPr>
+          <a:xfrm>
+            <a:off x="3870742" y="3186683"/>
+            <a:ext cx="978408" cy="484632"/>
+          </a:xfrm>
+          <a:prstGeom prst="rightArrow">
+            <a:avLst/>
+          </a:prstGeom>
+        </p:spPr>
+        <p:style>
+          <a:lnRef idx="1">
+            <a:schemeClr val="accent1"/>
+          </a:lnRef>
+          <a:fillRef idx="3">
+            <a:schemeClr val="accent1"/>
+          </a:fillRef>
+          <a:effectRef idx="2">
+            <a:schemeClr val="accent1"/>
+          </a:effectRef>
+          <a:fontRef idx="minor">
+            <a:schemeClr val="lt1"/>
+          </a:fontRef>
+        </p:style>
+        <p:txBody>
+          <a:bodyPr rtlCol="0" anchor="ctr"/>
+          <a:lstStyle/>
+          <a:p>
+            <a:pPr algn="ctr"/>
+            <a:endParaRPr kumimoji="1" lang="zh-CN" altLang="en-US"/>
+          </a:p>
+        </p:txBody>
+      </p:sp>
+      <p:sp>
+        <p:nvSpPr>
+          <p:cNvPr id="10" name="文本框 9">
+            <a:extLst>
+              <a:ext uri="{FF2B5EF4-FFF2-40B4-BE49-F238E27FC236}">
+                <a16:creationId xmlns:a16="http://schemas.microsoft.com/office/drawing/2014/main" id="{3D62006E-2BC0-B74A-8F31-EA06F0CDF11F}"/>
+              </a:ext>
+            </a:extLst>
+          </p:cNvPr>
+          <p:cNvSpPr txBox="1"/>
+          <p:nvPr/>
+        </p:nvSpPr>
+        <p:spPr>
+          <a:xfrm>
+            <a:off x="5277394" y="2652916"/>
+            <a:ext cx="2531462" cy="1436675"/>
+          </a:xfrm>
+          <a:prstGeom prst="rect">
+            <a:avLst/>
+          </a:prstGeom>
+          <a:noFill/>
+        </p:spPr>
+        <p:txBody>
+          <a:bodyPr wrap="none" rtlCol="0">
+            <a:spAutoFit/>
+          </a:bodyPr>
+          <a:lstStyle/>
+          <a:p>
+            <a:pPr marL="285750" indent="-285750">
+              <a:lnSpc>
+                <a:spcPct val="150000"/>
+              </a:lnSpc>
+              <a:buFont typeface="Arial" panose="020B0604020202020204" pitchFamily="34" charset="0"/>
+              <a:buChar char="•"/>
+            </a:pPr>
+            <a:r>
+              <a:rPr kumimoji="1" lang="zh-Hans" altLang="en-US" sz="2000" dirty="0">
+                <a:solidFill>
+                  <a:srgbClr val="FF0000"/>
+                </a:solidFill>
+                <a:latin typeface="PingFang SC" panose="020B0400000000000000" pitchFamily="34" charset="-122"/>
+                <a:ea typeface="PingFang SC" panose="020B0400000000000000" pitchFamily="34" charset="-122"/>
+              </a:rPr>
+              <a:t>逐步下线老的页面</a:t>
+            </a:r>
+            <a:endParaRPr kumimoji="1" lang="en-US" altLang="zh-Hans" sz="2000" dirty="0">
+              <a:solidFill>
+                <a:srgbClr val="FF0000"/>
+              </a:solidFill>
+              <a:latin typeface="PingFang SC" panose="020B0400000000000000" pitchFamily="34" charset="-122"/>
+              <a:ea typeface="PingFang SC" panose="020B0400000000000000" pitchFamily="34" charset="-122"/>
+            </a:endParaRPr>
+          </a:p>
+          <a:p>
+            <a:pPr marL="285750" indent="-285750">
+              <a:lnSpc>
+                <a:spcPct val="150000"/>
+              </a:lnSpc>
+              <a:buFont typeface="Arial" panose="020B0604020202020204" pitchFamily="34" charset="0"/>
+              <a:buChar char="•"/>
+            </a:pPr>
+            <a:r>
+              <a:rPr kumimoji="1" lang="zh-Hans" altLang="en-US" sz="2000" dirty="0">
+                <a:solidFill>
+                  <a:srgbClr val="FF0000"/>
+                </a:solidFill>
+                <a:latin typeface="PingFang SC" panose="020B0400000000000000" pitchFamily="34" charset="-122"/>
+                <a:ea typeface="PingFang SC" panose="020B0400000000000000" pitchFamily="34" charset="-122"/>
+              </a:rPr>
+              <a:t>统一地图</a:t>
+            </a:r>
+            <a:r>
+              <a:rPr kumimoji="1" lang="en-US" altLang="zh-Hans" sz="2000" dirty="0">
+                <a:solidFill>
+                  <a:srgbClr val="FF0000"/>
+                </a:solidFill>
+                <a:latin typeface="PingFang SC" panose="020B0400000000000000" pitchFamily="34" charset="-122"/>
+                <a:ea typeface="PingFang SC" panose="020B0400000000000000" pitchFamily="34" charset="-122"/>
+              </a:rPr>
+              <a:t>SDK</a:t>
+            </a:r>
+          </a:p>
+          <a:p>
+            <a:pPr marL="285750" indent="-285750">
+              <a:lnSpc>
+                <a:spcPct val="150000"/>
+              </a:lnSpc>
+              <a:buFont typeface="Arial" panose="020B0604020202020204" pitchFamily="34" charset="0"/>
+              <a:buChar char="•"/>
+            </a:pPr>
+            <a:r>
+              <a:rPr kumimoji="1" lang="zh-Hans" altLang="en-US" sz="2000" dirty="0">
+                <a:solidFill>
+                  <a:srgbClr val="FF0000"/>
+                </a:solidFill>
+                <a:latin typeface="PingFang SC" panose="020B0400000000000000" pitchFamily="34" charset="-122"/>
+                <a:ea typeface="PingFang SC" panose="020B0400000000000000" pitchFamily="34" charset="-122"/>
+              </a:rPr>
+              <a:t>瘦包</a:t>
+            </a:r>
+            <a:endParaRPr kumimoji="1" lang="en-US" altLang="zh-Hans" sz="2000" dirty="0">
+              <a:solidFill>
+                <a:srgbClr val="FF0000"/>
+              </a:solidFill>
+              <a:latin typeface="PingFang SC" panose="020B0400000000000000" pitchFamily="34" charset="-122"/>
+              <a:ea typeface="PingFang SC" panose="020B0400000000000000" pitchFamily="34" charset="-122"/>
+            </a:endParaRPr>
+          </a:p>
+        </p:txBody>
+      </p:sp>
+    </p:spTree>
+    <p:custDataLst>
+      <p:tags r:id="rId1"/>
+    </p:custDataLst>
+    <p:extLst>
+      <p:ext uri="{BB962C8B-B14F-4D97-AF65-F5344CB8AC3E}">
+        <p14:creationId xmlns:p14="http://schemas.microsoft.com/office/powerpoint/2010/main" val="844072337"/>
+      </p:ext>
+    </p:extLst>
+  </p:cSld>
+  <p:clrMapOvr>
+    <a:masterClrMapping/>
+  </p:clrMapOvr>
+</p:sld>
+</file>
+
+<file path=ppt/slides/slide22.xml><?xml version="1.0" encoding="utf-8"?>
 <p:sld xmlns:a="http://schemas.openxmlformats.org/drawingml/2006/main" xmlns:r="http://schemas.openxmlformats.org/officeDocument/2006/relationships" xmlns:p="http://schemas.openxmlformats.org/presentationml/2006/main">
   <p:cSld>
     <p:spTree>
@@ -15022,230 +19404,6 @@
 </p:sld>
 </file>
 
-<file path=ppt/slides/slide2.xml><?xml version="1.0" encoding="utf-8"?>
-<p:sld xmlns:a="http://schemas.openxmlformats.org/drawingml/2006/main" xmlns:r="http://schemas.openxmlformats.org/officeDocument/2006/relationships" xmlns:p="http://schemas.openxmlformats.org/presentationml/2006/main">
-  <p:cSld>
-    <p:spTree>
-      <p:nvGrpSpPr>
-        <p:cNvPr id="1" name=""/>
-        <p:cNvGrpSpPr/>
-        <p:nvPr/>
-      </p:nvGrpSpPr>
-      <p:grpSpPr>
-        <a:xfrm>
-          <a:off x="0" y="0"/>
-          <a:ext cx="0" cy="0"/>
-          <a:chOff x="0" y="0"/>
-          <a:chExt cx="0" cy="0"/>
-        </a:xfrm>
-      </p:grpSpPr>
-      <p:sp>
-        <p:nvSpPr>
-          <p:cNvPr id="3" name="文本框 2">
-            <a:extLst>
-              <a:ext uri="{FF2B5EF4-FFF2-40B4-BE49-F238E27FC236}">
-                <a16:creationId xmlns:a16="http://schemas.microsoft.com/office/drawing/2014/main" id="{47FBD873-BC55-E940-B8D5-0905E0D83223}"/>
-              </a:ext>
-            </a:extLst>
-          </p:cNvPr>
-          <p:cNvSpPr txBox="1"/>
-          <p:nvPr/>
-        </p:nvSpPr>
-        <p:spPr>
-          <a:xfrm>
-            <a:off x="971550" y="2921168"/>
-            <a:ext cx="1630136" cy="923330"/>
-          </a:xfrm>
-          <a:prstGeom prst="rect">
-            <a:avLst/>
-          </a:prstGeom>
-          <a:noFill/>
-        </p:spPr>
-        <p:txBody>
-          <a:bodyPr wrap="square" lIns="0" tIns="0" rIns="0" bIns="0" rtlCol="0">
-            <a:spAutoFit/>
-          </a:bodyPr>
-          <a:lstStyle/>
-          <a:p>
-            <a:r>
-              <a:rPr kumimoji="1" lang="zh-CN" altLang="en-US" sz="6000" b="1" dirty="0">
-                <a:solidFill>
-                  <a:schemeClr val="bg1"/>
-                </a:solidFill>
-                <a:latin typeface="PingFang SC" panose="020B0400000000000000" pitchFamily="34" charset="-122"/>
-                <a:ea typeface="PingFang SC" panose="020B0400000000000000" pitchFamily="34" charset="-122"/>
-              </a:rPr>
-              <a:t>目录</a:t>
-            </a:r>
-          </a:p>
-        </p:txBody>
-      </p:sp>
-      <p:sp>
-        <p:nvSpPr>
-          <p:cNvPr id="4" name="文本框 3">
-            <a:extLst>
-              <a:ext uri="{FF2B5EF4-FFF2-40B4-BE49-F238E27FC236}">
-                <a16:creationId xmlns:a16="http://schemas.microsoft.com/office/drawing/2014/main" id="{C604689F-24E1-1342-A79F-04A6ED55B05B}"/>
-              </a:ext>
-            </a:extLst>
-          </p:cNvPr>
-          <p:cNvSpPr txBox="1"/>
-          <p:nvPr/>
-        </p:nvSpPr>
-        <p:spPr>
-          <a:xfrm>
-            <a:off x="3178401" y="1066800"/>
-            <a:ext cx="4207883" cy="4289508"/>
-          </a:xfrm>
-          <a:prstGeom prst="rect">
-            <a:avLst/>
-          </a:prstGeom>
-          <a:noFill/>
-        </p:spPr>
-        <p:txBody>
-          <a:bodyPr wrap="none" lIns="0" tIns="0" rIns="0" bIns="0" rtlCol="0">
-            <a:spAutoFit/>
-          </a:bodyPr>
-          <a:lstStyle/>
-          <a:p>
-            <a:pPr marL="285750" indent="-285750">
-              <a:lnSpc>
-                <a:spcPct val="200000"/>
-              </a:lnSpc>
-              <a:buFont typeface="Arial" panose="020B0604020202020204" pitchFamily="34" charset="0"/>
-              <a:buChar char="•"/>
-            </a:pPr>
-            <a:r>
-              <a:rPr kumimoji="1" lang="zh-Hans" altLang="en-US" sz="3600" dirty="0">
-                <a:solidFill>
-                  <a:schemeClr val="bg1"/>
-                </a:solidFill>
-                <a:latin typeface="PingFang SC" panose="020B0400000000000000" pitchFamily="34" charset="-122"/>
-                <a:ea typeface="PingFang SC" panose="020B0400000000000000" pitchFamily="34" charset="-122"/>
-              </a:rPr>
-              <a:t>木星计划 </a:t>
-            </a:r>
-            <a:r>
-              <a:rPr kumimoji="1" lang="en-US" altLang="zh-Hans" sz="3600" dirty="0">
-                <a:solidFill>
-                  <a:schemeClr val="bg1"/>
-                </a:solidFill>
-                <a:latin typeface="PingFang SC" panose="020B0400000000000000" pitchFamily="34" charset="-122"/>
-                <a:ea typeface="PingFang SC" panose="020B0400000000000000" pitchFamily="34" charset="-122"/>
-              </a:rPr>
-              <a:t>–</a:t>
-            </a:r>
-            <a:r>
-              <a:rPr kumimoji="1" lang="zh-Hans" altLang="en-US" sz="3600" dirty="0">
-                <a:solidFill>
-                  <a:schemeClr val="bg1"/>
-                </a:solidFill>
-                <a:latin typeface="PingFang SC" panose="020B0400000000000000" pitchFamily="34" charset="-122"/>
-                <a:ea typeface="PingFang SC" panose="020B0400000000000000" pitchFamily="34" charset="-122"/>
-              </a:rPr>
-              <a:t> 二手房</a:t>
-            </a:r>
-            <a:endParaRPr kumimoji="1" lang="en-US" altLang="zh-CN" sz="3600" dirty="0">
-              <a:solidFill>
-                <a:schemeClr val="bg1"/>
-              </a:solidFill>
-              <a:latin typeface="PingFang SC" panose="020B0400000000000000" pitchFamily="34" charset="-122"/>
-              <a:ea typeface="PingFang SC" panose="020B0400000000000000" pitchFamily="34" charset="-122"/>
-            </a:endParaRPr>
-          </a:p>
-          <a:p>
-            <a:pPr marL="285750" indent="-285750">
-              <a:lnSpc>
-                <a:spcPct val="200000"/>
-              </a:lnSpc>
-              <a:buFont typeface="Arial" panose="020B0604020202020204" pitchFamily="34" charset="0"/>
-              <a:buChar char="•"/>
-            </a:pPr>
-            <a:r>
-              <a:rPr kumimoji="1" lang="zh-Hans" altLang="en-US" sz="3600" dirty="0">
-                <a:solidFill>
-                  <a:schemeClr val="bg1"/>
-                </a:solidFill>
-                <a:latin typeface="PingFang SC" panose="020B0400000000000000" pitchFamily="34" charset="-122"/>
-                <a:ea typeface="PingFang SC" panose="020B0400000000000000" pitchFamily="34" charset="-122"/>
-              </a:rPr>
-              <a:t>暗黑模式适配</a:t>
-            </a:r>
-            <a:endParaRPr kumimoji="1" lang="en-US" altLang="zh-CN" sz="3600" dirty="0">
-              <a:solidFill>
-                <a:schemeClr val="bg1"/>
-              </a:solidFill>
-              <a:latin typeface="PingFang SC" panose="020B0400000000000000" pitchFamily="34" charset="-122"/>
-              <a:ea typeface="PingFang SC" panose="020B0400000000000000" pitchFamily="34" charset="-122"/>
-            </a:endParaRPr>
-          </a:p>
-          <a:p>
-            <a:pPr marL="285750" indent="-285750">
-              <a:lnSpc>
-                <a:spcPct val="200000"/>
-              </a:lnSpc>
-              <a:buFont typeface="Arial" panose="020B0604020202020204" pitchFamily="34" charset="0"/>
-              <a:buChar char="•"/>
-            </a:pPr>
-            <a:r>
-              <a:rPr kumimoji="1" lang="zh-Hans" altLang="en-US" sz="3600" dirty="0">
-                <a:solidFill>
-                  <a:schemeClr val="bg1"/>
-                </a:solidFill>
-                <a:latin typeface="PingFang SC" panose="020B0400000000000000" pitchFamily="34" charset="-122"/>
-                <a:ea typeface="PingFang SC" panose="020B0400000000000000" pitchFamily="34" charset="-122"/>
-              </a:rPr>
-              <a:t>提效</a:t>
-            </a:r>
-            <a:endParaRPr kumimoji="1" lang="en-US" altLang="zh-CN" sz="3600" dirty="0">
-              <a:solidFill>
-                <a:schemeClr val="bg1"/>
-              </a:solidFill>
-              <a:latin typeface="PingFang SC" panose="020B0400000000000000" pitchFamily="34" charset="-122"/>
-              <a:ea typeface="PingFang SC" panose="020B0400000000000000" pitchFamily="34" charset="-122"/>
-            </a:endParaRPr>
-          </a:p>
-          <a:p>
-            <a:pPr marL="285750" indent="-285750">
-              <a:lnSpc>
-                <a:spcPct val="200000"/>
-              </a:lnSpc>
-              <a:buFont typeface="Arial" panose="020B0604020202020204" pitchFamily="34" charset="0"/>
-              <a:buChar char="•"/>
-            </a:pPr>
-            <a:r>
-              <a:rPr kumimoji="1" lang="zh-CN" altLang="en-US" sz="3600" dirty="0">
-                <a:solidFill>
-                  <a:schemeClr val="bg1"/>
-                </a:solidFill>
-                <a:latin typeface="PingFang SC" panose="020B0400000000000000" pitchFamily="34" charset="-122"/>
-                <a:ea typeface="PingFang SC" panose="020B0400000000000000" pitchFamily="34" charset="-122"/>
-              </a:rPr>
-              <a:t>总结</a:t>
-            </a:r>
-            <a:endParaRPr kumimoji="1" lang="en-US" altLang="zh-CN" sz="3600" dirty="0">
-              <a:solidFill>
-                <a:schemeClr val="bg1"/>
-              </a:solidFill>
-              <a:latin typeface="PingFang SC" panose="020B0400000000000000" pitchFamily="34" charset="-122"/>
-              <a:ea typeface="PingFang SC" panose="020B0400000000000000" pitchFamily="34" charset="-122"/>
-            </a:endParaRPr>
-          </a:p>
-        </p:txBody>
-      </p:sp>
-    </p:spTree>
-    <p:extLst>
-      <p:ext uri="{BB962C8B-B14F-4D97-AF65-F5344CB8AC3E}">
-        <p14:creationId xmlns:p14="http://schemas.microsoft.com/office/powerpoint/2010/main" val="197551775"/>
-      </p:ext>
-    </p:extLst>
-  </p:cSld>
-  <p:clrMapOvr>
-    <a:masterClrMapping/>
-  </p:clrMapOvr>
-</p:sld>
-</file>
-
 <file path=ppt/slides/slide3.xml><?xml version="1.0" encoding="utf-8"?>
 <p:sld xmlns:a="http://schemas.openxmlformats.org/drawingml/2006/main" xmlns:r="http://schemas.openxmlformats.org/officeDocument/2006/relationships" xmlns:p="http://schemas.openxmlformats.org/presentationml/2006/main">
   <p:cSld>
@@ -22216,6 +26374,30 @@
 </file>
 
 <file path=ppt/tags/tag14.xml><?xml version="1.0" encoding="utf-8"?>
+<p:tagLst xmlns:a="http://schemas.openxmlformats.org/drawingml/2006/main" xmlns:r="http://schemas.openxmlformats.org/officeDocument/2006/relationships" xmlns:p="http://schemas.openxmlformats.org/presentationml/2006/main">
+  <p:tag name="TIMING" val="|3.1|1"/>
+</p:tagLst>
+</file>
+
+<file path=ppt/tags/tag15.xml><?xml version="1.0" encoding="utf-8"?>
+<p:tagLst xmlns:a="http://schemas.openxmlformats.org/drawingml/2006/main" xmlns:r="http://schemas.openxmlformats.org/officeDocument/2006/relationships" xmlns:p="http://schemas.openxmlformats.org/presentationml/2006/main">
+  <p:tag name="TIMING" val="|3.1|1"/>
+</p:tagLst>
+</file>
+
+<file path=ppt/tags/tag16.xml><?xml version="1.0" encoding="utf-8"?>
+<p:tagLst xmlns:a="http://schemas.openxmlformats.org/drawingml/2006/main" xmlns:r="http://schemas.openxmlformats.org/officeDocument/2006/relationships" xmlns:p="http://schemas.openxmlformats.org/presentationml/2006/main">
+  <p:tag name="TIMING" val="|3.1|1"/>
+</p:tagLst>
+</file>
+
+<file path=ppt/tags/tag17.xml><?xml version="1.0" encoding="utf-8"?>
+<p:tagLst xmlns:a="http://schemas.openxmlformats.org/drawingml/2006/main" xmlns:r="http://schemas.openxmlformats.org/officeDocument/2006/relationships" xmlns:p="http://schemas.openxmlformats.org/presentationml/2006/main">
+  <p:tag name="TIMING" val="|3.1|1"/>
+</p:tagLst>
+</file>
+
+<file path=ppt/tags/tag18.xml><?xml version="1.0" encoding="utf-8"?>
 <p:tagLst xmlns:a="http://schemas.openxmlformats.org/drawingml/2006/main" xmlns:r="http://schemas.openxmlformats.org/officeDocument/2006/relationships" xmlns:p="http://schemas.openxmlformats.org/presentationml/2006/main">
   <p:tag name="TIMING" val="|3.1|1"/>
 </p:tagLst>

--- a/documents/钱杰_2019年度总结述职报告.pptx
+++ b/documents/钱杰_2019年度总结述职报告.pptx
@@ -5,7 +5,7 @@
     <p:sldMasterId id="2147483648" r:id="rId1"/>
   </p:sldMasterIdLst>
   <p:notesMasterIdLst>
-    <p:notesMasterId r:id="rId24"/>
+    <p:notesMasterId r:id="rId31"/>
   </p:notesMasterIdLst>
   <p:sldIdLst>
     <p:sldId id="378" r:id="rId2"/>
@@ -29,7 +29,14 @@
     <p:sldId id="522" r:id="rId20"/>
     <p:sldId id="523" r:id="rId21"/>
     <p:sldId id="524" r:id="rId22"/>
-    <p:sldId id="263" r:id="rId23"/>
+    <p:sldId id="525" r:id="rId23"/>
+    <p:sldId id="526" r:id="rId24"/>
+    <p:sldId id="529" r:id="rId25"/>
+    <p:sldId id="527" r:id="rId26"/>
+    <p:sldId id="528" r:id="rId27"/>
+    <p:sldId id="530" r:id="rId28"/>
+    <p:sldId id="531" r:id="rId29"/>
+    <p:sldId id="263" r:id="rId30"/>
   </p:sldIdLst>
   <p:sldSz cx="9144000" cy="6858000" type="screen4x3"/>
   <p:notesSz cx="6858000" cy="9144000"/>
@@ -2162,7 +2169,7 @@
             </a:r>
             <a:r>
               <a:rPr lang="zh-Hans" altLang="en-US" dirty="0"/>
-              <a:t> 的结果，保留好的方案，删除差的方案 </a:t>
+              <a:t> 的结果，保留好的方案，删除差的方案对应的业务代码</a:t>
             </a:r>
             <a:endParaRPr lang="en-US" altLang="zh-Hans" dirty="0"/>
           </a:p>
@@ -2365,6 +2372,981 @@
     <p:extLst>
       <p:ext uri="{BB962C8B-B14F-4D97-AF65-F5344CB8AC3E}">
         <p14:creationId xmlns:p14="http://schemas.microsoft.com/office/powerpoint/2010/main" val="3839427674"/>
+      </p:ext>
+    </p:extLst>
+  </p:cSld>
+  <p:clrMapOvr>
+    <a:masterClrMapping/>
+  </p:clrMapOvr>
+</p:notes>
+</file>
+
+<file path=ppt/notesSlides/notesSlide20.xml><?xml version="1.0" encoding="utf-8"?>
+<p:notes xmlns:a="http://schemas.openxmlformats.org/drawingml/2006/main" xmlns:r="http://schemas.openxmlformats.org/officeDocument/2006/relationships" xmlns:p="http://schemas.openxmlformats.org/presentationml/2006/main">
+  <p:cSld>
+    <p:spTree>
+      <p:nvGrpSpPr>
+        <p:cNvPr id="1" name=""/>
+        <p:cNvGrpSpPr/>
+        <p:nvPr/>
+      </p:nvGrpSpPr>
+      <p:grpSpPr>
+        <a:xfrm>
+          <a:off x="0" y="0"/>
+          <a:ext cx="0" cy="0"/>
+          <a:chOff x="0" y="0"/>
+          <a:chExt cx="0" cy="0"/>
+        </a:xfrm>
+      </p:grpSpPr>
+      <p:sp>
+        <p:nvSpPr>
+          <p:cNvPr id="2" name="幻灯片图像占位符 1"/>
+          <p:cNvSpPr>
+            <a:spLocks noGrp="1" noRot="1" noChangeAspect="1"/>
+          </p:cNvSpPr>
+          <p:nvPr>
+            <p:ph type="sldImg"/>
+          </p:nvPr>
+        </p:nvSpPr>
+        <p:spPr/>
+      </p:sp>
+      <p:sp>
+        <p:nvSpPr>
+          <p:cNvPr id="3" name="备注占位符 2"/>
+          <p:cNvSpPr>
+            <a:spLocks noGrp="1"/>
+          </p:cNvSpPr>
+          <p:nvPr>
+            <p:ph type="body" idx="1"/>
+          </p:nvPr>
+        </p:nvSpPr>
+        <p:spPr/>
+        <p:txBody>
+          <a:bodyPr>
+            <a:normAutofit/>
+          </a:bodyPr>
+          <a:lstStyle/>
+          <a:p>
+            <a:r>
+              <a:rPr lang="zh-Hans" altLang="en-US" dirty="0"/>
+              <a:t>安居客</a:t>
+            </a:r>
+            <a:r>
+              <a:rPr lang="en-US" altLang="zh-Hans" dirty="0"/>
+              <a:t>iOS</a:t>
+            </a:r>
+            <a:r>
+              <a:rPr lang="zh-Hans" altLang="en-US" dirty="0"/>
+              <a:t>项目使用 </a:t>
+            </a:r>
+            <a:r>
+              <a:rPr lang="en-US" altLang="zh-Hans" dirty="0" err="1"/>
+              <a:t>Cocoapods</a:t>
+            </a:r>
+            <a:r>
+              <a:rPr lang="zh-Hans" altLang="en-US" dirty="0"/>
+              <a:t> 来管理项目依赖，</a:t>
+            </a:r>
+            <a:endParaRPr lang="en-US" altLang="zh-Hans" dirty="0"/>
+          </a:p>
+          <a:p>
+            <a:r>
+              <a:rPr lang="zh-Hans" altLang="en-US" dirty="0"/>
+              <a:t>木星计划之后，更加细化的拆分，同时也引入了很多</a:t>
+            </a:r>
+            <a:r>
+              <a:rPr lang="en-US" altLang="zh-Hans" dirty="0"/>
+              <a:t>58</a:t>
+            </a:r>
+            <a:r>
+              <a:rPr lang="zh-Hans" altLang="en-US" dirty="0"/>
+              <a:t>无线提供的基础组件，整个项目更新变得很慢</a:t>
+            </a:r>
+            <a:endParaRPr lang="en-US" altLang="zh-Hans" dirty="0"/>
+          </a:p>
+          <a:p>
+            <a:endParaRPr lang="en-US" altLang="zh-Hans" dirty="0"/>
+          </a:p>
+          <a:p>
+            <a:r>
+              <a:rPr lang="en-US" altLang="zh-Hans" dirty="0"/>
+              <a:t>Pod</a:t>
+            </a:r>
+            <a:r>
+              <a:rPr lang="zh-Hans" altLang="en-US" dirty="0"/>
+              <a:t> </a:t>
+            </a:r>
+            <a:r>
+              <a:rPr lang="en-US" altLang="zh-Hans" dirty="0"/>
+              <a:t>Update</a:t>
+            </a:r>
+            <a:r>
+              <a:rPr lang="zh-Hans" altLang="en-US" dirty="0"/>
+              <a:t> 一次需要</a:t>
+            </a:r>
+            <a:r>
+              <a:rPr lang="en-US" altLang="zh-Hans" dirty="0"/>
+              <a:t>20</a:t>
+            </a:r>
+            <a:r>
+              <a:rPr lang="zh-Hans" altLang="en-US" dirty="0"/>
+              <a:t>到</a:t>
+            </a:r>
+            <a:r>
+              <a:rPr lang="en-US" altLang="zh-Hans" dirty="0"/>
+              <a:t>30</a:t>
+            </a:r>
+            <a:r>
+              <a:rPr lang="zh-Hans" altLang="en-US" dirty="0"/>
+              <a:t>分钟左右，因为需要从 </a:t>
+            </a:r>
+            <a:r>
+              <a:rPr lang="en-US" altLang="zh-Hans" dirty="0" err="1"/>
+              <a:t>igit</a:t>
+            </a:r>
+            <a:r>
+              <a:rPr lang="zh-Hans" altLang="en-US" dirty="0"/>
+              <a:t> 克隆 </a:t>
+            </a:r>
+            <a:r>
+              <a:rPr lang="en-US" altLang="zh-Hans" dirty="0"/>
+              <a:t>20</a:t>
+            </a:r>
+            <a:r>
+              <a:rPr lang="zh-Hans" altLang="en-US" dirty="0"/>
+              <a:t> 多个</a:t>
+            </a:r>
+            <a:r>
+              <a:rPr lang="en-US" altLang="zh-Hans" dirty="0"/>
+              <a:t>pod</a:t>
+            </a:r>
+            <a:r>
+              <a:rPr lang="zh-Hans" altLang="en-US" dirty="0"/>
+              <a:t>，所以非常耗时</a:t>
+            </a:r>
+            <a:endParaRPr lang="en-US" altLang="zh-Hans" dirty="0"/>
+          </a:p>
+          <a:p>
+            <a:endParaRPr lang="en-US" altLang="zh-Hans" dirty="0"/>
+          </a:p>
+          <a:p>
+            <a:r>
+              <a:rPr lang="zh-Hans" altLang="en-US" dirty="0"/>
+              <a:t>每做一个需求，都会涉及多个</a:t>
+            </a:r>
+            <a:r>
+              <a:rPr lang="en-US" altLang="zh-Hans" dirty="0"/>
+              <a:t>Pod</a:t>
+            </a:r>
+            <a:r>
+              <a:rPr lang="zh-Hans" altLang="en-US" dirty="0"/>
+              <a:t>的修改，修改完之后，会将每个</a:t>
+            </a:r>
+            <a:r>
+              <a:rPr lang="en-US" altLang="zh-Hans" dirty="0"/>
+              <a:t>Pod</a:t>
+            </a:r>
+            <a:r>
+              <a:rPr lang="zh-Hans" altLang="en-US" dirty="0"/>
+              <a:t>都提交到</a:t>
+            </a:r>
+            <a:r>
+              <a:rPr lang="en-US" altLang="zh-Hans" dirty="0" err="1"/>
+              <a:t>igit</a:t>
+            </a:r>
+            <a:r>
+              <a:rPr lang="zh-Hans" altLang="en-US" dirty="0"/>
+              <a:t>上面， 然后去</a:t>
+            </a:r>
+            <a:r>
+              <a:rPr lang="en-US" altLang="zh-Hans" dirty="0" err="1"/>
+              <a:t>igit</a:t>
+            </a:r>
+            <a:r>
+              <a:rPr lang="zh-Hans" altLang="en-US" dirty="0"/>
+              <a:t>网页提交</a:t>
+            </a:r>
+            <a:r>
+              <a:rPr lang="en-US" altLang="zh-Hans" dirty="0"/>
+              <a:t>Merge</a:t>
+            </a:r>
+            <a:r>
+              <a:rPr lang="zh-Hans" altLang="en-US" dirty="0"/>
+              <a:t> </a:t>
+            </a:r>
+            <a:r>
+              <a:rPr lang="en-US" altLang="zh-Hans" dirty="0"/>
+              <a:t>Request</a:t>
+            </a:r>
+          </a:p>
+          <a:p>
+            <a:r>
+              <a:rPr lang="zh-Hans" altLang="en-US" dirty="0"/>
+              <a:t>这一过程也非常耗时</a:t>
+            </a:r>
+            <a:endParaRPr lang="en-US" altLang="zh-Hans" dirty="0"/>
+          </a:p>
+        </p:txBody>
+      </p:sp>
+      <p:sp>
+        <p:nvSpPr>
+          <p:cNvPr id="4" name="灯片编号占位符 3"/>
+          <p:cNvSpPr>
+            <a:spLocks noGrp="1"/>
+          </p:cNvSpPr>
+          <p:nvPr>
+            <p:ph type="sldNum" sz="quarter" idx="10"/>
+          </p:nvPr>
+        </p:nvSpPr>
+        <p:spPr/>
+        <p:txBody>
+          <a:bodyPr/>
+          <a:lstStyle/>
+          <a:p>
+            <a:pPr marL="0" marR="0" lvl="0" indent="0" algn="r" defTabSz="457200" rtl="0" eaLnBrk="1" fontAlgn="auto" latinLnBrk="0" hangingPunct="1">
+              <a:lnSpc>
+                <a:spcPct val="100000"/>
+              </a:lnSpc>
+              <a:spcBef>
+                <a:spcPts val="0"/>
+              </a:spcBef>
+              <a:spcAft>
+                <a:spcPts val="0"/>
+              </a:spcAft>
+              <a:buClrTx/>
+              <a:buSzTx/>
+              <a:buFontTx/>
+              <a:buNone/>
+              <a:defRPr/>
+            </a:pPr>
+            <a:fld id="{72FBEE64-AAEC-4EB7-B0C9-7DD16C667FD9}" type="slidenum">
+              <a:rPr kumimoji="0" lang="zh-CN" altLang="en-US" sz="1200" b="0" i="0" u="none" strike="noStrike" kern="1200" cap="none" spc="0" normalizeH="0" baseline="0" noProof="0" smtClean="0">
+                <a:ln>
+                  <a:noFill/>
+                </a:ln>
+                <a:solidFill>
+                  <a:prstClr val="black"/>
+                </a:solidFill>
+                <a:effectLst/>
+                <a:uLnTx/>
+                <a:uFillTx/>
+                <a:latin typeface="Calibri"/>
+                <a:ea typeface="宋体" charset="-122"/>
+                <a:cs typeface="+mn-cs"/>
+              </a:rPr>
+              <a:t>23</a:t>
+            </a:fld>
+            <a:endParaRPr kumimoji="0" lang="zh-CN" altLang="en-US" sz="1200" b="0" i="0" u="none" strike="noStrike" kern="1200" cap="none" spc="0" normalizeH="0" baseline="0" noProof="0">
+              <a:ln>
+                <a:noFill/>
+              </a:ln>
+              <a:solidFill>
+                <a:prstClr val="black"/>
+              </a:solidFill>
+              <a:effectLst/>
+              <a:uLnTx/>
+              <a:uFillTx/>
+              <a:latin typeface="Calibri"/>
+              <a:ea typeface="宋体" charset="-122"/>
+              <a:cs typeface="+mn-cs"/>
+            </a:endParaRPr>
+          </a:p>
+        </p:txBody>
+      </p:sp>
+    </p:spTree>
+    <p:extLst>
+      <p:ext uri="{BB962C8B-B14F-4D97-AF65-F5344CB8AC3E}">
+        <p14:creationId xmlns:p14="http://schemas.microsoft.com/office/powerpoint/2010/main" val="2672229195"/>
+      </p:ext>
+    </p:extLst>
+  </p:cSld>
+  <p:clrMapOvr>
+    <a:masterClrMapping/>
+  </p:clrMapOvr>
+</p:notes>
+</file>
+
+<file path=ppt/notesSlides/notesSlide21.xml><?xml version="1.0" encoding="utf-8"?>
+<p:notes xmlns:a="http://schemas.openxmlformats.org/drawingml/2006/main" xmlns:r="http://schemas.openxmlformats.org/officeDocument/2006/relationships" xmlns:p="http://schemas.openxmlformats.org/presentationml/2006/main">
+  <p:cSld>
+    <p:spTree>
+      <p:nvGrpSpPr>
+        <p:cNvPr id="1" name=""/>
+        <p:cNvGrpSpPr/>
+        <p:nvPr/>
+      </p:nvGrpSpPr>
+      <p:grpSpPr>
+        <a:xfrm>
+          <a:off x="0" y="0"/>
+          <a:ext cx="0" cy="0"/>
+          <a:chOff x="0" y="0"/>
+          <a:chExt cx="0" cy="0"/>
+        </a:xfrm>
+      </p:grpSpPr>
+      <p:sp>
+        <p:nvSpPr>
+          <p:cNvPr id="2" name="幻灯片图像占位符 1"/>
+          <p:cNvSpPr>
+            <a:spLocks noGrp="1" noRot="1" noChangeAspect="1"/>
+          </p:cNvSpPr>
+          <p:nvPr>
+            <p:ph type="sldImg"/>
+          </p:nvPr>
+        </p:nvSpPr>
+        <p:spPr/>
+      </p:sp>
+      <p:sp>
+        <p:nvSpPr>
+          <p:cNvPr id="3" name="备注占位符 2"/>
+          <p:cNvSpPr>
+            <a:spLocks noGrp="1"/>
+          </p:cNvSpPr>
+          <p:nvPr>
+            <p:ph type="body" idx="1"/>
+          </p:nvPr>
+        </p:nvSpPr>
+        <p:spPr/>
+        <p:txBody>
+          <a:bodyPr>
+            <a:normAutofit/>
+          </a:bodyPr>
+          <a:lstStyle/>
+          <a:p>
+            <a:r>
+              <a:rPr lang="zh-Hans" altLang="en-US" dirty="0"/>
+              <a:t>为了减少更新代码的耗时，</a:t>
+            </a:r>
+            <a:endParaRPr lang="en-US" altLang="zh-Hans" dirty="0"/>
+          </a:p>
+          <a:p>
+            <a:endParaRPr lang="en-US" altLang="zh-Hans" dirty="0"/>
+          </a:p>
+          <a:p>
+            <a:r>
+              <a:rPr lang="en-US" altLang="zh-Hans" dirty="0"/>
+              <a:t>1</a:t>
+            </a:r>
+            <a:r>
+              <a:rPr lang="zh-Hans" altLang="en-US" dirty="0"/>
+              <a:t>、将远程</a:t>
+            </a:r>
+            <a:r>
+              <a:rPr lang="en-US" altLang="zh-Hans" dirty="0"/>
+              <a:t>Pod</a:t>
+            </a:r>
+            <a:r>
+              <a:rPr lang="zh-Hans" altLang="en-US" dirty="0"/>
+              <a:t> 克隆到本地</a:t>
+            </a:r>
+            <a:endParaRPr lang="en-US" altLang="zh-Hans" dirty="0"/>
+          </a:p>
+          <a:p>
+            <a:endParaRPr lang="en-US" altLang="zh-Hans" dirty="0"/>
+          </a:p>
+          <a:p>
+            <a:r>
+              <a:rPr lang="en-US" altLang="zh-Hans" dirty="0"/>
+              <a:t>2</a:t>
+            </a:r>
+            <a:r>
+              <a:rPr lang="zh-Hans" altLang="en-US" dirty="0"/>
+              <a:t>、将项目依赖从远端切换到本地依赖</a:t>
+            </a:r>
+            <a:endParaRPr lang="en-US" altLang="zh-Hans" dirty="0"/>
+          </a:p>
+          <a:p>
+            <a:endParaRPr lang="en-US" altLang="zh-Hans" dirty="0"/>
+          </a:p>
+          <a:p>
+            <a:r>
+              <a:rPr lang="zh-Hans" altLang="en-US" dirty="0"/>
+              <a:t>为了管理本地</a:t>
+            </a:r>
+            <a:r>
+              <a:rPr lang="en-US" altLang="zh-Hans" dirty="0"/>
+              <a:t>Pod</a:t>
+            </a:r>
+            <a:r>
+              <a:rPr lang="zh-Hans" altLang="en-US" dirty="0"/>
+              <a:t>，</a:t>
+            </a:r>
+            <a:endParaRPr lang="en-US" altLang="zh-Hans" dirty="0"/>
+          </a:p>
+          <a:p>
+            <a:r>
+              <a:rPr lang="zh-Hans" altLang="en-US" dirty="0"/>
+              <a:t>需要提供批量更新、切分支、提交</a:t>
+            </a:r>
+            <a:r>
+              <a:rPr lang="en-US" altLang="zh-Hans" dirty="0"/>
+              <a:t>Merge</a:t>
+            </a:r>
+            <a:r>
+              <a:rPr lang="zh-Hans" altLang="en-US" dirty="0"/>
+              <a:t> </a:t>
+            </a:r>
+            <a:r>
+              <a:rPr lang="en-US" altLang="zh-Hans" dirty="0"/>
+              <a:t>Request</a:t>
+            </a:r>
+            <a:r>
+              <a:rPr lang="zh-Hans" altLang="en-US" dirty="0"/>
+              <a:t>的工具</a:t>
+            </a:r>
+            <a:endParaRPr lang="en-US" altLang="zh-Hans" dirty="0"/>
+          </a:p>
+        </p:txBody>
+      </p:sp>
+      <p:sp>
+        <p:nvSpPr>
+          <p:cNvPr id="4" name="灯片编号占位符 3"/>
+          <p:cNvSpPr>
+            <a:spLocks noGrp="1"/>
+          </p:cNvSpPr>
+          <p:nvPr>
+            <p:ph type="sldNum" sz="quarter" idx="10"/>
+          </p:nvPr>
+        </p:nvSpPr>
+        <p:spPr/>
+        <p:txBody>
+          <a:bodyPr/>
+          <a:lstStyle/>
+          <a:p>
+            <a:pPr marL="0" marR="0" lvl="0" indent="0" algn="r" defTabSz="457200" rtl="0" eaLnBrk="1" fontAlgn="auto" latinLnBrk="0" hangingPunct="1">
+              <a:lnSpc>
+                <a:spcPct val="100000"/>
+              </a:lnSpc>
+              <a:spcBef>
+                <a:spcPts val="0"/>
+              </a:spcBef>
+              <a:spcAft>
+                <a:spcPts val="0"/>
+              </a:spcAft>
+              <a:buClrTx/>
+              <a:buSzTx/>
+              <a:buFontTx/>
+              <a:buNone/>
+              <a:defRPr/>
+            </a:pPr>
+            <a:fld id="{72FBEE64-AAEC-4EB7-B0C9-7DD16C667FD9}" type="slidenum">
+              <a:rPr kumimoji="0" lang="zh-CN" altLang="en-US" sz="1200" b="0" i="0" u="none" strike="noStrike" kern="1200" cap="none" spc="0" normalizeH="0" baseline="0" noProof="0" smtClean="0">
+                <a:ln>
+                  <a:noFill/>
+                </a:ln>
+                <a:solidFill>
+                  <a:prstClr val="black"/>
+                </a:solidFill>
+                <a:effectLst/>
+                <a:uLnTx/>
+                <a:uFillTx/>
+                <a:latin typeface="Calibri"/>
+                <a:ea typeface="宋体" charset="-122"/>
+                <a:cs typeface="+mn-cs"/>
+              </a:rPr>
+              <a:t>24</a:t>
+            </a:fld>
+            <a:endParaRPr kumimoji="0" lang="zh-CN" altLang="en-US" sz="1200" b="0" i="0" u="none" strike="noStrike" kern="1200" cap="none" spc="0" normalizeH="0" baseline="0" noProof="0">
+              <a:ln>
+                <a:noFill/>
+              </a:ln>
+              <a:solidFill>
+                <a:prstClr val="black"/>
+              </a:solidFill>
+              <a:effectLst/>
+              <a:uLnTx/>
+              <a:uFillTx/>
+              <a:latin typeface="Calibri"/>
+              <a:ea typeface="宋体" charset="-122"/>
+              <a:cs typeface="+mn-cs"/>
+            </a:endParaRPr>
+          </a:p>
+        </p:txBody>
+      </p:sp>
+    </p:spTree>
+    <p:extLst>
+      <p:ext uri="{BB962C8B-B14F-4D97-AF65-F5344CB8AC3E}">
+        <p14:creationId xmlns:p14="http://schemas.microsoft.com/office/powerpoint/2010/main" val="700447779"/>
+      </p:ext>
+    </p:extLst>
+  </p:cSld>
+  <p:clrMapOvr>
+    <a:masterClrMapping/>
+  </p:clrMapOvr>
+</p:notes>
+</file>
+
+<file path=ppt/notesSlides/notesSlide22.xml><?xml version="1.0" encoding="utf-8"?>
+<p:notes xmlns:a="http://schemas.openxmlformats.org/drawingml/2006/main" xmlns:r="http://schemas.openxmlformats.org/officeDocument/2006/relationships" xmlns:p="http://schemas.openxmlformats.org/presentationml/2006/main">
+  <p:cSld>
+    <p:spTree>
+      <p:nvGrpSpPr>
+        <p:cNvPr id="1" name=""/>
+        <p:cNvGrpSpPr/>
+        <p:nvPr/>
+      </p:nvGrpSpPr>
+      <p:grpSpPr>
+        <a:xfrm>
+          <a:off x="0" y="0"/>
+          <a:ext cx="0" cy="0"/>
+          <a:chOff x="0" y="0"/>
+          <a:chExt cx="0" cy="0"/>
+        </a:xfrm>
+      </p:grpSpPr>
+      <p:sp>
+        <p:nvSpPr>
+          <p:cNvPr id="2" name="幻灯片图像占位符 1"/>
+          <p:cNvSpPr>
+            <a:spLocks noGrp="1" noRot="1" noChangeAspect="1"/>
+          </p:cNvSpPr>
+          <p:nvPr>
+            <p:ph type="sldImg"/>
+          </p:nvPr>
+        </p:nvSpPr>
+        <p:spPr/>
+      </p:sp>
+      <p:sp>
+        <p:nvSpPr>
+          <p:cNvPr id="3" name="备注占位符 2"/>
+          <p:cNvSpPr>
+            <a:spLocks noGrp="1"/>
+          </p:cNvSpPr>
+          <p:nvPr>
+            <p:ph type="body" idx="1"/>
+          </p:nvPr>
+        </p:nvSpPr>
+        <p:spPr/>
+        <p:txBody>
+          <a:bodyPr>
+            <a:normAutofit/>
+          </a:bodyPr>
+          <a:lstStyle/>
+          <a:p>
+            <a:r>
+              <a:rPr lang="zh-Hans" altLang="en-US" dirty="0"/>
+              <a:t>使用 </a:t>
+            </a:r>
+            <a:r>
+              <a:rPr lang="en-US" altLang="zh-Hans" dirty="0"/>
+              <a:t>pod</a:t>
+            </a:r>
+            <a:r>
+              <a:rPr lang="zh-Hans" altLang="en-US" dirty="0"/>
+              <a:t> </a:t>
+            </a:r>
+            <a:r>
+              <a:rPr lang="en-US" altLang="zh-Hans" dirty="0"/>
+              <a:t>link</a:t>
+            </a:r>
+            <a:r>
+              <a:rPr lang="zh-Hans" altLang="en-US" dirty="0"/>
+              <a:t> 工具将项目依赖从远程切到本地</a:t>
+            </a:r>
+            <a:endParaRPr lang="en-US" altLang="zh-Hans" dirty="0"/>
+          </a:p>
+          <a:p>
+            <a:endParaRPr lang="en-US" altLang="zh-Hans" dirty="0"/>
+          </a:p>
+          <a:p>
+            <a:r>
+              <a:rPr lang="en-US" altLang="zh-Hans" dirty="0"/>
+              <a:t>Repo</a:t>
+            </a:r>
+            <a:r>
+              <a:rPr lang="zh-Hans" altLang="en-US" dirty="0"/>
+              <a:t> </a:t>
+            </a:r>
+            <a:r>
+              <a:rPr lang="en-US" altLang="zh-Hans" dirty="0" err="1"/>
+              <a:t>Util</a:t>
+            </a:r>
+            <a:r>
+              <a:rPr lang="zh-Hans" altLang="en-US" dirty="0"/>
+              <a:t> 提供批量管理本地</a:t>
+            </a:r>
+            <a:r>
+              <a:rPr lang="en-US" altLang="zh-Hans" dirty="0"/>
+              <a:t>Pod</a:t>
+            </a:r>
+            <a:r>
+              <a:rPr lang="zh-Hans" altLang="en-US" dirty="0"/>
+              <a:t>的功能</a:t>
+            </a:r>
+            <a:endParaRPr lang="en-US" altLang="zh-Hans" dirty="0"/>
+          </a:p>
+          <a:p>
+            <a:endParaRPr lang="en-US" altLang="zh-Hans" dirty="0"/>
+          </a:p>
+          <a:p>
+            <a:r>
+              <a:rPr lang="zh-Hans" altLang="en-US" dirty="0"/>
+              <a:t>可以批量更新、切分支、提交</a:t>
+            </a:r>
+            <a:r>
+              <a:rPr lang="en-US" altLang="zh-Hans" dirty="0"/>
+              <a:t>Merge</a:t>
+            </a:r>
+            <a:r>
+              <a:rPr lang="zh-Hans" altLang="en-US" dirty="0"/>
+              <a:t> </a:t>
+            </a:r>
+            <a:r>
+              <a:rPr lang="en-US" altLang="zh-Hans" dirty="0"/>
+              <a:t>Request</a:t>
+            </a:r>
+          </a:p>
+        </p:txBody>
+      </p:sp>
+      <p:sp>
+        <p:nvSpPr>
+          <p:cNvPr id="4" name="灯片编号占位符 3"/>
+          <p:cNvSpPr>
+            <a:spLocks noGrp="1"/>
+          </p:cNvSpPr>
+          <p:nvPr>
+            <p:ph type="sldNum" sz="quarter" idx="10"/>
+          </p:nvPr>
+        </p:nvSpPr>
+        <p:spPr/>
+        <p:txBody>
+          <a:bodyPr/>
+          <a:lstStyle/>
+          <a:p>
+            <a:pPr marL="0" marR="0" lvl="0" indent="0" algn="r" defTabSz="457200" rtl="0" eaLnBrk="1" fontAlgn="auto" latinLnBrk="0" hangingPunct="1">
+              <a:lnSpc>
+                <a:spcPct val="100000"/>
+              </a:lnSpc>
+              <a:spcBef>
+                <a:spcPts val="0"/>
+              </a:spcBef>
+              <a:spcAft>
+                <a:spcPts val="0"/>
+              </a:spcAft>
+              <a:buClrTx/>
+              <a:buSzTx/>
+              <a:buFontTx/>
+              <a:buNone/>
+              <a:defRPr/>
+            </a:pPr>
+            <a:fld id="{72FBEE64-AAEC-4EB7-B0C9-7DD16C667FD9}" type="slidenum">
+              <a:rPr kumimoji="0" lang="zh-CN" altLang="en-US" sz="1200" b="0" i="0" u="none" strike="noStrike" kern="1200" cap="none" spc="0" normalizeH="0" baseline="0" noProof="0" smtClean="0">
+                <a:ln>
+                  <a:noFill/>
+                </a:ln>
+                <a:solidFill>
+                  <a:prstClr val="black"/>
+                </a:solidFill>
+                <a:effectLst/>
+                <a:uLnTx/>
+                <a:uFillTx/>
+                <a:latin typeface="Calibri"/>
+                <a:ea typeface="宋体" charset="-122"/>
+                <a:cs typeface="+mn-cs"/>
+              </a:rPr>
+              <a:t>25</a:t>
+            </a:fld>
+            <a:endParaRPr kumimoji="0" lang="zh-CN" altLang="en-US" sz="1200" b="0" i="0" u="none" strike="noStrike" kern="1200" cap="none" spc="0" normalizeH="0" baseline="0" noProof="0">
+              <a:ln>
+                <a:noFill/>
+              </a:ln>
+              <a:solidFill>
+                <a:prstClr val="black"/>
+              </a:solidFill>
+              <a:effectLst/>
+              <a:uLnTx/>
+              <a:uFillTx/>
+              <a:latin typeface="Calibri"/>
+              <a:ea typeface="宋体" charset="-122"/>
+              <a:cs typeface="+mn-cs"/>
+            </a:endParaRPr>
+          </a:p>
+        </p:txBody>
+      </p:sp>
+    </p:spTree>
+    <p:extLst>
+      <p:ext uri="{BB962C8B-B14F-4D97-AF65-F5344CB8AC3E}">
+        <p14:creationId xmlns:p14="http://schemas.microsoft.com/office/powerpoint/2010/main" val="4113397694"/>
+      </p:ext>
+    </p:extLst>
+  </p:cSld>
+  <p:clrMapOvr>
+    <a:masterClrMapping/>
+  </p:clrMapOvr>
+</p:notes>
+</file>
+
+<file path=ppt/notesSlides/notesSlide23.xml><?xml version="1.0" encoding="utf-8"?>
+<p:notes xmlns:a="http://schemas.openxmlformats.org/drawingml/2006/main" xmlns:r="http://schemas.openxmlformats.org/officeDocument/2006/relationships" xmlns:p="http://schemas.openxmlformats.org/presentationml/2006/main">
+  <p:cSld>
+    <p:spTree>
+      <p:nvGrpSpPr>
+        <p:cNvPr id="1" name=""/>
+        <p:cNvGrpSpPr/>
+        <p:nvPr/>
+      </p:nvGrpSpPr>
+      <p:grpSpPr>
+        <a:xfrm>
+          <a:off x="0" y="0"/>
+          <a:ext cx="0" cy="0"/>
+          <a:chOff x="0" y="0"/>
+          <a:chExt cx="0" cy="0"/>
+        </a:xfrm>
+      </p:grpSpPr>
+      <p:sp>
+        <p:nvSpPr>
+          <p:cNvPr id="2" name="幻灯片图像占位符 1"/>
+          <p:cNvSpPr>
+            <a:spLocks noGrp="1" noRot="1" noChangeAspect="1"/>
+          </p:cNvSpPr>
+          <p:nvPr>
+            <p:ph type="sldImg"/>
+          </p:nvPr>
+        </p:nvSpPr>
+        <p:spPr/>
+      </p:sp>
+      <p:sp>
+        <p:nvSpPr>
+          <p:cNvPr id="3" name="备注占位符 2"/>
+          <p:cNvSpPr>
+            <a:spLocks noGrp="1"/>
+          </p:cNvSpPr>
+          <p:nvPr>
+            <p:ph type="body" idx="1"/>
+          </p:nvPr>
+        </p:nvSpPr>
+        <p:spPr/>
+        <p:txBody>
+          <a:bodyPr>
+            <a:normAutofit/>
+          </a:bodyPr>
+          <a:lstStyle/>
+          <a:p>
+            <a:r>
+              <a:rPr lang="zh-Hans" altLang="en-US" dirty="0"/>
+              <a:t>为了减少更新代码的耗时，引入了 </a:t>
+            </a:r>
+            <a:r>
+              <a:rPr lang="en-US" altLang="zh-Hans" dirty="0" err="1"/>
+              <a:t>Podlink</a:t>
+            </a:r>
+            <a:r>
+              <a:rPr lang="zh-Hans" altLang="en-US" dirty="0"/>
+              <a:t> 工具， </a:t>
+            </a:r>
+            <a:endParaRPr lang="en-US" altLang="zh-Hans" dirty="0"/>
+          </a:p>
+          <a:p>
+            <a:endParaRPr lang="en-US" altLang="zh-Hans" dirty="0"/>
+          </a:p>
+          <a:p>
+            <a:r>
+              <a:rPr lang="en-US" altLang="zh-Hans" dirty="0" err="1"/>
+              <a:t>Podlink</a:t>
+            </a:r>
+            <a:r>
+              <a:rPr lang="zh-Hans" altLang="en-US" dirty="0"/>
+              <a:t> 可以将远程依赖关系映射到本地</a:t>
+            </a:r>
+            <a:endParaRPr lang="en-US" altLang="zh-Hans" dirty="0"/>
+          </a:p>
+        </p:txBody>
+      </p:sp>
+      <p:sp>
+        <p:nvSpPr>
+          <p:cNvPr id="4" name="灯片编号占位符 3"/>
+          <p:cNvSpPr>
+            <a:spLocks noGrp="1"/>
+          </p:cNvSpPr>
+          <p:nvPr>
+            <p:ph type="sldNum" sz="quarter" idx="10"/>
+          </p:nvPr>
+        </p:nvSpPr>
+        <p:spPr/>
+        <p:txBody>
+          <a:bodyPr/>
+          <a:lstStyle/>
+          <a:p>
+            <a:pPr marL="0" marR="0" lvl="0" indent="0" algn="r" defTabSz="457200" rtl="0" eaLnBrk="1" fontAlgn="auto" latinLnBrk="0" hangingPunct="1">
+              <a:lnSpc>
+                <a:spcPct val="100000"/>
+              </a:lnSpc>
+              <a:spcBef>
+                <a:spcPts val="0"/>
+              </a:spcBef>
+              <a:spcAft>
+                <a:spcPts val="0"/>
+              </a:spcAft>
+              <a:buClrTx/>
+              <a:buSzTx/>
+              <a:buFontTx/>
+              <a:buNone/>
+              <a:defRPr/>
+            </a:pPr>
+            <a:fld id="{72FBEE64-AAEC-4EB7-B0C9-7DD16C667FD9}" type="slidenum">
+              <a:rPr kumimoji="0" lang="zh-CN" altLang="en-US" sz="1200" b="0" i="0" u="none" strike="noStrike" kern="1200" cap="none" spc="0" normalizeH="0" baseline="0" noProof="0" smtClean="0">
+                <a:ln>
+                  <a:noFill/>
+                </a:ln>
+                <a:solidFill>
+                  <a:prstClr val="black"/>
+                </a:solidFill>
+                <a:effectLst/>
+                <a:uLnTx/>
+                <a:uFillTx/>
+                <a:latin typeface="Calibri"/>
+                <a:ea typeface="宋体" charset="-122"/>
+                <a:cs typeface="+mn-cs"/>
+              </a:rPr>
+              <a:t>26</a:t>
+            </a:fld>
+            <a:endParaRPr kumimoji="0" lang="zh-CN" altLang="en-US" sz="1200" b="0" i="0" u="none" strike="noStrike" kern="1200" cap="none" spc="0" normalizeH="0" baseline="0" noProof="0">
+              <a:ln>
+                <a:noFill/>
+              </a:ln>
+              <a:solidFill>
+                <a:prstClr val="black"/>
+              </a:solidFill>
+              <a:effectLst/>
+              <a:uLnTx/>
+              <a:uFillTx/>
+              <a:latin typeface="Calibri"/>
+              <a:ea typeface="宋体" charset="-122"/>
+              <a:cs typeface="+mn-cs"/>
+            </a:endParaRPr>
+          </a:p>
+        </p:txBody>
+      </p:sp>
+    </p:spTree>
+    <p:extLst>
+      <p:ext uri="{BB962C8B-B14F-4D97-AF65-F5344CB8AC3E}">
+        <p14:creationId xmlns:p14="http://schemas.microsoft.com/office/powerpoint/2010/main" val="2700861978"/>
+      </p:ext>
+    </p:extLst>
+  </p:cSld>
+  <p:clrMapOvr>
+    <a:masterClrMapping/>
+  </p:clrMapOvr>
+</p:notes>
+</file>
+
+<file path=ppt/notesSlides/notesSlide24.xml><?xml version="1.0" encoding="utf-8"?>
+<p:notes xmlns:a="http://schemas.openxmlformats.org/drawingml/2006/main" xmlns:r="http://schemas.openxmlformats.org/officeDocument/2006/relationships" xmlns:p="http://schemas.openxmlformats.org/presentationml/2006/main">
+  <p:cSld>
+    <p:spTree>
+      <p:nvGrpSpPr>
+        <p:cNvPr id="1" name=""/>
+        <p:cNvGrpSpPr/>
+        <p:nvPr/>
+      </p:nvGrpSpPr>
+      <p:grpSpPr>
+        <a:xfrm>
+          <a:off x="0" y="0"/>
+          <a:ext cx="0" cy="0"/>
+          <a:chOff x="0" y="0"/>
+          <a:chExt cx="0" cy="0"/>
+        </a:xfrm>
+      </p:grpSpPr>
+      <p:sp>
+        <p:nvSpPr>
+          <p:cNvPr id="2" name="幻灯片图像占位符 1"/>
+          <p:cNvSpPr>
+            <a:spLocks noGrp="1" noRot="1" noChangeAspect="1"/>
+          </p:cNvSpPr>
+          <p:nvPr>
+            <p:ph type="sldImg"/>
+          </p:nvPr>
+        </p:nvSpPr>
+        <p:spPr/>
+      </p:sp>
+      <p:sp>
+        <p:nvSpPr>
+          <p:cNvPr id="3" name="备注占位符 2"/>
+          <p:cNvSpPr>
+            <a:spLocks noGrp="1"/>
+          </p:cNvSpPr>
+          <p:nvPr>
+            <p:ph type="body" idx="1"/>
+          </p:nvPr>
+        </p:nvSpPr>
+        <p:spPr/>
+        <p:txBody>
+          <a:bodyPr>
+            <a:normAutofit/>
+          </a:bodyPr>
+          <a:lstStyle/>
+          <a:p>
+            <a:endParaRPr lang="en-US" altLang="zh-Hans" dirty="0"/>
+          </a:p>
+        </p:txBody>
+      </p:sp>
+      <p:sp>
+        <p:nvSpPr>
+          <p:cNvPr id="4" name="灯片编号占位符 3"/>
+          <p:cNvSpPr>
+            <a:spLocks noGrp="1"/>
+          </p:cNvSpPr>
+          <p:nvPr>
+            <p:ph type="sldNum" sz="quarter" idx="10"/>
+          </p:nvPr>
+        </p:nvSpPr>
+        <p:spPr/>
+        <p:txBody>
+          <a:bodyPr/>
+          <a:lstStyle/>
+          <a:p>
+            <a:pPr marL="0" marR="0" lvl="0" indent="0" algn="r" defTabSz="457200" rtl="0" eaLnBrk="1" fontAlgn="auto" latinLnBrk="0" hangingPunct="1">
+              <a:lnSpc>
+                <a:spcPct val="100000"/>
+              </a:lnSpc>
+              <a:spcBef>
+                <a:spcPts val="0"/>
+              </a:spcBef>
+              <a:spcAft>
+                <a:spcPts val="0"/>
+              </a:spcAft>
+              <a:buClrTx/>
+              <a:buSzTx/>
+              <a:buFontTx/>
+              <a:buNone/>
+              <a:defRPr/>
+            </a:pPr>
+            <a:fld id="{72FBEE64-AAEC-4EB7-B0C9-7DD16C667FD9}" type="slidenum">
+              <a:rPr kumimoji="0" lang="zh-CN" altLang="en-US" sz="1200" b="0" i="0" u="none" strike="noStrike" kern="1200" cap="none" spc="0" normalizeH="0" baseline="0" noProof="0" smtClean="0">
+                <a:ln>
+                  <a:noFill/>
+                </a:ln>
+                <a:solidFill>
+                  <a:prstClr val="black"/>
+                </a:solidFill>
+                <a:effectLst/>
+                <a:uLnTx/>
+                <a:uFillTx/>
+                <a:latin typeface="Calibri"/>
+                <a:ea typeface="宋体" charset="-122"/>
+                <a:cs typeface="+mn-cs"/>
+              </a:rPr>
+              <a:t>28</a:t>
+            </a:fld>
+            <a:endParaRPr kumimoji="0" lang="zh-CN" altLang="en-US" sz="1200" b="0" i="0" u="none" strike="noStrike" kern="1200" cap="none" spc="0" normalizeH="0" baseline="0" noProof="0">
+              <a:ln>
+                <a:noFill/>
+              </a:ln>
+              <a:solidFill>
+                <a:prstClr val="black"/>
+              </a:solidFill>
+              <a:effectLst/>
+              <a:uLnTx/>
+              <a:uFillTx/>
+              <a:latin typeface="Calibri"/>
+              <a:ea typeface="宋体" charset="-122"/>
+              <a:cs typeface="+mn-cs"/>
+            </a:endParaRPr>
+          </a:p>
+        </p:txBody>
+      </p:sp>
+    </p:spTree>
+    <p:extLst>
+      <p:ext uri="{BB962C8B-B14F-4D97-AF65-F5344CB8AC3E}">
+        <p14:creationId xmlns:p14="http://schemas.microsoft.com/office/powerpoint/2010/main" val="2015471578"/>
       </p:ext>
     </p:extLst>
   </p:cSld>
@@ -10581,8 +11563,8 @@
         </p:nvSpPr>
         <p:spPr>
           <a:xfrm>
-            <a:off x="1712686" y="3310850"/>
-            <a:ext cx="2032818" cy="520120"/>
+            <a:off x="1712685" y="3310850"/>
+            <a:ext cx="2206171" cy="520120"/>
           </a:xfrm>
           <a:prstGeom prst="rect">
             <a:avLst/>
@@ -10815,6 +11797,66 @@
                 <a:ea typeface="PingFang SC" panose="020B0400000000000000" pitchFamily="34" charset="-122"/>
               </a:rPr>
               <a:t>IFFrameworks</a:t>
+            </a:r>
+            <a:endParaRPr kumimoji="1" lang="zh-CN" altLang="en-US" dirty="0">
+              <a:latin typeface="PingFang SC" panose="020B0400000000000000" pitchFamily="34" charset="-122"/>
+              <a:ea typeface="PingFang SC" panose="020B0400000000000000" pitchFamily="34" charset="-122"/>
+            </a:endParaRPr>
+          </a:p>
+        </p:txBody>
+      </p:sp>
+      <p:sp>
+        <p:nvSpPr>
+          <p:cNvPr id="13" name="矩形 12">
+            <a:extLst>
+              <a:ext uri="{FF2B5EF4-FFF2-40B4-BE49-F238E27FC236}">
+                <a16:creationId xmlns:a16="http://schemas.microsoft.com/office/drawing/2014/main" id="{D31CC654-2C3B-CB4D-91A2-62B2DF99A21D}"/>
+              </a:ext>
+            </a:extLst>
+          </p:cNvPr>
+          <p:cNvSpPr/>
+          <p:nvPr/>
+        </p:nvSpPr>
+        <p:spPr>
+          <a:xfrm>
+            <a:off x="4034972" y="3304616"/>
+            <a:ext cx="3265714" cy="520120"/>
+          </a:xfrm>
+          <a:prstGeom prst="rect">
+            <a:avLst/>
+          </a:prstGeom>
+          <a:solidFill>
+            <a:srgbClr val="92D050"/>
+          </a:solidFill>
+          <a:ln>
+            <a:noFill/>
+          </a:ln>
+        </p:spPr>
+        <p:style>
+          <a:lnRef idx="1">
+            <a:schemeClr val="accent1"/>
+          </a:lnRef>
+          <a:fillRef idx="3">
+            <a:schemeClr val="accent1"/>
+          </a:fillRef>
+          <a:effectRef idx="2">
+            <a:schemeClr val="accent1"/>
+          </a:effectRef>
+          <a:fontRef idx="minor">
+            <a:schemeClr val="lt1"/>
+          </a:fontRef>
+        </p:style>
+        <p:txBody>
+          <a:bodyPr rtlCol="0" anchor="ctr"/>
+          <a:lstStyle/>
+          <a:p>
+            <a:pPr algn="ctr"/>
+            <a:r>
+              <a:rPr kumimoji="1" lang="zh-Hans" altLang="en-US" dirty="0">
+                <a:latin typeface="PingFang SC" panose="020B0400000000000000" pitchFamily="34" charset="-122"/>
+                <a:ea typeface="PingFang SC" panose="020B0400000000000000" pitchFamily="34" charset="-122"/>
+              </a:rPr>
+              <a:t>微聊</a:t>
             </a:r>
             <a:endParaRPr kumimoji="1" lang="zh-CN" altLang="en-US" dirty="0">
               <a:latin typeface="PingFang SC" panose="020B0400000000000000" pitchFamily="34" charset="-122"/>
@@ -14048,7 +15090,7 @@
         <p:spPr>
           <a:xfrm>
             <a:off x="1610369" y="5370638"/>
-            <a:ext cx="6132779" cy="520120"/>
+            <a:ext cx="3118383" cy="520120"/>
           </a:xfrm>
           <a:prstGeom prst="rect">
             <a:avLst/>
@@ -14396,6 +15438,126 @@
           </a:extLst>
         </p:spPr>
       </p:pic>
+      <p:sp>
+        <p:nvSpPr>
+          <p:cNvPr id="21" name="矩形 20">
+            <a:extLst>
+              <a:ext uri="{FF2B5EF4-FFF2-40B4-BE49-F238E27FC236}">
+                <a16:creationId xmlns:a16="http://schemas.microsoft.com/office/drawing/2014/main" id="{13A55CE7-4B9C-3044-ACCB-A3C61DA1E7B2}"/>
+              </a:ext>
+            </a:extLst>
+          </p:cNvPr>
+          <p:cNvSpPr/>
+          <p:nvPr/>
+        </p:nvSpPr>
+        <p:spPr>
+          <a:xfrm>
+            <a:off x="4891544" y="5370638"/>
+            <a:ext cx="2851604" cy="520120"/>
+          </a:xfrm>
+          <a:prstGeom prst="rect">
+            <a:avLst/>
+          </a:prstGeom>
+          <a:solidFill>
+            <a:srgbClr val="0D6CBB"/>
+          </a:solidFill>
+          <a:ln>
+            <a:noFill/>
+          </a:ln>
+        </p:spPr>
+        <p:style>
+          <a:lnRef idx="1">
+            <a:schemeClr val="accent1"/>
+          </a:lnRef>
+          <a:fillRef idx="3">
+            <a:schemeClr val="accent1"/>
+          </a:fillRef>
+          <a:effectRef idx="2">
+            <a:schemeClr val="accent1"/>
+          </a:effectRef>
+          <a:fontRef idx="minor">
+            <a:schemeClr val="lt1"/>
+          </a:fontRef>
+        </p:style>
+        <p:txBody>
+          <a:bodyPr rtlCol="0" anchor="ctr"/>
+          <a:lstStyle/>
+          <a:p>
+            <a:pPr algn="ctr"/>
+            <a:r>
+              <a:rPr kumimoji="1" lang="en-US" altLang="zh-Hans" dirty="0" err="1">
+                <a:latin typeface="PingFang SC" panose="020B0400000000000000" pitchFamily="34" charset="-122"/>
+                <a:ea typeface="PingFang SC" panose="020B0400000000000000" pitchFamily="34" charset="-122"/>
+              </a:rPr>
+              <a:t>WBFrameworks</a:t>
+            </a:r>
+            <a:endParaRPr kumimoji="1" lang="zh-CN" altLang="en-US" dirty="0">
+              <a:latin typeface="PingFang SC" panose="020B0400000000000000" pitchFamily="34" charset="-122"/>
+              <a:ea typeface="PingFang SC" panose="020B0400000000000000" pitchFamily="34" charset="-122"/>
+            </a:endParaRPr>
+          </a:p>
+        </p:txBody>
+      </p:sp>
+      <p:sp>
+        <p:nvSpPr>
+          <p:cNvPr id="22" name="矩形 21">
+            <a:extLst>
+              <a:ext uri="{FF2B5EF4-FFF2-40B4-BE49-F238E27FC236}">
+                <a16:creationId xmlns:a16="http://schemas.microsoft.com/office/drawing/2014/main" id="{C441D992-49C9-894E-90DC-E2816DD6C878}"/>
+              </a:ext>
+            </a:extLst>
+          </p:cNvPr>
+          <p:cNvSpPr/>
+          <p:nvPr/>
+        </p:nvSpPr>
+        <p:spPr>
+          <a:xfrm>
+            <a:off x="1654626" y="4018169"/>
+            <a:ext cx="3044261" cy="520120"/>
+          </a:xfrm>
+          <a:prstGeom prst="rect">
+            <a:avLst/>
+          </a:prstGeom>
+          <a:solidFill>
+            <a:srgbClr val="92D050"/>
+          </a:solidFill>
+          <a:ln>
+            <a:noFill/>
+          </a:ln>
+        </p:spPr>
+        <p:style>
+          <a:lnRef idx="1">
+            <a:schemeClr val="accent1"/>
+          </a:lnRef>
+          <a:fillRef idx="3">
+            <a:schemeClr val="accent1"/>
+          </a:fillRef>
+          <a:effectRef idx="2">
+            <a:schemeClr val="accent1"/>
+          </a:effectRef>
+          <a:fontRef idx="minor">
+            <a:schemeClr val="lt1"/>
+          </a:fontRef>
+        </p:style>
+        <p:txBody>
+          <a:bodyPr rtlCol="0" anchor="ctr"/>
+          <a:lstStyle/>
+          <a:p>
+            <a:pPr algn="ctr"/>
+            <a:r>
+              <a:rPr kumimoji="1" lang="zh-Hans" altLang="en-US" dirty="0">
+                <a:latin typeface="PingFang SC" panose="020B0400000000000000" pitchFamily="34" charset="-122"/>
+                <a:ea typeface="PingFang SC" panose="020B0400000000000000" pitchFamily="34" charset="-122"/>
+              </a:rPr>
+              <a:t>微聊</a:t>
+            </a:r>
+            <a:endParaRPr kumimoji="1" lang="zh-CN" altLang="en-US" dirty="0">
+              <a:latin typeface="PingFang SC" panose="020B0400000000000000" pitchFamily="34" charset="-122"/>
+              <a:ea typeface="PingFang SC" panose="020B0400000000000000" pitchFamily="34" charset="-122"/>
+            </a:endParaRPr>
+          </a:p>
+        </p:txBody>
+      </p:sp>
     </p:spTree>
     <p:custDataLst>
       <p:tags r:id="rId1"/>
@@ -15633,6 +16795,66 @@
           </a:p>
         </p:txBody>
       </p:sp>
+      <p:sp>
+        <p:nvSpPr>
+          <p:cNvPr id="21" name="矩形 20">
+            <a:extLst>
+              <a:ext uri="{FF2B5EF4-FFF2-40B4-BE49-F238E27FC236}">
+                <a16:creationId xmlns:a16="http://schemas.microsoft.com/office/drawing/2014/main" id="{75D2DC3A-40D1-8840-9922-72D957B28971}"/>
+              </a:ext>
+            </a:extLst>
+          </p:cNvPr>
+          <p:cNvSpPr/>
+          <p:nvPr/>
+        </p:nvSpPr>
+        <p:spPr>
+          <a:xfrm>
+            <a:off x="1508769" y="3404362"/>
+            <a:ext cx="3077745" cy="520120"/>
+          </a:xfrm>
+          <a:prstGeom prst="rect">
+            <a:avLst/>
+          </a:prstGeom>
+          <a:solidFill>
+            <a:srgbClr val="92D050"/>
+          </a:solidFill>
+          <a:ln>
+            <a:noFill/>
+          </a:ln>
+        </p:spPr>
+        <p:style>
+          <a:lnRef idx="1">
+            <a:schemeClr val="accent1"/>
+          </a:lnRef>
+          <a:fillRef idx="3">
+            <a:schemeClr val="accent1"/>
+          </a:fillRef>
+          <a:effectRef idx="2">
+            <a:schemeClr val="accent1"/>
+          </a:effectRef>
+          <a:fontRef idx="minor">
+            <a:schemeClr val="lt1"/>
+          </a:fontRef>
+        </p:style>
+        <p:txBody>
+          <a:bodyPr rtlCol="0" anchor="ctr"/>
+          <a:lstStyle/>
+          <a:p>
+            <a:pPr algn="ctr"/>
+            <a:r>
+              <a:rPr kumimoji="1" lang="zh-Hans" altLang="en-US" dirty="0">
+                <a:latin typeface="PingFang SC" panose="020B0400000000000000" pitchFamily="34" charset="-122"/>
+                <a:ea typeface="PingFang SC" panose="020B0400000000000000" pitchFamily="34" charset="-122"/>
+              </a:rPr>
+              <a:t>微聊</a:t>
+            </a:r>
+            <a:endParaRPr kumimoji="1" lang="zh-CN" altLang="en-US" dirty="0">
+              <a:latin typeface="PingFang SC" panose="020B0400000000000000" pitchFamily="34" charset="-122"/>
+              <a:ea typeface="PingFang SC" panose="020B0400000000000000" pitchFamily="34" charset="-122"/>
+            </a:endParaRPr>
+          </a:p>
+        </p:txBody>
+      </p:sp>
     </p:spTree>
     <p:custDataLst>
       <p:tags r:id="rId1"/>
@@ -17638,8 +18860,8 @@
         </p:nvSpPr>
         <p:spPr>
           <a:xfrm>
-            <a:off x="3178401" y="1066800"/>
-            <a:ext cx="4207883" cy="4289508"/>
+            <a:off x="3396115" y="1589314"/>
+            <a:ext cx="4207883" cy="3181512"/>
           </a:xfrm>
           <a:prstGeom prst="rect">
             <a:avLst/>
@@ -17713,33 +18935,7 @@
                 <a:latin typeface="PingFang SC" panose="020B0400000000000000" pitchFamily="34" charset="-122"/>
                 <a:ea typeface="PingFang SC" panose="020B0400000000000000" pitchFamily="34" charset="-122"/>
               </a:rPr>
-              <a:t>暗黑模式适配</a:t>
-            </a:r>
-            <a:endParaRPr kumimoji="1" lang="en-US" altLang="zh-CN" sz="3600" dirty="0">
-              <a:solidFill>
-                <a:schemeClr val="bg1"/>
-              </a:solidFill>
-              <a:latin typeface="PingFang SC" panose="020B0400000000000000" pitchFamily="34" charset="-122"/>
-              <a:ea typeface="PingFang SC" panose="020B0400000000000000" pitchFamily="34" charset="-122"/>
-            </a:endParaRPr>
-          </a:p>
-          <a:p>
-            <a:pPr marL="285750" indent="-285750">
-              <a:lnSpc>
-                <a:spcPct val="200000"/>
-              </a:lnSpc>
-              <a:buFont typeface="Arial" panose="020B0604020202020204" pitchFamily="34" charset="0"/>
-              <a:buChar char="•"/>
-            </a:pPr>
-            <a:r>
-              <a:rPr kumimoji="1" lang="zh-Hans" altLang="en-US" sz="3600" dirty="0">
-                <a:solidFill>
-                  <a:schemeClr val="bg1"/>
-                </a:solidFill>
-                <a:latin typeface="PingFang SC" panose="020B0400000000000000" pitchFamily="34" charset="-122"/>
-                <a:ea typeface="PingFang SC" panose="020B0400000000000000" pitchFamily="34" charset="-122"/>
-              </a:rPr>
-              <a:t>提效</a:t>
+              <a:t>开发流程提效</a:t>
             </a:r>
             <a:endParaRPr kumimoji="1" lang="en-US" altLang="zh-CN" sz="3600" dirty="0">
               <a:solidFill>
@@ -18393,8 +19589,8 @@
         </p:nvSpPr>
         <p:spPr>
           <a:xfrm>
-            <a:off x="1614134" y="2538902"/>
-            <a:ext cx="2525050" cy="1436675"/>
+            <a:off x="1614134" y="2148829"/>
+            <a:ext cx="2525050" cy="1859868"/>
           </a:xfrm>
           <a:prstGeom prst="rect">
             <a:avLst/>
@@ -18409,7 +19605,7 @@
           <a:p>
             <a:pPr marL="285750" indent="-285750">
               <a:lnSpc>
-                <a:spcPct val="150000"/>
+                <a:spcPct val="200000"/>
               </a:lnSpc>
               <a:buFont typeface="Arial" panose="020B0604020202020204" pitchFamily="34" charset="0"/>
               <a:buChar char="•"/>
@@ -18429,7 +19625,7 @@
           <a:p>
             <a:pPr marL="285750" indent="-285750">
               <a:lnSpc>
-                <a:spcPct val="150000"/>
+                <a:spcPct val="200000"/>
               </a:lnSpc>
               <a:buFont typeface="Arial" panose="020B0604020202020204" pitchFamily="34" charset="0"/>
               <a:buChar char="•"/>
@@ -18449,7 +19645,7 @@
           <a:p>
             <a:pPr marL="285750" indent="-285750">
               <a:lnSpc>
-                <a:spcPct val="150000"/>
+                <a:spcPct val="200000"/>
               </a:lnSpc>
               <a:buFont typeface="Arial" panose="020B0604020202020204" pitchFamily="34" charset="0"/>
               <a:buChar char="•"/>
@@ -19327,6 +20523,5440 @@
 </file>
 
 <file path=ppt/slides/slide22.xml><?xml version="1.0" encoding="utf-8"?>
+<p:sld xmlns:a="http://schemas.openxmlformats.org/drawingml/2006/main" xmlns:r="http://schemas.openxmlformats.org/officeDocument/2006/relationships" xmlns:p="http://schemas.openxmlformats.org/presentationml/2006/main">
+  <p:cSld>
+    <p:spTree>
+      <p:nvGrpSpPr>
+        <p:cNvPr id="1" name=""/>
+        <p:cNvGrpSpPr/>
+        <p:nvPr/>
+      </p:nvGrpSpPr>
+      <p:grpSpPr>
+        <a:xfrm>
+          <a:off x="0" y="0"/>
+          <a:ext cx="0" cy="0"/>
+          <a:chOff x="0" y="0"/>
+          <a:chExt cx="0" cy="0"/>
+        </a:xfrm>
+      </p:grpSpPr>
+      <p:sp>
+        <p:nvSpPr>
+          <p:cNvPr id="4" name="文本框 3">
+            <a:extLst>
+              <a:ext uri="{FF2B5EF4-FFF2-40B4-BE49-F238E27FC236}">
+                <a16:creationId xmlns:a16="http://schemas.microsoft.com/office/drawing/2014/main" id="{35EA2C41-903F-8E48-B086-F20CEF339DEB}"/>
+              </a:ext>
+            </a:extLst>
+          </p:cNvPr>
+          <p:cNvSpPr txBox="1"/>
+          <p:nvPr/>
+        </p:nvSpPr>
+        <p:spPr>
+          <a:xfrm>
+            <a:off x="503283" y="2670442"/>
+            <a:ext cx="7208520" cy="1414547"/>
+          </a:xfrm>
+          <a:prstGeom prst="rect">
+            <a:avLst/>
+          </a:prstGeom>
+          <a:noFill/>
+          <a:ln>
+            <a:solidFill>
+              <a:schemeClr val="bg1"/>
+            </a:solidFill>
+          </a:ln>
+        </p:spPr>
+        <p:txBody>
+          <a:bodyPr wrap="square" rtlCol="0" anchor="ctr" anchorCtr="0">
+            <a:noAutofit/>
+          </a:bodyPr>
+          <a:lstStyle/>
+          <a:p>
+            <a:pPr>
+              <a:lnSpc>
+                <a:spcPct val="100000"/>
+              </a:lnSpc>
+            </a:pPr>
+            <a:r>
+              <a:rPr kumimoji="1" lang="zh-Hans" altLang="en-US" sz="4000" dirty="0">
+                <a:solidFill>
+                  <a:schemeClr val="bg1"/>
+                </a:solidFill>
+              </a:rPr>
+              <a:t> </a:t>
+            </a:r>
+            <a:r>
+              <a:rPr kumimoji="1" lang="en-US" altLang="zh-Hans" sz="4000" dirty="0">
+                <a:solidFill>
+                  <a:schemeClr val="bg1"/>
+                </a:solidFill>
+                <a:latin typeface="PingFang SC" panose="020B0400000000000000" pitchFamily="34" charset="-122"/>
+                <a:ea typeface="PingFang SC" panose="020B0400000000000000" pitchFamily="34" charset="-122"/>
+              </a:rPr>
+              <a:t>02</a:t>
+            </a:r>
+            <a:r>
+              <a:rPr kumimoji="1" lang="zh-Hans" altLang="en-US" sz="4000" dirty="0">
+                <a:solidFill>
+                  <a:schemeClr val="bg1"/>
+                </a:solidFill>
+                <a:latin typeface="PingFang SC" panose="020B0400000000000000" pitchFamily="34" charset="-122"/>
+                <a:ea typeface="PingFang SC" panose="020B0400000000000000" pitchFamily="34" charset="-122"/>
+              </a:rPr>
+              <a:t> </a:t>
+            </a:r>
+            <a:r>
+              <a:rPr kumimoji="1" lang="en-US" altLang="zh-Hans" sz="4000" dirty="0">
+                <a:solidFill>
+                  <a:schemeClr val="bg1"/>
+                </a:solidFill>
+                <a:latin typeface="PingFang SC" panose="020B0400000000000000" pitchFamily="34" charset="-122"/>
+                <a:ea typeface="PingFang SC" panose="020B0400000000000000" pitchFamily="34" charset="-122"/>
+              </a:rPr>
+              <a:t>|</a:t>
+            </a:r>
+            <a:r>
+              <a:rPr kumimoji="1" lang="zh-Hans" altLang="en-US" sz="4000" dirty="0">
+                <a:solidFill>
+                  <a:schemeClr val="bg1"/>
+                </a:solidFill>
+                <a:latin typeface="PingFang SC" panose="020B0400000000000000" pitchFamily="34" charset="-122"/>
+                <a:ea typeface="PingFang SC" panose="020B0400000000000000" pitchFamily="34" charset="-122"/>
+              </a:rPr>
+              <a:t> 开发流程提效</a:t>
+            </a:r>
+            <a:endParaRPr kumimoji="1" lang="en-US" altLang="zh-Hans" sz="4000" dirty="0">
+              <a:solidFill>
+                <a:schemeClr val="bg1"/>
+              </a:solidFill>
+              <a:latin typeface="PingFang SC" panose="020B0400000000000000" pitchFamily="34" charset="-122"/>
+              <a:ea typeface="PingFang SC" panose="020B0400000000000000" pitchFamily="34" charset="-122"/>
+            </a:endParaRPr>
+          </a:p>
+        </p:txBody>
+      </p:sp>
+    </p:spTree>
+    <p:extLst>
+      <p:ext uri="{BB962C8B-B14F-4D97-AF65-F5344CB8AC3E}">
+        <p14:creationId xmlns:p14="http://schemas.microsoft.com/office/powerpoint/2010/main" val="1594472601"/>
+      </p:ext>
+    </p:extLst>
+  </p:cSld>
+  <p:clrMapOvr>
+    <a:masterClrMapping/>
+  </p:clrMapOvr>
+</p:sld>
+</file>
+
+<file path=ppt/slides/slide23.xml><?xml version="1.0" encoding="utf-8"?>
+<p:sld xmlns:a="http://schemas.openxmlformats.org/drawingml/2006/main" xmlns:r="http://schemas.openxmlformats.org/officeDocument/2006/relationships" xmlns:p="http://schemas.openxmlformats.org/presentationml/2006/main">
+  <p:cSld>
+    <p:spTree>
+      <p:nvGrpSpPr>
+        <p:cNvPr id="1" name=""/>
+        <p:cNvGrpSpPr/>
+        <p:nvPr/>
+      </p:nvGrpSpPr>
+      <p:grpSpPr>
+        <a:xfrm>
+          <a:off x="0" y="0"/>
+          <a:ext cx="0" cy="0"/>
+          <a:chOff x="0" y="0"/>
+          <a:chExt cx="0" cy="0"/>
+        </a:xfrm>
+      </p:grpSpPr>
+      <p:pic>
+        <p:nvPicPr>
+          <p:cNvPr id="2" name="图片 1"/>
+          <p:cNvPicPr>
+            <a:picLocks noChangeAspect="1"/>
+          </p:cNvPicPr>
+          <p:nvPr/>
+        </p:nvPicPr>
+        <p:blipFill>
+          <a:blip r:embed="rId4" cstate="email"/>
+          <a:stretch>
+            <a:fillRect/>
+          </a:stretch>
+        </p:blipFill>
+        <p:spPr>
+          <a:xfrm>
+            <a:off x="0" y="0"/>
+            <a:ext cx="9142571" cy="6858000"/>
+          </a:xfrm>
+          <a:prstGeom prst="rect">
+            <a:avLst/>
+          </a:prstGeom>
+          <a:noFill/>
+          <a:ln>
+            <a:solidFill>
+              <a:schemeClr val="tx1"/>
+            </a:solidFill>
+          </a:ln>
+        </p:spPr>
+      </p:pic>
+      <p:sp>
+        <p:nvSpPr>
+          <p:cNvPr id="6" name="灯片编号占位符 4"/>
+          <p:cNvSpPr>
+            <a:spLocks noGrp="1"/>
+          </p:cNvSpPr>
+          <p:nvPr>
+            <p:ph type="sldNum" sz="quarter" idx="12"/>
+          </p:nvPr>
+        </p:nvSpPr>
+        <p:spPr>
+          <a:xfrm>
+            <a:off x="6120384" y="6413183"/>
+            <a:ext cx="2133600" cy="274637"/>
+          </a:xfrm>
+        </p:spPr>
+        <p:txBody>
+          <a:bodyPr/>
+          <a:lstStyle>
+            <a:lvl1pPr eaLnBrk="0" hangingPunct="0">
+              <a:defRPr>
+                <a:solidFill>
+                  <a:schemeClr val="tx1"/>
+                </a:solidFill>
+                <a:latin typeface="Arial" panose="020B0604020202090204" pitchFamily="34" charset="0"/>
+                <a:ea typeface="宋体" charset="-122"/>
+              </a:defRPr>
+            </a:lvl1pPr>
+            <a:lvl2pPr marL="742950" indent="-285750" eaLnBrk="0" hangingPunct="0">
+              <a:defRPr>
+                <a:solidFill>
+                  <a:schemeClr val="tx1"/>
+                </a:solidFill>
+                <a:latin typeface="Arial" panose="020B0604020202090204" pitchFamily="34" charset="0"/>
+                <a:ea typeface="宋体" charset="-122"/>
+              </a:defRPr>
+            </a:lvl2pPr>
+            <a:lvl3pPr marL="1143000" indent="-228600" eaLnBrk="0" hangingPunct="0">
+              <a:defRPr>
+                <a:solidFill>
+                  <a:schemeClr val="tx1"/>
+                </a:solidFill>
+                <a:latin typeface="Arial" panose="020B0604020202090204" pitchFamily="34" charset="0"/>
+                <a:ea typeface="宋体" charset="-122"/>
+              </a:defRPr>
+            </a:lvl3pPr>
+            <a:lvl4pPr marL="1600200" indent="-228600" eaLnBrk="0" hangingPunct="0">
+              <a:defRPr>
+                <a:solidFill>
+                  <a:schemeClr val="tx1"/>
+                </a:solidFill>
+                <a:latin typeface="Arial" panose="020B0604020202090204" pitchFamily="34" charset="0"/>
+                <a:ea typeface="宋体" charset="-122"/>
+              </a:defRPr>
+            </a:lvl4pPr>
+            <a:lvl5pPr marL="2057400" indent="-228600" eaLnBrk="0" hangingPunct="0">
+              <a:defRPr>
+                <a:solidFill>
+                  <a:schemeClr val="tx1"/>
+                </a:solidFill>
+                <a:latin typeface="Arial" panose="020B0604020202090204" pitchFamily="34" charset="0"/>
+                <a:ea typeface="宋体" charset="-122"/>
+              </a:defRPr>
+            </a:lvl5pPr>
+            <a:lvl6pPr marL="2514600" indent="-228600" defTabSz="457200" eaLnBrk="0" fontAlgn="base" hangingPunct="0">
+              <a:spcBef>
+                <a:spcPct val="0"/>
+              </a:spcBef>
+              <a:spcAft>
+                <a:spcPct val="0"/>
+              </a:spcAft>
+              <a:defRPr>
+                <a:solidFill>
+                  <a:schemeClr val="tx1"/>
+                </a:solidFill>
+                <a:latin typeface="Arial" panose="020B0604020202090204" pitchFamily="34" charset="0"/>
+                <a:ea typeface="宋体" charset="-122"/>
+              </a:defRPr>
+            </a:lvl6pPr>
+            <a:lvl7pPr marL="2971800" indent="-228600" defTabSz="457200" eaLnBrk="0" fontAlgn="base" hangingPunct="0">
+              <a:spcBef>
+                <a:spcPct val="0"/>
+              </a:spcBef>
+              <a:spcAft>
+                <a:spcPct val="0"/>
+              </a:spcAft>
+              <a:defRPr>
+                <a:solidFill>
+                  <a:schemeClr val="tx1"/>
+                </a:solidFill>
+                <a:latin typeface="Arial" panose="020B0604020202090204" pitchFamily="34" charset="0"/>
+                <a:ea typeface="宋体" charset="-122"/>
+              </a:defRPr>
+            </a:lvl7pPr>
+            <a:lvl8pPr marL="3429000" indent="-228600" defTabSz="457200" eaLnBrk="0" fontAlgn="base" hangingPunct="0">
+              <a:spcBef>
+                <a:spcPct val="0"/>
+              </a:spcBef>
+              <a:spcAft>
+                <a:spcPct val="0"/>
+              </a:spcAft>
+              <a:defRPr>
+                <a:solidFill>
+                  <a:schemeClr val="tx1"/>
+                </a:solidFill>
+                <a:latin typeface="Arial" panose="020B0604020202090204" pitchFamily="34" charset="0"/>
+                <a:ea typeface="宋体" charset="-122"/>
+              </a:defRPr>
+            </a:lvl8pPr>
+            <a:lvl9pPr marL="3886200" indent="-228600" defTabSz="457200" eaLnBrk="0" fontAlgn="base" hangingPunct="0">
+              <a:spcBef>
+                <a:spcPct val="0"/>
+              </a:spcBef>
+              <a:spcAft>
+                <a:spcPct val="0"/>
+              </a:spcAft>
+              <a:defRPr>
+                <a:solidFill>
+                  <a:schemeClr val="tx1"/>
+                </a:solidFill>
+                <a:latin typeface="Arial" panose="020B0604020202090204" pitchFamily="34" charset="0"/>
+                <a:ea typeface="宋体" charset="-122"/>
+              </a:defRPr>
+            </a:lvl9pPr>
+          </a:lstStyle>
+          <a:p>
+            <a:pPr marL="0" marR="0" lvl="0" indent="0" algn="r" defTabSz="457200" rtl="0" eaLnBrk="1" fontAlgn="auto" latinLnBrk="0" hangingPunct="1">
+              <a:lnSpc>
+                <a:spcPct val="100000"/>
+              </a:lnSpc>
+              <a:spcBef>
+                <a:spcPts val="0"/>
+              </a:spcBef>
+              <a:spcAft>
+                <a:spcPts val="0"/>
+              </a:spcAft>
+              <a:buClrTx/>
+              <a:buSzTx/>
+              <a:buFontTx/>
+              <a:buNone/>
+              <a:defRPr/>
+            </a:pPr>
+            <a:fld id="{3F1E42E4-90F7-C348-9C7D-352344EF35F9}" type="slidenum">
+              <a:rPr kumimoji="0" lang="zh-CN" altLang="en-US" sz="1200" b="0" i="0" u="none" strike="noStrike" kern="1200" cap="none" spc="0" normalizeH="0" baseline="0" noProof="0">
+                <a:ln>
+                  <a:noFill/>
+                </a:ln>
+                <a:solidFill>
+                  <a:srgbClr val="898989"/>
+                </a:solidFill>
+                <a:effectLst/>
+                <a:uLnTx/>
+                <a:uFillTx/>
+                <a:latin typeface="Arial" panose="020B0604020202090204" pitchFamily="34" charset="0"/>
+                <a:ea typeface="微软雅黑" charset="-122"/>
+                <a:cs typeface="+mn-cs"/>
+              </a:rPr>
+              <a:t>23</a:t>
+            </a:fld>
+            <a:endParaRPr kumimoji="0" lang="zh-CN" altLang="en-US" sz="1200" b="0" i="0" u="none" strike="noStrike" kern="1200" cap="none" spc="0" normalizeH="0" baseline="0" noProof="0" dirty="0">
+              <a:ln>
+                <a:noFill/>
+              </a:ln>
+              <a:solidFill>
+                <a:srgbClr val="898989"/>
+              </a:solidFill>
+              <a:effectLst/>
+              <a:uLnTx/>
+              <a:uFillTx/>
+              <a:latin typeface="Arial" panose="020B0604020202090204" pitchFamily="34" charset="0"/>
+              <a:ea typeface="微软雅黑" charset="-122"/>
+              <a:cs typeface="+mn-cs"/>
+            </a:endParaRPr>
+          </a:p>
+        </p:txBody>
+      </p:sp>
+      <p:sp>
+        <p:nvSpPr>
+          <p:cNvPr id="7" name="标题 1"/>
+          <p:cNvSpPr txBox="1"/>
+          <p:nvPr/>
+        </p:nvSpPr>
+        <p:spPr>
+          <a:xfrm>
+            <a:off x="250825" y="89645"/>
+            <a:ext cx="8278495" cy="782955"/>
+          </a:xfrm>
+          <a:prstGeom prst="rect">
+            <a:avLst/>
+          </a:prstGeom>
+        </p:spPr>
+        <p:txBody>
+          <a:bodyPr/>
+          <a:lstStyle>
+            <a:lvl1pPr algn="ctr" defTabSz="457200" rtl="0" eaLnBrk="1" latinLnBrk="0" hangingPunct="1">
+              <a:spcBef>
+                <a:spcPct val="0"/>
+              </a:spcBef>
+              <a:buNone/>
+              <a:defRPr sz="4400" kern="1200">
+                <a:solidFill>
+                  <a:schemeClr val="tx1"/>
+                </a:solidFill>
+                <a:latin typeface="+mj-lt"/>
+                <a:ea typeface="+mj-ea"/>
+                <a:cs typeface="+mj-cs"/>
+              </a:defRPr>
+            </a:lvl1pPr>
+          </a:lstStyle>
+          <a:p>
+            <a:pPr marL="0" marR="0" lvl="0" indent="0" algn="l" defTabSz="457200" rtl="0" eaLnBrk="1" fontAlgn="auto" latinLnBrk="0" hangingPunct="1">
+              <a:lnSpc>
+                <a:spcPct val="150000"/>
+              </a:lnSpc>
+              <a:spcBef>
+                <a:spcPts val="0"/>
+              </a:spcBef>
+              <a:spcAft>
+                <a:spcPts val="0"/>
+              </a:spcAft>
+              <a:buClrTx/>
+              <a:buSzTx/>
+              <a:buFontTx/>
+              <a:buNone/>
+              <a:defRPr/>
+            </a:pPr>
+            <a:r>
+              <a:rPr lang="zh-Hans" altLang="en-US" sz="2400" b="1" dirty="0">
+                <a:solidFill>
+                  <a:prstClr val="black"/>
+                </a:solidFill>
+                <a:latin typeface="苹方-简" panose="020B0400000000000000" charset="-122"/>
+                <a:ea typeface="苹方-简" panose="020B0400000000000000" charset="-122"/>
+              </a:rPr>
+              <a:t>开发流程提效 背景</a:t>
+            </a:r>
+            <a:endParaRPr kumimoji="0" lang="en-US" altLang="zh-CN" sz="2400" b="1" i="0" u="none" strike="noStrike" kern="1200" cap="none" spc="0" normalizeH="0" baseline="0" noProof="0" dirty="0">
+              <a:ln>
+                <a:noFill/>
+              </a:ln>
+              <a:solidFill>
+                <a:prstClr val="black"/>
+              </a:solidFill>
+              <a:effectLst/>
+              <a:uLnTx/>
+              <a:uFillTx/>
+              <a:latin typeface="苹方-简" panose="020B0400000000000000" charset="-122"/>
+              <a:ea typeface="苹方-简" panose="020B0400000000000000" charset="-122"/>
+            </a:endParaRPr>
+          </a:p>
+        </p:txBody>
+      </p:sp>
+      <p:sp>
+        <p:nvSpPr>
+          <p:cNvPr id="9" name="内容占位符 2"/>
+          <p:cNvSpPr txBox="1"/>
+          <p:nvPr/>
+        </p:nvSpPr>
+        <p:spPr>
+          <a:xfrm>
+            <a:off x="24384" y="934691"/>
+            <a:ext cx="8229600" cy="669520"/>
+          </a:xfrm>
+          <a:prstGeom prst="rect">
+            <a:avLst/>
+          </a:prstGeom>
+        </p:spPr>
+        <p:txBody>
+          <a:bodyPr/>
+          <a:lstStyle>
+            <a:lvl1pPr marL="342900" indent="-342900" algn="l" defTabSz="457200" rtl="0" eaLnBrk="1" latinLnBrk="0" hangingPunct="1">
+              <a:spcBef>
+                <a:spcPct val="20000"/>
+              </a:spcBef>
+              <a:buFont typeface="Arial" panose="020B0604020202090204"/>
+              <a:buChar char="•"/>
+              <a:defRPr sz="3200" kern="1200">
+                <a:solidFill>
+                  <a:schemeClr val="tx1"/>
+                </a:solidFill>
+                <a:latin typeface="+mn-lt"/>
+                <a:ea typeface="+mn-ea"/>
+                <a:cs typeface="+mn-cs"/>
+              </a:defRPr>
+            </a:lvl1pPr>
+            <a:lvl2pPr marL="742950" indent="-285750" algn="l" defTabSz="457200" rtl="0" eaLnBrk="1" latinLnBrk="0" hangingPunct="1">
+              <a:spcBef>
+                <a:spcPct val="20000"/>
+              </a:spcBef>
+              <a:buFont typeface="Arial" panose="020B0604020202090204"/>
+              <a:buChar char="–"/>
+              <a:defRPr sz="2800" kern="1200">
+                <a:solidFill>
+                  <a:schemeClr val="tx1"/>
+                </a:solidFill>
+                <a:latin typeface="+mn-lt"/>
+                <a:ea typeface="+mn-ea"/>
+                <a:cs typeface="+mn-cs"/>
+              </a:defRPr>
+            </a:lvl2pPr>
+            <a:lvl3pPr marL="1143000" indent="-228600" algn="l" defTabSz="457200" rtl="0" eaLnBrk="1" latinLnBrk="0" hangingPunct="1">
+              <a:spcBef>
+                <a:spcPct val="20000"/>
+              </a:spcBef>
+              <a:buFont typeface="Arial" panose="020B0604020202090204"/>
+              <a:buChar char="•"/>
+              <a:defRPr sz="2400" kern="1200">
+                <a:solidFill>
+                  <a:schemeClr val="tx1"/>
+                </a:solidFill>
+                <a:latin typeface="+mn-lt"/>
+                <a:ea typeface="+mn-ea"/>
+                <a:cs typeface="+mn-cs"/>
+              </a:defRPr>
+            </a:lvl3pPr>
+            <a:lvl4pPr marL="1600200" indent="-228600" algn="l" defTabSz="457200" rtl="0" eaLnBrk="1" latinLnBrk="0" hangingPunct="1">
+              <a:spcBef>
+                <a:spcPct val="20000"/>
+              </a:spcBef>
+              <a:buFont typeface="Arial" panose="020B0604020202090204"/>
+              <a:buChar char="–"/>
+              <a:defRPr sz="2000" kern="1200">
+                <a:solidFill>
+                  <a:schemeClr val="tx1"/>
+                </a:solidFill>
+                <a:latin typeface="+mn-lt"/>
+                <a:ea typeface="+mn-ea"/>
+                <a:cs typeface="+mn-cs"/>
+              </a:defRPr>
+            </a:lvl4pPr>
+            <a:lvl5pPr marL="2057400" indent="-228600" algn="l" defTabSz="457200" rtl="0" eaLnBrk="1" latinLnBrk="0" hangingPunct="1">
+              <a:spcBef>
+                <a:spcPct val="20000"/>
+              </a:spcBef>
+              <a:buFont typeface="Arial" panose="020B0604020202090204"/>
+              <a:buChar char="»"/>
+              <a:defRPr sz="2000" kern="1200">
+                <a:solidFill>
+                  <a:schemeClr val="tx1"/>
+                </a:solidFill>
+                <a:latin typeface="+mn-lt"/>
+                <a:ea typeface="+mn-ea"/>
+                <a:cs typeface="+mn-cs"/>
+              </a:defRPr>
+            </a:lvl5pPr>
+            <a:lvl6pPr marL="2514600" indent="-228600" algn="l" defTabSz="457200" rtl="0" eaLnBrk="1" latinLnBrk="0" hangingPunct="1">
+              <a:spcBef>
+                <a:spcPct val="20000"/>
+              </a:spcBef>
+              <a:buFont typeface="Arial" panose="020B0604020202090204"/>
+              <a:buChar char="•"/>
+              <a:defRPr sz="2000" kern="1200">
+                <a:solidFill>
+                  <a:schemeClr val="tx1"/>
+                </a:solidFill>
+                <a:latin typeface="+mn-lt"/>
+                <a:ea typeface="+mn-ea"/>
+                <a:cs typeface="+mn-cs"/>
+              </a:defRPr>
+            </a:lvl6pPr>
+            <a:lvl7pPr marL="2971800" indent="-228600" algn="l" defTabSz="457200" rtl="0" eaLnBrk="1" latinLnBrk="0" hangingPunct="1">
+              <a:spcBef>
+                <a:spcPct val="20000"/>
+              </a:spcBef>
+              <a:buFont typeface="Arial" panose="020B0604020202090204"/>
+              <a:buChar char="•"/>
+              <a:defRPr sz="2000" kern="1200">
+                <a:solidFill>
+                  <a:schemeClr val="tx1"/>
+                </a:solidFill>
+                <a:latin typeface="+mn-lt"/>
+                <a:ea typeface="+mn-ea"/>
+                <a:cs typeface="+mn-cs"/>
+              </a:defRPr>
+            </a:lvl7pPr>
+            <a:lvl8pPr marL="3429000" indent="-228600" algn="l" defTabSz="457200" rtl="0" eaLnBrk="1" latinLnBrk="0" hangingPunct="1">
+              <a:spcBef>
+                <a:spcPct val="20000"/>
+              </a:spcBef>
+              <a:buFont typeface="Arial" panose="020B0604020202090204"/>
+              <a:buChar char="•"/>
+              <a:defRPr sz="2000" kern="1200">
+                <a:solidFill>
+                  <a:schemeClr val="tx1"/>
+                </a:solidFill>
+                <a:latin typeface="+mn-lt"/>
+                <a:ea typeface="+mn-ea"/>
+                <a:cs typeface="+mn-cs"/>
+              </a:defRPr>
+            </a:lvl8pPr>
+            <a:lvl9pPr marL="3886200" indent="-228600" algn="l" defTabSz="457200" rtl="0" eaLnBrk="1" latinLnBrk="0" hangingPunct="1">
+              <a:spcBef>
+                <a:spcPct val="20000"/>
+              </a:spcBef>
+              <a:buFont typeface="Arial" panose="020B0604020202090204"/>
+              <a:buChar char="•"/>
+              <a:defRPr sz="2000" kern="1200">
+                <a:solidFill>
+                  <a:schemeClr val="tx1"/>
+                </a:solidFill>
+                <a:latin typeface="+mn-lt"/>
+                <a:ea typeface="+mn-ea"/>
+                <a:cs typeface="+mn-cs"/>
+              </a:defRPr>
+            </a:lvl9pPr>
+          </a:lstStyle>
+          <a:p>
+            <a:pPr marL="342900" marR="0" lvl="0" indent="-342900" algn="l" defTabSz="457200" rtl="0" eaLnBrk="1" fontAlgn="auto" latinLnBrk="0" hangingPunct="1">
+              <a:lnSpc>
+                <a:spcPct val="130000"/>
+              </a:lnSpc>
+              <a:spcBef>
+                <a:spcPct val="20000"/>
+              </a:spcBef>
+              <a:spcAft>
+                <a:spcPts val="0"/>
+              </a:spcAft>
+              <a:buClrTx/>
+              <a:buSzTx/>
+              <a:buFont typeface="Wingdings" panose="05000000000000000000" pitchFamily="2" charset="2"/>
+              <a:buChar char="l"/>
+              <a:defRPr/>
+            </a:pPr>
+            <a:endParaRPr kumimoji="0" lang="en-US" altLang="zh-CN" sz="1800" b="0" i="0" u="none" strike="noStrike" kern="1200" cap="none" spc="0" normalizeH="0" baseline="0" noProof="0" dirty="0">
+              <a:ln>
+                <a:noFill/>
+              </a:ln>
+              <a:solidFill>
+                <a:prstClr val="black"/>
+              </a:solidFill>
+              <a:effectLst/>
+              <a:uLnTx/>
+              <a:uFillTx/>
+              <a:latin typeface="Calibri"/>
+              <a:ea typeface="微软雅黑" charset="-122"/>
+              <a:cs typeface="+mn-cs"/>
+            </a:endParaRPr>
+          </a:p>
+          <a:p>
+            <a:pPr marL="0" marR="0" lvl="0" indent="0" algn="l" defTabSz="457200" rtl="0" eaLnBrk="1" fontAlgn="auto" latinLnBrk="0" hangingPunct="1">
+              <a:lnSpc>
+                <a:spcPct val="130000"/>
+              </a:lnSpc>
+              <a:spcBef>
+                <a:spcPct val="20000"/>
+              </a:spcBef>
+              <a:spcAft>
+                <a:spcPts val="0"/>
+              </a:spcAft>
+              <a:buClrTx/>
+              <a:buSzTx/>
+              <a:buFont typeface="Arial" panose="020B0604020202090204"/>
+              <a:buNone/>
+              <a:defRPr/>
+            </a:pPr>
+            <a:endParaRPr kumimoji="0" lang="en-US" altLang="zh-CN" sz="1800" b="1" i="0" u="none" strike="noStrike" kern="1200" cap="none" spc="0" normalizeH="0" baseline="0" noProof="0" dirty="0">
+              <a:ln>
+                <a:noFill/>
+              </a:ln>
+              <a:solidFill>
+                <a:prstClr val="black"/>
+              </a:solidFill>
+              <a:effectLst/>
+              <a:uLnTx/>
+              <a:uFillTx/>
+              <a:latin typeface="Calibri"/>
+              <a:ea typeface="微软雅黑" charset="-122"/>
+              <a:cs typeface="+mn-cs"/>
+            </a:endParaRPr>
+          </a:p>
+          <a:p>
+            <a:pPr marL="0" marR="0" lvl="0" indent="0" algn="l" defTabSz="457200" rtl="0" eaLnBrk="1" fontAlgn="auto" latinLnBrk="0" hangingPunct="1">
+              <a:lnSpc>
+                <a:spcPct val="130000"/>
+              </a:lnSpc>
+              <a:spcBef>
+                <a:spcPct val="20000"/>
+              </a:spcBef>
+              <a:spcAft>
+                <a:spcPts val="0"/>
+              </a:spcAft>
+              <a:buClrTx/>
+              <a:buSzTx/>
+              <a:buFont typeface="Arial" panose="020B0604020202090204"/>
+              <a:buNone/>
+              <a:defRPr/>
+            </a:pPr>
+            <a:endParaRPr kumimoji="0" lang="en-US" altLang="zh-CN" sz="1800" b="1" i="0" u="none" strike="noStrike" kern="1200" cap="none" spc="0" normalizeH="0" baseline="0" noProof="0" dirty="0">
+              <a:ln>
+                <a:noFill/>
+              </a:ln>
+              <a:solidFill>
+                <a:prstClr val="black"/>
+              </a:solidFill>
+              <a:effectLst/>
+              <a:uLnTx/>
+              <a:uFillTx/>
+              <a:latin typeface="Calibri"/>
+              <a:ea typeface="微软雅黑" charset="-122"/>
+              <a:cs typeface="+mn-cs"/>
+            </a:endParaRPr>
+          </a:p>
+        </p:txBody>
+      </p:sp>
+      <p:pic>
+        <p:nvPicPr>
+          <p:cNvPr id="15" name="Picture 1" descr="page16image55775392">
+            <a:extLst>
+              <a:ext uri="{FF2B5EF4-FFF2-40B4-BE49-F238E27FC236}">
+                <a16:creationId xmlns:a16="http://schemas.microsoft.com/office/drawing/2014/main" id="{6BBF6900-2A06-EF4D-A4F6-E914D1CA08E4}"/>
+              </a:ext>
+            </a:extLst>
+          </p:cNvPr>
+          <p:cNvPicPr>
+            <a:picLocks noChangeAspect="1" noChangeArrowheads="1"/>
+          </p:cNvPicPr>
+          <p:nvPr/>
+        </p:nvPicPr>
+        <p:blipFill>
+          <a:blip r:embed="rId5">
+            <a:extLst>
+              <a:ext uri="{28A0092B-C50C-407E-A947-70E740481C1C}">
+                <a14:useLocalDpi xmlns:a14="http://schemas.microsoft.com/office/drawing/2010/main" val="0"/>
+              </a:ext>
+            </a:extLst>
+          </a:blip>
+          <a:srcRect/>
+          <a:stretch>
+            <a:fillRect/>
+          </a:stretch>
+        </p:blipFill>
+        <p:spPr bwMode="auto">
+          <a:xfrm>
+            <a:off x="695859" y="2508953"/>
+            <a:ext cx="824400" cy="824400"/>
+          </a:xfrm>
+          <a:prstGeom prst="rect">
+            <a:avLst/>
+          </a:prstGeom>
+          <a:noFill/>
+          <a:extLst>
+            <a:ext uri="{909E8E84-426E-40DD-AFC4-6F175D3DCCD1}">
+              <a14:hiddenFill xmlns:a14="http://schemas.microsoft.com/office/drawing/2010/main">
+                <a:solidFill>
+                  <a:srgbClr val="FFFFFF"/>
+                </a:solidFill>
+              </a14:hiddenFill>
+            </a:ext>
+          </a:extLst>
+        </p:spPr>
+      </p:pic>
+      <p:sp>
+        <p:nvSpPr>
+          <p:cNvPr id="16" name="矩形 15">
+            <a:extLst>
+              <a:ext uri="{FF2B5EF4-FFF2-40B4-BE49-F238E27FC236}">
+                <a16:creationId xmlns:a16="http://schemas.microsoft.com/office/drawing/2014/main" id="{C7A3479C-D0DB-B845-977C-C27EBAC61620}"/>
+              </a:ext>
+            </a:extLst>
+          </p:cNvPr>
+          <p:cNvSpPr/>
+          <p:nvPr/>
+        </p:nvSpPr>
+        <p:spPr>
+          <a:xfrm>
+            <a:off x="586574" y="3512647"/>
+            <a:ext cx="1042969" cy="478972"/>
+          </a:xfrm>
+          <a:prstGeom prst="rect">
+            <a:avLst/>
+          </a:prstGeom>
+          <a:solidFill>
+            <a:srgbClr val="0D6CBB"/>
+          </a:solidFill>
+          <a:ln>
+            <a:noFill/>
+          </a:ln>
+        </p:spPr>
+        <p:style>
+          <a:lnRef idx="1">
+            <a:schemeClr val="accent1"/>
+          </a:lnRef>
+          <a:fillRef idx="3">
+            <a:schemeClr val="accent1"/>
+          </a:fillRef>
+          <a:effectRef idx="2">
+            <a:schemeClr val="accent1"/>
+          </a:effectRef>
+          <a:fontRef idx="minor">
+            <a:schemeClr val="lt1"/>
+          </a:fontRef>
+        </p:style>
+        <p:txBody>
+          <a:bodyPr rtlCol="0" anchor="ctr"/>
+          <a:lstStyle/>
+          <a:p>
+            <a:pPr algn="ctr"/>
+            <a:r>
+              <a:rPr kumimoji="1" lang="en-US" altLang="zh-CN" dirty="0" err="1"/>
+              <a:t>P</a:t>
+            </a:r>
+            <a:r>
+              <a:rPr kumimoji="1" lang="en-US" altLang="zh-Hans" dirty="0" err="1"/>
+              <a:t>odfile</a:t>
+            </a:r>
+            <a:endParaRPr kumimoji="1" lang="zh-CN" altLang="en-US" dirty="0"/>
+          </a:p>
+        </p:txBody>
+      </p:sp>
+      <p:cxnSp>
+        <p:nvCxnSpPr>
+          <p:cNvPr id="18" name="直线箭头连接符 17">
+            <a:extLst>
+              <a:ext uri="{FF2B5EF4-FFF2-40B4-BE49-F238E27FC236}">
+                <a16:creationId xmlns:a16="http://schemas.microsoft.com/office/drawing/2014/main" id="{7FCDCFF4-DD47-B64E-BFA1-49D72D35B48F}"/>
+              </a:ext>
+            </a:extLst>
+          </p:cNvPr>
+          <p:cNvCxnSpPr>
+            <a:cxnSpLocks/>
+          </p:cNvCxnSpPr>
+          <p:nvPr/>
+        </p:nvCxnSpPr>
+        <p:spPr>
+          <a:xfrm>
+            <a:off x="1867572" y="3336982"/>
+            <a:ext cx="788542" cy="0"/>
+          </a:xfrm>
+          <a:prstGeom prst="straightConnector1">
+            <a:avLst/>
+          </a:prstGeom>
+          <a:ln>
+            <a:tailEnd type="triangle"/>
+          </a:ln>
+        </p:spPr>
+        <p:style>
+          <a:lnRef idx="2">
+            <a:schemeClr val="accent1"/>
+          </a:lnRef>
+          <a:fillRef idx="0">
+            <a:schemeClr val="accent1"/>
+          </a:fillRef>
+          <a:effectRef idx="1">
+            <a:schemeClr val="accent1"/>
+          </a:effectRef>
+          <a:fontRef idx="minor">
+            <a:schemeClr val="tx1"/>
+          </a:fontRef>
+        </p:style>
+      </p:cxnSp>
+      <p:sp>
+        <p:nvSpPr>
+          <p:cNvPr id="25" name="矩形 24">
+            <a:extLst>
+              <a:ext uri="{FF2B5EF4-FFF2-40B4-BE49-F238E27FC236}">
+                <a16:creationId xmlns:a16="http://schemas.microsoft.com/office/drawing/2014/main" id="{A966747E-FCE7-4547-9F22-E8F593CDE3F2}"/>
+              </a:ext>
+            </a:extLst>
+          </p:cNvPr>
+          <p:cNvSpPr/>
+          <p:nvPr/>
+        </p:nvSpPr>
+        <p:spPr>
+          <a:xfrm>
+            <a:off x="2807303" y="2178683"/>
+            <a:ext cx="1449831" cy="520120"/>
+          </a:xfrm>
+          <a:prstGeom prst="rect">
+            <a:avLst/>
+          </a:prstGeom>
+          <a:solidFill>
+            <a:srgbClr val="92D050"/>
+          </a:solidFill>
+          <a:ln>
+            <a:noFill/>
+          </a:ln>
+        </p:spPr>
+        <p:style>
+          <a:lnRef idx="1">
+            <a:schemeClr val="accent1"/>
+          </a:lnRef>
+          <a:fillRef idx="3">
+            <a:schemeClr val="accent1"/>
+          </a:fillRef>
+          <a:effectRef idx="2">
+            <a:schemeClr val="accent1"/>
+          </a:effectRef>
+          <a:fontRef idx="minor">
+            <a:schemeClr val="lt1"/>
+          </a:fontRef>
+        </p:style>
+        <p:txBody>
+          <a:bodyPr rtlCol="0" anchor="ctr"/>
+          <a:lstStyle/>
+          <a:p>
+            <a:pPr algn="ctr"/>
+            <a:r>
+              <a:rPr kumimoji="1" lang="zh-Hans" altLang="en-US" dirty="0">
+                <a:latin typeface="PingFang SC" panose="020B0400000000000000" pitchFamily="34" charset="-122"/>
+                <a:ea typeface="PingFang SC" panose="020B0400000000000000" pitchFamily="34" charset="-122"/>
+              </a:rPr>
+              <a:t>二手房  </a:t>
+            </a:r>
+            <a:endParaRPr kumimoji="1" lang="zh-CN" altLang="en-US" dirty="0">
+              <a:latin typeface="PingFang SC" panose="020B0400000000000000" pitchFamily="34" charset="-122"/>
+              <a:ea typeface="PingFang SC" panose="020B0400000000000000" pitchFamily="34" charset="-122"/>
+            </a:endParaRPr>
+          </a:p>
+        </p:txBody>
+      </p:sp>
+      <p:sp>
+        <p:nvSpPr>
+          <p:cNvPr id="26" name="矩形 25">
+            <a:extLst>
+              <a:ext uri="{FF2B5EF4-FFF2-40B4-BE49-F238E27FC236}">
+                <a16:creationId xmlns:a16="http://schemas.microsoft.com/office/drawing/2014/main" id="{11627A93-DC56-924D-AC26-E6F9F8051832}"/>
+              </a:ext>
+            </a:extLst>
+          </p:cNvPr>
+          <p:cNvSpPr/>
+          <p:nvPr/>
+        </p:nvSpPr>
+        <p:spPr>
+          <a:xfrm>
+            <a:off x="6011746" y="2178683"/>
+            <a:ext cx="1438456" cy="520120"/>
+          </a:xfrm>
+          <a:prstGeom prst="rect">
+            <a:avLst/>
+          </a:prstGeom>
+          <a:solidFill>
+            <a:srgbClr val="92D050"/>
+          </a:solidFill>
+          <a:ln>
+            <a:noFill/>
+          </a:ln>
+        </p:spPr>
+        <p:style>
+          <a:lnRef idx="1">
+            <a:schemeClr val="accent1"/>
+          </a:lnRef>
+          <a:fillRef idx="3">
+            <a:schemeClr val="accent1"/>
+          </a:fillRef>
+          <a:effectRef idx="2">
+            <a:schemeClr val="accent1"/>
+          </a:effectRef>
+          <a:fontRef idx="minor">
+            <a:schemeClr val="lt1"/>
+          </a:fontRef>
+        </p:style>
+        <p:txBody>
+          <a:bodyPr rtlCol="0" anchor="ctr"/>
+          <a:lstStyle/>
+          <a:p>
+            <a:pPr algn="ctr"/>
+            <a:r>
+              <a:rPr kumimoji="1" lang="zh-Hans" altLang="en-US" dirty="0">
+                <a:latin typeface="PingFang SC" panose="020B0400000000000000" pitchFamily="34" charset="-122"/>
+                <a:ea typeface="PingFang SC" panose="020B0400000000000000" pitchFamily="34" charset="-122"/>
+              </a:rPr>
+              <a:t>有料</a:t>
+            </a:r>
+            <a:endParaRPr kumimoji="1" lang="zh-CN" altLang="en-US" dirty="0">
+              <a:latin typeface="PingFang SC" panose="020B0400000000000000" pitchFamily="34" charset="-122"/>
+              <a:ea typeface="PingFang SC" panose="020B0400000000000000" pitchFamily="34" charset="-122"/>
+            </a:endParaRPr>
+          </a:p>
+        </p:txBody>
+      </p:sp>
+      <p:sp>
+        <p:nvSpPr>
+          <p:cNvPr id="27" name="矩形 26">
+            <a:extLst>
+              <a:ext uri="{FF2B5EF4-FFF2-40B4-BE49-F238E27FC236}">
+                <a16:creationId xmlns:a16="http://schemas.microsoft.com/office/drawing/2014/main" id="{5E75A640-CD52-A441-AA5B-DA6C8CB6F7D5}"/>
+              </a:ext>
+            </a:extLst>
+          </p:cNvPr>
+          <p:cNvSpPr/>
+          <p:nvPr/>
+        </p:nvSpPr>
+        <p:spPr>
+          <a:xfrm>
+            <a:off x="2763045" y="3522596"/>
+            <a:ext cx="3118383" cy="520120"/>
+          </a:xfrm>
+          <a:prstGeom prst="rect">
+            <a:avLst/>
+          </a:prstGeom>
+          <a:solidFill>
+            <a:srgbClr val="FF0000"/>
+          </a:solidFill>
+          <a:ln>
+            <a:noFill/>
+          </a:ln>
+        </p:spPr>
+        <p:style>
+          <a:lnRef idx="1">
+            <a:schemeClr val="accent1"/>
+          </a:lnRef>
+          <a:fillRef idx="3">
+            <a:schemeClr val="accent1"/>
+          </a:fillRef>
+          <a:effectRef idx="2">
+            <a:schemeClr val="accent1"/>
+          </a:effectRef>
+          <a:fontRef idx="minor">
+            <a:schemeClr val="lt1"/>
+          </a:fontRef>
+        </p:style>
+        <p:txBody>
+          <a:bodyPr rtlCol="0" anchor="ctr"/>
+          <a:lstStyle/>
+          <a:p>
+            <a:pPr algn="ctr"/>
+            <a:r>
+              <a:rPr kumimoji="1" lang="en-US" altLang="zh-Hans" dirty="0" err="1">
+                <a:latin typeface="PingFang SC" panose="020B0400000000000000" pitchFamily="34" charset="-122"/>
+                <a:ea typeface="PingFang SC" panose="020B0400000000000000" pitchFamily="34" charset="-122"/>
+              </a:rPr>
+              <a:t>WBAJKCommonBusiness</a:t>
+            </a:r>
+            <a:endParaRPr kumimoji="1" lang="zh-CN" altLang="en-US" dirty="0">
+              <a:latin typeface="PingFang SC" panose="020B0400000000000000" pitchFamily="34" charset="-122"/>
+              <a:ea typeface="PingFang SC" panose="020B0400000000000000" pitchFamily="34" charset="-122"/>
+            </a:endParaRPr>
+          </a:p>
+        </p:txBody>
+      </p:sp>
+      <p:sp>
+        <p:nvSpPr>
+          <p:cNvPr id="28" name="矩形 27">
+            <a:extLst>
+              <a:ext uri="{FF2B5EF4-FFF2-40B4-BE49-F238E27FC236}">
+                <a16:creationId xmlns:a16="http://schemas.microsoft.com/office/drawing/2014/main" id="{53C3C51D-A093-A342-85CC-F9C7DAB8C5A4}"/>
+              </a:ext>
+            </a:extLst>
+          </p:cNvPr>
+          <p:cNvSpPr/>
+          <p:nvPr/>
+        </p:nvSpPr>
+        <p:spPr>
+          <a:xfrm>
+            <a:off x="6021121" y="2885626"/>
+            <a:ext cx="2874704" cy="520120"/>
+          </a:xfrm>
+          <a:prstGeom prst="rect">
+            <a:avLst/>
+          </a:prstGeom>
+          <a:solidFill>
+            <a:srgbClr val="00B050"/>
+          </a:solidFill>
+          <a:ln>
+            <a:noFill/>
+          </a:ln>
+        </p:spPr>
+        <p:style>
+          <a:lnRef idx="1">
+            <a:schemeClr val="accent1"/>
+          </a:lnRef>
+          <a:fillRef idx="3">
+            <a:schemeClr val="accent1"/>
+          </a:fillRef>
+          <a:effectRef idx="2">
+            <a:schemeClr val="accent1"/>
+          </a:effectRef>
+          <a:fontRef idx="minor">
+            <a:schemeClr val="lt1"/>
+          </a:fontRef>
+        </p:style>
+        <p:txBody>
+          <a:bodyPr rtlCol="0" anchor="ctr"/>
+          <a:lstStyle/>
+          <a:p>
+            <a:pPr algn="ctr"/>
+            <a:r>
+              <a:rPr kumimoji="1" lang="en-US" altLang="zh-Hans" dirty="0">
+                <a:latin typeface="PingFang SC" panose="020B0400000000000000" pitchFamily="34" charset="-122"/>
+                <a:ea typeface="PingFang SC" panose="020B0400000000000000" pitchFamily="34" charset="-122"/>
+              </a:rPr>
+              <a:t>middleware</a:t>
+            </a:r>
+            <a:endParaRPr kumimoji="1" lang="zh-CN" altLang="en-US" dirty="0">
+              <a:latin typeface="PingFang SC" panose="020B0400000000000000" pitchFamily="34" charset="-122"/>
+              <a:ea typeface="PingFang SC" panose="020B0400000000000000" pitchFamily="34" charset="-122"/>
+            </a:endParaRPr>
+          </a:p>
+        </p:txBody>
+      </p:sp>
+      <p:sp>
+        <p:nvSpPr>
+          <p:cNvPr id="29" name="矩形 28">
+            <a:extLst>
+              <a:ext uri="{FF2B5EF4-FFF2-40B4-BE49-F238E27FC236}">
+                <a16:creationId xmlns:a16="http://schemas.microsoft.com/office/drawing/2014/main" id="{CD1AF8CC-E88C-F04F-AEF4-057FCB14F79B}"/>
+              </a:ext>
+            </a:extLst>
+          </p:cNvPr>
+          <p:cNvSpPr/>
+          <p:nvPr/>
+        </p:nvSpPr>
+        <p:spPr>
+          <a:xfrm>
+            <a:off x="2763045" y="4238095"/>
+            <a:ext cx="3118383" cy="520120"/>
+          </a:xfrm>
+          <a:prstGeom prst="rect">
+            <a:avLst/>
+          </a:prstGeom>
+          <a:solidFill>
+            <a:srgbClr val="F17E2F"/>
+          </a:solidFill>
+          <a:ln>
+            <a:noFill/>
+          </a:ln>
+        </p:spPr>
+        <p:style>
+          <a:lnRef idx="1">
+            <a:schemeClr val="accent1"/>
+          </a:lnRef>
+          <a:fillRef idx="3">
+            <a:schemeClr val="accent1"/>
+          </a:fillRef>
+          <a:effectRef idx="2">
+            <a:schemeClr val="accent1"/>
+          </a:effectRef>
+          <a:fontRef idx="minor">
+            <a:schemeClr val="lt1"/>
+          </a:fontRef>
+        </p:style>
+        <p:txBody>
+          <a:bodyPr rtlCol="0" anchor="ctr"/>
+          <a:lstStyle/>
+          <a:p>
+            <a:pPr algn="ctr"/>
+            <a:r>
+              <a:rPr kumimoji="1" lang="en-US" altLang="zh-CN" dirty="0" err="1">
+                <a:latin typeface="PingFang SC" panose="020B0400000000000000" pitchFamily="34" charset="-122"/>
+                <a:ea typeface="PingFang SC" panose="020B0400000000000000" pitchFamily="34" charset="-122"/>
+              </a:rPr>
+              <a:t>A</a:t>
+            </a:r>
+            <a:r>
+              <a:rPr kumimoji="1" lang="en-US" altLang="zh-Hans" dirty="0" err="1">
+                <a:latin typeface="PingFang SC" panose="020B0400000000000000" pitchFamily="34" charset="-122"/>
+                <a:ea typeface="PingFang SC" panose="020B0400000000000000" pitchFamily="34" charset="-122"/>
+              </a:rPr>
+              <a:t>IFFrameworks</a:t>
+            </a:r>
+            <a:endParaRPr kumimoji="1" lang="zh-CN" altLang="en-US" dirty="0">
+              <a:latin typeface="PingFang SC" panose="020B0400000000000000" pitchFamily="34" charset="-122"/>
+              <a:ea typeface="PingFang SC" panose="020B0400000000000000" pitchFamily="34" charset="-122"/>
+            </a:endParaRPr>
+          </a:p>
+        </p:txBody>
+      </p:sp>
+      <p:sp>
+        <p:nvSpPr>
+          <p:cNvPr id="30" name="矩形 29">
+            <a:extLst>
+              <a:ext uri="{FF2B5EF4-FFF2-40B4-BE49-F238E27FC236}">
+                <a16:creationId xmlns:a16="http://schemas.microsoft.com/office/drawing/2014/main" id="{3577F0E1-13D2-2845-8328-570772AC2694}"/>
+              </a:ext>
+            </a:extLst>
+          </p:cNvPr>
+          <p:cNvSpPr/>
+          <p:nvPr/>
+        </p:nvSpPr>
+        <p:spPr>
+          <a:xfrm>
+            <a:off x="4417316" y="2178683"/>
+            <a:ext cx="1434248" cy="520120"/>
+          </a:xfrm>
+          <a:prstGeom prst="rect">
+            <a:avLst/>
+          </a:prstGeom>
+          <a:solidFill>
+            <a:srgbClr val="92D050"/>
+          </a:solidFill>
+          <a:ln>
+            <a:noFill/>
+          </a:ln>
+        </p:spPr>
+        <p:style>
+          <a:lnRef idx="1">
+            <a:schemeClr val="accent1"/>
+          </a:lnRef>
+          <a:fillRef idx="3">
+            <a:schemeClr val="accent1"/>
+          </a:fillRef>
+          <a:effectRef idx="2">
+            <a:schemeClr val="accent1"/>
+          </a:effectRef>
+          <a:fontRef idx="minor">
+            <a:schemeClr val="lt1"/>
+          </a:fontRef>
+        </p:style>
+        <p:txBody>
+          <a:bodyPr rtlCol="0" anchor="ctr"/>
+          <a:lstStyle/>
+          <a:p>
+            <a:pPr algn="ctr"/>
+            <a:r>
+              <a:rPr kumimoji="1" lang="zh-Hans" altLang="en-US" dirty="0">
+                <a:latin typeface="PingFang SC" panose="020B0400000000000000" pitchFamily="34" charset="-122"/>
+                <a:ea typeface="PingFang SC" panose="020B0400000000000000" pitchFamily="34" charset="-122"/>
+              </a:rPr>
+              <a:t>新房</a:t>
+            </a:r>
+            <a:endParaRPr kumimoji="1" lang="zh-CN" altLang="en-US" dirty="0">
+              <a:latin typeface="PingFang SC" panose="020B0400000000000000" pitchFamily="34" charset="-122"/>
+              <a:ea typeface="PingFang SC" panose="020B0400000000000000" pitchFamily="34" charset="-122"/>
+            </a:endParaRPr>
+          </a:p>
+        </p:txBody>
+      </p:sp>
+      <p:sp>
+        <p:nvSpPr>
+          <p:cNvPr id="31" name="矩形 30">
+            <a:extLst>
+              <a:ext uri="{FF2B5EF4-FFF2-40B4-BE49-F238E27FC236}">
+                <a16:creationId xmlns:a16="http://schemas.microsoft.com/office/drawing/2014/main" id="{48BEA7D2-F0FA-AE4D-92E7-AA1A6C0CEE12}"/>
+              </a:ext>
+            </a:extLst>
+          </p:cNvPr>
+          <p:cNvSpPr/>
+          <p:nvPr/>
+        </p:nvSpPr>
+        <p:spPr>
+          <a:xfrm>
+            <a:off x="7610385" y="2178683"/>
+            <a:ext cx="1262340" cy="520120"/>
+          </a:xfrm>
+          <a:prstGeom prst="rect">
+            <a:avLst/>
+          </a:prstGeom>
+          <a:solidFill>
+            <a:srgbClr val="92D050"/>
+          </a:solidFill>
+          <a:ln>
+            <a:noFill/>
+          </a:ln>
+        </p:spPr>
+        <p:style>
+          <a:lnRef idx="1">
+            <a:schemeClr val="accent1"/>
+          </a:lnRef>
+          <a:fillRef idx="3">
+            <a:schemeClr val="accent1"/>
+          </a:fillRef>
+          <a:effectRef idx="2">
+            <a:schemeClr val="accent1"/>
+          </a:effectRef>
+          <a:fontRef idx="minor">
+            <a:schemeClr val="lt1"/>
+          </a:fontRef>
+        </p:style>
+        <p:txBody>
+          <a:bodyPr rtlCol="0" anchor="ctr"/>
+          <a:lstStyle/>
+          <a:p>
+            <a:pPr algn="ctr"/>
+            <a:r>
+              <a:rPr kumimoji="1" lang="zh-Hans" altLang="en-US" dirty="0">
+                <a:latin typeface="PingFang SC" panose="020B0400000000000000" pitchFamily="34" charset="-122"/>
+                <a:ea typeface="PingFang SC" panose="020B0400000000000000" pitchFamily="34" charset="-122"/>
+              </a:rPr>
+              <a:t>个人中心</a:t>
+            </a:r>
+            <a:endParaRPr kumimoji="1" lang="zh-CN" altLang="en-US" dirty="0">
+              <a:latin typeface="PingFang SC" panose="020B0400000000000000" pitchFamily="34" charset="-122"/>
+              <a:ea typeface="PingFang SC" panose="020B0400000000000000" pitchFamily="34" charset="-122"/>
+            </a:endParaRPr>
+          </a:p>
+        </p:txBody>
+      </p:sp>
+      <p:sp>
+        <p:nvSpPr>
+          <p:cNvPr id="32" name="矩形 31">
+            <a:extLst>
+              <a:ext uri="{FF2B5EF4-FFF2-40B4-BE49-F238E27FC236}">
+                <a16:creationId xmlns:a16="http://schemas.microsoft.com/office/drawing/2014/main" id="{F7BC4581-DEEE-B94C-8078-5AD0A5A5F75A}"/>
+              </a:ext>
+            </a:extLst>
+          </p:cNvPr>
+          <p:cNvSpPr/>
+          <p:nvPr/>
+        </p:nvSpPr>
+        <p:spPr>
+          <a:xfrm>
+            <a:off x="6021121" y="3522596"/>
+            <a:ext cx="2874703" cy="520120"/>
+          </a:xfrm>
+          <a:prstGeom prst="rect">
+            <a:avLst/>
+          </a:prstGeom>
+          <a:solidFill>
+            <a:srgbClr val="7030A0"/>
+          </a:solidFill>
+          <a:ln>
+            <a:noFill/>
+          </a:ln>
+        </p:spPr>
+        <p:style>
+          <a:lnRef idx="1">
+            <a:schemeClr val="accent1"/>
+          </a:lnRef>
+          <a:fillRef idx="3">
+            <a:schemeClr val="accent1"/>
+          </a:fillRef>
+          <a:effectRef idx="2">
+            <a:schemeClr val="accent1"/>
+          </a:effectRef>
+          <a:fontRef idx="minor">
+            <a:schemeClr val="lt1"/>
+          </a:fontRef>
+        </p:style>
+        <p:txBody>
+          <a:bodyPr rtlCol="0" anchor="ctr"/>
+          <a:lstStyle/>
+          <a:p>
+            <a:pPr algn="ctr"/>
+            <a:r>
+              <a:rPr kumimoji="1" lang="zh-Hans" altLang="en-US" dirty="0">
+                <a:latin typeface="PingFang SC" panose="020B0400000000000000" pitchFamily="34" charset="-122"/>
+                <a:ea typeface="PingFang SC" panose="020B0400000000000000" pitchFamily="34" charset="-122"/>
+              </a:rPr>
+              <a:t>安居客 </a:t>
+            </a:r>
+            <a:r>
+              <a:rPr kumimoji="1" lang="en-US" altLang="zh-Hans" dirty="0">
+                <a:latin typeface="PingFang SC" panose="020B0400000000000000" pitchFamily="34" charset="-122"/>
+                <a:ea typeface="PingFang SC" panose="020B0400000000000000" pitchFamily="34" charset="-122"/>
+              </a:rPr>
+              <a:t>IMP</a:t>
+            </a:r>
+            <a:endParaRPr kumimoji="1" lang="zh-CN" altLang="en-US" dirty="0">
+              <a:latin typeface="PingFang SC" panose="020B0400000000000000" pitchFamily="34" charset="-122"/>
+              <a:ea typeface="PingFang SC" panose="020B0400000000000000" pitchFamily="34" charset="-122"/>
+            </a:endParaRPr>
+          </a:p>
+        </p:txBody>
+      </p:sp>
+      <p:sp>
+        <p:nvSpPr>
+          <p:cNvPr id="33" name="矩形 32">
+            <a:extLst>
+              <a:ext uri="{FF2B5EF4-FFF2-40B4-BE49-F238E27FC236}">
+                <a16:creationId xmlns:a16="http://schemas.microsoft.com/office/drawing/2014/main" id="{9DCC1032-4642-0149-BEEF-963B34C3AA8F}"/>
+              </a:ext>
+            </a:extLst>
+          </p:cNvPr>
+          <p:cNvSpPr/>
+          <p:nvPr/>
+        </p:nvSpPr>
+        <p:spPr>
+          <a:xfrm>
+            <a:off x="6044220" y="4238095"/>
+            <a:ext cx="2851604" cy="520120"/>
+          </a:xfrm>
+          <a:prstGeom prst="rect">
+            <a:avLst/>
+          </a:prstGeom>
+          <a:solidFill>
+            <a:srgbClr val="0D6CBB"/>
+          </a:solidFill>
+          <a:ln>
+            <a:noFill/>
+          </a:ln>
+        </p:spPr>
+        <p:style>
+          <a:lnRef idx="1">
+            <a:schemeClr val="accent1"/>
+          </a:lnRef>
+          <a:fillRef idx="3">
+            <a:schemeClr val="accent1"/>
+          </a:fillRef>
+          <a:effectRef idx="2">
+            <a:schemeClr val="accent1"/>
+          </a:effectRef>
+          <a:fontRef idx="minor">
+            <a:schemeClr val="lt1"/>
+          </a:fontRef>
+        </p:style>
+        <p:txBody>
+          <a:bodyPr rtlCol="0" anchor="ctr"/>
+          <a:lstStyle/>
+          <a:p>
+            <a:pPr algn="ctr"/>
+            <a:r>
+              <a:rPr kumimoji="1" lang="en-US" altLang="zh-Hans" dirty="0" err="1">
+                <a:latin typeface="PingFang SC" panose="020B0400000000000000" pitchFamily="34" charset="-122"/>
+                <a:ea typeface="PingFang SC" panose="020B0400000000000000" pitchFamily="34" charset="-122"/>
+              </a:rPr>
+              <a:t>WBFrameworks</a:t>
+            </a:r>
+            <a:endParaRPr kumimoji="1" lang="zh-CN" altLang="en-US" dirty="0">
+              <a:latin typeface="PingFang SC" panose="020B0400000000000000" pitchFamily="34" charset="-122"/>
+              <a:ea typeface="PingFang SC" panose="020B0400000000000000" pitchFamily="34" charset="-122"/>
+            </a:endParaRPr>
+          </a:p>
+        </p:txBody>
+      </p:sp>
+      <p:sp>
+        <p:nvSpPr>
+          <p:cNvPr id="36" name="矩形 35">
+            <a:extLst>
+              <a:ext uri="{FF2B5EF4-FFF2-40B4-BE49-F238E27FC236}">
+                <a16:creationId xmlns:a16="http://schemas.microsoft.com/office/drawing/2014/main" id="{F41D2A2F-74F2-FC4F-A4FB-638015D9E3BE}"/>
+              </a:ext>
+            </a:extLst>
+          </p:cNvPr>
+          <p:cNvSpPr/>
+          <p:nvPr/>
+        </p:nvSpPr>
+        <p:spPr>
+          <a:xfrm>
+            <a:off x="2807303" y="1441841"/>
+            <a:ext cx="6065422" cy="520120"/>
+          </a:xfrm>
+          <a:prstGeom prst="rect">
+            <a:avLst/>
+          </a:prstGeom>
+          <a:solidFill>
+            <a:schemeClr val="bg1">
+              <a:lumMod val="65000"/>
+            </a:schemeClr>
+          </a:solidFill>
+          <a:ln>
+            <a:noFill/>
+          </a:ln>
+        </p:spPr>
+        <p:style>
+          <a:lnRef idx="1">
+            <a:schemeClr val="accent1"/>
+          </a:lnRef>
+          <a:fillRef idx="3">
+            <a:schemeClr val="accent1"/>
+          </a:fillRef>
+          <a:effectRef idx="2">
+            <a:schemeClr val="accent1"/>
+          </a:effectRef>
+          <a:fontRef idx="minor">
+            <a:schemeClr val="lt1"/>
+          </a:fontRef>
+        </p:style>
+        <p:txBody>
+          <a:bodyPr rtlCol="0" anchor="ctr"/>
+          <a:lstStyle/>
+          <a:p>
+            <a:pPr algn="ctr"/>
+            <a:r>
+              <a:rPr kumimoji="1" lang="en-US" altLang="zh-Hans" dirty="0">
+                <a:latin typeface="PingFang SC" panose="020B0400000000000000" pitchFamily="34" charset="-122"/>
+                <a:ea typeface="PingFang SC" panose="020B0400000000000000" pitchFamily="34" charset="-122"/>
+              </a:rPr>
+              <a:t>igit.58corp.com</a:t>
+            </a:r>
+            <a:endParaRPr kumimoji="1" lang="zh-CN" altLang="en-US" dirty="0">
+              <a:latin typeface="PingFang SC" panose="020B0400000000000000" pitchFamily="34" charset="-122"/>
+              <a:ea typeface="PingFang SC" panose="020B0400000000000000" pitchFamily="34" charset="-122"/>
+            </a:endParaRPr>
+          </a:p>
+        </p:txBody>
+      </p:sp>
+      <p:sp>
+        <p:nvSpPr>
+          <p:cNvPr id="38" name="文本框 37">
+            <a:extLst>
+              <a:ext uri="{FF2B5EF4-FFF2-40B4-BE49-F238E27FC236}">
+                <a16:creationId xmlns:a16="http://schemas.microsoft.com/office/drawing/2014/main" id="{B8266852-3EF2-164E-BCFB-547D3E630939}"/>
+              </a:ext>
+            </a:extLst>
+          </p:cNvPr>
+          <p:cNvSpPr txBox="1"/>
+          <p:nvPr/>
+        </p:nvSpPr>
+        <p:spPr>
+          <a:xfrm>
+            <a:off x="2732278" y="5121873"/>
+            <a:ext cx="3388106" cy="962956"/>
+          </a:xfrm>
+          <a:prstGeom prst="rect">
+            <a:avLst/>
+          </a:prstGeom>
+          <a:noFill/>
+        </p:spPr>
+        <p:txBody>
+          <a:bodyPr wrap="square" rtlCol="0">
+            <a:spAutoFit/>
+          </a:bodyPr>
+          <a:lstStyle/>
+          <a:p>
+            <a:pPr marL="285750" indent="-285750">
+              <a:lnSpc>
+                <a:spcPct val="150000"/>
+              </a:lnSpc>
+              <a:buFont typeface="Arial" panose="020B0604020202020204" pitchFamily="34" charset="0"/>
+              <a:buChar char="•"/>
+            </a:pPr>
+            <a:r>
+              <a:rPr kumimoji="1" lang="zh-Hans" altLang="en-US" sz="2000" b="1" dirty="0"/>
+              <a:t>更新代码耗时</a:t>
+            </a:r>
+            <a:endParaRPr kumimoji="1" lang="en-US" altLang="zh-Hans" sz="2000" b="1" dirty="0"/>
+          </a:p>
+          <a:p>
+            <a:pPr marL="285750" indent="-285750">
+              <a:lnSpc>
+                <a:spcPct val="150000"/>
+              </a:lnSpc>
+              <a:buFont typeface="Arial" panose="020B0604020202020204" pitchFamily="34" charset="0"/>
+              <a:buChar char="•"/>
+            </a:pPr>
+            <a:r>
+              <a:rPr kumimoji="1" lang="zh-Hans" altLang="en-US" sz="2000" b="1" dirty="0"/>
+              <a:t>提交代码耗时</a:t>
+            </a:r>
+            <a:endParaRPr kumimoji="1" lang="zh-CN" altLang="en-US" sz="2000" b="1" dirty="0"/>
+          </a:p>
+        </p:txBody>
+      </p:sp>
+      <p:sp>
+        <p:nvSpPr>
+          <p:cNvPr id="41" name="矩形 40">
+            <a:extLst>
+              <a:ext uri="{FF2B5EF4-FFF2-40B4-BE49-F238E27FC236}">
+                <a16:creationId xmlns:a16="http://schemas.microsoft.com/office/drawing/2014/main" id="{74809C01-EEA0-6A4C-A26E-750B50FFB4E3}"/>
+              </a:ext>
+            </a:extLst>
+          </p:cNvPr>
+          <p:cNvSpPr/>
+          <p:nvPr/>
+        </p:nvSpPr>
+        <p:spPr>
+          <a:xfrm>
+            <a:off x="2807303" y="2850639"/>
+            <a:ext cx="3012926" cy="520120"/>
+          </a:xfrm>
+          <a:prstGeom prst="rect">
+            <a:avLst/>
+          </a:prstGeom>
+          <a:solidFill>
+            <a:srgbClr val="92D050"/>
+          </a:solidFill>
+          <a:ln>
+            <a:noFill/>
+          </a:ln>
+        </p:spPr>
+        <p:style>
+          <a:lnRef idx="1">
+            <a:schemeClr val="accent1"/>
+          </a:lnRef>
+          <a:fillRef idx="3">
+            <a:schemeClr val="accent1"/>
+          </a:fillRef>
+          <a:effectRef idx="2">
+            <a:schemeClr val="accent1"/>
+          </a:effectRef>
+          <a:fontRef idx="minor">
+            <a:schemeClr val="lt1"/>
+          </a:fontRef>
+        </p:style>
+        <p:txBody>
+          <a:bodyPr rtlCol="0" anchor="ctr"/>
+          <a:lstStyle/>
+          <a:p>
+            <a:pPr algn="ctr"/>
+            <a:r>
+              <a:rPr kumimoji="1" lang="zh-Hans" altLang="en-US" dirty="0">
+                <a:latin typeface="PingFang SC" panose="020B0400000000000000" pitchFamily="34" charset="-122"/>
+                <a:ea typeface="PingFang SC" panose="020B0400000000000000" pitchFamily="34" charset="-122"/>
+              </a:rPr>
+              <a:t>微聊</a:t>
+            </a:r>
+            <a:endParaRPr kumimoji="1" lang="zh-CN" altLang="en-US" dirty="0">
+              <a:latin typeface="PingFang SC" panose="020B0400000000000000" pitchFamily="34" charset="-122"/>
+              <a:ea typeface="PingFang SC" panose="020B0400000000000000" pitchFamily="34" charset="-122"/>
+            </a:endParaRPr>
+          </a:p>
+        </p:txBody>
+      </p:sp>
+    </p:spTree>
+    <p:custDataLst>
+      <p:tags r:id="rId1"/>
+    </p:custDataLst>
+    <p:extLst>
+      <p:ext uri="{BB962C8B-B14F-4D97-AF65-F5344CB8AC3E}">
+        <p14:creationId xmlns:p14="http://schemas.microsoft.com/office/powerpoint/2010/main" val="1928301440"/>
+      </p:ext>
+    </p:extLst>
+  </p:cSld>
+  <p:clrMapOvr>
+    <a:masterClrMapping/>
+  </p:clrMapOvr>
+</p:sld>
+</file>
+
+<file path=ppt/slides/slide24.xml><?xml version="1.0" encoding="utf-8"?>
+<p:sld xmlns:a="http://schemas.openxmlformats.org/drawingml/2006/main" xmlns:r="http://schemas.openxmlformats.org/officeDocument/2006/relationships" xmlns:p="http://schemas.openxmlformats.org/presentationml/2006/main">
+  <p:cSld>
+    <p:spTree>
+      <p:nvGrpSpPr>
+        <p:cNvPr id="1" name=""/>
+        <p:cNvGrpSpPr/>
+        <p:nvPr/>
+      </p:nvGrpSpPr>
+      <p:grpSpPr>
+        <a:xfrm>
+          <a:off x="0" y="0"/>
+          <a:ext cx="0" cy="0"/>
+          <a:chOff x="0" y="0"/>
+          <a:chExt cx="0" cy="0"/>
+        </a:xfrm>
+      </p:grpSpPr>
+      <p:pic>
+        <p:nvPicPr>
+          <p:cNvPr id="2" name="图片 1"/>
+          <p:cNvPicPr>
+            <a:picLocks noChangeAspect="1"/>
+          </p:cNvPicPr>
+          <p:nvPr/>
+        </p:nvPicPr>
+        <p:blipFill>
+          <a:blip r:embed="rId4" cstate="email"/>
+          <a:stretch>
+            <a:fillRect/>
+          </a:stretch>
+        </p:blipFill>
+        <p:spPr>
+          <a:xfrm>
+            <a:off x="0" y="0"/>
+            <a:ext cx="9142571" cy="6858000"/>
+          </a:xfrm>
+          <a:prstGeom prst="rect">
+            <a:avLst/>
+          </a:prstGeom>
+          <a:noFill/>
+          <a:ln>
+            <a:solidFill>
+              <a:schemeClr val="tx1"/>
+            </a:solidFill>
+          </a:ln>
+        </p:spPr>
+      </p:pic>
+      <p:sp>
+        <p:nvSpPr>
+          <p:cNvPr id="6" name="灯片编号占位符 4"/>
+          <p:cNvSpPr>
+            <a:spLocks noGrp="1"/>
+          </p:cNvSpPr>
+          <p:nvPr>
+            <p:ph type="sldNum" sz="quarter" idx="12"/>
+          </p:nvPr>
+        </p:nvSpPr>
+        <p:spPr>
+          <a:xfrm>
+            <a:off x="6120384" y="6413183"/>
+            <a:ext cx="2133600" cy="274637"/>
+          </a:xfrm>
+        </p:spPr>
+        <p:txBody>
+          <a:bodyPr/>
+          <a:lstStyle>
+            <a:lvl1pPr eaLnBrk="0" hangingPunct="0">
+              <a:defRPr>
+                <a:solidFill>
+                  <a:schemeClr val="tx1"/>
+                </a:solidFill>
+                <a:latin typeface="Arial" panose="020B0604020202090204" pitchFamily="34" charset="0"/>
+                <a:ea typeface="宋体" charset="-122"/>
+              </a:defRPr>
+            </a:lvl1pPr>
+            <a:lvl2pPr marL="742950" indent="-285750" eaLnBrk="0" hangingPunct="0">
+              <a:defRPr>
+                <a:solidFill>
+                  <a:schemeClr val="tx1"/>
+                </a:solidFill>
+                <a:latin typeface="Arial" panose="020B0604020202090204" pitchFamily="34" charset="0"/>
+                <a:ea typeface="宋体" charset="-122"/>
+              </a:defRPr>
+            </a:lvl2pPr>
+            <a:lvl3pPr marL="1143000" indent="-228600" eaLnBrk="0" hangingPunct="0">
+              <a:defRPr>
+                <a:solidFill>
+                  <a:schemeClr val="tx1"/>
+                </a:solidFill>
+                <a:latin typeface="Arial" panose="020B0604020202090204" pitchFamily="34" charset="0"/>
+                <a:ea typeface="宋体" charset="-122"/>
+              </a:defRPr>
+            </a:lvl3pPr>
+            <a:lvl4pPr marL="1600200" indent="-228600" eaLnBrk="0" hangingPunct="0">
+              <a:defRPr>
+                <a:solidFill>
+                  <a:schemeClr val="tx1"/>
+                </a:solidFill>
+                <a:latin typeface="Arial" panose="020B0604020202090204" pitchFamily="34" charset="0"/>
+                <a:ea typeface="宋体" charset="-122"/>
+              </a:defRPr>
+            </a:lvl4pPr>
+            <a:lvl5pPr marL="2057400" indent="-228600" eaLnBrk="0" hangingPunct="0">
+              <a:defRPr>
+                <a:solidFill>
+                  <a:schemeClr val="tx1"/>
+                </a:solidFill>
+                <a:latin typeface="Arial" panose="020B0604020202090204" pitchFamily="34" charset="0"/>
+                <a:ea typeface="宋体" charset="-122"/>
+              </a:defRPr>
+            </a:lvl5pPr>
+            <a:lvl6pPr marL="2514600" indent="-228600" defTabSz="457200" eaLnBrk="0" fontAlgn="base" hangingPunct="0">
+              <a:spcBef>
+                <a:spcPct val="0"/>
+              </a:spcBef>
+              <a:spcAft>
+                <a:spcPct val="0"/>
+              </a:spcAft>
+              <a:defRPr>
+                <a:solidFill>
+                  <a:schemeClr val="tx1"/>
+                </a:solidFill>
+                <a:latin typeface="Arial" panose="020B0604020202090204" pitchFamily="34" charset="0"/>
+                <a:ea typeface="宋体" charset="-122"/>
+              </a:defRPr>
+            </a:lvl6pPr>
+            <a:lvl7pPr marL="2971800" indent="-228600" defTabSz="457200" eaLnBrk="0" fontAlgn="base" hangingPunct="0">
+              <a:spcBef>
+                <a:spcPct val="0"/>
+              </a:spcBef>
+              <a:spcAft>
+                <a:spcPct val="0"/>
+              </a:spcAft>
+              <a:defRPr>
+                <a:solidFill>
+                  <a:schemeClr val="tx1"/>
+                </a:solidFill>
+                <a:latin typeface="Arial" panose="020B0604020202090204" pitchFamily="34" charset="0"/>
+                <a:ea typeface="宋体" charset="-122"/>
+              </a:defRPr>
+            </a:lvl7pPr>
+            <a:lvl8pPr marL="3429000" indent="-228600" defTabSz="457200" eaLnBrk="0" fontAlgn="base" hangingPunct="0">
+              <a:spcBef>
+                <a:spcPct val="0"/>
+              </a:spcBef>
+              <a:spcAft>
+                <a:spcPct val="0"/>
+              </a:spcAft>
+              <a:defRPr>
+                <a:solidFill>
+                  <a:schemeClr val="tx1"/>
+                </a:solidFill>
+                <a:latin typeface="Arial" panose="020B0604020202090204" pitchFamily="34" charset="0"/>
+                <a:ea typeface="宋体" charset="-122"/>
+              </a:defRPr>
+            </a:lvl8pPr>
+            <a:lvl9pPr marL="3886200" indent="-228600" defTabSz="457200" eaLnBrk="0" fontAlgn="base" hangingPunct="0">
+              <a:spcBef>
+                <a:spcPct val="0"/>
+              </a:spcBef>
+              <a:spcAft>
+                <a:spcPct val="0"/>
+              </a:spcAft>
+              <a:defRPr>
+                <a:solidFill>
+                  <a:schemeClr val="tx1"/>
+                </a:solidFill>
+                <a:latin typeface="Arial" panose="020B0604020202090204" pitchFamily="34" charset="0"/>
+                <a:ea typeface="宋体" charset="-122"/>
+              </a:defRPr>
+            </a:lvl9pPr>
+          </a:lstStyle>
+          <a:p>
+            <a:pPr marL="0" marR="0" lvl="0" indent="0" algn="r" defTabSz="457200" rtl="0" eaLnBrk="1" fontAlgn="auto" latinLnBrk="0" hangingPunct="1">
+              <a:lnSpc>
+                <a:spcPct val="100000"/>
+              </a:lnSpc>
+              <a:spcBef>
+                <a:spcPts val="0"/>
+              </a:spcBef>
+              <a:spcAft>
+                <a:spcPts val="0"/>
+              </a:spcAft>
+              <a:buClrTx/>
+              <a:buSzTx/>
+              <a:buFontTx/>
+              <a:buNone/>
+              <a:defRPr/>
+            </a:pPr>
+            <a:fld id="{3F1E42E4-90F7-C348-9C7D-352344EF35F9}" type="slidenum">
+              <a:rPr kumimoji="0" lang="zh-CN" altLang="en-US" sz="1200" b="0" i="0" u="none" strike="noStrike" kern="1200" cap="none" spc="0" normalizeH="0" baseline="0" noProof="0">
+                <a:ln>
+                  <a:noFill/>
+                </a:ln>
+                <a:solidFill>
+                  <a:srgbClr val="898989"/>
+                </a:solidFill>
+                <a:effectLst/>
+                <a:uLnTx/>
+                <a:uFillTx/>
+                <a:latin typeface="Arial" panose="020B0604020202090204" pitchFamily="34" charset="0"/>
+                <a:ea typeface="微软雅黑" charset="-122"/>
+                <a:cs typeface="+mn-cs"/>
+              </a:rPr>
+              <a:t>24</a:t>
+            </a:fld>
+            <a:endParaRPr kumimoji="0" lang="zh-CN" altLang="en-US" sz="1200" b="0" i="0" u="none" strike="noStrike" kern="1200" cap="none" spc="0" normalizeH="0" baseline="0" noProof="0" dirty="0">
+              <a:ln>
+                <a:noFill/>
+              </a:ln>
+              <a:solidFill>
+                <a:srgbClr val="898989"/>
+              </a:solidFill>
+              <a:effectLst/>
+              <a:uLnTx/>
+              <a:uFillTx/>
+              <a:latin typeface="Arial" panose="020B0604020202090204" pitchFamily="34" charset="0"/>
+              <a:ea typeface="微软雅黑" charset="-122"/>
+              <a:cs typeface="+mn-cs"/>
+            </a:endParaRPr>
+          </a:p>
+        </p:txBody>
+      </p:sp>
+      <p:sp>
+        <p:nvSpPr>
+          <p:cNvPr id="7" name="标题 1"/>
+          <p:cNvSpPr txBox="1"/>
+          <p:nvPr/>
+        </p:nvSpPr>
+        <p:spPr>
+          <a:xfrm>
+            <a:off x="250825" y="89645"/>
+            <a:ext cx="8278495" cy="782955"/>
+          </a:xfrm>
+          <a:prstGeom prst="rect">
+            <a:avLst/>
+          </a:prstGeom>
+        </p:spPr>
+        <p:txBody>
+          <a:bodyPr/>
+          <a:lstStyle>
+            <a:lvl1pPr algn="ctr" defTabSz="457200" rtl="0" eaLnBrk="1" latinLnBrk="0" hangingPunct="1">
+              <a:spcBef>
+                <a:spcPct val="0"/>
+              </a:spcBef>
+              <a:buNone/>
+              <a:defRPr sz="4400" kern="1200">
+                <a:solidFill>
+                  <a:schemeClr val="tx1"/>
+                </a:solidFill>
+                <a:latin typeface="+mj-lt"/>
+                <a:ea typeface="+mj-ea"/>
+                <a:cs typeface="+mj-cs"/>
+              </a:defRPr>
+            </a:lvl1pPr>
+          </a:lstStyle>
+          <a:p>
+            <a:pPr marL="0" marR="0" lvl="0" indent="0" algn="l" defTabSz="457200" rtl="0" eaLnBrk="1" fontAlgn="auto" latinLnBrk="0" hangingPunct="1">
+              <a:lnSpc>
+                <a:spcPct val="150000"/>
+              </a:lnSpc>
+              <a:spcBef>
+                <a:spcPts val="0"/>
+              </a:spcBef>
+              <a:spcAft>
+                <a:spcPts val="0"/>
+              </a:spcAft>
+              <a:buClrTx/>
+              <a:buSzTx/>
+              <a:buFontTx/>
+              <a:buNone/>
+              <a:defRPr/>
+            </a:pPr>
+            <a:r>
+              <a:rPr lang="zh-Hans" altLang="en-US" sz="2400" b="1" dirty="0">
+                <a:solidFill>
+                  <a:prstClr val="black"/>
+                </a:solidFill>
+                <a:latin typeface="苹方-简" panose="020B0400000000000000" charset="-122"/>
+                <a:ea typeface="苹方-简" panose="020B0400000000000000" charset="-122"/>
+              </a:rPr>
+              <a:t>开发流程提效 （措施）</a:t>
+            </a:r>
+            <a:endParaRPr kumimoji="0" lang="en-US" altLang="zh-CN" sz="2400" b="1" i="0" u="none" strike="noStrike" kern="1200" cap="none" spc="0" normalizeH="0" baseline="0" noProof="0" dirty="0">
+              <a:ln>
+                <a:noFill/>
+              </a:ln>
+              <a:solidFill>
+                <a:prstClr val="black"/>
+              </a:solidFill>
+              <a:effectLst/>
+              <a:uLnTx/>
+              <a:uFillTx/>
+              <a:latin typeface="苹方-简" panose="020B0400000000000000" charset="-122"/>
+              <a:ea typeface="苹方-简" panose="020B0400000000000000" charset="-122"/>
+            </a:endParaRPr>
+          </a:p>
+        </p:txBody>
+      </p:sp>
+      <p:sp>
+        <p:nvSpPr>
+          <p:cNvPr id="9" name="内容占位符 2"/>
+          <p:cNvSpPr txBox="1"/>
+          <p:nvPr/>
+        </p:nvSpPr>
+        <p:spPr>
+          <a:xfrm>
+            <a:off x="24384" y="934691"/>
+            <a:ext cx="8229600" cy="669520"/>
+          </a:xfrm>
+          <a:prstGeom prst="rect">
+            <a:avLst/>
+          </a:prstGeom>
+        </p:spPr>
+        <p:txBody>
+          <a:bodyPr/>
+          <a:lstStyle>
+            <a:lvl1pPr marL="342900" indent="-342900" algn="l" defTabSz="457200" rtl="0" eaLnBrk="1" latinLnBrk="0" hangingPunct="1">
+              <a:spcBef>
+                <a:spcPct val="20000"/>
+              </a:spcBef>
+              <a:buFont typeface="Arial" panose="020B0604020202090204"/>
+              <a:buChar char="•"/>
+              <a:defRPr sz="3200" kern="1200">
+                <a:solidFill>
+                  <a:schemeClr val="tx1"/>
+                </a:solidFill>
+                <a:latin typeface="+mn-lt"/>
+                <a:ea typeface="+mn-ea"/>
+                <a:cs typeface="+mn-cs"/>
+              </a:defRPr>
+            </a:lvl1pPr>
+            <a:lvl2pPr marL="742950" indent="-285750" algn="l" defTabSz="457200" rtl="0" eaLnBrk="1" latinLnBrk="0" hangingPunct="1">
+              <a:spcBef>
+                <a:spcPct val="20000"/>
+              </a:spcBef>
+              <a:buFont typeface="Arial" panose="020B0604020202090204"/>
+              <a:buChar char="–"/>
+              <a:defRPr sz="2800" kern="1200">
+                <a:solidFill>
+                  <a:schemeClr val="tx1"/>
+                </a:solidFill>
+                <a:latin typeface="+mn-lt"/>
+                <a:ea typeface="+mn-ea"/>
+                <a:cs typeface="+mn-cs"/>
+              </a:defRPr>
+            </a:lvl2pPr>
+            <a:lvl3pPr marL="1143000" indent="-228600" algn="l" defTabSz="457200" rtl="0" eaLnBrk="1" latinLnBrk="0" hangingPunct="1">
+              <a:spcBef>
+                <a:spcPct val="20000"/>
+              </a:spcBef>
+              <a:buFont typeface="Arial" panose="020B0604020202090204"/>
+              <a:buChar char="•"/>
+              <a:defRPr sz="2400" kern="1200">
+                <a:solidFill>
+                  <a:schemeClr val="tx1"/>
+                </a:solidFill>
+                <a:latin typeface="+mn-lt"/>
+                <a:ea typeface="+mn-ea"/>
+                <a:cs typeface="+mn-cs"/>
+              </a:defRPr>
+            </a:lvl3pPr>
+            <a:lvl4pPr marL="1600200" indent="-228600" algn="l" defTabSz="457200" rtl="0" eaLnBrk="1" latinLnBrk="0" hangingPunct="1">
+              <a:spcBef>
+                <a:spcPct val="20000"/>
+              </a:spcBef>
+              <a:buFont typeface="Arial" panose="020B0604020202090204"/>
+              <a:buChar char="–"/>
+              <a:defRPr sz="2000" kern="1200">
+                <a:solidFill>
+                  <a:schemeClr val="tx1"/>
+                </a:solidFill>
+                <a:latin typeface="+mn-lt"/>
+                <a:ea typeface="+mn-ea"/>
+                <a:cs typeface="+mn-cs"/>
+              </a:defRPr>
+            </a:lvl4pPr>
+            <a:lvl5pPr marL="2057400" indent="-228600" algn="l" defTabSz="457200" rtl="0" eaLnBrk="1" latinLnBrk="0" hangingPunct="1">
+              <a:spcBef>
+                <a:spcPct val="20000"/>
+              </a:spcBef>
+              <a:buFont typeface="Arial" panose="020B0604020202090204"/>
+              <a:buChar char="»"/>
+              <a:defRPr sz="2000" kern="1200">
+                <a:solidFill>
+                  <a:schemeClr val="tx1"/>
+                </a:solidFill>
+                <a:latin typeface="+mn-lt"/>
+                <a:ea typeface="+mn-ea"/>
+                <a:cs typeface="+mn-cs"/>
+              </a:defRPr>
+            </a:lvl5pPr>
+            <a:lvl6pPr marL="2514600" indent="-228600" algn="l" defTabSz="457200" rtl="0" eaLnBrk="1" latinLnBrk="0" hangingPunct="1">
+              <a:spcBef>
+                <a:spcPct val="20000"/>
+              </a:spcBef>
+              <a:buFont typeface="Arial" panose="020B0604020202090204"/>
+              <a:buChar char="•"/>
+              <a:defRPr sz="2000" kern="1200">
+                <a:solidFill>
+                  <a:schemeClr val="tx1"/>
+                </a:solidFill>
+                <a:latin typeface="+mn-lt"/>
+                <a:ea typeface="+mn-ea"/>
+                <a:cs typeface="+mn-cs"/>
+              </a:defRPr>
+            </a:lvl6pPr>
+            <a:lvl7pPr marL="2971800" indent="-228600" algn="l" defTabSz="457200" rtl="0" eaLnBrk="1" latinLnBrk="0" hangingPunct="1">
+              <a:spcBef>
+                <a:spcPct val="20000"/>
+              </a:spcBef>
+              <a:buFont typeface="Arial" panose="020B0604020202090204"/>
+              <a:buChar char="•"/>
+              <a:defRPr sz="2000" kern="1200">
+                <a:solidFill>
+                  <a:schemeClr val="tx1"/>
+                </a:solidFill>
+                <a:latin typeface="+mn-lt"/>
+                <a:ea typeface="+mn-ea"/>
+                <a:cs typeface="+mn-cs"/>
+              </a:defRPr>
+            </a:lvl7pPr>
+            <a:lvl8pPr marL="3429000" indent="-228600" algn="l" defTabSz="457200" rtl="0" eaLnBrk="1" latinLnBrk="0" hangingPunct="1">
+              <a:spcBef>
+                <a:spcPct val="20000"/>
+              </a:spcBef>
+              <a:buFont typeface="Arial" panose="020B0604020202090204"/>
+              <a:buChar char="•"/>
+              <a:defRPr sz="2000" kern="1200">
+                <a:solidFill>
+                  <a:schemeClr val="tx1"/>
+                </a:solidFill>
+                <a:latin typeface="+mn-lt"/>
+                <a:ea typeface="+mn-ea"/>
+                <a:cs typeface="+mn-cs"/>
+              </a:defRPr>
+            </a:lvl8pPr>
+            <a:lvl9pPr marL="3886200" indent="-228600" algn="l" defTabSz="457200" rtl="0" eaLnBrk="1" latinLnBrk="0" hangingPunct="1">
+              <a:spcBef>
+                <a:spcPct val="20000"/>
+              </a:spcBef>
+              <a:buFont typeface="Arial" panose="020B0604020202090204"/>
+              <a:buChar char="•"/>
+              <a:defRPr sz="2000" kern="1200">
+                <a:solidFill>
+                  <a:schemeClr val="tx1"/>
+                </a:solidFill>
+                <a:latin typeface="+mn-lt"/>
+                <a:ea typeface="+mn-ea"/>
+                <a:cs typeface="+mn-cs"/>
+              </a:defRPr>
+            </a:lvl9pPr>
+          </a:lstStyle>
+          <a:p>
+            <a:pPr marL="342900" marR="0" lvl="0" indent="-342900" algn="l" defTabSz="457200" rtl="0" eaLnBrk="1" fontAlgn="auto" latinLnBrk="0" hangingPunct="1">
+              <a:lnSpc>
+                <a:spcPct val="130000"/>
+              </a:lnSpc>
+              <a:spcBef>
+                <a:spcPct val="20000"/>
+              </a:spcBef>
+              <a:spcAft>
+                <a:spcPts val="0"/>
+              </a:spcAft>
+              <a:buClrTx/>
+              <a:buSzTx/>
+              <a:buFont typeface="Wingdings" panose="05000000000000000000" pitchFamily="2" charset="2"/>
+              <a:buChar char="l"/>
+              <a:defRPr/>
+            </a:pPr>
+            <a:endParaRPr kumimoji="0" lang="en-US" altLang="zh-CN" sz="1800" b="0" i="0" u="none" strike="noStrike" kern="1200" cap="none" spc="0" normalizeH="0" baseline="0" noProof="0" dirty="0">
+              <a:ln>
+                <a:noFill/>
+              </a:ln>
+              <a:solidFill>
+                <a:prstClr val="black"/>
+              </a:solidFill>
+              <a:effectLst/>
+              <a:uLnTx/>
+              <a:uFillTx/>
+              <a:latin typeface="Calibri"/>
+              <a:ea typeface="微软雅黑" charset="-122"/>
+              <a:cs typeface="+mn-cs"/>
+            </a:endParaRPr>
+          </a:p>
+          <a:p>
+            <a:pPr marL="0" marR="0" lvl="0" indent="0" algn="l" defTabSz="457200" rtl="0" eaLnBrk="1" fontAlgn="auto" latinLnBrk="0" hangingPunct="1">
+              <a:lnSpc>
+                <a:spcPct val="130000"/>
+              </a:lnSpc>
+              <a:spcBef>
+                <a:spcPct val="20000"/>
+              </a:spcBef>
+              <a:spcAft>
+                <a:spcPts val="0"/>
+              </a:spcAft>
+              <a:buClrTx/>
+              <a:buSzTx/>
+              <a:buFont typeface="Arial" panose="020B0604020202090204"/>
+              <a:buNone/>
+              <a:defRPr/>
+            </a:pPr>
+            <a:endParaRPr kumimoji="0" lang="en-US" altLang="zh-CN" sz="1800" b="1" i="0" u="none" strike="noStrike" kern="1200" cap="none" spc="0" normalizeH="0" baseline="0" noProof="0" dirty="0">
+              <a:ln>
+                <a:noFill/>
+              </a:ln>
+              <a:solidFill>
+                <a:prstClr val="black"/>
+              </a:solidFill>
+              <a:effectLst/>
+              <a:uLnTx/>
+              <a:uFillTx/>
+              <a:latin typeface="Calibri"/>
+              <a:ea typeface="微软雅黑" charset="-122"/>
+              <a:cs typeface="+mn-cs"/>
+            </a:endParaRPr>
+          </a:p>
+          <a:p>
+            <a:pPr marL="0" marR="0" lvl="0" indent="0" algn="l" defTabSz="457200" rtl="0" eaLnBrk="1" fontAlgn="auto" latinLnBrk="0" hangingPunct="1">
+              <a:lnSpc>
+                <a:spcPct val="130000"/>
+              </a:lnSpc>
+              <a:spcBef>
+                <a:spcPct val="20000"/>
+              </a:spcBef>
+              <a:spcAft>
+                <a:spcPts val="0"/>
+              </a:spcAft>
+              <a:buClrTx/>
+              <a:buSzTx/>
+              <a:buFont typeface="Arial" panose="020B0604020202090204"/>
+              <a:buNone/>
+              <a:defRPr/>
+            </a:pPr>
+            <a:endParaRPr kumimoji="0" lang="en-US" altLang="zh-CN" sz="1800" b="1" i="0" u="none" strike="noStrike" kern="1200" cap="none" spc="0" normalizeH="0" baseline="0" noProof="0" dirty="0">
+              <a:ln>
+                <a:noFill/>
+              </a:ln>
+              <a:solidFill>
+                <a:prstClr val="black"/>
+              </a:solidFill>
+              <a:effectLst/>
+              <a:uLnTx/>
+              <a:uFillTx/>
+              <a:latin typeface="Calibri"/>
+              <a:ea typeface="微软雅黑" charset="-122"/>
+              <a:cs typeface="+mn-cs"/>
+            </a:endParaRPr>
+          </a:p>
+        </p:txBody>
+      </p:sp>
+      <p:sp>
+        <p:nvSpPr>
+          <p:cNvPr id="3" name="文本框 2">
+            <a:extLst>
+              <a:ext uri="{FF2B5EF4-FFF2-40B4-BE49-F238E27FC236}">
+                <a16:creationId xmlns:a16="http://schemas.microsoft.com/office/drawing/2014/main" id="{8A20930F-52D2-2D43-B156-ABA80F8F4F9E}"/>
+              </a:ext>
+            </a:extLst>
+          </p:cNvPr>
+          <p:cNvSpPr txBox="1"/>
+          <p:nvPr/>
+        </p:nvSpPr>
+        <p:spPr>
+          <a:xfrm>
+            <a:off x="1320800" y="2371237"/>
+            <a:ext cx="4412343" cy="1859868"/>
+          </a:xfrm>
+          <a:prstGeom prst="rect">
+            <a:avLst/>
+          </a:prstGeom>
+          <a:noFill/>
+        </p:spPr>
+        <p:txBody>
+          <a:bodyPr wrap="square" rtlCol="0">
+            <a:spAutoFit/>
+          </a:bodyPr>
+          <a:lstStyle/>
+          <a:p>
+            <a:pPr marL="342900" indent="-342900">
+              <a:lnSpc>
+                <a:spcPct val="200000"/>
+              </a:lnSpc>
+              <a:buFont typeface="+mj-lt"/>
+              <a:buAutoNum type="arabicPeriod"/>
+            </a:pPr>
+            <a:r>
+              <a:rPr kumimoji="1" lang="zh-Hans" altLang="en-US" sz="2000" dirty="0">
+                <a:latin typeface="PingFang SC" panose="020B0400000000000000" pitchFamily="34" charset="-122"/>
+                <a:ea typeface="PingFang SC" panose="020B0400000000000000" pitchFamily="34" charset="-122"/>
+              </a:rPr>
+              <a:t>将远程的</a:t>
+            </a:r>
+            <a:r>
+              <a:rPr kumimoji="1" lang="en-US" altLang="zh-Hans" sz="2000" dirty="0">
+                <a:latin typeface="PingFang SC" panose="020B0400000000000000" pitchFamily="34" charset="-122"/>
+                <a:ea typeface="PingFang SC" panose="020B0400000000000000" pitchFamily="34" charset="-122"/>
+              </a:rPr>
+              <a:t>Pod</a:t>
+            </a:r>
+            <a:r>
+              <a:rPr kumimoji="1" lang="zh-Hans" altLang="en-US" sz="2000" dirty="0">
+                <a:latin typeface="PingFang SC" panose="020B0400000000000000" pitchFamily="34" charset="-122"/>
+                <a:ea typeface="PingFang SC" panose="020B0400000000000000" pitchFamily="34" charset="-122"/>
+              </a:rPr>
+              <a:t> </a:t>
+            </a:r>
+            <a:r>
+              <a:rPr kumimoji="1" lang="en-US" altLang="zh-Hans" sz="2000" dirty="0">
+                <a:latin typeface="PingFang SC" panose="020B0400000000000000" pitchFamily="34" charset="-122"/>
+                <a:ea typeface="PingFang SC" panose="020B0400000000000000" pitchFamily="34" charset="-122"/>
+              </a:rPr>
+              <a:t>Clone</a:t>
+            </a:r>
+            <a:r>
+              <a:rPr kumimoji="1" lang="zh-Hans" altLang="en-US" sz="2000" dirty="0">
+                <a:latin typeface="PingFang SC" panose="020B0400000000000000" pitchFamily="34" charset="-122"/>
+                <a:ea typeface="PingFang SC" panose="020B0400000000000000" pitchFamily="34" charset="-122"/>
+              </a:rPr>
+              <a:t>到本地</a:t>
+            </a:r>
+            <a:endParaRPr kumimoji="1" lang="en-US" altLang="zh-Hans" sz="2000" dirty="0">
+              <a:latin typeface="PingFang SC" panose="020B0400000000000000" pitchFamily="34" charset="-122"/>
+              <a:ea typeface="PingFang SC" panose="020B0400000000000000" pitchFamily="34" charset="-122"/>
+            </a:endParaRPr>
+          </a:p>
+          <a:p>
+            <a:pPr marL="342900" indent="-342900">
+              <a:lnSpc>
+                <a:spcPct val="200000"/>
+              </a:lnSpc>
+              <a:buFont typeface="+mj-lt"/>
+              <a:buAutoNum type="arabicPeriod"/>
+            </a:pPr>
+            <a:r>
+              <a:rPr kumimoji="1" lang="zh-Hans" altLang="en-US" sz="2000" dirty="0">
+                <a:latin typeface="PingFang SC" panose="020B0400000000000000" pitchFamily="34" charset="-122"/>
+                <a:ea typeface="PingFang SC" panose="020B0400000000000000" pitchFamily="34" charset="-122"/>
+              </a:rPr>
+              <a:t>将项目依赖映射到本地</a:t>
+            </a:r>
+            <a:r>
+              <a:rPr kumimoji="1" lang="en-US" altLang="zh-Hans" sz="2000" dirty="0">
+                <a:latin typeface="PingFang SC" panose="020B0400000000000000" pitchFamily="34" charset="-122"/>
+                <a:ea typeface="PingFang SC" panose="020B0400000000000000" pitchFamily="34" charset="-122"/>
+              </a:rPr>
+              <a:t>Pod</a:t>
+            </a:r>
+          </a:p>
+          <a:p>
+            <a:pPr marL="342900" indent="-342900">
+              <a:lnSpc>
+                <a:spcPct val="200000"/>
+              </a:lnSpc>
+              <a:buFont typeface="+mj-lt"/>
+              <a:buAutoNum type="arabicPeriod"/>
+            </a:pPr>
+            <a:r>
+              <a:rPr kumimoji="1" lang="zh-Hans" altLang="en-US" sz="2000" dirty="0">
+                <a:latin typeface="PingFang SC" panose="020B0400000000000000" pitchFamily="34" charset="-122"/>
+                <a:ea typeface="PingFang SC" panose="020B0400000000000000" pitchFamily="34" charset="-122"/>
+              </a:rPr>
+              <a:t>管理本地</a:t>
+            </a:r>
+            <a:r>
+              <a:rPr kumimoji="1" lang="en-US" altLang="zh-Hans" sz="2000" dirty="0">
+                <a:latin typeface="PingFang SC" panose="020B0400000000000000" pitchFamily="34" charset="-122"/>
+                <a:ea typeface="PingFang SC" panose="020B0400000000000000" pitchFamily="34" charset="-122"/>
+              </a:rPr>
+              <a:t>Pod</a:t>
+            </a:r>
+            <a:r>
+              <a:rPr kumimoji="1" lang="zh-Hans" altLang="en-US" sz="2000" dirty="0">
+                <a:latin typeface="PingFang SC" panose="020B0400000000000000" pitchFamily="34" charset="-122"/>
+                <a:ea typeface="PingFang SC" panose="020B0400000000000000" pitchFamily="34" charset="-122"/>
+              </a:rPr>
+              <a:t>的工具</a:t>
+            </a:r>
+            <a:endParaRPr kumimoji="1" lang="zh-CN" altLang="en-US" sz="2000" dirty="0">
+              <a:latin typeface="PingFang SC" panose="020B0400000000000000" pitchFamily="34" charset="-122"/>
+              <a:ea typeface="PingFang SC" panose="020B0400000000000000" pitchFamily="34" charset="-122"/>
+            </a:endParaRPr>
+          </a:p>
+        </p:txBody>
+      </p:sp>
+    </p:spTree>
+    <p:custDataLst>
+      <p:tags r:id="rId1"/>
+    </p:custDataLst>
+    <p:extLst>
+      <p:ext uri="{BB962C8B-B14F-4D97-AF65-F5344CB8AC3E}">
+        <p14:creationId xmlns:p14="http://schemas.microsoft.com/office/powerpoint/2010/main" val="480274012"/>
+      </p:ext>
+    </p:extLst>
+  </p:cSld>
+  <p:clrMapOvr>
+    <a:masterClrMapping/>
+  </p:clrMapOvr>
+</p:sld>
+</file>
+
+<file path=ppt/slides/slide25.xml><?xml version="1.0" encoding="utf-8"?>
+<p:sld xmlns:a="http://schemas.openxmlformats.org/drawingml/2006/main" xmlns:r="http://schemas.openxmlformats.org/officeDocument/2006/relationships" xmlns:p="http://schemas.openxmlformats.org/presentationml/2006/main">
+  <p:cSld>
+    <p:spTree>
+      <p:nvGrpSpPr>
+        <p:cNvPr id="1" name=""/>
+        <p:cNvGrpSpPr/>
+        <p:nvPr/>
+      </p:nvGrpSpPr>
+      <p:grpSpPr>
+        <a:xfrm>
+          <a:off x="0" y="0"/>
+          <a:ext cx="0" cy="0"/>
+          <a:chOff x="0" y="0"/>
+          <a:chExt cx="0" cy="0"/>
+        </a:xfrm>
+      </p:grpSpPr>
+      <p:pic>
+        <p:nvPicPr>
+          <p:cNvPr id="2" name="图片 1"/>
+          <p:cNvPicPr>
+            <a:picLocks noChangeAspect="1"/>
+          </p:cNvPicPr>
+          <p:nvPr/>
+        </p:nvPicPr>
+        <p:blipFill>
+          <a:blip r:embed="rId4" cstate="email"/>
+          <a:stretch>
+            <a:fillRect/>
+          </a:stretch>
+        </p:blipFill>
+        <p:spPr>
+          <a:xfrm>
+            <a:off x="0" y="0"/>
+            <a:ext cx="9142571" cy="6858000"/>
+          </a:xfrm>
+          <a:prstGeom prst="rect">
+            <a:avLst/>
+          </a:prstGeom>
+          <a:noFill/>
+          <a:ln>
+            <a:solidFill>
+              <a:schemeClr val="tx1"/>
+            </a:solidFill>
+          </a:ln>
+        </p:spPr>
+      </p:pic>
+      <p:sp>
+        <p:nvSpPr>
+          <p:cNvPr id="6" name="灯片编号占位符 4"/>
+          <p:cNvSpPr>
+            <a:spLocks noGrp="1"/>
+          </p:cNvSpPr>
+          <p:nvPr>
+            <p:ph type="sldNum" sz="quarter" idx="12"/>
+          </p:nvPr>
+        </p:nvSpPr>
+        <p:spPr>
+          <a:xfrm>
+            <a:off x="6395718" y="6379704"/>
+            <a:ext cx="2133600" cy="274637"/>
+          </a:xfrm>
+        </p:spPr>
+        <p:txBody>
+          <a:bodyPr/>
+          <a:lstStyle>
+            <a:lvl1pPr eaLnBrk="0" hangingPunct="0">
+              <a:defRPr>
+                <a:solidFill>
+                  <a:schemeClr val="tx1"/>
+                </a:solidFill>
+                <a:latin typeface="Arial" panose="020B0604020202090204" pitchFamily="34" charset="0"/>
+                <a:ea typeface="宋体" charset="-122"/>
+              </a:defRPr>
+            </a:lvl1pPr>
+            <a:lvl2pPr marL="742950" indent="-285750" eaLnBrk="0" hangingPunct="0">
+              <a:defRPr>
+                <a:solidFill>
+                  <a:schemeClr val="tx1"/>
+                </a:solidFill>
+                <a:latin typeface="Arial" panose="020B0604020202090204" pitchFamily="34" charset="0"/>
+                <a:ea typeface="宋体" charset="-122"/>
+              </a:defRPr>
+            </a:lvl2pPr>
+            <a:lvl3pPr marL="1143000" indent="-228600" eaLnBrk="0" hangingPunct="0">
+              <a:defRPr>
+                <a:solidFill>
+                  <a:schemeClr val="tx1"/>
+                </a:solidFill>
+                <a:latin typeface="Arial" panose="020B0604020202090204" pitchFamily="34" charset="0"/>
+                <a:ea typeface="宋体" charset="-122"/>
+              </a:defRPr>
+            </a:lvl3pPr>
+            <a:lvl4pPr marL="1600200" indent="-228600" eaLnBrk="0" hangingPunct="0">
+              <a:defRPr>
+                <a:solidFill>
+                  <a:schemeClr val="tx1"/>
+                </a:solidFill>
+                <a:latin typeface="Arial" panose="020B0604020202090204" pitchFamily="34" charset="0"/>
+                <a:ea typeface="宋体" charset="-122"/>
+              </a:defRPr>
+            </a:lvl4pPr>
+            <a:lvl5pPr marL="2057400" indent="-228600" eaLnBrk="0" hangingPunct="0">
+              <a:defRPr>
+                <a:solidFill>
+                  <a:schemeClr val="tx1"/>
+                </a:solidFill>
+                <a:latin typeface="Arial" panose="020B0604020202090204" pitchFamily="34" charset="0"/>
+                <a:ea typeface="宋体" charset="-122"/>
+              </a:defRPr>
+            </a:lvl5pPr>
+            <a:lvl6pPr marL="2514600" indent="-228600" defTabSz="457200" eaLnBrk="0" fontAlgn="base" hangingPunct="0">
+              <a:spcBef>
+                <a:spcPct val="0"/>
+              </a:spcBef>
+              <a:spcAft>
+                <a:spcPct val="0"/>
+              </a:spcAft>
+              <a:defRPr>
+                <a:solidFill>
+                  <a:schemeClr val="tx1"/>
+                </a:solidFill>
+                <a:latin typeface="Arial" panose="020B0604020202090204" pitchFamily="34" charset="0"/>
+                <a:ea typeface="宋体" charset="-122"/>
+              </a:defRPr>
+            </a:lvl6pPr>
+            <a:lvl7pPr marL="2971800" indent="-228600" defTabSz="457200" eaLnBrk="0" fontAlgn="base" hangingPunct="0">
+              <a:spcBef>
+                <a:spcPct val="0"/>
+              </a:spcBef>
+              <a:spcAft>
+                <a:spcPct val="0"/>
+              </a:spcAft>
+              <a:defRPr>
+                <a:solidFill>
+                  <a:schemeClr val="tx1"/>
+                </a:solidFill>
+                <a:latin typeface="Arial" panose="020B0604020202090204" pitchFamily="34" charset="0"/>
+                <a:ea typeface="宋体" charset="-122"/>
+              </a:defRPr>
+            </a:lvl7pPr>
+            <a:lvl8pPr marL="3429000" indent="-228600" defTabSz="457200" eaLnBrk="0" fontAlgn="base" hangingPunct="0">
+              <a:spcBef>
+                <a:spcPct val="0"/>
+              </a:spcBef>
+              <a:spcAft>
+                <a:spcPct val="0"/>
+              </a:spcAft>
+              <a:defRPr>
+                <a:solidFill>
+                  <a:schemeClr val="tx1"/>
+                </a:solidFill>
+                <a:latin typeface="Arial" panose="020B0604020202090204" pitchFamily="34" charset="0"/>
+                <a:ea typeface="宋体" charset="-122"/>
+              </a:defRPr>
+            </a:lvl8pPr>
+            <a:lvl9pPr marL="3886200" indent="-228600" defTabSz="457200" eaLnBrk="0" fontAlgn="base" hangingPunct="0">
+              <a:spcBef>
+                <a:spcPct val="0"/>
+              </a:spcBef>
+              <a:spcAft>
+                <a:spcPct val="0"/>
+              </a:spcAft>
+              <a:defRPr>
+                <a:solidFill>
+                  <a:schemeClr val="tx1"/>
+                </a:solidFill>
+                <a:latin typeface="Arial" panose="020B0604020202090204" pitchFamily="34" charset="0"/>
+                <a:ea typeface="宋体" charset="-122"/>
+              </a:defRPr>
+            </a:lvl9pPr>
+          </a:lstStyle>
+          <a:p>
+            <a:pPr marL="0" marR="0" lvl="0" indent="0" algn="r" defTabSz="457200" rtl="0" eaLnBrk="1" fontAlgn="auto" latinLnBrk="0" hangingPunct="1">
+              <a:lnSpc>
+                <a:spcPct val="100000"/>
+              </a:lnSpc>
+              <a:spcBef>
+                <a:spcPts val="0"/>
+              </a:spcBef>
+              <a:spcAft>
+                <a:spcPts val="0"/>
+              </a:spcAft>
+              <a:buClrTx/>
+              <a:buSzTx/>
+              <a:buFontTx/>
+              <a:buNone/>
+              <a:defRPr/>
+            </a:pPr>
+            <a:fld id="{3F1E42E4-90F7-C348-9C7D-352344EF35F9}" type="slidenum">
+              <a:rPr kumimoji="0" lang="zh-CN" altLang="en-US" sz="1200" b="0" i="0" u="none" strike="noStrike" kern="1200" cap="none" spc="0" normalizeH="0" baseline="0" noProof="0">
+                <a:ln>
+                  <a:noFill/>
+                </a:ln>
+                <a:solidFill>
+                  <a:srgbClr val="898989"/>
+                </a:solidFill>
+                <a:effectLst/>
+                <a:uLnTx/>
+                <a:uFillTx/>
+                <a:latin typeface="Arial" panose="020B0604020202090204" pitchFamily="34" charset="0"/>
+                <a:ea typeface="微软雅黑" charset="-122"/>
+                <a:cs typeface="+mn-cs"/>
+              </a:rPr>
+              <a:t>25</a:t>
+            </a:fld>
+            <a:endParaRPr kumimoji="0" lang="zh-CN" altLang="en-US" sz="1200" b="0" i="0" u="none" strike="noStrike" kern="1200" cap="none" spc="0" normalizeH="0" baseline="0" noProof="0" dirty="0">
+              <a:ln>
+                <a:noFill/>
+              </a:ln>
+              <a:solidFill>
+                <a:srgbClr val="898989"/>
+              </a:solidFill>
+              <a:effectLst/>
+              <a:uLnTx/>
+              <a:uFillTx/>
+              <a:latin typeface="Arial" panose="020B0604020202090204" pitchFamily="34" charset="0"/>
+              <a:ea typeface="微软雅黑" charset="-122"/>
+              <a:cs typeface="+mn-cs"/>
+            </a:endParaRPr>
+          </a:p>
+        </p:txBody>
+      </p:sp>
+      <p:sp>
+        <p:nvSpPr>
+          <p:cNvPr id="7" name="标题 1"/>
+          <p:cNvSpPr txBox="1"/>
+          <p:nvPr/>
+        </p:nvSpPr>
+        <p:spPr>
+          <a:xfrm>
+            <a:off x="250825" y="89645"/>
+            <a:ext cx="8278495" cy="782955"/>
+          </a:xfrm>
+          <a:prstGeom prst="rect">
+            <a:avLst/>
+          </a:prstGeom>
+        </p:spPr>
+        <p:txBody>
+          <a:bodyPr/>
+          <a:lstStyle>
+            <a:lvl1pPr algn="ctr" defTabSz="457200" rtl="0" eaLnBrk="1" latinLnBrk="0" hangingPunct="1">
+              <a:spcBef>
+                <a:spcPct val="0"/>
+              </a:spcBef>
+              <a:buNone/>
+              <a:defRPr sz="4400" kern="1200">
+                <a:solidFill>
+                  <a:schemeClr val="tx1"/>
+                </a:solidFill>
+                <a:latin typeface="+mj-lt"/>
+                <a:ea typeface="+mj-ea"/>
+                <a:cs typeface="+mj-cs"/>
+              </a:defRPr>
+            </a:lvl1pPr>
+          </a:lstStyle>
+          <a:p>
+            <a:pPr marL="0" marR="0" lvl="0" indent="0" algn="l" defTabSz="457200" rtl="0" eaLnBrk="1" fontAlgn="auto" latinLnBrk="0" hangingPunct="1">
+              <a:lnSpc>
+                <a:spcPct val="150000"/>
+              </a:lnSpc>
+              <a:spcBef>
+                <a:spcPts val="0"/>
+              </a:spcBef>
+              <a:spcAft>
+                <a:spcPts val="0"/>
+              </a:spcAft>
+              <a:buClrTx/>
+              <a:buSzTx/>
+              <a:buFontTx/>
+              <a:buNone/>
+              <a:defRPr/>
+            </a:pPr>
+            <a:r>
+              <a:rPr lang="zh-Hans" altLang="en-US" sz="2400" b="1" dirty="0">
+                <a:solidFill>
+                  <a:prstClr val="black"/>
+                </a:solidFill>
+                <a:latin typeface="苹方-简" panose="020B0400000000000000" charset="-122"/>
+                <a:ea typeface="苹方-简" panose="020B0400000000000000" charset="-122"/>
+              </a:rPr>
+              <a:t>开发流程提效</a:t>
+            </a:r>
+            <a:endParaRPr kumimoji="0" lang="en-US" altLang="zh-CN" sz="2400" b="1" i="0" u="none" strike="noStrike" kern="1200" cap="none" spc="0" normalizeH="0" baseline="0" noProof="0" dirty="0">
+              <a:ln>
+                <a:noFill/>
+              </a:ln>
+              <a:solidFill>
+                <a:prstClr val="black"/>
+              </a:solidFill>
+              <a:effectLst/>
+              <a:uLnTx/>
+              <a:uFillTx/>
+              <a:latin typeface="苹方-简" panose="020B0400000000000000" charset="-122"/>
+              <a:ea typeface="苹方-简" panose="020B0400000000000000" charset="-122"/>
+            </a:endParaRPr>
+          </a:p>
+        </p:txBody>
+      </p:sp>
+      <p:sp>
+        <p:nvSpPr>
+          <p:cNvPr id="9" name="内容占位符 2"/>
+          <p:cNvSpPr txBox="1"/>
+          <p:nvPr/>
+        </p:nvSpPr>
+        <p:spPr>
+          <a:xfrm>
+            <a:off x="-342120" y="1104871"/>
+            <a:ext cx="8229600" cy="669520"/>
+          </a:xfrm>
+          <a:prstGeom prst="rect">
+            <a:avLst/>
+          </a:prstGeom>
+        </p:spPr>
+        <p:txBody>
+          <a:bodyPr/>
+          <a:lstStyle>
+            <a:lvl1pPr marL="342900" indent="-342900" algn="l" defTabSz="457200" rtl="0" eaLnBrk="1" latinLnBrk="0" hangingPunct="1">
+              <a:spcBef>
+                <a:spcPct val="20000"/>
+              </a:spcBef>
+              <a:buFont typeface="Arial" panose="020B0604020202090204"/>
+              <a:buChar char="•"/>
+              <a:defRPr sz="3200" kern="1200">
+                <a:solidFill>
+                  <a:schemeClr val="tx1"/>
+                </a:solidFill>
+                <a:latin typeface="+mn-lt"/>
+                <a:ea typeface="+mn-ea"/>
+                <a:cs typeface="+mn-cs"/>
+              </a:defRPr>
+            </a:lvl1pPr>
+            <a:lvl2pPr marL="742950" indent="-285750" algn="l" defTabSz="457200" rtl="0" eaLnBrk="1" latinLnBrk="0" hangingPunct="1">
+              <a:spcBef>
+                <a:spcPct val="20000"/>
+              </a:spcBef>
+              <a:buFont typeface="Arial" panose="020B0604020202090204"/>
+              <a:buChar char="–"/>
+              <a:defRPr sz="2800" kern="1200">
+                <a:solidFill>
+                  <a:schemeClr val="tx1"/>
+                </a:solidFill>
+                <a:latin typeface="+mn-lt"/>
+                <a:ea typeface="+mn-ea"/>
+                <a:cs typeface="+mn-cs"/>
+              </a:defRPr>
+            </a:lvl2pPr>
+            <a:lvl3pPr marL="1143000" indent="-228600" algn="l" defTabSz="457200" rtl="0" eaLnBrk="1" latinLnBrk="0" hangingPunct="1">
+              <a:spcBef>
+                <a:spcPct val="20000"/>
+              </a:spcBef>
+              <a:buFont typeface="Arial" panose="020B0604020202090204"/>
+              <a:buChar char="•"/>
+              <a:defRPr sz="2400" kern="1200">
+                <a:solidFill>
+                  <a:schemeClr val="tx1"/>
+                </a:solidFill>
+                <a:latin typeface="+mn-lt"/>
+                <a:ea typeface="+mn-ea"/>
+                <a:cs typeface="+mn-cs"/>
+              </a:defRPr>
+            </a:lvl3pPr>
+            <a:lvl4pPr marL="1600200" indent="-228600" algn="l" defTabSz="457200" rtl="0" eaLnBrk="1" latinLnBrk="0" hangingPunct="1">
+              <a:spcBef>
+                <a:spcPct val="20000"/>
+              </a:spcBef>
+              <a:buFont typeface="Arial" panose="020B0604020202090204"/>
+              <a:buChar char="–"/>
+              <a:defRPr sz="2000" kern="1200">
+                <a:solidFill>
+                  <a:schemeClr val="tx1"/>
+                </a:solidFill>
+                <a:latin typeface="+mn-lt"/>
+                <a:ea typeface="+mn-ea"/>
+                <a:cs typeface="+mn-cs"/>
+              </a:defRPr>
+            </a:lvl4pPr>
+            <a:lvl5pPr marL="2057400" indent="-228600" algn="l" defTabSz="457200" rtl="0" eaLnBrk="1" latinLnBrk="0" hangingPunct="1">
+              <a:spcBef>
+                <a:spcPct val="20000"/>
+              </a:spcBef>
+              <a:buFont typeface="Arial" panose="020B0604020202090204"/>
+              <a:buChar char="»"/>
+              <a:defRPr sz="2000" kern="1200">
+                <a:solidFill>
+                  <a:schemeClr val="tx1"/>
+                </a:solidFill>
+                <a:latin typeface="+mn-lt"/>
+                <a:ea typeface="+mn-ea"/>
+                <a:cs typeface="+mn-cs"/>
+              </a:defRPr>
+            </a:lvl5pPr>
+            <a:lvl6pPr marL="2514600" indent="-228600" algn="l" defTabSz="457200" rtl="0" eaLnBrk="1" latinLnBrk="0" hangingPunct="1">
+              <a:spcBef>
+                <a:spcPct val="20000"/>
+              </a:spcBef>
+              <a:buFont typeface="Arial" panose="020B0604020202090204"/>
+              <a:buChar char="•"/>
+              <a:defRPr sz="2000" kern="1200">
+                <a:solidFill>
+                  <a:schemeClr val="tx1"/>
+                </a:solidFill>
+                <a:latin typeface="+mn-lt"/>
+                <a:ea typeface="+mn-ea"/>
+                <a:cs typeface="+mn-cs"/>
+              </a:defRPr>
+            </a:lvl6pPr>
+            <a:lvl7pPr marL="2971800" indent="-228600" algn="l" defTabSz="457200" rtl="0" eaLnBrk="1" latinLnBrk="0" hangingPunct="1">
+              <a:spcBef>
+                <a:spcPct val="20000"/>
+              </a:spcBef>
+              <a:buFont typeface="Arial" panose="020B0604020202090204"/>
+              <a:buChar char="•"/>
+              <a:defRPr sz="2000" kern="1200">
+                <a:solidFill>
+                  <a:schemeClr val="tx1"/>
+                </a:solidFill>
+                <a:latin typeface="+mn-lt"/>
+                <a:ea typeface="+mn-ea"/>
+                <a:cs typeface="+mn-cs"/>
+              </a:defRPr>
+            </a:lvl7pPr>
+            <a:lvl8pPr marL="3429000" indent="-228600" algn="l" defTabSz="457200" rtl="0" eaLnBrk="1" latinLnBrk="0" hangingPunct="1">
+              <a:spcBef>
+                <a:spcPct val="20000"/>
+              </a:spcBef>
+              <a:buFont typeface="Arial" panose="020B0604020202090204"/>
+              <a:buChar char="•"/>
+              <a:defRPr sz="2000" kern="1200">
+                <a:solidFill>
+                  <a:schemeClr val="tx1"/>
+                </a:solidFill>
+                <a:latin typeface="+mn-lt"/>
+                <a:ea typeface="+mn-ea"/>
+                <a:cs typeface="+mn-cs"/>
+              </a:defRPr>
+            </a:lvl8pPr>
+            <a:lvl9pPr marL="3886200" indent="-228600" algn="l" defTabSz="457200" rtl="0" eaLnBrk="1" latinLnBrk="0" hangingPunct="1">
+              <a:spcBef>
+                <a:spcPct val="20000"/>
+              </a:spcBef>
+              <a:buFont typeface="Arial" panose="020B0604020202090204"/>
+              <a:buChar char="•"/>
+              <a:defRPr sz="2000" kern="1200">
+                <a:solidFill>
+                  <a:schemeClr val="tx1"/>
+                </a:solidFill>
+                <a:latin typeface="+mn-lt"/>
+                <a:ea typeface="+mn-ea"/>
+                <a:cs typeface="+mn-cs"/>
+              </a:defRPr>
+            </a:lvl9pPr>
+          </a:lstStyle>
+          <a:p>
+            <a:pPr marL="342900" marR="0" lvl="0" indent="-342900" algn="l" defTabSz="457200" rtl="0" eaLnBrk="1" fontAlgn="auto" latinLnBrk="0" hangingPunct="1">
+              <a:lnSpc>
+                <a:spcPct val="130000"/>
+              </a:lnSpc>
+              <a:spcBef>
+                <a:spcPct val="20000"/>
+              </a:spcBef>
+              <a:spcAft>
+                <a:spcPts val="0"/>
+              </a:spcAft>
+              <a:buClrTx/>
+              <a:buSzTx/>
+              <a:buFont typeface="Wingdings" panose="05000000000000000000" pitchFamily="2" charset="2"/>
+              <a:buChar char="l"/>
+              <a:defRPr/>
+            </a:pPr>
+            <a:endParaRPr kumimoji="0" lang="en-US" altLang="zh-CN" sz="1800" b="0" i="0" u="none" strike="noStrike" kern="1200" cap="none" spc="0" normalizeH="0" baseline="0" noProof="0" dirty="0">
+              <a:ln>
+                <a:noFill/>
+              </a:ln>
+              <a:solidFill>
+                <a:prstClr val="black"/>
+              </a:solidFill>
+              <a:effectLst/>
+              <a:uLnTx/>
+              <a:uFillTx/>
+              <a:latin typeface="Calibri"/>
+              <a:ea typeface="微软雅黑" charset="-122"/>
+              <a:cs typeface="+mn-cs"/>
+            </a:endParaRPr>
+          </a:p>
+          <a:p>
+            <a:pPr marL="0" marR="0" lvl="0" indent="0" algn="l" defTabSz="457200" rtl="0" eaLnBrk="1" fontAlgn="auto" latinLnBrk="0" hangingPunct="1">
+              <a:lnSpc>
+                <a:spcPct val="130000"/>
+              </a:lnSpc>
+              <a:spcBef>
+                <a:spcPct val="20000"/>
+              </a:spcBef>
+              <a:spcAft>
+                <a:spcPts val="0"/>
+              </a:spcAft>
+              <a:buClrTx/>
+              <a:buSzTx/>
+              <a:buFont typeface="Arial" panose="020B0604020202090204"/>
+              <a:buNone/>
+              <a:defRPr/>
+            </a:pPr>
+            <a:endParaRPr kumimoji="0" lang="en-US" altLang="zh-CN" sz="1800" b="1" i="0" u="none" strike="noStrike" kern="1200" cap="none" spc="0" normalizeH="0" baseline="0" noProof="0" dirty="0">
+              <a:ln>
+                <a:noFill/>
+              </a:ln>
+              <a:solidFill>
+                <a:prstClr val="black"/>
+              </a:solidFill>
+              <a:effectLst/>
+              <a:uLnTx/>
+              <a:uFillTx/>
+              <a:latin typeface="Calibri"/>
+              <a:ea typeface="微软雅黑" charset="-122"/>
+              <a:cs typeface="+mn-cs"/>
+            </a:endParaRPr>
+          </a:p>
+          <a:p>
+            <a:pPr marL="0" marR="0" lvl="0" indent="0" algn="l" defTabSz="457200" rtl="0" eaLnBrk="1" fontAlgn="auto" latinLnBrk="0" hangingPunct="1">
+              <a:lnSpc>
+                <a:spcPct val="130000"/>
+              </a:lnSpc>
+              <a:spcBef>
+                <a:spcPct val="20000"/>
+              </a:spcBef>
+              <a:spcAft>
+                <a:spcPts val="0"/>
+              </a:spcAft>
+              <a:buClrTx/>
+              <a:buSzTx/>
+              <a:buFont typeface="Arial" panose="020B0604020202090204"/>
+              <a:buNone/>
+              <a:defRPr/>
+            </a:pPr>
+            <a:endParaRPr kumimoji="0" lang="en-US" altLang="zh-CN" sz="1800" b="1" i="0" u="none" strike="noStrike" kern="1200" cap="none" spc="0" normalizeH="0" baseline="0" noProof="0" dirty="0">
+              <a:ln>
+                <a:noFill/>
+              </a:ln>
+              <a:solidFill>
+                <a:prstClr val="black"/>
+              </a:solidFill>
+              <a:effectLst/>
+              <a:uLnTx/>
+              <a:uFillTx/>
+              <a:latin typeface="Calibri"/>
+              <a:ea typeface="微软雅黑" charset="-122"/>
+              <a:cs typeface="+mn-cs"/>
+            </a:endParaRPr>
+          </a:p>
+        </p:txBody>
+      </p:sp>
+      <p:pic>
+        <p:nvPicPr>
+          <p:cNvPr id="15" name="Picture 1" descr="page16image55775392">
+            <a:extLst>
+              <a:ext uri="{FF2B5EF4-FFF2-40B4-BE49-F238E27FC236}">
+                <a16:creationId xmlns:a16="http://schemas.microsoft.com/office/drawing/2014/main" id="{6BBF6900-2A06-EF4D-A4F6-E914D1CA08E4}"/>
+              </a:ext>
+            </a:extLst>
+          </p:cNvPr>
+          <p:cNvPicPr>
+            <a:picLocks noChangeAspect="1" noChangeArrowheads="1"/>
+          </p:cNvPicPr>
+          <p:nvPr/>
+        </p:nvPicPr>
+        <p:blipFill>
+          <a:blip r:embed="rId5">
+            <a:extLst>
+              <a:ext uri="{28A0092B-C50C-407E-A947-70E740481C1C}">
+                <a14:useLocalDpi xmlns:a14="http://schemas.microsoft.com/office/drawing/2010/main" val="0"/>
+              </a:ext>
+            </a:extLst>
+          </a:blip>
+          <a:srcRect/>
+          <a:stretch>
+            <a:fillRect/>
+          </a:stretch>
+        </p:blipFill>
+        <p:spPr bwMode="auto">
+          <a:xfrm>
+            <a:off x="329355" y="2679133"/>
+            <a:ext cx="824400" cy="824400"/>
+          </a:xfrm>
+          <a:prstGeom prst="rect">
+            <a:avLst/>
+          </a:prstGeom>
+          <a:noFill/>
+          <a:extLst>
+            <a:ext uri="{909E8E84-426E-40DD-AFC4-6F175D3DCCD1}">
+              <a14:hiddenFill xmlns:a14="http://schemas.microsoft.com/office/drawing/2010/main">
+                <a:solidFill>
+                  <a:srgbClr val="FFFFFF"/>
+                </a:solidFill>
+              </a14:hiddenFill>
+            </a:ext>
+          </a:extLst>
+        </p:spPr>
+      </p:pic>
+      <p:sp>
+        <p:nvSpPr>
+          <p:cNvPr id="16" name="矩形 15">
+            <a:extLst>
+              <a:ext uri="{FF2B5EF4-FFF2-40B4-BE49-F238E27FC236}">
+                <a16:creationId xmlns:a16="http://schemas.microsoft.com/office/drawing/2014/main" id="{C7A3479C-D0DB-B845-977C-C27EBAC61620}"/>
+              </a:ext>
+            </a:extLst>
+          </p:cNvPr>
+          <p:cNvSpPr/>
+          <p:nvPr/>
+        </p:nvSpPr>
+        <p:spPr>
+          <a:xfrm>
+            <a:off x="220070" y="3682827"/>
+            <a:ext cx="1042969" cy="478972"/>
+          </a:xfrm>
+          <a:prstGeom prst="rect">
+            <a:avLst/>
+          </a:prstGeom>
+          <a:solidFill>
+            <a:srgbClr val="0D6CBB"/>
+          </a:solidFill>
+          <a:ln>
+            <a:noFill/>
+          </a:ln>
+        </p:spPr>
+        <p:style>
+          <a:lnRef idx="1">
+            <a:schemeClr val="accent1"/>
+          </a:lnRef>
+          <a:fillRef idx="3">
+            <a:schemeClr val="accent1"/>
+          </a:fillRef>
+          <a:effectRef idx="2">
+            <a:schemeClr val="accent1"/>
+          </a:effectRef>
+          <a:fontRef idx="minor">
+            <a:schemeClr val="lt1"/>
+          </a:fontRef>
+        </p:style>
+        <p:txBody>
+          <a:bodyPr rtlCol="0" anchor="ctr"/>
+          <a:lstStyle/>
+          <a:p>
+            <a:pPr algn="ctr"/>
+            <a:r>
+              <a:rPr kumimoji="1" lang="en-US" altLang="zh-CN" dirty="0" err="1"/>
+              <a:t>P</a:t>
+            </a:r>
+            <a:r>
+              <a:rPr kumimoji="1" lang="en-US" altLang="zh-Hans" dirty="0" err="1"/>
+              <a:t>odfile</a:t>
+            </a:r>
+            <a:endParaRPr kumimoji="1" lang="zh-CN" altLang="en-US" dirty="0"/>
+          </a:p>
+        </p:txBody>
+      </p:sp>
+      <p:cxnSp>
+        <p:nvCxnSpPr>
+          <p:cNvPr id="18" name="直线箭头连接符 17">
+            <a:extLst>
+              <a:ext uri="{FF2B5EF4-FFF2-40B4-BE49-F238E27FC236}">
+                <a16:creationId xmlns:a16="http://schemas.microsoft.com/office/drawing/2014/main" id="{7FCDCFF4-DD47-B64E-BFA1-49D72D35B48F}"/>
+              </a:ext>
+            </a:extLst>
+          </p:cNvPr>
+          <p:cNvCxnSpPr>
+            <a:cxnSpLocks/>
+          </p:cNvCxnSpPr>
+          <p:nvPr/>
+        </p:nvCxnSpPr>
+        <p:spPr>
+          <a:xfrm flipV="1">
+            <a:off x="1404239" y="3507162"/>
+            <a:ext cx="1524000" cy="1"/>
+          </a:xfrm>
+          <a:prstGeom prst="straightConnector1">
+            <a:avLst/>
+          </a:prstGeom>
+          <a:ln>
+            <a:solidFill>
+              <a:srgbClr val="FB6912"/>
+            </a:solidFill>
+            <a:tailEnd type="triangle"/>
+          </a:ln>
+        </p:spPr>
+        <p:style>
+          <a:lnRef idx="2">
+            <a:schemeClr val="accent1"/>
+          </a:lnRef>
+          <a:fillRef idx="0">
+            <a:schemeClr val="accent1"/>
+          </a:fillRef>
+          <a:effectRef idx="1">
+            <a:schemeClr val="accent1"/>
+          </a:effectRef>
+          <a:fontRef idx="minor">
+            <a:schemeClr val="tx1"/>
+          </a:fontRef>
+        </p:style>
+      </p:cxnSp>
+      <p:sp>
+        <p:nvSpPr>
+          <p:cNvPr id="25" name="矩形 24">
+            <a:extLst>
+              <a:ext uri="{FF2B5EF4-FFF2-40B4-BE49-F238E27FC236}">
+                <a16:creationId xmlns:a16="http://schemas.microsoft.com/office/drawing/2014/main" id="{A966747E-FCE7-4547-9F22-E8F593CDE3F2}"/>
+              </a:ext>
+            </a:extLst>
+          </p:cNvPr>
+          <p:cNvSpPr/>
+          <p:nvPr/>
+        </p:nvSpPr>
+        <p:spPr>
+          <a:xfrm>
+            <a:off x="3049458" y="2321658"/>
+            <a:ext cx="1219481" cy="520120"/>
+          </a:xfrm>
+          <a:prstGeom prst="rect">
+            <a:avLst/>
+          </a:prstGeom>
+          <a:solidFill>
+            <a:srgbClr val="92D050"/>
+          </a:solidFill>
+          <a:ln>
+            <a:noFill/>
+          </a:ln>
+        </p:spPr>
+        <p:style>
+          <a:lnRef idx="1">
+            <a:schemeClr val="accent1"/>
+          </a:lnRef>
+          <a:fillRef idx="3">
+            <a:schemeClr val="accent1"/>
+          </a:fillRef>
+          <a:effectRef idx="2">
+            <a:schemeClr val="accent1"/>
+          </a:effectRef>
+          <a:fontRef idx="minor">
+            <a:schemeClr val="lt1"/>
+          </a:fontRef>
+        </p:style>
+        <p:txBody>
+          <a:bodyPr rtlCol="0" anchor="ctr"/>
+          <a:lstStyle/>
+          <a:p>
+            <a:pPr algn="ctr"/>
+            <a:r>
+              <a:rPr kumimoji="1" lang="zh-Hans" altLang="en-US" dirty="0">
+                <a:latin typeface="PingFang SC" panose="020B0400000000000000" pitchFamily="34" charset="-122"/>
+                <a:ea typeface="PingFang SC" panose="020B0400000000000000" pitchFamily="34" charset="-122"/>
+              </a:rPr>
+              <a:t>二手房  </a:t>
+            </a:r>
+            <a:endParaRPr kumimoji="1" lang="zh-CN" altLang="en-US" dirty="0">
+              <a:latin typeface="PingFang SC" panose="020B0400000000000000" pitchFamily="34" charset="-122"/>
+              <a:ea typeface="PingFang SC" panose="020B0400000000000000" pitchFamily="34" charset="-122"/>
+            </a:endParaRPr>
+          </a:p>
+        </p:txBody>
+      </p:sp>
+      <p:sp>
+        <p:nvSpPr>
+          <p:cNvPr id="26" name="矩形 25">
+            <a:extLst>
+              <a:ext uri="{FF2B5EF4-FFF2-40B4-BE49-F238E27FC236}">
+                <a16:creationId xmlns:a16="http://schemas.microsoft.com/office/drawing/2014/main" id="{11627A93-DC56-924D-AC26-E6F9F8051832}"/>
+              </a:ext>
+            </a:extLst>
+          </p:cNvPr>
+          <p:cNvSpPr/>
+          <p:nvPr/>
+        </p:nvSpPr>
+        <p:spPr>
+          <a:xfrm>
+            <a:off x="5999016" y="2333913"/>
+            <a:ext cx="1294003" cy="520120"/>
+          </a:xfrm>
+          <a:prstGeom prst="rect">
+            <a:avLst/>
+          </a:prstGeom>
+          <a:solidFill>
+            <a:srgbClr val="92D050"/>
+          </a:solidFill>
+          <a:ln>
+            <a:noFill/>
+          </a:ln>
+        </p:spPr>
+        <p:style>
+          <a:lnRef idx="1">
+            <a:schemeClr val="accent1"/>
+          </a:lnRef>
+          <a:fillRef idx="3">
+            <a:schemeClr val="accent1"/>
+          </a:fillRef>
+          <a:effectRef idx="2">
+            <a:schemeClr val="accent1"/>
+          </a:effectRef>
+          <a:fontRef idx="minor">
+            <a:schemeClr val="lt1"/>
+          </a:fontRef>
+        </p:style>
+        <p:txBody>
+          <a:bodyPr rtlCol="0" anchor="ctr"/>
+          <a:lstStyle/>
+          <a:p>
+            <a:pPr algn="ctr"/>
+            <a:r>
+              <a:rPr kumimoji="1" lang="zh-Hans" altLang="en-US" dirty="0">
+                <a:latin typeface="PingFang SC" panose="020B0400000000000000" pitchFamily="34" charset="-122"/>
+                <a:ea typeface="PingFang SC" panose="020B0400000000000000" pitchFamily="34" charset="-122"/>
+              </a:rPr>
+              <a:t>有料</a:t>
+            </a:r>
+            <a:endParaRPr kumimoji="1" lang="zh-CN" altLang="en-US" dirty="0">
+              <a:latin typeface="PingFang SC" panose="020B0400000000000000" pitchFamily="34" charset="-122"/>
+              <a:ea typeface="PingFang SC" panose="020B0400000000000000" pitchFamily="34" charset="-122"/>
+            </a:endParaRPr>
+          </a:p>
+        </p:txBody>
+      </p:sp>
+      <p:sp>
+        <p:nvSpPr>
+          <p:cNvPr id="27" name="矩形 26">
+            <a:extLst>
+              <a:ext uri="{FF2B5EF4-FFF2-40B4-BE49-F238E27FC236}">
+                <a16:creationId xmlns:a16="http://schemas.microsoft.com/office/drawing/2014/main" id="{5E75A640-CD52-A441-AA5B-DA6C8CB6F7D5}"/>
+              </a:ext>
+            </a:extLst>
+          </p:cNvPr>
+          <p:cNvSpPr/>
+          <p:nvPr/>
+        </p:nvSpPr>
+        <p:spPr>
+          <a:xfrm>
+            <a:off x="3049458" y="3692776"/>
+            <a:ext cx="2964057" cy="520120"/>
+          </a:xfrm>
+          <a:prstGeom prst="rect">
+            <a:avLst/>
+          </a:prstGeom>
+          <a:solidFill>
+            <a:srgbClr val="FF0000"/>
+          </a:solidFill>
+          <a:ln>
+            <a:noFill/>
+          </a:ln>
+        </p:spPr>
+        <p:style>
+          <a:lnRef idx="1">
+            <a:schemeClr val="accent1"/>
+          </a:lnRef>
+          <a:fillRef idx="3">
+            <a:schemeClr val="accent1"/>
+          </a:fillRef>
+          <a:effectRef idx="2">
+            <a:schemeClr val="accent1"/>
+          </a:effectRef>
+          <a:fontRef idx="minor">
+            <a:schemeClr val="lt1"/>
+          </a:fontRef>
+        </p:style>
+        <p:txBody>
+          <a:bodyPr rtlCol="0" anchor="ctr"/>
+          <a:lstStyle/>
+          <a:p>
+            <a:pPr algn="ctr"/>
+            <a:r>
+              <a:rPr kumimoji="1" lang="en-US" altLang="zh-Hans" dirty="0" err="1">
+                <a:latin typeface="PingFang SC" panose="020B0400000000000000" pitchFamily="34" charset="-122"/>
+                <a:ea typeface="PingFang SC" panose="020B0400000000000000" pitchFamily="34" charset="-122"/>
+              </a:rPr>
+              <a:t>WBAJKCommonBusiness</a:t>
+            </a:r>
+            <a:endParaRPr kumimoji="1" lang="zh-CN" altLang="en-US" dirty="0">
+              <a:latin typeface="PingFang SC" panose="020B0400000000000000" pitchFamily="34" charset="-122"/>
+              <a:ea typeface="PingFang SC" panose="020B0400000000000000" pitchFamily="34" charset="-122"/>
+            </a:endParaRPr>
+          </a:p>
+        </p:txBody>
+      </p:sp>
+      <p:sp>
+        <p:nvSpPr>
+          <p:cNvPr id="28" name="矩形 27">
+            <a:extLst>
+              <a:ext uri="{FF2B5EF4-FFF2-40B4-BE49-F238E27FC236}">
+                <a16:creationId xmlns:a16="http://schemas.microsoft.com/office/drawing/2014/main" id="{53C3C51D-A093-A342-85CC-F9C7DAB8C5A4}"/>
+              </a:ext>
+            </a:extLst>
+          </p:cNvPr>
+          <p:cNvSpPr/>
+          <p:nvPr/>
+        </p:nvSpPr>
+        <p:spPr>
+          <a:xfrm>
+            <a:off x="6164924" y="3055806"/>
+            <a:ext cx="2364396" cy="520120"/>
+          </a:xfrm>
+          <a:prstGeom prst="rect">
+            <a:avLst/>
+          </a:prstGeom>
+          <a:solidFill>
+            <a:srgbClr val="00B050"/>
+          </a:solidFill>
+          <a:ln>
+            <a:noFill/>
+          </a:ln>
+        </p:spPr>
+        <p:style>
+          <a:lnRef idx="1">
+            <a:schemeClr val="accent1"/>
+          </a:lnRef>
+          <a:fillRef idx="3">
+            <a:schemeClr val="accent1"/>
+          </a:fillRef>
+          <a:effectRef idx="2">
+            <a:schemeClr val="accent1"/>
+          </a:effectRef>
+          <a:fontRef idx="minor">
+            <a:schemeClr val="lt1"/>
+          </a:fontRef>
+        </p:style>
+        <p:txBody>
+          <a:bodyPr rtlCol="0" anchor="ctr"/>
+          <a:lstStyle/>
+          <a:p>
+            <a:pPr algn="ctr"/>
+            <a:r>
+              <a:rPr kumimoji="1" lang="en-US" altLang="zh-Hans" dirty="0">
+                <a:latin typeface="PingFang SC" panose="020B0400000000000000" pitchFamily="34" charset="-122"/>
+                <a:ea typeface="PingFang SC" panose="020B0400000000000000" pitchFamily="34" charset="-122"/>
+              </a:rPr>
+              <a:t>middleware</a:t>
+            </a:r>
+            <a:endParaRPr kumimoji="1" lang="zh-CN" altLang="en-US" dirty="0">
+              <a:latin typeface="PingFang SC" panose="020B0400000000000000" pitchFamily="34" charset="-122"/>
+              <a:ea typeface="PingFang SC" panose="020B0400000000000000" pitchFamily="34" charset="-122"/>
+            </a:endParaRPr>
+          </a:p>
+        </p:txBody>
+      </p:sp>
+      <p:sp>
+        <p:nvSpPr>
+          <p:cNvPr id="29" name="矩形 28">
+            <a:extLst>
+              <a:ext uri="{FF2B5EF4-FFF2-40B4-BE49-F238E27FC236}">
+                <a16:creationId xmlns:a16="http://schemas.microsoft.com/office/drawing/2014/main" id="{CD1AF8CC-E88C-F04F-AEF4-057FCB14F79B}"/>
+              </a:ext>
+            </a:extLst>
+          </p:cNvPr>
+          <p:cNvSpPr/>
+          <p:nvPr/>
+        </p:nvSpPr>
+        <p:spPr>
+          <a:xfrm>
+            <a:off x="3049458" y="4429618"/>
+            <a:ext cx="2970283" cy="520120"/>
+          </a:xfrm>
+          <a:prstGeom prst="rect">
+            <a:avLst/>
+          </a:prstGeom>
+          <a:solidFill>
+            <a:srgbClr val="F17E2F"/>
+          </a:solidFill>
+          <a:ln>
+            <a:noFill/>
+          </a:ln>
+        </p:spPr>
+        <p:style>
+          <a:lnRef idx="1">
+            <a:schemeClr val="accent1"/>
+          </a:lnRef>
+          <a:fillRef idx="3">
+            <a:schemeClr val="accent1"/>
+          </a:fillRef>
+          <a:effectRef idx="2">
+            <a:schemeClr val="accent1"/>
+          </a:effectRef>
+          <a:fontRef idx="minor">
+            <a:schemeClr val="lt1"/>
+          </a:fontRef>
+        </p:style>
+        <p:txBody>
+          <a:bodyPr rtlCol="0" anchor="ctr"/>
+          <a:lstStyle/>
+          <a:p>
+            <a:pPr algn="ctr"/>
+            <a:r>
+              <a:rPr kumimoji="1" lang="en-US" altLang="zh-CN" dirty="0" err="1">
+                <a:latin typeface="PingFang SC" panose="020B0400000000000000" pitchFamily="34" charset="-122"/>
+                <a:ea typeface="PingFang SC" panose="020B0400000000000000" pitchFamily="34" charset="-122"/>
+              </a:rPr>
+              <a:t>A</a:t>
+            </a:r>
+            <a:r>
+              <a:rPr kumimoji="1" lang="en-US" altLang="zh-Hans" dirty="0" err="1">
+                <a:latin typeface="PingFang SC" panose="020B0400000000000000" pitchFamily="34" charset="-122"/>
+                <a:ea typeface="PingFang SC" panose="020B0400000000000000" pitchFamily="34" charset="-122"/>
+              </a:rPr>
+              <a:t>IFFrameworks</a:t>
+            </a:r>
+            <a:endParaRPr kumimoji="1" lang="zh-CN" altLang="en-US" dirty="0">
+              <a:latin typeface="PingFang SC" panose="020B0400000000000000" pitchFamily="34" charset="-122"/>
+              <a:ea typeface="PingFang SC" panose="020B0400000000000000" pitchFamily="34" charset="-122"/>
+            </a:endParaRPr>
+          </a:p>
+        </p:txBody>
+      </p:sp>
+      <p:sp>
+        <p:nvSpPr>
+          <p:cNvPr id="30" name="矩形 29">
+            <a:extLst>
+              <a:ext uri="{FF2B5EF4-FFF2-40B4-BE49-F238E27FC236}">
+                <a16:creationId xmlns:a16="http://schemas.microsoft.com/office/drawing/2014/main" id="{3577F0E1-13D2-2845-8328-570772AC2694}"/>
+              </a:ext>
+            </a:extLst>
+          </p:cNvPr>
+          <p:cNvSpPr/>
+          <p:nvPr/>
+        </p:nvSpPr>
+        <p:spPr>
+          <a:xfrm>
+            <a:off x="4460550" y="2348863"/>
+            <a:ext cx="1434248" cy="520120"/>
+          </a:xfrm>
+          <a:prstGeom prst="rect">
+            <a:avLst/>
+          </a:prstGeom>
+          <a:solidFill>
+            <a:srgbClr val="92D050"/>
+          </a:solidFill>
+          <a:ln>
+            <a:noFill/>
+          </a:ln>
+        </p:spPr>
+        <p:style>
+          <a:lnRef idx="1">
+            <a:schemeClr val="accent1"/>
+          </a:lnRef>
+          <a:fillRef idx="3">
+            <a:schemeClr val="accent1"/>
+          </a:fillRef>
+          <a:effectRef idx="2">
+            <a:schemeClr val="accent1"/>
+          </a:effectRef>
+          <a:fontRef idx="minor">
+            <a:schemeClr val="lt1"/>
+          </a:fontRef>
+        </p:style>
+        <p:txBody>
+          <a:bodyPr rtlCol="0" anchor="ctr"/>
+          <a:lstStyle/>
+          <a:p>
+            <a:pPr algn="ctr"/>
+            <a:r>
+              <a:rPr kumimoji="1" lang="zh-Hans" altLang="en-US" dirty="0">
+                <a:latin typeface="PingFang SC" panose="020B0400000000000000" pitchFamily="34" charset="-122"/>
+                <a:ea typeface="PingFang SC" panose="020B0400000000000000" pitchFamily="34" charset="-122"/>
+              </a:rPr>
+              <a:t>新房</a:t>
+            </a:r>
+            <a:endParaRPr kumimoji="1" lang="zh-CN" altLang="en-US" dirty="0">
+              <a:latin typeface="PingFang SC" panose="020B0400000000000000" pitchFamily="34" charset="-122"/>
+              <a:ea typeface="PingFang SC" panose="020B0400000000000000" pitchFamily="34" charset="-122"/>
+            </a:endParaRPr>
+          </a:p>
+        </p:txBody>
+      </p:sp>
+      <p:sp>
+        <p:nvSpPr>
+          <p:cNvPr id="31" name="矩形 30">
+            <a:extLst>
+              <a:ext uri="{FF2B5EF4-FFF2-40B4-BE49-F238E27FC236}">
+                <a16:creationId xmlns:a16="http://schemas.microsoft.com/office/drawing/2014/main" id="{48BEA7D2-F0FA-AE4D-92E7-AA1A6C0CEE12}"/>
+              </a:ext>
+            </a:extLst>
+          </p:cNvPr>
+          <p:cNvSpPr/>
+          <p:nvPr/>
+        </p:nvSpPr>
+        <p:spPr>
+          <a:xfrm>
+            <a:off x="7384125" y="2348863"/>
+            <a:ext cx="1122096" cy="520120"/>
+          </a:xfrm>
+          <a:prstGeom prst="rect">
+            <a:avLst/>
+          </a:prstGeom>
+          <a:solidFill>
+            <a:srgbClr val="92D050"/>
+          </a:solidFill>
+          <a:ln>
+            <a:noFill/>
+          </a:ln>
+        </p:spPr>
+        <p:style>
+          <a:lnRef idx="1">
+            <a:schemeClr val="accent1"/>
+          </a:lnRef>
+          <a:fillRef idx="3">
+            <a:schemeClr val="accent1"/>
+          </a:fillRef>
+          <a:effectRef idx="2">
+            <a:schemeClr val="accent1"/>
+          </a:effectRef>
+          <a:fontRef idx="minor">
+            <a:schemeClr val="lt1"/>
+          </a:fontRef>
+        </p:style>
+        <p:txBody>
+          <a:bodyPr rtlCol="0" anchor="ctr"/>
+          <a:lstStyle/>
+          <a:p>
+            <a:pPr algn="ctr"/>
+            <a:r>
+              <a:rPr kumimoji="1" lang="zh-Hans" altLang="en-US" dirty="0">
+                <a:latin typeface="PingFang SC" panose="020B0400000000000000" pitchFamily="34" charset="-122"/>
+                <a:ea typeface="PingFang SC" panose="020B0400000000000000" pitchFamily="34" charset="-122"/>
+              </a:rPr>
+              <a:t>个人中心</a:t>
+            </a:r>
+            <a:endParaRPr kumimoji="1" lang="zh-CN" altLang="en-US" dirty="0">
+              <a:latin typeface="PingFang SC" panose="020B0400000000000000" pitchFamily="34" charset="-122"/>
+              <a:ea typeface="PingFang SC" panose="020B0400000000000000" pitchFamily="34" charset="-122"/>
+            </a:endParaRPr>
+          </a:p>
+        </p:txBody>
+      </p:sp>
+      <p:sp>
+        <p:nvSpPr>
+          <p:cNvPr id="32" name="矩形 31">
+            <a:extLst>
+              <a:ext uri="{FF2B5EF4-FFF2-40B4-BE49-F238E27FC236}">
+                <a16:creationId xmlns:a16="http://schemas.microsoft.com/office/drawing/2014/main" id="{F7BC4581-DEEE-B94C-8078-5AD0A5A5F75A}"/>
+              </a:ext>
+            </a:extLst>
+          </p:cNvPr>
+          <p:cNvSpPr/>
+          <p:nvPr/>
+        </p:nvSpPr>
+        <p:spPr>
+          <a:xfrm>
+            <a:off x="6164924" y="3692776"/>
+            <a:ext cx="2364395" cy="520120"/>
+          </a:xfrm>
+          <a:prstGeom prst="rect">
+            <a:avLst/>
+          </a:prstGeom>
+          <a:solidFill>
+            <a:srgbClr val="7030A0"/>
+          </a:solidFill>
+          <a:ln>
+            <a:noFill/>
+          </a:ln>
+        </p:spPr>
+        <p:style>
+          <a:lnRef idx="1">
+            <a:schemeClr val="accent1"/>
+          </a:lnRef>
+          <a:fillRef idx="3">
+            <a:schemeClr val="accent1"/>
+          </a:fillRef>
+          <a:effectRef idx="2">
+            <a:schemeClr val="accent1"/>
+          </a:effectRef>
+          <a:fontRef idx="minor">
+            <a:schemeClr val="lt1"/>
+          </a:fontRef>
+        </p:style>
+        <p:txBody>
+          <a:bodyPr rtlCol="0" anchor="ctr"/>
+          <a:lstStyle/>
+          <a:p>
+            <a:pPr algn="ctr"/>
+            <a:r>
+              <a:rPr kumimoji="1" lang="zh-Hans" altLang="en-US" dirty="0">
+                <a:latin typeface="PingFang SC" panose="020B0400000000000000" pitchFamily="34" charset="-122"/>
+                <a:ea typeface="PingFang SC" panose="020B0400000000000000" pitchFamily="34" charset="-122"/>
+              </a:rPr>
+              <a:t>安居客 </a:t>
+            </a:r>
+            <a:r>
+              <a:rPr kumimoji="1" lang="en-US" altLang="zh-Hans" dirty="0">
+                <a:latin typeface="PingFang SC" panose="020B0400000000000000" pitchFamily="34" charset="-122"/>
+                <a:ea typeface="PingFang SC" panose="020B0400000000000000" pitchFamily="34" charset="-122"/>
+              </a:rPr>
+              <a:t>IMP</a:t>
+            </a:r>
+            <a:endParaRPr kumimoji="1" lang="zh-CN" altLang="en-US" dirty="0">
+              <a:latin typeface="PingFang SC" panose="020B0400000000000000" pitchFamily="34" charset="-122"/>
+              <a:ea typeface="PingFang SC" panose="020B0400000000000000" pitchFamily="34" charset="-122"/>
+            </a:endParaRPr>
+          </a:p>
+        </p:txBody>
+      </p:sp>
+      <p:sp>
+        <p:nvSpPr>
+          <p:cNvPr id="33" name="矩形 32">
+            <a:extLst>
+              <a:ext uri="{FF2B5EF4-FFF2-40B4-BE49-F238E27FC236}">
+                <a16:creationId xmlns:a16="http://schemas.microsoft.com/office/drawing/2014/main" id="{9DCC1032-4642-0149-BEEF-963B34C3AA8F}"/>
+              </a:ext>
+            </a:extLst>
+          </p:cNvPr>
+          <p:cNvSpPr/>
+          <p:nvPr/>
+        </p:nvSpPr>
+        <p:spPr>
+          <a:xfrm>
+            <a:off x="6164924" y="4408275"/>
+            <a:ext cx="2364395" cy="520120"/>
+          </a:xfrm>
+          <a:prstGeom prst="rect">
+            <a:avLst/>
+          </a:prstGeom>
+          <a:solidFill>
+            <a:srgbClr val="0D6CBB"/>
+          </a:solidFill>
+          <a:ln>
+            <a:noFill/>
+          </a:ln>
+        </p:spPr>
+        <p:style>
+          <a:lnRef idx="1">
+            <a:schemeClr val="accent1"/>
+          </a:lnRef>
+          <a:fillRef idx="3">
+            <a:schemeClr val="accent1"/>
+          </a:fillRef>
+          <a:effectRef idx="2">
+            <a:schemeClr val="accent1"/>
+          </a:effectRef>
+          <a:fontRef idx="minor">
+            <a:schemeClr val="lt1"/>
+          </a:fontRef>
+        </p:style>
+        <p:txBody>
+          <a:bodyPr rtlCol="0" anchor="ctr"/>
+          <a:lstStyle/>
+          <a:p>
+            <a:pPr algn="ctr"/>
+            <a:r>
+              <a:rPr kumimoji="1" lang="en-US" altLang="zh-Hans" dirty="0" err="1">
+                <a:latin typeface="PingFang SC" panose="020B0400000000000000" pitchFamily="34" charset="-122"/>
+                <a:ea typeface="PingFang SC" panose="020B0400000000000000" pitchFamily="34" charset="-122"/>
+              </a:rPr>
+              <a:t>WBFrameworks</a:t>
+            </a:r>
+            <a:endParaRPr kumimoji="1" lang="zh-CN" altLang="en-US" dirty="0">
+              <a:latin typeface="PingFang SC" panose="020B0400000000000000" pitchFamily="34" charset="-122"/>
+              <a:ea typeface="PingFang SC" panose="020B0400000000000000" pitchFamily="34" charset="-122"/>
+            </a:endParaRPr>
+          </a:p>
+        </p:txBody>
+      </p:sp>
+      <p:sp>
+        <p:nvSpPr>
+          <p:cNvPr id="36" name="矩形 35">
+            <a:extLst>
+              <a:ext uri="{FF2B5EF4-FFF2-40B4-BE49-F238E27FC236}">
+                <a16:creationId xmlns:a16="http://schemas.microsoft.com/office/drawing/2014/main" id="{F41D2A2F-74F2-FC4F-A4FB-638015D9E3BE}"/>
+              </a:ext>
+            </a:extLst>
+          </p:cNvPr>
+          <p:cNvSpPr/>
+          <p:nvPr/>
+        </p:nvSpPr>
+        <p:spPr>
+          <a:xfrm>
+            <a:off x="3049457" y="1612021"/>
+            <a:ext cx="5456763" cy="520120"/>
+          </a:xfrm>
+          <a:prstGeom prst="rect">
+            <a:avLst/>
+          </a:prstGeom>
+          <a:solidFill>
+            <a:srgbClr val="FB6912"/>
+          </a:solidFill>
+          <a:ln>
+            <a:noFill/>
+          </a:ln>
+        </p:spPr>
+        <p:style>
+          <a:lnRef idx="1">
+            <a:schemeClr val="accent1"/>
+          </a:lnRef>
+          <a:fillRef idx="3">
+            <a:schemeClr val="accent1"/>
+          </a:fillRef>
+          <a:effectRef idx="2">
+            <a:schemeClr val="accent1"/>
+          </a:effectRef>
+          <a:fontRef idx="minor">
+            <a:schemeClr val="lt1"/>
+          </a:fontRef>
+        </p:style>
+        <p:txBody>
+          <a:bodyPr rtlCol="0" anchor="ctr"/>
+          <a:lstStyle/>
+          <a:p>
+            <a:pPr algn="ctr"/>
+            <a:r>
+              <a:rPr kumimoji="1" lang="en-US" altLang="zh-Hans" dirty="0">
+                <a:latin typeface="PingFang SC" panose="020B0400000000000000" pitchFamily="34" charset="-122"/>
+                <a:ea typeface="PingFang SC" panose="020B0400000000000000" pitchFamily="34" charset="-122"/>
+              </a:rPr>
+              <a:t>Local</a:t>
+            </a:r>
+            <a:endParaRPr kumimoji="1" lang="zh-CN" altLang="en-US" dirty="0">
+              <a:latin typeface="PingFang SC" panose="020B0400000000000000" pitchFamily="34" charset="-122"/>
+              <a:ea typeface="PingFang SC" panose="020B0400000000000000" pitchFamily="34" charset="-122"/>
+            </a:endParaRPr>
+          </a:p>
+        </p:txBody>
+      </p:sp>
+      <p:sp>
+        <p:nvSpPr>
+          <p:cNvPr id="5" name="矩形 4">
+            <a:extLst>
+              <a:ext uri="{FF2B5EF4-FFF2-40B4-BE49-F238E27FC236}">
+                <a16:creationId xmlns:a16="http://schemas.microsoft.com/office/drawing/2014/main" id="{CE87F394-93B9-BC47-8AFB-ACFBCA35CEF4}"/>
+              </a:ext>
+            </a:extLst>
+          </p:cNvPr>
+          <p:cNvSpPr/>
+          <p:nvPr/>
+        </p:nvSpPr>
+        <p:spPr>
+          <a:xfrm>
+            <a:off x="1526399" y="2977510"/>
+            <a:ext cx="1184126" cy="414841"/>
+          </a:xfrm>
+          <a:prstGeom prst="rect">
+            <a:avLst/>
+          </a:prstGeom>
+          <a:solidFill>
+            <a:srgbClr val="FB6912"/>
+          </a:solidFill>
+          <a:ln>
+            <a:noFill/>
+          </a:ln>
+        </p:spPr>
+        <p:style>
+          <a:lnRef idx="1">
+            <a:schemeClr val="accent1"/>
+          </a:lnRef>
+          <a:fillRef idx="3">
+            <a:schemeClr val="accent1"/>
+          </a:fillRef>
+          <a:effectRef idx="2">
+            <a:schemeClr val="accent1"/>
+          </a:effectRef>
+          <a:fontRef idx="minor">
+            <a:schemeClr val="lt1"/>
+          </a:fontRef>
+        </p:style>
+        <p:txBody>
+          <a:bodyPr rtlCol="0" anchor="ctr"/>
+          <a:lstStyle/>
+          <a:p>
+            <a:pPr algn="ctr"/>
+            <a:r>
+              <a:rPr kumimoji="1" lang="en-US" altLang="zh-Hans" dirty="0" err="1">
+                <a:latin typeface="PingFang SC" panose="020B0400000000000000" pitchFamily="34" charset="-122"/>
+                <a:ea typeface="PingFang SC" panose="020B0400000000000000" pitchFamily="34" charset="-122"/>
+              </a:rPr>
+              <a:t>Podlink</a:t>
+            </a:r>
+            <a:endParaRPr kumimoji="1" lang="zh-CN" altLang="en-US" dirty="0">
+              <a:latin typeface="PingFang SC" panose="020B0400000000000000" pitchFamily="34" charset="-122"/>
+              <a:ea typeface="PingFang SC" panose="020B0400000000000000" pitchFamily="34" charset="-122"/>
+            </a:endParaRPr>
+          </a:p>
+        </p:txBody>
+      </p:sp>
+      <p:sp>
+        <p:nvSpPr>
+          <p:cNvPr id="23" name="矩形 22">
+            <a:extLst>
+              <a:ext uri="{FF2B5EF4-FFF2-40B4-BE49-F238E27FC236}">
+                <a16:creationId xmlns:a16="http://schemas.microsoft.com/office/drawing/2014/main" id="{B85C6324-35B4-0A47-9187-861D040258EA}"/>
+              </a:ext>
+            </a:extLst>
+          </p:cNvPr>
+          <p:cNvSpPr/>
+          <p:nvPr/>
+        </p:nvSpPr>
+        <p:spPr>
+          <a:xfrm>
+            <a:off x="3049457" y="5446629"/>
+            <a:ext cx="5479861" cy="414841"/>
+          </a:xfrm>
+          <a:prstGeom prst="rect">
+            <a:avLst/>
+          </a:prstGeom>
+          <a:solidFill>
+            <a:srgbClr val="FB6912"/>
+          </a:solidFill>
+          <a:ln>
+            <a:noFill/>
+          </a:ln>
+        </p:spPr>
+        <p:style>
+          <a:lnRef idx="1">
+            <a:schemeClr val="accent1"/>
+          </a:lnRef>
+          <a:fillRef idx="3">
+            <a:schemeClr val="accent1"/>
+          </a:fillRef>
+          <a:effectRef idx="2">
+            <a:schemeClr val="accent1"/>
+          </a:effectRef>
+          <a:fontRef idx="minor">
+            <a:schemeClr val="lt1"/>
+          </a:fontRef>
+        </p:style>
+        <p:txBody>
+          <a:bodyPr rtlCol="0" anchor="ctr"/>
+          <a:lstStyle/>
+          <a:p>
+            <a:pPr algn="ctr"/>
+            <a:r>
+              <a:rPr kumimoji="1" lang="en-US" altLang="zh-Hans" dirty="0">
+                <a:latin typeface="PingFang SC" panose="020B0400000000000000" pitchFamily="34" charset="-122"/>
+                <a:ea typeface="PingFang SC" panose="020B0400000000000000" pitchFamily="34" charset="-122"/>
+              </a:rPr>
+              <a:t>Repo</a:t>
+            </a:r>
+            <a:r>
+              <a:rPr kumimoji="1" lang="zh-Hans" altLang="en-US" dirty="0">
+                <a:latin typeface="PingFang SC" panose="020B0400000000000000" pitchFamily="34" charset="-122"/>
+                <a:ea typeface="PingFang SC" panose="020B0400000000000000" pitchFamily="34" charset="-122"/>
+              </a:rPr>
+              <a:t> </a:t>
+            </a:r>
+            <a:r>
+              <a:rPr kumimoji="1" lang="en-US" altLang="zh-Hans" dirty="0" err="1">
+                <a:latin typeface="PingFang SC" panose="020B0400000000000000" pitchFamily="34" charset="-122"/>
+                <a:ea typeface="PingFang SC" panose="020B0400000000000000" pitchFamily="34" charset="-122"/>
+              </a:rPr>
+              <a:t>Util</a:t>
+            </a:r>
+            <a:r>
+              <a:rPr kumimoji="1" lang="zh-Hans" altLang="en-US" dirty="0">
+                <a:latin typeface="PingFang SC" panose="020B0400000000000000" pitchFamily="34" charset="-122"/>
+                <a:ea typeface="PingFang SC" panose="020B0400000000000000" pitchFamily="34" charset="-122"/>
+              </a:rPr>
+              <a:t> </a:t>
+            </a:r>
+            <a:r>
+              <a:rPr kumimoji="1" lang="en-US" altLang="zh-Hans" dirty="0">
+                <a:latin typeface="PingFang SC" panose="020B0400000000000000" pitchFamily="34" charset="-122"/>
+                <a:ea typeface="PingFang SC" panose="020B0400000000000000" pitchFamily="34" charset="-122"/>
+              </a:rPr>
+              <a:t> (pull, checkout, </a:t>
+            </a:r>
+            <a:r>
+              <a:rPr kumimoji="1" lang="en-US" altLang="zh-Hans" dirty="0" err="1">
+                <a:latin typeface="PingFang SC" panose="020B0400000000000000" pitchFamily="34" charset="-122"/>
+                <a:ea typeface="PingFang SC" panose="020B0400000000000000" pitchFamily="34" charset="-122"/>
+              </a:rPr>
+              <a:t>mr</a:t>
+            </a:r>
+            <a:r>
+              <a:rPr kumimoji="1" lang="en-US" altLang="zh-Hans" dirty="0">
+                <a:latin typeface="PingFang SC" panose="020B0400000000000000" pitchFamily="34" charset="-122"/>
+                <a:ea typeface="PingFang SC" panose="020B0400000000000000" pitchFamily="34" charset="-122"/>
+              </a:rPr>
+              <a:t>)</a:t>
+            </a:r>
+            <a:endParaRPr kumimoji="1" lang="zh-CN" altLang="en-US" dirty="0">
+              <a:latin typeface="PingFang SC" panose="020B0400000000000000" pitchFamily="34" charset="-122"/>
+              <a:ea typeface="PingFang SC" panose="020B0400000000000000" pitchFamily="34" charset="-122"/>
+            </a:endParaRPr>
+          </a:p>
+        </p:txBody>
+      </p:sp>
+      <p:cxnSp>
+        <p:nvCxnSpPr>
+          <p:cNvPr id="11" name="直线箭头连接符 10">
+            <a:extLst>
+              <a:ext uri="{FF2B5EF4-FFF2-40B4-BE49-F238E27FC236}">
+                <a16:creationId xmlns:a16="http://schemas.microsoft.com/office/drawing/2014/main" id="{072FCDD4-8A6D-D849-84EE-9B8FD3DAA672}"/>
+              </a:ext>
+            </a:extLst>
+          </p:cNvPr>
+          <p:cNvCxnSpPr/>
+          <p:nvPr/>
+        </p:nvCxnSpPr>
+        <p:spPr>
+          <a:xfrm flipV="1">
+            <a:off x="5888531" y="5085628"/>
+            <a:ext cx="0" cy="361001"/>
+          </a:xfrm>
+          <a:prstGeom prst="straightConnector1">
+            <a:avLst/>
+          </a:prstGeom>
+          <a:ln>
+            <a:solidFill>
+              <a:srgbClr val="FB6912"/>
+            </a:solidFill>
+            <a:tailEnd type="triangle"/>
+          </a:ln>
+        </p:spPr>
+        <p:style>
+          <a:lnRef idx="2">
+            <a:schemeClr val="accent1"/>
+          </a:lnRef>
+          <a:fillRef idx="0">
+            <a:schemeClr val="accent1"/>
+          </a:fillRef>
+          <a:effectRef idx="1">
+            <a:schemeClr val="accent1"/>
+          </a:effectRef>
+          <a:fontRef idx="minor">
+            <a:schemeClr val="tx1"/>
+          </a:fontRef>
+        </p:style>
+      </p:cxnSp>
+      <p:sp>
+        <p:nvSpPr>
+          <p:cNvPr id="35" name="矩形 34">
+            <a:extLst>
+              <a:ext uri="{FF2B5EF4-FFF2-40B4-BE49-F238E27FC236}">
+                <a16:creationId xmlns:a16="http://schemas.microsoft.com/office/drawing/2014/main" id="{81092C4B-D7B3-2943-BD25-7E0BBF9E375F}"/>
+              </a:ext>
+            </a:extLst>
+          </p:cNvPr>
+          <p:cNvSpPr/>
+          <p:nvPr/>
+        </p:nvSpPr>
+        <p:spPr>
+          <a:xfrm>
+            <a:off x="3065313" y="3042787"/>
+            <a:ext cx="2881897" cy="520120"/>
+          </a:xfrm>
+          <a:prstGeom prst="rect">
+            <a:avLst/>
+          </a:prstGeom>
+          <a:solidFill>
+            <a:srgbClr val="92D050"/>
+          </a:solidFill>
+          <a:ln>
+            <a:noFill/>
+          </a:ln>
+        </p:spPr>
+        <p:style>
+          <a:lnRef idx="1">
+            <a:schemeClr val="accent1"/>
+          </a:lnRef>
+          <a:fillRef idx="3">
+            <a:schemeClr val="accent1"/>
+          </a:fillRef>
+          <a:effectRef idx="2">
+            <a:schemeClr val="accent1"/>
+          </a:effectRef>
+          <a:fontRef idx="minor">
+            <a:schemeClr val="lt1"/>
+          </a:fontRef>
+        </p:style>
+        <p:txBody>
+          <a:bodyPr rtlCol="0" anchor="ctr"/>
+          <a:lstStyle/>
+          <a:p>
+            <a:pPr algn="ctr"/>
+            <a:r>
+              <a:rPr kumimoji="1" lang="zh-Hans" altLang="en-US" dirty="0">
+                <a:latin typeface="PingFang SC" panose="020B0400000000000000" pitchFamily="34" charset="-122"/>
+                <a:ea typeface="PingFang SC" panose="020B0400000000000000" pitchFamily="34" charset="-122"/>
+              </a:rPr>
+              <a:t>微聊</a:t>
+            </a:r>
+            <a:endParaRPr kumimoji="1" lang="zh-CN" altLang="en-US" dirty="0">
+              <a:latin typeface="PingFang SC" panose="020B0400000000000000" pitchFamily="34" charset="-122"/>
+              <a:ea typeface="PingFang SC" panose="020B0400000000000000" pitchFamily="34" charset="-122"/>
+            </a:endParaRPr>
+          </a:p>
+        </p:txBody>
+      </p:sp>
+    </p:spTree>
+    <p:custDataLst>
+      <p:tags r:id="rId1"/>
+    </p:custDataLst>
+    <p:extLst>
+      <p:ext uri="{BB962C8B-B14F-4D97-AF65-F5344CB8AC3E}">
+        <p14:creationId xmlns:p14="http://schemas.microsoft.com/office/powerpoint/2010/main" val="1116035804"/>
+      </p:ext>
+    </p:extLst>
+  </p:cSld>
+  <p:clrMapOvr>
+    <a:masterClrMapping/>
+  </p:clrMapOvr>
+</p:sld>
+</file>
+
+<file path=ppt/slides/slide26.xml><?xml version="1.0" encoding="utf-8"?>
+<p:sld xmlns:a="http://schemas.openxmlformats.org/drawingml/2006/main" xmlns:r="http://schemas.openxmlformats.org/officeDocument/2006/relationships" xmlns:p="http://schemas.openxmlformats.org/presentationml/2006/main">
+  <p:cSld>
+    <p:spTree>
+      <p:nvGrpSpPr>
+        <p:cNvPr id="1" name=""/>
+        <p:cNvGrpSpPr/>
+        <p:nvPr/>
+      </p:nvGrpSpPr>
+      <p:grpSpPr>
+        <a:xfrm>
+          <a:off x="0" y="0"/>
+          <a:ext cx="0" cy="0"/>
+          <a:chOff x="0" y="0"/>
+          <a:chExt cx="0" cy="0"/>
+        </a:xfrm>
+      </p:grpSpPr>
+      <p:pic>
+        <p:nvPicPr>
+          <p:cNvPr id="2" name="图片 1"/>
+          <p:cNvPicPr>
+            <a:picLocks noChangeAspect="1"/>
+          </p:cNvPicPr>
+          <p:nvPr/>
+        </p:nvPicPr>
+        <p:blipFill>
+          <a:blip r:embed="rId4" cstate="email"/>
+          <a:stretch>
+            <a:fillRect/>
+          </a:stretch>
+        </p:blipFill>
+        <p:spPr>
+          <a:xfrm>
+            <a:off x="0" y="0"/>
+            <a:ext cx="9142571" cy="6858000"/>
+          </a:xfrm>
+          <a:prstGeom prst="rect">
+            <a:avLst/>
+          </a:prstGeom>
+          <a:noFill/>
+          <a:ln>
+            <a:solidFill>
+              <a:schemeClr val="tx1"/>
+            </a:solidFill>
+          </a:ln>
+        </p:spPr>
+      </p:pic>
+      <p:sp>
+        <p:nvSpPr>
+          <p:cNvPr id="6" name="灯片编号占位符 4"/>
+          <p:cNvSpPr>
+            <a:spLocks noGrp="1"/>
+          </p:cNvSpPr>
+          <p:nvPr>
+            <p:ph type="sldNum" sz="quarter" idx="12"/>
+          </p:nvPr>
+        </p:nvSpPr>
+        <p:spPr>
+          <a:xfrm>
+            <a:off x="6120384" y="6413183"/>
+            <a:ext cx="2133600" cy="274637"/>
+          </a:xfrm>
+        </p:spPr>
+        <p:txBody>
+          <a:bodyPr/>
+          <a:lstStyle>
+            <a:lvl1pPr eaLnBrk="0" hangingPunct="0">
+              <a:defRPr>
+                <a:solidFill>
+                  <a:schemeClr val="tx1"/>
+                </a:solidFill>
+                <a:latin typeface="Arial" panose="020B0604020202090204" pitchFamily="34" charset="0"/>
+                <a:ea typeface="宋体" charset="-122"/>
+              </a:defRPr>
+            </a:lvl1pPr>
+            <a:lvl2pPr marL="742950" indent="-285750" eaLnBrk="0" hangingPunct="0">
+              <a:defRPr>
+                <a:solidFill>
+                  <a:schemeClr val="tx1"/>
+                </a:solidFill>
+                <a:latin typeface="Arial" panose="020B0604020202090204" pitchFamily="34" charset="0"/>
+                <a:ea typeface="宋体" charset="-122"/>
+              </a:defRPr>
+            </a:lvl2pPr>
+            <a:lvl3pPr marL="1143000" indent="-228600" eaLnBrk="0" hangingPunct="0">
+              <a:defRPr>
+                <a:solidFill>
+                  <a:schemeClr val="tx1"/>
+                </a:solidFill>
+                <a:latin typeface="Arial" panose="020B0604020202090204" pitchFamily="34" charset="0"/>
+                <a:ea typeface="宋体" charset="-122"/>
+              </a:defRPr>
+            </a:lvl3pPr>
+            <a:lvl4pPr marL="1600200" indent="-228600" eaLnBrk="0" hangingPunct="0">
+              <a:defRPr>
+                <a:solidFill>
+                  <a:schemeClr val="tx1"/>
+                </a:solidFill>
+                <a:latin typeface="Arial" panose="020B0604020202090204" pitchFamily="34" charset="0"/>
+                <a:ea typeface="宋体" charset="-122"/>
+              </a:defRPr>
+            </a:lvl4pPr>
+            <a:lvl5pPr marL="2057400" indent="-228600" eaLnBrk="0" hangingPunct="0">
+              <a:defRPr>
+                <a:solidFill>
+                  <a:schemeClr val="tx1"/>
+                </a:solidFill>
+                <a:latin typeface="Arial" panose="020B0604020202090204" pitchFamily="34" charset="0"/>
+                <a:ea typeface="宋体" charset="-122"/>
+              </a:defRPr>
+            </a:lvl5pPr>
+            <a:lvl6pPr marL="2514600" indent="-228600" defTabSz="457200" eaLnBrk="0" fontAlgn="base" hangingPunct="0">
+              <a:spcBef>
+                <a:spcPct val="0"/>
+              </a:spcBef>
+              <a:spcAft>
+                <a:spcPct val="0"/>
+              </a:spcAft>
+              <a:defRPr>
+                <a:solidFill>
+                  <a:schemeClr val="tx1"/>
+                </a:solidFill>
+                <a:latin typeface="Arial" panose="020B0604020202090204" pitchFamily="34" charset="0"/>
+                <a:ea typeface="宋体" charset="-122"/>
+              </a:defRPr>
+            </a:lvl6pPr>
+            <a:lvl7pPr marL="2971800" indent="-228600" defTabSz="457200" eaLnBrk="0" fontAlgn="base" hangingPunct="0">
+              <a:spcBef>
+                <a:spcPct val="0"/>
+              </a:spcBef>
+              <a:spcAft>
+                <a:spcPct val="0"/>
+              </a:spcAft>
+              <a:defRPr>
+                <a:solidFill>
+                  <a:schemeClr val="tx1"/>
+                </a:solidFill>
+                <a:latin typeface="Arial" panose="020B0604020202090204" pitchFamily="34" charset="0"/>
+                <a:ea typeface="宋体" charset="-122"/>
+              </a:defRPr>
+            </a:lvl7pPr>
+            <a:lvl8pPr marL="3429000" indent="-228600" defTabSz="457200" eaLnBrk="0" fontAlgn="base" hangingPunct="0">
+              <a:spcBef>
+                <a:spcPct val="0"/>
+              </a:spcBef>
+              <a:spcAft>
+                <a:spcPct val="0"/>
+              </a:spcAft>
+              <a:defRPr>
+                <a:solidFill>
+                  <a:schemeClr val="tx1"/>
+                </a:solidFill>
+                <a:latin typeface="Arial" panose="020B0604020202090204" pitchFamily="34" charset="0"/>
+                <a:ea typeface="宋体" charset="-122"/>
+              </a:defRPr>
+            </a:lvl8pPr>
+            <a:lvl9pPr marL="3886200" indent="-228600" defTabSz="457200" eaLnBrk="0" fontAlgn="base" hangingPunct="0">
+              <a:spcBef>
+                <a:spcPct val="0"/>
+              </a:spcBef>
+              <a:spcAft>
+                <a:spcPct val="0"/>
+              </a:spcAft>
+              <a:defRPr>
+                <a:solidFill>
+                  <a:schemeClr val="tx1"/>
+                </a:solidFill>
+                <a:latin typeface="Arial" panose="020B0604020202090204" pitchFamily="34" charset="0"/>
+                <a:ea typeface="宋体" charset="-122"/>
+              </a:defRPr>
+            </a:lvl9pPr>
+          </a:lstStyle>
+          <a:p>
+            <a:pPr marL="0" marR="0" lvl="0" indent="0" algn="r" defTabSz="457200" rtl="0" eaLnBrk="1" fontAlgn="auto" latinLnBrk="0" hangingPunct="1">
+              <a:lnSpc>
+                <a:spcPct val="100000"/>
+              </a:lnSpc>
+              <a:spcBef>
+                <a:spcPts val="0"/>
+              </a:spcBef>
+              <a:spcAft>
+                <a:spcPts val="0"/>
+              </a:spcAft>
+              <a:buClrTx/>
+              <a:buSzTx/>
+              <a:buFontTx/>
+              <a:buNone/>
+              <a:defRPr/>
+            </a:pPr>
+            <a:fld id="{3F1E42E4-90F7-C348-9C7D-352344EF35F9}" type="slidenum">
+              <a:rPr kumimoji="0" lang="zh-CN" altLang="en-US" sz="1200" b="0" i="0" u="none" strike="noStrike" kern="1200" cap="none" spc="0" normalizeH="0" baseline="0" noProof="0">
+                <a:ln>
+                  <a:noFill/>
+                </a:ln>
+                <a:solidFill>
+                  <a:srgbClr val="898989"/>
+                </a:solidFill>
+                <a:effectLst/>
+                <a:uLnTx/>
+                <a:uFillTx/>
+                <a:latin typeface="Arial" panose="020B0604020202090204" pitchFamily="34" charset="0"/>
+                <a:ea typeface="微软雅黑" charset="-122"/>
+                <a:cs typeface="+mn-cs"/>
+              </a:rPr>
+              <a:t>26</a:t>
+            </a:fld>
+            <a:endParaRPr kumimoji="0" lang="zh-CN" altLang="en-US" sz="1200" b="0" i="0" u="none" strike="noStrike" kern="1200" cap="none" spc="0" normalizeH="0" baseline="0" noProof="0" dirty="0">
+              <a:ln>
+                <a:noFill/>
+              </a:ln>
+              <a:solidFill>
+                <a:srgbClr val="898989"/>
+              </a:solidFill>
+              <a:effectLst/>
+              <a:uLnTx/>
+              <a:uFillTx/>
+              <a:latin typeface="Arial" panose="020B0604020202090204" pitchFamily="34" charset="0"/>
+              <a:ea typeface="微软雅黑" charset="-122"/>
+              <a:cs typeface="+mn-cs"/>
+            </a:endParaRPr>
+          </a:p>
+        </p:txBody>
+      </p:sp>
+      <p:sp>
+        <p:nvSpPr>
+          <p:cNvPr id="7" name="标题 1"/>
+          <p:cNvSpPr txBox="1"/>
+          <p:nvPr/>
+        </p:nvSpPr>
+        <p:spPr>
+          <a:xfrm>
+            <a:off x="250825" y="89645"/>
+            <a:ext cx="8278495" cy="782955"/>
+          </a:xfrm>
+          <a:prstGeom prst="rect">
+            <a:avLst/>
+          </a:prstGeom>
+        </p:spPr>
+        <p:txBody>
+          <a:bodyPr/>
+          <a:lstStyle>
+            <a:lvl1pPr algn="ctr" defTabSz="457200" rtl="0" eaLnBrk="1" latinLnBrk="0" hangingPunct="1">
+              <a:spcBef>
+                <a:spcPct val="0"/>
+              </a:spcBef>
+              <a:buNone/>
+              <a:defRPr sz="4400" kern="1200">
+                <a:solidFill>
+                  <a:schemeClr val="tx1"/>
+                </a:solidFill>
+                <a:latin typeface="+mj-lt"/>
+                <a:ea typeface="+mj-ea"/>
+                <a:cs typeface="+mj-cs"/>
+              </a:defRPr>
+            </a:lvl1pPr>
+          </a:lstStyle>
+          <a:p>
+            <a:pPr marL="0" marR="0" lvl="0" indent="0" algn="l" defTabSz="457200" rtl="0" eaLnBrk="1" fontAlgn="auto" latinLnBrk="0" hangingPunct="1">
+              <a:lnSpc>
+                <a:spcPct val="150000"/>
+              </a:lnSpc>
+              <a:spcBef>
+                <a:spcPts val="0"/>
+              </a:spcBef>
+              <a:spcAft>
+                <a:spcPts val="0"/>
+              </a:spcAft>
+              <a:buClrTx/>
+              <a:buSzTx/>
+              <a:buFontTx/>
+              <a:buNone/>
+              <a:defRPr/>
+            </a:pPr>
+            <a:r>
+              <a:rPr lang="zh-Hans" altLang="en-US" sz="2400" b="1" dirty="0">
+                <a:solidFill>
+                  <a:prstClr val="black"/>
+                </a:solidFill>
+                <a:latin typeface="苹方-简" panose="020B0400000000000000" charset="-122"/>
+                <a:ea typeface="苹方-简" panose="020B0400000000000000" charset="-122"/>
+              </a:rPr>
+              <a:t>开发流程提效 （结果）</a:t>
+            </a:r>
+            <a:endParaRPr kumimoji="0" lang="en-US" altLang="zh-CN" sz="2400" b="1" i="0" u="none" strike="noStrike" kern="1200" cap="none" spc="0" normalizeH="0" baseline="0" noProof="0" dirty="0">
+              <a:ln>
+                <a:noFill/>
+              </a:ln>
+              <a:solidFill>
+                <a:prstClr val="black"/>
+              </a:solidFill>
+              <a:effectLst/>
+              <a:uLnTx/>
+              <a:uFillTx/>
+              <a:latin typeface="苹方-简" panose="020B0400000000000000" charset="-122"/>
+              <a:ea typeface="苹方-简" panose="020B0400000000000000" charset="-122"/>
+            </a:endParaRPr>
+          </a:p>
+        </p:txBody>
+      </p:sp>
+      <p:sp>
+        <p:nvSpPr>
+          <p:cNvPr id="9" name="内容占位符 2"/>
+          <p:cNvSpPr txBox="1"/>
+          <p:nvPr/>
+        </p:nvSpPr>
+        <p:spPr>
+          <a:xfrm>
+            <a:off x="24384" y="934691"/>
+            <a:ext cx="8229600" cy="669520"/>
+          </a:xfrm>
+          <a:prstGeom prst="rect">
+            <a:avLst/>
+          </a:prstGeom>
+        </p:spPr>
+        <p:txBody>
+          <a:bodyPr/>
+          <a:lstStyle>
+            <a:lvl1pPr marL="342900" indent="-342900" algn="l" defTabSz="457200" rtl="0" eaLnBrk="1" latinLnBrk="0" hangingPunct="1">
+              <a:spcBef>
+                <a:spcPct val="20000"/>
+              </a:spcBef>
+              <a:buFont typeface="Arial" panose="020B0604020202090204"/>
+              <a:buChar char="•"/>
+              <a:defRPr sz="3200" kern="1200">
+                <a:solidFill>
+                  <a:schemeClr val="tx1"/>
+                </a:solidFill>
+                <a:latin typeface="+mn-lt"/>
+                <a:ea typeface="+mn-ea"/>
+                <a:cs typeface="+mn-cs"/>
+              </a:defRPr>
+            </a:lvl1pPr>
+            <a:lvl2pPr marL="742950" indent="-285750" algn="l" defTabSz="457200" rtl="0" eaLnBrk="1" latinLnBrk="0" hangingPunct="1">
+              <a:spcBef>
+                <a:spcPct val="20000"/>
+              </a:spcBef>
+              <a:buFont typeface="Arial" panose="020B0604020202090204"/>
+              <a:buChar char="–"/>
+              <a:defRPr sz="2800" kern="1200">
+                <a:solidFill>
+                  <a:schemeClr val="tx1"/>
+                </a:solidFill>
+                <a:latin typeface="+mn-lt"/>
+                <a:ea typeface="+mn-ea"/>
+                <a:cs typeface="+mn-cs"/>
+              </a:defRPr>
+            </a:lvl2pPr>
+            <a:lvl3pPr marL="1143000" indent="-228600" algn="l" defTabSz="457200" rtl="0" eaLnBrk="1" latinLnBrk="0" hangingPunct="1">
+              <a:spcBef>
+                <a:spcPct val="20000"/>
+              </a:spcBef>
+              <a:buFont typeface="Arial" panose="020B0604020202090204"/>
+              <a:buChar char="•"/>
+              <a:defRPr sz="2400" kern="1200">
+                <a:solidFill>
+                  <a:schemeClr val="tx1"/>
+                </a:solidFill>
+                <a:latin typeface="+mn-lt"/>
+                <a:ea typeface="+mn-ea"/>
+                <a:cs typeface="+mn-cs"/>
+              </a:defRPr>
+            </a:lvl3pPr>
+            <a:lvl4pPr marL="1600200" indent="-228600" algn="l" defTabSz="457200" rtl="0" eaLnBrk="1" latinLnBrk="0" hangingPunct="1">
+              <a:spcBef>
+                <a:spcPct val="20000"/>
+              </a:spcBef>
+              <a:buFont typeface="Arial" panose="020B0604020202090204"/>
+              <a:buChar char="–"/>
+              <a:defRPr sz="2000" kern="1200">
+                <a:solidFill>
+                  <a:schemeClr val="tx1"/>
+                </a:solidFill>
+                <a:latin typeface="+mn-lt"/>
+                <a:ea typeface="+mn-ea"/>
+                <a:cs typeface="+mn-cs"/>
+              </a:defRPr>
+            </a:lvl4pPr>
+            <a:lvl5pPr marL="2057400" indent="-228600" algn="l" defTabSz="457200" rtl="0" eaLnBrk="1" latinLnBrk="0" hangingPunct="1">
+              <a:spcBef>
+                <a:spcPct val="20000"/>
+              </a:spcBef>
+              <a:buFont typeface="Arial" panose="020B0604020202090204"/>
+              <a:buChar char="»"/>
+              <a:defRPr sz="2000" kern="1200">
+                <a:solidFill>
+                  <a:schemeClr val="tx1"/>
+                </a:solidFill>
+                <a:latin typeface="+mn-lt"/>
+                <a:ea typeface="+mn-ea"/>
+                <a:cs typeface="+mn-cs"/>
+              </a:defRPr>
+            </a:lvl5pPr>
+            <a:lvl6pPr marL="2514600" indent="-228600" algn="l" defTabSz="457200" rtl="0" eaLnBrk="1" latinLnBrk="0" hangingPunct="1">
+              <a:spcBef>
+                <a:spcPct val="20000"/>
+              </a:spcBef>
+              <a:buFont typeface="Arial" panose="020B0604020202090204"/>
+              <a:buChar char="•"/>
+              <a:defRPr sz="2000" kern="1200">
+                <a:solidFill>
+                  <a:schemeClr val="tx1"/>
+                </a:solidFill>
+                <a:latin typeface="+mn-lt"/>
+                <a:ea typeface="+mn-ea"/>
+                <a:cs typeface="+mn-cs"/>
+              </a:defRPr>
+            </a:lvl6pPr>
+            <a:lvl7pPr marL="2971800" indent="-228600" algn="l" defTabSz="457200" rtl="0" eaLnBrk="1" latinLnBrk="0" hangingPunct="1">
+              <a:spcBef>
+                <a:spcPct val="20000"/>
+              </a:spcBef>
+              <a:buFont typeface="Arial" panose="020B0604020202090204"/>
+              <a:buChar char="•"/>
+              <a:defRPr sz="2000" kern="1200">
+                <a:solidFill>
+                  <a:schemeClr val="tx1"/>
+                </a:solidFill>
+                <a:latin typeface="+mn-lt"/>
+                <a:ea typeface="+mn-ea"/>
+                <a:cs typeface="+mn-cs"/>
+              </a:defRPr>
+            </a:lvl7pPr>
+            <a:lvl8pPr marL="3429000" indent="-228600" algn="l" defTabSz="457200" rtl="0" eaLnBrk="1" latinLnBrk="0" hangingPunct="1">
+              <a:spcBef>
+                <a:spcPct val="20000"/>
+              </a:spcBef>
+              <a:buFont typeface="Arial" panose="020B0604020202090204"/>
+              <a:buChar char="•"/>
+              <a:defRPr sz="2000" kern="1200">
+                <a:solidFill>
+                  <a:schemeClr val="tx1"/>
+                </a:solidFill>
+                <a:latin typeface="+mn-lt"/>
+                <a:ea typeface="+mn-ea"/>
+                <a:cs typeface="+mn-cs"/>
+              </a:defRPr>
+            </a:lvl8pPr>
+            <a:lvl9pPr marL="3886200" indent="-228600" algn="l" defTabSz="457200" rtl="0" eaLnBrk="1" latinLnBrk="0" hangingPunct="1">
+              <a:spcBef>
+                <a:spcPct val="20000"/>
+              </a:spcBef>
+              <a:buFont typeface="Arial" panose="020B0604020202090204"/>
+              <a:buChar char="•"/>
+              <a:defRPr sz="2000" kern="1200">
+                <a:solidFill>
+                  <a:schemeClr val="tx1"/>
+                </a:solidFill>
+                <a:latin typeface="+mn-lt"/>
+                <a:ea typeface="+mn-ea"/>
+                <a:cs typeface="+mn-cs"/>
+              </a:defRPr>
+            </a:lvl9pPr>
+          </a:lstStyle>
+          <a:p>
+            <a:pPr marL="342900" marR="0" lvl="0" indent="-342900" algn="l" defTabSz="457200" rtl="0" eaLnBrk="1" fontAlgn="auto" latinLnBrk="0" hangingPunct="1">
+              <a:lnSpc>
+                <a:spcPct val="130000"/>
+              </a:lnSpc>
+              <a:spcBef>
+                <a:spcPct val="20000"/>
+              </a:spcBef>
+              <a:spcAft>
+                <a:spcPts val="0"/>
+              </a:spcAft>
+              <a:buClrTx/>
+              <a:buSzTx/>
+              <a:buFont typeface="Wingdings" panose="05000000000000000000" pitchFamily="2" charset="2"/>
+              <a:buChar char="l"/>
+              <a:defRPr/>
+            </a:pPr>
+            <a:endParaRPr kumimoji="0" lang="en-US" altLang="zh-CN" sz="1800" b="0" i="0" u="none" strike="noStrike" kern="1200" cap="none" spc="0" normalizeH="0" baseline="0" noProof="0" dirty="0">
+              <a:ln>
+                <a:noFill/>
+              </a:ln>
+              <a:solidFill>
+                <a:prstClr val="black"/>
+              </a:solidFill>
+              <a:effectLst/>
+              <a:uLnTx/>
+              <a:uFillTx/>
+              <a:latin typeface="Calibri"/>
+              <a:ea typeface="微软雅黑" charset="-122"/>
+              <a:cs typeface="+mn-cs"/>
+            </a:endParaRPr>
+          </a:p>
+          <a:p>
+            <a:pPr marL="0" marR="0" lvl="0" indent="0" algn="l" defTabSz="457200" rtl="0" eaLnBrk="1" fontAlgn="auto" latinLnBrk="0" hangingPunct="1">
+              <a:lnSpc>
+                <a:spcPct val="130000"/>
+              </a:lnSpc>
+              <a:spcBef>
+                <a:spcPct val="20000"/>
+              </a:spcBef>
+              <a:spcAft>
+                <a:spcPts val="0"/>
+              </a:spcAft>
+              <a:buClrTx/>
+              <a:buSzTx/>
+              <a:buFont typeface="Arial" panose="020B0604020202090204"/>
+              <a:buNone/>
+              <a:defRPr/>
+            </a:pPr>
+            <a:endParaRPr kumimoji="0" lang="en-US" altLang="zh-CN" sz="1800" b="1" i="0" u="none" strike="noStrike" kern="1200" cap="none" spc="0" normalizeH="0" baseline="0" noProof="0" dirty="0">
+              <a:ln>
+                <a:noFill/>
+              </a:ln>
+              <a:solidFill>
+                <a:prstClr val="black"/>
+              </a:solidFill>
+              <a:effectLst/>
+              <a:uLnTx/>
+              <a:uFillTx/>
+              <a:latin typeface="Calibri"/>
+              <a:ea typeface="微软雅黑" charset="-122"/>
+              <a:cs typeface="+mn-cs"/>
+            </a:endParaRPr>
+          </a:p>
+          <a:p>
+            <a:pPr marL="0" marR="0" lvl="0" indent="0" algn="l" defTabSz="457200" rtl="0" eaLnBrk="1" fontAlgn="auto" latinLnBrk="0" hangingPunct="1">
+              <a:lnSpc>
+                <a:spcPct val="130000"/>
+              </a:lnSpc>
+              <a:spcBef>
+                <a:spcPct val="20000"/>
+              </a:spcBef>
+              <a:spcAft>
+                <a:spcPts val="0"/>
+              </a:spcAft>
+              <a:buClrTx/>
+              <a:buSzTx/>
+              <a:buFont typeface="Arial" panose="020B0604020202090204"/>
+              <a:buNone/>
+              <a:defRPr/>
+            </a:pPr>
+            <a:endParaRPr kumimoji="0" lang="en-US" altLang="zh-CN" sz="1800" b="1" i="0" u="none" strike="noStrike" kern="1200" cap="none" spc="0" normalizeH="0" baseline="0" noProof="0" dirty="0">
+              <a:ln>
+                <a:noFill/>
+              </a:ln>
+              <a:solidFill>
+                <a:prstClr val="black"/>
+              </a:solidFill>
+              <a:effectLst/>
+              <a:uLnTx/>
+              <a:uFillTx/>
+              <a:latin typeface="Calibri"/>
+              <a:ea typeface="微软雅黑" charset="-122"/>
+              <a:cs typeface="+mn-cs"/>
+            </a:endParaRPr>
+          </a:p>
+        </p:txBody>
+      </p:sp>
+      <p:sp>
+        <p:nvSpPr>
+          <p:cNvPr id="3" name="文本框 2">
+            <a:extLst>
+              <a:ext uri="{FF2B5EF4-FFF2-40B4-BE49-F238E27FC236}">
+                <a16:creationId xmlns:a16="http://schemas.microsoft.com/office/drawing/2014/main" id="{F1660161-E5F4-2149-B36F-F22A2EBAF582}"/>
+              </a:ext>
+            </a:extLst>
+          </p:cNvPr>
+          <p:cNvSpPr txBox="1"/>
+          <p:nvPr/>
+        </p:nvSpPr>
+        <p:spPr>
+          <a:xfrm>
+            <a:off x="1465941" y="2148829"/>
+            <a:ext cx="4826962" cy="1859868"/>
+          </a:xfrm>
+          <a:prstGeom prst="rect">
+            <a:avLst/>
+          </a:prstGeom>
+          <a:noFill/>
+        </p:spPr>
+        <p:txBody>
+          <a:bodyPr wrap="none" rtlCol="0">
+            <a:spAutoFit/>
+          </a:bodyPr>
+          <a:lstStyle/>
+          <a:p>
+            <a:pPr marL="342900" indent="-342900">
+              <a:lnSpc>
+                <a:spcPct val="200000"/>
+              </a:lnSpc>
+              <a:buFont typeface="+mj-lt"/>
+              <a:buAutoNum type="arabicPeriod"/>
+            </a:pPr>
+            <a:r>
+              <a:rPr kumimoji="1" lang="zh-Hans" altLang="en-US" sz="2000" dirty="0">
+                <a:latin typeface="PingFang SC" panose="020B0400000000000000" pitchFamily="34" charset="-122"/>
+                <a:ea typeface="PingFang SC" panose="020B0400000000000000" pitchFamily="34" charset="-122"/>
+              </a:rPr>
+              <a:t>更新</a:t>
+            </a:r>
+            <a:r>
+              <a:rPr kumimoji="1" lang="en-US" altLang="zh-Hans" sz="2000" dirty="0">
+                <a:latin typeface="PingFang SC" panose="020B0400000000000000" pitchFamily="34" charset="-122"/>
+                <a:ea typeface="PingFang SC" panose="020B0400000000000000" pitchFamily="34" charset="-122"/>
+              </a:rPr>
+              <a:t>Pod</a:t>
+            </a:r>
+            <a:r>
+              <a:rPr kumimoji="1" lang="zh-Hans" altLang="en-US" sz="2000" dirty="0">
+                <a:latin typeface="PingFang SC" panose="020B0400000000000000" pitchFamily="34" charset="-122"/>
+                <a:ea typeface="PingFang SC" panose="020B0400000000000000" pitchFamily="34" charset="-122"/>
+              </a:rPr>
+              <a:t>，从</a:t>
+            </a:r>
+            <a:r>
+              <a:rPr kumimoji="1" lang="en-US" altLang="zh-Hans" sz="2000" dirty="0">
+                <a:latin typeface="PingFang SC" panose="020B0400000000000000" pitchFamily="34" charset="-122"/>
+                <a:ea typeface="PingFang SC" panose="020B0400000000000000" pitchFamily="34" charset="-122"/>
+              </a:rPr>
+              <a:t>30</a:t>
+            </a:r>
+            <a:r>
+              <a:rPr kumimoji="1" lang="zh-Hans" altLang="en-US" sz="2000" dirty="0">
+                <a:latin typeface="PingFang SC" panose="020B0400000000000000" pitchFamily="34" charset="-122"/>
+                <a:ea typeface="PingFang SC" panose="020B0400000000000000" pitchFamily="34" charset="-122"/>
+              </a:rPr>
+              <a:t>分钟减少到 </a:t>
+            </a:r>
+            <a:r>
+              <a:rPr kumimoji="1" lang="en-US" altLang="zh-Hans" sz="2000" dirty="0">
+                <a:latin typeface="PingFang SC" panose="020B0400000000000000" pitchFamily="34" charset="-122"/>
+                <a:ea typeface="PingFang SC" panose="020B0400000000000000" pitchFamily="34" charset="-122"/>
+              </a:rPr>
+              <a:t>1</a:t>
+            </a:r>
+            <a:r>
+              <a:rPr kumimoji="1" lang="zh-Hans" altLang="en-US" sz="2000" dirty="0">
+                <a:latin typeface="PingFang SC" panose="020B0400000000000000" pitchFamily="34" charset="-122"/>
+                <a:ea typeface="PingFang SC" panose="020B0400000000000000" pitchFamily="34" charset="-122"/>
+              </a:rPr>
+              <a:t>分钟以内</a:t>
+            </a:r>
+            <a:endParaRPr kumimoji="1" lang="en-US" altLang="zh-Hans" sz="2000" dirty="0">
+              <a:latin typeface="PingFang SC" panose="020B0400000000000000" pitchFamily="34" charset="-122"/>
+              <a:ea typeface="PingFang SC" panose="020B0400000000000000" pitchFamily="34" charset="-122"/>
+            </a:endParaRPr>
+          </a:p>
+          <a:p>
+            <a:pPr marL="342900" indent="-342900">
+              <a:lnSpc>
+                <a:spcPct val="200000"/>
+              </a:lnSpc>
+              <a:buFont typeface="+mj-lt"/>
+              <a:buAutoNum type="arabicPeriod"/>
+            </a:pPr>
+            <a:r>
+              <a:rPr kumimoji="1" lang="zh-Hans" altLang="en-US" sz="2000" dirty="0">
+                <a:latin typeface="PingFang SC" panose="020B0400000000000000" pitchFamily="34" charset="-122"/>
+                <a:ea typeface="PingFang SC" panose="020B0400000000000000" pitchFamily="34" charset="-122"/>
+              </a:rPr>
+              <a:t>管理本地</a:t>
+            </a:r>
+            <a:r>
+              <a:rPr kumimoji="1" lang="en-US" altLang="zh-Hans" sz="2000" dirty="0">
+                <a:latin typeface="PingFang SC" panose="020B0400000000000000" pitchFamily="34" charset="-122"/>
+                <a:ea typeface="PingFang SC" panose="020B0400000000000000" pitchFamily="34" charset="-122"/>
+              </a:rPr>
+              <a:t>Pod</a:t>
+            </a:r>
+            <a:r>
+              <a:rPr kumimoji="1" lang="zh-Hans" altLang="en-US" sz="2000" dirty="0">
+                <a:latin typeface="PingFang SC" panose="020B0400000000000000" pitchFamily="34" charset="-122"/>
+                <a:ea typeface="PingFang SC" panose="020B0400000000000000" pitchFamily="34" charset="-122"/>
+              </a:rPr>
+              <a:t>更加高效</a:t>
+            </a:r>
+            <a:endParaRPr kumimoji="1" lang="en-US" altLang="zh-Hans" sz="2000" dirty="0">
+              <a:latin typeface="PingFang SC" panose="020B0400000000000000" pitchFamily="34" charset="-122"/>
+              <a:ea typeface="PingFang SC" panose="020B0400000000000000" pitchFamily="34" charset="-122"/>
+            </a:endParaRPr>
+          </a:p>
+          <a:p>
+            <a:pPr marL="342900" indent="-342900">
+              <a:lnSpc>
+                <a:spcPct val="200000"/>
+              </a:lnSpc>
+              <a:buFont typeface="+mj-lt"/>
+              <a:buAutoNum type="arabicPeriod"/>
+            </a:pPr>
+            <a:r>
+              <a:rPr kumimoji="1" lang="zh-Hans" altLang="en-US" sz="2000" dirty="0">
+                <a:latin typeface="PingFang SC" panose="020B0400000000000000" pitchFamily="34" charset="-122"/>
+                <a:ea typeface="PingFang SC" panose="020B0400000000000000" pitchFamily="34" charset="-122"/>
+              </a:rPr>
+              <a:t>提交</a:t>
+            </a:r>
+            <a:r>
+              <a:rPr kumimoji="1" lang="en-US" altLang="zh-Hans" sz="2000" dirty="0">
+                <a:latin typeface="PingFang SC" panose="020B0400000000000000" pitchFamily="34" charset="-122"/>
+                <a:ea typeface="PingFang SC" panose="020B0400000000000000" pitchFamily="34" charset="-122"/>
+              </a:rPr>
+              <a:t>MR</a:t>
+            </a:r>
+            <a:r>
+              <a:rPr kumimoji="1" lang="zh-Hans" altLang="en-US" sz="2000" dirty="0">
+                <a:latin typeface="PingFang SC" panose="020B0400000000000000" pitchFamily="34" charset="-122"/>
+                <a:ea typeface="PingFang SC" panose="020B0400000000000000" pitchFamily="34" charset="-122"/>
+              </a:rPr>
+              <a:t>无需再去</a:t>
+            </a:r>
+            <a:r>
+              <a:rPr kumimoji="1" lang="en-US" altLang="zh-Hans" sz="2000" dirty="0" err="1">
+                <a:latin typeface="PingFang SC" panose="020B0400000000000000" pitchFamily="34" charset="-122"/>
+                <a:ea typeface="PingFang SC" panose="020B0400000000000000" pitchFamily="34" charset="-122"/>
+              </a:rPr>
+              <a:t>igit</a:t>
+            </a:r>
+            <a:endParaRPr kumimoji="1" lang="zh-CN" altLang="en-US" sz="2000" dirty="0">
+              <a:latin typeface="PingFang SC" panose="020B0400000000000000" pitchFamily="34" charset="-122"/>
+              <a:ea typeface="PingFang SC" panose="020B0400000000000000" pitchFamily="34" charset="-122"/>
+            </a:endParaRPr>
+          </a:p>
+        </p:txBody>
+      </p:sp>
+    </p:spTree>
+    <p:custDataLst>
+      <p:tags r:id="rId1"/>
+    </p:custDataLst>
+    <p:extLst>
+      <p:ext uri="{BB962C8B-B14F-4D97-AF65-F5344CB8AC3E}">
+        <p14:creationId xmlns:p14="http://schemas.microsoft.com/office/powerpoint/2010/main" val="3441189765"/>
+      </p:ext>
+    </p:extLst>
+  </p:cSld>
+  <p:clrMapOvr>
+    <a:masterClrMapping/>
+  </p:clrMapOvr>
+</p:sld>
+</file>
+
+<file path=ppt/slides/slide27.xml><?xml version="1.0" encoding="utf-8"?>
+<p:sld xmlns:a="http://schemas.openxmlformats.org/drawingml/2006/main" xmlns:r="http://schemas.openxmlformats.org/officeDocument/2006/relationships" xmlns:p="http://schemas.openxmlformats.org/presentationml/2006/main">
+  <p:cSld>
+    <p:spTree>
+      <p:nvGrpSpPr>
+        <p:cNvPr id="1" name=""/>
+        <p:cNvGrpSpPr/>
+        <p:nvPr/>
+      </p:nvGrpSpPr>
+      <p:grpSpPr>
+        <a:xfrm>
+          <a:off x="0" y="0"/>
+          <a:ext cx="0" cy="0"/>
+          <a:chOff x="0" y="0"/>
+          <a:chExt cx="0" cy="0"/>
+        </a:xfrm>
+      </p:grpSpPr>
+      <p:sp>
+        <p:nvSpPr>
+          <p:cNvPr id="4" name="文本框 3">
+            <a:extLst>
+              <a:ext uri="{FF2B5EF4-FFF2-40B4-BE49-F238E27FC236}">
+                <a16:creationId xmlns:a16="http://schemas.microsoft.com/office/drawing/2014/main" id="{35EA2C41-903F-8E48-B086-F20CEF339DEB}"/>
+              </a:ext>
+            </a:extLst>
+          </p:cNvPr>
+          <p:cNvSpPr txBox="1"/>
+          <p:nvPr/>
+        </p:nvSpPr>
+        <p:spPr>
+          <a:xfrm>
+            <a:off x="503283" y="2670442"/>
+            <a:ext cx="7208520" cy="1414547"/>
+          </a:xfrm>
+          <a:prstGeom prst="rect">
+            <a:avLst/>
+          </a:prstGeom>
+          <a:noFill/>
+          <a:ln>
+            <a:solidFill>
+              <a:schemeClr val="bg1"/>
+            </a:solidFill>
+          </a:ln>
+        </p:spPr>
+        <p:txBody>
+          <a:bodyPr wrap="square" rtlCol="0" anchor="ctr" anchorCtr="0">
+            <a:noAutofit/>
+          </a:bodyPr>
+          <a:lstStyle/>
+          <a:p>
+            <a:pPr>
+              <a:lnSpc>
+                <a:spcPct val="100000"/>
+              </a:lnSpc>
+            </a:pPr>
+            <a:r>
+              <a:rPr kumimoji="1" lang="zh-Hans" altLang="en-US" sz="4000" dirty="0">
+                <a:solidFill>
+                  <a:schemeClr val="bg1"/>
+                </a:solidFill>
+              </a:rPr>
+              <a:t> </a:t>
+            </a:r>
+            <a:r>
+              <a:rPr kumimoji="1" lang="en-US" altLang="zh-Hans" sz="4000" dirty="0">
+                <a:solidFill>
+                  <a:schemeClr val="bg1"/>
+                </a:solidFill>
+                <a:latin typeface="PingFang SC" panose="020B0400000000000000" pitchFamily="34" charset="-122"/>
+                <a:ea typeface="PingFang SC" panose="020B0400000000000000" pitchFamily="34" charset="-122"/>
+              </a:rPr>
+              <a:t>03</a:t>
+            </a:r>
+            <a:r>
+              <a:rPr kumimoji="1" lang="zh-Hans" altLang="en-US" sz="4000" dirty="0">
+                <a:solidFill>
+                  <a:schemeClr val="bg1"/>
+                </a:solidFill>
+                <a:latin typeface="PingFang SC" panose="020B0400000000000000" pitchFamily="34" charset="-122"/>
+                <a:ea typeface="PingFang SC" panose="020B0400000000000000" pitchFamily="34" charset="-122"/>
+              </a:rPr>
+              <a:t> </a:t>
+            </a:r>
+            <a:r>
+              <a:rPr kumimoji="1" lang="en-US" altLang="zh-Hans" sz="4000" dirty="0">
+                <a:solidFill>
+                  <a:schemeClr val="bg1"/>
+                </a:solidFill>
+                <a:latin typeface="PingFang SC" panose="020B0400000000000000" pitchFamily="34" charset="-122"/>
+                <a:ea typeface="PingFang SC" panose="020B0400000000000000" pitchFamily="34" charset="-122"/>
+              </a:rPr>
+              <a:t>|</a:t>
+            </a:r>
+            <a:r>
+              <a:rPr kumimoji="1" lang="zh-Hans" altLang="en-US" sz="4000" dirty="0">
+                <a:solidFill>
+                  <a:schemeClr val="bg1"/>
+                </a:solidFill>
+                <a:latin typeface="PingFang SC" panose="020B0400000000000000" pitchFamily="34" charset="-122"/>
+                <a:ea typeface="PingFang SC" panose="020B0400000000000000" pitchFamily="34" charset="-122"/>
+              </a:rPr>
+              <a:t> 总结</a:t>
+            </a:r>
+            <a:endParaRPr kumimoji="1" lang="en-US" altLang="zh-Hans" sz="4000" dirty="0">
+              <a:solidFill>
+                <a:schemeClr val="bg1"/>
+              </a:solidFill>
+              <a:latin typeface="PingFang SC" panose="020B0400000000000000" pitchFamily="34" charset="-122"/>
+              <a:ea typeface="PingFang SC" panose="020B0400000000000000" pitchFamily="34" charset="-122"/>
+            </a:endParaRPr>
+          </a:p>
+        </p:txBody>
+      </p:sp>
+    </p:spTree>
+    <p:extLst>
+      <p:ext uri="{BB962C8B-B14F-4D97-AF65-F5344CB8AC3E}">
+        <p14:creationId xmlns:p14="http://schemas.microsoft.com/office/powerpoint/2010/main" val="1600438540"/>
+      </p:ext>
+    </p:extLst>
+  </p:cSld>
+  <p:clrMapOvr>
+    <a:masterClrMapping/>
+  </p:clrMapOvr>
+</p:sld>
+</file>
+
+<file path=ppt/slides/slide28.xml><?xml version="1.0" encoding="utf-8"?>
+<p:sld xmlns:a="http://schemas.openxmlformats.org/drawingml/2006/main" xmlns:r="http://schemas.openxmlformats.org/officeDocument/2006/relationships" xmlns:p="http://schemas.openxmlformats.org/presentationml/2006/main">
+  <p:cSld>
+    <p:spTree>
+      <p:nvGrpSpPr>
+        <p:cNvPr id="1" name=""/>
+        <p:cNvGrpSpPr/>
+        <p:nvPr/>
+      </p:nvGrpSpPr>
+      <p:grpSpPr>
+        <a:xfrm>
+          <a:off x="0" y="0"/>
+          <a:ext cx="0" cy="0"/>
+          <a:chOff x="0" y="0"/>
+          <a:chExt cx="0" cy="0"/>
+        </a:xfrm>
+      </p:grpSpPr>
+      <p:pic>
+        <p:nvPicPr>
+          <p:cNvPr id="2" name="图片 1"/>
+          <p:cNvPicPr>
+            <a:picLocks noChangeAspect="1"/>
+          </p:cNvPicPr>
+          <p:nvPr/>
+        </p:nvPicPr>
+        <p:blipFill>
+          <a:blip r:embed="rId4" cstate="email"/>
+          <a:stretch>
+            <a:fillRect/>
+          </a:stretch>
+        </p:blipFill>
+        <p:spPr>
+          <a:xfrm>
+            <a:off x="0" y="0"/>
+            <a:ext cx="9142571" cy="6858000"/>
+          </a:xfrm>
+          <a:prstGeom prst="rect">
+            <a:avLst/>
+          </a:prstGeom>
+          <a:noFill/>
+          <a:ln>
+            <a:solidFill>
+              <a:schemeClr val="tx1"/>
+            </a:solidFill>
+          </a:ln>
+        </p:spPr>
+      </p:pic>
+      <p:sp>
+        <p:nvSpPr>
+          <p:cNvPr id="6" name="灯片编号占位符 4"/>
+          <p:cNvSpPr>
+            <a:spLocks noGrp="1"/>
+          </p:cNvSpPr>
+          <p:nvPr>
+            <p:ph type="sldNum" sz="quarter" idx="12"/>
+          </p:nvPr>
+        </p:nvSpPr>
+        <p:spPr>
+          <a:xfrm>
+            <a:off x="6120384" y="6413183"/>
+            <a:ext cx="2133600" cy="274637"/>
+          </a:xfrm>
+        </p:spPr>
+        <p:txBody>
+          <a:bodyPr/>
+          <a:lstStyle>
+            <a:lvl1pPr eaLnBrk="0" hangingPunct="0">
+              <a:defRPr>
+                <a:solidFill>
+                  <a:schemeClr val="tx1"/>
+                </a:solidFill>
+                <a:latin typeface="Arial" panose="020B0604020202090204" pitchFamily="34" charset="0"/>
+                <a:ea typeface="宋体" charset="-122"/>
+              </a:defRPr>
+            </a:lvl1pPr>
+            <a:lvl2pPr marL="742950" indent="-285750" eaLnBrk="0" hangingPunct="0">
+              <a:defRPr>
+                <a:solidFill>
+                  <a:schemeClr val="tx1"/>
+                </a:solidFill>
+                <a:latin typeface="Arial" panose="020B0604020202090204" pitchFamily="34" charset="0"/>
+                <a:ea typeface="宋体" charset="-122"/>
+              </a:defRPr>
+            </a:lvl2pPr>
+            <a:lvl3pPr marL="1143000" indent="-228600" eaLnBrk="0" hangingPunct="0">
+              <a:defRPr>
+                <a:solidFill>
+                  <a:schemeClr val="tx1"/>
+                </a:solidFill>
+                <a:latin typeface="Arial" panose="020B0604020202090204" pitchFamily="34" charset="0"/>
+                <a:ea typeface="宋体" charset="-122"/>
+              </a:defRPr>
+            </a:lvl3pPr>
+            <a:lvl4pPr marL="1600200" indent="-228600" eaLnBrk="0" hangingPunct="0">
+              <a:defRPr>
+                <a:solidFill>
+                  <a:schemeClr val="tx1"/>
+                </a:solidFill>
+                <a:latin typeface="Arial" panose="020B0604020202090204" pitchFamily="34" charset="0"/>
+                <a:ea typeface="宋体" charset="-122"/>
+              </a:defRPr>
+            </a:lvl4pPr>
+            <a:lvl5pPr marL="2057400" indent="-228600" eaLnBrk="0" hangingPunct="0">
+              <a:defRPr>
+                <a:solidFill>
+                  <a:schemeClr val="tx1"/>
+                </a:solidFill>
+                <a:latin typeface="Arial" panose="020B0604020202090204" pitchFamily="34" charset="0"/>
+                <a:ea typeface="宋体" charset="-122"/>
+              </a:defRPr>
+            </a:lvl5pPr>
+            <a:lvl6pPr marL="2514600" indent="-228600" defTabSz="457200" eaLnBrk="0" fontAlgn="base" hangingPunct="0">
+              <a:spcBef>
+                <a:spcPct val="0"/>
+              </a:spcBef>
+              <a:spcAft>
+                <a:spcPct val="0"/>
+              </a:spcAft>
+              <a:defRPr>
+                <a:solidFill>
+                  <a:schemeClr val="tx1"/>
+                </a:solidFill>
+                <a:latin typeface="Arial" panose="020B0604020202090204" pitchFamily="34" charset="0"/>
+                <a:ea typeface="宋体" charset="-122"/>
+              </a:defRPr>
+            </a:lvl6pPr>
+            <a:lvl7pPr marL="2971800" indent="-228600" defTabSz="457200" eaLnBrk="0" fontAlgn="base" hangingPunct="0">
+              <a:spcBef>
+                <a:spcPct val="0"/>
+              </a:spcBef>
+              <a:spcAft>
+                <a:spcPct val="0"/>
+              </a:spcAft>
+              <a:defRPr>
+                <a:solidFill>
+                  <a:schemeClr val="tx1"/>
+                </a:solidFill>
+                <a:latin typeface="Arial" panose="020B0604020202090204" pitchFamily="34" charset="0"/>
+                <a:ea typeface="宋体" charset="-122"/>
+              </a:defRPr>
+            </a:lvl7pPr>
+            <a:lvl8pPr marL="3429000" indent="-228600" defTabSz="457200" eaLnBrk="0" fontAlgn="base" hangingPunct="0">
+              <a:spcBef>
+                <a:spcPct val="0"/>
+              </a:spcBef>
+              <a:spcAft>
+                <a:spcPct val="0"/>
+              </a:spcAft>
+              <a:defRPr>
+                <a:solidFill>
+                  <a:schemeClr val="tx1"/>
+                </a:solidFill>
+                <a:latin typeface="Arial" panose="020B0604020202090204" pitchFamily="34" charset="0"/>
+                <a:ea typeface="宋体" charset="-122"/>
+              </a:defRPr>
+            </a:lvl8pPr>
+            <a:lvl9pPr marL="3886200" indent="-228600" defTabSz="457200" eaLnBrk="0" fontAlgn="base" hangingPunct="0">
+              <a:spcBef>
+                <a:spcPct val="0"/>
+              </a:spcBef>
+              <a:spcAft>
+                <a:spcPct val="0"/>
+              </a:spcAft>
+              <a:defRPr>
+                <a:solidFill>
+                  <a:schemeClr val="tx1"/>
+                </a:solidFill>
+                <a:latin typeface="Arial" panose="020B0604020202090204" pitchFamily="34" charset="0"/>
+                <a:ea typeface="宋体" charset="-122"/>
+              </a:defRPr>
+            </a:lvl9pPr>
+          </a:lstStyle>
+          <a:p>
+            <a:pPr marL="0" marR="0" lvl="0" indent="0" algn="r" defTabSz="457200" rtl="0" eaLnBrk="1" fontAlgn="auto" latinLnBrk="0" hangingPunct="1">
+              <a:lnSpc>
+                <a:spcPct val="100000"/>
+              </a:lnSpc>
+              <a:spcBef>
+                <a:spcPts val="0"/>
+              </a:spcBef>
+              <a:spcAft>
+                <a:spcPts val="0"/>
+              </a:spcAft>
+              <a:buClrTx/>
+              <a:buSzTx/>
+              <a:buFontTx/>
+              <a:buNone/>
+              <a:defRPr/>
+            </a:pPr>
+            <a:fld id="{3F1E42E4-90F7-C348-9C7D-352344EF35F9}" type="slidenum">
+              <a:rPr kumimoji="0" lang="zh-CN" altLang="en-US" sz="1200" b="0" i="0" u="none" strike="noStrike" kern="1200" cap="none" spc="0" normalizeH="0" baseline="0" noProof="0">
+                <a:ln>
+                  <a:noFill/>
+                </a:ln>
+                <a:solidFill>
+                  <a:srgbClr val="898989"/>
+                </a:solidFill>
+                <a:effectLst/>
+                <a:uLnTx/>
+                <a:uFillTx/>
+                <a:latin typeface="Arial" panose="020B0604020202090204" pitchFamily="34" charset="0"/>
+                <a:ea typeface="微软雅黑" charset="-122"/>
+                <a:cs typeface="+mn-cs"/>
+              </a:rPr>
+              <a:t>28</a:t>
+            </a:fld>
+            <a:endParaRPr kumimoji="0" lang="zh-CN" altLang="en-US" sz="1200" b="0" i="0" u="none" strike="noStrike" kern="1200" cap="none" spc="0" normalizeH="0" baseline="0" noProof="0" dirty="0">
+              <a:ln>
+                <a:noFill/>
+              </a:ln>
+              <a:solidFill>
+                <a:srgbClr val="898989"/>
+              </a:solidFill>
+              <a:effectLst/>
+              <a:uLnTx/>
+              <a:uFillTx/>
+              <a:latin typeface="Arial" panose="020B0604020202090204" pitchFamily="34" charset="0"/>
+              <a:ea typeface="微软雅黑" charset="-122"/>
+              <a:cs typeface="+mn-cs"/>
+            </a:endParaRPr>
+          </a:p>
+        </p:txBody>
+      </p:sp>
+      <p:sp>
+        <p:nvSpPr>
+          <p:cNvPr id="7" name="标题 1"/>
+          <p:cNvSpPr txBox="1"/>
+          <p:nvPr/>
+        </p:nvSpPr>
+        <p:spPr>
+          <a:xfrm>
+            <a:off x="250825" y="89645"/>
+            <a:ext cx="8278495" cy="782955"/>
+          </a:xfrm>
+          <a:prstGeom prst="rect">
+            <a:avLst/>
+          </a:prstGeom>
+        </p:spPr>
+        <p:txBody>
+          <a:bodyPr/>
+          <a:lstStyle>
+            <a:lvl1pPr algn="ctr" defTabSz="457200" rtl="0" eaLnBrk="1" latinLnBrk="0" hangingPunct="1">
+              <a:spcBef>
+                <a:spcPct val="0"/>
+              </a:spcBef>
+              <a:buNone/>
+              <a:defRPr sz="4400" kern="1200">
+                <a:solidFill>
+                  <a:schemeClr val="tx1"/>
+                </a:solidFill>
+                <a:latin typeface="+mj-lt"/>
+                <a:ea typeface="+mj-ea"/>
+                <a:cs typeface="+mj-cs"/>
+              </a:defRPr>
+            </a:lvl1pPr>
+          </a:lstStyle>
+          <a:p>
+            <a:pPr marL="0" marR="0" lvl="0" indent="0" algn="l" defTabSz="457200" rtl="0" eaLnBrk="1" fontAlgn="auto" latinLnBrk="0" hangingPunct="1">
+              <a:lnSpc>
+                <a:spcPct val="150000"/>
+              </a:lnSpc>
+              <a:spcBef>
+                <a:spcPts val="0"/>
+              </a:spcBef>
+              <a:spcAft>
+                <a:spcPts val="0"/>
+              </a:spcAft>
+              <a:buClrTx/>
+              <a:buSzTx/>
+              <a:buFontTx/>
+              <a:buNone/>
+              <a:defRPr/>
+            </a:pPr>
+            <a:r>
+              <a:rPr lang="zh-Hans" altLang="en-US" sz="2400" b="1" dirty="0">
+                <a:solidFill>
+                  <a:prstClr val="black"/>
+                </a:solidFill>
+                <a:latin typeface="苹方-简" panose="020B0400000000000000" charset="-122"/>
+                <a:ea typeface="苹方-简" panose="020B0400000000000000" charset="-122"/>
+              </a:rPr>
+              <a:t>总结</a:t>
+            </a:r>
+            <a:endParaRPr kumimoji="0" lang="en-US" altLang="zh-CN" sz="2400" b="1" i="0" u="none" strike="noStrike" kern="1200" cap="none" spc="0" normalizeH="0" baseline="0" noProof="0" dirty="0">
+              <a:ln>
+                <a:noFill/>
+              </a:ln>
+              <a:solidFill>
+                <a:prstClr val="black"/>
+              </a:solidFill>
+              <a:effectLst/>
+              <a:uLnTx/>
+              <a:uFillTx/>
+              <a:latin typeface="苹方-简" panose="020B0400000000000000" charset="-122"/>
+              <a:ea typeface="苹方-简" panose="020B0400000000000000" charset="-122"/>
+            </a:endParaRPr>
+          </a:p>
+        </p:txBody>
+      </p:sp>
+      <p:sp>
+        <p:nvSpPr>
+          <p:cNvPr id="9" name="内容占位符 2"/>
+          <p:cNvSpPr txBox="1"/>
+          <p:nvPr/>
+        </p:nvSpPr>
+        <p:spPr>
+          <a:xfrm>
+            <a:off x="24384" y="934691"/>
+            <a:ext cx="8229600" cy="669520"/>
+          </a:xfrm>
+          <a:prstGeom prst="rect">
+            <a:avLst/>
+          </a:prstGeom>
+        </p:spPr>
+        <p:txBody>
+          <a:bodyPr/>
+          <a:lstStyle>
+            <a:lvl1pPr marL="342900" indent="-342900" algn="l" defTabSz="457200" rtl="0" eaLnBrk="1" latinLnBrk="0" hangingPunct="1">
+              <a:spcBef>
+                <a:spcPct val="20000"/>
+              </a:spcBef>
+              <a:buFont typeface="Arial" panose="020B0604020202090204"/>
+              <a:buChar char="•"/>
+              <a:defRPr sz="3200" kern="1200">
+                <a:solidFill>
+                  <a:schemeClr val="tx1"/>
+                </a:solidFill>
+                <a:latin typeface="+mn-lt"/>
+                <a:ea typeface="+mn-ea"/>
+                <a:cs typeface="+mn-cs"/>
+              </a:defRPr>
+            </a:lvl1pPr>
+            <a:lvl2pPr marL="742950" indent="-285750" algn="l" defTabSz="457200" rtl="0" eaLnBrk="1" latinLnBrk="0" hangingPunct="1">
+              <a:spcBef>
+                <a:spcPct val="20000"/>
+              </a:spcBef>
+              <a:buFont typeface="Arial" panose="020B0604020202090204"/>
+              <a:buChar char="–"/>
+              <a:defRPr sz="2800" kern="1200">
+                <a:solidFill>
+                  <a:schemeClr val="tx1"/>
+                </a:solidFill>
+                <a:latin typeface="+mn-lt"/>
+                <a:ea typeface="+mn-ea"/>
+                <a:cs typeface="+mn-cs"/>
+              </a:defRPr>
+            </a:lvl2pPr>
+            <a:lvl3pPr marL="1143000" indent="-228600" algn="l" defTabSz="457200" rtl="0" eaLnBrk="1" latinLnBrk="0" hangingPunct="1">
+              <a:spcBef>
+                <a:spcPct val="20000"/>
+              </a:spcBef>
+              <a:buFont typeface="Arial" panose="020B0604020202090204"/>
+              <a:buChar char="•"/>
+              <a:defRPr sz="2400" kern="1200">
+                <a:solidFill>
+                  <a:schemeClr val="tx1"/>
+                </a:solidFill>
+                <a:latin typeface="+mn-lt"/>
+                <a:ea typeface="+mn-ea"/>
+                <a:cs typeface="+mn-cs"/>
+              </a:defRPr>
+            </a:lvl3pPr>
+            <a:lvl4pPr marL="1600200" indent="-228600" algn="l" defTabSz="457200" rtl="0" eaLnBrk="1" latinLnBrk="0" hangingPunct="1">
+              <a:spcBef>
+                <a:spcPct val="20000"/>
+              </a:spcBef>
+              <a:buFont typeface="Arial" panose="020B0604020202090204"/>
+              <a:buChar char="–"/>
+              <a:defRPr sz="2000" kern="1200">
+                <a:solidFill>
+                  <a:schemeClr val="tx1"/>
+                </a:solidFill>
+                <a:latin typeface="+mn-lt"/>
+                <a:ea typeface="+mn-ea"/>
+                <a:cs typeface="+mn-cs"/>
+              </a:defRPr>
+            </a:lvl4pPr>
+            <a:lvl5pPr marL="2057400" indent="-228600" algn="l" defTabSz="457200" rtl="0" eaLnBrk="1" latinLnBrk="0" hangingPunct="1">
+              <a:spcBef>
+                <a:spcPct val="20000"/>
+              </a:spcBef>
+              <a:buFont typeface="Arial" panose="020B0604020202090204"/>
+              <a:buChar char="»"/>
+              <a:defRPr sz="2000" kern="1200">
+                <a:solidFill>
+                  <a:schemeClr val="tx1"/>
+                </a:solidFill>
+                <a:latin typeface="+mn-lt"/>
+                <a:ea typeface="+mn-ea"/>
+                <a:cs typeface="+mn-cs"/>
+              </a:defRPr>
+            </a:lvl5pPr>
+            <a:lvl6pPr marL="2514600" indent="-228600" algn="l" defTabSz="457200" rtl="0" eaLnBrk="1" latinLnBrk="0" hangingPunct="1">
+              <a:spcBef>
+                <a:spcPct val="20000"/>
+              </a:spcBef>
+              <a:buFont typeface="Arial" panose="020B0604020202090204"/>
+              <a:buChar char="•"/>
+              <a:defRPr sz="2000" kern="1200">
+                <a:solidFill>
+                  <a:schemeClr val="tx1"/>
+                </a:solidFill>
+                <a:latin typeface="+mn-lt"/>
+                <a:ea typeface="+mn-ea"/>
+                <a:cs typeface="+mn-cs"/>
+              </a:defRPr>
+            </a:lvl6pPr>
+            <a:lvl7pPr marL="2971800" indent="-228600" algn="l" defTabSz="457200" rtl="0" eaLnBrk="1" latinLnBrk="0" hangingPunct="1">
+              <a:spcBef>
+                <a:spcPct val="20000"/>
+              </a:spcBef>
+              <a:buFont typeface="Arial" panose="020B0604020202090204"/>
+              <a:buChar char="•"/>
+              <a:defRPr sz="2000" kern="1200">
+                <a:solidFill>
+                  <a:schemeClr val="tx1"/>
+                </a:solidFill>
+                <a:latin typeface="+mn-lt"/>
+                <a:ea typeface="+mn-ea"/>
+                <a:cs typeface="+mn-cs"/>
+              </a:defRPr>
+            </a:lvl7pPr>
+            <a:lvl8pPr marL="3429000" indent="-228600" algn="l" defTabSz="457200" rtl="0" eaLnBrk="1" latinLnBrk="0" hangingPunct="1">
+              <a:spcBef>
+                <a:spcPct val="20000"/>
+              </a:spcBef>
+              <a:buFont typeface="Arial" panose="020B0604020202090204"/>
+              <a:buChar char="•"/>
+              <a:defRPr sz="2000" kern="1200">
+                <a:solidFill>
+                  <a:schemeClr val="tx1"/>
+                </a:solidFill>
+                <a:latin typeface="+mn-lt"/>
+                <a:ea typeface="+mn-ea"/>
+                <a:cs typeface="+mn-cs"/>
+              </a:defRPr>
+            </a:lvl8pPr>
+            <a:lvl9pPr marL="3886200" indent="-228600" algn="l" defTabSz="457200" rtl="0" eaLnBrk="1" latinLnBrk="0" hangingPunct="1">
+              <a:spcBef>
+                <a:spcPct val="20000"/>
+              </a:spcBef>
+              <a:buFont typeface="Arial" panose="020B0604020202090204"/>
+              <a:buChar char="•"/>
+              <a:defRPr sz="2000" kern="1200">
+                <a:solidFill>
+                  <a:schemeClr val="tx1"/>
+                </a:solidFill>
+                <a:latin typeface="+mn-lt"/>
+                <a:ea typeface="+mn-ea"/>
+                <a:cs typeface="+mn-cs"/>
+              </a:defRPr>
+            </a:lvl9pPr>
+          </a:lstStyle>
+          <a:p>
+            <a:pPr marL="342900" marR="0" lvl="0" indent="-342900" algn="l" defTabSz="457200" rtl="0" eaLnBrk="1" fontAlgn="auto" latinLnBrk="0" hangingPunct="1">
+              <a:lnSpc>
+                <a:spcPct val="130000"/>
+              </a:lnSpc>
+              <a:spcBef>
+                <a:spcPct val="20000"/>
+              </a:spcBef>
+              <a:spcAft>
+                <a:spcPts val="0"/>
+              </a:spcAft>
+              <a:buClrTx/>
+              <a:buSzTx/>
+              <a:buFont typeface="Wingdings" panose="05000000000000000000" pitchFamily="2" charset="2"/>
+              <a:buChar char="l"/>
+              <a:defRPr/>
+            </a:pPr>
+            <a:endParaRPr kumimoji="0" lang="en-US" altLang="zh-CN" sz="1800" b="0" i="0" u="none" strike="noStrike" kern="1200" cap="none" spc="0" normalizeH="0" baseline="0" noProof="0" dirty="0">
+              <a:ln>
+                <a:noFill/>
+              </a:ln>
+              <a:solidFill>
+                <a:prstClr val="black"/>
+              </a:solidFill>
+              <a:effectLst/>
+              <a:uLnTx/>
+              <a:uFillTx/>
+              <a:latin typeface="Calibri"/>
+              <a:ea typeface="微软雅黑" charset="-122"/>
+              <a:cs typeface="+mn-cs"/>
+            </a:endParaRPr>
+          </a:p>
+          <a:p>
+            <a:pPr marL="0" marR="0" lvl="0" indent="0" algn="l" defTabSz="457200" rtl="0" eaLnBrk="1" fontAlgn="auto" latinLnBrk="0" hangingPunct="1">
+              <a:lnSpc>
+                <a:spcPct val="130000"/>
+              </a:lnSpc>
+              <a:spcBef>
+                <a:spcPct val="20000"/>
+              </a:spcBef>
+              <a:spcAft>
+                <a:spcPts val="0"/>
+              </a:spcAft>
+              <a:buClrTx/>
+              <a:buSzTx/>
+              <a:buFont typeface="Arial" panose="020B0604020202090204"/>
+              <a:buNone/>
+              <a:defRPr/>
+            </a:pPr>
+            <a:endParaRPr kumimoji="0" lang="en-US" altLang="zh-CN" sz="1800" b="1" i="0" u="none" strike="noStrike" kern="1200" cap="none" spc="0" normalizeH="0" baseline="0" noProof="0" dirty="0">
+              <a:ln>
+                <a:noFill/>
+              </a:ln>
+              <a:solidFill>
+                <a:prstClr val="black"/>
+              </a:solidFill>
+              <a:effectLst/>
+              <a:uLnTx/>
+              <a:uFillTx/>
+              <a:latin typeface="Calibri"/>
+              <a:ea typeface="微软雅黑" charset="-122"/>
+              <a:cs typeface="+mn-cs"/>
+            </a:endParaRPr>
+          </a:p>
+          <a:p>
+            <a:pPr marL="0" marR="0" lvl="0" indent="0" algn="l" defTabSz="457200" rtl="0" eaLnBrk="1" fontAlgn="auto" latinLnBrk="0" hangingPunct="1">
+              <a:lnSpc>
+                <a:spcPct val="130000"/>
+              </a:lnSpc>
+              <a:spcBef>
+                <a:spcPct val="20000"/>
+              </a:spcBef>
+              <a:spcAft>
+                <a:spcPts val="0"/>
+              </a:spcAft>
+              <a:buClrTx/>
+              <a:buSzTx/>
+              <a:buFont typeface="Arial" panose="020B0604020202090204"/>
+              <a:buNone/>
+              <a:defRPr/>
+            </a:pPr>
+            <a:endParaRPr kumimoji="0" lang="en-US" altLang="zh-CN" sz="1800" b="1" i="0" u="none" strike="noStrike" kern="1200" cap="none" spc="0" normalizeH="0" baseline="0" noProof="0" dirty="0">
+              <a:ln>
+                <a:noFill/>
+              </a:ln>
+              <a:solidFill>
+                <a:prstClr val="black"/>
+              </a:solidFill>
+              <a:effectLst/>
+              <a:uLnTx/>
+              <a:uFillTx/>
+              <a:latin typeface="Calibri"/>
+              <a:ea typeface="微软雅黑" charset="-122"/>
+              <a:cs typeface="+mn-cs"/>
+            </a:endParaRPr>
+          </a:p>
+        </p:txBody>
+      </p:sp>
+      <p:sp>
+        <p:nvSpPr>
+          <p:cNvPr id="8" name="文本框 3">
+            <a:extLst>
+              <a:ext uri="{FF2B5EF4-FFF2-40B4-BE49-F238E27FC236}">
+                <a16:creationId xmlns:a16="http://schemas.microsoft.com/office/drawing/2014/main" id="{BC9CFE3C-2A73-064C-8D34-96F241756F2B}"/>
+              </a:ext>
+            </a:extLst>
+          </p:cNvPr>
+          <p:cNvSpPr txBox="1"/>
+          <p:nvPr/>
+        </p:nvSpPr>
+        <p:spPr>
+          <a:xfrm>
+            <a:off x="418465" y="1359550"/>
+            <a:ext cx="7902575" cy="2031325"/>
+          </a:xfrm>
+          <a:prstGeom prst="rect">
+            <a:avLst/>
+          </a:prstGeom>
+          <a:noFill/>
+        </p:spPr>
+        <p:txBody>
+          <a:bodyPr wrap="square" rtlCol="0">
+            <a:spAutoFit/>
+          </a:bodyPr>
+          <a:lstStyle/>
+          <a:p>
+            <a:r>
+              <a:rPr lang="en-US" altLang="zh-CN" b="1" dirty="0">
+                <a:latin typeface="PingFang SC" panose="020B0400000000000000" pitchFamily="34" charset="-122"/>
+                <a:ea typeface="PingFang SC" panose="020B0400000000000000" pitchFamily="34" charset="-122"/>
+              </a:rPr>
+              <a:t>1</a:t>
+            </a:r>
+            <a:r>
+              <a:rPr lang="zh-Hans" altLang="en-US" b="1" dirty="0">
+                <a:latin typeface="PingFang SC" panose="020B0400000000000000" pitchFamily="34" charset="-122"/>
+                <a:ea typeface="PingFang SC" panose="020B0400000000000000" pitchFamily="34" charset="-122"/>
+              </a:rPr>
+              <a:t>、</a:t>
+            </a:r>
+            <a:r>
+              <a:rPr lang="zh-CN" altLang="en-US" b="1" dirty="0">
+                <a:latin typeface="PingFang SC" panose="020B0400000000000000" pitchFamily="34" charset="-122"/>
+                <a:ea typeface="PingFang SC" panose="020B0400000000000000" pitchFamily="34" charset="-122"/>
+              </a:rPr>
+              <a:t>综合能力的</a:t>
+            </a:r>
+            <a:r>
+              <a:rPr lang="zh-Hans" altLang="en-US" b="1" dirty="0">
+                <a:latin typeface="PingFang SC" panose="020B0400000000000000" pitchFamily="34" charset="-122"/>
+                <a:ea typeface="PingFang SC" panose="020B0400000000000000" pitchFamily="34" charset="-122"/>
+              </a:rPr>
+              <a:t>提升</a:t>
+            </a:r>
+            <a:endParaRPr lang="en-US" altLang="zh-CN" b="1" dirty="0">
+              <a:latin typeface="PingFang SC" panose="020B0400000000000000" pitchFamily="34" charset="-122"/>
+              <a:ea typeface="PingFang SC" panose="020B0400000000000000" pitchFamily="34" charset="-122"/>
+            </a:endParaRPr>
+          </a:p>
+          <a:p>
+            <a:endParaRPr lang="en-US" altLang="zh-CN" dirty="0">
+              <a:latin typeface="PingFang SC" panose="020B0400000000000000" pitchFamily="34" charset="-122"/>
+              <a:ea typeface="PingFang SC" panose="020B0400000000000000" pitchFamily="34" charset="-122"/>
+            </a:endParaRPr>
+          </a:p>
+          <a:p>
+            <a:r>
+              <a:rPr lang="zh-CN" altLang="en-US" dirty="0">
+                <a:latin typeface="PingFang SC" panose="020B0400000000000000" pitchFamily="34" charset="-122"/>
+                <a:ea typeface="PingFang SC" panose="020B0400000000000000" pitchFamily="34" charset="-122"/>
+              </a:rPr>
+              <a:t>    项目设计，沟通</a:t>
+            </a:r>
+            <a:r>
+              <a:rPr lang="zh-Hans" altLang="en-US" dirty="0">
+                <a:latin typeface="PingFang SC" panose="020B0400000000000000" pitchFamily="34" charset="-122"/>
+                <a:ea typeface="PingFang SC" panose="020B0400000000000000" pitchFamily="34" charset="-122"/>
+              </a:rPr>
+              <a:t>协作</a:t>
+            </a:r>
+            <a:r>
+              <a:rPr lang="zh-CN" altLang="en-US" dirty="0">
+                <a:latin typeface="PingFang SC" panose="020B0400000000000000" pitchFamily="34" charset="-122"/>
+                <a:ea typeface="PingFang SC" panose="020B0400000000000000" pitchFamily="34" charset="-122"/>
+              </a:rPr>
+              <a:t>，</a:t>
+            </a:r>
+            <a:r>
+              <a:rPr lang="zh-Hans" altLang="en-US" dirty="0">
+                <a:latin typeface="PingFang SC" panose="020B0400000000000000" pitchFamily="34" charset="-122"/>
+                <a:ea typeface="PingFang SC" panose="020B0400000000000000" pitchFamily="34" charset="-122"/>
+              </a:rPr>
+              <a:t>对安居客、</a:t>
+            </a:r>
+            <a:r>
+              <a:rPr lang="en-US" altLang="zh-Hans" dirty="0">
+                <a:latin typeface="PingFang SC" panose="020B0400000000000000" pitchFamily="34" charset="-122"/>
+                <a:ea typeface="PingFang SC" panose="020B0400000000000000" pitchFamily="34" charset="-122"/>
+              </a:rPr>
+              <a:t>58</a:t>
+            </a:r>
+            <a:r>
+              <a:rPr lang="zh-Hans" altLang="en-US" dirty="0">
+                <a:latin typeface="PingFang SC" panose="020B0400000000000000" pitchFamily="34" charset="-122"/>
+                <a:ea typeface="PingFang SC" panose="020B0400000000000000" pitchFamily="34" charset="-122"/>
+              </a:rPr>
+              <a:t>平台的深入认知</a:t>
+            </a:r>
+            <a:endParaRPr lang="en-US" altLang="zh-CN" dirty="0">
+              <a:latin typeface="PingFang SC" panose="020B0400000000000000" pitchFamily="34" charset="-122"/>
+              <a:ea typeface="PingFang SC" panose="020B0400000000000000" pitchFamily="34" charset="-122"/>
+            </a:endParaRPr>
+          </a:p>
+          <a:p>
+            <a:endParaRPr lang="en-US" altLang="zh-CN" dirty="0">
+              <a:latin typeface="PingFang SC" panose="020B0400000000000000" pitchFamily="34" charset="-122"/>
+              <a:ea typeface="PingFang SC" panose="020B0400000000000000" pitchFamily="34" charset="-122"/>
+            </a:endParaRPr>
+          </a:p>
+          <a:p>
+            <a:endParaRPr lang="en-US" altLang="zh-Hans" dirty="0">
+              <a:latin typeface="PingFang SC" panose="020B0400000000000000" pitchFamily="34" charset="-122"/>
+              <a:ea typeface="PingFang SC" panose="020B0400000000000000" pitchFamily="34" charset="-122"/>
+            </a:endParaRPr>
+          </a:p>
+          <a:p>
+            <a:endParaRPr lang="en-US" altLang="zh-Hans" dirty="0">
+              <a:latin typeface="PingFang SC" panose="020B0400000000000000" pitchFamily="34" charset="-122"/>
+              <a:ea typeface="PingFang SC" panose="020B0400000000000000" pitchFamily="34" charset="-122"/>
+            </a:endParaRPr>
+          </a:p>
+          <a:p>
+            <a:endParaRPr lang="en-US" altLang="zh-CN" dirty="0">
+              <a:latin typeface="PingFang SC" panose="020B0400000000000000" pitchFamily="34" charset="-122"/>
+              <a:ea typeface="PingFang SC" panose="020B0400000000000000" pitchFamily="34" charset="-122"/>
+            </a:endParaRPr>
+          </a:p>
+        </p:txBody>
+      </p:sp>
+    </p:spTree>
+    <p:custDataLst>
+      <p:tags r:id="rId1"/>
+    </p:custDataLst>
+    <p:extLst>
+      <p:ext uri="{BB962C8B-B14F-4D97-AF65-F5344CB8AC3E}">
+        <p14:creationId xmlns:p14="http://schemas.microsoft.com/office/powerpoint/2010/main" val="1004055077"/>
+      </p:ext>
+    </p:extLst>
+  </p:cSld>
+  <p:clrMapOvr>
+    <a:masterClrMapping/>
+  </p:clrMapOvr>
+</p:sld>
+</file>
+
+<file path=ppt/slides/slide29.xml><?xml version="1.0" encoding="utf-8"?>
 <p:sld xmlns:a="http://schemas.openxmlformats.org/drawingml/2006/main" xmlns:r="http://schemas.openxmlformats.org/officeDocument/2006/relationships" xmlns:p="http://schemas.openxmlformats.org/presentationml/2006/main">
   <p:cSld>
     <p:spTree>
@@ -24400,6 +31030,66 @@
           </a:p>
         </p:txBody>
       </p:sp>
+      <p:sp>
+        <p:nvSpPr>
+          <p:cNvPr id="13" name="矩形 12">
+            <a:extLst>
+              <a:ext uri="{FF2B5EF4-FFF2-40B4-BE49-F238E27FC236}">
+                <a16:creationId xmlns:a16="http://schemas.microsoft.com/office/drawing/2014/main" id="{6945C11D-10EA-594D-88B1-22E38D75C4F9}"/>
+              </a:ext>
+            </a:extLst>
+          </p:cNvPr>
+          <p:cNvSpPr/>
+          <p:nvPr/>
+        </p:nvSpPr>
+        <p:spPr>
+          <a:xfrm>
+            <a:off x="3848586" y="3300287"/>
+            <a:ext cx="3452100" cy="520120"/>
+          </a:xfrm>
+          <a:prstGeom prst="rect">
+            <a:avLst/>
+          </a:prstGeom>
+          <a:solidFill>
+            <a:srgbClr val="92D050"/>
+          </a:solidFill>
+          <a:ln>
+            <a:noFill/>
+          </a:ln>
+        </p:spPr>
+        <p:style>
+          <a:lnRef idx="1">
+            <a:schemeClr val="accent1"/>
+          </a:lnRef>
+          <a:fillRef idx="3">
+            <a:schemeClr val="accent1"/>
+          </a:fillRef>
+          <a:effectRef idx="2">
+            <a:schemeClr val="accent1"/>
+          </a:effectRef>
+          <a:fontRef idx="minor">
+            <a:schemeClr val="lt1"/>
+          </a:fontRef>
+        </p:style>
+        <p:txBody>
+          <a:bodyPr rtlCol="0" anchor="ctr"/>
+          <a:lstStyle/>
+          <a:p>
+            <a:pPr algn="ctr"/>
+            <a:r>
+              <a:rPr kumimoji="1" lang="zh-Hans" altLang="en-US" dirty="0">
+                <a:latin typeface="PingFang SC" panose="020B0400000000000000" pitchFamily="34" charset="-122"/>
+                <a:ea typeface="PingFang SC" panose="020B0400000000000000" pitchFamily="34" charset="-122"/>
+              </a:rPr>
+              <a:t>微聊</a:t>
+            </a:r>
+            <a:endParaRPr kumimoji="1" lang="zh-CN" altLang="en-US" dirty="0">
+              <a:latin typeface="PingFang SC" panose="020B0400000000000000" pitchFamily="34" charset="-122"/>
+              <a:ea typeface="PingFang SC" panose="020B0400000000000000" pitchFamily="34" charset="-122"/>
+            </a:endParaRPr>
+          </a:p>
+        </p:txBody>
+      </p:sp>
     </p:spTree>
     <p:custDataLst>
       <p:tags r:id="rId1"/>
@@ -26403,7 +33093,37 @@
 </p:tagLst>
 </file>
 
+<file path=ppt/tags/tag19.xml><?xml version="1.0" encoding="utf-8"?>
+<p:tagLst xmlns:a="http://schemas.openxmlformats.org/drawingml/2006/main" xmlns:r="http://schemas.openxmlformats.org/officeDocument/2006/relationships" xmlns:p="http://schemas.openxmlformats.org/presentationml/2006/main">
+  <p:tag name="TIMING" val="|3.1|1"/>
+</p:tagLst>
+</file>
+
 <file path=ppt/tags/tag2.xml><?xml version="1.0" encoding="utf-8"?>
+<p:tagLst xmlns:a="http://schemas.openxmlformats.org/drawingml/2006/main" xmlns:r="http://schemas.openxmlformats.org/officeDocument/2006/relationships" xmlns:p="http://schemas.openxmlformats.org/presentationml/2006/main">
+  <p:tag name="TIMING" val="|3.1|1"/>
+</p:tagLst>
+</file>
+
+<file path=ppt/tags/tag20.xml><?xml version="1.0" encoding="utf-8"?>
+<p:tagLst xmlns:a="http://schemas.openxmlformats.org/drawingml/2006/main" xmlns:r="http://schemas.openxmlformats.org/officeDocument/2006/relationships" xmlns:p="http://schemas.openxmlformats.org/presentationml/2006/main">
+  <p:tag name="TIMING" val="|3.1|1"/>
+</p:tagLst>
+</file>
+
+<file path=ppt/tags/tag21.xml><?xml version="1.0" encoding="utf-8"?>
+<p:tagLst xmlns:a="http://schemas.openxmlformats.org/drawingml/2006/main" xmlns:r="http://schemas.openxmlformats.org/officeDocument/2006/relationships" xmlns:p="http://schemas.openxmlformats.org/presentationml/2006/main">
+  <p:tag name="TIMING" val="|3.1|1"/>
+</p:tagLst>
+</file>
+
+<file path=ppt/tags/tag22.xml><?xml version="1.0" encoding="utf-8"?>
+<p:tagLst xmlns:a="http://schemas.openxmlformats.org/drawingml/2006/main" xmlns:r="http://schemas.openxmlformats.org/officeDocument/2006/relationships" xmlns:p="http://schemas.openxmlformats.org/presentationml/2006/main">
+  <p:tag name="TIMING" val="|3.1|1"/>
+</p:tagLst>
+</file>
+
+<file path=ppt/tags/tag23.xml><?xml version="1.0" encoding="utf-8"?>
 <p:tagLst xmlns:a="http://schemas.openxmlformats.org/drawingml/2006/main" xmlns:r="http://schemas.openxmlformats.org/officeDocument/2006/relationships" xmlns:p="http://schemas.openxmlformats.org/presentationml/2006/main">
   <p:tag name="TIMING" val="|3.1|1"/>
 </p:tagLst>
